--- a/screenshots/imgs.pptx
+++ b/screenshots/imgs.pptx
@@ -104,6 +104,11 @@
       </a:defRPr>
     </a:lvl9pPr>
   </p:defaultTextStyle>
+  <p:extLst>
+    <p:ext uri="{EFAFB233-063F-42B5-8137-9DF3F51BA10A}">
+      <p15:sldGuideLst xmlns:p15="http://schemas.microsoft.com/office/powerpoint/2012/main"/>
+    </p:ext>
+  </p:extLst>
 </p:presentation>
 </file>
 
@@ -3570,7 +3575,7 @@
             <a:avLst/>
           </a:prstGeom>
           <a:solidFill>
-            <a:srgbClr val="9EF4F4"/>
+            <a:srgbClr val="CDF7E1"/>
           </a:solidFill>
           <a:ln>
             <a:noFill/>
@@ -3696,7 +3701,7 @@
             <a:avLst/>
           </a:prstGeom>
           <a:solidFill>
-            <a:srgbClr val="88ECB8"/>
+            <a:srgbClr val="B1BDF1"/>
           </a:solidFill>
           <a:ln>
             <a:noFill/>

--- a/screenshots/imgs.pptx
+++ b/screenshots/imgs.pptx
@@ -6,6 +6,7 @@
   </p:sldMasterIdLst>
   <p:sldIdLst>
     <p:sldId id="256" r:id="rId2"/>
+    <p:sldId id="257" r:id="rId3"/>
   </p:sldIdLst>
   <p:sldSz cx="12192000" cy="6858000"/>
   <p:notesSz cx="6858000" cy="9144000"/>
@@ -261,7 +262,7 @@
           <a:p>
             <a:fld id="{166DC043-4AEC-4A4E-AB79-0D54B7828DD9}" type="datetimeFigureOut">
               <a:rPr lang="en-GB" smtClean="0"/>
-              <a:t>19/04/2021</a:t>
+              <a:t>22/04/2021</a:t>
             </a:fld>
             <a:endParaRPr lang="en-GB"/>
           </a:p>
@@ -461,7 +462,7 @@
           <a:p>
             <a:fld id="{166DC043-4AEC-4A4E-AB79-0D54B7828DD9}" type="datetimeFigureOut">
               <a:rPr lang="en-GB" smtClean="0"/>
-              <a:t>19/04/2021</a:t>
+              <a:t>22/04/2021</a:t>
             </a:fld>
             <a:endParaRPr lang="en-GB"/>
           </a:p>
@@ -671,7 +672,7 @@
           <a:p>
             <a:fld id="{166DC043-4AEC-4A4E-AB79-0D54B7828DD9}" type="datetimeFigureOut">
               <a:rPr lang="en-GB" smtClean="0"/>
-              <a:t>19/04/2021</a:t>
+              <a:t>22/04/2021</a:t>
             </a:fld>
             <a:endParaRPr lang="en-GB"/>
           </a:p>
@@ -871,7 +872,7 @@
           <a:p>
             <a:fld id="{166DC043-4AEC-4A4E-AB79-0D54B7828DD9}" type="datetimeFigureOut">
               <a:rPr lang="en-GB" smtClean="0"/>
-              <a:t>19/04/2021</a:t>
+              <a:t>22/04/2021</a:t>
             </a:fld>
             <a:endParaRPr lang="en-GB"/>
           </a:p>
@@ -1147,7 +1148,7 @@
           <a:p>
             <a:fld id="{166DC043-4AEC-4A4E-AB79-0D54B7828DD9}" type="datetimeFigureOut">
               <a:rPr lang="en-GB" smtClean="0"/>
-              <a:t>19/04/2021</a:t>
+              <a:t>22/04/2021</a:t>
             </a:fld>
             <a:endParaRPr lang="en-GB"/>
           </a:p>
@@ -1415,7 +1416,7 @@
           <a:p>
             <a:fld id="{166DC043-4AEC-4A4E-AB79-0D54B7828DD9}" type="datetimeFigureOut">
               <a:rPr lang="en-GB" smtClean="0"/>
-              <a:t>19/04/2021</a:t>
+              <a:t>22/04/2021</a:t>
             </a:fld>
             <a:endParaRPr lang="en-GB"/>
           </a:p>
@@ -1830,7 +1831,7 @@
           <a:p>
             <a:fld id="{166DC043-4AEC-4A4E-AB79-0D54B7828DD9}" type="datetimeFigureOut">
               <a:rPr lang="en-GB" smtClean="0"/>
-              <a:t>19/04/2021</a:t>
+              <a:t>22/04/2021</a:t>
             </a:fld>
             <a:endParaRPr lang="en-GB"/>
           </a:p>
@@ -1972,7 +1973,7 @@
           <a:p>
             <a:fld id="{166DC043-4AEC-4A4E-AB79-0D54B7828DD9}" type="datetimeFigureOut">
               <a:rPr lang="en-GB" smtClean="0"/>
-              <a:t>19/04/2021</a:t>
+              <a:t>22/04/2021</a:t>
             </a:fld>
             <a:endParaRPr lang="en-GB"/>
           </a:p>
@@ -2085,7 +2086,7 @@
           <a:p>
             <a:fld id="{166DC043-4AEC-4A4E-AB79-0D54B7828DD9}" type="datetimeFigureOut">
               <a:rPr lang="en-GB" smtClean="0"/>
-              <a:t>19/04/2021</a:t>
+              <a:t>22/04/2021</a:t>
             </a:fld>
             <a:endParaRPr lang="en-GB"/>
           </a:p>
@@ -2398,7 +2399,7 @@
           <a:p>
             <a:fld id="{166DC043-4AEC-4A4E-AB79-0D54B7828DD9}" type="datetimeFigureOut">
               <a:rPr lang="en-GB" smtClean="0"/>
-              <a:t>19/04/2021</a:t>
+              <a:t>22/04/2021</a:t>
             </a:fld>
             <a:endParaRPr lang="en-GB"/>
           </a:p>
@@ -2687,7 +2688,7 @@
           <a:p>
             <a:fld id="{166DC043-4AEC-4A4E-AB79-0D54B7828DD9}" type="datetimeFigureOut">
               <a:rPr lang="en-GB" smtClean="0"/>
-              <a:t>19/04/2021</a:t>
+              <a:t>22/04/2021</a:t>
             </a:fld>
             <a:endParaRPr lang="en-GB"/>
           </a:p>
@@ -2930,7 +2931,7 @@
           <a:p>
             <a:fld id="{166DC043-4AEC-4A4E-AB79-0D54B7828DD9}" type="datetimeFigureOut">
               <a:rPr lang="en-GB" smtClean="0"/>
-              <a:t>19/04/2021</a:t>
+              <a:t>22/04/2021</a:t>
             </a:fld>
             <a:endParaRPr lang="en-GB"/>
           </a:p>
@@ -3952,6 +3953,260 @@
 </p:sld>
 </file>
 
+<file path=ppt/slides/slide2.xml><?xml version="1.0" encoding="utf-8"?>
+<p:sld xmlns:a="http://schemas.openxmlformats.org/drawingml/2006/main" xmlns:r="http://schemas.openxmlformats.org/officeDocument/2006/relationships" xmlns:p="http://schemas.openxmlformats.org/presentationml/2006/main">
+  <p:cSld>
+    <p:bg>
+      <p:bgPr>
+        <a:solidFill>
+          <a:schemeClr val="bg1"/>
+        </a:solidFill>
+        <a:effectLst/>
+      </p:bgPr>
+    </p:bg>
+    <p:spTree>
+      <p:nvGrpSpPr>
+        <p:cNvPr id="1" name=""/>
+        <p:cNvGrpSpPr/>
+        <p:nvPr/>
+      </p:nvGrpSpPr>
+      <p:grpSpPr>
+        <a:xfrm>
+          <a:off x="0" y="0"/>
+          <a:ext cx="0" cy="0"/>
+          <a:chOff x="0" y="0"/>
+          <a:chExt cx="0" cy="0"/>
+        </a:xfrm>
+      </p:grpSpPr>
+      <p:pic>
+        <p:nvPicPr>
+          <p:cNvPr id="5" name="Picture 4" descr="Table&#10;&#10;Description automatically generated">
+            <a:extLst>
+              <a:ext uri="{FF2B5EF4-FFF2-40B4-BE49-F238E27FC236}">
+                <a16:creationId xmlns:a16="http://schemas.microsoft.com/office/drawing/2014/main" id="{8D896F53-79A2-4EB1-BCB1-376558C9BF8A}"/>
+              </a:ext>
+            </a:extLst>
+          </p:cNvPr>
+          <p:cNvPicPr>
+            <a:picLocks noChangeAspect="1"/>
+          </p:cNvPicPr>
+          <p:nvPr/>
+        </p:nvPicPr>
+        <p:blipFill>
+          <a:blip r:embed="rId2">
+            <a:extLst>
+              <a:ext uri="{28A0092B-C50C-407E-A947-70E740481C1C}">
+                <a14:useLocalDpi xmlns:a14="http://schemas.microsoft.com/office/drawing/2010/main" val="0"/>
+              </a:ext>
+            </a:extLst>
+          </a:blip>
+          <a:stretch>
+            <a:fillRect/>
+          </a:stretch>
+        </p:blipFill>
+        <p:spPr>
+          <a:xfrm>
+            <a:off x="2480153" y="614904"/>
+            <a:ext cx="7863327" cy="6243096"/>
+          </a:xfrm>
+          <a:prstGeom prst="rect">
+            <a:avLst/>
+          </a:prstGeom>
+        </p:spPr>
+      </p:pic>
+      <p:cxnSp>
+        <p:nvCxnSpPr>
+          <p:cNvPr id="7" name="Straight Arrow Connector 6">
+            <a:extLst>
+              <a:ext uri="{FF2B5EF4-FFF2-40B4-BE49-F238E27FC236}">
+                <a16:creationId xmlns:a16="http://schemas.microsoft.com/office/drawing/2014/main" id="{B1DE40B3-4272-460A-B1DD-50B68EF34516}"/>
+              </a:ext>
+            </a:extLst>
+          </p:cNvPr>
+          <p:cNvCxnSpPr>
+            <a:cxnSpLocks/>
+          </p:cNvCxnSpPr>
+          <p:nvPr/>
+        </p:nvCxnSpPr>
+        <p:spPr>
+          <a:xfrm>
+            <a:off x="3507288" y="726510"/>
+            <a:ext cx="1866378" cy="0"/>
+          </a:xfrm>
+          <a:prstGeom prst="straightConnector1">
+            <a:avLst/>
+          </a:prstGeom>
+          <a:ln>
+            <a:tailEnd type="triangle"/>
+          </a:ln>
+        </p:spPr>
+        <p:style>
+          <a:lnRef idx="2">
+            <a:schemeClr val="accent1"/>
+          </a:lnRef>
+          <a:fillRef idx="0">
+            <a:schemeClr val="accent1"/>
+          </a:fillRef>
+          <a:effectRef idx="1">
+            <a:schemeClr val="accent1"/>
+          </a:effectRef>
+          <a:fontRef idx="minor">
+            <a:schemeClr val="tx1"/>
+          </a:fontRef>
+        </p:style>
+      </p:cxnSp>
+      <p:sp>
+        <p:nvSpPr>
+          <p:cNvPr id="11" name="TextBox 10">
+            <a:extLst>
+              <a:ext uri="{FF2B5EF4-FFF2-40B4-BE49-F238E27FC236}">
+                <a16:creationId xmlns:a16="http://schemas.microsoft.com/office/drawing/2014/main" id="{7A803428-EEEF-49E0-8095-2DD04ED878D2}"/>
+              </a:ext>
+            </a:extLst>
+          </p:cNvPr>
+          <p:cNvSpPr txBox="1"/>
+          <p:nvPr/>
+        </p:nvSpPr>
+        <p:spPr>
+          <a:xfrm>
+            <a:off x="2705621" y="541844"/>
+            <a:ext cx="839243" cy="369332"/>
+          </a:xfrm>
+          <a:prstGeom prst="rect">
+            <a:avLst/>
+          </a:prstGeom>
+        </p:spPr>
+        <p:style>
+          <a:lnRef idx="0">
+            <a:schemeClr val="accent1"/>
+          </a:lnRef>
+          <a:fillRef idx="3">
+            <a:schemeClr val="accent1"/>
+          </a:fillRef>
+          <a:effectRef idx="3">
+            <a:schemeClr val="accent1"/>
+          </a:effectRef>
+          <a:fontRef idx="minor">
+            <a:schemeClr val="lt1"/>
+          </a:fontRef>
+        </p:style>
+        <p:txBody>
+          <a:bodyPr wrap="square" rtlCol="0">
+            <a:spAutoFit/>
+          </a:bodyPr>
+          <a:lstStyle/>
+          <a:p>
+            <a:r>
+              <a:rPr lang="it-IT" dirty="0" err="1"/>
+              <a:t>Before</a:t>
+            </a:r>
+            <a:endParaRPr lang="en-GB" dirty="0"/>
+          </a:p>
+        </p:txBody>
+      </p:sp>
+      <p:cxnSp>
+        <p:nvCxnSpPr>
+          <p:cNvPr id="15" name="Straight Arrow Connector 14">
+            <a:extLst>
+              <a:ext uri="{FF2B5EF4-FFF2-40B4-BE49-F238E27FC236}">
+                <a16:creationId xmlns:a16="http://schemas.microsoft.com/office/drawing/2014/main" id="{DB8A5549-88B2-46A9-A7AE-E01B43E81F6E}"/>
+              </a:ext>
+            </a:extLst>
+          </p:cNvPr>
+          <p:cNvCxnSpPr>
+            <a:cxnSpLocks/>
+          </p:cNvCxnSpPr>
+          <p:nvPr/>
+        </p:nvCxnSpPr>
+        <p:spPr>
+          <a:xfrm flipH="1">
+            <a:off x="7240044" y="3983277"/>
+            <a:ext cx="2129424" cy="0"/>
+          </a:xfrm>
+          <a:prstGeom prst="straightConnector1">
+            <a:avLst/>
+          </a:prstGeom>
+          <a:ln>
+            <a:tailEnd type="triangle"/>
+          </a:ln>
+        </p:spPr>
+        <p:style>
+          <a:lnRef idx="2">
+            <a:schemeClr val="accent1"/>
+          </a:lnRef>
+          <a:fillRef idx="0">
+            <a:schemeClr val="accent1"/>
+          </a:fillRef>
+          <a:effectRef idx="1">
+            <a:schemeClr val="accent1"/>
+          </a:effectRef>
+          <a:fontRef idx="minor">
+            <a:schemeClr val="tx1"/>
+          </a:fontRef>
+        </p:style>
+      </p:cxnSp>
+      <p:sp>
+        <p:nvSpPr>
+          <p:cNvPr id="18" name="TextBox 17">
+            <a:extLst>
+              <a:ext uri="{FF2B5EF4-FFF2-40B4-BE49-F238E27FC236}">
+                <a16:creationId xmlns:a16="http://schemas.microsoft.com/office/drawing/2014/main" id="{E8928278-F21E-4112-98B2-302B53618636}"/>
+              </a:ext>
+            </a:extLst>
+          </p:cNvPr>
+          <p:cNvSpPr txBox="1"/>
+          <p:nvPr/>
+        </p:nvSpPr>
+        <p:spPr>
+          <a:xfrm>
+            <a:off x="9369468" y="3798611"/>
+            <a:ext cx="704476" cy="369332"/>
+          </a:xfrm>
+          <a:prstGeom prst="rect">
+            <a:avLst/>
+          </a:prstGeom>
+        </p:spPr>
+        <p:style>
+          <a:lnRef idx="0">
+            <a:schemeClr val="accent1"/>
+          </a:lnRef>
+          <a:fillRef idx="3">
+            <a:schemeClr val="accent1"/>
+          </a:fillRef>
+          <a:effectRef idx="3">
+            <a:schemeClr val="accent1"/>
+          </a:effectRef>
+          <a:fontRef idx="minor">
+            <a:schemeClr val="lt1"/>
+          </a:fontRef>
+        </p:style>
+        <p:txBody>
+          <a:bodyPr wrap="square" rtlCol="0">
+            <a:spAutoFit/>
+          </a:bodyPr>
+          <a:lstStyle/>
+          <a:p>
+            <a:r>
+              <a:rPr lang="it-IT" dirty="0"/>
+              <a:t>After</a:t>
+            </a:r>
+            <a:endParaRPr lang="en-GB" dirty="0"/>
+          </a:p>
+        </p:txBody>
+      </p:sp>
+    </p:spTree>
+    <p:extLst>
+      <p:ext uri="{BB962C8B-B14F-4D97-AF65-F5344CB8AC3E}">
+        <p14:creationId xmlns:p14="http://schemas.microsoft.com/office/powerpoint/2010/main" val="2321398011"/>
+      </p:ext>
+    </p:extLst>
+  </p:cSld>
+  <p:clrMapOvr>
+    <a:masterClrMapping/>
+  </p:clrMapOvr>
+</p:sld>
+</file>
+
 <file path=ppt/theme/theme1.xml><?xml version="1.0" encoding="utf-8"?>
 <a:theme xmlns:a="http://schemas.openxmlformats.org/drawingml/2006/main" name="Office Theme">
   <a:themeElements>

--- a/screenshots/imgs.pptx
+++ b/screenshots/imgs.pptx
@@ -7,6 +7,7 @@
   <p:sldIdLst>
     <p:sldId id="256" r:id="rId2"/>
     <p:sldId id="257" r:id="rId3"/>
+    <p:sldId id="258" r:id="rId4"/>
   </p:sldIdLst>
   <p:sldSz cx="12192000" cy="6858000"/>
   <p:notesSz cx="6858000" cy="9144000"/>
@@ -262,7 +263,7 @@
           <a:p>
             <a:fld id="{166DC043-4AEC-4A4E-AB79-0D54B7828DD9}" type="datetimeFigureOut">
               <a:rPr lang="en-GB" smtClean="0"/>
-              <a:t>22/04/2021</a:t>
+              <a:t>29/04/2021</a:t>
             </a:fld>
             <a:endParaRPr lang="en-GB"/>
           </a:p>
@@ -462,7 +463,7 @@
           <a:p>
             <a:fld id="{166DC043-4AEC-4A4E-AB79-0D54B7828DD9}" type="datetimeFigureOut">
               <a:rPr lang="en-GB" smtClean="0"/>
-              <a:t>22/04/2021</a:t>
+              <a:t>29/04/2021</a:t>
             </a:fld>
             <a:endParaRPr lang="en-GB"/>
           </a:p>
@@ -672,7 +673,7 @@
           <a:p>
             <a:fld id="{166DC043-4AEC-4A4E-AB79-0D54B7828DD9}" type="datetimeFigureOut">
               <a:rPr lang="en-GB" smtClean="0"/>
-              <a:t>22/04/2021</a:t>
+              <a:t>29/04/2021</a:t>
             </a:fld>
             <a:endParaRPr lang="en-GB"/>
           </a:p>
@@ -872,7 +873,7 @@
           <a:p>
             <a:fld id="{166DC043-4AEC-4A4E-AB79-0D54B7828DD9}" type="datetimeFigureOut">
               <a:rPr lang="en-GB" smtClean="0"/>
-              <a:t>22/04/2021</a:t>
+              <a:t>29/04/2021</a:t>
             </a:fld>
             <a:endParaRPr lang="en-GB"/>
           </a:p>
@@ -1148,7 +1149,7 @@
           <a:p>
             <a:fld id="{166DC043-4AEC-4A4E-AB79-0D54B7828DD9}" type="datetimeFigureOut">
               <a:rPr lang="en-GB" smtClean="0"/>
-              <a:t>22/04/2021</a:t>
+              <a:t>29/04/2021</a:t>
             </a:fld>
             <a:endParaRPr lang="en-GB"/>
           </a:p>
@@ -1416,7 +1417,7 @@
           <a:p>
             <a:fld id="{166DC043-4AEC-4A4E-AB79-0D54B7828DD9}" type="datetimeFigureOut">
               <a:rPr lang="en-GB" smtClean="0"/>
-              <a:t>22/04/2021</a:t>
+              <a:t>29/04/2021</a:t>
             </a:fld>
             <a:endParaRPr lang="en-GB"/>
           </a:p>
@@ -1831,7 +1832,7 @@
           <a:p>
             <a:fld id="{166DC043-4AEC-4A4E-AB79-0D54B7828DD9}" type="datetimeFigureOut">
               <a:rPr lang="en-GB" smtClean="0"/>
-              <a:t>22/04/2021</a:t>
+              <a:t>29/04/2021</a:t>
             </a:fld>
             <a:endParaRPr lang="en-GB"/>
           </a:p>
@@ -1973,7 +1974,7 @@
           <a:p>
             <a:fld id="{166DC043-4AEC-4A4E-AB79-0D54B7828DD9}" type="datetimeFigureOut">
               <a:rPr lang="en-GB" smtClean="0"/>
-              <a:t>22/04/2021</a:t>
+              <a:t>29/04/2021</a:t>
             </a:fld>
             <a:endParaRPr lang="en-GB"/>
           </a:p>
@@ -2086,7 +2087,7 @@
           <a:p>
             <a:fld id="{166DC043-4AEC-4A4E-AB79-0D54B7828DD9}" type="datetimeFigureOut">
               <a:rPr lang="en-GB" smtClean="0"/>
-              <a:t>22/04/2021</a:t>
+              <a:t>29/04/2021</a:t>
             </a:fld>
             <a:endParaRPr lang="en-GB"/>
           </a:p>
@@ -2399,7 +2400,7 @@
           <a:p>
             <a:fld id="{166DC043-4AEC-4A4E-AB79-0D54B7828DD9}" type="datetimeFigureOut">
               <a:rPr lang="en-GB" smtClean="0"/>
-              <a:t>22/04/2021</a:t>
+              <a:t>29/04/2021</a:t>
             </a:fld>
             <a:endParaRPr lang="en-GB"/>
           </a:p>
@@ -2688,7 +2689,7 @@
           <a:p>
             <a:fld id="{166DC043-4AEC-4A4E-AB79-0D54B7828DD9}" type="datetimeFigureOut">
               <a:rPr lang="en-GB" smtClean="0"/>
-              <a:t>22/04/2021</a:t>
+              <a:t>29/04/2021</a:t>
             </a:fld>
             <a:endParaRPr lang="en-GB"/>
           </a:p>
@@ -2931,7 +2932,7 @@
           <a:p>
             <a:fld id="{166DC043-4AEC-4A4E-AB79-0D54B7828DD9}" type="datetimeFigureOut">
               <a:rPr lang="en-GB" smtClean="0"/>
-              <a:t>22/04/2021</a:t>
+              <a:t>29/04/2021</a:t>
             </a:fld>
             <a:endParaRPr lang="en-GB"/>
           </a:p>
@@ -4207,6 +4208,290 @@
 </p:sld>
 </file>
 
+<file path=ppt/slides/slide3.xml><?xml version="1.0" encoding="utf-8"?>
+<p:sld xmlns:a="http://schemas.openxmlformats.org/drawingml/2006/main" xmlns:r="http://schemas.openxmlformats.org/officeDocument/2006/relationships" xmlns:p="http://schemas.openxmlformats.org/presentationml/2006/main">
+  <p:cSld>
+    <p:spTree>
+      <p:nvGrpSpPr>
+        <p:cNvPr id="1" name=""/>
+        <p:cNvGrpSpPr/>
+        <p:nvPr/>
+      </p:nvGrpSpPr>
+      <p:grpSpPr>
+        <a:xfrm>
+          <a:off x="0" y="0"/>
+          <a:ext cx="0" cy="0"/>
+          <a:chOff x="0" y="0"/>
+          <a:chExt cx="0" cy="0"/>
+        </a:xfrm>
+      </p:grpSpPr>
+      <p:pic>
+        <p:nvPicPr>
+          <p:cNvPr id="7" name="Picture 6" descr="Table&#10;&#10;Description automatically generated">
+            <a:extLst>
+              <a:ext uri="{FF2B5EF4-FFF2-40B4-BE49-F238E27FC236}">
+                <a16:creationId xmlns:a16="http://schemas.microsoft.com/office/drawing/2014/main" id="{A80CF4A5-9CAD-40DF-8DB7-E70F50138746}"/>
+              </a:ext>
+            </a:extLst>
+          </p:cNvPr>
+          <p:cNvPicPr>
+            <a:picLocks noChangeAspect="1"/>
+          </p:cNvPicPr>
+          <p:nvPr/>
+        </p:nvPicPr>
+        <p:blipFill rotWithShape="1">
+          <a:blip r:embed="rId2">
+            <a:extLst>
+              <a:ext uri="{28A0092B-C50C-407E-A947-70E740481C1C}">
+                <a14:useLocalDpi xmlns:a14="http://schemas.microsoft.com/office/drawing/2010/main" val="0"/>
+              </a:ext>
+            </a:extLst>
+          </a:blip>
+          <a:srcRect t="55987" r="553"/>
+          <a:stretch/>
+        </p:blipFill>
+        <p:spPr>
+          <a:xfrm>
+            <a:off x="3471808" y="751562"/>
+            <a:ext cx="5248383" cy="2104779"/>
+          </a:xfrm>
+          <a:prstGeom prst="rect">
+            <a:avLst/>
+          </a:prstGeom>
+        </p:spPr>
+      </p:pic>
+      <p:pic>
+        <p:nvPicPr>
+          <p:cNvPr id="5" name="Picture 4" descr="Table&#10;&#10;Description automatically generated">
+            <a:extLst>
+              <a:ext uri="{FF2B5EF4-FFF2-40B4-BE49-F238E27FC236}">
+                <a16:creationId xmlns:a16="http://schemas.microsoft.com/office/drawing/2014/main" id="{14172FBA-9522-49E2-AD19-5DD4755FF20E}"/>
+              </a:ext>
+            </a:extLst>
+          </p:cNvPr>
+          <p:cNvPicPr>
+            <a:picLocks noChangeAspect="1"/>
+          </p:cNvPicPr>
+          <p:nvPr/>
+        </p:nvPicPr>
+        <p:blipFill rotWithShape="1">
+          <a:blip r:embed="rId2">
+            <a:extLst>
+              <a:ext uri="{28A0092B-C50C-407E-A947-70E740481C1C}">
+                <a14:useLocalDpi xmlns:a14="http://schemas.microsoft.com/office/drawing/2010/main" val="0"/>
+              </a:ext>
+            </a:extLst>
+          </a:blip>
+          <a:srcRect r="553" b="55987"/>
+          <a:stretch/>
+        </p:blipFill>
+        <p:spPr>
+          <a:xfrm>
+            <a:off x="3457206" y="-1303113"/>
+            <a:ext cx="5248383" cy="2104779"/>
+          </a:xfrm>
+          <a:prstGeom prst="rect">
+            <a:avLst/>
+          </a:prstGeom>
+        </p:spPr>
+      </p:pic>
+      <p:pic>
+        <p:nvPicPr>
+          <p:cNvPr id="9" name="Picture 8" descr="Table&#10;&#10;Description automatically generated">
+            <a:extLst>
+              <a:ext uri="{FF2B5EF4-FFF2-40B4-BE49-F238E27FC236}">
+                <a16:creationId xmlns:a16="http://schemas.microsoft.com/office/drawing/2014/main" id="{407E4780-28D7-4C94-9BF9-14587256D67E}"/>
+              </a:ext>
+            </a:extLst>
+          </p:cNvPr>
+          <p:cNvPicPr>
+            <a:picLocks noChangeAspect="1"/>
+          </p:cNvPicPr>
+          <p:nvPr/>
+        </p:nvPicPr>
+        <p:blipFill rotWithShape="1">
+          <a:blip r:embed="rId3">
+            <a:extLst>
+              <a:ext uri="{28A0092B-C50C-407E-A947-70E740481C1C}">
+                <a14:useLocalDpi xmlns:a14="http://schemas.microsoft.com/office/drawing/2010/main" val="0"/>
+              </a:ext>
+            </a:extLst>
+          </a:blip>
+          <a:srcRect t="5803" r="-80" b="55655"/>
+          <a:stretch/>
+        </p:blipFill>
+        <p:spPr>
+          <a:xfrm>
+            <a:off x="3407102" y="2843408"/>
+            <a:ext cx="5248382" cy="1942348"/>
+          </a:xfrm>
+          <a:prstGeom prst="rect">
+            <a:avLst/>
+          </a:prstGeom>
+        </p:spPr>
+      </p:pic>
+      <p:pic>
+        <p:nvPicPr>
+          <p:cNvPr id="11" name="Picture 10" descr="Table&#10;&#10;Description automatically generated">
+            <a:extLst>
+              <a:ext uri="{FF2B5EF4-FFF2-40B4-BE49-F238E27FC236}">
+                <a16:creationId xmlns:a16="http://schemas.microsoft.com/office/drawing/2014/main" id="{3412C276-253E-4EF7-A951-63EC8D78427E}"/>
+              </a:ext>
+            </a:extLst>
+          </p:cNvPr>
+          <p:cNvPicPr>
+            <a:picLocks noChangeAspect="1"/>
+          </p:cNvPicPr>
+          <p:nvPr/>
+        </p:nvPicPr>
+        <p:blipFill rotWithShape="1">
+          <a:blip r:embed="rId3">
+            <a:extLst>
+              <a:ext uri="{28A0092B-C50C-407E-A947-70E740481C1C}">
+                <a14:useLocalDpi xmlns:a14="http://schemas.microsoft.com/office/drawing/2010/main" val="0"/>
+              </a:ext>
+            </a:extLst>
+          </a:blip>
+          <a:srcRect t="58234"/>
+          <a:stretch/>
+        </p:blipFill>
+        <p:spPr>
+          <a:xfrm>
+            <a:off x="3415393" y="4808436"/>
+            <a:ext cx="5210902" cy="2104779"/>
+          </a:xfrm>
+          <a:prstGeom prst="rect">
+            <a:avLst/>
+          </a:prstGeom>
+        </p:spPr>
+      </p:pic>
+      <p:cxnSp>
+        <p:nvCxnSpPr>
+          <p:cNvPr id="15" name="Straight Connector 14">
+            <a:extLst>
+              <a:ext uri="{FF2B5EF4-FFF2-40B4-BE49-F238E27FC236}">
+                <a16:creationId xmlns:a16="http://schemas.microsoft.com/office/drawing/2014/main" id="{0E6BD57E-4B1E-478B-AA91-A91C8ADF78F0}"/>
+              </a:ext>
+            </a:extLst>
+          </p:cNvPr>
+          <p:cNvCxnSpPr>
+            <a:cxnSpLocks/>
+          </p:cNvCxnSpPr>
+          <p:nvPr/>
+        </p:nvCxnSpPr>
+        <p:spPr>
+          <a:xfrm flipH="1">
+            <a:off x="3156559" y="801666"/>
+            <a:ext cx="5699342" cy="0"/>
+          </a:xfrm>
+          <a:prstGeom prst="line">
+            <a:avLst/>
+          </a:prstGeom>
+        </p:spPr>
+        <p:style>
+          <a:lnRef idx="3">
+            <a:schemeClr val="dk1"/>
+          </a:lnRef>
+          <a:fillRef idx="0">
+            <a:schemeClr val="dk1"/>
+          </a:fillRef>
+          <a:effectRef idx="2">
+            <a:schemeClr val="dk1"/>
+          </a:effectRef>
+          <a:fontRef idx="minor">
+            <a:schemeClr val="tx1"/>
+          </a:fontRef>
+        </p:style>
+      </p:cxnSp>
+      <p:cxnSp>
+        <p:nvCxnSpPr>
+          <p:cNvPr id="17" name="Straight Connector 16">
+            <a:extLst>
+              <a:ext uri="{FF2B5EF4-FFF2-40B4-BE49-F238E27FC236}">
+                <a16:creationId xmlns:a16="http://schemas.microsoft.com/office/drawing/2014/main" id="{D7E35BD1-3FC7-4CE4-85ED-3A240F1856DC}"/>
+              </a:ext>
+            </a:extLst>
+          </p:cNvPr>
+          <p:cNvCxnSpPr>
+            <a:cxnSpLocks/>
+          </p:cNvCxnSpPr>
+          <p:nvPr/>
+        </p:nvCxnSpPr>
+        <p:spPr>
+          <a:xfrm flipH="1" flipV="1">
+            <a:off x="3156559" y="2832970"/>
+            <a:ext cx="5789112" cy="23371"/>
+          </a:xfrm>
+          <a:prstGeom prst="line">
+            <a:avLst/>
+          </a:prstGeom>
+        </p:spPr>
+        <p:style>
+          <a:lnRef idx="3">
+            <a:schemeClr val="dk1"/>
+          </a:lnRef>
+          <a:fillRef idx="0">
+            <a:schemeClr val="dk1"/>
+          </a:fillRef>
+          <a:effectRef idx="2">
+            <a:schemeClr val="dk1"/>
+          </a:effectRef>
+          <a:fontRef idx="minor">
+            <a:schemeClr val="tx1"/>
+          </a:fontRef>
+        </p:style>
+      </p:cxnSp>
+      <p:cxnSp>
+        <p:nvCxnSpPr>
+          <p:cNvPr id="18" name="Straight Connector 17">
+            <a:extLst>
+              <a:ext uri="{FF2B5EF4-FFF2-40B4-BE49-F238E27FC236}">
+                <a16:creationId xmlns:a16="http://schemas.microsoft.com/office/drawing/2014/main" id="{16BB40FB-D46B-40B7-8CDB-CF4216C8244E}"/>
+              </a:ext>
+            </a:extLst>
+          </p:cNvPr>
+          <p:cNvCxnSpPr>
+            <a:cxnSpLocks/>
+          </p:cNvCxnSpPr>
+          <p:nvPr/>
+        </p:nvCxnSpPr>
+        <p:spPr>
+          <a:xfrm flipH="1">
+            <a:off x="3246329" y="4808436"/>
+            <a:ext cx="5699342" cy="0"/>
+          </a:xfrm>
+          <a:prstGeom prst="line">
+            <a:avLst/>
+          </a:prstGeom>
+        </p:spPr>
+        <p:style>
+          <a:lnRef idx="3">
+            <a:schemeClr val="dk1"/>
+          </a:lnRef>
+          <a:fillRef idx="0">
+            <a:schemeClr val="dk1"/>
+          </a:fillRef>
+          <a:effectRef idx="2">
+            <a:schemeClr val="dk1"/>
+          </a:effectRef>
+          <a:fontRef idx="minor">
+            <a:schemeClr val="tx1"/>
+          </a:fontRef>
+        </p:style>
+      </p:cxnSp>
+    </p:spTree>
+    <p:extLst>
+      <p:ext uri="{BB962C8B-B14F-4D97-AF65-F5344CB8AC3E}">
+        <p14:creationId xmlns:p14="http://schemas.microsoft.com/office/powerpoint/2010/main" val="558672315"/>
+      </p:ext>
+    </p:extLst>
+  </p:cSld>
+  <p:clrMapOvr>
+    <a:masterClrMapping/>
+  </p:clrMapOvr>
+</p:sld>
+</file>
+
 <file path=ppt/theme/theme1.xml><?xml version="1.0" encoding="utf-8"?>
 <a:theme xmlns:a="http://schemas.openxmlformats.org/drawingml/2006/main" name="Office Theme">
   <a:themeElements>

--- a/screenshots/imgs.pptx
+++ b/screenshots/imgs.pptx
@@ -8,6 +8,7 @@
     <p:sldId id="256" r:id="rId2"/>
     <p:sldId id="257" r:id="rId3"/>
     <p:sldId id="258" r:id="rId4"/>
+    <p:sldId id="259" r:id="rId5"/>
   </p:sldIdLst>
   <p:sldSz cx="12192000" cy="6858000"/>
   <p:notesSz cx="6858000" cy="9144000"/>
@@ -263,7 +264,7 @@
           <a:p>
             <a:fld id="{166DC043-4AEC-4A4E-AB79-0D54B7828DD9}" type="datetimeFigureOut">
               <a:rPr lang="en-GB" smtClean="0"/>
-              <a:t>29/04/2021</a:t>
+              <a:t>03/05/2021</a:t>
             </a:fld>
             <a:endParaRPr lang="en-GB"/>
           </a:p>
@@ -463,7 +464,7 @@
           <a:p>
             <a:fld id="{166DC043-4AEC-4A4E-AB79-0D54B7828DD9}" type="datetimeFigureOut">
               <a:rPr lang="en-GB" smtClean="0"/>
-              <a:t>29/04/2021</a:t>
+              <a:t>03/05/2021</a:t>
             </a:fld>
             <a:endParaRPr lang="en-GB"/>
           </a:p>
@@ -673,7 +674,7 @@
           <a:p>
             <a:fld id="{166DC043-4AEC-4A4E-AB79-0D54B7828DD9}" type="datetimeFigureOut">
               <a:rPr lang="en-GB" smtClean="0"/>
-              <a:t>29/04/2021</a:t>
+              <a:t>03/05/2021</a:t>
             </a:fld>
             <a:endParaRPr lang="en-GB"/>
           </a:p>
@@ -873,7 +874,7 @@
           <a:p>
             <a:fld id="{166DC043-4AEC-4A4E-AB79-0D54B7828DD9}" type="datetimeFigureOut">
               <a:rPr lang="en-GB" smtClean="0"/>
-              <a:t>29/04/2021</a:t>
+              <a:t>03/05/2021</a:t>
             </a:fld>
             <a:endParaRPr lang="en-GB"/>
           </a:p>
@@ -1149,7 +1150,7 @@
           <a:p>
             <a:fld id="{166DC043-4AEC-4A4E-AB79-0D54B7828DD9}" type="datetimeFigureOut">
               <a:rPr lang="en-GB" smtClean="0"/>
-              <a:t>29/04/2021</a:t>
+              <a:t>03/05/2021</a:t>
             </a:fld>
             <a:endParaRPr lang="en-GB"/>
           </a:p>
@@ -1417,7 +1418,7 @@
           <a:p>
             <a:fld id="{166DC043-4AEC-4A4E-AB79-0D54B7828DD9}" type="datetimeFigureOut">
               <a:rPr lang="en-GB" smtClean="0"/>
-              <a:t>29/04/2021</a:t>
+              <a:t>03/05/2021</a:t>
             </a:fld>
             <a:endParaRPr lang="en-GB"/>
           </a:p>
@@ -1832,7 +1833,7 @@
           <a:p>
             <a:fld id="{166DC043-4AEC-4A4E-AB79-0D54B7828DD9}" type="datetimeFigureOut">
               <a:rPr lang="en-GB" smtClean="0"/>
-              <a:t>29/04/2021</a:t>
+              <a:t>03/05/2021</a:t>
             </a:fld>
             <a:endParaRPr lang="en-GB"/>
           </a:p>
@@ -1974,7 +1975,7 @@
           <a:p>
             <a:fld id="{166DC043-4AEC-4A4E-AB79-0D54B7828DD9}" type="datetimeFigureOut">
               <a:rPr lang="en-GB" smtClean="0"/>
-              <a:t>29/04/2021</a:t>
+              <a:t>03/05/2021</a:t>
             </a:fld>
             <a:endParaRPr lang="en-GB"/>
           </a:p>
@@ -2087,7 +2088,7 @@
           <a:p>
             <a:fld id="{166DC043-4AEC-4A4E-AB79-0D54B7828DD9}" type="datetimeFigureOut">
               <a:rPr lang="en-GB" smtClean="0"/>
-              <a:t>29/04/2021</a:t>
+              <a:t>03/05/2021</a:t>
             </a:fld>
             <a:endParaRPr lang="en-GB"/>
           </a:p>
@@ -2400,7 +2401,7 @@
           <a:p>
             <a:fld id="{166DC043-4AEC-4A4E-AB79-0D54B7828DD9}" type="datetimeFigureOut">
               <a:rPr lang="en-GB" smtClean="0"/>
-              <a:t>29/04/2021</a:t>
+              <a:t>03/05/2021</a:t>
             </a:fld>
             <a:endParaRPr lang="en-GB"/>
           </a:p>
@@ -2689,7 +2690,7 @@
           <a:p>
             <a:fld id="{166DC043-4AEC-4A4E-AB79-0D54B7828DD9}" type="datetimeFigureOut">
               <a:rPr lang="en-GB" smtClean="0"/>
-              <a:t>29/04/2021</a:t>
+              <a:t>03/05/2021</a:t>
             </a:fld>
             <a:endParaRPr lang="en-GB"/>
           </a:p>
@@ -2932,7 +2933,7 @@
           <a:p>
             <a:fld id="{166DC043-4AEC-4A4E-AB79-0D54B7828DD9}" type="datetimeFigureOut">
               <a:rPr lang="en-GB" smtClean="0"/>
-              <a:t>29/04/2021</a:t>
+              <a:t>03/05/2021</a:t>
             </a:fld>
             <a:endParaRPr lang="en-GB"/>
           </a:p>
@@ -4492,6 +4493,346 @@
 </p:sld>
 </file>
 
+<file path=ppt/slides/slide4.xml><?xml version="1.0" encoding="utf-8"?>
+<p:sld xmlns:a="http://schemas.openxmlformats.org/drawingml/2006/main" xmlns:r="http://schemas.openxmlformats.org/officeDocument/2006/relationships" xmlns:p="http://schemas.openxmlformats.org/presentationml/2006/main">
+  <p:cSld>
+    <p:spTree>
+      <p:nvGrpSpPr>
+        <p:cNvPr id="1" name=""/>
+        <p:cNvGrpSpPr/>
+        <p:nvPr/>
+      </p:nvGrpSpPr>
+      <p:grpSpPr>
+        <a:xfrm>
+          <a:off x="0" y="0"/>
+          <a:ext cx="0" cy="0"/>
+          <a:chOff x="0" y="0"/>
+          <a:chExt cx="0" cy="0"/>
+        </a:xfrm>
+      </p:grpSpPr>
+      <p:pic>
+        <p:nvPicPr>
+          <p:cNvPr id="5" name="Picture 4" descr="A picture containing table&#10;&#10;Description automatically generated">
+            <a:extLst>
+              <a:ext uri="{FF2B5EF4-FFF2-40B4-BE49-F238E27FC236}">
+                <a16:creationId xmlns:a16="http://schemas.microsoft.com/office/drawing/2014/main" id="{B0E56D76-DB84-433B-8607-7A4F0780D70B}"/>
+              </a:ext>
+            </a:extLst>
+          </p:cNvPr>
+          <p:cNvPicPr>
+            <a:picLocks noChangeAspect="1"/>
+          </p:cNvPicPr>
+          <p:nvPr/>
+        </p:nvPicPr>
+        <p:blipFill>
+          <a:blip r:embed="rId2">
+            <a:extLst>
+              <a:ext uri="{28A0092B-C50C-407E-A947-70E740481C1C}">
+                <a14:useLocalDpi xmlns:a14="http://schemas.microsoft.com/office/drawing/2010/main" val="0"/>
+              </a:ext>
+            </a:extLst>
+          </a:blip>
+          <a:stretch>
+            <a:fillRect/>
+          </a:stretch>
+        </p:blipFill>
+        <p:spPr>
+          <a:xfrm>
+            <a:off x="-4125172" y="1626818"/>
+            <a:ext cx="17516549" cy="2530962"/>
+          </a:xfrm>
+          <a:prstGeom prst="rect">
+            <a:avLst/>
+          </a:prstGeom>
+        </p:spPr>
+      </p:pic>
+      <p:sp>
+        <p:nvSpPr>
+          <p:cNvPr id="6" name="Rectangle 5">
+            <a:extLst>
+              <a:ext uri="{FF2B5EF4-FFF2-40B4-BE49-F238E27FC236}">
+                <a16:creationId xmlns:a16="http://schemas.microsoft.com/office/drawing/2014/main" id="{DAC47E80-8820-443E-AFAE-77C064CFF94B}"/>
+              </a:ext>
+            </a:extLst>
+          </p:cNvPr>
+          <p:cNvSpPr/>
+          <p:nvPr/>
+        </p:nvSpPr>
+        <p:spPr>
+          <a:xfrm>
+            <a:off x="-3454401" y="1409700"/>
+            <a:ext cx="5442857" cy="3048000"/>
+          </a:xfrm>
+          <a:prstGeom prst="rect">
+            <a:avLst/>
+          </a:prstGeom>
+          <a:solidFill>
+            <a:schemeClr val="accent3">
+              <a:alpha val="30000"/>
+            </a:schemeClr>
+          </a:solidFill>
+          <a:ln>
+            <a:solidFill>
+              <a:schemeClr val="tx2"/>
+            </a:solidFill>
+          </a:ln>
+        </p:spPr>
+        <p:style>
+          <a:lnRef idx="0">
+            <a:scrgbClr r="0" g="0" b="0"/>
+          </a:lnRef>
+          <a:fillRef idx="0">
+            <a:scrgbClr r="0" g="0" b="0"/>
+          </a:fillRef>
+          <a:effectRef idx="0">
+            <a:scrgbClr r="0" g="0" b="0"/>
+          </a:effectRef>
+          <a:fontRef idx="minor">
+            <a:schemeClr val="lt1"/>
+          </a:fontRef>
+        </p:style>
+        <p:txBody>
+          <a:bodyPr rtlCol="0" anchor="ctr"/>
+          <a:lstStyle/>
+          <a:p>
+            <a:pPr algn="ctr"/>
+            <a:endParaRPr lang="en-GB"/>
+          </a:p>
+        </p:txBody>
+      </p:sp>
+      <p:sp>
+        <p:nvSpPr>
+          <p:cNvPr id="7" name="Rectangle: Rounded Corners 6">
+            <a:extLst>
+              <a:ext uri="{FF2B5EF4-FFF2-40B4-BE49-F238E27FC236}">
+                <a16:creationId xmlns:a16="http://schemas.microsoft.com/office/drawing/2014/main" id="{A7A117E0-FBB9-4C08-A7DD-51B8F912BCDC}"/>
+              </a:ext>
+            </a:extLst>
+          </p:cNvPr>
+          <p:cNvSpPr/>
+          <p:nvPr/>
+        </p:nvSpPr>
+        <p:spPr>
+          <a:xfrm>
+            <a:off x="1988457" y="1447800"/>
+            <a:ext cx="11257644" cy="3048000"/>
+          </a:xfrm>
+          <a:prstGeom prst="roundRect">
+            <a:avLst/>
+          </a:prstGeom>
+          <a:solidFill>
+            <a:schemeClr val="accent4">
+              <a:alpha val="30000"/>
+            </a:schemeClr>
+          </a:solidFill>
+          <a:ln>
+            <a:solidFill>
+              <a:schemeClr val="accent2">
+                <a:lumMod val="50000"/>
+              </a:schemeClr>
+            </a:solidFill>
+          </a:ln>
+        </p:spPr>
+        <p:style>
+          <a:lnRef idx="0">
+            <a:scrgbClr r="0" g="0" b="0"/>
+          </a:lnRef>
+          <a:fillRef idx="0">
+            <a:scrgbClr r="0" g="0" b="0"/>
+          </a:fillRef>
+          <a:effectRef idx="0">
+            <a:scrgbClr r="0" g="0" b="0"/>
+          </a:effectRef>
+          <a:fontRef idx="minor">
+            <a:schemeClr val="lt1"/>
+          </a:fontRef>
+        </p:style>
+        <p:txBody>
+          <a:bodyPr rtlCol="0" anchor="ctr"/>
+          <a:lstStyle/>
+          <a:p>
+            <a:pPr algn="ctr"/>
+            <a:endParaRPr lang="en-GB"/>
+          </a:p>
+        </p:txBody>
+      </p:sp>
+      <p:cxnSp>
+        <p:nvCxnSpPr>
+          <p:cNvPr id="11" name="Straight Arrow Connector 10">
+            <a:extLst>
+              <a:ext uri="{FF2B5EF4-FFF2-40B4-BE49-F238E27FC236}">
+                <a16:creationId xmlns:a16="http://schemas.microsoft.com/office/drawing/2014/main" id="{FF66E140-42EA-4B89-A935-B8CF43F2D289}"/>
+              </a:ext>
+            </a:extLst>
+          </p:cNvPr>
+          <p:cNvCxnSpPr>
+            <a:cxnSpLocks/>
+            <a:endCxn id="6" idx="2"/>
+          </p:cNvCxnSpPr>
+          <p:nvPr/>
+        </p:nvCxnSpPr>
+        <p:spPr>
+          <a:xfrm flipH="1" flipV="1">
+            <a:off x="-732972" y="4457700"/>
+            <a:ext cx="1487716" cy="1435100"/>
+          </a:xfrm>
+          <a:prstGeom prst="straightConnector1">
+            <a:avLst/>
+          </a:prstGeom>
+          <a:ln>
+            <a:tailEnd type="triangle"/>
+          </a:ln>
+        </p:spPr>
+        <p:style>
+          <a:lnRef idx="3">
+            <a:schemeClr val="dk1"/>
+          </a:lnRef>
+          <a:fillRef idx="0">
+            <a:schemeClr val="dk1"/>
+          </a:fillRef>
+          <a:effectRef idx="2">
+            <a:schemeClr val="dk1"/>
+          </a:effectRef>
+          <a:fontRef idx="minor">
+            <a:schemeClr val="tx1"/>
+          </a:fontRef>
+        </p:style>
+      </p:cxnSp>
+      <p:cxnSp>
+        <p:nvCxnSpPr>
+          <p:cNvPr id="13" name="Straight Arrow Connector 12">
+            <a:extLst>
+              <a:ext uri="{FF2B5EF4-FFF2-40B4-BE49-F238E27FC236}">
+                <a16:creationId xmlns:a16="http://schemas.microsoft.com/office/drawing/2014/main" id="{A1E6CB57-14F2-4120-BA02-4BD5077D91AB}"/>
+              </a:ext>
+            </a:extLst>
+          </p:cNvPr>
+          <p:cNvCxnSpPr>
+            <a:cxnSpLocks/>
+            <a:endCxn id="7" idx="0"/>
+          </p:cNvCxnSpPr>
+          <p:nvPr/>
+        </p:nvCxnSpPr>
+        <p:spPr>
+          <a:xfrm flipH="1">
+            <a:off x="7617279" y="449943"/>
+            <a:ext cx="1657350" cy="997857"/>
+          </a:xfrm>
+          <a:prstGeom prst="straightConnector1">
+            <a:avLst/>
+          </a:prstGeom>
+          <a:ln>
+            <a:tailEnd type="triangle"/>
+          </a:ln>
+        </p:spPr>
+        <p:style>
+          <a:lnRef idx="3">
+            <a:schemeClr val="dk1"/>
+          </a:lnRef>
+          <a:fillRef idx="0">
+            <a:schemeClr val="dk1"/>
+          </a:fillRef>
+          <a:effectRef idx="2">
+            <a:schemeClr val="dk1"/>
+          </a:effectRef>
+          <a:fontRef idx="minor">
+            <a:schemeClr val="tx1"/>
+          </a:fontRef>
+        </p:style>
+      </p:cxnSp>
+      <p:sp>
+        <p:nvSpPr>
+          <p:cNvPr id="15" name="TextBox 14">
+            <a:extLst>
+              <a:ext uri="{FF2B5EF4-FFF2-40B4-BE49-F238E27FC236}">
+                <a16:creationId xmlns:a16="http://schemas.microsoft.com/office/drawing/2014/main" id="{C3BA7468-6C06-4796-A615-E33A8FE1DF3F}"/>
+              </a:ext>
+            </a:extLst>
+          </p:cNvPr>
+          <p:cNvSpPr txBox="1"/>
+          <p:nvPr/>
+        </p:nvSpPr>
+        <p:spPr>
+          <a:xfrm>
+            <a:off x="9274629" y="219311"/>
+            <a:ext cx="1473417" cy="369332"/>
+          </a:xfrm>
+          <a:prstGeom prst="rect">
+            <a:avLst/>
+          </a:prstGeom>
+          <a:noFill/>
+        </p:spPr>
+        <p:txBody>
+          <a:bodyPr wrap="none" rtlCol="0">
+            <a:spAutoFit/>
+          </a:bodyPr>
+          <a:lstStyle/>
+          <a:p>
+            <a:r>
+              <a:rPr lang="it-IT" dirty="0"/>
+              <a:t>New Features</a:t>
+            </a:r>
+            <a:endParaRPr lang="en-GB" dirty="0"/>
+          </a:p>
+        </p:txBody>
+      </p:sp>
+      <p:sp>
+        <p:nvSpPr>
+          <p:cNvPr id="16" name="TextBox 15">
+            <a:extLst>
+              <a:ext uri="{FF2B5EF4-FFF2-40B4-BE49-F238E27FC236}">
+                <a16:creationId xmlns:a16="http://schemas.microsoft.com/office/drawing/2014/main" id="{01F96025-66D7-49C5-A073-9A3A59D760CE}"/>
+              </a:ext>
+            </a:extLst>
+          </p:cNvPr>
+          <p:cNvSpPr txBox="1"/>
+          <p:nvPr/>
+        </p:nvSpPr>
+        <p:spPr>
+          <a:xfrm>
+            <a:off x="754743" y="5708134"/>
+            <a:ext cx="1598323" cy="369332"/>
+          </a:xfrm>
+          <a:prstGeom prst="rect">
+            <a:avLst/>
+          </a:prstGeom>
+          <a:noFill/>
+        </p:spPr>
+        <p:txBody>
+          <a:bodyPr wrap="none" rtlCol="0">
+            <a:spAutoFit/>
+          </a:bodyPr>
+          <a:lstStyle/>
+          <a:p>
+            <a:r>
+              <a:rPr lang="it-IT" dirty="0" err="1"/>
+              <a:t>Initial</a:t>
+            </a:r>
+            <a:r>
+              <a:rPr lang="it-IT" dirty="0"/>
+              <a:t> </a:t>
+            </a:r>
+            <a:r>
+              <a:rPr lang="it-IT" dirty="0" err="1"/>
+              <a:t>variables</a:t>
+            </a:r>
+            <a:endParaRPr lang="en-GB" dirty="0"/>
+          </a:p>
+        </p:txBody>
+      </p:sp>
+    </p:spTree>
+    <p:extLst>
+      <p:ext uri="{BB962C8B-B14F-4D97-AF65-F5344CB8AC3E}">
+        <p14:creationId xmlns:p14="http://schemas.microsoft.com/office/powerpoint/2010/main" val="2629657286"/>
+      </p:ext>
+    </p:extLst>
+  </p:cSld>
+  <p:clrMapOvr>
+    <a:masterClrMapping/>
+  </p:clrMapOvr>
+</p:sld>
+</file>
+
 <file path=ppt/theme/theme1.xml><?xml version="1.0" encoding="utf-8"?>
 <a:theme xmlns:a="http://schemas.openxmlformats.org/drawingml/2006/main" name="Office Theme">
   <a:themeElements>

--- a/screenshots/imgs.pptx
+++ b/screenshots/imgs.pptx
@@ -9,6 +9,8 @@
     <p:sldId id="257" r:id="rId3"/>
     <p:sldId id="258" r:id="rId4"/>
     <p:sldId id="259" r:id="rId5"/>
+    <p:sldId id="260" r:id="rId6"/>
+    <p:sldId id="261" r:id="rId7"/>
   </p:sldIdLst>
   <p:sldSz cx="12192000" cy="6858000"/>
   <p:notesSz cx="6858000" cy="9144000"/>
@@ -4833,6 +4835,817 @@
 </p:sld>
 </file>
 
+<file path=ppt/slides/slide5.xml><?xml version="1.0" encoding="utf-8"?>
+<p:sld xmlns:a="http://schemas.openxmlformats.org/drawingml/2006/main" xmlns:r="http://schemas.openxmlformats.org/officeDocument/2006/relationships" xmlns:p="http://schemas.openxmlformats.org/presentationml/2006/main">
+  <p:cSld>
+    <p:bg>
+      <p:bgPr>
+        <a:solidFill>
+          <a:schemeClr val="bg1"/>
+        </a:solidFill>
+        <a:effectLst/>
+      </p:bgPr>
+    </p:bg>
+    <p:spTree>
+      <p:nvGrpSpPr>
+        <p:cNvPr id="1" name=""/>
+        <p:cNvGrpSpPr/>
+        <p:nvPr/>
+      </p:nvGrpSpPr>
+      <p:grpSpPr>
+        <a:xfrm>
+          <a:off x="0" y="0"/>
+          <a:ext cx="0" cy="0"/>
+          <a:chOff x="0" y="0"/>
+          <a:chExt cx="0" cy="0"/>
+        </a:xfrm>
+      </p:grpSpPr>
+      <p:pic>
+        <p:nvPicPr>
+          <p:cNvPr id="5" name="Picture 4" descr="A screenshot of a computer&#10;&#10;Description automatically generated with low confidence">
+            <a:extLst>
+              <a:ext uri="{FF2B5EF4-FFF2-40B4-BE49-F238E27FC236}">
+                <a16:creationId xmlns:a16="http://schemas.microsoft.com/office/drawing/2014/main" id="{6F316A86-12A1-482E-BF93-D5C7A5F23089}"/>
+              </a:ext>
+            </a:extLst>
+          </p:cNvPr>
+          <p:cNvPicPr>
+            <a:picLocks noChangeAspect="1"/>
+          </p:cNvPicPr>
+          <p:nvPr/>
+        </p:nvPicPr>
+        <p:blipFill>
+          <a:blip r:embed="rId2">
+            <a:extLst>
+              <a:ext uri="{28A0092B-C50C-407E-A947-70E740481C1C}">
+                <a14:useLocalDpi xmlns:a14="http://schemas.microsoft.com/office/drawing/2010/main" val="0"/>
+              </a:ext>
+            </a:extLst>
+          </a:blip>
+          <a:stretch>
+            <a:fillRect/>
+          </a:stretch>
+        </p:blipFill>
+        <p:spPr>
+          <a:xfrm>
+            <a:off x="643467" y="1234355"/>
+            <a:ext cx="10905066" cy="4389289"/>
+          </a:xfrm>
+          <a:prstGeom prst="rect">
+            <a:avLst/>
+          </a:prstGeom>
+        </p:spPr>
+      </p:pic>
+    </p:spTree>
+    <p:extLst>
+      <p:ext uri="{BB962C8B-B14F-4D97-AF65-F5344CB8AC3E}">
+        <p14:creationId xmlns:p14="http://schemas.microsoft.com/office/powerpoint/2010/main" val="3157048496"/>
+      </p:ext>
+    </p:extLst>
+  </p:cSld>
+  <p:clrMapOvr>
+    <a:masterClrMapping/>
+  </p:clrMapOvr>
+</p:sld>
+</file>
+
+<file path=ppt/slides/slide6.xml><?xml version="1.0" encoding="utf-8"?>
+<p:sld xmlns:a="http://schemas.openxmlformats.org/drawingml/2006/main" xmlns:r="http://schemas.openxmlformats.org/officeDocument/2006/relationships" xmlns:p="http://schemas.openxmlformats.org/presentationml/2006/main">
+  <p:cSld>
+    <p:bg>
+      <p:bgPr>
+        <a:solidFill>
+          <a:schemeClr val="bg1"/>
+        </a:solidFill>
+        <a:effectLst/>
+      </p:bgPr>
+    </p:bg>
+    <p:spTree>
+      <p:nvGrpSpPr>
+        <p:cNvPr id="1" name=""/>
+        <p:cNvGrpSpPr/>
+        <p:nvPr/>
+      </p:nvGrpSpPr>
+      <p:grpSpPr>
+        <a:xfrm>
+          <a:off x="0" y="0"/>
+          <a:ext cx="0" cy="0"/>
+          <a:chOff x="0" y="0"/>
+          <a:chExt cx="0" cy="0"/>
+        </a:xfrm>
+      </p:grpSpPr>
+      <p:pic>
+        <p:nvPicPr>
+          <p:cNvPr id="5" name="Picture 4" descr="A screenshot of a computer&#10;&#10;Description automatically generated with medium confidence">
+            <a:extLst>
+              <a:ext uri="{FF2B5EF4-FFF2-40B4-BE49-F238E27FC236}">
+                <a16:creationId xmlns:a16="http://schemas.microsoft.com/office/drawing/2014/main" id="{C0CED5C8-5E21-4650-9907-1F8F3B137A2F}"/>
+              </a:ext>
+            </a:extLst>
+          </p:cNvPr>
+          <p:cNvPicPr>
+            <a:picLocks noChangeAspect="1"/>
+          </p:cNvPicPr>
+          <p:nvPr/>
+        </p:nvPicPr>
+        <p:blipFill>
+          <a:blip r:embed="rId2">
+            <a:extLst>
+              <a:ext uri="{28A0092B-C50C-407E-A947-70E740481C1C}">
+                <a14:useLocalDpi xmlns:a14="http://schemas.microsoft.com/office/drawing/2010/main" val="0"/>
+              </a:ext>
+            </a:extLst>
+          </a:blip>
+          <a:stretch>
+            <a:fillRect/>
+          </a:stretch>
+        </p:blipFill>
+        <p:spPr>
+          <a:xfrm>
+            <a:off x="643467" y="1672072"/>
+            <a:ext cx="10905066" cy="3513854"/>
+          </a:xfrm>
+          <a:prstGeom prst="rect">
+            <a:avLst/>
+          </a:prstGeom>
+        </p:spPr>
+      </p:pic>
+      <p:sp>
+        <p:nvSpPr>
+          <p:cNvPr id="6" name="Rectangle 5">
+            <a:extLst>
+              <a:ext uri="{FF2B5EF4-FFF2-40B4-BE49-F238E27FC236}">
+                <a16:creationId xmlns:a16="http://schemas.microsoft.com/office/drawing/2014/main" id="{D7461806-1079-4FB4-9C2F-20963D642D76}"/>
+              </a:ext>
+            </a:extLst>
+          </p:cNvPr>
+          <p:cNvSpPr/>
+          <p:nvPr/>
+        </p:nvSpPr>
+        <p:spPr>
+          <a:xfrm>
+            <a:off x="9920614" y="1891430"/>
+            <a:ext cx="1490597" cy="3043825"/>
+          </a:xfrm>
+          <a:prstGeom prst="rect">
+            <a:avLst/>
+          </a:prstGeom>
+          <a:solidFill>
+            <a:srgbClr val="FFFF00">
+              <a:alpha val="50000"/>
+            </a:srgbClr>
+          </a:solidFill>
+          <a:ln>
+            <a:noFill/>
+          </a:ln>
+        </p:spPr>
+        <p:style>
+          <a:lnRef idx="0">
+            <a:scrgbClr r="0" g="0" b="0"/>
+          </a:lnRef>
+          <a:fillRef idx="0">
+            <a:scrgbClr r="0" g="0" b="0"/>
+          </a:fillRef>
+          <a:effectRef idx="0">
+            <a:scrgbClr r="0" g="0" b="0"/>
+          </a:effectRef>
+          <a:fontRef idx="minor">
+            <a:schemeClr val="lt1"/>
+          </a:fontRef>
+        </p:style>
+        <p:txBody>
+          <a:bodyPr rtlCol="0" anchor="ctr"/>
+          <a:lstStyle/>
+          <a:p>
+            <a:pPr algn="ctr"/>
+            <a:endParaRPr lang="en-GB"/>
+          </a:p>
+        </p:txBody>
+      </p:sp>
+      <p:sp>
+        <p:nvSpPr>
+          <p:cNvPr id="7" name="Rectangle 6">
+            <a:extLst>
+              <a:ext uri="{FF2B5EF4-FFF2-40B4-BE49-F238E27FC236}">
+                <a16:creationId xmlns:a16="http://schemas.microsoft.com/office/drawing/2014/main" id="{F4356AF2-07F2-431F-BF70-FB214BF03E2E}"/>
+              </a:ext>
+            </a:extLst>
+          </p:cNvPr>
+          <p:cNvSpPr/>
+          <p:nvPr/>
+        </p:nvSpPr>
+        <p:spPr>
+          <a:xfrm>
+            <a:off x="5736921" y="1891430"/>
+            <a:ext cx="4183693" cy="3043825"/>
+          </a:xfrm>
+          <a:prstGeom prst="rect">
+            <a:avLst/>
+          </a:prstGeom>
+          <a:solidFill>
+            <a:schemeClr val="accent3">
+              <a:alpha val="90000"/>
+            </a:schemeClr>
+          </a:solidFill>
+          <a:ln>
+            <a:noFill/>
+          </a:ln>
+        </p:spPr>
+        <p:style>
+          <a:lnRef idx="0">
+            <a:scrgbClr r="0" g="0" b="0"/>
+          </a:lnRef>
+          <a:fillRef idx="0">
+            <a:scrgbClr r="0" g="0" b="0"/>
+          </a:fillRef>
+          <a:effectRef idx="0">
+            <a:scrgbClr r="0" g="0" b="0"/>
+          </a:effectRef>
+          <a:fontRef idx="minor">
+            <a:schemeClr val="lt1"/>
+          </a:fontRef>
+        </p:style>
+        <p:txBody>
+          <a:bodyPr rtlCol="0" anchor="ctr"/>
+          <a:lstStyle/>
+          <a:p>
+            <a:pPr algn="ctr"/>
+            <a:endParaRPr lang="en-GB"/>
+          </a:p>
+        </p:txBody>
+      </p:sp>
+      <p:sp>
+        <p:nvSpPr>
+          <p:cNvPr id="9" name="Rectangle 8">
+            <a:extLst>
+              <a:ext uri="{FF2B5EF4-FFF2-40B4-BE49-F238E27FC236}">
+                <a16:creationId xmlns:a16="http://schemas.microsoft.com/office/drawing/2014/main" id="{972807D4-E8AF-48DD-9007-B324BBC61106}"/>
+              </a:ext>
+            </a:extLst>
+          </p:cNvPr>
+          <p:cNvSpPr/>
+          <p:nvPr/>
+        </p:nvSpPr>
+        <p:spPr>
+          <a:xfrm>
+            <a:off x="1402915" y="2179529"/>
+            <a:ext cx="4334006" cy="263046"/>
+          </a:xfrm>
+          <a:prstGeom prst="rect">
+            <a:avLst/>
+          </a:prstGeom>
+          <a:noFill/>
+          <a:ln w="9525" cap="flat" cmpd="sng" algn="ctr">
+            <a:solidFill>
+              <a:schemeClr val="accent2"/>
+            </a:solidFill>
+            <a:prstDash val="solid"/>
+            <a:round/>
+            <a:headEnd type="none" w="med" len="med"/>
+            <a:tailEnd type="none" w="med" len="med"/>
+          </a:ln>
+        </p:spPr>
+        <p:style>
+          <a:lnRef idx="0">
+            <a:scrgbClr r="0" g="0" b="0"/>
+          </a:lnRef>
+          <a:fillRef idx="0">
+            <a:scrgbClr r="0" g="0" b="0"/>
+          </a:fillRef>
+          <a:effectRef idx="0">
+            <a:scrgbClr r="0" g="0" b="0"/>
+          </a:effectRef>
+          <a:fontRef idx="minor">
+            <a:schemeClr val="accent2"/>
+          </a:fontRef>
+        </p:style>
+        <p:txBody>
+          <a:bodyPr rtlCol="0" anchor="ctr"/>
+          <a:lstStyle/>
+          <a:p>
+            <a:pPr algn="ctr"/>
+            <a:endParaRPr lang="en-GB"/>
+          </a:p>
+        </p:txBody>
+      </p:sp>
+      <p:cxnSp>
+        <p:nvCxnSpPr>
+          <p:cNvPr id="11" name="Straight Arrow Connector 10">
+            <a:extLst>
+              <a:ext uri="{FF2B5EF4-FFF2-40B4-BE49-F238E27FC236}">
+                <a16:creationId xmlns:a16="http://schemas.microsoft.com/office/drawing/2014/main" id="{80F93F6A-1DF5-488B-B2F2-8147A68C11C3}"/>
+              </a:ext>
+            </a:extLst>
+          </p:cNvPr>
+          <p:cNvCxnSpPr/>
+          <p:nvPr/>
+        </p:nvCxnSpPr>
+        <p:spPr>
+          <a:xfrm>
+            <a:off x="5736921" y="2304789"/>
+            <a:ext cx="5260931" cy="0"/>
+          </a:xfrm>
+          <a:prstGeom prst="straightConnector1">
+            <a:avLst/>
+          </a:prstGeom>
+          <a:ln>
+            <a:tailEnd type="triangle"/>
+          </a:ln>
+        </p:spPr>
+        <p:style>
+          <a:lnRef idx="3">
+            <a:schemeClr val="accent2"/>
+          </a:lnRef>
+          <a:fillRef idx="0">
+            <a:schemeClr val="accent2"/>
+          </a:fillRef>
+          <a:effectRef idx="2">
+            <a:schemeClr val="accent2"/>
+          </a:effectRef>
+          <a:fontRef idx="minor">
+            <a:schemeClr val="tx1"/>
+          </a:fontRef>
+        </p:style>
+      </p:cxnSp>
+      <p:sp>
+        <p:nvSpPr>
+          <p:cNvPr id="12" name="Oval 11">
+            <a:extLst>
+              <a:ext uri="{FF2B5EF4-FFF2-40B4-BE49-F238E27FC236}">
+                <a16:creationId xmlns:a16="http://schemas.microsoft.com/office/drawing/2014/main" id="{A400F73C-4D1A-4D3F-B76C-B4FBFC9A137A}"/>
+              </a:ext>
+            </a:extLst>
+          </p:cNvPr>
+          <p:cNvSpPr/>
+          <p:nvPr/>
+        </p:nvSpPr>
+        <p:spPr>
+          <a:xfrm>
+            <a:off x="11135639" y="2141951"/>
+            <a:ext cx="288099" cy="288094"/>
+          </a:xfrm>
+          <a:prstGeom prst="ellipse">
+            <a:avLst/>
+          </a:prstGeom>
+          <a:noFill/>
+          <a:ln w="9525" cap="flat" cmpd="sng" algn="ctr">
+            <a:solidFill>
+              <a:schemeClr val="accent2"/>
+            </a:solidFill>
+            <a:prstDash val="solid"/>
+            <a:round/>
+            <a:headEnd type="none" w="med" len="med"/>
+            <a:tailEnd type="none" w="med" len="med"/>
+          </a:ln>
+        </p:spPr>
+        <p:style>
+          <a:lnRef idx="0">
+            <a:scrgbClr r="0" g="0" b="0"/>
+          </a:lnRef>
+          <a:fillRef idx="0">
+            <a:scrgbClr r="0" g="0" b="0"/>
+          </a:fillRef>
+          <a:effectRef idx="0">
+            <a:scrgbClr r="0" g="0" b="0"/>
+          </a:effectRef>
+          <a:fontRef idx="minor">
+            <a:schemeClr val="accent2"/>
+          </a:fontRef>
+        </p:style>
+        <p:txBody>
+          <a:bodyPr rtlCol="0" anchor="ctr"/>
+          <a:lstStyle/>
+          <a:p>
+            <a:pPr algn="ctr"/>
+            <a:endParaRPr lang="en-GB"/>
+          </a:p>
+        </p:txBody>
+      </p:sp>
+      <p:sp>
+        <p:nvSpPr>
+          <p:cNvPr id="15" name="Arrow: Curved Down 14">
+            <a:extLst>
+              <a:ext uri="{FF2B5EF4-FFF2-40B4-BE49-F238E27FC236}">
+                <a16:creationId xmlns:a16="http://schemas.microsoft.com/office/drawing/2014/main" id="{47379EC1-C5A8-4D76-87C7-24B0B672B081}"/>
+              </a:ext>
+            </a:extLst>
+          </p:cNvPr>
+          <p:cNvSpPr/>
+          <p:nvPr/>
+        </p:nvSpPr>
+        <p:spPr>
+          <a:xfrm>
+            <a:off x="1828800" y="1672071"/>
+            <a:ext cx="1014608" cy="213095"/>
+          </a:xfrm>
+          <a:prstGeom prst="curvedDownArrow">
+            <a:avLst/>
+          </a:prstGeom>
+        </p:spPr>
+        <p:style>
+          <a:lnRef idx="2">
+            <a:schemeClr val="accent2">
+              <a:shade val="50000"/>
+            </a:schemeClr>
+          </a:lnRef>
+          <a:fillRef idx="1">
+            <a:schemeClr val="accent2"/>
+          </a:fillRef>
+          <a:effectRef idx="0">
+            <a:schemeClr val="accent2"/>
+          </a:effectRef>
+          <a:fontRef idx="minor">
+            <a:schemeClr val="lt1"/>
+          </a:fontRef>
+        </p:style>
+        <p:txBody>
+          <a:bodyPr rtlCol="0" anchor="ctr"/>
+          <a:lstStyle/>
+          <a:p>
+            <a:pPr algn="ctr"/>
+            <a:endParaRPr lang="en-GB">
+              <a:solidFill>
+                <a:schemeClr val="tx1"/>
+              </a:solidFill>
+            </a:endParaRPr>
+          </a:p>
+        </p:txBody>
+      </p:sp>
+      <p:sp>
+        <p:nvSpPr>
+          <p:cNvPr id="16" name="Arrow: Curved Down 15">
+            <a:extLst>
+              <a:ext uri="{FF2B5EF4-FFF2-40B4-BE49-F238E27FC236}">
+                <a16:creationId xmlns:a16="http://schemas.microsoft.com/office/drawing/2014/main" id="{D9086663-ABF7-4DB5-8DA7-07B61547D01B}"/>
+              </a:ext>
+            </a:extLst>
+          </p:cNvPr>
+          <p:cNvSpPr/>
+          <p:nvPr/>
+        </p:nvSpPr>
+        <p:spPr>
+          <a:xfrm>
+            <a:off x="2843408" y="1667741"/>
+            <a:ext cx="851770" cy="208765"/>
+          </a:xfrm>
+          <a:prstGeom prst="curvedDownArrow">
+            <a:avLst/>
+          </a:prstGeom>
+        </p:spPr>
+        <p:style>
+          <a:lnRef idx="2">
+            <a:schemeClr val="accent2">
+              <a:shade val="50000"/>
+            </a:schemeClr>
+          </a:lnRef>
+          <a:fillRef idx="1">
+            <a:schemeClr val="accent2"/>
+          </a:fillRef>
+          <a:effectRef idx="0">
+            <a:schemeClr val="accent2"/>
+          </a:effectRef>
+          <a:fontRef idx="minor">
+            <a:schemeClr val="lt1"/>
+          </a:fontRef>
+        </p:style>
+        <p:txBody>
+          <a:bodyPr rtlCol="0" anchor="ctr"/>
+          <a:lstStyle/>
+          <a:p>
+            <a:pPr algn="ctr"/>
+            <a:endParaRPr lang="en-GB" b="1">
+              <a:ln w="22225">
+                <a:solidFill>
+                  <a:schemeClr val="accent2">
+                    <a:lumMod val="50000"/>
+                  </a:schemeClr>
+                </a:solidFill>
+                <a:prstDash val="solid"/>
+              </a:ln>
+              <a:solidFill>
+                <a:schemeClr val="accent2">
+                  <a:lumMod val="75000"/>
+                </a:schemeClr>
+              </a:solidFill>
+            </a:endParaRPr>
+          </a:p>
+        </p:txBody>
+      </p:sp>
+      <p:sp>
+        <p:nvSpPr>
+          <p:cNvPr id="17" name="Arrow: Curved Down 16">
+            <a:extLst>
+              <a:ext uri="{FF2B5EF4-FFF2-40B4-BE49-F238E27FC236}">
+                <a16:creationId xmlns:a16="http://schemas.microsoft.com/office/drawing/2014/main" id="{43DCFA83-77F4-4DF4-B4D7-4C79B168DE3D}"/>
+              </a:ext>
+            </a:extLst>
+          </p:cNvPr>
+          <p:cNvSpPr/>
+          <p:nvPr/>
+        </p:nvSpPr>
+        <p:spPr>
+          <a:xfrm>
+            <a:off x="3682651" y="1663411"/>
+            <a:ext cx="977031" cy="221755"/>
+          </a:xfrm>
+          <a:prstGeom prst="curvedDownArrow">
+            <a:avLst/>
+          </a:prstGeom>
+        </p:spPr>
+        <p:style>
+          <a:lnRef idx="2">
+            <a:schemeClr val="accent2">
+              <a:shade val="50000"/>
+            </a:schemeClr>
+          </a:lnRef>
+          <a:fillRef idx="1">
+            <a:schemeClr val="accent2"/>
+          </a:fillRef>
+          <a:effectRef idx="0">
+            <a:schemeClr val="accent2"/>
+          </a:effectRef>
+          <a:fontRef idx="minor">
+            <a:schemeClr val="lt1"/>
+          </a:fontRef>
+        </p:style>
+        <p:txBody>
+          <a:bodyPr rtlCol="0" anchor="ctr"/>
+          <a:lstStyle/>
+          <a:p>
+            <a:pPr algn="ctr"/>
+            <a:endParaRPr lang="en-GB" b="1">
+              <a:ln w="22225">
+                <a:solidFill>
+                  <a:schemeClr val="accent2">
+                    <a:lumMod val="50000"/>
+                  </a:schemeClr>
+                </a:solidFill>
+                <a:prstDash val="solid"/>
+              </a:ln>
+              <a:solidFill>
+                <a:schemeClr val="accent2">
+                  <a:lumMod val="75000"/>
+                </a:schemeClr>
+              </a:solidFill>
+            </a:endParaRPr>
+          </a:p>
+        </p:txBody>
+      </p:sp>
+      <p:sp>
+        <p:nvSpPr>
+          <p:cNvPr id="18" name="Arrow: Curved Down 17">
+            <a:extLst>
+              <a:ext uri="{FF2B5EF4-FFF2-40B4-BE49-F238E27FC236}">
+                <a16:creationId xmlns:a16="http://schemas.microsoft.com/office/drawing/2014/main" id="{BF4BFE18-B595-4254-8089-AC0AD19EBB34}"/>
+              </a:ext>
+            </a:extLst>
+          </p:cNvPr>
+          <p:cNvSpPr/>
+          <p:nvPr/>
+        </p:nvSpPr>
+        <p:spPr>
+          <a:xfrm>
+            <a:off x="4659682" y="1672070"/>
+            <a:ext cx="851771" cy="204435"/>
+          </a:xfrm>
+          <a:prstGeom prst="curvedDownArrow">
+            <a:avLst/>
+          </a:prstGeom>
+        </p:spPr>
+        <p:style>
+          <a:lnRef idx="2">
+            <a:schemeClr val="accent2">
+              <a:shade val="50000"/>
+            </a:schemeClr>
+          </a:lnRef>
+          <a:fillRef idx="1">
+            <a:schemeClr val="accent2"/>
+          </a:fillRef>
+          <a:effectRef idx="0">
+            <a:schemeClr val="accent2"/>
+          </a:effectRef>
+          <a:fontRef idx="minor">
+            <a:schemeClr val="lt1"/>
+          </a:fontRef>
+        </p:style>
+        <p:txBody>
+          <a:bodyPr rtlCol="0" anchor="ctr"/>
+          <a:lstStyle/>
+          <a:p>
+            <a:pPr algn="ctr"/>
+            <a:endParaRPr lang="en-GB">
+              <a:solidFill>
+                <a:schemeClr val="tx1"/>
+              </a:solidFill>
+            </a:endParaRPr>
+          </a:p>
+        </p:txBody>
+      </p:sp>
+      <p:sp>
+        <p:nvSpPr>
+          <p:cNvPr id="19" name="TextBox 18">
+            <a:extLst>
+              <a:ext uri="{FF2B5EF4-FFF2-40B4-BE49-F238E27FC236}">
+                <a16:creationId xmlns:a16="http://schemas.microsoft.com/office/drawing/2014/main" id="{D413080B-884F-4DC8-9ECC-0C9E97BB382A}"/>
+              </a:ext>
+            </a:extLst>
+          </p:cNvPr>
+          <p:cNvSpPr txBox="1"/>
+          <p:nvPr/>
+        </p:nvSpPr>
+        <p:spPr>
+          <a:xfrm>
+            <a:off x="2642218" y="1295908"/>
+            <a:ext cx="389850" cy="584775"/>
+          </a:xfrm>
+          <a:prstGeom prst="rect">
+            <a:avLst/>
+          </a:prstGeom>
+          <a:noFill/>
+        </p:spPr>
+        <p:txBody>
+          <a:bodyPr wrap="none" rtlCol="0">
+            <a:spAutoFit/>
+          </a:bodyPr>
+          <a:lstStyle/>
+          <a:p>
+            <a:r>
+              <a:rPr lang="it-IT" sz="3200" b="1" dirty="0">
+                <a:ln w="22225">
+                  <a:solidFill>
+                    <a:schemeClr val="accent2">
+                      <a:lumMod val="50000"/>
+                    </a:schemeClr>
+                  </a:solidFill>
+                  <a:prstDash val="solid"/>
+                </a:ln>
+                <a:solidFill>
+                  <a:schemeClr val="accent2">
+                    <a:lumMod val="75000"/>
+                  </a:schemeClr>
+                </a:solidFill>
+              </a:rPr>
+              <a:t>+</a:t>
+            </a:r>
+            <a:endParaRPr lang="en-GB" sz="3200" b="1" dirty="0">
+              <a:ln w="22225">
+                <a:solidFill>
+                  <a:schemeClr val="accent2">
+                    <a:lumMod val="50000"/>
+                  </a:schemeClr>
+                </a:solidFill>
+                <a:prstDash val="solid"/>
+              </a:ln>
+              <a:solidFill>
+                <a:schemeClr val="accent2">
+                  <a:lumMod val="75000"/>
+                </a:schemeClr>
+              </a:solidFill>
+            </a:endParaRPr>
+          </a:p>
+        </p:txBody>
+      </p:sp>
+      <p:sp>
+        <p:nvSpPr>
+          <p:cNvPr id="20" name="TextBox 19">
+            <a:extLst>
+              <a:ext uri="{FF2B5EF4-FFF2-40B4-BE49-F238E27FC236}">
+                <a16:creationId xmlns:a16="http://schemas.microsoft.com/office/drawing/2014/main" id="{82FD6891-58F1-4D1A-9126-9E0625289D0A}"/>
+              </a:ext>
+            </a:extLst>
+          </p:cNvPr>
+          <p:cNvSpPr txBox="1"/>
+          <p:nvPr/>
+        </p:nvSpPr>
+        <p:spPr>
+          <a:xfrm>
+            <a:off x="3493991" y="1306655"/>
+            <a:ext cx="389850" cy="584775"/>
+          </a:xfrm>
+          <a:prstGeom prst="rect">
+            <a:avLst/>
+          </a:prstGeom>
+          <a:noFill/>
+        </p:spPr>
+        <p:txBody>
+          <a:bodyPr wrap="none" rtlCol="0">
+            <a:spAutoFit/>
+          </a:bodyPr>
+          <a:lstStyle/>
+          <a:p>
+            <a:r>
+              <a:rPr lang="it-IT" sz="3200" b="1" dirty="0">
+                <a:ln w="22225">
+                  <a:solidFill>
+                    <a:schemeClr val="accent2">
+                      <a:lumMod val="50000"/>
+                    </a:schemeClr>
+                  </a:solidFill>
+                  <a:prstDash val="solid"/>
+                </a:ln>
+                <a:solidFill>
+                  <a:schemeClr val="accent2">
+                    <a:lumMod val="75000"/>
+                  </a:schemeClr>
+                </a:solidFill>
+              </a:rPr>
+              <a:t>+</a:t>
+            </a:r>
+            <a:endParaRPr lang="en-GB" sz="3200" b="1" dirty="0">
+              <a:ln w="22225">
+                <a:solidFill>
+                  <a:schemeClr val="accent2">
+                    <a:lumMod val="50000"/>
+                  </a:schemeClr>
+                </a:solidFill>
+                <a:prstDash val="solid"/>
+              </a:ln>
+              <a:solidFill>
+                <a:schemeClr val="accent2">
+                  <a:lumMod val="75000"/>
+                </a:schemeClr>
+              </a:solidFill>
+            </a:endParaRPr>
+          </a:p>
+        </p:txBody>
+      </p:sp>
+      <p:sp>
+        <p:nvSpPr>
+          <p:cNvPr id="21" name="TextBox 20">
+            <a:extLst>
+              <a:ext uri="{FF2B5EF4-FFF2-40B4-BE49-F238E27FC236}">
+                <a16:creationId xmlns:a16="http://schemas.microsoft.com/office/drawing/2014/main" id="{E95A1732-9076-46BF-8E6C-F0AEB44647EA}"/>
+              </a:ext>
+            </a:extLst>
+          </p:cNvPr>
+          <p:cNvSpPr txBox="1"/>
+          <p:nvPr/>
+        </p:nvSpPr>
+        <p:spPr>
+          <a:xfrm>
+            <a:off x="4466185" y="1306655"/>
+            <a:ext cx="311835" cy="584775"/>
+          </a:xfrm>
+          <a:prstGeom prst="rect">
+            <a:avLst/>
+          </a:prstGeom>
+          <a:noFill/>
+        </p:spPr>
+        <p:txBody>
+          <a:bodyPr wrap="square" rtlCol="0">
+            <a:spAutoFit/>
+          </a:bodyPr>
+          <a:lstStyle/>
+          <a:p>
+            <a:r>
+              <a:rPr lang="it-IT" sz="3200" b="1" dirty="0">
+                <a:ln w="22225">
+                  <a:solidFill>
+                    <a:schemeClr val="accent2">
+                      <a:lumMod val="50000"/>
+                    </a:schemeClr>
+                  </a:solidFill>
+                  <a:prstDash val="solid"/>
+                </a:ln>
+                <a:solidFill>
+                  <a:schemeClr val="accent2">
+                    <a:lumMod val="75000"/>
+                  </a:schemeClr>
+                </a:solidFill>
+              </a:rPr>
+              <a:t>+</a:t>
+            </a:r>
+            <a:endParaRPr lang="en-GB" sz="3200" b="1" dirty="0">
+              <a:ln w="22225">
+                <a:solidFill>
+                  <a:schemeClr val="accent2">
+                    <a:lumMod val="50000"/>
+                  </a:schemeClr>
+                </a:solidFill>
+                <a:prstDash val="solid"/>
+              </a:ln>
+              <a:solidFill>
+                <a:schemeClr val="accent2">
+                  <a:lumMod val="75000"/>
+                </a:schemeClr>
+              </a:solidFill>
+            </a:endParaRPr>
+          </a:p>
+        </p:txBody>
+      </p:sp>
+    </p:spTree>
+    <p:extLst>
+      <p:ext uri="{BB962C8B-B14F-4D97-AF65-F5344CB8AC3E}">
+        <p14:creationId xmlns:p14="http://schemas.microsoft.com/office/powerpoint/2010/main" val="66238425"/>
+      </p:ext>
+    </p:extLst>
+  </p:cSld>
+  <p:clrMapOvr>
+    <a:masterClrMapping/>
+  </p:clrMapOvr>
+</p:sld>
+</file>
+
 <file path=ppt/theme/theme1.xml><?xml version="1.0" encoding="utf-8"?>
 <a:theme xmlns:a="http://schemas.openxmlformats.org/drawingml/2006/main" name="Office Theme">
   <a:themeElements>

--- a/screenshots/imgs.pptx
+++ b/screenshots/imgs.pptx
@@ -11,6 +11,8 @@
     <p:sldId id="259" r:id="rId5"/>
     <p:sldId id="260" r:id="rId6"/>
     <p:sldId id="261" r:id="rId7"/>
+    <p:sldId id="262" r:id="rId8"/>
+    <p:sldId id="263" r:id="rId9"/>
   </p:sldIdLst>
   <p:sldSz cx="12192000" cy="6858000"/>
   <p:notesSz cx="6858000" cy="9144000"/>
@@ -5646,6 +5648,1834 @@
 </p:sld>
 </file>
 
+<file path=ppt/slides/slide7.xml><?xml version="1.0" encoding="utf-8"?>
+<p:sld xmlns:a="http://schemas.openxmlformats.org/drawingml/2006/main" xmlns:r="http://schemas.openxmlformats.org/officeDocument/2006/relationships" xmlns:p="http://schemas.openxmlformats.org/presentationml/2006/main">
+  <p:cSld>
+    <p:bg>
+      <p:bgPr>
+        <a:solidFill>
+          <a:schemeClr val="bg1"/>
+        </a:solidFill>
+        <a:effectLst/>
+      </p:bgPr>
+    </p:bg>
+    <p:spTree>
+      <p:nvGrpSpPr>
+        <p:cNvPr id="1" name=""/>
+        <p:cNvGrpSpPr/>
+        <p:nvPr/>
+      </p:nvGrpSpPr>
+      <p:grpSpPr>
+        <a:xfrm>
+          <a:off x="0" y="0"/>
+          <a:ext cx="0" cy="0"/>
+          <a:chOff x="0" y="0"/>
+          <a:chExt cx="0" cy="0"/>
+        </a:xfrm>
+      </p:grpSpPr>
+      <p:pic>
+        <p:nvPicPr>
+          <p:cNvPr id="5" name="Picture 4" descr="A screenshot of a computer&#10;&#10;Description automatically generated with medium confidence">
+            <a:extLst>
+              <a:ext uri="{FF2B5EF4-FFF2-40B4-BE49-F238E27FC236}">
+                <a16:creationId xmlns:a16="http://schemas.microsoft.com/office/drawing/2014/main" id="{0A317569-71DF-4DA3-A1CB-655564E54527}"/>
+              </a:ext>
+            </a:extLst>
+          </p:cNvPr>
+          <p:cNvPicPr>
+            <a:picLocks noChangeAspect="1"/>
+          </p:cNvPicPr>
+          <p:nvPr/>
+        </p:nvPicPr>
+        <p:blipFill>
+          <a:blip r:embed="rId2">
+            <a:extLst>
+              <a:ext uri="{28A0092B-C50C-407E-A947-70E740481C1C}">
+                <a14:useLocalDpi xmlns:a14="http://schemas.microsoft.com/office/drawing/2010/main" val="0"/>
+              </a:ext>
+            </a:extLst>
+          </a:blip>
+          <a:stretch>
+            <a:fillRect/>
+          </a:stretch>
+        </p:blipFill>
+        <p:spPr>
+          <a:xfrm>
+            <a:off x="156378" y="1954061"/>
+            <a:ext cx="11392155" cy="2828924"/>
+          </a:xfrm>
+          <a:prstGeom prst="rect">
+            <a:avLst/>
+          </a:prstGeom>
+        </p:spPr>
+      </p:pic>
+      <p:sp>
+        <p:nvSpPr>
+          <p:cNvPr id="6" name="Rectangle 5">
+            <a:extLst>
+              <a:ext uri="{FF2B5EF4-FFF2-40B4-BE49-F238E27FC236}">
+                <a16:creationId xmlns:a16="http://schemas.microsoft.com/office/drawing/2014/main" id="{508B982E-510B-4268-8B7E-1C55D9054936}"/>
+              </a:ext>
+            </a:extLst>
+          </p:cNvPr>
+          <p:cNvSpPr/>
+          <p:nvPr/>
+        </p:nvSpPr>
+        <p:spPr>
+          <a:xfrm>
+            <a:off x="4702951" y="2026896"/>
+            <a:ext cx="4992658" cy="2703831"/>
+          </a:xfrm>
+          <a:prstGeom prst="rect">
+            <a:avLst/>
+          </a:prstGeom>
+          <a:solidFill>
+            <a:schemeClr val="accent3">
+              <a:alpha val="80000"/>
+            </a:schemeClr>
+          </a:solidFill>
+          <a:ln>
+            <a:noFill/>
+          </a:ln>
+        </p:spPr>
+        <p:style>
+          <a:lnRef idx="0">
+            <a:scrgbClr r="0" g="0" b="0"/>
+          </a:lnRef>
+          <a:fillRef idx="0">
+            <a:scrgbClr r="0" g="0" b="0"/>
+          </a:fillRef>
+          <a:effectRef idx="0">
+            <a:scrgbClr r="0" g="0" b="0"/>
+          </a:effectRef>
+          <a:fontRef idx="minor">
+            <a:schemeClr val="lt1"/>
+          </a:fontRef>
+        </p:style>
+        <p:txBody>
+          <a:bodyPr rtlCol="0" anchor="ctr"/>
+          <a:lstStyle/>
+          <a:p>
+            <a:pPr algn="ctr"/>
+            <a:endParaRPr lang="en-GB"/>
+          </a:p>
+        </p:txBody>
+      </p:sp>
+      <p:sp>
+        <p:nvSpPr>
+          <p:cNvPr id="7" name="Rectangle 6">
+            <a:extLst>
+              <a:ext uri="{FF2B5EF4-FFF2-40B4-BE49-F238E27FC236}">
+                <a16:creationId xmlns:a16="http://schemas.microsoft.com/office/drawing/2014/main" id="{86F34C02-0950-4655-A434-E3AB9265354D}"/>
+              </a:ext>
+            </a:extLst>
+          </p:cNvPr>
+          <p:cNvSpPr/>
+          <p:nvPr/>
+        </p:nvSpPr>
+        <p:spPr>
+          <a:xfrm>
+            <a:off x="876822" y="2292263"/>
+            <a:ext cx="3807911" cy="235826"/>
+          </a:xfrm>
+          <a:prstGeom prst="rect">
+            <a:avLst/>
+          </a:prstGeom>
+          <a:noFill/>
+          <a:ln w="9525" cap="flat" cmpd="sng" algn="ctr">
+            <a:solidFill>
+              <a:schemeClr val="accent2"/>
+            </a:solidFill>
+            <a:prstDash val="solid"/>
+            <a:round/>
+            <a:headEnd type="none" w="med" len="med"/>
+            <a:tailEnd type="none" w="med" len="med"/>
+          </a:ln>
+        </p:spPr>
+        <p:style>
+          <a:lnRef idx="0">
+            <a:scrgbClr r="0" g="0" b="0"/>
+          </a:lnRef>
+          <a:fillRef idx="0">
+            <a:scrgbClr r="0" g="0" b="0"/>
+          </a:fillRef>
+          <a:effectRef idx="0">
+            <a:scrgbClr r="0" g="0" b="0"/>
+          </a:effectRef>
+          <a:fontRef idx="minor">
+            <a:schemeClr val="accent2"/>
+          </a:fontRef>
+        </p:style>
+        <p:txBody>
+          <a:bodyPr rtlCol="0" anchor="ctr"/>
+          <a:lstStyle/>
+          <a:p>
+            <a:pPr algn="ctr"/>
+            <a:endParaRPr lang="en-GB"/>
+          </a:p>
+        </p:txBody>
+      </p:sp>
+      <p:sp>
+        <p:nvSpPr>
+          <p:cNvPr id="8" name="Rectangle 7">
+            <a:extLst>
+              <a:ext uri="{FF2B5EF4-FFF2-40B4-BE49-F238E27FC236}">
+                <a16:creationId xmlns:a16="http://schemas.microsoft.com/office/drawing/2014/main" id="{F716BE47-09CF-4317-BCC2-791644755998}"/>
+              </a:ext>
+            </a:extLst>
+          </p:cNvPr>
+          <p:cNvSpPr/>
+          <p:nvPr/>
+        </p:nvSpPr>
+        <p:spPr>
+          <a:xfrm>
+            <a:off x="9695609" y="2026897"/>
+            <a:ext cx="1703076" cy="2705984"/>
+          </a:xfrm>
+          <a:prstGeom prst="rect">
+            <a:avLst/>
+          </a:prstGeom>
+          <a:solidFill>
+            <a:srgbClr val="FFFF00">
+              <a:alpha val="50000"/>
+            </a:srgbClr>
+          </a:solidFill>
+          <a:ln>
+            <a:noFill/>
+          </a:ln>
+        </p:spPr>
+        <p:style>
+          <a:lnRef idx="0">
+            <a:scrgbClr r="0" g="0" b="0"/>
+          </a:lnRef>
+          <a:fillRef idx="0">
+            <a:scrgbClr r="0" g="0" b="0"/>
+          </a:fillRef>
+          <a:effectRef idx="0">
+            <a:scrgbClr r="0" g="0" b="0"/>
+          </a:effectRef>
+          <a:fontRef idx="minor">
+            <a:schemeClr val="lt1"/>
+          </a:fontRef>
+        </p:style>
+        <p:txBody>
+          <a:bodyPr rtlCol="0" anchor="ctr"/>
+          <a:lstStyle/>
+          <a:p>
+            <a:pPr algn="ctr"/>
+            <a:endParaRPr lang="en-GB"/>
+          </a:p>
+        </p:txBody>
+      </p:sp>
+      <p:cxnSp>
+        <p:nvCxnSpPr>
+          <p:cNvPr id="10" name="Straight Arrow Connector 9">
+            <a:extLst>
+              <a:ext uri="{FF2B5EF4-FFF2-40B4-BE49-F238E27FC236}">
+                <a16:creationId xmlns:a16="http://schemas.microsoft.com/office/drawing/2014/main" id="{97FD8FD0-7CFD-4BF8-AE38-935A19DAC38E}"/>
+              </a:ext>
+            </a:extLst>
+          </p:cNvPr>
+          <p:cNvCxnSpPr>
+            <a:cxnSpLocks/>
+          </p:cNvCxnSpPr>
+          <p:nvPr/>
+        </p:nvCxnSpPr>
+        <p:spPr>
+          <a:xfrm>
+            <a:off x="4702951" y="2404998"/>
+            <a:ext cx="6382583" cy="0"/>
+          </a:xfrm>
+          <a:prstGeom prst="straightConnector1">
+            <a:avLst/>
+          </a:prstGeom>
+          <a:ln>
+            <a:tailEnd type="triangle"/>
+          </a:ln>
+        </p:spPr>
+        <p:style>
+          <a:lnRef idx="3">
+            <a:schemeClr val="accent2"/>
+          </a:lnRef>
+          <a:fillRef idx="0">
+            <a:schemeClr val="accent2"/>
+          </a:fillRef>
+          <a:effectRef idx="2">
+            <a:schemeClr val="accent2"/>
+          </a:effectRef>
+          <a:fontRef idx="minor">
+            <a:schemeClr val="tx1"/>
+          </a:fontRef>
+        </p:style>
+      </p:cxnSp>
+      <p:sp>
+        <p:nvSpPr>
+          <p:cNvPr id="12" name="Oval 11">
+            <a:extLst>
+              <a:ext uri="{FF2B5EF4-FFF2-40B4-BE49-F238E27FC236}">
+                <a16:creationId xmlns:a16="http://schemas.microsoft.com/office/drawing/2014/main" id="{0CC6E474-E909-4187-8594-9FD212522154}"/>
+              </a:ext>
+            </a:extLst>
+          </p:cNvPr>
+          <p:cNvSpPr/>
+          <p:nvPr/>
+        </p:nvSpPr>
+        <p:spPr>
+          <a:xfrm>
+            <a:off x="11148164" y="2267212"/>
+            <a:ext cx="275573" cy="263046"/>
+          </a:xfrm>
+          <a:prstGeom prst="ellipse">
+            <a:avLst/>
+          </a:prstGeom>
+          <a:noFill/>
+          <a:ln w="9525" cap="flat" cmpd="sng" algn="ctr">
+            <a:solidFill>
+              <a:schemeClr val="accent2"/>
+            </a:solidFill>
+            <a:prstDash val="solid"/>
+            <a:round/>
+            <a:headEnd type="none" w="med" len="med"/>
+            <a:tailEnd type="none" w="med" len="med"/>
+          </a:ln>
+        </p:spPr>
+        <p:style>
+          <a:lnRef idx="0">
+            <a:scrgbClr r="0" g="0" b="0"/>
+          </a:lnRef>
+          <a:fillRef idx="0">
+            <a:scrgbClr r="0" g="0" b="0"/>
+          </a:fillRef>
+          <a:effectRef idx="0">
+            <a:scrgbClr r="0" g="0" b="0"/>
+          </a:effectRef>
+          <a:fontRef idx="minor">
+            <a:schemeClr val="accent2"/>
+          </a:fontRef>
+        </p:style>
+        <p:txBody>
+          <a:bodyPr rtlCol="0" anchor="ctr"/>
+          <a:lstStyle/>
+          <a:p>
+            <a:pPr algn="ctr"/>
+            <a:endParaRPr lang="en-GB"/>
+          </a:p>
+        </p:txBody>
+      </p:sp>
+      <p:sp>
+        <p:nvSpPr>
+          <p:cNvPr id="13" name="Arrow: Curved Down 12">
+            <a:extLst>
+              <a:ext uri="{FF2B5EF4-FFF2-40B4-BE49-F238E27FC236}">
+                <a16:creationId xmlns:a16="http://schemas.microsoft.com/office/drawing/2014/main" id="{A657386D-BD19-4C1F-B641-90D809D6368C}"/>
+              </a:ext>
+            </a:extLst>
+          </p:cNvPr>
+          <p:cNvSpPr/>
+          <p:nvPr/>
+        </p:nvSpPr>
+        <p:spPr>
+          <a:xfrm>
+            <a:off x="1127342" y="1822461"/>
+            <a:ext cx="1014608" cy="213095"/>
+          </a:xfrm>
+          <a:prstGeom prst="curvedDownArrow">
+            <a:avLst/>
+          </a:prstGeom>
+        </p:spPr>
+        <p:style>
+          <a:lnRef idx="2">
+            <a:schemeClr val="accent2">
+              <a:shade val="50000"/>
+            </a:schemeClr>
+          </a:lnRef>
+          <a:fillRef idx="1">
+            <a:schemeClr val="accent2"/>
+          </a:fillRef>
+          <a:effectRef idx="0">
+            <a:schemeClr val="accent2"/>
+          </a:effectRef>
+          <a:fontRef idx="minor">
+            <a:schemeClr val="lt1"/>
+          </a:fontRef>
+        </p:style>
+        <p:txBody>
+          <a:bodyPr rtlCol="0" anchor="ctr"/>
+          <a:lstStyle/>
+          <a:p>
+            <a:pPr algn="ctr"/>
+            <a:endParaRPr lang="en-GB">
+              <a:solidFill>
+                <a:schemeClr val="tx1"/>
+              </a:solidFill>
+            </a:endParaRPr>
+          </a:p>
+        </p:txBody>
+      </p:sp>
+      <p:sp>
+        <p:nvSpPr>
+          <p:cNvPr id="14" name="Arrow: Curved Down 13">
+            <a:extLst>
+              <a:ext uri="{FF2B5EF4-FFF2-40B4-BE49-F238E27FC236}">
+                <a16:creationId xmlns:a16="http://schemas.microsoft.com/office/drawing/2014/main" id="{D6EB2B9B-2034-4717-B35A-9E06AEA8164A}"/>
+              </a:ext>
+            </a:extLst>
+          </p:cNvPr>
+          <p:cNvSpPr/>
+          <p:nvPr/>
+        </p:nvSpPr>
+        <p:spPr>
+          <a:xfrm>
+            <a:off x="2141950" y="1818132"/>
+            <a:ext cx="739036" cy="208764"/>
+          </a:xfrm>
+          <a:prstGeom prst="curvedDownArrow">
+            <a:avLst/>
+          </a:prstGeom>
+        </p:spPr>
+        <p:style>
+          <a:lnRef idx="2">
+            <a:schemeClr val="accent2">
+              <a:shade val="50000"/>
+            </a:schemeClr>
+          </a:lnRef>
+          <a:fillRef idx="1">
+            <a:schemeClr val="accent2"/>
+          </a:fillRef>
+          <a:effectRef idx="0">
+            <a:schemeClr val="accent2"/>
+          </a:effectRef>
+          <a:fontRef idx="minor">
+            <a:schemeClr val="lt1"/>
+          </a:fontRef>
+        </p:style>
+        <p:txBody>
+          <a:bodyPr rtlCol="0" anchor="ctr"/>
+          <a:lstStyle/>
+          <a:p>
+            <a:pPr algn="ctr"/>
+            <a:endParaRPr lang="en-GB" b="1">
+              <a:ln w="22225">
+                <a:solidFill>
+                  <a:schemeClr val="accent2">
+                    <a:lumMod val="50000"/>
+                  </a:schemeClr>
+                </a:solidFill>
+                <a:prstDash val="solid"/>
+              </a:ln>
+              <a:solidFill>
+                <a:schemeClr val="accent2">
+                  <a:lumMod val="75000"/>
+                </a:schemeClr>
+              </a:solidFill>
+            </a:endParaRPr>
+          </a:p>
+        </p:txBody>
+      </p:sp>
+      <p:sp>
+        <p:nvSpPr>
+          <p:cNvPr id="15" name="Arrow: Curved Down 14">
+            <a:extLst>
+              <a:ext uri="{FF2B5EF4-FFF2-40B4-BE49-F238E27FC236}">
+                <a16:creationId xmlns:a16="http://schemas.microsoft.com/office/drawing/2014/main" id="{CCAE6027-C8AE-4B7E-854F-02363C56F1E7}"/>
+              </a:ext>
+            </a:extLst>
+          </p:cNvPr>
+          <p:cNvSpPr/>
+          <p:nvPr/>
+        </p:nvSpPr>
+        <p:spPr>
+          <a:xfrm>
+            <a:off x="2906037" y="1813801"/>
+            <a:ext cx="851771" cy="221755"/>
+          </a:xfrm>
+          <a:prstGeom prst="curvedDownArrow">
+            <a:avLst/>
+          </a:prstGeom>
+        </p:spPr>
+        <p:style>
+          <a:lnRef idx="2">
+            <a:schemeClr val="accent2">
+              <a:shade val="50000"/>
+            </a:schemeClr>
+          </a:lnRef>
+          <a:fillRef idx="1">
+            <a:schemeClr val="accent2"/>
+          </a:fillRef>
+          <a:effectRef idx="0">
+            <a:schemeClr val="accent2"/>
+          </a:effectRef>
+          <a:fontRef idx="minor">
+            <a:schemeClr val="lt1"/>
+          </a:fontRef>
+        </p:style>
+        <p:txBody>
+          <a:bodyPr rtlCol="0" anchor="ctr"/>
+          <a:lstStyle/>
+          <a:p>
+            <a:pPr algn="ctr"/>
+            <a:endParaRPr lang="en-GB" b="1">
+              <a:ln w="22225">
+                <a:solidFill>
+                  <a:schemeClr val="accent2">
+                    <a:lumMod val="50000"/>
+                  </a:schemeClr>
+                </a:solidFill>
+                <a:prstDash val="solid"/>
+              </a:ln>
+              <a:solidFill>
+                <a:schemeClr val="accent2">
+                  <a:lumMod val="75000"/>
+                </a:schemeClr>
+              </a:solidFill>
+            </a:endParaRPr>
+          </a:p>
+        </p:txBody>
+      </p:sp>
+      <p:sp>
+        <p:nvSpPr>
+          <p:cNvPr id="16" name="Arrow: Curved Down 15">
+            <a:extLst>
+              <a:ext uri="{FF2B5EF4-FFF2-40B4-BE49-F238E27FC236}">
+                <a16:creationId xmlns:a16="http://schemas.microsoft.com/office/drawing/2014/main" id="{51F8AD1A-2F86-429F-9061-60561C1A38A7}"/>
+              </a:ext>
+            </a:extLst>
+          </p:cNvPr>
+          <p:cNvSpPr/>
+          <p:nvPr/>
+        </p:nvSpPr>
+        <p:spPr>
+          <a:xfrm>
+            <a:off x="3782860" y="1822460"/>
+            <a:ext cx="739035" cy="204436"/>
+          </a:xfrm>
+          <a:prstGeom prst="curvedDownArrow">
+            <a:avLst/>
+          </a:prstGeom>
+        </p:spPr>
+        <p:style>
+          <a:lnRef idx="2">
+            <a:schemeClr val="accent2">
+              <a:shade val="50000"/>
+            </a:schemeClr>
+          </a:lnRef>
+          <a:fillRef idx="1">
+            <a:schemeClr val="accent2"/>
+          </a:fillRef>
+          <a:effectRef idx="0">
+            <a:schemeClr val="accent2"/>
+          </a:effectRef>
+          <a:fontRef idx="minor">
+            <a:schemeClr val="lt1"/>
+          </a:fontRef>
+        </p:style>
+        <p:txBody>
+          <a:bodyPr rtlCol="0" anchor="ctr"/>
+          <a:lstStyle/>
+          <a:p>
+            <a:pPr algn="ctr"/>
+            <a:endParaRPr lang="en-GB">
+              <a:solidFill>
+                <a:schemeClr val="tx1"/>
+              </a:solidFill>
+            </a:endParaRPr>
+          </a:p>
+        </p:txBody>
+      </p:sp>
+      <p:sp>
+        <p:nvSpPr>
+          <p:cNvPr id="20" name="TextBox 19">
+            <a:extLst>
+              <a:ext uri="{FF2B5EF4-FFF2-40B4-BE49-F238E27FC236}">
+                <a16:creationId xmlns:a16="http://schemas.microsoft.com/office/drawing/2014/main" id="{7DEE2A20-8E96-4E24-AF0D-627C83E8FDC8}"/>
+              </a:ext>
+            </a:extLst>
+          </p:cNvPr>
+          <p:cNvSpPr txBox="1"/>
+          <p:nvPr/>
+        </p:nvSpPr>
+        <p:spPr>
+          <a:xfrm>
+            <a:off x="1915710" y="1471272"/>
+            <a:ext cx="389850" cy="584775"/>
+          </a:xfrm>
+          <a:prstGeom prst="rect">
+            <a:avLst/>
+          </a:prstGeom>
+          <a:noFill/>
+        </p:spPr>
+        <p:txBody>
+          <a:bodyPr wrap="none" rtlCol="0">
+            <a:spAutoFit/>
+          </a:bodyPr>
+          <a:lstStyle/>
+          <a:p>
+            <a:r>
+              <a:rPr lang="it-IT" sz="3200" b="1" dirty="0">
+                <a:ln w="22225">
+                  <a:solidFill>
+                    <a:schemeClr val="accent2">
+                      <a:lumMod val="50000"/>
+                    </a:schemeClr>
+                  </a:solidFill>
+                  <a:prstDash val="solid"/>
+                </a:ln>
+                <a:solidFill>
+                  <a:schemeClr val="accent2">
+                    <a:lumMod val="75000"/>
+                  </a:schemeClr>
+                </a:solidFill>
+              </a:rPr>
+              <a:t>+</a:t>
+            </a:r>
+            <a:endParaRPr lang="en-GB" sz="3200" b="1" dirty="0">
+              <a:ln w="22225">
+                <a:solidFill>
+                  <a:schemeClr val="accent2">
+                    <a:lumMod val="50000"/>
+                  </a:schemeClr>
+                </a:solidFill>
+                <a:prstDash val="solid"/>
+              </a:ln>
+              <a:solidFill>
+                <a:schemeClr val="accent2">
+                  <a:lumMod val="75000"/>
+                </a:schemeClr>
+              </a:solidFill>
+            </a:endParaRPr>
+          </a:p>
+        </p:txBody>
+      </p:sp>
+      <p:sp>
+        <p:nvSpPr>
+          <p:cNvPr id="21" name="TextBox 20">
+            <a:extLst>
+              <a:ext uri="{FF2B5EF4-FFF2-40B4-BE49-F238E27FC236}">
+                <a16:creationId xmlns:a16="http://schemas.microsoft.com/office/drawing/2014/main" id="{39627E3E-22FC-4F2A-8E39-8D53913A3C37}"/>
+              </a:ext>
+            </a:extLst>
+          </p:cNvPr>
+          <p:cNvSpPr txBox="1"/>
+          <p:nvPr/>
+        </p:nvSpPr>
+        <p:spPr>
+          <a:xfrm>
+            <a:off x="2679801" y="1482019"/>
+            <a:ext cx="389850" cy="584775"/>
+          </a:xfrm>
+          <a:prstGeom prst="rect">
+            <a:avLst/>
+          </a:prstGeom>
+          <a:noFill/>
+        </p:spPr>
+        <p:txBody>
+          <a:bodyPr wrap="none" rtlCol="0">
+            <a:spAutoFit/>
+          </a:bodyPr>
+          <a:lstStyle/>
+          <a:p>
+            <a:r>
+              <a:rPr lang="it-IT" sz="3200" b="1" dirty="0">
+                <a:ln w="22225">
+                  <a:solidFill>
+                    <a:schemeClr val="accent2">
+                      <a:lumMod val="50000"/>
+                    </a:schemeClr>
+                  </a:solidFill>
+                  <a:prstDash val="solid"/>
+                </a:ln>
+                <a:solidFill>
+                  <a:schemeClr val="accent2">
+                    <a:lumMod val="75000"/>
+                  </a:schemeClr>
+                </a:solidFill>
+              </a:rPr>
+              <a:t>+</a:t>
+            </a:r>
+            <a:endParaRPr lang="en-GB" sz="3200" b="1" dirty="0">
+              <a:ln w="22225">
+                <a:solidFill>
+                  <a:schemeClr val="accent2">
+                    <a:lumMod val="50000"/>
+                  </a:schemeClr>
+                </a:solidFill>
+                <a:prstDash val="solid"/>
+              </a:ln>
+              <a:solidFill>
+                <a:schemeClr val="accent2">
+                  <a:lumMod val="75000"/>
+                </a:schemeClr>
+              </a:solidFill>
+            </a:endParaRPr>
+          </a:p>
+        </p:txBody>
+      </p:sp>
+      <p:sp>
+        <p:nvSpPr>
+          <p:cNvPr id="22" name="TextBox 21">
+            <a:extLst>
+              <a:ext uri="{FF2B5EF4-FFF2-40B4-BE49-F238E27FC236}">
+                <a16:creationId xmlns:a16="http://schemas.microsoft.com/office/drawing/2014/main" id="{461FCAB0-C869-43AE-BF9C-E51682527DB1}"/>
+              </a:ext>
+            </a:extLst>
+          </p:cNvPr>
+          <p:cNvSpPr txBox="1"/>
+          <p:nvPr/>
+        </p:nvSpPr>
+        <p:spPr>
+          <a:xfrm>
+            <a:off x="3589365" y="1482019"/>
+            <a:ext cx="311835" cy="584775"/>
+          </a:xfrm>
+          <a:prstGeom prst="rect">
+            <a:avLst/>
+          </a:prstGeom>
+          <a:noFill/>
+        </p:spPr>
+        <p:txBody>
+          <a:bodyPr wrap="square" rtlCol="0">
+            <a:spAutoFit/>
+          </a:bodyPr>
+          <a:lstStyle/>
+          <a:p>
+            <a:r>
+              <a:rPr lang="it-IT" sz="3200" b="1" dirty="0">
+                <a:ln w="22225">
+                  <a:solidFill>
+                    <a:schemeClr val="accent2">
+                      <a:lumMod val="50000"/>
+                    </a:schemeClr>
+                  </a:solidFill>
+                  <a:prstDash val="solid"/>
+                </a:ln>
+                <a:solidFill>
+                  <a:schemeClr val="accent2">
+                    <a:lumMod val="75000"/>
+                  </a:schemeClr>
+                </a:solidFill>
+              </a:rPr>
+              <a:t>+</a:t>
+            </a:r>
+            <a:endParaRPr lang="en-GB" sz="3200" b="1" dirty="0">
+              <a:ln w="22225">
+                <a:solidFill>
+                  <a:schemeClr val="accent2">
+                    <a:lumMod val="50000"/>
+                  </a:schemeClr>
+                </a:solidFill>
+                <a:prstDash val="solid"/>
+              </a:ln>
+              <a:solidFill>
+                <a:schemeClr val="accent2">
+                  <a:lumMod val="75000"/>
+                </a:schemeClr>
+              </a:solidFill>
+            </a:endParaRPr>
+          </a:p>
+        </p:txBody>
+      </p:sp>
+      <p:cxnSp>
+        <p:nvCxnSpPr>
+          <p:cNvPr id="25" name="Straight Connector 24">
+            <a:extLst>
+              <a:ext uri="{FF2B5EF4-FFF2-40B4-BE49-F238E27FC236}">
+                <a16:creationId xmlns:a16="http://schemas.microsoft.com/office/drawing/2014/main" id="{9A8D16FA-1A13-45F2-A353-F0910C70740B}"/>
+              </a:ext>
+            </a:extLst>
+          </p:cNvPr>
+          <p:cNvCxnSpPr/>
+          <p:nvPr/>
+        </p:nvCxnSpPr>
+        <p:spPr>
+          <a:xfrm flipV="1">
+            <a:off x="4590987" y="1594790"/>
+            <a:ext cx="237996" cy="340441"/>
+          </a:xfrm>
+          <a:prstGeom prst="line">
+            <a:avLst/>
+          </a:prstGeom>
+        </p:spPr>
+        <p:style>
+          <a:lnRef idx="3">
+            <a:schemeClr val="accent2"/>
+          </a:lnRef>
+          <a:fillRef idx="0">
+            <a:schemeClr val="accent2"/>
+          </a:fillRef>
+          <a:effectRef idx="2">
+            <a:schemeClr val="accent2"/>
+          </a:effectRef>
+          <a:fontRef idx="minor">
+            <a:schemeClr val="tx1"/>
+          </a:fontRef>
+        </p:style>
+      </p:cxnSp>
+      <p:sp>
+        <p:nvSpPr>
+          <p:cNvPr id="26" name="TextBox 25">
+            <a:extLst>
+              <a:ext uri="{FF2B5EF4-FFF2-40B4-BE49-F238E27FC236}">
+                <a16:creationId xmlns:a16="http://schemas.microsoft.com/office/drawing/2014/main" id="{055DF06C-9248-4950-BC23-14ABF70C7B26}"/>
+              </a:ext>
+            </a:extLst>
+          </p:cNvPr>
+          <p:cNvSpPr txBox="1"/>
+          <p:nvPr/>
+        </p:nvSpPr>
+        <p:spPr>
+          <a:xfrm>
+            <a:off x="4747232" y="1551932"/>
+            <a:ext cx="301686" cy="369332"/>
+          </a:xfrm>
+          <a:prstGeom prst="rect">
+            <a:avLst/>
+          </a:prstGeom>
+          <a:noFill/>
+        </p:spPr>
+        <p:txBody>
+          <a:bodyPr wrap="square" rtlCol="0">
+            <a:spAutoFit/>
+          </a:bodyPr>
+          <a:lstStyle/>
+          <a:p>
+            <a:r>
+              <a:rPr lang="it-IT" b="1" dirty="0">
+                <a:ln w="22225">
+                  <a:solidFill>
+                    <a:schemeClr val="accent2">
+                      <a:lumMod val="75000"/>
+                    </a:schemeClr>
+                  </a:solidFill>
+                  <a:prstDash val="solid"/>
+                </a:ln>
+                <a:solidFill>
+                  <a:schemeClr val="accent2">
+                    <a:lumMod val="50000"/>
+                  </a:schemeClr>
+                </a:solidFill>
+              </a:rPr>
+              <a:t>5</a:t>
+            </a:r>
+            <a:endParaRPr lang="en-GB" b="1" dirty="0">
+              <a:ln w="22225">
+                <a:solidFill>
+                  <a:schemeClr val="accent2">
+                    <a:lumMod val="75000"/>
+                  </a:schemeClr>
+                </a:solidFill>
+                <a:prstDash val="solid"/>
+              </a:ln>
+              <a:solidFill>
+                <a:schemeClr val="accent2">
+                  <a:lumMod val="50000"/>
+                </a:schemeClr>
+              </a:solidFill>
+            </a:endParaRPr>
+          </a:p>
+        </p:txBody>
+      </p:sp>
+    </p:spTree>
+    <p:extLst>
+      <p:ext uri="{BB962C8B-B14F-4D97-AF65-F5344CB8AC3E}">
+        <p14:creationId xmlns:p14="http://schemas.microsoft.com/office/powerpoint/2010/main" val="2992906354"/>
+      </p:ext>
+    </p:extLst>
+  </p:cSld>
+  <p:clrMapOvr>
+    <a:masterClrMapping/>
+  </p:clrMapOvr>
+</p:sld>
+</file>
+
+<file path=ppt/slides/slide8.xml><?xml version="1.0" encoding="utf-8"?>
+<p:sld xmlns:a="http://schemas.openxmlformats.org/drawingml/2006/main" xmlns:r="http://schemas.openxmlformats.org/officeDocument/2006/relationships" xmlns:p="http://schemas.openxmlformats.org/presentationml/2006/main">
+  <p:cSld>
+    <p:bg>
+      <p:bgPr>
+        <a:solidFill>
+          <a:schemeClr val="bg1"/>
+        </a:solidFill>
+        <a:effectLst/>
+      </p:bgPr>
+    </p:bg>
+    <p:spTree>
+      <p:nvGrpSpPr>
+        <p:cNvPr id="1" name=""/>
+        <p:cNvGrpSpPr/>
+        <p:nvPr/>
+      </p:nvGrpSpPr>
+      <p:grpSpPr>
+        <a:xfrm>
+          <a:off x="0" y="0"/>
+          <a:ext cx="0" cy="0"/>
+          <a:chOff x="0" y="0"/>
+          <a:chExt cx="0" cy="0"/>
+        </a:xfrm>
+      </p:grpSpPr>
+      <p:pic>
+        <p:nvPicPr>
+          <p:cNvPr id="5" name="Picture 4" descr="Table&#10;&#10;Description automatically generated">
+            <a:extLst>
+              <a:ext uri="{FF2B5EF4-FFF2-40B4-BE49-F238E27FC236}">
+                <a16:creationId xmlns:a16="http://schemas.microsoft.com/office/drawing/2014/main" id="{B2BD8099-7E85-4FF8-B2B4-67A68349B6E6}"/>
+              </a:ext>
+            </a:extLst>
+          </p:cNvPr>
+          <p:cNvPicPr>
+            <a:picLocks noChangeAspect="1"/>
+          </p:cNvPicPr>
+          <p:nvPr/>
+        </p:nvPicPr>
+        <p:blipFill>
+          <a:blip r:embed="rId2">
+            <a:extLst>
+              <a:ext uri="{28A0092B-C50C-407E-A947-70E740481C1C}">
+                <a14:useLocalDpi xmlns:a14="http://schemas.microsoft.com/office/drawing/2010/main" val="0"/>
+              </a:ext>
+            </a:extLst>
+          </a:blip>
+          <a:stretch>
+            <a:fillRect/>
+          </a:stretch>
+        </p:blipFill>
+        <p:spPr>
+          <a:xfrm>
+            <a:off x="108284" y="2066793"/>
+            <a:ext cx="12083716" cy="2749045"/>
+          </a:xfrm>
+          <a:prstGeom prst="rect">
+            <a:avLst/>
+          </a:prstGeom>
+        </p:spPr>
+      </p:pic>
+      <p:sp>
+        <p:nvSpPr>
+          <p:cNvPr id="6" name="Rectangle 5">
+            <a:extLst>
+              <a:ext uri="{FF2B5EF4-FFF2-40B4-BE49-F238E27FC236}">
+                <a16:creationId xmlns:a16="http://schemas.microsoft.com/office/drawing/2014/main" id="{3F3CF4A8-521B-45E0-B94B-F2098B504856}"/>
+              </a:ext>
+            </a:extLst>
+          </p:cNvPr>
+          <p:cNvSpPr/>
+          <p:nvPr/>
+        </p:nvSpPr>
+        <p:spPr>
+          <a:xfrm>
+            <a:off x="4259179" y="2158459"/>
+            <a:ext cx="4547938" cy="2413542"/>
+          </a:xfrm>
+          <a:prstGeom prst="rect">
+            <a:avLst/>
+          </a:prstGeom>
+          <a:solidFill>
+            <a:schemeClr val="accent3">
+              <a:alpha val="80000"/>
+            </a:schemeClr>
+          </a:solidFill>
+          <a:ln>
+            <a:noFill/>
+          </a:ln>
+        </p:spPr>
+        <p:style>
+          <a:lnRef idx="0">
+            <a:scrgbClr r="0" g="0" b="0"/>
+          </a:lnRef>
+          <a:fillRef idx="0">
+            <a:scrgbClr r="0" g="0" b="0"/>
+          </a:fillRef>
+          <a:effectRef idx="0">
+            <a:scrgbClr r="0" g="0" b="0"/>
+          </a:effectRef>
+          <a:fontRef idx="minor">
+            <a:schemeClr val="lt1"/>
+          </a:fontRef>
+        </p:style>
+        <p:txBody>
+          <a:bodyPr rtlCol="0" anchor="ctr"/>
+          <a:lstStyle/>
+          <a:p>
+            <a:pPr algn="ctr"/>
+            <a:endParaRPr lang="en-GB"/>
+          </a:p>
+        </p:txBody>
+      </p:sp>
+      <p:sp>
+        <p:nvSpPr>
+          <p:cNvPr id="7" name="Rectangle 6">
+            <a:extLst>
+              <a:ext uri="{FF2B5EF4-FFF2-40B4-BE49-F238E27FC236}">
+                <a16:creationId xmlns:a16="http://schemas.microsoft.com/office/drawing/2014/main" id="{775CFB22-C726-4D7B-8AE7-7C5B92770593}"/>
+              </a:ext>
+            </a:extLst>
+          </p:cNvPr>
+          <p:cNvSpPr/>
+          <p:nvPr/>
+        </p:nvSpPr>
+        <p:spPr>
+          <a:xfrm>
+            <a:off x="804631" y="2352422"/>
+            <a:ext cx="3461338" cy="254915"/>
+          </a:xfrm>
+          <a:prstGeom prst="rect">
+            <a:avLst/>
+          </a:prstGeom>
+          <a:noFill/>
+          <a:ln w="9525" cap="flat" cmpd="sng" algn="ctr">
+            <a:solidFill>
+              <a:schemeClr val="accent2"/>
+            </a:solidFill>
+            <a:prstDash val="solid"/>
+            <a:round/>
+            <a:headEnd type="none" w="med" len="med"/>
+            <a:tailEnd type="none" w="med" len="med"/>
+          </a:ln>
+        </p:spPr>
+        <p:style>
+          <a:lnRef idx="0">
+            <a:scrgbClr r="0" g="0" b="0"/>
+          </a:lnRef>
+          <a:fillRef idx="0">
+            <a:scrgbClr r="0" g="0" b="0"/>
+          </a:fillRef>
+          <a:effectRef idx="0">
+            <a:scrgbClr r="0" g="0" b="0"/>
+          </a:effectRef>
+          <a:fontRef idx="minor">
+            <a:schemeClr val="accent2"/>
+          </a:fontRef>
+        </p:style>
+        <p:txBody>
+          <a:bodyPr rtlCol="0" anchor="ctr"/>
+          <a:lstStyle/>
+          <a:p>
+            <a:pPr algn="ctr"/>
+            <a:endParaRPr lang="en-GB"/>
+          </a:p>
+        </p:txBody>
+      </p:sp>
+      <p:sp>
+        <p:nvSpPr>
+          <p:cNvPr id="8" name="Rectangle 7">
+            <a:extLst>
+              <a:ext uri="{FF2B5EF4-FFF2-40B4-BE49-F238E27FC236}">
+                <a16:creationId xmlns:a16="http://schemas.microsoft.com/office/drawing/2014/main" id="{14B45FA0-B7A0-469B-A439-AA16289230A8}"/>
+              </a:ext>
+            </a:extLst>
+          </p:cNvPr>
+          <p:cNvSpPr/>
+          <p:nvPr/>
+        </p:nvSpPr>
+        <p:spPr>
+          <a:xfrm>
+            <a:off x="10296626" y="2171651"/>
+            <a:ext cx="1626669" cy="2400350"/>
+          </a:xfrm>
+          <a:prstGeom prst="rect">
+            <a:avLst/>
+          </a:prstGeom>
+          <a:solidFill>
+            <a:srgbClr val="FFFF00">
+              <a:alpha val="50000"/>
+            </a:srgbClr>
+          </a:solidFill>
+          <a:ln>
+            <a:noFill/>
+          </a:ln>
+        </p:spPr>
+        <p:style>
+          <a:lnRef idx="0">
+            <a:scrgbClr r="0" g="0" b="0"/>
+          </a:lnRef>
+          <a:fillRef idx="0">
+            <a:scrgbClr r="0" g="0" b="0"/>
+          </a:fillRef>
+          <a:effectRef idx="0">
+            <a:scrgbClr r="0" g="0" b="0"/>
+          </a:effectRef>
+          <a:fontRef idx="minor">
+            <a:schemeClr val="lt1"/>
+          </a:fontRef>
+        </p:style>
+        <p:txBody>
+          <a:bodyPr rtlCol="0" anchor="ctr"/>
+          <a:lstStyle/>
+          <a:p>
+            <a:pPr algn="ctr"/>
+            <a:endParaRPr lang="en-GB"/>
+          </a:p>
+        </p:txBody>
+      </p:sp>
+      <p:cxnSp>
+        <p:nvCxnSpPr>
+          <p:cNvPr id="9" name="Straight Arrow Connector 8">
+            <a:extLst>
+              <a:ext uri="{FF2B5EF4-FFF2-40B4-BE49-F238E27FC236}">
+                <a16:creationId xmlns:a16="http://schemas.microsoft.com/office/drawing/2014/main" id="{C447B4D5-3D07-4FD5-AE20-0EF9D575EEE6}"/>
+              </a:ext>
+            </a:extLst>
+          </p:cNvPr>
+          <p:cNvCxnSpPr>
+            <a:cxnSpLocks/>
+          </p:cNvCxnSpPr>
+          <p:nvPr/>
+        </p:nvCxnSpPr>
+        <p:spPr>
+          <a:xfrm>
+            <a:off x="4265968" y="2504877"/>
+            <a:ext cx="7339123" cy="0"/>
+          </a:xfrm>
+          <a:prstGeom prst="straightConnector1">
+            <a:avLst/>
+          </a:prstGeom>
+          <a:ln>
+            <a:tailEnd type="triangle"/>
+          </a:ln>
+        </p:spPr>
+        <p:style>
+          <a:lnRef idx="3">
+            <a:schemeClr val="accent2"/>
+          </a:lnRef>
+          <a:fillRef idx="0">
+            <a:schemeClr val="accent2"/>
+          </a:fillRef>
+          <a:effectRef idx="2">
+            <a:schemeClr val="accent2"/>
+          </a:effectRef>
+          <a:fontRef idx="minor">
+            <a:schemeClr val="tx1"/>
+          </a:fontRef>
+        </p:style>
+      </p:cxnSp>
+      <p:sp>
+        <p:nvSpPr>
+          <p:cNvPr id="10" name="Oval 9">
+            <a:extLst>
+              <a:ext uri="{FF2B5EF4-FFF2-40B4-BE49-F238E27FC236}">
+                <a16:creationId xmlns:a16="http://schemas.microsoft.com/office/drawing/2014/main" id="{25D6FAB0-69EE-4C9A-B6FE-DFDDC5B1809A}"/>
+              </a:ext>
+            </a:extLst>
+          </p:cNvPr>
+          <p:cNvSpPr/>
+          <p:nvPr/>
+        </p:nvSpPr>
+        <p:spPr>
+          <a:xfrm>
+            <a:off x="11605091" y="2352422"/>
+            <a:ext cx="275573" cy="263046"/>
+          </a:xfrm>
+          <a:prstGeom prst="ellipse">
+            <a:avLst/>
+          </a:prstGeom>
+          <a:noFill/>
+          <a:ln w="9525" cap="flat" cmpd="sng" algn="ctr">
+            <a:solidFill>
+              <a:schemeClr val="accent2"/>
+            </a:solidFill>
+            <a:prstDash val="solid"/>
+            <a:round/>
+            <a:headEnd type="none" w="med" len="med"/>
+            <a:tailEnd type="none" w="med" len="med"/>
+          </a:ln>
+        </p:spPr>
+        <p:style>
+          <a:lnRef idx="0">
+            <a:scrgbClr r="0" g="0" b="0"/>
+          </a:lnRef>
+          <a:fillRef idx="0">
+            <a:scrgbClr r="0" g="0" b="0"/>
+          </a:fillRef>
+          <a:effectRef idx="0">
+            <a:scrgbClr r="0" g="0" b="0"/>
+          </a:effectRef>
+          <a:fontRef idx="minor">
+            <a:schemeClr val="accent2"/>
+          </a:fontRef>
+        </p:style>
+        <p:txBody>
+          <a:bodyPr rtlCol="0" anchor="ctr"/>
+          <a:lstStyle/>
+          <a:p>
+            <a:pPr algn="ctr"/>
+            <a:endParaRPr lang="en-GB"/>
+          </a:p>
+        </p:txBody>
+      </p:sp>
+      <p:sp>
+        <p:nvSpPr>
+          <p:cNvPr id="11" name="Arrow: Curved Down 10">
+            <a:extLst>
+              <a:ext uri="{FF2B5EF4-FFF2-40B4-BE49-F238E27FC236}">
+                <a16:creationId xmlns:a16="http://schemas.microsoft.com/office/drawing/2014/main" id="{A4FC6DDD-8181-4471-8C12-2987D0473202}"/>
+              </a:ext>
+            </a:extLst>
+          </p:cNvPr>
+          <p:cNvSpPr/>
+          <p:nvPr/>
+        </p:nvSpPr>
+        <p:spPr>
+          <a:xfrm>
+            <a:off x="1067185" y="1931393"/>
+            <a:ext cx="862672" cy="227066"/>
+          </a:xfrm>
+          <a:prstGeom prst="curvedDownArrow">
+            <a:avLst/>
+          </a:prstGeom>
+        </p:spPr>
+        <p:style>
+          <a:lnRef idx="2">
+            <a:schemeClr val="accent2">
+              <a:shade val="50000"/>
+            </a:schemeClr>
+          </a:lnRef>
+          <a:fillRef idx="1">
+            <a:schemeClr val="accent2"/>
+          </a:fillRef>
+          <a:effectRef idx="0">
+            <a:schemeClr val="accent2"/>
+          </a:effectRef>
+          <a:fontRef idx="minor">
+            <a:schemeClr val="lt1"/>
+          </a:fontRef>
+        </p:style>
+        <p:txBody>
+          <a:bodyPr rtlCol="0" anchor="ctr"/>
+          <a:lstStyle/>
+          <a:p>
+            <a:pPr algn="ctr"/>
+            <a:endParaRPr lang="en-GB">
+              <a:solidFill>
+                <a:schemeClr val="tx1"/>
+              </a:solidFill>
+            </a:endParaRPr>
+          </a:p>
+        </p:txBody>
+      </p:sp>
+      <p:sp>
+        <p:nvSpPr>
+          <p:cNvPr id="12" name="Arrow: Curved Down 11">
+            <a:extLst>
+              <a:ext uri="{FF2B5EF4-FFF2-40B4-BE49-F238E27FC236}">
+                <a16:creationId xmlns:a16="http://schemas.microsoft.com/office/drawing/2014/main" id="{BB7798EB-977A-4D51-A3F0-AC380AE55149}"/>
+              </a:ext>
+            </a:extLst>
+          </p:cNvPr>
+          <p:cNvSpPr/>
+          <p:nvPr/>
+        </p:nvSpPr>
+        <p:spPr>
+          <a:xfrm>
+            <a:off x="1949445" y="1927064"/>
+            <a:ext cx="739036" cy="208764"/>
+          </a:xfrm>
+          <a:prstGeom prst="curvedDownArrow">
+            <a:avLst/>
+          </a:prstGeom>
+        </p:spPr>
+        <p:style>
+          <a:lnRef idx="2">
+            <a:schemeClr val="accent2">
+              <a:shade val="50000"/>
+            </a:schemeClr>
+          </a:lnRef>
+          <a:fillRef idx="1">
+            <a:schemeClr val="accent2"/>
+          </a:fillRef>
+          <a:effectRef idx="0">
+            <a:schemeClr val="accent2"/>
+          </a:effectRef>
+          <a:fontRef idx="minor">
+            <a:schemeClr val="lt1"/>
+          </a:fontRef>
+        </p:style>
+        <p:txBody>
+          <a:bodyPr rtlCol="0" anchor="ctr"/>
+          <a:lstStyle/>
+          <a:p>
+            <a:pPr algn="ctr"/>
+            <a:endParaRPr lang="en-GB" b="1">
+              <a:ln w="22225">
+                <a:solidFill>
+                  <a:schemeClr val="accent2">
+                    <a:lumMod val="50000"/>
+                  </a:schemeClr>
+                </a:solidFill>
+                <a:prstDash val="solid"/>
+              </a:ln>
+              <a:solidFill>
+                <a:schemeClr val="accent2">
+                  <a:lumMod val="75000"/>
+                </a:schemeClr>
+              </a:solidFill>
+            </a:endParaRPr>
+          </a:p>
+        </p:txBody>
+      </p:sp>
+      <p:sp>
+        <p:nvSpPr>
+          <p:cNvPr id="13" name="Arrow: Curved Down 12">
+            <a:extLst>
+              <a:ext uri="{FF2B5EF4-FFF2-40B4-BE49-F238E27FC236}">
+                <a16:creationId xmlns:a16="http://schemas.microsoft.com/office/drawing/2014/main" id="{59D011D8-C989-4498-9866-F85AE9638846}"/>
+              </a:ext>
+            </a:extLst>
+          </p:cNvPr>
+          <p:cNvSpPr/>
+          <p:nvPr/>
+        </p:nvSpPr>
+        <p:spPr>
+          <a:xfrm>
+            <a:off x="2737593" y="1922734"/>
+            <a:ext cx="640676" cy="208764"/>
+          </a:xfrm>
+          <a:prstGeom prst="curvedDownArrow">
+            <a:avLst/>
+          </a:prstGeom>
+        </p:spPr>
+        <p:style>
+          <a:lnRef idx="2">
+            <a:schemeClr val="accent2">
+              <a:shade val="50000"/>
+            </a:schemeClr>
+          </a:lnRef>
+          <a:fillRef idx="1">
+            <a:schemeClr val="accent2"/>
+          </a:fillRef>
+          <a:effectRef idx="0">
+            <a:schemeClr val="accent2"/>
+          </a:effectRef>
+          <a:fontRef idx="minor">
+            <a:schemeClr val="lt1"/>
+          </a:fontRef>
+        </p:style>
+        <p:txBody>
+          <a:bodyPr rtlCol="0" anchor="ctr"/>
+          <a:lstStyle/>
+          <a:p>
+            <a:pPr algn="ctr"/>
+            <a:endParaRPr lang="en-GB" b="1">
+              <a:ln w="22225">
+                <a:solidFill>
+                  <a:schemeClr val="accent2">
+                    <a:lumMod val="50000"/>
+                  </a:schemeClr>
+                </a:solidFill>
+                <a:prstDash val="solid"/>
+              </a:ln>
+              <a:solidFill>
+                <a:schemeClr val="accent2">
+                  <a:lumMod val="75000"/>
+                </a:schemeClr>
+              </a:solidFill>
+            </a:endParaRPr>
+          </a:p>
+        </p:txBody>
+      </p:sp>
+      <p:sp>
+        <p:nvSpPr>
+          <p:cNvPr id="14" name="Arrow: Curved Down 13">
+            <a:extLst>
+              <a:ext uri="{FF2B5EF4-FFF2-40B4-BE49-F238E27FC236}">
+                <a16:creationId xmlns:a16="http://schemas.microsoft.com/office/drawing/2014/main" id="{05FD246C-8315-4D8F-855F-2D8662EC43E4}"/>
+              </a:ext>
+            </a:extLst>
+          </p:cNvPr>
+          <p:cNvSpPr/>
+          <p:nvPr/>
+        </p:nvSpPr>
+        <p:spPr>
+          <a:xfrm>
+            <a:off x="3433941" y="1931392"/>
+            <a:ext cx="634116" cy="200106"/>
+          </a:xfrm>
+          <a:prstGeom prst="curvedDownArrow">
+            <a:avLst/>
+          </a:prstGeom>
+        </p:spPr>
+        <p:style>
+          <a:lnRef idx="2">
+            <a:schemeClr val="accent2">
+              <a:shade val="50000"/>
+            </a:schemeClr>
+          </a:lnRef>
+          <a:fillRef idx="1">
+            <a:schemeClr val="accent2"/>
+          </a:fillRef>
+          <a:effectRef idx="0">
+            <a:schemeClr val="accent2"/>
+          </a:effectRef>
+          <a:fontRef idx="minor">
+            <a:schemeClr val="lt1"/>
+          </a:fontRef>
+        </p:style>
+        <p:txBody>
+          <a:bodyPr rtlCol="0" anchor="ctr"/>
+          <a:lstStyle/>
+          <a:p>
+            <a:pPr algn="ctr"/>
+            <a:endParaRPr lang="en-GB">
+              <a:solidFill>
+                <a:schemeClr val="tx1"/>
+              </a:solidFill>
+            </a:endParaRPr>
+          </a:p>
+        </p:txBody>
+      </p:sp>
+      <p:sp>
+        <p:nvSpPr>
+          <p:cNvPr id="15" name="TextBox 14">
+            <a:extLst>
+              <a:ext uri="{FF2B5EF4-FFF2-40B4-BE49-F238E27FC236}">
+                <a16:creationId xmlns:a16="http://schemas.microsoft.com/office/drawing/2014/main" id="{715FD7DA-A2BB-45EC-ABAD-09A72A6DAA8F}"/>
+              </a:ext>
+            </a:extLst>
+          </p:cNvPr>
+          <p:cNvSpPr txBox="1"/>
+          <p:nvPr/>
+        </p:nvSpPr>
+        <p:spPr>
+          <a:xfrm>
+            <a:off x="1759297" y="1580204"/>
+            <a:ext cx="389850" cy="584775"/>
+          </a:xfrm>
+          <a:prstGeom prst="rect">
+            <a:avLst/>
+          </a:prstGeom>
+          <a:noFill/>
+        </p:spPr>
+        <p:txBody>
+          <a:bodyPr wrap="none" rtlCol="0">
+            <a:spAutoFit/>
+          </a:bodyPr>
+          <a:lstStyle/>
+          <a:p>
+            <a:r>
+              <a:rPr lang="it-IT" sz="3200" b="1" dirty="0">
+                <a:ln w="22225">
+                  <a:solidFill>
+                    <a:schemeClr val="accent2">
+                      <a:lumMod val="50000"/>
+                    </a:schemeClr>
+                  </a:solidFill>
+                  <a:prstDash val="solid"/>
+                </a:ln>
+                <a:solidFill>
+                  <a:schemeClr val="accent2">
+                    <a:lumMod val="75000"/>
+                  </a:schemeClr>
+                </a:solidFill>
+              </a:rPr>
+              <a:t>+</a:t>
+            </a:r>
+            <a:endParaRPr lang="en-GB" sz="3200" b="1" dirty="0">
+              <a:ln w="22225">
+                <a:solidFill>
+                  <a:schemeClr val="accent2">
+                    <a:lumMod val="50000"/>
+                  </a:schemeClr>
+                </a:solidFill>
+                <a:prstDash val="solid"/>
+              </a:ln>
+              <a:solidFill>
+                <a:schemeClr val="accent2">
+                  <a:lumMod val="75000"/>
+                </a:schemeClr>
+              </a:solidFill>
+            </a:endParaRPr>
+          </a:p>
+        </p:txBody>
+      </p:sp>
+      <p:sp>
+        <p:nvSpPr>
+          <p:cNvPr id="16" name="TextBox 15">
+            <a:extLst>
+              <a:ext uri="{FF2B5EF4-FFF2-40B4-BE49-F238E27FC236}">
+                <a16:creationId xmlns:a16="http://schemas.microsoft.com/office/drawing/2014/main" id="{0E5CEBD1-D0EA-47F0-B65C-CEEFA79032CD}"/>
+              </a:ext>
+            </a:extLst>
+          </p:cNvPr>
+          <p:cNvSpPr txBox="1"/>
+          <p:nvPr/>
+        </p:nvSpPr>
+        <p:spPr>
+          <a:xfrm>
+            <a:off x="2571516" y="1590951"/>
+            <a:ext cx="389850" cy="584775"/>
+          </a:xfrm>
+          <a:prstGeom prst="rect">
+            <a:avLst/>
+          </a:prstGeom>
+          <a:noFill/>
+        </p:spPr>
+        <p:txBody>
+          <a:bodyPr wrap="none" rtlCol="0">
+            <a:spAutoFit/>
+          </a:bodyPr>
+          <a:lstStyle/>
+          <a:p>
+            <a:r>
+              <a:rPr lang="it-IT" sz="3200" b="1" dirty="0">
+                <a:ln w="22225">
+                  <a:solidFill>
+                    <a:schemeClr val="accent2">
+                      <a:lumMod val="50000"/>
+                    </a:schemeClr>
+                  </a:solidFill>
+                  <a:prstDash val="solid"/>
+                </a:ln>
+                <a:solidFill>
+                  <a:schemeClr val="accent2">
+                    <a:lumMod val="75000"/>
+                  </a:schemeClr>
+                </a:solidFill>
+              </a:rPr>
+              <a:t>+</a:t>
+            </a:r>
+            <a:endParaRPr lang="en-GB" sz="3200" b="1" dirty="0">
+              <a:ln w="22225">
+                <a:solidFill>
+                  <a:schemeClr val="accent2">
+                    <a:lumMod val="50000"/>
+                  </a:schemeClr>
+                </a:solidFill>
+                <a:prstDash val="solid"/>
+              </a:ln>
+              <a:solidFill>
+                <a:schemeClr val="accent2">
+                  <a:lumMod val="75000"/>
+                </a:schemeClr>
+              </a:solidFill>
+            </a:endParaRPr>
+          </a:p>
+        </p:txBody>
+      </p:sp>
+      <p:sp>
+        <p:nvSpPr>
+          <p:cNvPr id="17" name="TextBox 16">
+            <a:extLst>
+              <a:ext uri="{FF2B5EF4-FFF2-40B4-BE49-F238E27FC236}">
+                <a16:creationId xmlns:a16="http://schemas.microsoft.com/office/drawing/2014/main" id="{EAC353AA-C653-4B8F-93B9-2F80A6C204A6}"/>
+              </a:ext>
+            </a:extLst>
+          </p:cNvPr>
+          <p:cNvSpPr txBox="1"/>
+          <p:nvPr/>
+        </p:nvSpPr>
+        <p:spPr>
+          <a:xfrm>
+            <a:off x="3216380" y="1590951"/>
+            <a:ext cx="311835" cy="584775"/>
+          </a:xfrm>
+          <a:prstGeom prst="rect">
+            <a:avLst/>
+          </a:prstGeom>
+          <a:noFill/>
+        </p:spPr>
+        <p:txBody>
+          <a:bodyPr wrap="square" rtlCol="0">
+            <a:spAutoFit/>
+          </a:bodyPr>
+          <a:lstStyle/>
+          <a:p>
+            <a:r>
+              <a:rPr lang="it-IT" sz="3200" b="1" dirty="0">
+                <a:ln w="22225">
+                  <a:solidFill>
+                    <a:schemeClr val="accent2">
+                      <a:lumMod val="50000"/>
+                    </a:schemeClr>
+                  </a:solidFill>
+                  <a:prstDash val="solid"/>
+                </a:ln>
+                <a:solidFill>
+                  <a:schemeClr val="accent2">
+                    <a:lumMod val="75000"/>
+                  </a:schemeClr>
+                </a:solidFill>
+              </a:rPr>
+              <a:t>+</a:t>
+            </a:r>
+            <a:endParaRPr lang="en-GB" sz="3200" b="1" dirty="0">
+              <a:ln w="22225">
+                <a:solidFill>
+                  <a:schemeClr val="accent2">
+                    <a:lumMod val="50000"/>
+                  </a:schemeClr>
+                </a:solidFill>
+                <a:prstDash val="solid"/>
+              </a:ln>
+              <a:solidFill>
+                <a:schemeClr val="accent2">
+                  <a:lumMod val="75000"/>
+                </a:schemeClr>
+              </a:solidFill>
+            </a:endParaRPr>
+          </a:p>
+        </p:txBody>
+      </p:sp>
+      <p:cxnSp>
+        <p:nvCxnSpPr>
+          <p:cNvPr id="18" name="Straight Connector 17">
+            <a:extLst>
+              <a:ext uri="{FF2B5EF4-FFF2-40B4-BE49-F238E27FC236}">
+                <a16:creationId xmlns:a16="http://schemas.microsoft.com/office/drawing/2014/main" id="{FA239523-8E9D-4716-9088-486C4819C51D}"/>
+              </a:ext>
+            </a:extLst>
+          </p:cNvPr>
+          <p:cNvCxnSpPr/>
+          <p:nvPr/>
+        </p:nvCxnSpPr>
+        <p:spPr>
+          <a:xfrm flipV="1">
+            <a:off x="4109723" y="1703722"/>
+            <a:ext cx="237996" cy="340441"/>
+          </a:xfrm>
+          <a:prstGeom prst="line">
+            <a:avLst/>
+          </a:prstGeom>
+        </p:spPr>
+        <p:style>
+          <a:lnRef idx="3">
+            <a:schemeClr val="accent2"/>
+          </a:lnRef>
+          <a:fillRef idx="0">
+            <a:schemeClr val="accent2"/>
+          </a:fillRef>
+          <a:effectRef idx="2">
+            <a:schemeClr val="accent2"/>
+          </a:effectRef>
+          <a:fontRef idx="minor">
+            <a:schemeClr val="tx1"/>
+          </a:fontRef>
+        </p:style>
+      </p:cxnSp>
+      <p:sp>
+        <p:nvSpPr>
+          <p:cNvPr id="19" name="TextBox 18">
+            <a:extLst>
+              <a:ext uri="{FF2B5EF4-FFF2-40B4-BE49-F238E27FC236}">
+                <a16:creationId xmlns:a16="http://schemas.microsoft.com/office/drawing/2014/main" id="{40BCF3B8-AAB3-4314-B405-5EBD28946090}"/>
+              </a:ext>
+            </a:extLst>
+          </p:cNvPr>
+          <p:cNvSpPr txBox="1"/>
+          <p:nvPr/>
+        </p:nvSpPr>
+        <p:spPr>
+          <a:xfrm>
+            <a:off x="4265968" y="1660864"/>
+            <a:ext cx="301686" cy="369332"/>
+          </a:xfrm>
+          <a:prstGeom prst="rect">
+            <a:avLst/>
+          </a:prstGeom>
+          <a:noFill/>
+        </p:spPr>
+        <p:txBody>
+          <a:bodyPr wrap="square" rtlCol="0">
+            <a:spAutoFit/>
+          </a:bodyPr>
+          <a:lstStyle/>
+          <a:p>
+            <a:r>
+              <a:rPr lang="it-IT" b="1" dirty="0">
+                <a:ln w="22225">
+                  <a:solidFill>
+                    <a:schemeClr val="accent2">
+                      <a:lumMod val="75000"/>
+                    </a:schemeClr>
+                  </a:solidFill>
+                  <a:prstDash val="solid"/>
+                </a:ln>
+                <a:solidFill>
+                  <a:schemeClr val="accent2">
+                    <a:lumMod val="50000"/>
+                  </a:schemeClr>
+                </a:solidFill>
+              </a:rPr>
+              <a:t>5</a:t>
+            </a:r>
+            <a:endParaRPr lang="en-GB" b="1" dirty="0">
+              <a:ln w="22225">
+                <a:solidFill>
+                  <a:schemeClr val="accent2">
+                    <a:lumMod val="75000"/>
+                  </a:schemeClr>
+                </a:solidFill>
+                <a:prstDash val="solid"/>
+              </a:ln>
+              <a:solidFill>
+                <a:schemeClr val="accent2">
+                  <a:lumMod val="50000"/>
+                </a:schemeClr>
+              </a:solidFill>
+            </a:endParaRPr>
+          </a:p>
+        </p:txBody>
+      </p:sp>
+      <p:cxnSp>
+        <p:nvCxnSpPr>
+          <p:cNvPr id="22" name="Straight Arrow Connector 21">
+            <a:extLst>
+              <a:ext uri="{FF2B5EF4-FFF2-40B4-BE49-F238E27FC236}">
+                <a16:creationId xmlns:a16="http://schemas.microsoft.com/office/drawing/2014/main" id="{BC1AF7D6-A988-489C-B3FA-F1AA8EB0078A}"/>
+              </a:ext>
+            </a:extLst>
+          </p:cNvPr>
+          <p:cNvCxnSpPr/>
+          <p:nvPr/>
+        </p:nvCxnSpPr>
+        <p:spPr>
+          <a:xfrm flipH="1">
+            <a:off x="11405937" y="1239253"/>
+            <a:ext cx="517358" cy="892245"/>
+          </a:xfrm>
+          <a:prstGeom prst="straightConnector1">
+            <a:avLst/>
+          </a:prstGeom>
+          <a:ln>
+            <a:tailEnd type="triangle"/>
+          </a:ln>
+        </p:spPr>
+        <p:style>
+          <a:lnRef idx="1">
+            <a:schemeClr val="dk1"/>
+          </a:lnRef>
+          <a:fillRef idx="0">
+            <a:schemeClr val="dk1"/>
+          </a:fillRef>
+          <a:effectRef idx="0">
+            <a:schemeClr val="dk1"/>
+          </a:effectRef>
+          <a:fontRef idx="minor">
+            <a:schemeClr val="tx1"/>
+          </a:fontRef>
+        </p:style>
+      </p:cxnSp>
+      <p:sp>
+        <p:nvSpPr>
+          <p:cNvPr id="23" name="TextBox 22">
+            <a:extLst>
+              <a:ext uri="{FF2B5EF4-FFF2-40B4-BE49-F238E27FC236}">
+                <a16:creationId xmlns:a16="http://schemas.microsoft.com/office/drawing/2014/main" id="{540DAC2D-01CF-40D3-AB86-84597AD8D935}"/>
+              </a:ext>
+            </a:extLst>
+          </p:cNvPr>
+          <p:cNvSpPr txBox="1"/>
+          <p:nvPr/>
+        </p:nvSpPr>
+        <p:spPr>
+          <a:xfrm>
+            <a:off x="11564863" y="923225"/>
+            <a:ext cx="716863" cy="369332"/>
+          </a:xfrm>
+          <a:prstGeom prst="rect">
+            <a:avLst/>
+          </a:prstGeom>
+          <a:noFill/>
+        </p:spPr>
+        <p:txBody>
+          <a:bodyPr wrap="none" rtlCol="0">
+            <a:spAutoFit/>
+          </a:bodyPr>
+          <a:lstStyle/>
+          <a:p>
+            <a:r>
+              <a:rPr lang="it-IT" dirty="0"/>
+              <a:t>CEIL()</a:t>
+            </a:r>
+            <a:endParaRPr lang="en-GB" dirty="0"/>
+          </a:p>
+        </p:txBody>
+      </p:sp>
+      <p:cxnSp>
+        <p:nvCxnSpPr>
+          <p:cNvPr id="25" name="Straight Arrow Connector 24">
+            <a:extLst>
+              <a:ext uri="{FF2B5EF4-FFF2-40B4-BE49-F238E27FC236}">
+                <a16:creationId xmlns:a16="http://schemas.microsoft.com/office/drawing/2014/main" id="{59D6F782-2A94-4191-BED5-9B8EFA5E483E}"/>
+              </a:ext>
+            </a:extLst>
+          </p:cNvPr>
+          <p:cNvCxnSpPr/>
+          <p:nvPr/>
+        </p:nvCxnSpPr>
+        <p:spPr>
+          <a:xfrm>
+            <a:off x="8807117" y="1239253"/>
+            <a:ext cx="721894" cy="827540"/>
+          </a:xfrm>
+          <a:prstGeom prst="straightConnector1">
+            <a:avLst/>
+          </a:prstGeom>
+          <a:ln>
+            <a:tailEnd type="triangle"/>
+          </a:ln>
+        </p:spPr>
+        <p:style>
+          <a:lnRef idx="1">
+            <a:schemeClr val="dk1"/>
+          </a:lnRef>
+          <a:fillRef idx="0">
+            <a:schemeClr val="dk1"/>
+          </a:fillRef>
+          <a:effectRef idx="0">
+            <a:schemeClr val="dk1"/>
+          </a:effectRef>
+          <a:fontRef idx="minor">
+            <a:schemeClr val="tx1"/>
+          </a:fontRef>
+        </p:style>
+      </p:cxnSp>
+      <p:sp>
+        <p:nvSpPr>
+          <p:cNvPr id="26" name="TextBox 25">
+            <a:extLst>
+              <a:ext uri="{FF2B5EF4-FFF2-40B4-BE49-F238E27FC236}">
+                <a16:creationId xmlns:a16="http://schemas.microsoft.com/office/drawing/2014/main" id="{3653B644-2699-4AA2-A9DA-9DA04D71DB15}"/>
+              </a:ext>
+            </a:extLst>
+          </p:cNvPr>
+          <p:cNvSpPr txBox="1"/>
+          <p:nvPr/>
+        </p:nvSpPr>
+        <p:spPr>
+          <a:xfrm>
+            <a:off x="8214213" y="917473"/>
+            <a:ext cx="953851" cy="369332"/>
+          </a:xfrm>
+          <a:prstGeom prst="rect">
+            <a:avLst/>
+          </a:prstGeom>
+          <a:noFill/>
+        </p:spPr>
+        <p:txBody>
+          <a:bodyPr wrap="none" rtlCol="0">
+            <a:spAutoFit/>
+          </a:bodyPr>
+          <a:lstStyle/>
+          <a:p>
+            <a:r>
+              <a:rPr lang="it-IT" dirty="0"/>
+              <a:t>FLOOR()</a:t>
+            </a:r>
+            <a:endParaRPr lang="en-GB" dirty="0"/>
+          </a:p>
+        </p:txBody>
+      </p:sp>
+    </p:spTree>
+    <p:extLst>
+      <p:ext uri="{BB962C8B-B14F-4D97-AF65-F5344CB8AC3E}">
+        <p14:creationId xmlns:p14="http://schemas.microsoft.com/office/powerpoint/2010/main" val="3627530732"/>
+      </p:ext>
+    </p:extLst>
+  </p:cSld>
+  <p:clrMapOvr>
+    <a:masterClrMapping/>
+  </p:clrMapOvr>
+</p:sld>
+</file>
+
 <file path=ppt/theme/theme1.xml><?xml version="1.0" encoding="utf-8"?>
 <a:theme xmlns:a="http://schemas.openxmlformats.org/drawingml/2006/main" name="Office Theme">
   <a:themeElements>

--- a/screenshots/imgs.pptx
+++ b/screenshots/imgs.pptx
@@ -13,6 +13,8 @@
     <p:sldId id="261" r:id="rId7"/>
     <p:sldId id="262" r:id="rId8"/>
     <p:sldId id="263" r:id="rId9"/>
+    <p:sldId id="264" r:id="rId10"/>
+    <p:sldId id="265" r:id="rId11"/>
   </p:sldIdLst>
   <p:sldSz cx="12192000" cy="6858000"/>
   <p:notesSz cx="6858000" cy="9144000"/>
@@ -268,7 +270,7 @@
           <a:p>
             <a:fld id="{166DC043-4AEC-4A4E-AB79-0D54B7828DD9}" type="datetimeFigureOut">
               <a:rPr lang="en-GB" smtClean="0"/>
-              <a:t>03/05/2021</a:t>
+              <a:t>04/05/2021</a:t>
             </a:fld>
             <a:endParaRPr lang="en-GB"/>
           </a:p>
@@ -468,7 +470,7 @@
           <a:p>
             <a:fld id="{166DC043-4AEC-4A4E-AB79-0D54B7828DD9}" type="datetimeFigureOut">
               <a:rPr lang="en-GB" smtClean="0"/>
-              <a:t>03/05/2021</a:t>
+              <a:t>04/05/2021</a:t>
             </a:fld>
             <a:endParaRPr lang="en-GB"/>
           </a:p>
@@ -678,7 +680,7 @@
           <a:p>
             <a:fld id="{166DC043-4AEC-4A4E-AB79-0D54B7828DD9}" type="datetimeFigureOut">
               <a:rPr lang="en-GB" smtClean="0"/>
-              <a:t>03/05/2021</a:t>
+              <a:t>04/05/2021</a:t>
             </a:fld>
             <a:endParaRPr lang="en-GB"/>
           </a:p>
@@ -878,7 +880,7 @@
           <a:p>
             <a:fld id="{166DC043-4AEC-4A4E-AB79-0D54B7828DD9}" type="datetimeFigureOut">
               <a:rPr lang="en-GB" smtClean="0"/>
-              <a:t>03/05/2021</a:t>
+              <a:t>04/05/2021</a:t>
             </a:fld>
             <a:endParaRPr lang="en-GB"/>
           </a:p>
@@ -1154,7 +1156,7 @@
           <a:p>
             <a:fld id="{166DC043-4AEC-4A4E-AB79-0D54B7828DD9}" type="datetimeFigureOut">
               <a:rPr lang="en-GB" smtClean="0"/>
-              <a:t>03/05/2021</a:t>
+              <a:t>04/05/2021</a:t>
             </a:fld>
             <a:endParaRPr lang="en-GB"/>
           </a:p>
@@ -1422,7 +1424,7 @@
           <a:p>
             <a:fld id="{166DC043-4AEC-4A4E-AB79-0D54B7828DD9}" type="datetimeFigureOut">
               <a:rPr lang="en-GB" smtClean="0"/>
-              <a:t>03/05/2021</a:t>
+              <a:t>04/05/2021</a:t>
             </a:fld>
             <a:endParaRPr lang="en-GB"/>
           </a:p>
@@ -1837,7 +1839,7 @@
           <a:p>
             <a:fld id="{166DC043-4AEC-4A4E-AB79-0D54B7828DD9}" type="datetimeFigureOut">
               <a:rPr lang="en-GB" smtClean="0"/>
-              <a:t>03/05/2021</a:t>
+              <a:t>04/05/2021</a:t>
             </a:fld>
             <a:endParaRPr lang="en-GB"/>
           </a:p>
@@ -1979,7 +1981,7 @@
           <a:p>
             <a:fld id="{166DC043-4AEC-4A4E-AB79-0D54B7828DD9}" type="datetimeFigureOut">
               <a:rPr lang="en-GB" smtClean="0"/>
-              <a:t>03/05/2021</a:t>
+              <a:t>04/05/2021</a:t>
             </a:fld>
             <a:endParaRPr lang="en-GB"/>
           </a:p>
@@ -2092,7 +2094,7 @@
           <a:p>
             <a:fld id="{166DC043-4AEC-4A4E-AB79-0D54B7828DD9}" type="datetimeFigureOut">
               <a:rPr lang="en-GB" smtClean="0"/>
-              <a:t>03/05/2021</a:t>
+              <a:t>04/05/2021</a:t>
             </a:fld>
             <a:endParaRPr lang="en-GB"/>
           </a:p>
@@ -2405,7 +2407,7 @@
           <a:p>
             <a:fld id="{166DC043-4AEC-4A4E-AB79-0D54B7828DD9}" type="datetimeFigureOut">
               <a:rPr lang="en-GB" smtClean="0"/>
-              <a:t>03/05/2021</a:t>
+              <a:t>04/05/2021</a:t>
             </a:fld>
             <a:endParaRPr lang="en-GB"/>
           </a:p>
@@ -2694,7 +2696,7 @@
           <a:p>
             <a:fld id="{166DC043-4AEC-4A4E-AB79-0D54B7828DD9}" type="datetimeFigureOut">
               <a:rPr lang="en-GB" smtClean="0"/>
-              <a:t>03/05/2021</a:t>
+              <a:t>04/05/2021</a:t>
             </a:fld>
             <a:endParaRPr lang="en-GB"/>
           </a:p>
@@ -2937,7 +2939,7 @@
           <a:p>
             <a:fld id="{166DC043-4AEC-4A4E-AB79-0D54B7828DD9}" type="datetimeFigureOut">
               <a:rPr lang="en-GB" smtClean="0"/>
-              <a:t>03/05/2021</a:t>
+              <a:t>04/05/2021</a:t>
             </a:fld>
             <a:endParaRPr lang="en-GB"/>
           </a:p>
@@ -3959,6 +3961,603 @@
 </p:sld>
 </file>
 
+<file path=ppt/slides/slide10.xml><?xml version="1.0" encoding="utf-8"?>
+<p:sld xmlns:a="http://schemas.openxmlformats.org/drawingml/2006/main" xmlns:r="http://schemas.openxmlformats.org/officeDocument/2006/relationships" xmlns:p="http://schemas.openxmlformats.org/presentationml/2006/main">
+  <p:cSld>
+    <p:spTree>
+      <p:nvGrpSpPr>
+        <p:cNvPr id="1" name=""/>
+        <p:cNvGrpSpPr/>
+        <p:nvPr/>
+      </p:nvGrpSpPr>
+      <p:grpSpPr>
+        <a:xfrm>
+          <a:off x="0" y="0"/>
+          <a:ext cx="0" cy="0"/>
+          <a:chOff x="0" y="0"/>
+          <a:chExt cx="0" cy="0"/>
+        </a:xfrm>
+      </p:grpSpPr>
+      <p:pic>
+        <p:nvPicPr>
+          <p:cNvPr id="5" name="Picture 4" descr="Table&#10;&#10;Description automatically generated">
+            <a:extLst>
+              <a:ext uri="{FF2B5EF4-FFF2-40B4-BE49-F238E27FC236}">
+                <a16:creationId xmlns:a16="http://schemas.microsoft.com/office/drawing/2014/main" id="{0F4BA83B-0941-451C-B6B1-C7355197BB62}"/>
+              </a:ext>
+            </a:extLst>
+          </p:cNvPr>
+          <p:cNvPicPr>
+            <a:picLocks noChangeAspect="1"/>
+          </p:cNvPicPr>
+          <p:nvPr/>
+        </p:nvPicPr>
+        <p:blipFill>
+          <a:blip r:embed="rId2">
+            <a:extLst>
+              <a:ext uri="{28A0092B-C50C-407E-A947-70E740481C1C}">
+                <a14:useLocalDpi xmlns:a14="http://schemas.microsoft.com/office/drawing/2010/main" val="0"/>
+              </a:ext>
+            </a:extLst>
+          </a:blip>
+          <a:stretch>
+            <a:fillRect/>
+          </a:stretch>
+        </p:blipFill>
+        <p:spPr>
+          <a:xfrm>
+            <a:off x="-3139052" y="1432362"/>
+            <a:ext cx="17754756" cy="2712144"/>
+          </a:xfrm>
+          <a:prstGeom prst="rect">
+            <a:avLst/>
+          </a:prstGeom>
+        </p:spPr>
+      </p:pic>
+      <p:sp>
+        <p:nvSpPr>
+          <p:cNvPr id="6" name="Rectangle 5">
+            <a:extLst>
+              <a:ext uri="{FF2B5EF4-FFF2-40B4-BE49-F238E27FC236}">
+                <a16:creationId xmlns:a16="http://schemas.microsoft.com/office/drawing/2014/main" id="{5C0EB8F5-1A51-4CF8-95F7-25199AEE3878}"/>
+              </a:ext>
+            </a:extLst>
+          </p:cNvPr>
+          <p:cNvSpPr/>
+          <p:nvPr/>
+        </p:nvSpPr>
+        <p:spPr>
+          <a:xfrm>
+            <a:off x="-2550695" y="1588168"/>
+            <a:ext cx="3497179" cy="2438399"/>
+          </a:xfrm>
+          <a:prstGeom prst="rect">
+            <a:avLst/>
+          </a:prstGeom>
+          <a:solidFill>
+            <a:schemeClr val="accent3">
+              <a:alpha val="80000"/>
+            </a:schemeClr>
+          </a:solidFill>
+          <a:ln>
+            <a:noFill/>
+          </a:ln>
+        </p:spPr>
+        <p:style>
+          <a:lnRef idx="0">
+            <a:scrgbClr r="0" g="0" b="0"/>
+          </a:lnRef>
+          <a:fillRef idx="0">
+            <a:scrgbClr r="0" g="0" b="0"/>
+          </a:fillRef>
+          <a:effectRef idx="0">
+            <a:scrgbClr r="0" g="0" b="0"/>
+          </a:effectRef>
+          <a:fontRef idx="minor">
+            <a:schemeClr val="lt1"/>
+          </a:fontRef>
+        </p:style>
+        <p:txBody>
+          <a:bodyPr rtlCol="0" anchor="ctr"/>
+          <a:lstStyle/>
+          <a:p>
+            <a:pPr algn="ctr"/>
+            <a:endParaRPr lang="en-GB"/>
+          </a:p>
+        </p:txBody>
+      </p:sp>
+      <p:sp>
+        <p:nvSpPr>
+          <p:cNvPr id="7" name="Rectangle 6">
+            <a:extLst>
+              <a:ext uri="{FF2B5EF4-FFF2-40B4-BE49-F238E27FC236}">
+                <a16:creationId xmlns:a16="http://schemas.microsoft.com/office/drawing/2014/main" id="{68FE683A-8023-40D4-95DE-59E77DF20CDC}"/>
+              </a:ext>
+            </a:extLst>
+          </p:cNvPr>
+          <p:cNvSpPr/>
+          <p:nvPr/>
+        </p:nvSpPr>
+        <p:spPr>
+          <a:xfrm>
+            <a:off x="1804737" y="1588167"/>
+            <a:ext cx="11558337" cy="2438399"/>
+          </a:xfrm>
+          <a:prstGeom prst="rect">
+            <a:avLst/>
+          </a:prstGeom>
+          <a:solidFill>
+            <a:schemeClr val="accent3">
+              <a:alpha val="80000"/>
+            </a:schemeClr>
+          </a:solidFill>
+          <a:ln>
+            <a:noFill/>
+          </a:ln>
+        </p:spPr>
+        <p:style>
+          <a:lnRef idx="0">
+            <a:scrgbClr r="0" g="0" b="0"/>
+          </a:lnRef>
+          <a:fillRef idx="0">
+            <a:scrgbClr r="0" g="0" b="0"/>
+          </a:fillRef>
+          <a:effectRef idx="0">
+            <a:scrgbClr r="0" g="0" b="0"/>
+          </a:effectRef>
+          <a:fontRef idx="minor">
+            <a:schemeClr val="lt1"/>
+          </a:fontRef>
+        </p:style>
+        <p:txBody>
+          <a:bodyPr rtlCol="0" anchor="ctr"/>
+          <a:lstStyle/>
+          <a:p>
+            <a:pPr algn="ctr"/>
+            <a:endParaRPr lang="en-GB"/>
+          </a:p>
+        </p:txBody>
+      </p:sp>
+      <p:sp>
+        <p:nvSpPr>
+          <p:cNvPr id="8" name="Rectangle 7">
+            <a:extLst>
+              <a:ext uri="{FF2B5EF4-FFF2-40B4-BE49-F238E27FC236}">
+                <a16:creationId xmlns:a16="http://schemas.microsoft.com/office/drawing/2014/main" id="{87FC72FB-313B-4E06-B93E-4DEA8BE570F2}"/>
+              </a:ext>
+            </a:extLst>
+          </p:cNvPr>
+          <p:cNvSpPr/>
+          <p:nvPr/>
+        </p:nvSpPr>
+        <p:spPr>
+          <a:xfrm>
+            <a:off x="946484" y="1796716"/>
+            <a:ext cx="858253" cy="2229850"/>
+          </a:xfrm>
+          <a:prstGeom prst="rect">
+            <a:avLst/>
+          </a:prstGeom>
+          <a:noFill/>
+          <a:ln w="9525" cap="flat" cmpd="sng" algn="ctr">
+            <a:solidFill>
+              <a:schemeClr val="accent2"/>
+            </a:solidFill>
+            <a:prstDash val="solid"/>
+            <a:round/>
+            <a:headEnd type="none" w="med" len="med"/>
+            <a:tailEnd type="none" w="med" len="med"/>
+          </a:ln>
+        </p:spPr>
+        <p:style>
+          <a:lnRef idx="0">
+            <a:scrgbClr r="0" g="0" b="0"/>
+          </a:lnRef>
+          <a:fillRef idx="0">
+            <a:scrgbClr r="0" g="0" b="0"/>
+          </a:fillRef>
+          <a:effectRef idx="0">
+            <a:scrgbClr r="0" g="0" b="0"/>
+          </a:effectRef>
+          <a:fontRef idx="minor">
+            <a:schemeClr val="accent2"/>
+          </a:fontRef>
+        </p:style>
+        <p:txBody>
+          <a:bodyPr rtlCol="0" anchor="ctr"/>
+          <a:lstStyle/>
+          <a:p>
+            <a:pPr algn="ctr"/>
+            <a:endParaRPr lang="en-GB"/>
+          </a:p>
+        </p:txBody>
+      </p:sp>
+      <p:sp>
+        <p:nvSpPr>
+          <p:cNvPr id="9" name="Rectangle 8">
+            <a:extLst>
+              <a:ext uri="{FF2B5EF4-FFF2-40B4-BE49-F238E27FC236}">
+                <a16:creationId xmlns:a16="http://schemas.microsoft.com/office/drawing/2014/main" id="{4569E55D-0C21-4452-91D4-6E3D3ED46573}"/>
+              </a:ext>
+            </a:extLst>
+          </p:cNvPr>
+          <p:cNvSpPr/>
+          <p:nvPr/>
+        </p:nvSpPr>
+        <p:spPr>
+          <a:xfrm>
+            <a:off x="946484" y="1796715"/>
+            <a:ext cx="465221" cy="240632"/>
+          </a:xfrm>
+          <a:prstGeom prst="rect">
+            <a:avLst/>
+          </a:prstGeom>
+          <a:noFill/>
+          <a:ln w="22225" cap="flat" cmpd="sng" algn="ctr">
+            <a:solidFill>
+              <a:schemeClr val="accent4"/>
+            </a:solidFill>
+            <a:prstDash val="solid"/>
+            <a:round/>
+            <a:headEnd type="none" w="med" len="med"/>
+            <a:tailEnd type="none" w="med" len="med"/>
+          </a:ln>
+        </p:spPr>
+        <p:style>
+          <a:lnRef idx="0">
+            <a:scrgbClr r="0" g="0" b="0"/>
+          </a:lnRef>
+          <a:fillRef idx="0">
+            <a:scrgbClr r="0" g="0" b="0"/>
+          </a:fillRef>
+          <a:effectRef idx="0">
+            <a:scrgbClr r="0" g="0" b="0"/>
+          </a:effectRef>
+          <a:fontRef idx="minor">
+            <a:schemeClr val="accent4"/>
+          </a:fontRef>
+        </p:style>
+        <p:txBody>
+          <a:bodyPr rtlCol="0" anchor="ctr"/>
+          <a:lstStyle/>
+          <a:p>
+            <a:pPr algn="ctr"/>
+            <a:endParaRPr lang="en-GB"/>
+          </a:p>
+        </p:txBody>
+      </p:sp>
+      <p:cxnSp>
+        <p:nvCxnSpPr>
+          <p:cNvPr id="13" name="Straight Arrow Connector 12">
+            <a:extLst>
+              <a:ext uri="{FF2B5EF4-FFF2-40B4-BE49-F238E27FC236}">
+                <a16:creationId xmlns:a16="http://schemas.microsoft.com/office/drawing/2014/main" id="{DF9B9ACA-C0A3-4031-B4D0-571DC06B11C7}"/>
+              </a:ext>
+            </a:extLst>
+          </p:cNvPr>
+          <p:cNvCxnSpPr>
+            <a:stCxn id="9" idx="3"/>
+          </p:cNvCxnSpPr>
+          <p:nvPr/>
+        </p:nvCxnSpPr>
+        <p:spPr>
+          <a:xfrm flipV="1">
+            <a:off x="1411705" y="1909011"/>
+            <a:ext cx="11951369" cy="8020"/>
+          </a:xfrm>
+          <a:prstGeom prst="straightConnector1">
+            <a:avLst/>
+          </a:prstGeom>
+          <a:ln>
+            <a:tailEnd type="triangle"/>
+          </a:ln>
+        </p:spPr>
+        <p:style>
+          <a:lnRef idx="2">
+            <a:schemeClr val="dk1"/>
+          </a:lnRef>
+          <a:fillRef idx="0">
+            <a:schemeClr val="dk1"/>
+          </a:fillRef>
+          <a:effectRef idx="1">
+            <a:schemeClr val="dk1"/>
+          </a:effectRef>
+          <a:fontRef idx="minor">
+            <a:schemeClr val="tx1"/>
+          </a:fontRef>
+        </p:style>
+      </p:cxnSp>
+      <p:sp>
+        <p:nvSpPr>
+          <p:cNvPr id="14" name="Oval 13">
+            <a:extLst>
+              <a:ext uri="{FF2B5EF4-FFF2-40B4-BE49-F238E27FC236}">
+                <a16:creationId xmlns:a16="http://schemas.microsoft.com/office/drawing/2014/main" id="{49178D9A-287D-4987-8527-CA584098FB61}"/>
+              </a:ext>
+            </a:extLst>
+          </p:cNvPr>
+          <p:cNvSpPr/>
+          <p:nvPr/>
+        </p:nvSpPr>
+        <p:spPr>
+          <a:xfrm>
+            <a:off x="13363073" y="1796715"/>
+            <a:ext cx="1074821" cy="240632"/>
+          </a:xfrm>
+          <a:prstGeom prst="ellipse">
+            <a:avLst/>
+          </a:prstGeom>
+          <a:noFill/>
+          <a:ln w="9525" cap="flat" cmpd="sng" algn="ctr">
+            <a:solidFill>
+              <a:schemeClr val="accent2"/>
+            </a:solidFill>
+            <a:prstDash val="solid"/>
+            <a:round/>
+            <a:headEnd type="none" w="med" len="med"/>
+            <a:tailEnd type="none" w="med" len="med"/>
+          </a:ln>
+        </p:spPr>
+        <p:style>
+          <a:lnRef idx="0">
+            <a:scrgbClr r="0" g="0" b="0"/>
+          </a:lnRef>
+          <a:fillRef idx="0">
+            <a:scrgbClr r="0" g="0" b="0"/>
+          </a:fillRef>
+          <a:effectRef idx="0">
+            <a:scrgbClr r="0" g="0" b="0"/>
+          </a:effectRef>
+          <a:fontRef idx="minor">
+            <a:schemeClr val="accent2"/>
+          </a:fontRef>
+        </p:style>
+        <p:txBody>
+          <a:bodyPr rtlCol="0" anchor="ctr"/>
+          <a:lstStyle/>
+          <a:p>
+            <a:pPr algn="ctr"/>
+            <a:endParaRPr lang="en-GB"/>
+          </a:p>
+        </p:txBody>
+      </p:sp>
+      <p:sp>
+        <p:nvSpPr>
+          <p:cNvPr id="15" name="Oval 14">
+            <a:extLst>
+              <a:ext uri="{FF2B5EF4-FFF2-40B4-BE49-F238E27FC236}">
+                <a16:creationId xmlns:a16="http://schemas.microsoft.com/office/drawing/2014/main" id="{B8A823BB-CD93-4E33-8756-70260082CD88}"/>
+              </a:ext>
+            </a:extLst>
+          </p:cNvPr>
+          <p:cNvSpPr/>
+          <p:nvPr/>
+        </p:nvSpPr>
+        <p:spPr>
+          <a:xfrm>
+            <a:off x="13783992" y="1788232"/>
+            <a:ext cx="653902" cy="240632"/>
+          </a:xfrm>
+          <a:prstGeom prst="ellipse">
+            <a:avLst/>
+          </a:prstGeom>
+          <a:solidFill>
+            <a:schemeClr val="accent2">
+              <a:alpha val="50000"/>
+            </a:schemeClr>
+          </a:solidFill>
+          <a:ln>
+            <a:solidFill>
+              <a:schemeClr val="accent2">
+                <a:lumMod val="50000"/>
+              </a:schemeClr>
+            </a:solidFill>
+          </a:ln>
+        </p:spPr>
+        <p:style>
+          <a:lnRef idx="0">
+            <a:scrgbClr r="0" g="0" b="0"/>
+          </a:lnRef>
+          <a:fillRef idx="0">
+            <a:scrgbClr r="0" g="0" b="0"/>
+          </a:fillRef>
+          <a:effectRef idx="0">
+            <a:scrgbClr r="0" g="0" b="0"/>
+          </a:effectRef>
+          <a:fontRef idx="minor">
+            <a:schemeClr val="lt1"/>
+          </a:fontRef>
+        </p:style>
+        <p:txBody>
+          <a:bodyPr rtlCol="0" anchor="ctr"/>
+          <a:lstStyle/>
+          <a:p>
+            <a:pPr algn="ctr"/>
+            <a:endParaRPr lang="en-GB"/>
+          </a:p>
+        </p:txBody>
+      </p:sp>
+      <p:sp>
+        <p:nvSpPr>
+          <p:cNvPr id="18" name="TextBox 17">
+            <a:extLst>
+              <a:ext uri="{FF2B5EF4-FFF2-40B4-BE49-F238E27FC236}">
+                <a16:creationId xmlns:a16="http://schemas.microsoft.com/office/drawing/2014/main" id="{5F7D0ACC-C74F-41BE-A4BE-6E3399CEB529}"/>
+              </a:ext>
+            </a:extLst>
+          </p:cNvPr>
+          <p:cNvSpPr txBox="1"/>
+          <p:nvPr/>
+        </p:nvSpPr>
+        <p:spPr>
+          <a:xfrm>
+            <a:off x="11691140" y="822216"/>
+            <a:ext cx="1671933" cy="369332"/>
+          </a:xfrm>
+          <a:prstGeom prst="rect">
+            <a:avLst/>
+          </a:prstGeom>
+          <a:noFill/>
+        </p:spPr>
+        <p:txBody>
+          <a:bodyPr wrap="none" rtlCol="0">
+            <a:spAutoFit/>
+          </a:bodyPr>
+          <a:lstStyle/>
+          <a:p>
+            <a:r>
+              <a:rPr lang="it-IT" dirty="0" err="1"/>
+              <a:t>substr</a:t>
+            </a:r>
+            <a:r>
+              <a:rPr lang="it-IT" dirty="0"/>
+              <a:t>(date,1,5)</a:t>
+            </a:r>
+            <a:endParaRPr lang="en-GB" dirty="0"/>
+          </a:p>
+        </p:txBody>
+      </p:sp>
+      <p:cxnSp>
+        <p:nvCxnSpPr>
+          <p:cNvPr id="20" name="Straight Arrow Connector 19">
+            <a:extLst>
+              <a:ext uri="{FF2B5EF4-FFF2-40B4-BE49-F238E27FC236}">
+                <a16:creationId xmlns:a16="http://schemas.microsoft.com/office/drawing/2014/main" id="{567507BF-6198-4B08-ADA2-D7EE80E9C797}"/>
+              </a:ext>
+            </a:extLst>
+          </p:cNvPr>
+          <p:cNvCxnSpPr>
+            <a:stCxn id="18" idx="2"/>
+            <a:endCxn id="14" idx="1"/>
+          </p:cNvCxnSpPr>
+          <p:nvPr/>
+        </p:nvCxnSpPr>
+        <p:spPr>
+          <a:xfrm>
+            <a:off x="12527107" y="1191548"/>
+            <a:ext cx="993370" cy="640407"/>
+          </a:xfrm>
+          <a:prstGeom prst="straightConnector1">
+            <a:avLst/>
+          </a:prstGeom>
+          <a:ln>
+            <a:tailEnd type="triangle"/>
+          </a:ln>
+        </p:spPr>
+        <p:style>
+          <a:lnRef idx="3">
+            <a:schemeClr val="dk1"/>
+          </a:lnRef>
+          <a:fillRef idx="0">
+            <a:schemeClr val="dk1"/>
+          </a:fillRef>
+          <a:effectRef idx="2">
+            <a:schemeClr val="dk1"/>
+          </a:effectRef>
+          <a:fontRef idx="minor">
+            <a:schemeClr val="tx1"/>
+          </a:fontRef>
+        </p:style>
+      </p:cxnSp>
+      <p:sp>
+        <p:nvSpPr>
+          <p:cNvPr id="24" name="TextBox 23">
+            <a:extLst>
+              <a:ext uri="{FF2B5EF4-FFF2-40B4-BE49-F238E27FC236}">
+                <a16:creationId xmlns:a16="http://schemas.microsoft.com/office/drawing/2014/main" id="{FA56B8FF-75A7-433F-9278-F80BAA0C19D4}"/>
+              </a:ext>
+            </a:extLst>
+          </p:cNvPr>
+          <p:cNvSpPr txBox="1"/>
+          <p:nvPr/>
+        </p:nvSpPr>
+        <p:spPr>
+          <a:xfrm>
+            <a:off x="14110943" y="822216"/>
+            <a:ext cx="1421351" cy="369332"/>
+          </a:xfrm>
+          <a:prstGeom prst="rect">
+            <a:avLst/>
+          </a:prstGeom>
+          <a:noFill/>
+        </p:spPr>
+        <p:txBody>
+          <a:bodyPr wrap="none" rtlCol="0">
+            <a:spAutoFit/>
+          </a:bodyPr>
+          <a:lstStyle/>
+          <a:p>
+            <a:r>
+              <a:rPr lang="it-IT" dirty="0"/>
+              <a:t>|| ‘</a:t>
+            </a:r>
+            <a:r>
+              <a:rPr lang="it-IT" dirty="0" err="1"/>
+              <a:t>dd</a:t>
+            </a:r>
+            <a:r>
+              <a:rPr lang="it-IT" dirty="0"/>
+              <a:t>-mmm’</a:t>
+            </a:r>
+            <a:endParaRPr lang="en-GB" dirty="0"/>
+          </a:p>
+        </p:txBody>
+      </p:sp>
+      <p:cxnSp>
+        <p:nvCxnSpPr>
+          <p:cNvPr id="26" name="Straight Arrow Connector 25">
+            <a:extLst>
+              <a:ext uri="{FF2B5EF4-FFF2-40B4-BE49-F238E27FC236}">
+                <a16:creationId xmlns:a16="http://schemas.microsoft.com/office/drawing/2014/main" id="{BC0012CC-9AC3-4C8E-BAC4-6BAF80ACBB50}"/>
+              </a:ext>
+            </a:extLst>
+          </p:cNvPr>
+          <p:cNvCxnSpPr>
+            <a:stCxn id="24" idx="2"/>
+            <a:endCxn id="15" idx="7"/>
+          </p:cNvCxnSpPr>
+          <p:nvPr/>
+        </p:nvCxnSpPr>
+        <p:spPr>
+          <a:xfrm flipH="1">
+            <a:off x="14342132" y="1191548"/>
+            <a:ext cx="479487" cy="631924"/>
+          </a:xfrm>
+          <a:prstGeom prst="straightConnector1">
+            <a:avLst/>
+          </a:prstGeom>
+          <a:ln>
+            <a:tailEnd type="triangle"/>
+          </a:ln>
+        </p:spPr>
+        <p:style>
+          <a:lnRef idx="3">
+            <a:schemeClr val="dk1"/>
+          </a:lnRef>
+          <a:fillRef idx="0">
+            <a:schemeClr val="dk1"/>
+          </a:fillRef>
+          <a:effectRef idx="2">
+            <a:schemeClr val="dk1"/>
+          </a:effectRef>
+          <a:fontRef idx="minor">
+            <a:schemeClr val="tx1"/>
+          </a:fontRef>
+        </p:style>
+      </p:cxnSp>
+    </p:spTree>
+    <p:extLst>
+      <p:ext uri="{BB962C8B-B14F-4D97-AF65-F5344CB8AC3E}">
+        <p14:creationId xmlns:p14="http://schemas.microsoft.com/office/powerpoint/2010/main" val="71266230"/>
+      </p:ext>
+    </p:extLst>
+  </p:cSld>
+  <p:clrMapOvr>
+    <a:masterClrMapping/>
+  </p:clrMapOvr>
+</p:sld>
+</file>
+
 <file path=ppt/slides/slide2.xml><?xml version="1.0" encoding="utf-8"?>
 <p:sld xmlns:a="http://schemas.openxmlformats.org/drawingml/2006/main" xmlns:r="http://schemas.openxmlformats.org/officeDocument/2006/relationships" xmlns:p="http://schemas.openxmlformats.org/presentationml/2006/main">
   <p:cSld>
@@ -7099,7 +7698,7 @@
         </p:nvSpPr>
         <p:spPr>
           <a:xfrm>
-            <a:off x="2571516" y="1590951"/>
+            <a:off x="2521412" y="1590951"/>
             <a:ext cx="389850" cy="584775"/>
           </a:xfrm>
           <a:prstGeom prst="rect">
@@ -7467,6 +8066,675 @@
     <p:extLst>
       <p:ext uri="{BB962C8B-B14F-4D97-AF65-F5344CB8AC3E}">
         <p14:creationId xmlns:p14="http://schemas.microsoft.com/office/powerpoint/2010/main" val="3627530732"/>
+      </p:ext>
+    </p:extLst>
+  </p:cSld>
+  <p:clrMapOvr>
+    <a:masterClrMapping/>
+  </p:clrMapOvr>
+</p:sld>
+</file>
+
+<file path=ppt/slides/slide9.xml><?xml version="1.0" encoding="utf-8"?>
+<p:sld xmlns:a="http://schemas.openxmlformats.org/drawingml/2006/main" xmlns:r="http://schemas.openxmlformats.org/officeDocument/2006/relationships" xmlns:p="http://schemas.openxmlformats.org/presentationml/2006/main">
+  <p:cSld>
+    <p:bg>
+      <p:bgPr>
+        <a:solidFill>
+          <a:schemeClr val="bg1"/>
+        </a:solidFill>
+        <a:effectLst/>
+      </p:bgPr>
+    </p:bg>
+    <p:spTree>
+      <p:nvGrpSpPr>
+        <p:cNvPr id="1" name=""/>
+        <p:cNvGrpSpPr/>
+        <p:nvPr/>
+      </p:nvGrpSpPr>
+      <p:grpSpPr>
+        <a:xfrm>
+          <a:off x="0" y="0"/>
+          <a:ext cx="0" cy="0"/>
+          <a:chOff x="0" y="0"/>
+          <a:chExt cx="0" cy="0"/>
+        </a:xfrm>
+      </p:grpSpPr>
+      <p:pic>
+        <p:nvPicPr>
+          <p:cNvPr id="9" name="Picture 8" descr="Table&#10;&#10;Description automatically generated with medium confidence">
+            <a:extLst>
+              <a:ext uri="{FF2B5EF4-FFF2-40B4-BE49-F238E27FC236}">
+                <a16:creationId xmlns:a16="http://schemas.microsoft.com/office/drawing/2014/main" id="{0C4680B9-5ED2-4952-BC39-79E40F842CCD}"/>
+              </a:ext>
+            </a:extLst>
+          </p:cNvPr>
+          <p:cNvPicPr>
+            <a:picLocks noChangeAspect="1"/>
+          </p:cNvPicPr>
+          <p:nvPr/>
+        </p:nvPicPr>
+        <p:blipFill>
+          <a:blip r:embed="rId2">
+            <a:extLst>
+              <a:ext uri="{28A0092B-C50C-407E-A947-70E740481C1C}">
+                <a14:useLocalDpi xmlns:a14="http://schemas.microsoft.com/office/drawing/2010/main" val="0"/>
+              </a:ext>
+            </a:extLst>
+          </a:blip>
+          <a:stretch>
+            <a:fillRect/>
+          </a:stretch>
+        </p:blipFill>
+        <p:spPr>
+          <a:xfrm>
+            <a:off x="-4105295" y="1122947"/>
+            <a:ext cx="19209498" cy="3445438"/>
+          </a:xfrm>
+          <a:prstGeom prst="rect">
+            <a:avLst/>
+          </a:prstGeom>
+        </p:spPr>
+      </p:pic>
+      <p:sp>
+        <p:nvSpPr>
+          <p:cNvPr id="19" name="Rectangle 18">
+            <a:extLst>
+              <a:ext uri="{FF2B5EF4-FFF2-40B4-BE49-F238E27FC236}">
+                <a16:creationId xmlns:a16="http://schemas.microsoft.com/office/drawing/2014/main" id="{E9455D97-F609-48AC-9216-771CF9FA9F0C}"/>
+              </a:ext>
+            </a:extLst>
+          </p:cNvPr>
+          <p:cNvSpPr/>
+          <p:nvPr/>
+        </p:nvSpPr>
+        <p:spPr>
+          <a:xfrm>
+            <a:off x="-2558715" y="1540042"/>
+            <a:ext cx="3200399" cy="2518611"/>
+          </a:xfrm>
+          <a:prstGeom prst="rect">
+            <a:avLst/>
+          </a:prstGeom>
+          <a:solidFill>
+            <a:schemeClr val="accent2">
+              <a:alpha val="50000"/>
+            </a:schemeClr>
+          </a:solidFill>
+          <a:ln>
+            <a:noFill/>
+          </a:ln>
+        </p:spPr>
+        <p:style>
+          <a:lnRef idx="0">
+            <a:scrgbClr r="0" g="0" b="0"/>
+          </a:lnRef>
+          <a:fillRef idx="0">
+            <a:scrgbClr r="0" g="0" b="0"/>
+          </a:fillRef>
+          <a:effectRef idx="0">
+            <a:scrgbClr r="0" g="0" b="0"/>
+          </a:effectRef>
+          <a:fontRef idx="minor">
+            <a:schemeClr val="lt1"/>
+          </a:fontRef>
+        </p:style>
+        <p:txBody>
+          <a:bodyPr rtlCol="0" anchor="ctr"/>
+          <a:lstStyle/>
+          <a:p>
+            <a:pPr algn="ctr"/>
+            <a:endParaRPr lang="en-GB"/>
+          </a:p>
+        </p:txBody>
+      </p:sp>
+      <p:sp>
+        <p:nvSpPr>
+          <p:cNvPr id="10" name="Rectangle 9">
+            <a:extLst>
+              <a:ext uri="{FF2B5EF4-FFF2-40B4-BE49-F238E27FC236}">
+                <a16:creationId xmlns:a16="http://schemas.microsoft.com/office/drawing/2014/main" id="{F8E205C2-F0A5-4655-B9A2-FEEB5C5A6425}"/>
+              </a:ext>
+            </a:extLst>
+          </p:cNvPr>
+          <p:cNvSpPr/>
+          <p:nvPr/>
+        </p:nvSpPr>
+        <p:spPr>
+          <a:xfrm>
+            <a:off x="641684" y="1299411"/>
+            <a:ext cx="8678779" cy="2759242"/>
+          </a:xfrm>
+          <a:prstGeom prst="rect">
+            <a:avLst/>
+          </a:prstGeom>
+          <a:solidFill>
+            <a:schemeClr val="accent3">
+              <a:alpha val="80000"/>
+            </a:schemeClr>
+          </a:solidFill>
+          <a:ln>
+            <a:noFill/>
+          </a:ln>
+        </p:spPr>
+        <p:style>
+          <a:lnRef idx="0">
+            <a:scrgbClr r="0" g="0" b="0"/>
+          </a:lnRef>
+          <a:fillRef idx="0">
+            <a:scrgbClr r="0" g="0" b="0"/>
+          </a:fillRef>
+          <a:effectRef idx="0">
+            <a:scrgbClr r="0" g="0" b="0"/>
+          </a:effectRef>
+          <a:fontRef idx="minor">
+            <a:schemeClr val="lt1"/>
+          </a:fontRef>
+        </p:style>
+        <p:txBody>
+          <a:bodyPr rtlCol="0" anchor="ctr"/>
+          <a:lstStyle/>
+          <a:p>
+            <a:pPr algn="ctr"/>
+            <a:endParaRPr lang="en-GB"/>
+          </a:p>
+        </p:txBody>
+      </p:sp>
+      <p:sp>
+        <p:nvSpPr>
+          <p:cNvPr id="11" name="Rectangle 10">
+            <a:extLst>
+              <a:ext uri="{FF2B5EF4-FFF2-40B4-BE49-F238E27FC236}">
+                <a16:creationId xmlns:a16="http://schemas.microsoft.com/office/drawing/2014/main" id="{B75A9C63-5252-4091-9A97-F51254C7A50D}"/>
+              </a:ext>
+            </a:extLst>
+          </p:cNvPr>
+          <p:cNvSpPr/>
+          <p:nvPr/>
+        </p:nvSpPr>
+        <p:spPr>
+          <a:xfrm>
+            <a:off x="-3304674" y="1540042"/>
+            <a:ext cx="753979" cy="2518611"/>
+          </a:xfrm>
+          <a:prstGeom prst="rect">
+            <a:avLst/>
+          </a:prstGeom>
+          <a:noFill/>
+          <a:ln w="9525" cap="flat" cmpd="sng" algn="ctr">
+            <a:solidFill>
+              <a:schemeClr val="accent2"/>
+            </a:solidFill>
+            <a:prstDash val="solid"/>
+            <a:round/>
+            <a:headEnd type="none" w="med" len="med"/>
+            <a:tailEnd type="none" w="med" len="med"/>
+          </a:ln>
+        </p:spPr>
+        <p:style>
+          <a:lnRef idx="0">
+            <a:scrgbClr r="0" g="0" b="0"/>
+          </a:lnRef>
+          <a:fillRef idx="0">
+            <a:scrgbClr r="0" g="0" b="0"/>
+          </a:fillRef>
+          <a:effectRef idx="0">
+            <a:scrgbClr r="0" g="0" b="0"/>
+          </a:effectRef>
+          <a:fontRef idx="minor">
+            <a:schemeClr val="accent2"/>
+          </a:fontRef>
+        </p:style>
+        <p:txBody>
+          <a:bodyPr rtlCol="0" anchor="ctr"/>
+          <a:lstStyle/>
+          <a:p>
+            <a:pPr algn="ctr"/>
+            <a:endParaRPr lang="en-GB"/>
+          </a:p>
+        </p:txBody>
+      </p:sp>
+      <p:sp>
+        <p:nvSpPr>
+          <p:cNvPr id="13" name="Arrow: Curved Left 12">
+            <a:extLst>
+              <a:ext uri="{FF2B5EF4-FFF2-40B4-BE49-F238E27FC236}">
+                <a16:creationId xmlns:a16="http://schemas.microsoft.com/office/drawing/2014/main" id="{B5B0205A-68E7-4A59-A2EB-00812B25B8A8}"/>
+              </a:ext>
+            </a:extLst>
+          </p:cNvPr>
+          <p:cNvSpPr/>
+          <p:nvPr/>
+        </p:nvSpPr>
+        <p:spPr>
+          <a:xfrm>
+            <a:off x="-2550695" y="1540042"/>
+            <a:ext cx="304800" cy="417095"/>
+          </a:xfrm>
+          <a:prstGeom prst="curvedLeftArrow">
+            <a:avLst/>
+          </a:prstGeom>
+          <a:solidFill>
+            <a:schemeClr val="accent2">
+              <a:lumMod val="50000"/>
+            </a:schemeClr>
+          </a:solidFill>
+          <a:ln>
+            <a:solidFill>
+              <a:schemeClr val="tx1">
+                <a:lumMod val="95000"/>
+                <a:lumOff val="5000"/>
+              </a:schemeClr>
+            </a:solidFill>
+          </a:ln>
+        </p:spPr>
+        <p:style>
+          <a:lnRef idx="2">
+            <a:schemeClr val="accent1">
+              <a:shade val="50000"/>
+            </a:schemeClr>
+          </a:lnRef>
+          <a:fillRef idx="1">
+            <a:schemeClr val="accent1"/>
+          </a:fillRef>
+          <a:effectRef idx="0">
+            <a:schemeClr val="accent1"/>
+          </a:effectRef>
+          <a:fontRef idx="minor">
+            <a:schemeClr val="lt1"/>
+          </a:fontRef>
+        </p:style>
+        <p:txBody>
+          <a:bodyPr rtlCol="0" anchor="ctr"/>
+          <a:lstStyle/>
+          <a:p>
+            <a:pPr algn="ctr"/>
+            <a:endParaRPr lang="en-GB">
+              <a:solidFill>
+                <a:schemeClr val="tx1"/>
+              </a:solidFill>
+            </a:endParaRPr>
+          </a:p>
+        </p:txBody>
+      </p:sp>
+      <p:sp>
+        <p:nvSpPr>
+          <p:cNvPr id="15" name="Minus Sign 14">
+            <a:extLst>
+              <a:ext uri="{FF2B5EF4-FFF2-40B4-BE49-F238E27FC236}">
+                <a16:creationId xmlns:a16="http://schemas.microsoft.com/office/drawing/2014/main" id="{1E056766-56C9-473B-88C8-E2F4C619A8A8}"/>
+              </a:ext>
+            </a:extLst>
+          </p:cNvPr>
+          <p:cNvSpPr/>
+          <p:nvPr/>
+        </p:nvSpPr>
+        <p:spPr>
+          <a:xfrm>
+            <a:off x="-2446421" y="1580146"/>
+            <a:ext cx="368968" cy="352927"/>
+          </a:xfrm>
+          <a:prstGeom prst="mathMinus">
+            <a:avLst/>
+          </a:prstGeom>
+          <a:solidFill>
+            <a:schemeClr val="accent2">
+              <a:lumMod val="75000"/>
+            </a:schemeClr>
+          </a:solidFill>
+          <a:ln>
+            <a:solidFill>
+              <a:schemeClr val="tx1"/>
+            </a:solidFill>
+          </a:ln>
+        </p:spPr>
+        <p:style>
+          <a:lnRef idx="2">
+            <a:schemeClr val="accent1">
+              <a:shade val="50000"/>
+            </a:schemeClr>
+          </a:lnRef>
+          <a:fillRef idx="1">
+            <a:schemeClr val="accent1"/>
+          </a:fillRef>
+          <a:effectRef idx="0">
+            <a:schemeClr val="accent1"/>
+          </a:effectRef>
+          <a:fontRef idx="minor">
+            <a:schemeClr val="lt1"/>
+          </a:fontRef>
+        </p:style>
+        <p:txBody>
+          <a:bodyPr rtlCol="0" anchor="ctr"/>
+          <a:lstStyle/>
+          <a:p>
+            <a:pPr algn="ctr"/>
+            <a:endParaRPr lang="en-GB"/>
+          </a:p>
+        </p:txBody>
+      </p:sp>
+      <p:sp>
+        <p:nvSpPr>
+          <p:cNvPr id="16" name="Arrow: Curved Left 15">
+            <a:extLst>
+              <a:ext uri="{FF2B5EF4-FFF2-40B4-BE49-F238E27FC236}">
+                <a16:creationId xmlns:a16="http://schemas.microsoft.com/office/drawing/2014/main" id="{FE7DE681-82C1-40DA-AA75-502F63BAA160}"/>
+              </a:ext>
+            </a:extLst>
+          </p:cNvPr>
+          <p:cNvSpPr/>
+          <p:nvPr/>
+        </p:nvSpPr>
+        <p:spPr>
+          <a:xfrm>
+            <a:off x="-2558715" y="2077450"/>
+            <a:ext cx="312820" cy="417095"/>
+          </a:xfrm>
+          <a:prstGeom prst="curvedLeftArrow">
+            <a:avLst/>
+          </a:prstGeom>
+          <a:solidFill>
+            <a:schemeClr val="accent2">
+              <a:lumMod val="50000"/>
+            </a:schemeClr>
+          </a:solidFill>
+          <a:ln>
+            <a:solidFill>
+              <a:schemeClr val="tx1">
+                <a:lumMod val="95000"/>
+                <a:lumOff val="5000"/>
+              </a:schemeClr>
+            </a:solidFill>
+          </a:ln>
+        </p:spPr>
+        <p:style>
+          <a:lnRef idx="2">
+            <a:schemeClr val="accent1">
+              <a:shade val="50000"/>
+            </a:schemeClr>
+          </a:lnRef>
+          <a:fillRef idx="1">
+            <a:schemeClr val="accent1"/>
+          </a:fillRef>
+          <a:effectRef idx="0">
+            <a:schemeClr val="accent1"/>
+          </a:effectRef>
+          <a:fontRef idx="minor">
+            <a:schemeClr val="lt1"/>
+          </a:fontRef>
+        </p:style>
+        <p:txBody>
+          <a:bodyPr rtlCol="0" anchor="ctr"/>
+          <a:lstStyle/>
+          <a:p>
+            <a:pPr algn="ctr"/>
+            <a:endParaRPr lang="en-GB">
+              <a:solidFill>
+                <a:schemeClr val="tx1"/>
+              </a:solidFill>
+            </a:endParaRPr>
+          </a:p>
+        </p:txBody>
+      </p:sp>
+      <p:sp>
+        <p:nvSpPr>
+          <p:cNvPr id="17" name="Minus Sign 16">
+            <a:extLst>
+              <a:ext uri="{FF2B5EF4-FFF2-40B4-BE49-F238E27FC236}">
+                <a16:creationId xmlns:a16="http://schemas.microsoft.com/office/drawing/2014/main" id="{C30B8003-B04C-4E0E-954A-EA32630E7A2B}"/>
+              </a:ext>
+            </a:extLst>
+          </p:cNvPr>
+          <p:cNvSpPr/>
+          <p:nvPr/>
+        </p:nvSpPr>
+        <p:spPr>
+          <a:xfrm>
+            <a:off x="-2454441" y="2117554"/>
+            <a:ext cx="368968" cy="352927"/>
+          </a:xfrm>
+          <a:prstGeom prst="mathMinus">
+            <a:avLst/>
+          </a:prstGeom>
+          <a:solidFill>
+            <a:schemeClr val="accent2">
+              <a:lumMod val="75000"/>
+            </a:schemeClr>
+          </a:solidFill>
+          <a:ln>
+            <a:solidFill>
+              <a:schemeClr val="tx1"/>
+            </a:solidFill>
+          </a:ln>
+        </p:spPr>
+        <p:style>
+          <a:lnRef idx="2">
+            <a:schemeClr val="accent1">
+              <a:shade val="50000"/>
+            </a:schemeClr>
+          </a:lnRef>
+          <a:fillRef idx="1">
+            <a:schemeClr val="accent1"/>
+          </a:fillRef>
+          <a:effectRef idx="0">
+            <a:schemeClr val="accent1"/>
+          </a:effectRef>
+          <a:fontRef idx="minor">
+            <a:schemeClr val="lt1"/>
+          </a:fontRef>
+        </p:style>
+        <p:txBody>
+          <a:bodyPr rtlCol="0" anchor="ctr"/>
+          <a:lstStyle/>
+          <a:p>
+            <a:pPr algn="ctr"/>
+            <a:endParaRPr lang="en-GB"/>
+          </a:p>
+        </p:txBody>
+      </p:sp>
+      <p:cxnSp>
+        <p:nvCxnSpPr>
+          <p:cNvPr id="21" name="Straight Arrow Connector 20">
+            <a:extLst>
+              <a:ext uri="{FF2B5EF4-FFF2-40B4-BE49-F238E27FC236}">
+                <a16:creationId xmlns:a16="http://schemas.microsoft.com/office/drawing/2014/main" id="{D7D82E12-BCD4-4D6A-8FD7-9E65EFF2A6E1}"/>
+              </a:ext>
+            </a:extLst>
+          </p:cNvPr>
+          <p:cNvCxnSpPr/>
+          <p:nvPr/>
+        </p:nvCxnSpPr>
+        <p:spPr>
+          <a:xfrm>
+            <a:off x="-2077453" y="1780674"/>
+            <a:ext cx="11686674" cy="168441"/>
+          </a:xfrm>
+          <a:prstGeom prst="straightConnector1">
+            <a:avLst/>
+          </a:prstGeom>
+          <a:ln>
+            <a:tailEnd type="triangle"/>
+          </a:ln>
+        </p:spPr>
+        <p:style>
+          <a:lnRef idx="3">
+            <a:schemeClr val="dk1"/>
+          </a:lnRef>
+          <a:fillRef idx="0">
+            <a:schemeClr val="dk1"/>
+          </a:fillRef>
+          <a:effectRef idx="2">
+            <a:schemeClr val="dk1"/>
+          </a:effectRef>
+          <a:fontRef idx="minor">
+            <a:schemeClr val="tx1"/>
+          </a:fontRef>
+        </p:style>
+      </p:cxnSp>
+      <p:sp>
+        <p:nvSpPr>
+          <p:cNvPr id="22" name="Oval 21">
+            <a:extLst>
+              <a:ext uri="{FF2B5EF4-FFF2-40B4-BE49-F238E27FC236}">
+                <a16:creationId xmlns:a16="http://schemas.microsoft.com/office/drawing/2014/main" id="{118CF549-A265-4EA1-B34E-3C3041EB2C71}"/>
+              </a:ext>
+            </a:extLst>
+          </p:cNvPr>
+          <p:cNvSpPr/>
+          <p:nvPr/>
+        </p:nvSpPr>
+        <p:spPr>
+          <a:xfrm>
+            <a:off x="9657347" y="1748589"/>
+            <a:ext cx="673769" cy="312819"/>
+          </a:xfrm>
+          <a:prstGeom prst="ellipse">
+            <a:avLst/>
+          </a:prstGeom>
+          <a:noFill/>
+          <a:ln w="12700" cap="flat" cmpd="sng" algn="ctr">
+            <a:solidFill>
+              <a:schemeClr val="accent5"/>
+            </a:solidFill>
+            <a:prstDash val="solid"/>
+            <a:round/>
+            <a:headEnd type="none" w="med" len="med"/>
+            <a:tailEnd type="none" w="med" len="med"/>
+          </a:ln>
+        </p:spPr>
+        <p:style>
+          <a:lnRef idx="0">
+            <a:scrgbClr r="0" g="0" b="0"/>
+          </a:lnRef>
+          <a:fillRef idx="0">
+            <a:scrgbClr r="0" g="0" b="0"/>
+          </a:fillRef>
+          <a:effectRef idx="0">
+            <a:scrgbClr r="0" g="0" b="0"/>
+          </a:effectRef>
+          <a:fontRef idx="minor">
+            <a:schemeClr val="accent5"/>
+          </a:fontRef>
+        </p:style>
+        <p:txBody>
+          <a:bodyPr rtlCol="0" anchor="ctr"/>
+          <a:lstStyle/>
+          <a:p>
+            <a:pPr algn="ctr"/>
+            <a:endParaRPr lang="en-GB"/>
+          </a:p>
+        </p:txBody>
+      </p:sp>
+      <p:sp>
+        <p:nvSpPr>
+          <p:cNvPr id="23" name="Rectangle 22">
+            <a:extLst>
+              <a:ext uri="{FF2B5EF4-FFF2-40B4-BE49-F238E27FC236}">
+                <a16:creationId xmlns:a16="http://schemas.microsoft.com/office/drawing/2014/main" id="{D1873755-3A44-4A06-8D60-915DCC65B6BD}"/>
+              </a:ext>
+            </a:extLst>
+          </p:cNvPr>
+          <p:cNvSpPr/>
+          <p:nvPr/>
+        </p:nvSpPr>
+        <p:spPr>
+          <a:xfrm>
+            <a:off x="10375794" y="1548062"/>
+            <a:ext cx="4158353" cy="2518611"/>
+          </a:xfrm>
+          <a:prstGeom prst="rect">
+            <a:avLst/>
+          </a:prstGeom>
+          <a:solidFill>
+            <a:schemeClr val="accent4">
+              <a:alpha val="50000"/>
+            </a:schemeClr>
+          </a:solidFill>
+          <a:ln>
+            <a:noFill/>
+          </a:ln>
+        </p:spPr>
+        <p:style>
+          <a:lnRef idx="0">
+            <a:scrgbClr r="0" g="0" b="0"/>
+          </a:lnRef>
+          <a:fillRef idx="0">
+            <a:scrgbClr r="0" g="0" b="0"/>
+          </a:fillRef>
+          <a:effectRef idx="0">
+            <a:scrgbClr r="0" g="0" b="0"/>
+          </a:effectRef>
+          <a:fontRef idx="minor">
+            <a:schemeClr val="lt1"/>
+          </a:fontRef>
+        </p:style>
+        <p:txBody>
+          <a:bodyPr rtlCol="0" anchor="ctr"/>
+          <a:lstStyle/>
+          <a:p>
+            <a:pPr algn="ctr"/>
+            <a:endParaRPr lang="en-GB"/>
+          </a:p>
+        </p:txBody>
+      </p:sp>
+      <p:sp>
+        <p:nvSpPr>
+          <p:cNvPr id="25" name="Rectangle 24">
+            <a:extLst>
+              <a:ext uri="{FF2B5EF4-FFF2-40B4-BE49-F238E27FC236}">
+                <a16:creationId xmlns:a16="http://schemas.microsoft.com/office/drawing/2014/main" id="{5DB158F1-7E68-4A9A-9648-A4B492B529D9}"/>
+              </a:ext>
+            </a:extLst>
+          </p:cNvPr>
+          <p:cNvSpPr/>
+          <p:nvPr/>
+        </p:nvSpPr>
+        <p:spPr>
+          <a:xfrm>
+            <a:off x="9320463" y="1540041"/>
+            <a:ext cx="1055331" cy="2518611"/>
+          </a:xfrm>
+          <a:prstGeom prst="rect">
+            <a:avLst/>
+          </a:prstGeom>
+          <a:noFill/>
+          <a:ln w="9525" cap="flat" cmpd="sng" algn="ctr">
+            <a:solidFill>
+              <a:schemeClr val="accent4"/>
+            </a:solidFill>
+            <a:prstDash val="solid"/>
+            <a:round/>
+            <a:headEnd type="none" w="med" len="med"/>
+            <a:tailEnd type="none" w="med" len="med"/>
+          </a:ln>
+        </p:spPr>
+        <p:style>
+          <a:lnRef idx="0">
+            <a:scrgbClr r="0" g="0" b="0"/>
+          </a:lnRef>
+          <a:fillRef idx="0">
+            <a:scrgbClr r="0" g="0" b="0"/>
+          </a:fillRef>
+          <a:effectRef idx="0">
+            <a:scrgbClr r="0" g="0" b="0"/>
+          </a:effectRef>
+          <a:fontRef idx="minor">
+            <a:schemeClr val="accent4"/>
+          </a:fontRef>
+        </p:style>
+        <p:txBody>
+          <a:bodyPr rtlCol="0" anchor="ctr"/>
+          <a:lstStyle/>
+          <a:p>
+            <a:pPr algn="ctr"/>
+            <a:endParaRPr lang="en-GB"/>
+          </a:p>
+        </p:txBody>
+      </p:sp>
+    </p:spTree>
+    <p:extLst>
+      <p:ext uri="{BB962C8B-B14F-4D97-AF65-F5344CB8AC3E}">
+        <p14:creationId xmlns:p14="http://schemas.microsoft.com/office/powerpoint/2010/main" val="389115255"/>
       </p:ext>
     </p:extLst>
   </p:cSld>

--- a/screenshots/imgs.pptx
+++ b/screenshots/imgs.pptx
@@ -4545,6 +4545,62 @@
           </a:fontRef>
         </p:style>
       </p:cxnSp>
+      <p:sp>
+        <p:nvSpPr>
+          <p:cNvPr id="16" name="Rectangle 15">
+            <a:extLst>
+              <a:ext uri="{FF2B5EF4-FFF2-40B4-BE49-F238E27FC236}">
+                <a16:creationId xmlns:a16="http://schemas.microsoft.com/office/drawing/2014/main" id="{879704F0-F43C-491C-868F-039F4E1165B4}"/>
+              </a:ext>
+            </a:extLst>
+          </p:cNvPr>
+          <p:cNvSpPr/>
+          <p:nvPr/>
+        </p:nvSpPr>
+        <p:spPr>
+          <a:xfrm>
+            <a:off x="13353276" y="1800724"/>
+            <a:ext cx="1068576" cy="2209802"/>
+          </a:xfrm>
+          <a:prstGeom prst="rect">
+            <a:avLst/>
+          </a:prstGeom>
+          <a:noFill/>
+          <a:ln w="9525" cap="flat" cmpd="sng" algn="ctr">
+            <a:solidFill>
+              <a:schemeClr val="accent2">
+                <a:lumMod val="50000"/>
+              </a:schemeClr>
+            </a:solidFill>
+            <a:prstDash val="solid"/>
+            <a:round/>
+            <a:headEnd type="none" w="med" len="med"/>
+            <a:tailEnd type="none" w="med" len="med"/>
+          </a:ln>
+        </p:spPr>
+        <p:style>
+          <a:lnRef idx="0">
+            <a:scrgbClr r="0" g="0" b="0"/>
+          </a:lnRef>
+          <a:fillRef idx="0">
+            <a:scrgbClr r="0" g="0" b="0"/>
+          </a:fillRef>
+          <a:effectRef idx="0">
+            <a:scrgbClr r="0" g="0" b="0"/>
+          </a:effectRef>
+          <a:fontRef idx="minor">
+            <a:schemeClr val="accent2"/>
+          </a:fontRef>
+        </p:style>
+        <p:txBody>
+          <a:bodyPr rtlCol="0" anchor="ctr"/>
+          <a:lstStyle/>
+          <a:p>
+            <a:pPr algn="ctr"/>
+            <a:endParaRPr lang="en-GB"/>
+          </a:p>
+        </p:txBody>
+      </p:sp>
     </p:spTree>
     <p:extLst>
       <p:ext uri="{BB962C8B-B14F-4D97-AF65-F5344CB8AC3E}">
@@ -8592,9 +8648,9 @@
             <a:avLst/>
           </a:prstGeom>
           <a:noFill/>
-          <a:ln w="12700" cap="flat" cmpd="sng" algn="ctr">
+          <a:ln w="9525" cap="flat" cmpd="sng" algn="ctr">
             <a:solidFill>
-              <a:schemeClr val="accent5"/>
+              <a:schemeClr val="accent2"/>
             </a:solidFill>
             <a:prstDash val="solid"/>
             <a:round/>
@@ -8613,7 +8669,7 @@
             <a:scrgbClr r="0" g="0" b="0"/>
           </a:effectRef>
           <a:fontRef idx="minor">
-            <a:schemeClr val="accent5"/>
+            <a:schemeClr val="accent2"/>
           </a:fontRef>
         </p:style>
         <p:txBody>

--- a/screenshots/imgs.pptx
+++ b/screenshots/imgs.pptx
@@ -4016,10 +4016,10 @@
       </p:pic>
       <p:sp>
         <p:nvSpPr>
-          <p:cNvPr id="6" name="Rectangle 5">
-            <a:extLst>
-              <a:ext uri="{FF2B5EF4-FFF2-40B4-BE49-F238E27FC236}">
-                <a16:creationId xmlns:a16="http://schemas.microsoft.com/office/drawing/2014/main" id="{5C0EB8F5-1A51-4CF8-95F7-25199AEE3878}"/>
+          <p:cNvPr id="8" name="Rectangle 7">
+            <a:extLst>
+              <a:ext uri="{FF2B5EF4-FFF2-40B4-BE49-F238E27FC236}">
+                <a16:creationId xmlns:a16="http://schemas.microsoft.com/office/drawing/2014/main" id="{87FC72FB-313B-4E06-B93E-4DEA8BE570F2}"/>
               </a:ext>
             </a:extLst>
           </p:cNvPr>
@@ -4028,15 +4028,69 @@
         </p:nvSpPr>
         <p:spPr>
           <a:xfrm>
-            <a:off x="-2550695" y="1588168"/>
-            <a:ext cx="3497179" cy="2438399"/>
+            <a:off x="946484" y="1796716"/>
+            <a:ext cx="858253" cy="2229850"/>
           </a:xfrm>
           <a:prstGeom prst="rect">
             <a:avLst/>
           </a:prstGeom>
+          <a:noFill/>
+          <a:ln w="9525" cap="flat" cmpd="sng" algn="ctr">
+            <a:solidFill>
+              <a:schemeClr val="accent2"/>
+            </a:solidFill>
+            <a:prstDash val="solid"/>
+            <a:round/>
+            <a:headEnd type="none" w="med" len="med"/>
+            <a:tailEnd type="none" w="med" len="med"/>
+          </a:ln>
+        </p:spPr>
+        <p:style>
+          <a:lnRef idx="0">
+            <a:scrgbClr r="0" g="0" b="0"/>
+          </a:lnRef>
+          <a:fillRef idx="0">
+            <a:scrgbClr r="0" g="0" b="0"/>
+          </a:fillRef>
+          <a:effectRef idx="0">
+            <a:scrgbClr r="0" g="0" b="0"/>
+          </a:effectRef>
+          <a:fontRef idx="minor">
+            <a:schemeClr val="accent2"/>
+          </a:fontRef>
+        </p:style>
+        <p:txBody>
+          <a:bodyPr rtlCol="0" anchor="ctr"/>
+          <a:lstStyle/>
+          <a:p>
+            <a:pPr algn="ctr"/>
+            <a:endParaRPr lang="en-GB"/>
+          </a:p>
+        </p:txBody>
+      </p:sp>
+      <p:sp>
+        <p:nvSpPr>
+          <p:cNvPr id="9" name="Rectangle 8">
+            <a:extLst>
+              <a:ext uri="{FF2B5EF4-FFF2-40B4-BE49-F238E27FC236}">
+                <a16:creationId xmlns:a16="http://schemas.microsoft.com/office/drawing/2014/main" id="{4569E55D-0C21-4452-91D4-6E3D3ED46573}"/>
+              </a:ext>
+            </a:extLst>
+          </p:cNvPr>
+          <p:cNvSpPr/>
+          <p:nvPr/>
+        </p:nvSpPr>
+        <p:spPr>
+          <a:xfrm>
+            <a:off x="946484" y="1796715"/>
+            <a:ext cx="513348" cy="232149"/>
+          </a:xfrm>
+          <a:prstGeom prst="rect">
+            <a:avLst/>
+          </a:prstGeom>
           <a:solidFill>
-            <a:schemeClr val="accent3">
-              <a:alpha val="80000"/>
+            <a:schemeClr val="accent2">
+              <a:alpha val="50000"/>
             </a:schemeClr>
           </a:solidFill>
           <a:ln>
@@ -4068,10 +4122,10 @@
       </p:sp>
       <p:sp>
         <p:nvSpPr>
-          <p:cNvPr id="7" name="Rectangle 6">
-            <a:extLst>
-              <a:ext uri="{FF2B5EF4-FFF2-40B4-BE49-F238E27FC236}">
-                <a16:creationId xmlns:a16="http://schemas.microsoft.com/office/drawing/2014/main" id="{68FE683A-8023-40D4-95DE-59E77DF20CDC}"/>
+          <p:cNvPr id="14" name="Oval 13">
+            <a:extLst>
+              <a:ext uri="{FF2B5EF4-FFF2-40B4-BE49-F238E27FC236}">
+                <a16:creationId xmlns:a16="http://schemas.microsoft.com/office/drawing/2014/main" id="{49178D9A-287D-4987-8527-CA584098FB61}"/>
               </a:ext>
             </a:extLst>
           </p:cNvPr>
@@ -4080,15 +4134,69 @@
         </p:nvSpPr>
         <p:spPr>
           <a:xfrm>
-            <a:off x="1804737" y="1588167"/>
-            <a:ext cx="11558337" cy="2438399"/>
-          </a:xfrm>
-          <a:prstGeom prst="rect">
+            <a:off x="13363073" y="1796715"/>
+            <a:ext cx="465221" cy="200069"/>
+          </a:xfrm>
+          <a:prstGeom prst="ellipse">
+            <a:avLst/>
+          </a:prstGeom>
+          <a:noFill/>
+          <a:ln w="9525" cap="flat" cmpd="sng" algn="ctr">
+            <a:solidFill>
+              <a:schemeClr val="accent2"/>
+            </a:solidFill>
+            <a:prstDash val="solid"/>
+            <a:round/>
+            <a:headEnd type="none" w="med" len="med"/>
+            <a:tailEnd type="none" w="med" len="med"/>
+          </a:ln>
+        </p:spPr>
+        <p:style>
+          <a:lnRef idx="0">
+            <a:scrgbClr r="0" g="0" b="0"/>
+          </a:lnRef>
+          <a:fillRef idx="0">
+            <a:scrgbClr r="0" g="0" b="0"/>
+          </a:fillRef>
+          <a:effectRef idx="0">
+            <a:scrgbClr r="0" g="0" b="0"/>
+          </a:effectRef>
+          <a:fontRef idx="minor">
+            <a:schemeClr val="accent2"/>
+          </a:fontRef>
+        </p:style>
+        <p:txBody>
+          <a:bodyPr rtlCol="0" anchor="ctr"/>
+          <a:lstStyle/>
+          <a:p>
+            <a:pPr algn="ctr"/>
+            <a:endParaRPr lang="en-GB"/>
+          </a:p>
+        </p:txBody>
+      </p:sp>
+      <p:sp>
+        <p:nvSpPr>
+          <p:cNvPr id="15" name="Oval 14">
+            <a:extLst>
+              <a:ext uri="{FF2B5EF4-FFF2-40B4-BE49-F238E27FC236}">
+                <a16:creationId xmlns:a16="http://schemas.microsoft.com/office/drawing/2014/main" id="{B8A823BB-CD93-4E33-8756-70260082CD88}"/>
+              </a:ext>
+            </a:extLst>
+          </p:cNvPr>
+          <p:cNvSpPr/>
+          <p:nvPr/>
+        </p:nvSpPr>
+        <p:spPr>
+          <a:xfrm>
+            <a:off x="13783992" y="1788232"/>
+            <a:ext cx="653902" cy="240632"/>
+          </a:xfrm>
+          <a:prstGeom prst="ellipse">
             <a:avLst/>
           </a:prstGeom>
           <a:solidFill>
-            <a:schemeClr val="accent3">
-              <a:alpha val="80000"/>
+            <a:schemeClr val="accent4">
+              <a:alpha val="50000"/>
             </a:schemeClr>
           </a:solidFill>
           <a:ln>
@@ -4120,10 +4228,205 @@
       </p:sp>
       <p:sp>
         <p:nvSpPr>
-          <p:cNvPr id="8" name="Rectangle 7">
-            <a:extLst>
-              <a:ext uri="{FF2B5EF4-FFF2-40B4-BE49-F238E27FC236}">
-                <a16:creationId xmlns:a16="http://schemas.microsoft.com/office/drawing/2014/main" id="{87FC72FB-313B-4E06-B93E-4DEA8BE570F2}"/>
+          <p:cNvPr id="18" name="TextBox 17">
+            <a:extLst>
+              <a:ext uri="{FF2B5EF4-FFF2-40B4-BE49-F238E27FC236}">
+                <a16:creationId xmlns:a16="http://schemas.microsoft.com/office/drawing/2014/main" id="{5F7D0ACC-C74F-41BE-A4BE-6E3399CEB529}"/>
+              </a:ext>
+            </a:extLst>
+          </p:cNvPr>
+          <p:cNvSpPr txBox="1"/>
+          <p:nvPr/>
+        </p:nvSpPr>
+        <p:spPr>
+          <a:xfrm>
+            <a:off x="10921551" y="1017854"/>
+            <a:ext cx="1671933" cy="369332"/>
+          </a:xfrm>
+          <a:prstGeom prst="rect">
+            <a:avLst/>
+          </a:prstGeom>
+        </p:spPr>
+        <p:style>
+          <a:lnRef idx="2">
+            <a:schemeClr val="accent2"/>
+          </a:lnRef>
+          <a:fillRef idx="1">
+            <a:schemeClr val="lt1"/>
+          </a:fillRef>
+          <a:effectRef idx="0">
+            <a:schemeClr val="accent2"/>
+          </a:effectRef>
+          <a:fontRef idx="minor">
+            <a:schemeClr val="dk1"/>
+          </a:fontRef>
+        </p:style>
+        <p:txBody>
+          <a:bodyPr wrap="none" rtlCol="0">
+            <a:spAutoFit/>
+          </a:bodyPr>
+          <a:lstStyle/>
+          <a:p>
+            <a:r>
+              <a:rPr lang="it-IT" dirty="0" err="1"/>
+              <a:t>substr</a:t>
+            </a:r>
+            <a:r>
+              <a:rPr lang="it-IT" dirty="0"/>
+              <a:t>(date,1,5)</a:t>
+            </a:r>
+            <a:endParaRPr lang="en-GB" dirty="0"/>
+          </a:p>
+        </p:txBody>
+      </p:sp>
+      <p:cxnSp>
+        <p:nvCxnSpPr>
+          <p:cNvPr id="20" name="Straight Arrow Connector 19">
+            <a:extLst>
+              <a:ext uri="{FF2B5EF4-FFF2-40B4-BE49-F238E27FC236}">
+                <a16:creationId xmlns:a16="http://schemas.microsoft.com/office/drawing/2014/main" id="{567507BF-6198-4B08-ADA2-D7EE80E9C797}"/>
+              </a:ext>
+            </a:extLst>
+          </p:cNvPr>
+          <p:cNvCxnSpPr>
+            <a:cxnSpLocks/>
+            <a:stCxn id="18" idx="2"/>
+            <a:endCxn id="14" idx="1"/>
+          </p:cNvCxnSpPr>
+          <p:nvPr/>
+        </p:nvCxnSpPr>
+        <p:spPr>
+          <a:xfrm>
+            <a:off x="11757518" y="1387186"/>
+            <a:ext cx="1673685" cy="438828"/>
+          </a:xfrm>
+          <a:prstGeom prst="straightConnector1">
+            <a:avLst/>
+          </a:prstGeom>
+          <a:ln>
+            <a:tailEnd type="triangle"/>
+          </a:ln>
+        </p:spPr>
+        <p:style>
+          <a:lnRef idx="3">
+            <a:schemeClr val="accent2"/>
+          </a:lnRef>
+          <a:fillRef idx="0">
+            <a:schemeClr val="accent2"/>
+          </a:fillRef>
+          <a:effectRef idx="2">
+            <a:schemeClr val="accent2"/>
+          </a:effectRef>
+          <a:fontRef idx="minor">
+            <a:schemeClr val="tx1"/>
+          </a:fontRef>
+        </p:style>
+      </p:cxnSp>
+      <p:sp>
+        <p:nvSpPr>
+          <p:cNvPr id="24" name="TextBox 23">
+            <a:extLst>
+              <a:ext uri="{FF2B5EF4-FFF2-40B4-BE49-F238E27FC236}">
+                <a16:creationId xmlns:a16="http://schemas.microsoft.com/office/drawing/2014/main" id="{FA56B8FF-75A7-433F-9278-F80BAA0C19D4}"/>
+              </a:ext>
+            </a:extLst>
+          </p:cNvPr>
+          <p:cNvSpPr txBox="1"/>
+          <p:nvPr/>
+        </p:nvSpPr>
+        <p:spPr>
+          <a:xfrm>
+            <a:off x="14110943" y="822216"/>
+            <a:ext cx="1421351" cy="369332"/>
+          </a:xfrm>
+          <a:prstGeom prst="rect">
+            <a:avLst/>
+          </a:prstGeom>
+        </p:spPr>
+        <p:style>
+          <a:lnRef idx="2">
+            <a:schemeClr val="accent4"/>
+          </a:lnRef>
+          <a:fillRef idx="1">
+            <a:schemeClr val="lt1"/>
+          </a:fillRef>
+          <a:effectRef idx="0">
+            <a:schemeClr val="accent4"/>
+          </a:effectRef>
+          <a:fontRef idx="minor">
+            <a:schemeClr val="dk1"/>
+          </a:fontRef>
+        </p:style>
+        <p:txBody>
+          <a:bodyPr wrap="none" rtlCol="0">
+            <a:spAutoFit/>
+          </a:bodyPr>
+          <a:lstStyle/>
+          <a:p>
+            <a:r>
+              <a:rPr lang="it-IT" dirty="0"/>
+              <a:t>|| ‘</a:t>
+            </a:r>
+            <a:r>
+              <a:rPr lang="it-IT" dirty="0" err="1"/>
+              <a:t>dd</a:t>
+            </a:r>
+            <a:r>
+              <a:rPr lang="it-IT" dirty="0"/>
+              <a:t>-mmm’</a:t>
+            </a:r>
+            <a:endParaRPr lang="en-GB" dirty="0"/>
+          </a:p>
+        </p:txBody>
+      </p:sp>
+      <p:cxnSp>
+        <p:nvCxnSpPr>
+          <p:cNvPr id="26" name="Straight Arrow Connector 25">
+            <a:extLst>
+              <a:ext uri="{FF2B5EF4-FFF2-40B4-BE49-F238E27FC236}">
+                <a16:creationId xmlns:a16="http://schemas.microsoft.com/office/drawing/2014/main" id="{BC0012CC-9AC3-4C8E-BAC4-6BAF80ACBB50}"/>
+              </a:ext>
+            </a:extLst>
+          </p:cNvPr>
+          <p:cNvCxnSpPr>
+            <a:stCxn id="24" idx="2"/>
+            <a:endCxn id="15" idx="7"/>
+          </p:cNvCxnSpPr>
+          <p:nvPr/>
+        </p:nvCxnSpPr>
+        <p:spPr>
+          <a:xfrm flipH="1">
+            <a:off x="14342132" y="1191548"/>
+            <a:ext cx="479487" cy="631924"/>
+          </a:xfrm>
+          <a:prstGeom prst="straightConnector1">
+            <a:avLst/>
+          </a:prstGeom>
+          <a:ln>
+            <a:tailEnd type="triangle"/>
+          </a:ln>
+        </p:spPr>
+        <p:style>
+          <a:lnRef idx="3">
+            <a:schemeClr val="accent4"/>
+          </a:lnRef>
+          <a:fillRef idx="0">
+            <a:schemeClr val="accent4"/>
+          </a:fillRef>
+          <a:effectRef idx="2">
+            <a:schemeClr val="accent4"/>
+          </a:effectRef>
+          <a:fontRef idx="minor">
+            <a:schemeClr val="tx1"/>
+          </a:fontRef>
+        </p:style>
+      </p:cxnSp>
+      <p:sp>
+        <p:nvSpPr>
+          <p:cNvPr id="16" name="Rectangle 15">
+            <a:extLst>
+              <a:ext uri="{FF2B5EF4-FFF2-40B4-BE49-F238E27FC236}">
+                <a16:creationId xmlns:a16="http://schemas.microsoft.com/office/drawing/2014/main" id="{879704F0-F43C-491C-868F-039F4E1165B4}"/>
               </a:ext>
             </a:extLst>
           </p:cNvPr>
@@ -4132,8 +4435,8 @@
         </p:nvSpPr>
         <p:spPr>
           <a:xfrm>
-            <a:off x="946484" y="1796716"/>
-            <a:ext cx="858253" cy="2229850"/>
+            <a:off x="13353276" y="1800724"/>
+            <a:ext cx="1068576" cy="2209802"/>
           </a:xfrm>
           <a:prstGeom prst="rect">
             <a:avLst/>
@@ -4141,7 +4444,9 @@
           <a:noFill/>
           <a:ln w="9525" cap="flat" cmpd="sng" algn="ctr">
             <a:solidFill>
-              <a:schemeClr val="accent2"/>
+              <a:schemeClr val="accent2">
+                <a:lumMod val="50000"/>
+              </a:schemeClr>
             </a:solidFill>
             <a:prstDash val="solid"/>
             <a:round/>
@@ -4174,10 +4479,10 @@
       </p:sp>
       <p:sp>
         <p:nvSpPr>
-          <p:cNvPr id="9" name="Rectangle 8">
-            <a:extLst>
-              <a:ext uri="{FF2B5EF4-FFF2-40B4-BE49-F238E27FC236}">
-                <a16:creationId xmlns:a16="http://schemas.microsoft.com/office/drawing/2014/main" id="{4569E55D-0C21-4452-91D4-6E3D3ED46573}"/>
+          <p:cNvPr id="17" name="Arrow: Curved Down 16">
+            <a:extLst>
+              <a:ext uri="{FF2B5EF4-FFF2-40B4-BE49-F238E27FC236}">
+                <a16:creationId xmlns:a16="http://schemas.microsoft.com/office/drawing/2014/main" id="{FC03FC79-EFE8-45AC-AA8F-C526B6437D42}"/>
               </a:ext>
             </a:extLst>
           </p:cNvPr>
@@ -4186,183 +4491,28 @@
         </p:nvSpPr>
         <p:spPr>
           <a:xfrm>
-            <a:off x="946484" y="1796715"/>
-            <a:ext cx="465221" cy="240632"/>
-          </a:xfrm>
-          <a:prstGeom prst="rect">
-            <a:avLst/>
-          </a:prstGeom>
-          <a:noFill/>
-          <a:ln w="22225" cap="flat" cmpd="sng" algn="ctr">
-            <a:solidFill>
-              <a:schemeClr val="accent4"/>
-            </a:solidFill>
-            <a:prstDash val="solid"/>
-            <a:round/>
-            <a:headEnd type="none" w="med" len="med"/>
-            <a:tailEnd type="none" w="med" len="med"/>
-          </a:ln>
+            <a:off x="1302533" y="627949"/>
+            <a:ext cx="12833684" cy="930441"/>
+          </a:xfrm>
+          <a:prstGeom prst="curvedDownArrow">
+            <a:avLst>
+              <a:gd name="adj1" fmla="val 17406"/>
+              <a:gd name="adj2" fmla="val 54303"/>
+              <a:gd name="adj3" fmla="val 23179"/>
+            </a:avLst>
+          </a:prstGeom>
         </p:spPr>
         <p:style>
-          <a:lnRef idx="0">
-            <a:scrgbClr r="0" g="0" b="0"/>
+          <a:lnRef idx="2">
+            <a:schemeClr val="dk1">
+              <a:shade val="50000"/>
+            </a:schemeClr>
           </a:lnRef>
-          <a:fillRef idx="0">
-            <a:scrgbClr r="0" g="0" b="0"/>
+          <a:fillRef idx="1">
+            <a:schemeClr val="dk1"/>
           </a:fillRef>
           <a:effectRef idx="0">
-            <a:scrgbClr r="0" g="0" b="0"/>
-          </a:effectRef>
-          <a:fontRef idx="minor">
-            <a:schemeClr val="accent4"/>
-          </a:fontRef>
-        </p:style>
-        <p:txBody>
-          <a:bodyPr rtlCol="0" anchor="ctr"/>
-          <a:lstStyle/>
-          <a:p>
-            <a:pPr algn="ctr"/>
-            <a:endParaRPr lang="en-GB"/>
-          </a:p>
-        </p:txBody>
-      </p:sp>
-      <p:cxnSp>
-        <p:nvCxnSpPr>
-          <p:cNvPr id="13" name="Straight Arrow Connector 12">
-            <a:extLst>
-              <a:ext uri="{FF2B5EF4-FFF2-40B4-BE49-F238E27FC236}">
-                <a16:creationId xmlns:a16="http://schemas.microsoft.com/office/drawing/2014/main" id="{DF9B9ACA-C0A3-4031-B4D0-571DC06B11C7}"/>
-              </a:ext>
-            </a:extLst>
-          </p:cNvPr>
-          <p:cNvCxnSpPr>
-            <a:stCxn id="9" idx="3"/>
-          </p:cNvCxnSpPr>
-          <p:nvPr/>
-        </p:nvCxnSpPr>
-        <p:spPr>
-          <a:xfrm flipV="1">
-            <a:off x="1411705" y="1909011"/>
-            <a:ext cx="11951369" cy="8020"/>
-          </a:xfrm>
-          <a:prstGeom prst="straightConnector1">
-            <a:avLst/>
-          </a:prstGeom>
-          <a:ln>
-            <a:tailEnd type="triangle"/>
-          </a:ln>
-        </p:spPr>
-        <p:style>
-          <a:lnRef idx="2">
             <a:schemeClr val="dk1"/>
-          </a:lnRef>
-          <a:fillRef idx="0">
-            <a:schemeClr val="dk1"/>
-          </a:fillRef>
-          <a:effectRef idx="1">
-            <a:schemeClr val="dk1"/>
-          </a:effectRef>
-          <a:fontRef idx="minor">
-            <a:schemeClr val="tx1"/>
-          </a:fontRef>
-        </p:style>
-      </p:cxnSp>
-      <p:sp>
-        <p:nvSpPr>
-          <p:cNvPr id="14" name="Oval 13">
-            <a:extLst>
-              <a:ext uri="{FF2B5EF4-FFF2-40B4-BE49-F238E27FC236}">
-                <a16:creationId xmlns:a16="http://schemas.microsoft.com/office/drawing/2014/main" id="{49178D9A-287D-4987-8527-CA584098FB61}"/>
-              </a:ext>
-            </a:extLst>
-          </p:cNvPr>
-          <p:cNvSpPr/>
-          <p:nvPr/>
-        </p:nvSpPr>
-        <p:spPr>
-          <a:xfrm>
-            <a:off x="13363073" y="1796715"/>
-            <a:ext cx="1074821" cy="240632"/>
-          </a:xfrm>
-          <a:prstGeom prst="ellipse">
-            <a:avLst/>
-          </a:prstGeom>
-          <a:noFill/>
-          <a:ln w="9525" cap="flat" cmpd="sng" algn="ctr">
-            <a:solidFill>
-              <a:schemeClr val="accent2"/>
-            </a:solidFill>
-            <a:prstDash val="solid"/>
-            <a:round/>
-            <a:headEnd type="none" w="med" len="med"/>
-            <a:tailEnd type="none" w="med" len="med"/>
-          </a:ln>
-        </p:spPr>
-        <p:style>
-          <a:lnRef idx="0">
-            <a:scrgbClr r="0" g="0" b="0"/>
-          </a:lnRef>
-          <a:fillRef idx="0">
-            <a:scrgbClr r="0" g="0" b="0"/>
-          </a:fillRef>
-          <a:effectRef idx="0">
-            <a:scrgbClr r="0" g="0" b="0"/>
-          </a:effectRef>
-          <a:fontRef idx="minor">
-            <a:schemeClr val="accent2"/>
-          </a:fontRef>
-        </p:style>
-        <p:txBody>
-          <a:bodyPr rtlCol="0" anchor="ctr"/>
-          <a:lstStyle/>
-          <a:p>
-            <a:pPr algn="ctr"/>
-            <a:endParaRPr lang="en-GB"/>
-          </a:p>
-        </p:txBody>
-      </p:sp>
-      <p:sp>
-        <p:nvSpPr>
-          <p:cNvPr id="15" name="Oval 14">
-            <a:extLst>
-              <a:ext uri="{FF2B5EF4-FFF2-40B4-BE49-F238E27FC236}">
-                <a16:creationId xmlns:a16="http://schemas.microsoft.com/office/drawing/2014/main" id="{B8A823BB-CD93-4E33-8756-70260082CD88}"/>
-              </a:ext>
-            </a:extLst>
-          </p:cNvPr>
-          <p:cNvSpPr/>
-          <p:nvPr/>
-        </p:nvSpPr>
-        <p:spPr>
-          <a:xfrm>
-            <a:off x="13783992" y="1788232"/>
-            <a:ext cx="653902" cy="240632"/>
-          </a:xfrm>
-          <a:prstGeom prst="ellipse">
-            <a:avLst/>
-          </a:prstGeom>
-          <a:solidFill>
-            <a:schemeClr val="accent2">
-              <a:alpha val="50000"/>
-            </a:schemeClr>
-          </a:solidFill>
-          <a:ln>
-            <a:solidFill>
-              <a:schemeClr val="accent2">
-                <a:lumMod val="50000"/>
-              </a:schemeClr>
-            </a:solidFill>
-          </a:ln>
-        </p:spPr>
-        <p:style>
-          <a:lnRef idx="0">
-            <a:scrgbClr r="0" g="0" b="0"/>
-          </a:lnRef>
-          <a:fillRef idx="0">
-            <a:scrgbClr r="0" g="0" b="0"/>
-          </a:fillRef>
-          <a:effectRef idx="0">
-            <a:scrgbClr r="0" g="0" b="0"/>
           </a:effectRef>
           <a:fontRef idx="minor">
             <a:schemeClr val="lt1"/>
@@ -4373,231 +4523,11 @@
           <a:lstStyle/>
           <a:p>
             <a:pPr algn="ctr"/>
-            <a:endParaRPr lang="en-GB"/>
-          </a:p>
-        </p:txBody>
-      </p:sp>
-      <p:sp>
-        <p:nvSpPr>
-          <p:cNvPr id="18" name="TextBox 17">
-            <a:extLst>
-              <a:ext uri="{FF2B5EF4-FFF2-40B4-BE49-F238E27FC236}">
-                <a16:creationId xmlns:a16="http://schemas.microsoft.com/office/drawing/2014/main" id="{5F7D0ACC-C74F-41BE-A4BE-6E3399CEB529}"/>
-              </a:ext>
-            </a:extLst>
-          </p:cNvPr>
-          <p:cNvSpPr txBox="1"/>
-          <p:nvPr/>
-        </p:nvSpPr>
-        <p:spPr>
-          <a:xfrm>
-            <a:off x="11691140" y="822216"/>
-            <a:ext cx="1671933" cy="369332"/>
-          </a:xfrm>
-          <a:prstGeom prst="rect">
-            <a:avLst/>
-          </a:prstGeom>
-          <a:noFill/>
-        </p:spPr>
-        <p:txBody>
-          <a:bodyPr wrap="none" rtlCol="0">
-            <a:spAutoFit/>
-          </a:bodyPr>
-          <a:lstStyle/>
-          <a:p>
-            <a:r>
-              <a:rPr lang="it-IT" dirty="0" err="1"/>
-              <a:t>substr</a:t>
-            </a:r>
-            <a:r>
-              <a:rPr lang="it-IT" dirty="0"/>
-              <a:t>(date,1,5)</a:t>
-            </a:r>
-            <a:endParaRPr lang="en-GB" dirty="0"/>
-          </a:p>
-        </p:txBody>
-      </p:sp>
-      <p:cxnSp>
-        <p:nvCxnSpPr>
-          <p:cNvPr id="20" name="Straight Arrow Connector 19">
-            <a:extLst>
-              <a:ext uri="{FF2B5EF4-FFF2-40B4-BE49-F238E27FC236}">
-                <a16:creationId xmlns:a16="http://schemas.microsoft.com/office/drawing/2014/main" id="{567507BF-6198-4B08-ADA2-D7EE80E9C797}"/>
-              </a:ext>
-            </a:extLst>
-          </p:cNvPr>
-          <p:cNvCxnSpPr>
-            <a:stCxn id="18" idx="2"/>
-            <a:endCxn id="14" idx="1"/>
-          </p:cNvCxnSpPr>
-          <p:nvPr/>
-        </p:nvCxnSpPr>
-        <p:spPr>
-          <a:xfrm>
-            <a:off x="12527107" y="1191548"/>
-            <a:ext cx="993370" cy="640407"/>
-          </a:xfrm>
-          <a:prstGeom prst="straightConnector1">
-            <a:avLst/>
-          </a:prstGeom>
-          <a:ln>
-            <a:tailEnd type="triangle"/>
-          </a:ln>
-        </p:spPr>
-        <p:style>
-          <a:lnRef idx="3">
-            <a:schemeClr val="dk1"/>
-          </a:lnRef>
-          <a:fillRef idx="0">
-            <a:schemeClr val="dk1"/>
-          </a:fillRef>
-          <a:effectRef idx="2">
-            <a:schemeClr val="dk1"/>
-          </a:effectRef>
-          <a:fontRef idx="minor">
-            <a:schemeClr val="tx1"/>
-          </a:fontRef>
-        </p:style>
-      </p:cxnSp>
-      <p:sp>
-        <p:nvSpPr>
-          <p:cNvPr id="24" name="TextBox 23">
-            <a:extLst>
-              <a:ext uri="{FF2B5EF4-FFF2-40B4-BE49-F238E27FC236}">
-                <a16:creationId xmlns:a16="http://schemas.microsoft.com/office/drawing/2014/main" id="{FA56B8FF-75A7-433F-9278-F80BAA0C19D4}"/>
-              </a:ext>
-            </a:extLst>
-          </p:cNvPr>
-          <p:cNvSpPr txBox="1"/>
-          <p:nvPr/>
-        </p:nvSpPr>
-        <p:spPr>
-          <a:xfrm>
-            <a:off x="14110943" y="822216"/>
-            <a:ext cx="1421351" cy="369332"/>
-          </a:xfrm>
-          <a:prstGeom prst="rect">
-            <a:avLst/>
-          </a:prstGeom>
-          <a:noFill/>
-        </p:spPr>
-        <p:txBody>
-          <a:bodyPr wrap="none" rtlCol="0">
-            <a:spAutoFit/>
-          </a:bodyPr>
-          <a:lstStyle/>
-          <a:p>
-            <a:r>
-              <a:rPr lang="it-IT" dirty="0"/>
-              <a:t>|| ‘</a:t>
-            </a:r>
-            <a:r>
-              <a:rPr lang="it-IT" dirty="0" err="1"/>
-              <a:t>dd</a:t>
-            </a:r>
-            <a:r>
-              <a:rPr lang="it-IT" dirty="0"/>
-              <a:t>-mmm’</a:t>
-            </a:r>
-            <a:endParaRPr lang="en-GB" dirty="0"/>
-          </a:p>
-        </p:txBody>
-      </p:sp>
-      <p:cxnSp>
-        <p:nvCxnSpPr>
-          <p:cNvPr id="26" name="Straight Arrow Connector 25">
-            <a:extLst>
-              <a:ext uri="{FF2B5EF4-FFF2-40B4-BE49-F238E27FC236}">
-                <a16:creationId xmlns:a16="http://schemas.microsoft.com/office/drawing/2014/main" id="{BC0012CC-9AC3-4C8E-BAC4-6BAF80ACBB50}"/>
-              </a:ext>
-            </a:extLst>
-          </p:cNvPr>
-          <p:cNvCxnSpPr>
-            <a:stCxn id="24" idx="2"/>
-            <a:endCxn id="15" idx="7"/>
-          </p:cNvCxnSpPr>
-          <p:nvPr/>
-        </p:nvCxnSpPr>
-        <p:spPr>
-          <a:xfrm flipH="1">
-            <a:off x="14342132" y="1191548"/>
-            <a:ext cx="479487" cy="631924"/>
-          </a:xfrm>
-          <a:prstGeom prst="straightConnector1">
-            <a:avLst/>
-          </a:prstGeom>
-          <a:ln>
-            <a:tailEnd type="triangle"/>
-          </a:ln>
-        </p:spPr>
-        <p:style>
-          <a:lnRef idx="3">
-            <a:schemeClr val="dk1"/>
-          </a:lnRef>
-          <a:fillRef idx="0">
-            <a:schemeClr val="dk1"/>
-          </a:fillRef>
-          <a:effectRef idx="2">
-            <a:schemeClr val="dk1"/>
-          </a:effectRef>
-          <a:fontRef idx="minor">
-            <a:schemeClr val="tx1"/>
-          </a:fontRef>
-        </p:style>
-      </p:cxnSp>
-      <p:sp>
-        <p:nvSpPr>
-          <p:cNvPr id="16" name="Rectangle 15">
-            <a:extLst>
-              <a:ext uri="{FF2B5EF4-FFF2-40B4-BE49-F238E27FC236}">
-                <a16:creationId xmlns:a16="http://schemas.microsoft.com/office/drawing/2014/main" id="{879704F0-F43C-491C-868F-039F4E1165B4}"/>
-              </a:ext>
-            </a:extLst>
-          </p:cNvPr>
-          <p:cNvSpPr/>
-          <p:nvPr/>
-        </p:nvSpPr>
-        <p:spPr>
-          <a:xfrm>
-            <a:off x="13353276" y="1800724"/>
-            <a:ext cx="1068576" cy="2209802"/>
-          </a:xfrm>
-          <a:prstGeom prst="rect">
-            <a:avLst/>
-          </a:prstGeom>
-          <a:noFill/>
-          <a:ln w="9525" cap="flat" cmpd="sng" algn="ctr">
-            <a:solidFill>
-              <a:schemeClr val="accent2">
-                <a:lumMod val="50000"/>
-              </a:schemeClr>
-            </a:solidFill>
-            <a:prstDash val="solid"/>
-            <a:round/>
-            <a:headEnd type="none" w="med" len="med"/>
-            <a:tailEnd type="none" w="med" len="med"/>
-          </a:ln>
-        </p:spPr>
-        <p:style>
-          <a:lnRef idx="0">
-            <a:scrgbClr r="0" g="0" b="0"/>
-          </a:lnRef>
-          <a:fillRef idx="0">
-            <a:scrgbClr r="0" g="0" b="0"/>
-          </a:fillRef>
-          <a:effectRef idx="0">
-            <a:scrgbClr r="0" g="0" b="0"/>
-          </a:effectRef>
-          <a:fontRef idx="minor">
-            <a:schemeClr val="accent2"/>
-          </a:fontRef>
-        </p:style>
-        <p:txBody>
-          <a:bodyPr rtlCol="0" anchor="ctr"/>
-          <a:lstStyle/>
-          <a:p>
-            <a:pPr algn="ctr"/>
-            <a:endParaRPr lang="en-GB"/>
+            <a:endParaRPr lang="en-GB">
+              <a:solidFill>
+                <a:schemeClr val="tx1"/>
+              </a:solidFill>
+            </a:endParaRPr>
           </a:p>
         </p:txBody>
       </p:sp>
@@ -8246,58 +8176,6 @@
       </p:sp>
       <p:sp>
         <p:nvSpPr>
-          <p:cNvPr id="10" name="Rectangle 9">
-            <a:extLst>
-              <a:ext uri="{FF2B5EF4-FFF2-40B4-BE49-F238E27FC236}">
-                <a16:creationId xmlns:a16="http://schemas.microsoft.com/office/drawing/2014/main" id="{F8E205C2-F0A5-4655-B9A2-FEEB5C5A6425}"/>
-              </a:ext>
-            </a:extLst>
-          </p:cNvPr>
-          <p:cNvSpPr/>
-          <p:nvPr/>
-        </p:nvSpPr>
-        <p:spPr>
-          <a:xfrm>
-            <a:off x="641684" y="1299411"/>
-            <a:ext cx="8678779" cy="2759242"/>
-          </a:xfrm>
-          <a:prstGeom prst="rect">
-            <a:avLst/>
-          </a:prstGeom>
-          <a:solidFill>
-            <a:schemeClr val="accent3">
-              <a:alpha val="80000"/>
-            </a:schemeClr>
-          </a:solidFill>
-          <a:ln>
-            <a:noFill/>
-          </a:ln>
-        </p:spPr>
-        <p:style>
-          <a:lnRef idx="0">
-            <a:scrgbClr r="0" g="0" b="0"/>
-          </a:lnRef>
-          <a:fillRef idx="0">
-            <a:scrgbClr r="0" g="0" b="0"/>
-          </a:fillRef>
-          <a:effectRef idx="0">
-            <a:scrgbClr r="0" g="0" b="0"/>
-          </a:effectRef>
-          <a:fontRef idx="minor">
-            <a:schemeClr val="lt1"/>
-          </a:fontRef>
-        </p:style>
-        <p:txBody>
-          <a:bodyPr rtlCol="0" anchor="ctr"/>
-          <a:lstStyle/>
-          <a:p>
-            <a:pPr algn="ctr"/>
-            <a:endParaRPr lang="en-GB"/>
-          </a:p>
-        </p:txBody>
-      </p:sp>
-      <p:sp>
-        <p:nvSpPr>
           <p:cNvPr id="11" name="Rectangle 10">
             <a:extLst>
               <a:ext uri="{FF2B5EF4-FFF2-40B4-BE49-F238E27FC236}">
@@ -8588,45 +8466,6 @@
           </a:p>
         </p:txBody>
       </p:sp>
-      <p:cxnSp>
-        <p:nvCxnSpPr>
-          <p:cNvPr id="21" name="Straight Arrow Connector 20">
-            <a:extLst>
-              <a:ext uri="{FF2B5EF4-FFF2-40B4-BE49-F238E27FC236}">
-                <a16:creationId xmlns:a16="http://schemas.microsoft.com/office/drawing/2014/main" id="{D7D82E12-BCD4-4D6A-8FD7-9E65EFF2A6E1}"/>
-              </a:ext>
-            </a:extLst>
-          </p:cNvPr>
-          <p:cNvCxnSpPr/>
-          <p:nvPr/>
-        </p:nvCxnSpPr>
-        <p:spPr>
-          <a:xfrm>
-            <a:off x="-2077453" y="1780674"/>
-            <a:ext cx="11686674" cy="168441"/>
-          </a:xfrm>
-          <a:prstGeom prst="straightConnector1">
-            <a:avLst/>
-          </a:prstGeom>
-          <a:ln>
-            <a:tailEnd type="triangle"/>
-          </a:ln>
-        </p:spPr>
-        <p:style>
-          <a:lnRef idx="3">
-            <a:schemeClr val="dk1"/>
-          </a:lnRef>
-          <a:fillRef idx="0">
-            <a:schemeClr val="dk1"/>
-          </a:fillRef>
-          <a:effectRef idx="2">
-            <a:schemeClr val="dk1"/>
-          </a:effectRef>
-          <a:fontRef idx="minor">
-            <a:schemeClr val="tx1"/>
-          </a:fontRef>
-        </p:style>
-      </p:cxnSp>
       <p:sp>
         <p:nvSpPr>
           <p:cNvPr id="22" name="Oval 21">
@@ -8784,6 +8623,60 @@
           <a:p>
             <a:pPr algn="ctr"/>
             <a:endParaRPr lang="en-GB"/>
+          </a:p>
+        </p:txBody>
+      </p:sp>
+      <p:sp>
+        <p:nvSpPr>
+          <p:cNvPr id="2" name="Arrow: Curved Down 1">
+            <a:extLst>
+              <a:ext uri="{FF2B5EF4-FFF2-40B4-BE49-F238E27FC236}">
+                <a16:creationId xmlns:a16="http://schemas.microsoft.com/office/drawing/2014/main" id="{154C4B62-9BBD-47E4-8FC9-09F48D4415AD}"/>
+              </a:ext>
+            </a:extLst>
+          </p:cNvPr>
+          <p:cNvSpPr/>
+          <p:nvPr/>
+        </p:nvSpPr>
+        <p:spPr>
+          <a:xfrm>
+            <a:off x="-2919663" y="336883"/>
+            <a:ext cx="12833684" cy="930441"/>
+          </a:xfrm>
+          <a:prstGeom prst="curvedDownArrow">
+            <a:avLst>
+              <a:gd name="adj1" fmla="val 17406"/>
+              <a:gd name="adj2" fmla="val 54303"/>
+              <a:gd name="adj3" fmla="val 23179"/>
+            </a:avLst>
+          </a:prstGeom>
+        </p:spPr>
+        <p:style>
+          <a:lnRef idx="2">
+            <a:schemeClr val="dk1">
+              <a:shade val="50000"/>
+            </a:schemeClr>
+          </a:lnRef>
+          <a:fillRef idx="1">
+            <a:schemeClr val="dk1"/>
+          </a:fillRef>
+          <a:effectRef idx="0">
+            <a:schemeClr val="dk1"/>
+          </a:effectRef>
+          <a:fontRef idx="minor">
+            <a:schemeClr val="lt1"/>
+          </a:fontRef>
+        </p:style>
+        <p:txBody>
+          <a:bodyPr rtlCol="0" anchor="ctr"/>
+          <a:lstStyle/>
+          <a:p>
+            <a:pPr algn="ctr"/>
+            <a:endParaRPr lang="en-GB">
+              <a:solidFill>
+                <a:schemeClr val="tx1"/>
+              </a:solidFill>
+            </a:endParaRPr>
           </a:p>
         </p:txBody>
       </p:sp>

--- a/screenshots/imgs.pptx
+++ b/screenshots/imgs.pptx
@@ -15,6 +15,7 @@
     <p:sldId id="263" r:id="rId9"/>
     <p:sldId id="264" r:id="rId10"/>
     <p:sldId id="265" r:id="rId11"/>
+    <p:sldId id="266" r:id="rId12"/>
   </p:sldIdLst>
   <p:sldSz cx="12192000" cy="6858000"/>
   <p:notesSz cx="6858000" cy="9144000"/>
@@ -4544,6 +4545,220 @@
 </p:sld>
 </file>
 
+<file path=ppt/slides/slide11.xml><?xml version="1.0" encoding="utf-8"?>
+<p:sld xmlns:a="http://schemas.openxmlformats.org/drawingml/2006/main" xmlns:r="http://schemas.openxmlformats.org/officeDocument/2006/relationships" xmlns:p="http://schemas.openxmlformats.org/presentationml/2006/main">
+  <p:cSld>
+    <p:spTree>
+      <p:nvGrpSpPr>
+        <p:cNvPr id="1" name=""/>
+        <p:cNvGrpSpPr/>
+        <p:nvPr/>
+      </p:nvGrpSpPr>
+      <p:grpSpPr>
+        <a:xfrm>
+          <a:off x="0" y="0"/>
+          <a:ext cx="0" cy="0"/>
+          <a:chOff x="0" y="0"/>
+          <a:chExt cx="0" cy="0"/>
+        </a:xfrm>
+      </p:grpSpPr>
+      <p:pic>
+        <p:nvPicPr>
+          <p:cNvPr id="5" name="Picture 4" descr="Table&#10;&#10;Description automatically generated">
+            <a:extLst>
+              <a:ext uri="{FF2B5EF4-FFF2-40B4-BE49-F238E27FC236}">
+                <a16:creationId xmlns:a16="http://schemas.microsoft.com/office/drawing/2014/main" id="{1E533E03-C1A2-4B7F-9ED4-359820C212F0}"/>
+              </a:ext>
+            </a:extLst>
+          </p:cNvPr>
+          <p:cNvPicPr>
+            <a:picLocks noChangeAspect="1"/>
+          </p:cNvPicPr>
+          <p:nvPr/>
+        </p:nvPicPr>
+        <p:blipFill>
+          <a:blip r:embed="rId2">
+            <a:extLst>
+              <a:ext uri="{28A0092B-C50C-407E-A947-70E740481C1C}">
+                <a14:useLocalDpi xmlns:a14="http://schemas.microsoft.com/office/drawing/2010/main" val="0"/>
+              </a:ext>
+            </a:extLst>
+          </a:blip>
+          <a:stretch>
+            <a:fillRect/>
+          </a:stretch>
+        </p:blipFill>
+        <p:spPr>
+          <a:xfrm>
+            <a:off x="-3890914" y="1430934"/>
+            <a:ext cx="20753605" cy="2874365"/>
+          </a:xfrm>
+          <a:prstGeom prst="rect">
+            <a:avLst/>
+          </a:prstGeom>
+        </p:spPr>
+      </p:pic>
+      <p:sp>
+        <p:nvSpPr>
+          <p:cNvPr id="6" name="Rectangle 5">
+            <a:extLst>
+              <a:ext uri="{FF2B5EF4-FFF2-40B4-BE49-F238E27FC236}">
+                <a16:creationId xmlns:a16="http://schemas.microsoft.com/office/drawing/2014/main" id="{9367330B-EEA3-4D1D-8308-BE27C7D6F8C9}"/>
+              </a:ext>
+            </a:extLst>
+          </p:cNvPr>
+          <p:cNvSpPr/>
+          <p:nvPr/>
+        </p:nvSpPr>
+        <p:spPr>
+          <a:xfrm>
+            <a:off x="3238500" y="1790700"/>
+            <a:ext cx="1466850" cy="2362200"/>
+          </a:xfrm>
+          <a:prstGeom prst="rect">
+            <a:avLst/>
+          </a:prstGeom>
+          <a:noFill/>
+          <a:ln w="9525" cap="flat" cmpd="sng" algn="ctr">
+            <a:solidFill>
+              <a:schemeClr val="accent2"/>
+            </a:solidFill>
+            <a:prstDash val="solid"/>
+            <a:round/>
+            <a:headEnd type="none" w="med" len="med"/>
+            <a:tailEnd type="none" w="med" len="med"/>
+          </a:ln>
+        </p:spPr>
+        <p:style>
+          <a:lnRef idx="0">
+            <a:scrgbClr r="0" g="0" b="0"/>
+          </a:lnRef>
+          <a:fillRef idx="0">
+            <a:scrgbClr r="0" g="0" b="0"/>
+          </a:fillRef>
+          <a:effectRef idx="0">
+            <a:scrgbClr r="0" g="0" b="0"/>
+          </a:effectRef>
+          <a:fontRef idx="minor">
+            <a:schemeClr val="accent2"/>
+          </a:fontRef>
+        </p:style>
+        <p:txBody>
+          <a:bodyPr rtlCol="0" anchor="ctr"/>
+          <a:lstStyle/>
+          <a:p>
+            <a:pPr algn="ctr"/>
+            <a:endParaRPr lang="en-GB"/>
+          </a:p>
+        </p:txBody>
+      </p:sp>
+      <p:cxnSp>
+        <p:nvCxnSpPr>
+          <p:cNvPr id="8" name="Straight Arrow Connector 7">
+            <a:extLst>
+              <a:ext uri="{FF2B5EF4-FFF2-40B4-BE49-F238E27FC236}">
+                <a16:creationId xmlns:a16="http://schemas.microsoft.com/office/drawing/2014/main" id="{79D965E6-507A-402D-AE6E-A5A4CE8D84DA}"/>
+              </a:ext>
+            </a:extLst>
+          </p:cNvPr>
+          <p:cNvCxnSpPr>
+            <a:endCxn id="6" idx="0"/>
+          </p:cNvCxnSpPr>
+          <p:nvPr/>
+        </p:nvCxnSpPr>
+        <p:spPr>
+          <a:xfrm>
+            <a:off x="3105150" y="590550"/>
+            <a:ext cx="866775" cy="1200150"/>
+          </a:xfrm>
+          <a:prstGeom prst="straightConnector1">
+            <a:avLst/>
+          </a:prstGeom>
+          <a:ln>
+            <a:tailEnd type="triangle"/>
+          </a:ln>
+        </p:spPr>
+        <p:style>
+          <a:lnRef idx="3">
+            <a:schemeClr val="accent2"/>
+          </a:lnRef>
+          <a:fillRef idx="0">
+            <a:schemeClr val="accent2"/>
+          </a:fillRef>
+          <a:effectRef idx="2">
+            <a:schemeClr val="accent2"/>
+          </a:effectRef>
+          <a:fontRef idx="minor">
+            <a:schemeClr val="tx1"/>
+          </a:fontRef>
+        </p:style>
+      </p:cxnSp>
+      <p:sp>
+        <p:nvSpPr>
+          <p:cNvPr id="9" name="TextBox 8">
+            <a:extLst>
+              <a:ext uri="{FF2B5EF4-FFF2-40B4-BE49-F238E27FC236}">
+                <a16:creationId xmlns:a16="http://schemas.microsoft.com/office/drawing/2014/main" id="{D8D706CA-F55B-444F-AAC4-11C422CE7780}"/>
+              </a:ext>
+            </a:extLst>
+          </p:cNvPr>
+          <p:cNvSpPr txBox="1"/>
+          <p:nvPr/>
+        </p:nvSpPr>
+        <p:spPr>
+          <a:xfrm>
+            <a:off x="2518002" y="221218"/>
+            <a:ext cx="1174296" cy="369332"/>
+          </a:xfrm>
+          <a:prstGeom prst="rect">
+            <a:avLst/>
+          </a:prstGeom>
+        </p:spPr>
+        <p:style>
+          <a:lnRef idx="2">
+            <a:schemeClr val="accent2"/>
+          </a:lnRef>
+          <a:fillRef idx="1">
+            <a:schemeClr val="lt1"/>
+          </a:fillRef>
+          <a:effectRef idx="0">
+            <a:schemeClr val="accent2"/>
+          </a:effectRef>
+          <a:fontRef idx="minor">
+            <a:schemeClr val="dk1"/>
+          </a:fontRef>
+        </p:style>
+        <p:txBody>
+          <a:bodyPr wrap="none" rtlCol="0">
+            <a:spAutoFit/>
+          </a:bodyPr>
+          <a:lstStyle/>
+          <a:p>
+            <a:r>
+              <a:rPr lang="it-IT" dirty="0" err="1"/>
+              <a:t>datetime</a:t>
+            </a:r>
+            <a:r>
+              <a:rPr lang="it-IT" dirty="0"/>
+              <a:t>()</a:t>
+            </a:r>
+            <a:endParaRPr lang="en-GB" dirty="0"/>
+          </a:p>
+        </p:txBody>
+      </p:sp>
+    </p:spTree>
+    <p:extLst>
+      <p:ext uri="{BB962C8B-B14F-4D97-AF65-F5344CB8AC3E}">
+        <p14:creationId xmlns:p14="http://schemas.microsoft.com/office/powerpoint/2010/main" val="1139547345"/>
+      </p:ext>
+    </p:extLst>
+  </p:cSld>
+  <p:clrMapOvr>
+    <a:masterClrMapping/>
+  </p:clrMapOvr>
+</p:sld>
+</file>
+
 <file path=ppt/slides/slide2.xml><?xml version="1.0" encoding="utf-8"?>
 <p:sld xmlns:a="http://schemas.openxmlformats.org/drawingml/2006/main" xmlns:r="http://schemas.openxmlformats.org/officeDocument/2006/relationships" xmlns:p="http://schemas.openxmlformats.org/presentationml/2006/main">
   <p:cSld>

--- a/screenshots/imgs.pptx
+++ b/screenshots/imgs.pptx
@@ -6,16 +6,17 @@
   </p:sldMasterIdLst>
   <p:sldIdLst>
     <p:sldId id="256" r:id="rId2"/>
-    <p:sldId id="257" r:id="rId3"/>
-    <p:sldId id="258" r:id="rId4"/>
-    <p:sldId id="259" r:id="rId5"/>
-    <p:sldId id="260" r:id="rId6"/>
-    <p:sldId id="261" r:id="rId7"/>
-    <p:sldId id="262" r:id="rId8"/>
-    <p:sldId id="263" r:id="rId9"/>
-    <p:sldId id="264" r:id="rId10"/>
-    <p:sldId id="265" r:id="rId11"/>
-    <p:sldId id="266" r:id="rId12"/>
+    <p:sldId id="267" r:id="rId3"/>
+    <p:sldId id="257" r:id="rId4"/>
+    <p:sldId id="258" r:id="rId5"/>
+    <p:sldId id="259" r:id="rId6"/>
+    <p:sldId id="260" r:id="rId7"/>
+    <p:sldId id="261" r:id="rId8"/>
+    <p:sldId id="262" r:id="rId9"/>
+    <p:sldId id="263" r:id="rId10"/>
+    <p:sldId id="264" r:id="rId11"/>
+    <p:sldId id="265" r:id="rId12"/>
+    <p:sldId id="266" r:id="rId13"/>
   </p:sldIdLst>
   <p:sldSz cx="12192000" cy="6858000"/>
   <p:notesSz cx="6858000" cy="9144000"/>
@@ -3965,6 +3966,638 @@
 <file path=ppt/slides/slide10.xml><?xml version="1.0" encoding="utf-8"?>
 <p:sld xmlns:a="http://schemas.openxmlformats.org/drawingml/2006/main" xmlns:r="http://schemas.openxmlformats.org/officeDocument/2006/relationships" xmlns:p="http://schemas.openxmlformats.org/presentationml/2006/main">
   <p:cSld>
+    <p:bg>
+      <p:bgPr>
+        <a:solidFill>
+          <a:schemeClr val="bg1"/>
+        </a:solidFill>
+        <a:effectLst/>
+      </p:bgPr>
+    </p:bg>
+    <p:spTree>
+      <p:nvGrpSpPr>
+        <p:cNvPr id="1" name=""/>
+        <p:cNvGrpSpPr/>
+        <p:nvPr/>
+      </p:nvGrpSpPr>
+      <p:grpSpPr>
+        <a:xfrm>
+          <a:off x="0" y="0"/>
+          <a:ext cx="0" cy="0"/>
+          <a:chOff x="0" y="0"/>
+          <a:chExt cx="0" cy="0"/>
+        </a:xfrm>
+      </p:grpSpPr>
+      <p:pic>
+        <p:nvPicPr>
+          <p:cNvPr id="9" name="Picture 8" descr="Table&#10;&#10;Description automatically generated with medium confidence">
+            <a:extLst>
+              <a:ext uri="{FF2B5EF4-FFF2-40B4-BE49-F238E27FC236}">
+                <a16:creationId xmlns:a16="http://schemas.microsoft.com/office/drawing/2014/main" id="{0C4680B9-5ED2-4952-BC39-79E40F842CCD}"/>
+              </a:ext>
+            </a:extLst>
+          </p:cNvPr>
+          <p:cNvPicPr>
+            <a:picLocks noChangeAspect="1"/>
+          </p:cNvPicPr>
+          <p:nvPr/>
+        </p:nvPicPr>
+        <p:blipFill>
+          <a:blip r:embed="rId2">
+            <a:extLst>
+              <a:ext uri="{28A0092B-C50C-407E-A947-70E740481C1C}">
+                <a14:useLocalDpi xmlns:a14="http://schemas.microsoft.com/office/drawing/2010/main" val="0"/>
+              </a:ext>
+            </a:extLst>
+          </a:blip>
+          <a:stretch>
+            <a:fillRect/>
+          </a:stretch>
+        </p:blipFill>
+        <p:spPr>
+          <a:xfrm>
+            <a:off x="-4105295" y="1122947"/>
+            <a:ext cx="19209498" cy="3445438"/>
+          </a:xfrm>
+          <a:prstGeom prst="rect">
+            <a:avLst/>
+          </a:prstGeom>
+        </p:spPr>
+      </p:pic>
+      <p:sp>
+        <p:nvSpPr>
+          <p:cNvPr id="19" name="Rectangle 18">
+            <a:extLst>
+              <a:ext uri="{FF2B5EF4-FFF2-40B4-BE49-F238E27FC236}">
+                <a16:creationId xmlns:a16="http://schemas.microsoft.com/office/drawing/2014/main" id="{E9455D97-F609-48AC-9216-771CF9FA9F0C}"/>
+              </a:ext>
+            </a:extLst>
+          </p:cNvPr>
+          <p:cNvSpPr/>
+          <p:nvPr/>
+        </p:nvSpPr>
+        <p:spPr>
+          <a:xfrm>
+            <a:off x="-2558715" y="1540042"/>
+            <a:ext cx="3200399" cy="2518611"/>
+          </a:xfrm>
+          <a:prstGeom prst="rect">
+            <a:avLst/>
+          </a:prstGeom>
+          <a:solidFill>
+            <a:schemeClr val="accent2">
+              <a:alpha val="50000"/>
+            </a:schemeClr>
+          </a:solidFill>
+          <a:ln>
+            <a:noFill/>
+          </a:ln>
+        </p:spPr>
+        <p:style>
+          <a:lnRef idx="0">
+            <a:scrgbClr r="0" g="0" b="0"/>
+          </a:lnRef>
+          <a:fillRef idx="0">
+            <a:scrgbClr r="0" g="0" b="0"/>
+          </a:fillRef>
+          <a:effectRef idx="0">
+            <a:scrgbClr r="0" g="0" b="0"/>
+          </a:effectRef>
+          <a:fontRef idx="minor">
+            <a:schemeClr val="lt1"/>
+          </a:fontRef>
+        </p:style>
+        <p:txBody>
+          <a:bodyPr rtlCol="0" anchor="ctr"/>
+          <a:lstStyle/>
+          <a:p>
+            <a:pPr algn="ctr"/>
+            <a:endParaRPr lang="en-GB"/>
+          </a:p>
+        </p:txBody>
+      </p:sp>
+      <p:sp>
+        <p:nvSpPr>
+          <p:cNvPr id="11" name="Rectangle 10">
+            <a:extLst>
+              <a:ext uri="{FF2B5EF4-FFF2-40B4-BE49-F238E27FC236}">
+                <a16:creationId xmlns:a16="http://schemas.microsoft.com/office/drawing/2014/main" id="{B75A9C63-5252-4091-9A97-F51254C7A50D}"/>
+              </a:ext>
+            </a:extLst>
+          </p:cNvPr>
+          <p:cNvSpPr/>
+          <p:nvPr/>
+        </p:nvSpPr>
+        <p:spPr>
+          <a:xfrm>
+            <a:off x="-3304674" y="1540042"/>
+            <a:ext cx="753979" cy="2518611"/>
+          </a:xfrm>
+          <a:prstGeom prst="rect">
+            <a:avLst/>
+          </a:prstGeom>
+          <a:noFill/>
+          <a:ln w="9525" cap="flat" cmpd="sng" algn="ctr">
+            <a:solidFill>
+              <a:schemeClr val="accent2"/>
+            </a:solidFill>
+            <a:prstDash val="solid"/>
+            <a:round/>
+            <a:headEnd type="none" w="med" len="med"/>
+            <a:tailEnd type="none" w="med" len="med"/>
+          </a:ln>
+        </p:spPr>
+        <p:style>
+          <a:lnRef idx="0">
+            <a:scrgbClr r="0" g="0" b="0"/>
+          </a:lnRef>
+          <a:fillRef idx="0">
+            <a:scrgbClr r="0" g="0" b="0"/>
+          </a:fillRef>
+          <a:effectRef idx="0">
+            <a:scrgbClr r="0" g="0" b="0"/>
+          </a:effectRef>
+          <a:fontRef idx="minor">
+            <a:schemeClr val="accent2"/>
+          </a:fontRef>
+        </p:style>
+        <p:txBody>
+          <a:bodyPr rtlCol="0" anchor="ctr"/>
+          <a:lstStyle/>
+          <a:p>
+            <a:pPr algn="ctr"/>
+            <a:endParaRPr lang="en-GB"/>
+          </a:p>
+        </p:txBody>
+      </p:sp>
+      <p:sp>
+        <p:nvSpPr>
+          <p:cNvPr id="13" name="Arrow: Curved Left 12">
+            <a:extLst>
+              <a:ext uri="{FF2B5EF4-FFF2-40B4-BE49-F238E27FC236}">
+                <a16:creationId xmlns:a16="http://schemas.microsoft.com/office/drawing/2014/main" id="{B5B0205A-68E7-4A59-A2EB-00812B25B8A8}"/>
+              </a:ext>
+            </a:extLst>
+          </p:cNvPr>
+          <p:cNvSpPr/>
+          <p:nvPr/>
+        </p:nvSpPr>
+        <p:spPr>
+          <a:xfrm>
+            <a:off x="-2550695" y="1540042"/>
+            <a:ext cx="304800" cy="417095"/>
+          </a:xfrm>
+          <a:prstGeom prst="curvedLeftArrow">
+            <a:avLst/>
+          </a:prstGeom>
+          <a:solidFill>
+            <a:schemeClr val="accent2">
+              <a:lumMod val="50000"/>
+            </a:schemeClr>
+          </a:solidFill>
+          <a:ln>
+            <a:solidFill>
+              <a:schemeClr val="tx1">
+                <a:lumMod val="95000"/>
+                <a:lumOff val="5000"/>
+              </a:schemeClr>
+            </a:solidFill>
+          </a:ln>
+        </p:spPr>
+        <p:style>
+          <a:lnRef idx="2">
+            <a:schemeClr val="accent1">
+              <a:shade val="50000"/>
+            </a:schemeClr>
+          </a:lnRef>
+          <a:fillRef idx="1">
+            <a:schemeClr val="accent1"/>
+          </a:fillRef>
+          <a:effectRef idx="0">
+            <a:schemeClr val="accent1"/>
+          </a:effectRef>
+          <a:fontRef idx="minor">
+            <a:schemeClr val="lt1"/>
+          </a:fontRef>
+        </p:style>
+        <p:txBody>
+          <a:bodyPr rtlCol="0" anchor="ctr"/>
+          <a:lstStyle/>
+          <a:p>
+            <a:pPr algn="ctr"/>
+            <a:endParaRPr lang="en-GB">
+              <a:solidFill>
+                <a:schemeClr val="tx1"/>
+              </a:solidFill>
+            </a:endParaRPr>
+          </a:p>
+        </p:txBody>
+      </p:sp>
+      <p:sp>
+        <p:nvSpPr>
+          <p:cNvPr id="15" name="Minus Sign 14">
+            <a:extLst>
+              <a:ext uri="{FF2B5EF4-FFF2-40B4-BE49-F238E27FC236}">
+                <a16:creationId xmlns:a16="http://schemas.microsoft.com/office/drawing/2014/main" id="{1E056766-56C9-473B-88C8-E2F4C619A8A8}"/>
+              </a:ext>
+            </a:extLst>
+          </p:cNvPr>
+          <p:cNvSpPr/>
+          <p:nvPr/>
+        </p:nvSpPr>
+        <p:spPr>
+          <a:xfrm>
+            <a:off x="-2446421" y="1580146"/>
+            <a:ext cx="368968" cy="352927"/>
+          </a:xfrm>
+          <a:prstGeom prst="mathMinus">
+            <a:avLst/>
+          </a:prstGeom>
+          <a:solidFill>
+            <a:schemeClr val="accent2">
+              <a:lumMod val="75000"/>
+            </a:schemeClr>
+          </a:solidFill>
+          <a:ln>
+            <a:solidFill>
+              <a:schemeClr val="tx1"/>
+            </a:solidFill>
+          </a:ln>
+        </p:spPr>
+        <p:style>
+          <a:lnRef idx="2">
+            <a:schemeClr val="accent1">
+              <a:shade val="50000"/>
+            </a:schemeClr>
+          </a:lnRef>
+          <a:fillRef idx="1">
+            <a:schemeClr val="accent1"/>
+          </a:fillRef>
+          <a:effectRef idx="0">
+            <a:schemeClr val="accent1"/>
+          </a:effectRef>
+          <a:fontRef idx="minor">
+            <a:schemeClr val="lt1"/>
+          </a:fontRef>
+        </p:style>
+        <p:txBody>
+          <a:bodyPr rtlCol="0" anchor="ctr"/>
+          <a:lstStyle/>
+          <a:p>
+            <a:pPr algn="ctr"/>
+            <a:endParaRPr lang="en-GB"/>
+          </a:p>
+        </p:txBody>
+      </p:sp>
+      <p:sp>
+        <p:nvSpPr>
+          <p:cNvPr id="16" name="Arrow: Curved Left 15">
+            <a:extLst>
+              <a:ext uri="{FF2B5EF4-FFF2-40B4-BE49-F238E27FC236}">
+                <a16:creationId xmlns:a16="http://schemas.microsoft.com/office/drawing/2014/main" id="{FE7DE681-82C1-40DA-AA75-502F63BAA160}"/>
+              </a:ext>
+            </a:extLst>
+          </p:cNvPr>
+          <p:cNvSpPr/>
+          <p:nvPr/>
+        </p:nvSpPr>
+        <p:spPr>
+          <a:xfrm>
+            <a:off x="-2558715" y="2077450"/>
+            <a:ext cx="312820" cy="417095"/>
+          </a:xfrm>
+          <a:prstGeom prst="curvedLeftArrow">
+            <a:avLst/>
+          </a:prstGeom>
+          <a:solidFill>
+            <a:schemeClr val="accent2">
+              <a:lumMod val="50000"/>
+            </a:schemeClr>
+          </a:solidFill>
+          <a:ln>
+            <a:solidFill>
+              <a:schemeClr val="tx1">
+                <a:lumMod val="95000"/>
+                <a:lumOff val="5000"/>
+              </a:schemeClr>
+            </a:solidFill>
+          </a:ln>
+        </p:spPr>
+        <p:style>
+          <a:lnRef idx="2">
+            <a:schemeClr val="accent1">
+              <a:shade val="50000"/>
+            </a:schemeClr>
+          </a:lnRef>
+          <a:fillRef idx="1">
+            <a:schemeClr val="accent1"/>
+          </a:fillRef>
+          <a:effectRef idx="0">
+            <a:schemeClr val="accent1"/>
+          </a:effectRef>
+          <a:fontRef idx="minor">
+            <a:schemeClr val="lt1"/>
+          </a:fontRef>
+        </p:style>
+        <p:txBody>
+          <a:bodyPr rtlCol="0" anchor="ctr"/>
+          <a:lstStyle/>
+          <a:p>
+            <a:pPr algn="ctr"/>
+            <a:endParaRPr lang="en-GB">
+              <a:solidFill>
+                <a:schemeClr val="tx1"/>
+              </a:solidFill>
+            </a:endParaRPr>
+          </a:p>
+        </p:txBody>
+      </p:sp>
+      <p:sp>
+        <p:nvSpPr>
+          <p:cNvPr id="17" name="Minus Sign 16">
+            <a:extLst>
+              <a:ext uri="{FF2B5EF4-FFF2-40B4-BE49-F238E27FC236}">
+                <a16:creationId xmlns:a16="http://schemas.microsoft.com/office/drawing/2014/main" id="{C30B8003-B04C-4E0E-954A-EA32630E7A2B}"/>
+              </a:ext>
+            </a:extLst>
+          </p:cNvPr>
+          <p:cNvSpPr/>
+          <p:nvPr/>
+        </p:nvSpPr>
+        <p:spPr>
+          <a:xfrm>
+            <a:off x="-2454441" y="2117554"/>
+            <a:ext cx="368968" cy="352927"/>
+          </a:xfrm>
+          <a:prstGeom prst="mathMinus">
+            <a:avLst/>
+          </a:prstGeom>
+          <a:solidFill>
+            <a:schemeClr val="accent2">
+              <a:lumMod val="75000"/>
+            </a:schemeClr>
+          </a:solidFill>
+          <a:ln>
+            <a:solidFill>
+              <a:schemeClr val="tx1"/>
+            </a:solidFill>
+          </a:ln>
+        </p:spPr>
+        <p:style>
+          <a:lnRef idx="2">
+            <a:schemeClr val="accent1">
+              <a:shade val="50000"/>
+            </a:schemeClr>
+          </a:lnRef>
+          <a:fillRef idx="1">
+            <a:schemeClr val="accent1"/>
+          </a:fillRef>
+          <a:effectRef idx="0">
+            <a:schemeClr val="accent1"/>
+          </a:effectRef>
+          <a:fontRef idx="minor">
+            <a:schemeClr val="lt1"/>
+          </a:fontRef>
+        </p:style>
+        <p:txBody>
+          <a:bodyPr rtlCol="0" anchor="ctr"/>
+          <a:lstStyle/>
+          <a:p>
+            <a:pPr algn="ctr"/>
+            <a:endParaRPr lang="en-GB"/>
+          </a:p>
+        </p:txBody>
+      </p:sp>
+      <p:sp>
+        <p:nvSpPr>
+          <p:cNvPr id="22" name="Oval 21">
+            <a:extLst>
+              <a:ext uri="{FF2B5EF4-FFF2-40B4-BE49-F238E27FC236}">
+                <a16:creationId xmlns:a16="http://schemas.microsoft.com/office/drawing/2014/main" id="{118CF549-A265-4EA1-B34E-3C3041EB2C71}"/>
+              </a:ext>
+            </a:extLst>
+          </p:cNvPr>
+          <p:cNvSpPr/>
+          <p:nvPr/>
+        </p:nvSpPr>
+        <p:spPr>
+          <a:xfrm>
+            <a:off x="9657347" y="1748589"/>
+            <a:ext cx="673769" cy="312819"/>
+          </a:xfrm>
+          <a:prstGeom prst="ellipse">
+            <a:avLst/>
+          </a:prstGeom>
+          <a:noFill/>
+          <a:ln w="9525" cap="flat" cmpd="sng" algn="ctr">
+            <a:solidFill>
+              <a:schemeClr val="accent2"/>
+            </a:solidFill>
+            <a:prstDash val="solid"/>
+            <a:round/>
+            <a:headEnd type="none" w="med" len="med"/>
+            <a:tailEnd type="none" w="med" len="med"/>
+          </a:ln>
+        </p:spPr>
+        <p:style>
+          <a:lnRef idx="0">
+            <a:scrgbClr r="0" g="0" b="0"/>
+          </a:lnRef>
+          <a:fillRef idx="0">
+            <a:scrgbClr r="0" g="0" b="0"/>
+          </a:fillRef>
+          <a:effectRef idx="0">
+            <a:scrgbClr r="0" g="0" b="0"/>
+          </a:effectRef>
+          <a:fontRef idx="minor">
+            <a:schemeClr val="accent2"/>
+          </a:fontRef>
+        </p:style>
+        <p:txBody>
+          <a:bodyPr rtlCol="0" anchor="ctr"/>
+          <a:lstStyle/>
+          <a:p>
+            <a:pPr algn="ctr"/>
+            <a:endParaRPr lang="en-GB"/>
+          </a:p>
+        </p:txBody>
+      </p:sp>
+      <p:sp>
+        <p:nvSpPr>
+          <p:cNvPr id="23" name="Rectangle 22">
+            <a:extLst>
+              <a:ext uri="{FF2B5EF4-FFF2-40B4-BE49-F238E27FC236}">
+                <a16:creationId xmlns:a16="http://schemas.microsoft.com/office/drawing/2014/main" id="{D1873755-3A44-4A06-8D60-915DCC65B6BD}"/>
+              </a:ext>
+            </a:extLst>
+          </p:cNvPr>
+          <p:cNvSpPr/>
+          <p:nvPr/>
+        </p:nvSpPr>
+        <p:spPr>
+          <a:xfrm>
+            <a:off x="10375794" y="1548062"/>
+            <a:ext cx="4158353" cy="2518611"/>
+          </a:xfrm>
+          <a:prstGeom prst="rect">
+            <a:avLst/>
+          </a:prstGeom>
+          <a:solidFill>
+            <a:schemeClr val="accent4">
+              <a:alpha val="50000"/>
+            </a:schemeClr>
+          </a:solidFill>
+          <a:ln>
+            <a:noFill/>
+          </a:ln>
+        </p:spPr>
+        <p:style>
+          <a:lnRef idx="0">
+            <a:scrgbClr r="0" g="0" b="0"/>
+          </a:lnRef>
+          <a:fillRef idx="0">
+            <a:scrgbClr r="0" g="0" b="0"/>
+          </a:fillRef>
+          <a:effectRef idx="0">
+            <a:scrgbClr r="0" g="0" b="0"/>
+          </a:effectRef>
+          <a:fontRef idx="minor">
+            <a:schemeClr val="lt1"/>
+          </a:fontRef>
+        </p:style>
+        <p:txBody>
+          <a:bodyPr rtlCol="0" anchor="ctr"/>
+          <a:lstStyle/>
+          <a:p>
+            <a:pPr algn="ctr"/>
+            <a:endParaRPr lang="en-GB"/>
+          </a:p>
+        </p:txBody>
+      </p:sp>
+      <p:sp>
+        <p:nvSpPr>
+          <p:cNvPr id="25" name="Rectangle 24">
+            <a:extLst>
+              <a:ext uri="{FF2B5EF4-FFF2-40B4-BE49-F238E27FC236}">
+                <a16:creationId xmlns:a16="http://schemas.microsoft.com/office/drawing/2014/main" id="{5DB158F1-7E68-4A9A-9648-A4B492B529D9}"/>
+              </a:ext>
+            </a:extLst>
+          </p:cNvPr>
+          <p:cNvSpPr/>
+          <p:nvPr/>
+        </p:nvSpPr>
+        <p:spPr>
+          <a:xfrm>
+            <a:off x="9320463" y="1540041"/>
+            <a:ext cx="1055331" cy="2518611"/>
+          </a:xfrm>
+          <a:prstGeom prst="rect">
+            <a:avLst/>
+          </a:prstGeom>
+          <a:noFill/>
+          <a:ln w="9525" cap="flat" cmpd="sng" algn="ctr">
+            <a:solidFill>
+              <a:schemeClr val="accent4"/>
+            </a:solidFill>
+            <a:prstDash val="solid"/>
+            <a:round/>
+            <a:headEnd type="none" w="med" len="med"/>
+            <a:tailEnd type="none" w="med" len="med"/>
+          </a:ln>
+        </p:spPr>
+        <p:style>
+          <a:lnRef idx="0">
+            <a:scrgbClr r="0" g="0" b="0"/>
+          </a:lnRef>
+          <a:fillRef idx="0">
+            <a:scrgbClr r="0" g="0" b="0"/>
+          </a:fillRef>
+          <a:effectRef idx="0">
+            <a:scrgbClr r="0" g="0" b="0"/>
+          </a:effectRef>
+          <a:fontRef idx="minor">
+            <a:schemeClr val="accent4"/>
+          </a:fontRef>
+        </p:style>
+        <p:txBody>
+          <a:bodyPr rtlCol="0" anchor="ctr"/>
+          <a:lstStyle/>
+          <a:p>
+            <a:pPr algn="ctr"/>
+            <a:endParaRPr lang="en-GB"/>
+          </a:p>
+        </p:txBody>
+      </p:sp>
+      <p:sp>
+        <p:nvSpPr>
+          <p:cNvPr id="2" name="Arrow: Curved Down 1">
+            <a:extLst>
+              <a:ext uri="{FF2B5EF4-FFF2-40B4-BE49-F238E27FC236}">
+                <a16:creationId xmlns:a16="http://schemas.microsoft.com/office/drawing/2014/main" id="{154C4B62-9BBD-47E4-8FC9-09F48D4415AD}"/>
+              </a:ext>
+            </a:extLst>
+          </p:cNvPr>
+          <p:cNvSpPr/>
+          <p:nvPr/>
+        </p:nvSpPr>
+        <p:spPr>
+          <a:xfrm>
+            <a:off x="-2919663" y="336883"/>
+            <a:ext cx="12833684" cy="930441"/>
+          </a:xfrm>
+          <a:prstGeom prst="curvedDownArrow">
+            <a:avLst>
+              <a:gd name="adj1" fmla="val 17406"/>
+              <a:gd name="adj2" fmla="val 54303"/>
+              <a:gd name="adj3" fmla="val 23179"/>
+            </a:avLst>
+          </a:prstGeom>
+        </p:spPr>
+        <p:style>
+          <a:lnRef idx="2">
+            <a:schemeClr val="dk1">
+              <a:shade val="50000"/>
+            </a:schemeClr>
+          </a:lnRef>
+          <a:fillRef idx="1">
+            <a:schemeClr val="dk1"/>
+          </a:fillRef>
+          <a:effectRef idx="0">
+            <a:schemeClr val="dk1"/>
+          </a:effectRef>
+          <a:fontRef idx="minor">
+            <a:schemeClr val="lt1"/>
+          </a:fontRef>
+        </p:style>
+        <p:txBody>
+          <a:bodyPr rtlCol="0" anchor="ctr"/>
+          <a:lstStyle/>
+          <a:p>
+            <a:pPr algn="ctr"/>
+            <a:endParaRPr lang="en-GB">
+              <a:solidFill>
+                <a:schemeClr val="tx1"/>
+              </a:solidFill>
+            </a:endParaRPr>
+          </a:p>
+        </p:txBody>
+      </p:sp>
+    </p:spTree>
+    <p:extLst>
+      <p:ext uri="{BB962C8B-B14F-4D97-AF65-F5344CB8AC3E}">
+        <p14:creationId xmlns:p14="http://schemas.microsoft.com/office/powerpoint/2010/main" val="389115255"/>
+      </p:ext>
+    </p:extLst>
+  </p:cSld>
+  <p:clrMapOvr>
+    <a:masterClrMapping/>
+  </p:clrMapOvr>
+</p:sld>
+</file>
+
+<file path=ppt/slides/slide11.xml><?xml version="1.0" encoding="utf-8"?>
+<p:sld xmlns:a="http://schemas.openxmlformats.org/drawingml/2006/main" xmlns:r="http://schemas.openxmlformats.org/officeDocument/2006/relationships" xmlns:p="http://schemas.openxmlformats.org/presentationml/2006/main">
+  <p:cSld>
     <p:spTree>
       <p:nvGrpSpPr>
         <p:cNvPr id="1" name=""/>
@@ -4545,7 +5178,7 @@
 </p:sld>
 </file>
 
-<file path=ppt/slides/slide11.xml><?xml version="1.0" encoding="utf-8"?>
+<file path=ppt/slides/slide12.xml><?xml version="1.0" encoding="utf-8"?>
 <p:sld xmlns:a="http://schemas.openxmlformats.org/drawingml/2006/main" xmlns:r="http://schemas.openxmlformats.org/officeDocument/2006/relationships" xmlns:p="http://schemas.openxmlformats.org/presentationml/2006/main">
   <p:cSld>
     <p:spTree>
@@ -4786,6 +5419,358 @@
       </p:grpSpPr>
       <p:pic>
         <p:nvPicPr>
+          <p:cNvPr id="5" name="Picture 4" descr="Graphical user interface, table&#10;&#10;Description automatically generated with medium confidence">
+            <a:extLst>
+              <a:ext uri="{FF2B5EF4-FFF2-40B4-BE49-F238E27FC236}">
+                <a16:creationId xmlns:a16="http://schemas.microsoft.com/office/drawing/2014/main" id="{79AB261E-88BC-4B4D-96EC-D3FD9971EBED}"/>
+              </a:ext>
+            </a:extLst>
+          </p:cNvPr>
+          <p:cNvPicPr>
+            <a:picLocks noChangeAspect="1"/>
+          </p:cNvPicPr>
+          <p:nvPr/>
+        </p:nvPicPr>
+        <p:blipFill>
+          <a:blip r:embed="rId2">
+            <a:extLst>
+              <a:ext uri="{28A0092B-C50C-407E-A947-70E740481C1C}">
+                <a14:useLocalDpi xmlns:a14="http://schemas.microsoft.com/office/drawing/2010/main" val="0"/>
+              </a:ext>
+            </a:extLst>
+          </a:blip>
+          <a:stretch>
+            <a:fillRect/>
+          </a:stretch>
+        </p:blipFill>
+        <p:spPr>
+          <a:xfrm>
+            <a:off x="2972576" y="643466"/>
+            <a:ext cx="6246848" cy="5571067"/>
+          </a:xfrm>
+          <a:prstGeom prst="rect">
+            <a:avLst/>
+          </a:prstGeom>
+        </p:spPr>
+      </p:pic>
+      <p:sp>
+        <p:nvSpPr>
+          <p:cNvPr id="6" name="Right Brace 5">
+            <a:extLst>
+              <a:ext uri="{FF2B5EF4-FFF2-40B4-BE49-F238E27FC236}">
+                <a16:creationId xmlns:a16="http://schemas.microsoft.com/office/drawing/2014/main" id="{095DB9CD-196B-403C-8E0A-777A1F62064C}"/>
+              </a:ext>
+            </a:extLst>
+          </p:cNvPr>
+          <p:cNvSpPr/>
+          <p:nvPr/>
+        </p:nvSpPr>
+        <p:spPr>
+          <a:xfrm>
+            <a:off x="6212910" y="2217107"/>
+            <a:ext cx="501041" cy="1828800"/>
+          </a:xfrm>
+          <a:prstGeom prst="rightBrace">
+            <a:avLst>
+              <a:gd name="adj1" fmla="val 40833"/>
+              <a:gd name="adj2" fmla="val 46575"/>
+            </a:avLst>
+          </a:prstGeom>
+        </p:spPr>
+        <p:style>
+          <a:lnRef idx="3">
+            <a:schemeClr val="dk1"/>
+          </a:lnRef>
+          <a:fillRef idx="0">
+            <a:schemeClr val="dk1"/>
+          </a:fillRef>
+          <a:effectRef idx="2">
+            <a:schemeClr val="dk1"/>
+          </a:effectRef>
+          <a:fontRef idx="minor">
+            <a:schemeClr val="tx1"/>
+          </a:fontRef>
+        </p:style>
+        <p:txBody>
+          <a:bodyPr rtlCol="0" anchor="ctr"/>
+          <a:lstStyle/>
+          <a:p>
+            <a:pPr algn="ctr"/>
+            <a:endParaRPr lang="en-GB"/>
+          </a:p>
+        </p:txBody>
+      </p:sp>
+      <p:sp>
+        <p:nvSpPr>
+          <p:cNvPr id="7" name="TextBox 6">
+            <a:extLst>
+              <a:ext uri="{FF2B5EF4-FFF2-40B4-BE49-F238E27FC236}">
+                <a16:creationId xmlns:a16="http://schemas.microsoft.com/office/drawing/2014/main" id="{EA26A42C-0A74-40EC-8744-F388C1056E34}"/>
+              </a:ext>
+            </a:extLst>
+          </p:cNvPr>
+          <p:cNvSpPr txBox="1"/>
+          <p:nvPr/>
+        </p:nvSpPr>
+        <p:spPr>
+          <a:xfrm>
+            <a:off x="6980520" y="2855934"/>
+            <a:ext cx="986167" cy="369332"/>
+          </a:xfrm>
+          <a:prstGeom prst="rect">
+            <a:avLst/>
+          </a:prstGeom>
+          <a:noFill/>
+        </p:spPr>
+        <p:txBody>
+          <a:bodyPr wrap="none" rtlCol="0">
+            <a:spAutoFit/>
+          </a:bodyPr>
+          <a:lstStyle/>
+          <a:p>
+            <a:r>
+              <a:rPr lang="it-IT" dirty="0" err="1"/>
+              <a:t>Numeric</a:t>
+            </a:r>
+            <a:endParaRPr lang="en-GB" dirty="0"/>
+          </a:p>
+        </p:txBody>
+      </p:sp>
+      <p:cxnSp>
+        <p:nvCxnSpPr>
+          <p:cNvPr id="9" name="Straight Arrow Connector 8">
+            <a:extLst>
+              <a:ext uri="{FF2B5EF4-FFF2-40B4-BE49-F238E27FC236}">
+                <a16:creationId xmlns:a16="http://schemas.microsoft.com/office/drawing/2014/main" id="{6F2D7403-04F4-4005-8848-757835A035F4}"/>
+              </a:ext>
+            </a:extLst>
+          </p:cNvPr>
+          <p:cNvCxnSpPr>
+            <a:cxnSpLocks/>
+          </p:cNvCxnSpPr>
+          <p:nvPr/>
+        </p:nvCxnSpPr>
+        <p:spPr>
+          <a:xfrm flipH="1">
+            <a:off x="5887235" y="1640910"/>
+            <a:ext cx="1002080" cy="0"/>
+          </a:xfrm>
+          <a:prstGeom prst="straightConnector1">
+            <a:avLst/>
+          </a:prstGeom>
+          <a:ln>
+            <a:tailEnd type="triangle"/>
+          </a:ln>
+        </p:spPr>
+        <p:style>
+          <a:lnRef idx="3">
+            <a:schemeClr val="dk1"/>
+          </a:lnRef>
+          <a:fillRef idx="0">
+            <a:schemeClr val="dk1"/>
+          </a:fillRef>
+          <a:effectRef idx="2">
+            <a:schemeClr val="dk1"/>
+          </a:effectRef>
+          <a:fontRef idx="minor">
+            <a:schemeClr val="tx1"/>
+          </a:fontRef>
+        </p:style>
+      </p:cxnSp>
+      <p:sp>
+        <p:nvSpPr>
+          <p:cNvPr id="15" name="TextBox 14">
+            <a:extLst>
+              <a:ext uri="{FF2B5EF4-FFF2-40B4-BE49-F238E27FC236}">
+                <a16:creationId xmlns:a16="http://schemas.microsoft.com/office/drawing/2014/main" id="{6DE3E522-1E48-4593-BECB-FF5116C8A963}"/>
+              </a:ext>
+            </a:extLst>
+          </p:cNvPr>
+          <p:cNvSpPr txBox="1"/>
+          <p:nvPr/>
+        </p:nvSpPr>
+        <p:spPr>
+          <a:xfrm>
+            <a:off x="6980519" y="1456244"/>
+            <a:ext cx="986167" cy="369332"/>
+          </a:xfrm>
+          <a:prstGeom prst="rect">
+            <a:avLst/>
+          </a:prstGeom>
+          <a:noFill/>
+        </p:spPr>
+        <p:txBody>
+          <a:bodyPr wrap="none" rtlCol="0">
+            <a:spAutoFit/>
+          </a:bodyPr>
+          <a:lstStyle/>
+          <a:p>
+            <a:r>
+              <a:rPr lang="it-IT" dirty="0" err="1"/>
+              <a:t>Numeric</a:t>
+            </a:r>
+            <a:endParaRPr lang="en-GB" dirty="0"/>
+          </a:p>
+        </p:txBody>
+      </p:sp>
+      <p:cxnSp>
+        <p:nvCxnSpPr>
+          <p:cNvPr id="16" name="Straight Arrow Connector 15">
+            <a:extLst>
+              <a:ext uri="{FF2B5EF4-FFF2-40B4-BE49-F238E27FC236}">
+                <a16:creationId xmlns:a16="http://schemas.microsoft.com/office/drawing/2014/main" id="{66708685-2BA4-4E28-9767-C5ADC52D2172}"/>
+              </a:ext>
+            </a:extLst>
+          </p:cNvPr>
+          <p:cNvCxnSpPr>
+            <a:cxnSpLocks/>
+          </p:cNvCxnSpPr>
+          <p:nvPr/>
+        </p:nvCxnSpPr>
+        <p:spPr>
+          <a:xfrm flipH="1" flipV="1">
+            <a:off x="5398721" y="2006252"/>
+            <a:ext cx="1490594" cy="10438"/>
+          </a:xfrm>
+          <a:prstGeom prst="straightConnector1">
+            <a:avLst/>
+          </a:prstGeom>
+          <a:ln>
+            <a:tailEnd type="triangle"/>
+          </a:ln>
+        </p:spPr>
+        <p:style>
+          <a:lnRef idx="3">
+            <a:schemeClr val="dk1"/>
+          </a:lnRef>
+          <a:fillRef idx="0">
+            <a:schemeClr val="dk1"/>
+          </a:fillRef>
+          <a:effectRef idx="2">
+            <a:schemeClr val="dk1"/>
+          </a:effectRef>
+          <a:fontRef idx="minor">
+            <a:schemeClr val="tx1"/>
+          </a:fontRef>
+        </p:style>
+      </p:cxnSp>
+      <p:cxnSp>
+        <p:nvCxnSpPr>
+          <p:cNvPr id="20" name="Straight Arrow Connector 19">
+            <a:extLst>
+              <a:ext uri="{FF2B5EF4-FFF2-40B4-BE49-F238E27FC236}">
+                <a16:creationId xmlns:a16="http://schemas.microsoft.com/office/drawing/2014/main" id="{8BA8A7DA-98C2-4C57-ABF3-CD4C9F0CFF2D}"/>
+              </a:ext>
+            </a:extLst>
+          </p:cNvPr>
+          <p:cNvCxnSpPr>
+            <a:cxnSpLocks/>
+          </p:cNvCxnSpPr>
+          <p:nvPr/>
+        </p:nvCxnSpPr>
+        <p:spPr>
+          <a:xfrm flipH="1">
+            <a:off x="5887234" y="1640910"/>
+            <a:ext cx="977029" cy="0"/>
+          </a:xfrm>
+          <a:prstGeom prst="straightConnector1">
+            <a:avLst/>
+          </a:prstGeom>
+          <a:ln>
+            <a:tailEnd type="triangle"/>
+          </a:ln>
+        </p:spPr>
+        <p:style>
+          <a:lnRef idx="3">
+            <a:schemeClr val="dk1"/>
+          </a:lnRef>
+          <a:fillRef idx="0">
+            <a:schemeClr val="dk1"/>
+          </a:fillRef>
+          <a:effectRef idx="2">
+            <a:schemeClr val="dk1"/>
+          </a:effectRef>
+          <a:fontRef idx="minor">
+            <a:schemeClr val="tx1"/>
+          </a:fontRef>
+        </p:style>
+      </p:cxnSp>
+      <p:sp>
+        <p:nvSpPr>
+          <p:cNvPr id="22" name="TextBox 21">
+            <a:extLst>
+              <a:ext uri="{FF2B5EF4-FFF2-40B4-BE49-F238E27FC236}">
+                <a16:creationId xmlns:a16="http://schemas.microsoft.com/office/drawing/2014/main" id="{A1B6C712-F318-482E-8319-C18DFD6DEB9B}"/>
+              </a:ext>
+            </a:extLst>
+          </p:cNvPr>
+          <p:cNvSpPr txBox="1"/>
+          <p:nvPr/>
+        </p:nvSpPr>
+        <p:spPr>
+          <a:xfrm>
+            <a:off x="7005571" y="1800895"/>
+            <a:ext cx="625684" cy="369332"/>
+          </a:xfrm>
+          <a:prstGeom prst="rect">
+            <a:avLst/>
+          </a:prstGeom>
+          <a:noFill/>
+        </p:spPr>
+        <p:txBody>
+          <a:bodyPr wrap="none" rtlCol="0">
+            <a:spAutoFit/>
+          </a:bodyPr>
+          <a:lstStyle/>
+          <a:p>
+            <a:r>
+              <a:rPr lang="it-IT" dirty="0"/>
+              <a:t>Date</a:t>
+            </a:r>
+            <a:endParaRPr lang="en-GB" dirty="0"/>
+          </a:p>
+        </p:txBody>
+      </p:sp>
+    </p:spTree>
+    <p:extLst>
+      <p:ext uri="{BB962C8B-B14F-4D97-AF65-F5344CB8AC3E}">
+        <p14:creationId xmlns:p14="http://schemas.microsoft.com/office/powerpoint/2010/main" val="1496610103"/>
+      </p:ext>
+    </p:extLst>
+  </p:cSld>
+  <p:clrMapOvr>
+    <a:masterClrMapping/>
+  </p:clrMapOvr>
+</p:sld>
+</file>
+
+<file path=ppt/slides/slide3.xml><?xml version="1.0" encoding="utf-8"?>
+<p:sld xmlns:a="http://schemas.openxmlformats.org/drawingml/2006/main" xmlns:r="http://schemas.openxmlformats.org/officeDocument/2006/relationships" xmlns:p="http://schemas.openxmlformats.org/presentationml/2006/main">
+  <p:cSld>
+    <p:bg>
+      <p:bgPr>
+        <a:solidFill>
+          <a:schemeClr val="bg1"/>
+        </a:solidFill>
+        <a:effectLst/>
+      </p:bgPr>
+    </p:bg>
+    <p:spTree>
+      <p:nvGrpSpPr>
+        <p:cNvPr id="1" name=""/>
+        <p:cNvGrpSpPr/>
+        <p:nvPr/>
+      </p:nvGrpSpPr>
+      <p:grpSpPr>
+        <a:xfrm>
+          <a:off x="0" y="0"/>
+          <a:ext cx="0" cy="0"/>
+          <a:chOff x="0" y="0"/>
+          <a:chExt cx="0" cy="0"/>
+        </a:xfrm>
+      </p:grpSpPr>
+      <p:pic>
+        <p:nvPicPr>
           <p:cNvPr id="5" name="Picture 4" descr="Table&#10;&#10;Description automatically generated">
             <a:extLst>
               <a:ext uri="{FF2B5EF4-FFF2-40B4-BE49-F238E27FC236}">
@@ -5013,7 +5998,7 @@
 </p:sld>
 </file>
 
-<file path=ppt/slides/slide3.xml><?xml version="1.0" encoding="utf-8"?>
+<file path=ppt/slides/slide4.xml><?xml version="1.0" encoding="utf-8"?>
 <p:sld xmlns:a="http://schemas.openxmlformats.org/drawingml/2006/main" xmlns:r="http://schemas.openxmlformats.org/officeDocument/2006/relationships" xmlns:p="http://schemas.openxmlformats.org/presentationml/2006/main">
   <p:cSld>
     <p:spTree>
@@ -5297,7 +6282,7 @@
 </p:sld>
 </file>
 
-<file path=ppt/slides/slide4.xml><?xml version="1.0" encoding="utf-8"?>
+<file path=ppt/slides/slide5.xml><?xml version="1.0" encoding="utf-8"?>
 <p:sld xmlns:a="http://schemas.openxmlformats.org/drawingml/2006/main" xmlns:r="http://schemas.openxmlformats.org/officeDocument/2006/relationships" xmlns:p="http://schemas.openxmlformats.org/presentationml/2006/main">
   <p:cSld>
     <p:spTree>
@@ -5628,80 +6613,6 @@
     <p:extLst>
       <p:ext uri="{BB962C8B-B14F-4D97-AF65-F5344CB8AC3E}">
         <p14:creationId xmlns:p14="http://schemas.microsoft.com/office/powerpoint/2010/main" val="2629657286"/>
-      </p:ext>
-    </p:extLst>
-  </p:cSld>
-  <p:clrMapOvr>
-    <a:masterClrMapping/>
-  </p:clrMapOvr>
-</p:sld>
-</file>
-
-<file path=ppt/slides/slide5.xml><?xml version="1.0" encoding="utf-8"?>
-<p:sld xmlns:a="http://schemas.openxmlformats.org/drawingml/2006/main" xmlns:r="http://schemas.openxmlformats.org/officeDocument/2006/relationships" xmlns:p="http://schemas.openxmlformats.org/presentationml/2006/main">
-  <p:cSld>
-    <p:bg>
-      <p:bgPr>
-        <a:solidFill>
-          <a:schemeClr val="bg1"/>
-        </a:solidFill>
-        <a:effectLst/>
-      </p:bgPr>
-    </p:bg>
-    <p:spTree>
-      <p:nvGrpSpPr>
-        <p:cNvPr id="1" name=""/>
-        <p:cNvGrpSpPr/>
-        <p:nvPr/>
-      </p:nvGrpSpPr>
-      <p:grpSpPr>
-        <a:xfrm>
-          <a:off x="0" y="0"/>
-          <a:ext cx="0" cy="0"/>
-          <a:chOff x="0" y="0"/>
-          <a:chExt cx="0" cy="0"/>
-        </a:xfrm>
-      </p:grpSpPr>
-      <p:pic>
-        <p:nvPicPr>
-          <p:cNvPr id="5" name="Picture 4" descr="A screenshot of a computer&#10;&#10;Description automatically generated with low confidence">
-            <a:extLst>
-              <a:ext uri="{FF2B5EF4-FFF2-40B4-BE49-F238E27FC236}">
-                <a16:creationId xmlns:a16="http://schemas.microsoft.com/office/drawing/2014/main" id="{6F316A86-12A1-482E-BF93-D5C7A5F23089}"/>
-              </a:ext>
-            </a:extLst>
-          </p:cNvPr>
-          <p:cNvPicPr>
-            <a:picLocks noChangeAspect="1"/>
-          </p:cNvPicPr>
-          <p:nvPr/>
-        </p:nvPicPr>
-        <p:blipFill>
-          <a:blip r:embed="rId2">
-            <a:extLst>
-              <a:ext uri="{28A0092B-C50C-407E-A947-70E740481C1C}">
-                <a14:useLocalDpi xmlns:a14="http://schemas.microsoft.com/office/drawing/2010/main" val="0"/>
-              </a:ext>
-            </a:extLst>
-          </a:blip>
-          <a:stretch>
-            <a:fillRect/>
-          </a:stretch>
-        </p:blipFill>
-        <p:spPr>
-          <a:xfrm>
-            <a:off x="643467" y="1234355"/>
-            <a:ext cx="10905066" cy="4389289"/>
-          </a:xfrm>
-          <a:prstGeom prst="rect">
-            <a:avLst/>
-          </a:prstGeom>
-        </p:spPr>
-      </p:pic>
-    </p:spTree>
-    <p:extLst>
-      <p:ext uri="{BB962C8B-B14F-4D97-AF65-F5344CB8AC3E}">
-        <p14:creationId xmlns:p14="http://schemas.microsoft.com/office/powerpoint/2010/main" val="3157048496"/>
       </p:ext>
     </p:extLst>
   </p:cSld>
@@ -5738,10 +6649,10 @@
       </p:grpSpPr>
       <p:pic>
         <p:nvPicPr>
-          <p:cNvPr id="5" name="Picture 4" descr="A screenshot of a computer&#10;&#10;Description automatically generated with medium confidence">
-            <a:extLst>
-              <a:ext uri="{FF2B5EF4-FFF2-40B4-BE49-F238E27FC236}">
-                <a16:creationId xmlns:a16="http://schemas.microsoft.com/office/drawing/2014/main" id="{C0CED5C8-5E21-4650-9907-1F8F3B137A2F}"/>
+          <p:cNvPr id="5" name="Picture 4" descr="A screenshot of a computer&#10;&#10;Description automatically generated with low confidence">
+            <a:extLst>
+              <a:ext uri="{FF2B5EF4-FFF2-40B4-BE49-F238E27FC236}">
+                <a16:creationId xmlns:a16="http://schemas.microsoft.com/office/drawing/2014/main" id="{6F316A86-12A1-482E-BF93-D5C7A5F23089}"/>
               </a:ext>
             </a:extLst>
           </p:cNvPr>
@@ -5764,681 +6675,18 @@
         </p:blipFill>
         <p:spPr>
           <a:xfrm>
-            <a:off x="643467" y="1672072"/>
-            <a:ext cx="10905066" cy="3513854"/>
+            <a:off x="643467" y="1234355"/>
+            <a:ext cx="10905066" cy="4389289"/>
           </a:xfrm>
           <a:prstGeom prst="rect">
             <a:avLst/>
           </a:prstGeom>
         </p:spPr>
       </p:pic>
-      <p:sp>
-        <p:nvSpPr>
-          <p:cNvPr id="6" name="Rectangle 5">
-            <a:extLst>
-              <a:ext uri="{FF2B5EF4-FFF2-40B4-BE49-F238E27FC236}">
-                <a16:creationId xmlns:a16="http://schemas.microsoft.com/office/drawing/2014/main" id="{D7461806-1079-4FB4-9C2F-20963D642D76}"/>
-              </a:ext>
-            </a:extLst>
-          </p:cNvPr>
-          <p:cNvSpPr/>
-          <p:nvPr/>
-        </p:nvSpPr>
-        <p:spPr>
-          <a:xfrm>
-            <a:off x="9920614" y="1891430"/>
-            <a:ext cx="1490597" cy="3043825"/>
-          </a:xfrm>
-          <a:prstGeom prst="rect">
-            <a:avLst/>
-          </a:prstGeom>
-          <a:solidFill>
-            <a:srgbClr val="FFFF00">
-              <a:alpha val="50000"/>
-            </a:srgbClr>
-          </a:solidFill>
-          <a:ln>
-            <a:noFill/>
-          </a:ln>
-        </p:spPr>
-        <p:style>
-          <a:lnRef idx="0">
-            <a:scrgbClr r="0" g="0" b="0"/>
-          </a:lnRef>
-          <a:fillRef idx="0">
-            <a:scrgbClr r="0" g="0" b="0"/>
-          </a:fillRef>
-          <a:effectRef idx="0">
-            <a:scrgbClr r="0" g="0" b="0"/>
-          </a:effectRef>
-          <a:fontRef idx="minor">
-            <a:schemeClr val="lt1"/>
-          </a:fontRef>
-        </p:style>
-        <p:txBody>
-          <a:bodyPr rtlCol="0" anchor="ctr"/>
-          <a:lstStyle/>
-          <a:p>
-            <a:pPr algn="ctr"/>
-            <a:endParaRPr lang="en-GB"/>
-          </a:p>
-        </p:txBody>
-      </p:sp>
-      <p:sp>
-        <p:nvSpPr>
-          <p:cNvPr id="7" name="Rectangle 6">
-            <a:extLst>
-              <a:ext uri="{FF2B5EF4-FFF2-40B4-BE49-F238E27FC236}">
-                <a16:creationId xmlns:a16="http://schemas.microsoft.com/office/drawing/2014/main" id="{F4356AF2-07F2-431F-BF70-FB214BF03E2E}"/>
-              </a:ext>
-            </a:extLst>
-          </p:cNvPr>
-          <p:cNvSpPr/>
-          <p:nvPr/>
-        </p:nvSpPr>
-        <p:spPr>
-          <a:xfrm>
-            <a:off x="5736921" y="1891430"/>
-            <a:ext cx="4183693" cy="3043825"/>
-          </a:xfrm>
-          <a:prstGeom prst="rect">
-            <a:avLst/>
-          </a:prstGeom>
-          <a:solidFill>
-            <a:schemeClr val="accent3">
-              <a:alpha val="90000"/>
-            </a:schemeClr>
-          </a:solidFill>
-          <a:ln>
-            <a:noFill/>
-          </a:ln>
-        </p:spPr>
-        <p:style>
-          <a:lnRef idx="0">
-            <a:scrgbClr r="0" g="0" b="0"/>
-          </a:lnRef>
-          <a:fillRef idx="0">
-            <a:scrgbClr r="0" g="0" b="0"/>
-          </a:fillRef>
-          <a:effectRef idx="0">
-            <a:scrgbClr r="0" g="0" b="0"/>
-          </a:effectRef>
-          <a:fontRef idx="minor">
-            <a:schemeClr val="lt1"/>
-          </a:fontRef>
-        </p:style>
-        <p:txBody>
-          <a:bodyPr rtlCol="0" anchor="ctr"/>
-          <a:lstStyle/>
-          <a:p>
-            <a:pPr algn="ctr"/>
-            <a:endParaRPr lang="en-GB"/>
-          </a:p>
-        </p:txBody>
-      </p:sp>
-      <p:sp>
-        <p:nvSpPr>
-          <p:cNvPr id="9" name="Rectangle 8">
-            <a:extLst>
-              <a:ext uri="{FF2B5EF4-FFF2-40B4-BE49-F238E27FC236}">
-                <a16:creationId xmlns:a16="http://schemas.microsoft.com/office/drawing/2014/main" id="{972807D4-E8AF-48DD-9007-B324BBC61106}"/>
-              </a:ext>
-            </a:extLst>
-          </p:cNvPr>
-          <p:cNvSpPr/>
-          <p:nvPr/>
-        </p:nvSpPr>
-        <p:spPr>
-          <a:xfrm>
-            <a:off x="1402915" y="2179529"/>
-            <a:ext cx="4334006" cy="263046"/>
-          </a:xfrm>
-          <a:prstGeom prst="rect">
-            <a:avLst/>
-          </a:prstGeom>
-          <a:noFill/>
-          <a:ln w="9525" cap="flat" cmpd="sng" algn="ctr">
-            <a:solidFill>
-              <a:schemeClr val="accent2"/>
-            </a:solidFill>
-            <a:prstDash val="solid"/>
-            <a:round/>
-            <a:headEnd type="none" w="med" len="med"/>
-            <a:tailEnd type="none" w="med" len="med"/>
-          </a:ln>
-        </p:spPr>
-        <p:style>
-          <a:lnRef idx="0">
-            <a:scrgbClr r="0" g="0" b="0"/>
-          </a:lnRef>
-          <a:fillRef idx="0">
-            <a:scrgbClr r="0" g="0" b="0"/>
-          </a:fillRef>
-          <a:effectRef idx="0">
-            <a:scrgbClr r="0" g="0" b="0"/>
-          </a:effectRef>
-          <a:fontRef idx="minor">
-            <a:schemeClr val="accent2"/>
-          </a:fontRef>
-        </p:style>
-        <p:txBody>
-          <a:bodyPr rtlCol="0" anchor="ctr"/>
-          <a:lstStyle/>
-          <a:p>
-            <a:pPr algn="ctr"/>
-            <a:endParaRPr lang="en-GB"/>
-          </a:p>
-        </p:txBody>
-      </p:sp>
-      <p:cxnSp>
-        <p:nvCxnSpPr>
-          <p:cNvPr id="11" name="Straight Arrow Connector 10">
-            <a:extLst>
-              <a:ext uri="{FF2B5EF4-FFF2-40B4-BE49-F238E27FC236}">
-                <a16:creationId xmlns:a16="http://schemas.microsoft.com/office/drawing/2014/main" id="{80F93F6A-1DF5-488B-B2F2-8147A68C11C3}"/>
-              </a:ext>
-            </a:extLst>
-          </p:cNvPr>
-          <p:cNvCxnSpPr/>
-          <p:nvPr/>
-        </p:nvCxnSpPr>
-        <p:spPr>
-          <a:xfrm>
-            <a:off x="5736921" y="2304789"/>
-            <a:ext cx="5260931" cy="0"/>
-          </a:xfrm>
-          <a:prstGeom prst="straightConnector1">
-            <a:avLst/>
-          </a:prstGeom>
-          <a:ln>
-            <a:tailEnd type="triangle"/>
-          </a:ln>
-        </p:spPr>
-        <p:style>
-          <a:lnRef idx="3">
-            <a:schemeClr val="accent2"/>
-          </a:lnRef>
-          <a:fillRef idx="0">
-            <a:schemeClr val="accent2"/>
-          </a:fillRef>
-          <a:effectRef idx="2">
-            <a:schemeClr val="accent2"/>
-          </a:effectRef>
-          <a:fontRef idx="minor">
-            <a:schemeClr val="tx1"/>
-          </a:fontRef>
-        </p:style>
-      </p:cxnSp>
-      <p:sp>
-        <p:nvSpPr>
-          <p:cNvPr id="12" name="Oval 11">
-            <a:extLst>
-              <a:ext uri="{FF2B5EF4-FFF2-40B4-BE49-F238E27FC236}">
-                <a16:creationId xmlns:a16="http://schemas.microsoft.com/office/drawing/2014/main" id="{A400F73C-4D1A-4D3F-B76C-B4FBFC9A137A}"/>
-              </a:ext>
-            </a:extLst>
-          </p:cNvPr>
-          <p:cNvSpPr/>
-          <p:nvPr/>
-        </p:nvSpPr>
-        <p:spPr>
-          <a:xfrm>
-            <a:off x="11135639" y="2141951"/>
-            <a:ext cx="288099" cy="288094"/>
-          </a:xfrm>
-          <a:prstGeom prst="ellipse">
-            <a:avLst/>
-          </a:prstGeom>
-          <a:noFill/>
-          <a:ln w="9525" cap="flat" cmpd="sng" algn="ctr">
-            <a:solidFill>
-              <a:schemeClr val="accent2"/>
-            </a:solidFill>
-            <a:prstDash val="solid"/>
-            <a:round/>
-            <a:headEnd type="none" w="med" len="med"/>
-            <a:tailEnd type="none" w="med" len="med"/>
-          </a:ln>
-        </p:spPr>
-        <p:style>
-          <a:lnRef idx="0">
-            <a:scrgbClr r="0" g="0" b="0"/>
-          </a:lnRef>
-          <a:fillRef idx="0">
-            <a:scrgbClr r="0" g="0" b="0"/>
-          </a:fillRef>
-          <a:effectRef idx="0">
-            <a:scrgbClr r="0" g="0" b="0"/>
-          </a:effectRef>
-          <a:fontRef idx="minor">
-            <a:schemeClr val="accent2"/>
-          </a:fontRef>
-        </p:style>
-        <p:txBody>
-          <a:bodyPr rtlCol="0" anchor="ctr"/>
-          <a:lstStyle/>
-          <a:p>
-            <a:pPr algn="ctr"/>
-            <a:endParaRPr lang="en-GB"/>
-          </a:p>
-        </p:txBody>
-      </p:sp>
-      <p:sp>
-        <p:nvSpPr>
-          <p:cNvPr id="15" name="Arrow: Curved Down 14">
-            <a:extLst>
-              <a:ext uri="{FF2B5EF4-FFF2-40B4-BE49-F238E27FC236}">
-                <a16:creationId xmlns:a16="http://schemas.microsoft.com/office/drawing/2014/main" id="{47379EC1-C5A8-4D76-87C7-24B0B672B081}"/>
-              </a:ext>
-            </a:extLst>
-          </p:cNvPr>
-          <p:cNvSpPr/>
-          <p:nvPr/>
-        </p:nvSpPr>
-        <p:spPr>
-          <a:xfrm>
-            <a:off x="1828800" y="1672071"/>
-            <a:ext cx="1014608" cy="213095"/>
-          </a:xfrm>
-          <a:prstGeom prst="curvedDownArrow">
-            <a:avLst/>
-          </a:prstGeom>
-        </p:spPr>
-        <p:style>
-          <a:lnRef idx="2">
-            <a:schemeClr val="accent2">
-              <a:shade val="50000"/>
-            </a:schemeClr>
-          </a:lnRef>
-          <a:fillRef idx="1">
-            <a:schemeClr val="accent2"/>
-          </a:fillRef>
-          <a:effectRef idx="0">
-            <a:schemeClr val="accent2"/>
-          </a:effectRef>
-          <a:fontRef idx="minor">
-            <a:schemeClr val="lt1"/>
-          </a:fontRef>
-        </p:style>
-        <p:txBody>
-          <a:bodyPr rtlCol="0" anchor="ctr"/>
-          <a:lstStyle/>
-          <a:p>
-            <a:pPr algn="ctr"/>
-            <a:endParaRPr lang="en-GB">
-              <a:solidFill>
-                <a:schemeClr val="tx1"/>
-              </a:solidFill>
-            </a:endParaRPr>
-          </a:p>
-        </p:txBody>
-      </p:sp>
-      <p:sp>
-        <p:nvSpPr>
-          <p:cNvPr id="16" name="Arrow: Curved Down 15">
-            <a:extLst>
-              <a:ext uri="{FF2B5EF4-FFF2-40B4-BE49-F238E27FC236}">
-                <a16:creationId xmlns:a16="http://schemas.microsoft.com/office/drawing/2014/main" id="{D9086663-ABF7-4DB5-8DA7-07B61547D01B}"/>
-              </a:ext>
-            </a:extLst>
-          </p:cNvPr>
-          <p:cNvSpPr/>
-          <p:nvPr/>
-        </p:nvSpPr>
-        <p:spPr>
-          <a:xfrm>
-            <a:off x="2843408" y="1667741"/>
-            <a:ext cx="851770" cy="208765"/>
-          </a:xfrm>
-          <a:prstGeom prst="curvedDownArrow">
-            <a:avLst/>
-          </a:prstGeom>
-        </p:spPr>
-        <p:style>
-          <a:lnRef idx="2">
-            <a:schemeClr val="accent2">
-              <a:shade val="50000"/>
-            </a:schemeClr>
-          </a:lnRef>
-          <a:fillRef idx="1">
-            <a:schemeClr val="accent2"/>
-          </a:fillRef>
-          <a:effectRef idx="0">
-            <a:schemeClr val="accent2"/>
-          </a:effectRef>
-          <a:fontRef idx="minor">
-            <a:schemeClr val="lt1"/>
-          </a:fontRef>
-        </p:style>
-        <p:txBody>
-          <a:bodyPr rtlCol="0" anchor="ctr"/>
-          <a:lstStyle/>
-          <a:p>
-            <a:pPr algn="ctr"/>
-            <a:endParaRPr lang="en-GB" b="1">
-              <a:ln w="22225">
-                <a:solidFill>
-                  <a:schemeClr val="accent2">
-                    <a:lumMod val="50000"/>
-                  </a:schemeClr>
-                </a:solidFill>
-                <a:prstDash val="solid"/>
-              </a:ln>
-              <a:solidFill>
-                <a:schemeClr val="accent2">
-                  <a:lumMod val="75000"/>
-                </a:schemeClr>
-              </a:solidFill>
-            </a:endParaRPr>
-          </a:p>
-        </p:txBody>
-      </p:sp>
-      <p:sp>
-        <p:nvSpPr>
-          <p:cNvPr id="17" name="Arrow: Curved Down 16">
-            <a:extLst>
-              <a:ext uri="{FF2B5EF4-FFF2-40B4-BE49-F238E27FC236}">
-                <a16:creationId xmlns:a16="http://schemas.microsoft.com/office/drawing/2014/main" id="{43DCFA83-77F4-4DF4-B4D7-4C79B168DE3D}"/>
-              </a:ext>
-            </a:extLst>
-          </p:cNvPr>
-          <p:cNvSpPr/>
-          <p:nvPr/>
-        </p:nvSpPr>
-        <p:spPr>
-          <a:xfrm>
-            <a:off x="3682651" y="1663411"/>
-            <a:ext cx="977031" cy="221755"/>
-          </a:xfrm>
-          <a:prstGeom prst="curvedDownArrow">
-            <a:avLst/>
-          </a:prstGeom>
-        </p:spPr>
-        <p:style>
-          <a:lnRef idx="2">
-            <a:schemeClr val="accent2">
-              <a:shade val="50000"/>
-            </a:schemeClr>
-          </a:lnRef>
-          <a:fillRef idx="1">
-            <a:schemeClr val="accent2"/>
-          </a:fillRef>
-          <a:effectRef idx="0">
-            <a:schemeClr val="accent2"/>
-          </a:effectRef>
-          <a:fontRef idx="minor">
-            <a:schemeClr val="lt1"/>
-          </a:fontRef>
-        </p:style>
-        <p:txBody>
-          <a:bodyPr rtlCol="0" anchor="ctr"/>
-          <a:lstStyle/>
-          <a:p>
-            <a:pPr algn="ctr"/>
-            <a:endParaRPr lang="en-GB" b="1">
-              <a:ln w="22225">
-                <a:solidFill>
-                  <a:schemeClr val="accent2">
-                    <a:lumMod val="50000"/>
-                  </a:schemeClr>
-                </a:solidFill>
-                <a:prstDash val="solid"/>
-              </a:ln>
-              <a:solidFill>
-                <a:schemeClr val="accent2">
-                  <a:lumMod val="75000"/>
-                </a:schemeClr>
-              </a:solidFill>
-            </a:endParaRPr>
-          </a:p>
-        </p:txBody>
-      </p:sp>
-      <p:sp>
-        <p:nvSpPr>
-          <p:cNvPr id="18" name="Arrow: Curved Down 17">
-            <a:extLst>
-              <a:ext uri="{FF2B5EF4-FFF2-40B4-BE49-F238E27FC236}">
-                <a16:creationId xmlns:a16="http://schemas.microsoft.com/office/drawing/2014/main" id="{BF4BFE18-B595-4254-8089-AC0AD19EBB34}"/>
-              </a:ext>
-            </a:extLst>
-          </p:cNvPr>
-          <p:cNvSpPr/>
-          <p:nvPr/>
-        </p:nvSpPr>
-        <p:spPr>
-          <a:xfrm>
-            <a:off x="4659682" y="1672070"/>
-            <a:ext cx="851771" cy="204435"/>
-          </a:xfrm>
-          <a:prstGeom prst="curvedDownArrow">
-            <a:avLst/>
-          </a:prstGeom>
-        </p:spPr>
-        <p:style>
-          <a:lnRef idx="2">
-            <a:schemeClr val="accent2">
-              <a:shade val="50000"/>
-            </a:schemeClr>
-          </a:lnRef>
-          <a:fillRef idx="1">
-            <a:schemeClr val="accent2"/>
-          </a:fillRef>
-          <a:effectRef idx="0">
-            <a:schemeClr val="accent2"/>
-          </a:effectRef>
-          <a:fontRef idx="minor">
-            <a:schemeClr val="lt1"/>
-          </a:fontRef>
-        </p:style>
-        <p:txBody>
-          <a:bodyPr rtlCol="0" anchor="ctr"/>
-          <a:lstStyle/>
-          <a:p>
-            <a:pPr algn="ctr"/>
-            <a:endParaRPr lang="en-GB">
-              <a:solidFill>
-                <a:schemeClr val="tx1"/>
-              </a:solidFill>
-            </a:endParaRPr>
-          </a:p>
-        </p:txBody>
-      </p:sp>
-      <p:sp>
-        <p:nvSpPr>
-          <p:cNvPr id="19" name="TextBox 18">
-            <a:extLst>
-              <a:ext uri="{FF2B5EF4-FFF2-40B4-BE49-F238E27FC236}">
-                <a16:creationId xmlns:a16="http://schemas.microsoft.com/office/drawing/2014/main" id="{D413080B-884F-4DC8-9ECC-0C9E97BB382A}"/>
-              </a:ext>
-            </a:extLst>
-          </p:cNvPr>
-          <p:cNvSpPr txBox="1"/>
-          <p:nvPr/>
-        </p:nvSpPr>
-        <p:spPr>
-          <a:xfrm>
-            <a:off x="2642218" y="1295908"/>
-            <a:ext cx="389850" cy="584775"/>
-          </a:xfrm>
-          <a:prstGeom prst="rect">
-            <a:avLst/>
-          </a:prstGeom>
-          <a:noFill/>
-        </p:spPr>
-        <p:txBody>
-          <a:bodyPr wrap="none" rtlCol="0">
-            <a:spAutoFit/>
-          </a:bodyPr>
-          <a:lstStyle/>
-          <a:p>
-            <a:r>
-              <a:rPr lang="it-IT" sz="3200" b="1" dirty="0">
-                <a:ln w="22225">
-                  <a:solidFill>
-                    <a:schemeClr val="accent2">
-                      <a:lumMod val="50000"/>
-                    </a:schemeClr>
-                  </a:solidFill>
-                  <a:prstDash val="solid"/>
-                </a:ln>
-                <a:solidFill>
-                  <a:schemeClr val="accent2">
-                    <a:lumMod val="75000"/>
-                  </a:schemeClr>
-                </a:solidFill>
-              </a:rPr>
-              <a:t>+</a:t>
-            </a:r>
-            <a:endParaRPr lang="en-GB" sz="3200" b="1" dirty="0">
-              <a:ln w="22225">
-                <a:solidFill>
-                  <a:schemeClr val="accent2">
-                    <a:lumMod val="50000"/>
-                  </a:schemeClr>
-                </a:solidFill>
-                <a:prstDash val="solid"/>
-              </a:ln>
-              <a:solidFill>
-                <a:schemeClr val="accent2">
-                  <a:lumMod val="75000"/>
-                </a:schemeClr>
-              </a:solidFill>
-            </a:endParaRPr>
-          </a:p>
-        </p:txBody>
-      </p:sp>
-      <p:sp>
-        <p:nvSpPr>
-          <p:cNvPr id="20" name="TextBox 19">
-            <a:extLst>
-              <a:ext uri="{FF2B5EF4-FFF2-40B4-BE49-F238E27FC236}">
-                <a16:creationId xmlns:a16="http://schemas.microsoft.com/office/drawing/2014/main" id="{82FD6891-58F1-4D1A-9126-9E0625289D0A}"/>
-              </a:ext>
-            </a:extLst>
-          </p:cNvPr>
-          <p:cNvSpPr txBox="1"/>
-          <p:nvPr/>
-        </p:nvSpPr>
-        <p:spPr>
-          <a:xfrm>
-            <a:off x="3493991" y="1306655"/>
-            <a:ext cx="389850" cy="584775"/>
-          </a:xfrm>
-          <a:prstGeom prst="rect">
-            <a:avLst/>
-          </a:prstGeom>
-          <a:noFill/>
-        </p:spPr>
-        <p:txBody>
-          <a:bodyPr wrap="none" rtlCol="0">
-            <a:spAutoFit/>
-          </a:bodyPr>
-          <a:lstStyle/>
-          <a:p>
-            <a:r>
-              <a:rPr lang="it-IT" sz="3200" b="1" dirty="0">
-                <a:ln w="22225">
-                  <a:solidFill>
-                    <a:schemeClr val="accent2">
-                      <a:lumMod val="50000"/>
-                    </a:schemeClr>
-                  </a:solidFill>
-                  <a:prstDash val="solid"/>
-                </a:ln>
-                <a:solidFill>
-                  <a:schemeClr val="accent2">
-                    <a:lumMod val="75000"/>
-                  </a:schemeClr>
-                </a:solidFill>
-              </a:rPr>
-              <a:t>+</a:t>
-            </a:r>
-            <a:endParaRPr lang="en-GB" sz="3200" b="1" dirty="0">
-              <a:ln w="22225">
-                <a:solidFill>
-                  <a:schemeClr val="accent2">
-                    <a:lumMod val="50000"/>
-                  </a:schemeClr>
-                </a:solidFill>
-                <a:prstDash val="solid"/>
-              </a:ln>
-              <a:solidFill>
-                <a:schemeClr val="accent2">
-                  <a:lumMod val="75000"/>
-                </a:schemeClr>
-              </a:solidFill>
-            </a:endParaRPr>
-          </a:p>
-        </p:txBody>
-      </p:sp>
-      <p:sp>
-        <p:nvSpPr>
-          <p:cNvPr id="21" name="TextBox 20">
-            <a:extLst>
-              <a:ext uri="{FF2B5EF4-FFF2-40B4-BE49-F238E27FC236}">
-                <a16:creationId xmlns:a16="http://schemas.microsoft.com/office/drawing/2014/main" id="{E95A1732-9076-46BF-8E6C-F0AEB44647EA}"/>
-              </a:ext>
-            </a:extLst>
-          </p:cNvPr>
-          <p:cNvSpPr txBox="1"/>
-          <p:nvPr/>
-        </p:nvSpPr>
-        <p:spPr>
-          <a:xfrm>
-            <a:off x="4466185" y="1306655"/>
-            <a:ext cx="311835" cy="584775"/>
-          </a:xfrm>
-          <a:prstGeom prst="rect">
-            <a:avLst/>
-          </a:prstGeom>
-          <a:noFill/>
-        </p:spPr>
-        <p:txBody>
-          <a:bodyPr wrap="square" rtlCol="0">
-            <a:spAutoFit/>
-          </a:bodyPr>
-          <a:lstStyle/>
-          <a:p>
-            <a:r>
-              <a:rPr lang="it-IT" sz="3200" b="1" dirty="0">
-                <a:ln w="22225">
-                  <a:solidFill>
-                    <a:schemeClr val="accent2">
-                      <a:lumMod val="50000"/>
-                    </a:schemeClr>
-                  </a:solidFill>
-                  <a:prstDash val="solid"/>
-                </a:ln>
-                <a:solidFill>
-                  <a:schemeClr val="accent2">
-                    <a:lumMod val="75000"/>
-                  </a:schemeClr>
-                </a:solidFill>
-              </a:rPr>
-              <a:t>+</a:t>
-            </a:r>
-            <a:endParaRPr lang="en-GB" sz="3200" b="1" dirty="0">
-              <a:ln w="22225">
-                <a:solidFill>
-                  <a:schemeClr val="accent2">
-                    <a:lumMod val="50000"/>
-                  </a:schemeClr>
-                </a:solidFill>
-                <a:prstDash val="solid"/>
-              </a:ln>
-              <a:solidFill>
-                <a:schemeClr val="accent2">
-                  <a:lumMod val="75000"/>
-                </a:schemeClr>
-              </a:solidFill>
-            </a:endParaRPr>
-          </a:p>
-        </p:txBody>
-      </p:sp>
     </p:spTree>
     <p:extLst>
       <p:ext uri="{BB962C8B-B14F-4D97-AF65-F5344CB8AC3E}">
-        <p14:creationId xmlns:p14="http://schemas.microsoft.com/office/powerpoint/2010/main" val="66238425"/>
+        <p14:creationId xmlns:p14="http://schemas.microsoft.com/office/powerpoint/2010/main" val="3157048496"/>
       </p:ext>
     </p:extLst>
   </p:cSld>
@@ -6478,7 +6726,7 @@
           <p:cNvPr id="5" name="Picture 4" descr="A screenshot of a computer&#10;&#10;Description automatically generated with medium confidence">
             <a:extLst>
               <a:ext uri="{FF2B5EF4-FFF2-40B4-BE49-F238E27FC236}">
-                <a16:creationId xmlns:a16="http://schemas.microsoft.com/office/drawing/2014/main" id="{0A317569-71DF-4DA3-A1CB-655564E54527}"/>
+                <a16:creationId xmlns:a16="http://schemas.microsoft.com/office/drawing/2014/main" id="{C0CED5C8-5E21-4650-9907-1F8F3B137A2F}"/>
               </a:ext>
             </a:extLst>
           </p:cNvPr>
@@ -6501,8 +6749,8 @@
         </p:blipFill>
         <p:spPr>
           <a:xfrm>
-            <a:off x="156378" y="1954061"/>
-            <a:ext cx="11392155" cy="2828924"/>
+            <a:off x="643467" y="1672072"/>
+            <a:ext cx="10905066" cy="3513854"/>
           </a:xfrm>
           <a:prstGeom prst="rect">
             <a:avLst/>
@@ -6514,7 +6762,7 @@
           <p:cNvPr id="6" name="Rectangle 5">
             <a:extLst>
               <a:ext uri="{FF2B5EF4-FFF2-40B4-BE49-F238E27FC236}">
-                <a16:creationId xmlns:a16="http://schemas.microsoft.com/office/drawing/2014/main" id="{508B982E-510B-4268-8B7E-1C55D9054936}"/>
+                <a16:creationId xmlns:a16="http://schemas.microsoft.com/office/drawing/2014/main" id="{D7461806-1079-4FB4-9C2F-20963D642D76}"/>
               </a:ext>
             </a:extLst>
           </p:cNvPr>
@@ -6523,16 +6771,16 @@
         </p:nvSpPr>
         <p:spPr>
           <a:xfrm>
-            <a:off x="4702951" y="2026896"/>
-            <a:ext cx="4992658" cy="2703831"/>
+            <a:off x="9920614" y="1891430"/>
+            <a:ext cx="1490597" cy="3043825"/>
           </a:xfrm>
           <a:prstGeom prst="rect">
             <a:avLst/>
           </a:prstGeom>
           <a:solidFill>
-            <a:schemeClr val="accent3">
-              <a:alpha val="80000"/>
-            </a:schemeClr>
+            <a:srgbClr val="FFFF00">
+              <a:alpha val="50000"/>
+            </a:srgbClr>
           </a:solidFill>
           <a:ln>
             <a:noFill/>
@@ -6566,7 +6814,7 @@
           <p:cNvPr id="7" name="Rectangle 6">
             <a:extLst>
               <a:ext uri="{FF2B5EF4-FFF2-40B4-BE49-F238E27FC236}">
-                <a16:creationId xmlns:a16="http://schemas.microsoft.com/office/drawing/2014/main" id="{86F34C02-0950-4655-A434-E3AB9265354D}"/>
+                <a16:creationId xmlns:a16="http://schemas.microsoft.com/office/drawing/2014/main" id="{F4356AF2-07F2-431F-BF70-FB214BF03E2E}"/>
               </a:ext>
             </a:extLst>
           </p:cNvPr>
@@ -6575,8 +6823,60 @@
         </p:nvSpPr>
         <p:spPr>
           <a:xfrm>
-            <a:off x="876822" y="2292263"/>
-            <a:ext cx="3807911" cy="235826"/>
+            <a:off x="5736921" y="1891430"/>
+            <a:ext cx="4183693" cy="3043825"/>
+          </a:xfrm>
+          <a:prstGeom prst="rect">
+            <a:avLst/>
+          </a:prstGeom>
+          <a:solidFill>
+            <a:schemeClr val="accent3">
+              <a:alpha val="90000"/>
+            </a:schemeClr>
+          </a:solidFill>
+          <a:ln>
+            <a:noFill/>
+          </a:ln>
+        </p:spPr>
+        <p:style>
+          <a:lnRef idx="0">
+            <a:scrgbClr r="0" g="0" b="0"/>
+          </a:lnRef>
+          <a:fillRef idx="0">
+            <a:scrgbClr r="0" g="0" b="0"/>
+          </a:fillRef>
+          <a:effectRef idx="0">
+            <a:scrgbClr r="0" g="0" b="0"/>
+          </a:effectRef>
+          <a:fontRef idx="minor">
+            <a:schemeClr val="lt1"/>
+          </a:fontRef>
+        </p:style>
+        <p:txBody>
+          <a:bodyPr rtlCol="0" anchor="ctr"/>
+          <a:lstStyle/>
+          <a:p>
+            <a:pPr algn="ctr"/>
+            <a:endParaRPr lang="en-GB"/>
+          </a:p>
+        </p:txBody>
+      </p:sp>
+      <p:sp>
+        <p:nvSpPr>
+          <p:cNvPr id="9" name="Rectangle 8">
+            <a:extLst>
+              <a:ext uri="{FF2B5EF4-FFF2-40B4-BE49-F238E27FC236}">
+                <a16:creationId xmlns:a16="http://schemas.microsoft.com/office/drawing/2014/main" id="{972807D4-E8AF-48DD-9007-B324BBC61106}"/>
+              </a:ext>
+            </a:extLst>
+          </p:cNvPr>
+          <p:cNvSpPr/>
+          <p:nvPr/>
+        </p:nvSpPr>
+        <p:spPr>
+          <a:xfrm>
+            <a:off x="1402915" y="2179529"/>
+            <a:ext cx="4334006" cy="263046"/>
           </a:xfrm>
           <a:prstGeom prst="rect">
             <a:avLst/>
@@ -6615,76 +6915,22 @@
           </a:p>
         </p:txBody>
       </p:sp>
-      <p:sp>
-        <p:nvSpPr>
-          <p:cNvPr id="8" name="Rectangle 7">
-            <a:extLst>
-              <a:ext uri="{FF2B5EF4-FFF2-40B4-BE49-F238E27FC236}">
-                <a16:creationId xmlns:a16="http://schemas.microsoft.com/office/drawing/2014/main" id="{F716BE47-09CF-4317-BCC2-791644755998}"/>
-              </a:ext>
-            </a:extLst>
-          </p:cNvPr>
-          <p:cNvSpPr/>
-          <p:nvPr/>
-        </p:nvSpPr>
-        <p:spPr>
-          <a:xfrm>
-            <a:off x="9695609" y="2026897"/>
-            <a:ext cx="1703076" cy="2705984"/>
-          </a:xfrm>
-          <a:prstGeom prst="rect">
-            <a:avLst/>
-          </a:prstGeom>
-          <a:solidFill>
-            <a:srgbClr val="FFFF00">
-              <a:alpha val="50000"/>
-            </a:srgbClr>
-          </a:solidFill>
-          <a:ln>
-            <a:noFill/>
-          </a:ln>
-        </p:spPr>
-        <p:style>
-          <a:lnRef idx="0">
-            <a:scrgbClr r="0" g="0" b="0"/>
-          </a:lnRef>
-          <a:fillRef idx="0">
-            <a:scrgbClr r="0" g="0" b="0"/>
-          </a:fillRef>
-          <a:effectRef idx="0">
-            <a:scrgbClr r="0" g="0" b="0"/>
-          </a:effectRef>
-          <a:fontRef idx="minor">
-            <a:schemeClr val="lt1"/>
-          </a:fontRef>
-        </p:style>
-        <p:txBody>
-          <a:bodyPr rtlCol="0" anchor="ctr"/>
-          <a:lstStyle/>
-          <a:p>
-            <a:pPr algn="ctr"/>
-            <a:endParaRPr lang="en-GB"/>
-          </a:p>
-        </p:txBody>
-      </p:sp>
       <p:cxnSp>
         <p:nvCxnSpPr>
-          <p:cNvPr id="10" name="Straight Arrow Connector 9">
-            <a:extLst>
-              <a:ext uri="{FF2B5EF4-FFF2-40B4-BE49-F238E27FC236}">
-                <a16:creationId xmlns:a16="http://schemas.microsoft.com/office/drawing/2014/main" id="{97FD8FD0-7CFD-4BF8-AE38-935A19DAC38E}"/>
-              </a:ext>
-            </a:extLst>
-          </p:cNvPr>
-          <p:cNvCxnSpPr>
-            <a:cxnSpLocks/>
-          </p:cNvCxnSpPr>
+          <p:cNvPr id="11" name="Straight Arrow Connector 10">
+            <a:extLst>
+              <a:ext uri="{FF2B5EF4-FFF2-40B4-BE49-F238E27FC236}">
+                <a16:creationId xmlns:a16="http://schemas.microsoft.com/office/drawing/2014/main" id="{80F93F6A-1DF5-488B-B2F2-8147A68C11C3}"/>
+              </a:ext>
+            </a:extLst>
+          </p:cNvPr>
+          <p:cNvCxnSpPr/>
           <p:nvPr/>
         </p:nvCxnSpPr>
         <p:spPr>
           <a:xfrm>
-            <a:off x="4702951" y="2404998"/>
-            <a:ext cx="6382583" cy="0"/>
+            <a:off x="5736921" y="2304789"/>
+            <a:ext cx="5260931" cy="0"/>
           </a:xfrm>
           <a:prstGeom prst="straightConnector1">
             <a:avLst/>
@@ -6713,7 +6959,7 @@
           <p:cNvPr id="12" name="Oval 11">
             <a:extLst>
               <a:ext uri="{FF2B5EF4-FFF2-40B4-BE49-F238E27FC236}">
-                <a16:creationId xmlns:a16="http://schemas.microsoft.com/office/drawing/2014/main" id="{0CC6E474-E909-4187-8594-9FD212522154}"/>
+                <a16:creationId xmlns:a16="http://schemas.microsoft.com/office/drawing/2014/main" id="{A400F73C-4D1A-4D3F-B76C-B4FBFC9A137A}"/>
               </a:ext>
             </a:extLst>
           </p:cNvPr>
@@ -6722,8 +6968,8 @@
         </p:nvSpPr>
         <p:spPr>
           <a:xfrm>
-            <a:off x="11148164" y="2267212"/>
-            <a:ext cx="275573" cy="263046"/>
+            <a:off x="11135639" y="2141951"/>
+            <a:ext cx="288099" cy="288094"/>
           </a:xfrm>
           <a:prstGeom prst="ellipse">
             <a:avLst/>
@@ -6764,10 +7010,10 @@
       </p:sp>
       <p:sp>
         <p:nvSpPr>
-          <p:cNvPr id="13" name="Arrow: Curved Down 12">
-            <a:extLst>
-              <a:ext uri="{FF2B5EF4-FFF2-40B4-BE49-F238E27FC236}">
-                <a16:creationId xmlns:a16="http://schemas.microsoft.com/office/drawing/2014/main" id="{A657386D-BD19-4C1F-B641-90D809D6368C}"/>
+          <p:cNvPr id="15" name="Arrow: Curved Down 14">
+            <a:extLst>
+              <a:ext uri="{FF2B5EF4-FFF2-40B4-BE49-F238E27FC236}">
+                <a16:creationId xmlns:a16="http://schemas.microsoft.com/office/drawing/2014/main" id="{47379EC1-C5A8-4D76-87C7-24B0B672B081}"/>
               </a:ext>
             </a:extLst>
           </p:cNvPr>
@@ -6776,7 +7022,7 @@
         </p:nvSpPr>
         <p:spPr>
           <a:xfrm>
-            <a:off x="1127342" y="1822461"/>
+            <a:off x="1828800" y="1672071"/>
             <a:ext cx="1014608" cy="213095"/>
           </a:xfrm>
           <a:prstGeom prst="curvedDownArrow">
@@ -6814,10 +7060,10 @@
       </p:sp>
       <p:sp>
         <p:nvSpPr>
-          <p:cNvPr id="14" name="Arrow: Curved Down 13">
-            <a:extLst>
-              <a:ext uri="{FF2B5EF4-FFF2-40B4-BE49-F238E27FC236}">
-                <a16:creationId xmlns:a16="http://schemas.microsoft.com/office/drawing/2014/main" id="{D6EB2B9B-2034-4717-B35A-9E06AEA8164A}"/>
+          <p:cNvPr id="16" name="Arrow: Curved Down 15">
+            <a:extLst>
+              <a:ext uri="{FF2B5EF4-FFF2-40B4-BE49-F238E27FC236}">
+                <a16:creationId xmlns:a16="http://schemas.microsoft.com/office/drawing/2014/main" id="{D9086663-ABF7-4DB5-8DA7-07B61547D01B}"/>
               </a:ext>
             </a:extLst>
           </p:cNvPr>
@@ -6826,8 +7072,8 @@
         </p:nvSpPr>
         <p:spPr>
           <a:xfrm>
-            <a:off x="2141950" y="1818132"/>
-            <a:ext cx="739036" cy="208764"/>
+            <a:off x="2843408" y="1667741"/>
+            <a:ext cx="851770" cy="208765"/>
           </a:xfrm>
           <a:prstGeom prst="curvedDownArrow">
             <a:avLst/>
@@ -6874,10 +7120,10 @@
       </p:sp>
       <p:sp>
         <p:nvSpPr>
-          <p:cNvPr id="15" name="Arrow: Curved Down 14">
-            <a:extLst>
-              <a:ext uri="{FF2B5EF4-FFF2-40B4-BE49-F238E27FC236}">
-                <a16:creationId xmlns:a16="http://schemas.microsoft.com/office/drawing/2014/main" id="{CCAE6027-C8AE-4B7E-854F-02363C56F1E7}"/>
+          <p:cNvPr id="17" name="Arrow: Curved Down 16">
+            <a:extLst>
+              <a:ext uri="{FF2B5EF4-FFF2-40B4-BE49-F238E27FC236}">
+                <a16:creationId xmlns:a16="http://schemas.microsoft.com/office/drawing/2014/main" id="{43DCFA83-77F4-4DF4-B4D7-4C79B168DE3D}"/>
               </a:ext>
             </a:extLst>
           </p:cNvPr>
@@ -6886,8 +7132,8 @@
         </p:nvSpPr>
         <p:spPr>
           <a:xfrm>
-            <a:off x="2906037" y="1813801"/>
-            <a:ext cx="851771" cy="221755"/>
+            <a:off x="3682651" y="1663411"/>
+            <a:ext cx="977031" cy="221755"/>
           </a:xfrm>
           <a:prstGeom prst="curvedDownArrow">
             <a:avLst/>
@@ -6934,10 +7180,10 @@
       </p:sp>
       <p:sp>
         <p:nvSpPr>
-          <p:cNvPr id="16" name="Arrow: Curved Down 15">
-            <a:extLst>
-              <a:ext uri="{FF2B5EF4-FFF2-40B4-BE49-F238E27FC236}">
-                <a16:creationId xmlns:a16="http://schemas.microsoft.com/office/drawing/2014/main" id="{51F8AD1A-2F86-429F-9061-60561C1A38A7}"/>
+          <p:cNvPr id="18" name="Arrow: Curved Down 17">
+            <a:extLst>
+              <a:ext uri="{FF2B5EF4-FFF2-40B4-BE49-F238E27FC236}">
+                <a16:creationId xmlns:a16="http://schemas.microsoft.com/office/drawing/2014/main" id="{BF4BFE18-B595-4254-8089-AC0AD19EBB34}"/>
               </a:ext>
             </a:extLst>
           </p:cNvPr>
@@ -6946,8 +7192,8 @@
         </p:nvSpPr>
         <p:spPr>
           <a:xfrm>
-            <a:off x="3782860" y="1822460"/>
-            <a:ext cx="739035" cy="204436"/>
+            <a:off x="4659682" y="1672070"/>
+            <a:ext cx="851771" cy="204435"/>
           </a:xfrm>
           <a:prstGeom prst="curvedDownArrow">
             <a:avLst/>
@@ -6984,10 +7230,10 @@
       </p:sp>
       <p:sp>
         <p:nvSpPr>
-          <p:cNvPr id="20" name="TextBox 19">
-            <a:extLst>
-              <a:ext uri="{FF2B5EF4-FFF2-40B4-BE49-F238E27FC236}">
-                <a16:creationId xmlns:a16="http://schemas.microsoft.com/office/drawing/2014/main" id="{7DEE2A20-8E96-4E24-AF0D-627C83E8FDC8}"/>
+          <p:cNvPr id="19" name="TextBox 18">
+            <a:extLst>
+              <a:ext uri="{FF2B5EF4-FFF2-40B4-BE49-F238E27FC236}">
+                <a16:creationId xmlns:a16="http://schemas.microsoft.com/office/drawing/2014/main" id="{D413080B-884F-4DC8-9ECC-0C9E97BB382A}"/>
               </a:ext>
             </a:extLst>
           </p:cNvPr>
@@ -6996,7 +7242,7 @@
         </p:nvSpPr>
         <p:spPr>
           <a:xfrm>
-            <a:off x="1915710" y="1471272"/>
+            <a:off x="2642218" y="1295908"/>
             <a:ext cx="389850" cy="584775"/>
           </a:xfrm>
           <a:prstGeom prst="rect">
@@ -7048,10 +7294,10 @@
       </p:sp>
       <p:sp>
         <p:nvSpPr>
-          <p:cNvPr id="21" name="TextBox 20">
-            <a:extLst>
-              <a:ext uri="{FF2B5EF4-FFF2-40B4-BE49-F238E27FC236}">
-                <a16:creationId xmlns:a16="http://schemas.microsoft.com/office/drawing/2014/main" id="{39627E3E-22FC-4F2A-8E39-8D53913A3C37}"/>
+          <p:cNvPr id="20" name="TextBox 19">
+            <a:extLst>
+              <a:ext uri="{FF2B5EF4-FFF2-40B4-BE49-F238E27FC236}">
+                <a16:creationId xmlns:a16="http://schemas.microsoft.com/office/drawing/2014/main" id="{82FD6891-58F1-4D1A-9126-9E0625289D0A}"/>
               </a:ext>
             </a:extLst>
           </p:cNvPr>
@@ -7060,7 +7306,7 @@
         </p:nvSpPr>
         <p:spPr>
           <a:xfrm>
-            <a:off x="2679801" y="1482019"/>
+            <a:off x="3493991" y="1306655"/>
             <a:ext cx="389850" cy="584775"/>
           </a:xfrm>
           <a:prstGeom prst="rect">
@@ -7112,10 +7358,10 @@
       </p:sp>
       <p:sp>
         <p:nvSpPr>
-          <p:cNvPr id="22" name="TextBox 21">
-            <a:extLst>
-              <a:ext uri="{FF2B5EF4-FFF2-40B4-BE49-F238E27FC236}">
-                <a16:creationId xmlns:a16="http://schemas.microsoft.com/office/drawing/2014/main" id="{461FCAB0-C869-43AE-BF9C-E51682527DB1}"/>
+          <p:cNvPr id="21" name="TextBox 20">
+            <a:extLst>
+              <a:ext uri="{FF2B5EF4-FFF2-40B4-BE49-F238E27FC236}">
+                <a16:creationId xmlns:a16="http://schemas.microsoft.com/office/drawing/2014/main" id="{E95A1732-9076-46BF-8E6C-F0AEB44647EA}"/>
               </a:ext>
             </a:extLst>
           </p:cNvPr>
@@ -7124,7 +7370,7 @@
         </p:nvSpPr>
         <p:spPr>
           <a:xfrm>
-            <a:off x="3589365" y="1482019"/>
+            <a:off x="4466185" y="1306655"/>
             <a:ext cx="311835" cy="584775"/>
           </a:xfrm>
           <a:prstGeom prst="rect">
@@ -7174,110 +7420,10 @@
           </a:p>
         </p:txBody>
       </p:sp>
-      <p:cxnSp>
-        <p:nvCxnSpPr>
-          <p:cNvPr id="25" name="Straight Connector 24">
-            <a:extLst>
-              <a:ext uri="{FF2B5EF4-FFF2-40B4-BE49-F238E27FC236}">
-                <a16:creationId xmlns:a16="http://schemas.microsoft.com/office/drawing/2014/main" id="{9A8D16FA-1A13-45F2-A353-F0910C70740B}"/>
-              </a:ext>
-            </a:extLst>
-          </p:cNvPr>
-          <p:cNvCxnSpPr/>
-          <p:nvPr/>
-        </p:nvCxnSpPr>
-        <p:spPr>
-          <a:xfrm flipV="1">
-            <a:off x="4590987" y="1594790"/>
-            <a:ext cx="237996" cy="340441"/>
-          </a:xfrm>
-          <a:prstGeom prst="line">
-            <a:avLst/>
-          </a:prstGeom>
-        </p:spPr>
-        <p:style>
-          <a:lnRef idx="3">
-            <a:schemeClr val="accent2"/>
-          </a:lnRef>
-          <a:fillRef idx="0">
-            <a:schemeClr val="accent2"/>
-          </a:fillRef>
-          <a:effectRef idx="2">
-            <a:schemeClr val="accent2"/>
-          </a:effectRef>
-          <a:fontRef idx="minor">
-            <a:schemeClr val="tx1"/>
-          </a:fontRef>
-        </p:style>
-      </p:cxnSp>
-      <p:sp>
-        <p:nvSpPr>
-          <p:cNvPr id="26" name="TextBox 25">
-            <a:extLst>
-              <a:ext uri="{FF2B5EF4-FFF2-40B4-BE49-F238E27FC236}">
-                <a16:creationId xmlns:a16="http://schemas.microsoft.com/office/drawing/2014/main" id="{055DF06C-9248-4950-BC23-14ABF70C7B26}"/>
-              </a:ext>
-            </a:extLst>
-          </p:cNvPr>
-          <p:cNvSpPr txBox="1"/>
-          <p:nvPr/>
-        </p:nvSpPr>
-        <p:spPr>
-          <a:xfrm>
-            <a:off x="4747232" y="1551932"/>
-            <a:ext cx="301686" cy="369332"/>
-          </a:xfrm>
-          <a:prstGeom prst="rect">
-            <a:avLst/>
-          </a:prstGeom>
-          <a:noFill/>
-        </p:spPr>
-        <p:txBody>
-          <a:bodyPr wrap="square" rtlCol="0">
-            <a:spAutoFit/>
-          </a:bodyPr>
-          <a:lstStyle/>
-          <a:p>
-            <a:r>
-              <a:rPr lang="it-IT" b="1" dirty="0">
-                <a:ln w="22225">
-                  <a:solidFill>
-                    <a:schemeClr val="accent2">
-                      <a:lumMod val="75000"/>
-                    </a:schemeClr>
-                  </a:solidFill>
-                  <a:prstDash val="solid"/>
-                </a:ln>
-                <a:solidFill>
-                  <a:schemeClr val="accent2">
-                    <a:lumMod val="50000"/>
-                  </a:schemeClr>
-                </a:solidFill>
-              </a:rPr>
-              <a:t>5</a:t>
-            </a:r>
-            <a:endParaRPr lang="en-GB" b="1" dirty="0">
-              <a:ln w="22225">
-                <a:solidFill>
-                  <a:schemeClr val="accent2">
-                    <a:lumMod val="75000"/>
-                  </a:schemeClr>
-                </a:solidFill>
-                <a:prstDash val="solid"/>
-              </a:ln>
-              <a:solidFill>
-                <a:schemeClr val="accent2">
-                  <a:lumMod val="50000"/>
-                </a:schemeClr>
-              </a:solidFill>
-            </a:endParaRPr>
-          </a:p>
-        </p:txBody>
-      </p:sp>
     </p:spTree>
     <p:extLst>
       <p:ext uri="{BB962C8B-B14F-4D97-AF65-F5344CB8AC3E}">
-        <p14:creationId xmlns:p14="http://schemas.microsoft.com/office/powerpoint/2010/main" val="2992906354"/>
+        <p14:creationId xmlns:p14="http://schemas.microsoft.com/office/powerpoint/2010/main" val="66238425"/>
       </p:ext>
     </p:extLst>
   </p:cSld>
@@ -7314,10 +7460,10 @@
       </p:grpSpPr>
       <p:pic>
         <p:nvPicPr>
-          <p:cNvPr id="5" name="Picture 4" descr="Table&#10;&#10;Description automatically generated">
-            <a:extLst>
-              <a:ext uri="{FF2B5EF4-FFF2-40B4-BE49-F238E27FC236}">
-                <a16:creationId xmlns:a16="http://schemas.microsoft.com/office/drawing/2014/main" id="{B2BD8099-7E85-4FF8-B2B4-67A68349B6E6}"/>
+          <p:cNvPr id="5" name="Picture 4" descr="A screenshot of a computer&#10;&#10;Description automatically generated with medium confidence">
+            <a:extLst>
+              <a:ext uri="{FF2B5EF4-FFF2-40B4-BE49-F238E27FC236}">
+                <a16:creationId xmlns:a16="http://schemas.microsoft.com/office/drawing/2014/main" id="{0A317569-71DF-4DA3-A1CB-655564E54527}"/>
               </a:ext>
             </a:extLst>
           </p:cNvPr>
@@ -7340,8 +7486,8 @@
         </p:blipFill>
         <p:spPr>
           <a:xfrm>
-            <a:off x="108284" y="2066793"/>
-            <a:ext cx="12083716" cy="2749045"/>
+            <a:off x="156378" y="1954061"/>
+            <a:ext cx="11392155" cy="2828924"/>
           </a:xfrm>
           <a:prstGeom prst="rect">
             <a:avLst/>
@@ -7353,7 +7499,7 @@
           <p:cNvPr id="6" name="Rectangle 5">
             <a:extLst>
               <a:ext uri="{FF2B5EF4-FFF2-40B4-BE49-F238E27FC236}">
-                <a16:creationId xmlns:a16="http://schemas.microsoft.com/office/drawing/2014/main" id="{3F3CF4A8-521B-45E0-B94B-F2098B504856}"/>
+                <a16:creationId xmlns:a16="http://schemas.microsoft.com/office/drawing/2014/main" id="{508B982E-510B-4268-8B7E-1C55D9054936}"/>
               </a:ext>
             </a:extLst>
           </p:cNvPr>
@@ -7362,8 +7508,8 @@
         </p:nvSpPr>
         <p:spPr>
           <a:xfrm>
-            <a:off x="4259179" y="2158459"/>
-            <a:ext cx="4547938" cy="2413542"/>
+            <a:off x="4702951" y="2026896"/>
+            <a:ext cx="4992658" cy="2703831"/>
           </a:xfrm>
           <a:prstGeom prst="rect">
             <a:avLst/>
@@ -7405,7 +7551,7 @@
           <p:cNvPr id="7" name="Rectangle 6">
             <a:extLst>
               <a:ext uri="{FF2B5EF4-FFF2-40B4-BE49-F238E27FC236}">
-                <a16:creationId xmlns:a16="http://schemas.microsoft.com/office/drawing/2014/main" id="{775CFB22-C726-4D7B-8AE7-7C5B92770593}"/>
+                <a16:creationId xmlns:a16="http://schemas.microsoft.com/office/drawing/2014/main" id="{86F34C02-0950-4655-A434-E3AB9265354D}"/>
               </a:ext>
             </a:extLst>
           </p:cNvPr>
@@ -7414,8 +7560,8 @@
         </p:nvSpPr>
         <p:spPr>
           <a:xfrm>
-            <a:off x="804631" y="2352422"/>
-            <a:ext cx="3461338" cy="254915"/>
+            <a:off x="876822" y="2292263"/>
+            <a:ext cx="3807911" cy="235826"/>
           </a:xfrm>
           <a:prstGeom prst="rect">
             <a:avLst/>
@@ -7459,7 +7605,7 @@
           <p:cNvPr id="8" name="Rectangle 7">
             <a:extLst>
               <a:ext uri="{FF2B5EF4-FFF2-40B4-BE49-F238E27FC236}">
-                <a16:creationId xmlns:a16="http://schemas.microsoft.com/office/drawing/2014/main" id="{14B45FA0-B7A0-469B-A439-AA16289230A8}"/>
+                <a16:creationId xmlns:a16="http://schemas.microsoft.com/office/drawing/2014/main" id="{F716BE47-09CF-4317-BCC2-791644755998}"/>
               </a:ext>
             </a:extLst>
           </p:cNvPr>
@@ -7468,8 +7614,8 @@
         </p:nvSpPr>
         <p:spPr>
           <a:xfrm>
-            <a:off x="10296626" y="2171651"/>
-            <a:ext cx="1626669" cy="2400350"/>
+            <a:off x="9695609" y="2026897"/>
+            <a:ext cx="1703076" cy="2705984"/>
           </a:xfrm>
           <a:prstGeom prst="rect">
             <a:avLst/>
@@ -7508,10 +7654,10 @@
       </p:sp>
       <p:cxnSp>
         <p:nvCxnSpPr>
-          <p:cNvPr id="9" name="Straight Arrow Connector 8">
-            <a:extLst>
-              <a:ext uri="{FF2B5EF4-FFF2-40B4-BE49-F238E27FC236}">
-                <a16:creationId xmlns:a16="http://schemas.microsoft.com/office/drawing/2014/main" id="{C447B4D5-3D07-4FD5-AE20-0EF9D575EEE6}"/>
+          <p:cNvPr id="10" name="Straight Arrow Connector 9">
+            <a:extLst>
+              <a:ext uri="{FF2B5EF4-FFF2-40B4-BE49-F238E27FC236}">
+                <a16:creationId xmlns:a16="http://schemas.microsoft.com/office/drawing/2014/main" id="{97FD8FD0-7CFD-4BF8-AE38-935A19DAC38E}"/>
               </a:ext>
             </a:extLst>
           </p:cNvPr>
@@ -7522,8 +7668,8 @@
         </p:nvCxnSpPr>
         <p:spPr>
           <a:xfrm>
-            <a:off x="4265968" y="2504877"/>
-            <a:ext cx="7339123" cy="0"/>
+            <a:off x="4702951" y="2404998"/>
+            <a:ext cx="6382583" cy="0"/>
           </a:xfrm>
           <a:prstGeom prst="straightConnector1">
             <a:avLst/>
@@ -7549,10 +7695,10 @@
       </p:cxnSp>
       <p:sp>
         <p:nvSpPr>
-          <p:cNvPr id="10" name="Oval 9">
-            <a:extLst>
-              <a:ext uri="{FF2B5EF4-FFF2-40B4-BE49-F238E27FC236}">
-                <a16:creationId xmlns:a16="http://schemas.microsoft.com/office/drawing/2014/main" id="{25D6FAB0-69EE-4C9A-B6FE-DFDDC5B1809A}"/>
+          <p:cNvPr id="12" name="Oval 11">
+            <a:extLst>
+              <a:ext uri="{FF2B5EF4-FFF2-40B4-BE49-F238E27FC236}">
+                <a16:creationId xmlns:a16="http://schemas.microsoft.com/office/drawing/2014/main" id="{0CC6E474-E909-4187-8594-9FD212522154}"/>
               </a:ext>
             </a:extLst>
           </p:cNvPr>
@@ -7561,7 +7707,7 @@
         </p:nvSpPr>
         <p:spPr>
           <a:xfrm>
-            <a:off x="11605091" y="2352422"/>
+            <a:off x="11148164" y="2267212"/>
             <a:ext cx="275573" cy="263046"/>
           </a:xfrm>
           <a:prstGeom prst="ellipse">
@@ -7603,10 +7749,10 @@
       </p:sp>
       <p:sp>
         <p:nvSpPr>
-          <p:cNvPr id="11" name="Arrow: Curved Down 10">
-            <a:extLst>
-              <a:ext uri="{FF2B5EF4-FFF2-40B4-BE49-F238E27FC236}">
-                <a16:creationId xmlns:a16="http://schemas.microsoft.com/office/drawing/2014/main" id="{A4FC6DDD-8181-4471-8C12-2987D0473202}"/>
+          <p:cNvPr id="13" name="Arrow: Curved Down 12">
+            <a:extLst>
+              <a:ext uri="{FF2B5EF4-FFF2-40B4-BE49-F238E27FC236}">
+                <a16:creationId xmlns:a16="http://schemas.microsoft.com/office/drawing/2014/main" id="{A657386D-BD19-4C1F-B641-90D809D6368C}"/>
               </a:ext>
             </a:extLst>
           </p:cNvPr>
@@ -7615,8 +7761,8 @@
         </p:nvSpPr>
         <p:spPr>
           <a:xfrm>
-            <a:off x="1067185" y="1931393"/>
-            <a:ext cx="862672" cy="227066"/>
+            <a:off x="1127342" y="1822461"/>
+            <a:ext cx="1014608" cy="213095"/>
           </a:xfrm>
           <a:prstGeom prst="curvedDownArrow">
             <a:avLst/>
@@ -7653,10 +7799,10 @@
       </p:sp>
       <p:sp>
         <p:nvSpPr>
-          <p:cNvPr id="12" name="Arrow: Curved Down 11">
-            <a:extLst>
-              <a:ext uri="{FF2B5EF4-FFF2-40B4-BE49-F238E27FC236}">
-                <a16:creationId xmlns:a16="http://schemas.microsoft.com/office/drawing/2014/main" id="{BB7798EB-977A-4D51-A3F0-AC380AE55149}"/>
+          <p:cNvPr id="14" name="Arrow: Curved Down 13">
+            <a:extLst>
+              <a:ext uri="{FF2B5EF4-FFF2-40B4-BE49-F238E27FC236}">
+                <a16:creationId xmlns:a16="http://schemas.microsoft.com/office/drawing/2014/main" id="{D6EB2B9B-2034-4717-B35A-9E06AEA8164A}"/>
               </a:ext>
             </a:extLst>
           </p:cNvPr>
@@ -7665,7 +7811,7 @@
         </p:nvSpPr>
         <p:spPr>
           <a:xfrm>
-            <a:off x="1949445" y="1927064"/>
+            <a:off x="2141950" y="1818132"/>
             <a:ext cx="739036" cy="208764"/>
           </a:xfrm>
           <a:prstGeom prst="curvedDownArrow">
@@ -7713,10 +7859,10 @@
       </p:sp>
       <p:sp>
         <p:nvSpPr>
-          <p:cNvPr id="13" name="Arrow: Curved Down 12">
-            <a:extLst>
-              <a:ext uri="{FF2B5EF4-FFF2-40B4-BE49-F238E27FC236}">
-                <a16:creationId xmlns:a16="http://schemas.microsoft.com/office/drawing/2014/main" id="{59D011D8-C989-4498-9866-F85AE9638846}"/>
+          <p:cNvPr id="15" name="Arrow: Curved Down 14">
+            <a:extLst>
+              <a:ext uri="{FF2B5EF4-FFF2-40B4-BE49-F238E27FC236}">
+                <a16:creationId xmlns:a16="http://schemas.microsoft.com/office/drawing/2014/main" id="{CCAE6027-C8AE-4B7E-854F-02363C56F1E7}"/>
               </a:ext>
             </a:extLst>
           </p:cNvPr>
@@ -7725,8 +7871,8 @@
         </p:nvSpPr>
         <p:spPr>
           <a:xfrm>
-            <a:off x="2737593" y="1922734"/>
-            <a:ext cx="640676" cy="208764"/>
+            <a:off x="2906037" y="1813801"/>
+            <a:ext cx="851771" cy="221755"/>
           </a:xfrm>
           <a:prstGeom prst="curvedDownArrow">
             <a:avLst/>
@@ -7773,10 +7919,10 @@
       </p:sp>
       <p:sp>
         <p:nvSpPr>
-          <p:cNvPr id="14" name="Arrow: Curved Down 13">
-            <a:extLst>
-              <a:ext uri="{FF2B5EF4-FFF2-40B4-BE49-F238E27FC236}">
-                <a16:creationId xmlns:a16="http://schemas.microsoft.com/office/drawing/2014/main" id="{05FD246C-8315-4D8F-855F-2D8662EC43E4}"/>
+          <p:cNvPr id="16" name="Arrow: Curved Down 15">
+            <a:extLst>
+              <a:ext uri="{FF2B5EF4-FFF2-40B4-BE49-F238E27FC236}">
+                <a16:creationId xmlns:a16="http://schemas.microsoft.com/office/drawing/2014/main" id="{51F8AD1A-2F86-429F-9061-60561C1A38A7}"/>
               </a:ext>
             </a:extLst>
           </p:cNvPr>
@@ -7785,8 +7931,8 @@
         </p:nvSpPr>
         <p:spPr>
           <a:xfrm>
-            <a:off x="3433941" y="1931392"/>
-            <a:ext cx="634116" cy="200106"/>
+            <a:off x="3782860" y="1822460"/>
+            <a:ext cx="739035" cy="204436"/>
           </a:xfrm>
           <a:prstGeom prst="curvedDownArrow">
             <a:avLst/>
@@ -7823,10 +7969,10 @@
       </p:sp>
       <p:sp>
         <p:nvSpPr>
-          <p:cNvPr id="15" name="TextBox 14">
-            <a:extLst>
-              <a:ext uri="{FF2B5EF4-FFF2-40B4-BE49-F238E27FC236}">
-                <a16:creationId xmlns:a16="http://schemas.microsoft.com/office/drawing/2014/main" id="{715FD7DA-A2BB-45EC-ABAD-09A72A6DAA8F}"/>
+          <p:cNvPr id="20" name="TextBox 19">
+            <a:extLst>
+              <a:ext uri="{FF2B5EF4-FFF2-40B4-BE49-F238E27FC236}">
+                <a16:creationId xmlns:a16="http://schemas.microsoft.com/office/drawing/2014/main" id="{7DEE2A20-8E96-4E24-AF0D-627C83E8FDC8}"/>
               </a:ext>
             </a:extLst>
           </p:cNvPr>
@@ -7835,7 +7981,7 @@
         </p:nvSpPr>
         <p:spPr>
           <a:xfrm>
-            <a:off x="1759297" y="1580204"/>
+            <a:off x="1915710" y="1471272"/>
             <a:ext cx="389850" cy="584775"/>
           </a:xfrm>
           <a:prstGeom prst="rect">
@@ -7887,10 +8033,10 @@
       </p:sp>
       <p:sp>
         <p:nvSpPr>
-          <p:cNvPr id="16" name="TextBox 15">
-            <a:extLst>
-              <a:ext uri="{FF2B5EF4-FFF2-40B4-BE49-F238E27FC236}">
-                <a16:creationId xmlns:a16="http://schemas.microsoft.com/office/drawing/2014/main" id="{0E5CEBD1-D0EA-47F0-B65C-CEEFA79032CD}"/>
+          <p:cNvPr id="21" name="TextBox 20">
+            <a:extLst>
+              <a:ext uri="{FF2B5EF4-FFF2-40B4-BE49-F238E27FC236}">
+                <a16:creationId xmlns:a16="http://schemas.microsoft.com/office/drawing/2014/main" id="{39627E3E-22FC-4F2A-8E39-8D53913A3C37}"/>
               </a:ext>
             </a:extLst>
           </p:cNvPr>
@@ -7899,7 +8045,7 @@
         </p:nvSpPr>
         <p:spPr>
           <a:xfrm>
-            <a:off x="2521412" y="1590951"/>
+            <a:off x="2679801" y="1482019"/>
             <a:ext cx="389850" cy="584775"/>
           </a:xfrm>
           <a:prstGeom prst="rect">
@@ -7951,10 +8097,10 @@
       </p:sp>
       <p:sp>
         <p:nvSpPr>
-          <p:cNvPr id="17" name="TextBox 16">
-            <a:extLst>
-              <a:ext uri="{FF2B5EF4-FFF2-40B4-BE49-F238E27FC236}">
-                <a16:creationId xmlns:a16="http://schemas.microsoft.com/office/drawing/2014/main" id="{EAC353AA-C653-4B8F-93B9-2F80A6C204A6}"/>
+          <p:cNvPr id="22" name="TextBox 21">
+            <a:extLst>
+              <a:ext uri="{FF2B5EF4-FFF2-40B4-BE49-F238E27FC236}">
+                <a16:creationId xmlns:a16="http://schemas.microsoft.com/office/drawing/2014/main" id="{461FCAB0-C869-43AE-BF9C-E51682527DB1}"/>
               </a:ext>
             </a:extLst>
           </p:cNvPr>
@@ -7963,7 +8109,7 @@
         </p:nvSpPr>
         <p:spPr>
           <a:xfrm>
-            <a:off x="3216380" y="1590951"/>
+            <a:off x="3589365" y="1482019"/>
             <a:ext cx="311835" cy="584775"/>
           </a:xfrm>
           <a:prstGeom prst="rect">
@@ -8015,10 +8161,10 @@
       </p:sp>
       <p:cxnSp>
         <p:nvCxnSpPr>
-          <p:cNvPr id="18" name="Straight Connector 17">
-            <a:extLst>
-              <a:ext uri="{FF2B5EF4-FFF2-40B4-BE49-F238E27FC236}">
-                <a16:creationId xmlns:a16="http://schemas.microsoft.com/office/drawing/2014/main" id="{FA239523-8E9D-4716-9088-486C4819C51D}"/>
+          <p:cNvPr id="25" name="Straight Connector 24">
+            <a:extLst>
+              <a:ext uri="{FF2B5EF4-FFF2-40B4-BE49-F238E27FC236}">
+                <a16:creationId xmlns:a16="http://schemas.microsoft.com/office/drawing/2014/main" id="{9A8D16FA-1A13-45F2-A353-F0910C70740B}"/>
               </a:ext>
             </a:extLst>
           </p:cNvPr>
@@ -8027,7 +8173,7 @@
         </p:nvCxnSpPr>
         <p:spPr>
           <a:xfrm flipV="1">
-            <a:off x="4109723" y="1703722"/>
+            <a:off x="4590987" y="1594790"/>
             <a:ext cx="237996" cy="340441"/>
           </a:xfrm>
           <a:prstGeom prst="line">
@@ -8051,10 +8197,10 @@
       </p:cxnSp>
       <p:sp>
         <p:nvSpPr>
-          <p:cNvPr id="19" name="TextBox 18">
-            <a:extLst>
-              <a:ext uri="{FF2B5EF4-FFF2-40B4-BE49-F238E27FC236}">
-                <a16:creationId xmlns:a16="http://schemas.microsoft.com/office/drawing/2014/main" id="{40BCF3B8-AAB3-4314-B405-5EBD28946090}"/>
+          <p:cNvPr id="26" name="TextBox 25">
+            <a:extLst>
+              <a:ext uri="{FF2B5EF4-FFF2-40B4-BE49-F238E27FC236}">
+                <a16:creationId xmlns:a16="http://schemas.microsoft.com/office/drawing/2014/main" id="{055DF06C-9248-4950-BC23-14ABF70C7B26}"/>
               </a:ext>
             </a:extLst>
           </p:cNvPr>
@@ -8063,7 +8209,7 @@
         </p:nvSpPr>
         <p:spPr>
           <a:xfrm>
-            <a:off x="4265968" y="1660864"/>
+            <a:off x="4747232" y="1551932"/>
             <a:ext cx="301686" cy="369332"/>
           </a:xfrm>
           <a:prstGeom prst="rect">
@@ -8113,160 +8259,10 @@
           </a:p>
         </p:txBody>
       </p:sp>
-      <p:cxnSp>
-        <p:nvCxnSpPr>
-          <p:cNvPr id="22" name="Straight Arrow Connector 21">
-            <a:extLst>
-              <a:ext uri="{FF2B5EF4-FFF2-40B4-BE49-F238E27FC236}">
-                <a16:creationId xmlns:a16="http://schemas.microsoft.com/office/drawing/2014/main" id="{BC1AF7D6-A988-489C-B3FA-F1AA8EB0078A}"/>
-              </a:ext>
-            </a:extLst>
-          </p:cNvPr>
-          <p:cNvCxnSpPr/>
-          <p:nvPr/>
-        </p:nvCxnSpPr>
-        <p:spPr>
-          <a:xfrm flipH="1">
-            <a:off x="11405937" y="1239253"/>
-            <a:ext cx="517358" cy="892245"/>
-          </a:xfrm>
-          <a:prstGeom prst="straightConnector1">
-            <a:avLst/>
-          </a:prstGeom>
-          <a:ln>
-            <a:tailEnd type="triangle"/>
-          </a:ln>
-        </p:spPr>
-        <p:style>
-          <a:lnRef idx="1">
-            <a:schemeClr val="dk1"/>
-          </a:lnRef>
-          <a:fillRef idx="0">
-            <a:schemeClr val="dk1"/>
-          </a:fillRef>
-          <a:effectRef idx="0">
-            <a:schemeClr val="dk1"/>
-          </a:effectRef>
-          <a:fontRef idx="minor">
-            <a:schemeClr val="tx1"/>
-          </a:fontRef>
-        </p:style>
-      </p:cxnSp>
-      <p:sp>
-        <p:nvSpPr>
-          <p:cNvPr id="23" name="TextBox 22">
-            <a:extLst>
-              <a:ext uri="{FF2B5EF4-FFF2-40B4-BE49-F238E27FC236}">
-                <a16:creationId xmlns:a16="http://schemas.microsoft.com/office/drawing/2014/main" id="{540DAC2D-01CF-40D3-AB86-84597AD8D935}"/>
-              </a:ext>
-            </a:extLst>
-          </p:cNvPr>
-          <p:cNvSpPr txBox="1"/>
-          <p:nvPr/>
-        </p:nvSpPr>
-        <p:spPr>
-          <a:xfrm>
-            <a:off x="11564863" y="923225"/>
-            <a:ext cx="716863" cy="369332"/>
-          </a:xfrm>
-          <a:prstGeom prst="rect">
-            <a:avLst/>
-          </a:prstGeom>
-          <a:noFill/>
-        </p:spPr>
-        <p:txBody>
-          <a:bodyPr wrap="none" rtlCol="0">
-            <a:spAutoFit/>
-          </a:bodyPr>
-          <a:lstStyle/>
-          <a:p>
-            <a:r>
-              <a:rPr lang="it-IT" dirty="0"/>
-              <a:t>CEIL()</a:t>
-            </a:r>
-            <a:endParaRPr lang="en-GB" dirty="0"/>
-          </a:p>
-        </p:txBody>
-      </p:sp>
-      <p:cxnSp>
-        <p:nvCxnSpPr>
-          <p:cNvPr id="25" name="Straight Arrow Connector 24">
-            <a:extLst>
-              <a:ext uri="{FF2B5EF4-FFF2-40B4-BE49-F238E27FC236}">
-                <a16:creationId xmlns:a16="http://schemas.microsoft.com/office/drawing/2014/main" id="{59D6F782-2A94-4191-BED5-9B8EFA5E483E}"/>
-              </a:ext>
-            </a:extLst>
-          </p:cNvPr>
-          <p:cNvCxnSpPr/>
-          <p:nvPr/>
-        </p:nvCxnSpPr>
-        <p:spPr>
-          <a:xfrm>
-            <a:off x="8807117" y="1239253"/>
-            <a:ext cx="721894" cy="827540"/>
-          </a:xfrm>
-          <a:prstGeom prst="straightConnector1">
-            <a:avLst/>
-          </a:prstGeom>
-          <a:ln>
-            <a:tailEnd type="triangle"/>
-          </a:ln>
-        </p:spPr>
-        <p:style>
-          <a:lnRef idx="1">
-            <a:schemeClr val="dk1"/>
-          </a:lnRef>
-          <a:fillRef idx="0">
-            <a:schemeClr val="dk1"/>
-          </a:fillRef>
-          <a:effectRef idx="0">
-            <a:schemeClr val="dk1"/>
-          </a:effectRef>
-          <a:fontRef idx="minor">
-            <a:schemeClr val="tx1"/>
-          </a:fontRef>
-        </p:style>
-      </p:cxnSp>
-      <p:sp>
-        <p:nvSpPr>
-          <p:cNvPr id="26" name="TextBox 25">
-            <a:extLst>
-              <a:ext uri="{FF2B5EF4-FFF2-40B4-BE49-F238E27FC236}">
-                <a16:creationId xmlns:a16="http://schemas.microsoft.com/office/drawing/2014/main" id="{3653B644-2699-4AA2-A9DA-9DA04D71DB15}"/>
-              </a:ext>
-            </a:extLst>
-          </p:cNvPr>
-          <p:cNvSpPr txBox="1"/>
-          <p:nvPr/>
-        </p:nvSpPr>
-        <p:spPr>
-          <a:xfrm>
-            <a:off x="8214213" y="917473"/>
-            <a:ext cx="953851" cy="369332"/>
-          </a:xfrm>
-          <a:prstGeom prst="rect">
-            <a:avLst/>
-          </a:prstGeom>
-          <a:noFill/>
-        </p:spPr>
-        <p:txBody>
-          <a:bodyPr wrap="none" rtlCol="0">
-            <a:spAutoFit/>
-          </a:bodyPr>
-          <a:lstStyle/>
-          <a:p>
-            <a:r>
-              <a:rPr lang="it-IT" dirty="0"/>
-              <a:t>FLOOR()</a:t>
-            </a:r>
-            <a:endParaRPr lang="en-GB" dirty="0"/>
-          </a:p>
-        </p:txBody>
-      </p:sp>
     </p:spTree>
     <p:extLst>
       <p:ext uri="{BB962C8B-B14F-4D97-AF65-F5344CB8AC3E}">
-        <p14:creationId xmlns:p14="http://schemas.microsoft.com/office/powerpoint/2010/main" val="3627530732"/>
+        <p14:creationId xmlns:p14="http://schemas.microsoft.com/office/powerpoint/2010/main" val="2992906354"/>
       </p:ext>
     </p:extLst>
   </p:cSld>
@@ -8303,10 +8299,10 @@
       </p:grpSpPr>
       <p:pic>
         <p:nvPicPr>
-          <p:cNvPr id="9" name="Picture 8" descr="Table&#10;&#10;Description automatically generated with medium confidence">
-            <a:extLst>
-              <a:ext uri="{FF2B5EF4-FFF2-40B4-BE49-F238E27FC236}">
-                <a16:creationId xmlns:a16="http://schemas.microsoft.com/office/drawing/2014/main" id="{0C4680B9-5ED2-4952-BC39-79E40F842CCD}"/>
+          <p:cNvPr id="5" name="Picture 4" descr="Table&#10;&#10;Description automatically generated">
+            <a:extLst>
+              <a:ext uri="{FF2B5EF4-FFF2-40B4-BE49-F238E27FC236}">
+                <a16:creationId xmlns:a16="http://schemas.microsoft.com/office/drawing/2014/main" id="{B2BD8099-7E85-4FF8-B2B4-67A68349B6E6}"/>
               </a:ext>
             </a:extLst>
           </p:cNvPr>
@@ -8329,8 +8325,8 @@
         </p:blipFill>
         <p:spPr>
           <a:xfrm>
-            <a:off x="-4105295" y="1122947"/>
-            <a:ext cx="19209498" cy="3445438"/>
+            <a:off x="108284" y="2066793"/>
+            <a:ext cx="12083716" cy="2749045"/>
           </a:xfrm>
           <a:prstGeom prst="rect">
             <a:avLst/>
@@ -8339,10 +8335,10 @@
       </p:pic>
       <p:sp>
         <p:nvSpPr>
-          <p:cNvPr id="19" name="Rectangle 18">
-            <a:extLst>
-              <a:ext uri="{FF2B5EF4-FFF2-40B4-BE49-F238E27FC236}">
-                <a16:creationId xmlns:a16="http://schemas.microsoft.com/office/drawing/2014/main" id="{E9455D97-F609-48AC-9216-771CF9FA9F0C}"/>
+          <p:cNvPr id="6" name="Rectangle 5">
+            <a:extLst>
+              <a:ext uri="{FF2B5EF4-FFF2-40B4-BE49-F238E27FC236}">
+                <a16:creationId xmlns:a16="http://schemas.microsoft.com/office/drawing/2014/main" id="{3F3CF4A8-521B-45E0-B94B-F2098B504856}"/>
               </a:ext>
             </a:extLst>
           </p:cNvPr>
@@ -8351,15 +8347,15 @@
         </p:nvSpPr>
         <p:spPr>
           <a:xfrm>
-            <a:off x="-2558715" y="1540042"/>
-            <a:ext cx="3200399" cy="2518611"/>
+            <a:off x="4259179" y="2158459"/>
+            <a:ext cx="4547938" cy="2413542"/>
           </a:xfrm>
           <a:prstGeom prst="rect">
             <a:avLst/>
           </a:prstGeom>
           <a:solidFill>
-            <a:schemeClr val="accent2">
-              <a:alpha val="50000"/>
+            <a:schemeClr val="accent3">
+              <a:alpha val="80000"/>
             </a:schemeClr>
           </a:solidFill>
           <a:ln>
@@ -8391,10 +8387,10 @@
       </p:sp>
       <p:sp>
         <p:nvSpPr>
-          <p:cNvPr id="11" name="Rectangle 10">
-            <a:extLst>
-              <a:ext uri="{FF2B5EF4-FFF2-40B4-BE49-F238E27FC236}">
-                <a16:creationId xmlns:a16="http://schemas.microsoft.com/office/drawing/2014/main" id="{B75A9C63-5252-4091-9A97-F51254C7A50D}"/>
+          <p:cNvPr id="7" name="Rectangle 6">
+            <a:extLst>
+              <a:ext uri="{FF2B5EF4-FFF2-40B4-BE49-F238E27FC236}">
+                <a16:creationId xmlns:a16="http://schemas.microsoft.com/office/drawing/2014/main" id="{775CFB22-C726-4D7B-8AE7-7C5B92770593}"/>
               </a:ext>
             </a:extLst>
           </p:cNvPr>
@@ -8403,8 +8399,8 @@
         </p:nvSpPr>
         <p:spPr>
           <a:xfrm>
-            <a:off x="-3304674" y="1540042"/>
-            <a:ext cx="753979" cy="2518611"/>
+            <a:off x="804631" y="2352422"/>
+            <a:ext cx="3461338" cy="254915"/>
           </a:xfrm>
           <a:prstGeom prst="rect">
             <a:avLst/>
@@ -8445,10 +8441,10 @@
       </p:sp>
       <p:sp>
         <p:nvSpPr>
-          <p:cNvPr id="13" name="Arrow: Curved Left 12">
-            <a:extLst>
-              <a:ext uri="{FF2B5EF4-FFF2-40B4-BE49-F238E27FC236}">
-                <a16:creationId xmlns:a16="http://schemas.microsoft.com/office/drawing/2014/main" id="{B5B0205A-68E7-4A59-A2EB-00812B25B8A8}"/>
+          <p:cNvPr id="8" name="Rectangle 7">
+            <a:extLst>
+              <a:ext uri="{FF2B5EF4-FFF2-40B4-BE49-F238E27FC236}">
+                <a16:creationId xmlns:a16="http://schemas.microsoft.com/office/drawing/2014/main" id="{14B45FA0-B7A0-469B-A439-AA16289230A8}"/>
               </a:ext>
             </a:extLst>
           </p:cNvPr>
@@ -8457,37 +8453,30 @@
         </p:nvSpPr>
         <p:spPr>
           <a:xfrm>
-            <a:off x="-2550695" y="1540042"/>
-            <a:ext cx="304800" cy="417095"/>
-          </a:xfrm>
-          <a:prstGeom prst="curvedLeftArrow">
+            <a:off x="10296626" y="2171651"/>
+            <a:ext cx="1626669" cy="2400350"/>
+          </a:xfrm>
+          <a:prstGeom prst="rect">
             <a:avLst/>
           </a:prstGeom>
           <a:solidFill>
-            <a:schemeClr val="accent2">
-              <a:lumMod val="50000"/>
-            </a:schemeClr>
+            <a:srgbClr val="FFFF00">
+              <a:alpha val="50000"/>
+            </a:srgbClr>
           </a:solidFill>
           <a:ln>
-            <a:solidFill>
-              <a:schemeClr val="tx1">
-                <a:lumMod val="95000"/>
-                <a:lumOff val="5000"/>
-              </a:schemeClr>
-            </a:solidFill>
+            <a:noFill/>
           </a:ln>
         </p:spPr>
         <p:style>
-          <a:lnRef idx="2">
-            <a:schemeClr val="accent1">
-              <a:shade val="50000"/>
-            </a:schemeClr>
+          <a:lnRef idx="0">
+            <a:scrgbClr r="0" g="0" b="0"/>
           </a:lnRef>
-          <a:fillRef idx="1">
-            <a:schemeClr val="accent1"/>
+          <a:fillRef idx="0">
+            <a:scrgbClr r="0" g="0" b="0"/>
           </a:fillRef>
           <a:effectRef idx="0">
-            <a:schemeClr val="accent1"/>
+            <a:scrgbClr r="0" g="0" b="0"/>
           </a:effectRef>
           <a:fontRef idx="minor">
             <a:schemeClr val="lt1"/>
@@ -8498,76 +8487,57 @@
           <a:lstStyle/>
           <a:p>
             <a:pPr algn="ctr"/>
-            <a:endParaRPr lang="en-GB">
-              <a:solidFill>
-                <a:schemeClr val="tx1"/>
-              </a:solidFill>
-            </a:endParaRPr>
-          </a:p>
-        </p:txBody>
-      </p:sp>
-      <p:sp>
-        <p:nvSpPr>
-          <p:cNvPr id="15" name="Minus Sign 14">
-            <a:extLst>
-              <a:ext uri="{FF2B5EF4-FFF2-40B4-BE49-F238E27FC236}">
-                <a16:creationId xmlns:a16="http://schemas.microsoft.com/office/drawing/2014/main" id="{1E056766-56C9-473B-88C8-E2F4C619A8A8}"/>
-              </a:ext>
-            </a:extLst>
-          </p:cNvPr>
-          <p:cNvSpPr/>
-          <p:nvPr/>
-        </p:nvSpPr>
-        <p:spPr>
-          <a:xfrm>
-            <a:off x="-2446421" y="1580146"/>
-            <a:ext cx="368968" cy="352927"/>
-          </a:xfrm>
-          <a:prstGeom prst="mathMinus">
-            <a:avLst/>
-          </a:prstGeom>
-          <a:solidFill>
-            <a:schemeClr val="accent2">
-              <a:lumMod val="75000"/>
-            </a:schemeClr>
-          </a:solidFill>
+            <a:endParaRPr lang="en-GB"/>
+          </a:p>
+        </p:txBody>
+      </p:sp>
+      <p:cxnSp>
+        <p:nvCxnSpPr>
+          <p:cNvPr id="9" name="Straight Arrow Connector 8">
+            <a:extLst>
+              <a:ext uri="{FF2B5EF4-FFF2-40B4-BE49-F238E27FC236}">
+                <a16:creationId xmlns:a16="http://schemas.microsoft.com/office/drawing/2014/main" id="{C447B4D5-3D07-4FD5-AE20-0EF9D575EEE6}"/>
+              </a:ext>
+            </a:extLst>
+          </p:cNvPr>
+          <p:cNvCxnSpPr>
+            <a:cxnSpLocks/>
+          </p:cNvCxnSpPr>
+          <p:nvPr/>
+        </p:nvCxnSpPr>
+        <p:spPr>
+          <a:xfrm>
+            <a:off x="4265968" y="2504877"/>
+            <a:ext cx="7339123" cy="0"/>
+          </a:xfrm>
+          <a:prstGeom prst="straightConnector1">
+            <a:avLst/>
+          </a:prstGeom>
           <a:ln>
-            <a:solidFill>
-              <a:schemeClr val="tx1"/>
-            </a:solidFill>
+            <a:tailEnd type="triangle"/>
           </a:ln>
         </p:spPr>
         <p:style>
-          <a:lnRef idx="2">
-            <a:schemeClr val="accent1">
-              <a:shade val="50000"/>
-            </a:schemeClr>
+          <a:lnRef idx="3">
+            <a:schemeClr val="accent2"/>
           </a:lnRef>
-          <a:fillRef idx="1">
-            <a:schemeClr val="accent1"/>
+          <a:fillRef idx="0">
+            <a:schemeClr val="accent2"/>
           </a:fillRef>
-          <a:effectRef idx="0">
-            <a:schemeClr val="accent1"/>
+          <a:effectRef idx="2">
+            <a:schemeClr val="accent2"/>
           </a:effectRef>
           <a:fontRef idx="minor">
-            <a:schemeClr val="lt1"/>
+            <a:schemeClr val="tx1"/>
           </a:fontRef>
         </p:style>
-        <p:txBody>
-          <a:bodyPr rtlCol="0" anchor="ctr"/>
-          <a:lstStyle/>
-          <a:p>
-            <a:pPr algn="ctr"/>
-            <a:endParaRPr lang="en-GB"/>
-          </a:p>
-        </p:txBody>
-      </p:sp>
-      <p:sp>
-        <p:nvSpPr>
-          <p:cNvPr id="16" name="Arrow: Curved Left 15">
-            <a:extLst>
-              <a:ext uri="{FF2B5EF4-FFF2-40B4-BE49-F238E27FC236}">
-                <a16:creationId xmlns:a16="http://schemas.microsoft.com/office/drawing/2014/main" id="{FE7DE681-82C1-40DA-AA75-502F63BAA160}"/>
+      </p:cxnSp>
+      <p:sp>
+        <p:nvSpPr>
+          <p:cNvPr id="10" name="Oval 9">
+            <a:extLst>
+              <a:ext uri="{FF2B5EF4-FFF2-40B4-BE49-F238E27FC236}">
+                <a16:creationId xmlns:a16="http://schemas.microsoft.com/office/drawing/2014/main" id="{25D6FAB0-69EE-4C9A-B6FE-DFDDC5B1809A}"/>
               </a:ext>
             </a:extLst>
           </p:cNvPr>
@@ -8576,127 +8546,8 @@
         </p:nvSpPr>
         <p:spPr>
           <a:xfrm>
-            <a:off x="-2558715" y="2077450"/>
-            <a:ext cx="312820" cy="417095"/>
-          </a:xfrm>
-          <a:prstGeom prst="curvedLeftArrow">
-            <a:avLst/>
-          </a:prstGeom>
-          <a:solidFill>
-            <a:schemeClr val="accent2">
-              <a:lumMod val="50000"/>
-            </a:schemeClr>
-          </a:solidFill>
-          <a:ln>
-            <a:solidFill>
-              <a:schemeClr val="tx1">
-                <a:lumMod val="95000"/>
-                <a:lumOff val="5000"/>
-              </a:schemeClr>
-            </a:solidFill>
-          </a:ln>
-        </p:spPr>
-        <p:style>
-          <a:lnRef idx="2">
-            <a:schemeClr val="accent1">
-              <a:shade val="50000"/>
-            </a:schemeClr>
-          </a:lnRef>
-          <a:fillRef idx="1">
-            <a:schemeClr val="accent1"/>
-          </a:fillRef>
-          <a:effectRef idx="0">
-            <a:schemeClr val="accent1"/>
-          </a:effectRef>
-          <a:fontRef idx="minor">
-            <a:schemeClr val="lt1"/>
-          </a:fontRef>
-        </p:style>
-        <p:txBody>
-          <a:bodyPr rtlCol="0" anchor="ctr"/>
-          <a:lstStyle/>
-          <a:p>
-            <a:pPr algn="ctr"/>
-            <a:endParaRPr lang="en-GB">
-              <a:solidFill>
-                <a:schemeClr val="tx1"/>
-              </a:solidFill>
-            </a:endParaRPr>
-          </a:p>
-        </p:txBody>
-      </p:sp>
-      <p:sp>
-        <p:nvSpPr>
-          <p:cNvPr id="17" name="Minus Sign 16">
-            <a:extLst>
-              <a:ext uri="{FF2B5EF4-FFF2-40B4-BE49-F238E27FC236}">
-                <a16:creationId xmlns:a16="http://schemas.microsoft.com/office/drawing/2014/main" id="{C30B8003-B04C-4E0E-954A-EA32630E7A2B}"/>
-              </a:ext>
-            </a:extLst>
-          </p:cNvPr>
-          <p:cNvSpPr/>
-          <p:nvPr/>
-        </p:nvSpPr>
-        <p:spPr>
-          <a:xfrm>
-            <a:off x="-2454441" y="2117554"/>
-            <a:ext cx="368968" cy="352927"/>
-          </a:xfrm>
-          <a:prstGeom prst="mathMinus">
-            <a:avLst/>
-          </a:prstGeom>
-          <a:solidFill>
-            <a:schemeClr val="accent2">
-              <a:lumMod val="75000"/>
-            </a:schemeClr>
-          </a:solidFill>
-          <a:ln>
-            <a:solidFill>
-              <a:schemeClr val="tx1"/>
-            </a:solidFill>
-          </a:ln>
-        </p:spPr>
-        <p:style>
-          <a:lnRef idx="2">
-            <a:schemeClr val="accent1">
-              <a:shade val="50000"/>
-            </a:schemeClr>
-          </a:lnRef>
-          <a:fillRef idx="1">
-            <a:schemeClr val="accent1"/>
-          </a:fillRef>
-          <a:effectRef idx="0">
-            <a:schemeClr val="accent1"/>
-          </a:effectRef>
-          <a:fontRef idx="minor">
-            <a:schemeClr val="lt1"/>
-          </a:fontRef>
-        </p:style>
-        <p:txBody>
-          <a:bodyPr rtlCol="0" anchor="ctr"/>
-          <a:lstStyle/>
-          <a:p>
-            <a:pPr algn="ctr"/>
-            <a:endParaRPr lang="en-GB"/>
-          </a:p>
-        </p:txBody>
-      </p:sp>
-      <p:sp>
-        <p:nvSpPr>
-          <p:cNvPr id="22" name="Oval 21">
-            <a:extLst>
-              <a:ext uri="{FF2B5EF4-FFF2-40B4-BE49-F238E27FC236}">
-                <a16:creationId xmlns:a16="http://schemas.microsoft.com/office/drawing/2014/main" id="{118CF549-A265-4EA1-B34E-3C3041EB2C71}"/>
-              </a:ext>
-            </a:extLst>
-          </p:cNvPr>
-          <p:cNvSpPr/>
-          <p:nvPr/>
-        </p:nvSpPr>
-        <p:spPr>
-          <a:xfrm>
-            <a:off x="9657347" y="1748589"/>
-            <a:ext cx="673769" cy="312819"/>
+            <a:off x="11605091" y="2352422"/>
+            <a:ext cx="275573" cy="263046"/>
           </a:xfrm>
           <a:prstGeom prst="ellipse">
             <a:avLst/>
@@ -8737,10 +8588,10 @@
       </p:sp>
       <p:sp>
         <p:nvSpPr>
-          <p:cNvPr id="23" name="Rectangle 22">
-            <a:extLst>
-              <a:ext uri="{FF2B5EF4-FFF2-40B4-BE49-F238E27FC236}">
-                <a16:creationId xmlns:a16="http://schemas.microsoft.com/office/drawing/2014/main" id="{D1873755-3A44-4A06-8D60-915DCC65B6BD}"/>
+          <p:cNvPr id="11" name="Arrow: Curved Down 10">
+            <a:extLst>
+              <a:ext uri="{FF2B5EF4-FFF2-40B4-BE49-F238E27FC236}">
+                <a16:creationId xmlns:a16="http://schemas.microsoft.com/office/drawing/2014/main" id="{A4FC6DDD-8181-4471-8C12-2987D0473202}"/>
               </a:ext>
             </a:extLst>
           </p:cNvPr>
@@ -8749,30 +8600,24 @@
         </p:nvSpPr>
         <p:spPr>
           <a:xfrm>
-            <a:off x="10375794" y="1548062"/>
-            <a:ext cx="4158353" cy="2518611"/>
-          </a:xfrm>
-          <a:prstGeom prst="rect">
-            <a:avLst/>
-          </a:prstGeom>
-          <a:solidFill>
-            <a:schemeClr val="accent4">
-              <a:alpha val="50000"/>
+            <a:off x="1067185" y="1931393"/>
+            <a:ext cx="862672" cy="227066"/>
+          </a:xfrm>
+          <a:prstGeom prst="curvedDownArrow">
+            <a:avLst/>
+          </a:prstGeom>
+        </p:spPr>
+        <p:style>
+          <a:lnRef idx="2">
+            <a:schemeClr val="accent2">
+              <a:shade val="50000"/>
             </a:schemeClr>
-          </a:solidFill>
-          <a:ln>
-            <a:noFill/>
-          </a:ln>
-        </p:spPr>
-        <p:style>
-          <a:lnRef idx="0">
-            <a:scrgbClr r="0" g="0" b="0"/>
           </a:lnRef>
-          <a:fillRef idx="0">
-            <a:scrgbClr r="0" g="0" b="0"/>
+          <a:fillRef idx="1">
+            <a:schemeClr val="accent2"/>
           </a:fillRef>
           <a:effectRef idx="0">
-            <a:scrgbClr r="0" g="0" b="0"/>
+            <a:schemeClr val="accent2"/>
           </a:effectRef>
           <a:fontRef idx="minor">
             <a:schemeClr val="lt1"/>
@@ -8783,16 +8628,20 @@
           <a:lstStyle/>
           <a:p>
             <a:pPr algn="ctr"/>
-            <a:endParaRPr lang="en-GB"/>
-          </a:p>
-        </p:txBody>
-      </p:sp>
-      <p:sp>
-        <p:nvSpPr>
-          <p:cNvPr id="25" name="Rectangle 24">
-            <a:extLst>
-              <a:ext uri="{FF2B5EF4-FFF2-40B4-BE49-F238E27FC236}">
-                <a16:creationId xmlns:a16="http://schemas.microsoft.com/office/drawing/2014/main" id="{5DB158F1-7E68-4A9A-9648-A4B492B529D9}"/>
+            <a:endParaRPr lang="en-GB">
+              <a:solidFill>
+                <a:schemeClr val="tx1"/>
+              </a:solidFill>
+            </a:endParaRPr>
+          </a:p>
+        </p:txBody>
+      </p:sp>
+      <p:sp>
+        <p:nvSpPr>
+          <p:cNvPr id="12" name="Arrow: Curved Down 11">
+            <a:extLst>
+              <a:ext uri="{FF2B5EF4-FFF2-40B4-BE49-F238E27FC236}">
+                <a16:creationId xmlns:a16="http://schemas.microsoft.com/office/drawing/2014/main" id="{BB7798EB-977A-4D51-A3F0-AC380AE55149}"/>
               </a:ext>
             </a:extLst>
           </p:cNvPr>
@@ -8801,104 +8650,608 @@
         </p:nvSpPr>
         <p:spPr>
           <a:xfrm>
-            <a:off x="9320463" y="1540041"/>
-            <a:ext cx="1055331" cy="2518611"/>
-          </a:xfrm>
-          <a:prstGeom prst="rect">
-            <a:avLst/>
-          </a:prstGeom>
-          <a:noFill/>
-          <a:ln w="9525" cap="flat" cmpd="sng" algn="ctr">
-            <a:solidFill>
-              <a:schemeClr val="accent4"/>
-            </a:solidFill>
-            <a:prstDash val="solid"/>
-            <a:round/>
-            <a:headEnd type="none" w="med" len="med"/>
-            <a:tailEnd type="none" w="med" len="med"/>
-          </a:ln>
-        </p:spPr>
-        <p:style>
-          <a:lnRef idx="0">
-            <a:scrgbClr r="0" g="0" b="0"/>
-          </a:lnRef>
-          <a:fillRef idx="0">
-            <a:scrgbClr r="0" g="0" b="0"/>
-          </a:fillRef>
-          <a:effectRef idx="0">
-            <a:scrgbClr r="0" g="0" b="0"/>
-          </a:effectRef>
-          <a:fontRef idx="minor">
-            <a:schemeClr val="accent4"/>
-          </a:fontRef>
-        </p:style>
-        <p:txBody>
-          <a:bodyPr rtlCol="0" anchor="ctr"/>
-          <a:lstStyle/>
-          <a:p>
-            <a:pPr algn="ctr"/>
-            <a:endParaRPr lang="en-GB"/>
-          </a:p>
-        </p:txBody>
-      </p:sp>
-      <p:sp>
-        <p:nvSpPr>
-          <p:cNvPr id="2" name="Arrow: Curved Down 1">
-            <a:extLst>
-              <a:ext uri="{FF2B5EF4-FFF2-40B4-BE49-F238E27FC236}">
-                <a16:creationId xmlns:a16="http://schemas.microsoft.com/office/drawing/2014/main" id="{154C4B62-9BBD-47E4-8FC9-09F48D4415AD}"/>
-              </a:ext>
-            </a:extLst>
-          </p:cNvPr>
-          <p:cNvSpPr/>
-          <p:nvPr/>
-        </p:nvSpPr>
-        <p:spPr>
-          <a:xfrm>
-            <a:off x="-2919663" y="336883"/>
-            <a:ext cx="12833684" cy="930441"/>
+            <a:off x="1949445" y="1927064"/>
+            <a:ext cx="739036" cy="208764"/>
           </a:xfrm>
           <a:prstGeom prst="curvedDownArrow">
-            <a:avLst>
-              <a:gd name="adj1" fmla="val 17406"/>
-              <a:gd name="adj2" fmla="val 54303"/>
-              <a:gd name="adj3" fmla="val 23179"/>
-            </a:avLst>
+            <a:avLst/>
           </a:prstGeom>
         </p:spPr>
         <p:style>
           <a:lnRef idx="2">
-            <a:schemeClr val="dk1">
+            <a:schemeClr val="accent2">
               <a:shade val="50000"/>
             </a:schemeClr>
           </a:lnRef>
           <a:fillRef idx="1">
+            <a:schemeClr val="accent2"/>
+          </a:fillRef>
+          <a:effectRef idx="0">
+            <a:schemeClr val="accent2"/>
+          </a:effectRef>
+          <a:fontRef idx="minor">
+            <a:schemeClr val="lt1"/>
+          </a:fontRef>
+        </p:style>
+        <p:txBody>
+          <a:bodyPr rtlCol="0" anchor="ctr"/>
+          <a:lstStyle/>
+          <a:p>
+            <a:pPr algn="ctr"/>
+            <a:endParaRPr lang="en-GB" b="1">
+              <a:ln w="22225">
+                <a:solidFill>
+                  <a:schemeClr val="accent2">
+                    <a:lumMod val="50000"/>
+                  </a:schemeClr>
+                </a:solidFill>
+                <a:prstDash val="solid"/>
+              </a:ln>
+              <a:solidFill>
+                <a:schemeClr val="accent2">
+                  <a:lumMod val="75000"/>
+                </a:schemeClr>
+              </a:solidFill>
+            </a:endParaRPr>
+          </a:p>
+        </p:txBody>
+      </p:sp>
+      <p:sp>
+        <p:nvSpPr>
+          <p:cNvPr id="13" name="Arrow: Curved Down 12">
+            <a:extLst>
+              <a:ext uri="{FF2B5EF4-FFF2-40B4-BE49-F238E27FC236}">
+                <a16:creationId xmlns:a16="http://schemas.microsoft.com/office/drawing/2014/main" id="{59D011D8-C989-4498-9866-F85AE9638846}"/>
+              </a:ext>
+            </a:extLst>
+          </p:cNvPr>
+          <p:cNvSpPr/>
+          <p:nvPr/>
+        </p:nvSpPr>
+        <p:spPr>
+          <a:xfrm>
+            <a:off x="2737593" y="1922734"/>
+            <a:ext cx="640676" cy="208764"/>
+          </a:xfrm>
+          <a:prstGeom prst="curvedDownArrow">
+            <a:avLst/>
+          </a:prstGeom>
+        </p:spPr>
+        <p:style>
+          <a:lnRef idx="2">
+            <a:schemeClr val="accent2">
+              <a:shade val="50000"/>
+            </a:schemeClr>
+          </a:lnRef>
+          <a:fillRef idx="1">
+            <a:schemeClr val="accent2"/>
+          </a:fillRef>
+          <a:effectRef idx="0">
+            <a:schemeClr val="accent2"/>
+          </a:effectRef>
+          <a:fontRef idx="minor">
+            <a:schemeClr val="lt1"/>
+          </a:fontRef>
+        </p:style>
+        <p:txBody>
+          <a:bodyPr rtlCol="0" anchor="ctr"/>
+          <a:lstStyle/>
+          <a:p>
+            <a:pPr algn="ctr"/>
+            <a:endParaRPr lang="en-GB" b="1">
+              <a:ln w="22225">
+                <a:solidFill>
+                  <a:schemeClr val="accent2">
+                    <a:lumMod val="50000"/>
+                  </a:schemeClr>
+                </a:solidFill>
+                <a:prstDash val="solid"/>
+              </a:ln>
+              <a:solidFill>
+                <a:schemeClr val="accent2">
+                  <a:lumMod val="75000"/>
+                </a:schemeClr>
+              </a:solidFill>
+            </a:endParaRPr>
+          </a:p>
+        </p:txBody>
+      </p:sp>
+      <p:sp>
+        <p:nvSpPr>
+          <p:cNvPr id="14" name="Arrow: Curved Down 13">
+            <a:extLst>
+              <a:ext uri="{FF2B5EF4-FFF2-40B4-BE49-F238E27FC236}">
+                <a16:creationId xmlns:a16="http://schemas.microsoft.com/office/drawing/2014/main" id="{05FD246C-8315-4D8F-855F-2D8662EC43E4}"/>
+              </a:ext>
+            </a:extLst>
+          </p:cNvPr>
+          <p:cNvSpPr/>
+          <p:nvPr/>
+        </p:nvSpPr>
+        <p:spPr>
+          <a:xfrm>
+            <a:off x="3433941" y="1931392"/>
+            <a:ext cx="634116" cy="200106"/>
+          </a:xfrm>
+          <a:prstGeom prst="curvedDownArrow">
+            <a:avLst/>
+          </a:prstGeom>
+        </p:spPr>
+        <p:style>
+          <a:lnRef idx="2">
+            <a:schemeClr val="accent2">
+              <a:shade val="50000"/>
+            </a:schemeClr>
+          </a:lnRef>
+          <a:fillRef idx="1">
+            <a:schemeClr val="accent2"/>
+          </a:fillRef>
+          <a:effectRef idx="0">
+            <a:schemeClr val="accent2"/>
+          </a:effectRef>
+          <a:fontRef idx="minor">
+            <a:schemeClr val="lt1"/>
+          </a:fontRef>
+        </p:style>
+        <p:txBody>
+          <a:bodyPr rtlCol="0" anchor="ctr"/>
+          <a:lstStyle/>
+          <a:p>
+            <a:pPr algn="ctr"/>
+            <a:endParaRPr lang="en-GB">
+              <a:solidFill>
+                <a:schemeClr val="tx1"/>
+              </a:solidFill>
+            </a:endParaRPr>
+          </a:p>
+        </p:txBody>
+      </p:sp>
+      <p:sp>
+        <p:nvSpPr>
+          <p:cNvPr id="15" name="TextBox 14">
+            <a:extLst>
+              <a:ext uri="{FF2B5EF4-FFF2-40B4-BE49-F238E27FC236}">
+                <a16:creationId xmlns:a16="http://schemas.microsoft.com/office/drawing/2014/main" id="{715FD7DA-A2BB-45EC-ABAD-09A72A6DAA8F}"/>
+              </a:ext>
+            </a:extLst>
+          </p:cNvPr>
+          <p:cNvSpPr txBox="1"/>
+          <p:nvPr/>
+        </p:nvSpPr>
+        <p:spPr>
+          <a:xfrm>
+            <a:off x="1759297" y="1580204"/>
+            <a:ext cx="389850" cy="584775"/>
+          </a:xfrm>
+          <a:prstGeom prst="rect">
+            <a:avLst/>
+          </a:prstGeom>
+          <a:noFill/>
+        </p:spPr>
+        <p:txBody>
+          <a:bodyPr wrap="none" rtlCol="0">
+            <a:spAutoFit/>
+          </a:bodyPr>
+          <a:lstStyle/>
+          <a:p>
+            <a:r>
+              <a:rPr lang="it-IT" sz="3200" b="1" dirty="0">
+                <a:ln w="22225">
+                  <a:solidFill>
+                    <a:schemeClr val="accent2">
+                      <a:lumMod val="50000"/>
+                    </a:schemeClr>
+                  </a:solidFill>
+                  <a:prstDash val="solid"/>
+                </a:ln>
+                <a:solidFill>
+                  <a:schemeClr val="accent2">
+                    <a:lumMod val="75000"/>
+                  </a:schemeClr>
+                </a:solidFill>
+              </a:rPr>
+              <a:t>+</a:t>
+            </a:r>
+            <a:endParaRPr lang="en-GB" sz="3200" b="1" dirty="0">
+              <a:ln w="22225">
+                <a:solidFill>
+                  <a:schemeClr val="accent2">
+                    <a:lumMod val="50000"/>
+                  </a:schemeClr>
+                </a:solidFill>
+                <a:prstDash val="solid"/>
+              </a:ln>
+              <a:solidFill>
+                <a:schemeClr val="accent2">
+                  <a:lumMod val="75000"/>
+                </a:schemeClr>
+              </a:solidFill>
+            </a:endParaRPr>
+          </a:p>
+        </p:txBody>
+      </p:sp>
+      <p:sp>
+        <p:nvSpPr>
+          <p:cNvPr id="16" name="TextBox 15">
+            <a:extLst>
+              <a:ext uri="{FF2B5EF4-FFF2-40B4-BE49-F238E27FC236}">
+                <a16:creationId xmlns:a16="http://schemas.microsoft.com/office/drawing/2014/main" id="{0E5CEBD1-D0EA-47F0-B65C-CEEFA79032CD}"/>
+              </a:ext>
+            </a:extLst>
+          </p:cNvPr>
+          <p:cNvSpPr txBox="1"/>
+          <p:nvPr/>
+        </p:nvSpPr>
+        <p:spPr>
+          <a:xfrm>
+            <a:off x="2521412" y="1590951"/>
+            <a:ext cx="389850" cy="584775"/>
+          </a:xfrm>
+          <a:prstGeom prst="rect">
+            <a:avLst/>
+          </a:prstGeom>
+          <a:noFill/>
+        </p:spPr>
+        <p:txBody>
+          <a:bodyPr wrap="none" rtlCol="0">
+            <a:spAutoFit/>
+          </a:bodyPr>
+          <a:lstStyle/>
+          <a:p>
+            <a:r>
+              <a:rPr lang="it-IT" sz="3200" b="1" dirty="0">
+                <a:ln w="22225">
+                  <a:solidFill>
+                    <a:schemeClr val="accent2">
+                      <a:lumMod val="50000"/>
+                    </a:schemeClr>
+                  </a:solidFill>
+                  <a:prstDash val="solid"/>
+                </a:ln>
+                <a:solidFill>
+                  <a:schemeClr val="accent2">
+                    <a:lumMod val="75000"/>
+                  </a:schemeClr>
+                </a:solidFill>
+              </a:rPr>
+              <a:t>+</a:t>
+            </a:r>
+            <a:endParaRPr lang="en-GB" sz="3200" b="1" dirty="0">
+              <a:ln w="22225">
+                <a:solidFill>
+                  <a:schemeClr val="accent2">
+                    <a:lumMod val="50000"/>
+                  </a:schemeClr>
+                </a:solidFill>
+                <a:prstDash val="solid"/>
+              </a:ln>
+              <a:solidFill>
+                <a:schemeClr val="accent2">
+                  <a:lumMod val="75000"/>
+                </a:schemeClr>
+              </a:solidFill>
+            </a:endParaRPr>
+          </a:p>
+        </p:txBody>
+      </p:sp>
+      <p:sp>
+        <p:nvSpPr>
+          <p:cNvPr id="17" name="TextBox 16">
+            <a:extLst>
+              <a:ext uri="{FF2B5EF4-FFF2-40B4-BE49-F238E27FC236}">
+                <a16:creationId xmlns:a16="http://schemas.microsoft.com/office/drawing/2014/main" id="{EAC353AA-C653-4B8F-93B9-2F80A6C204A6}"/>
+              </a:ext>
+            </a:extLst>
+          </p:cNvPr>
+          <p:cNvSpPr txBox="1"/>
+          <p:nvPr/>
+        </p:nvSpPr>
+        <p:spPr>
+          <a:xfrm>
+            <a:off x="3216380" y="1590951"/>
+            <a:ext cx="311835" cy="584775"/>
+          </a:xfrm>
+          <a:prstGeom prst="rect">
+            <a:avLst/>
+          </a:prstGeom>
+          <a:noFill/>
+        </p:spPr>
+        <p:txBody>
+          <a:bodyPr wrap="square" rtlCol="0">
+            <a:spAutoFit/>
+          </a:bodyPr>
+          <a:lstStyle/>
+          <a:p>
+            <a:r>
+              <a:rPr lang="it-IT" sz="3200" b="1" dirty="0">
+                <a:ln w="22225">
+                  <a:solidFill>
+                    <a:schemeClr val="accent2">
+                      <a:lumMod val="50000"/>
+                    </a:schemeClr>
+                  </a:solidFill>
+                  <a:prstDash val="solid"/>
+                </a:ln>
+                <a:solidFill>
+                  <a:schemeClr val="accent2">
+                    <a:lumMod val="75000"/>
+                  </a:schemeClr>
+                </a:solidFill>
+              </a:rPr>
+              <a:t>+</a:t>
+            </a:r>
+            <a:endParaRPr lang="en-GB" sz="3200" b="1" dirty="0">
+              <a:ln w="22225">
+                <a:solidFill>
+                  <a:schemeClr val="accent2">
+                    <a:lumMod val="50000"/>
+                  </a:schemeClr>
+                </a:solidFill>
+                <a:prstDash val="solid"/>
+              </a:ln>
+              <a:solidFill>
+                <a:schemeClr val="accent2">
+                  <a:lumMod val="75000"/>
+                </a:schemeClr>
+              </a:solidFill>
+            </a:endParaRPr>
+          </a:p>
+        </p:txBody>
+      </p:sp>
+      <p:cxnSp>
+        <p:nvCxnSpPr>
+          <p:cNvPr id="18" name="Straight Connector 17">
+            <a:extLst>
+              <a:ext uri="{FF2B5EF4-FFF2-40B4-BE49-F238E27FC236}">
+                <a16:creationId xmlns:a16="http://schemas.microsoft.com/office/drawing/2014/main" id="{FA239523-8E9D-4716-9088-486C4819C51D}"/>
+              </a:ext>
+            </a:extLst>
+          </p:cNvPr>
+          <p:cNvCxnSpPr/>
+          <p:nvPr/>
+        </p:nvCxnSpPr>
+        <p:spPr>
+          <a:xfrm flipV="1">
+            <a:off x="4109723" y="1703722"/>
+            <a:ext cx="237996" cy="340441"/>
+          </a:xfrm>
+          <a:prstGeom prst="line">
+            <a:avLst/>
+          </a:prstGeom>
+        </p:spPr>
+        <p:style>
+          <a:lnRef idx="3">
+            <a:schemeClr val="accent2"/>
+          </a:lnRef>
+          <a:fillRef idx="0">
+            <a:schemeClr val="accent2"/>
+          </a:fillRef>
+          <a:effectRef idx="2">
+            <a:schemeClr val="accent2"/>
+          </a:effectRef>
+          <a:fontRef idx="minor">
+            <a:schemeClr val="tx1"/>
+          </a:fontRef>
+        </p:style>
+      </p:cxnSp>
+      <p:sp>
+        <p:nvSpPr>
+          <p:cNvPr id="19" name="TextBox 18">
+            <a:extLst>
+              <a:ext uri="{FF2B5EF4-FFF2-40B4-BE49-F238E27FC236}">
+                <a16:creationId xmlns:a16="http://schemas.microsoft.com/office/drawing/2014/main" id="{40BCF3B8-AAB3-4314-B405-5EBD28946090}"/>
+              </a:ext>
+            </a:extLst>
+          </p:cNvPr>
+          <p:cNvSpPr txBox="1"/>
+          <p:nvPr/>
+        </p:nvSpPr>
+        <p:spPr>
+          <a:xfrm>
+            <a:off x="4265968" y="1660864"/>
+            <a:ext cx="301686" cy="369332"/>
+          </a:xfrm>
+          <a:prstGeom prst="rect">
+            <a:avLst/>
+          </a:prstGeom>
+          <a:noFill/>
+        </p:spPr>
+        <p:txBody>
+          <a:bodyPr wrap="square" rtlCol="0">
+            <a:spAutoFit/>
+          </a:bodyPr>
+          <a:lstStyle/>
+          <a:p>
+            <a:r>
+              <a:rPr lang="it-IT" b="1" dirty="0">
+                <a:ln w="22225">
+                  <a:solidFill>
+                    <a:schemeClr val="accent2">
+                      <a:lumMod val="75000"/>
+                    </a:schemeClr>
+                  </a:solidFill>
+                  <a:prstDash val="solid"/>
+                </a:ln>
+                <a:solidFill>
+                  <a:schemeClr val="accent2">
+                    <a:lumMod val="50000"/>
+                  </a:schemeClr>
+                </a:solidFill>
+              </a:rPr>
+              <a:t>5</a:t>
+            </a:r>
+            <a:endParaRPr lang="en-GB" b="1" dirty="0">
+              <a:ln w="22225">
+                <a:solidFill>
+                  <a:schemeClr val="accent2">
+                    <a:lumMod val="75000"/>
+                  </a:schemeClr>
+                </a:solidFill>
+                <a:prstDash val="solid"/>
+              </a:ln>
+              <a:solidFill>
+                <a:schemeClr val="accent2">
+                  <a:lumMod val="50000"/>
+                </a:schemeClr>
+              </a:solidFill>
+            </a:endParaRPr>
+          </a:p>
+        </p:txBody>
+      </p:sp>
+      <p:cxnSp>
+        <p:nvCxnSpPr>
+          <p:cNvPr id="22" name="Straight Arrow Connector 21">
+            <a:extLst>
+              <a:ext uri="{FF2B5EF4-FFF2-40B4-BE49-F238E27FC236}">
+                <a16:creationId xmlns:a16="http://schemas.microsoft.com/office/drawing/2014/main" id="{BC1AF7D6-A988-489C-B3FA-F1AA8EB0078A}"/>
+              </a:ext>
+            </a:extLst>
+          </p:cNvPr>
+          <p:cNvCxnSpPr/>
+          <p:nvPr/>
+        </p:nvCxnSpPr>
+        <p:spPr>
+          <a:xfrm flipH="1">
+            <a:off x="11405937" y="1239253"/>
+            <a:ext cx="517358" cy="892245"/>
+          </a:xfrm>
+          <a:prstGeom prst="straightConnector1">
+            <a:avLst/>
+          </a:prstGeom>
+          <a:ln>
+            <a:tailEnd type="triangle"/>
+          </a:ln>
+        </p:spPr>
+        <p:style>
+          <a:lnRef idx="1">
+            <a:schemeClr val="dk1"/>
+          </a:lnRef>
+          <a:fillRef idx="0">
             <a:schemeClr val="dk1"/>
           </a:fillRef>
           <a:effectRef idx="0">
             <a:schemeClr val="dk1"/>
           </a:effectRef>
           <a:fontRef idx="minor">
-            <a:schemeClr val="lt1"/>
+            <a:schemeClr val="tx1"/>
           </a:fontRef>
         </p:style>
-        <p:txBody>
-          <a:bodyPr rtlCol="0" anchor="ctr"/>
-          <a:lstStyle/>
-          <a:p>
-            <a:pPr algn="ctr"/>
-            <a:endParaRPr lang="en-GB">
-              <a:solidFill>
-                <a:schemeClr val="tx1"/>
-              </a:solidFill>
-            </a:endParaRPr>
+      </p:cxnSp>
+      <p:sp>
+        <p:nvSpPr>
+          <p:cNvPr id="23" name="TextBox 22">
+            <a:extLst>
+              <a:ext uri="{FF2B5EF4-FFF2-40B4-BE49-F238E27FC236}">
+                <a16:creationId xmlns:a16="http://schemas.microsoft.com/office/drawing/2014/main" id="{540DAC2D-01CF-40D3-AB86-84597AD8D935}"/>
+              </a:ext>
+            </a:extLst>
+          </p:cNvPr>
+          <p:cNvSpPr txBox="1"/>
+          <p:nvPr/>
+        </p:nvSpPr>
+        <p:spPr>
+          <a:xfrm>
+            <a:off x="11564863" y="923225"/>
+            <a:ext cx="716863" cy="369332"/>
+          </a:xfrm>
+          <a:prstGeom prst="rect">
+            <a:avLst/>
+          </a:prstGeom>
+          <a:noFill/>
+        </p:spPr>
+        <p:txBody>
+          <a:bodyPr wrap="none" rtlCol="0">
+            <a:spAutoFit/>
+          </a:bodyPr>
+          <a:lstStyle/>
+          <a:p>
+            <a:r>
+              <a:rPr lang="it-IT" dirty="0"/>
+              <a:t>CEIL()</a:t>
+            </a:r>
+            <a:endParaRPr lang="en-GB" dirty="0"/>
+          </a:p>
+        </p:txBody>
+      </p:sp>
+      <p:cxnSp>
+        <p:nvCxnSpPr>
+          <p:cNvPr id="25" name="Straight Arrow Connector 24">
+            <a:extLst>
+              <a:ext uri="{FF2B5EF4-FFF2-40B4-BE49-F238E27FC236}">
+                <a16:creationId xmlns:a16="http://schemas.microsoft.com/office/drawing/2014/main" id="{59D6F782-2A94-4191-BED5-9B8EFA5E483E}"/>
+              </a:ext>
+            </a:extLst>
+          </p:cNvPr>
+          <p:cNvCxnSpPr/>
+          <p:nvPr/>
+        </p:nvCxnSpPr>
+        <p:spPr>
+          <a:xfrm>
+            <a:off x="8807117" y="1239253"/>
+            <a:ext cx="721894" cy="827540"/>
+          </a:xfrm>
+          <a:prstGeom prst="straightConnector1">
+            <a:avLst/>
+          </a:prstGeom>
+          <a:ln>
+            <a:tailEnd type="triangle"/>
+          </a:ln>
+        </p:spPr>
+        <p:style>
+          <a:lnRef idx="1">
+            <a:schemeClr val="dk1"/>
+          </a:lnRef>
+          <a:fillRef idx="0">
+            <a:schemeClr val="dk1"/>
+          </a:fillRef>
+          <a:effectRef idx="0">
+            <a:schemeClr val="dk1"/>
+          </a:effectRef>
+          <a:fontRef idx="minor">
+            <a:schemeClr val="tx1"/>
+          </a:fontRef>
+        </p:style>
+      </p:cxnSp>
+      <p:sp>
+        <p:nvSpPr>
+          <p:cNvPr id="26" name="TextBox 25">
+            <a:extLst>
+              <a:ext uri="{FF2B5EF4-FFF2-40B4-BE49-F238E27FC236}">
+                <a16:creationId xmlns:a16="http://schemas.microsoft.com/office/drawing/2014/main" id="{3653B644-2699-4AA2-A9DA-9DA04D71DB15}"/>
+              </a:ext>
+            </a:extLst>
+          </p:cNvPr>
+          <p:cNvSpPr txBox="1"/>
+          <p:nvPr/>
+        </p:nvSpPr>
+        <p:spPr>
+          <a:xfrm>
+            <a:off x="8214213" y="917473"/>
+            <a:ext cx="953851" cy="369332"/>
+          </a:xfrm>
+          <a:prstGeom prst="rect">
+            <a:avLst/>
+          </a:prstGeom>
+          <a:noFill/>
+        </p:spPr>
+        <p:txBody>
+          <a:bodyPr wrap="none" rtlCol="0">
+            <a:spAutoFit/>
+          </a:bodyPr>
+          <a:lstStyle/>
+          <a:p>
+            <a:r>
+              <a:rPr lang="it-IT" dirty="0"/>
+              <a:t>FLOOR()</a:t>
+            </a:r>
+            <a:endParaRPr lang="en-GB" dirty="0"/>
           </a:p>
         </p:txBody>
       </p:sp>
     </p:spTree>
     <p:extLst>
       <p:ext uri="{BB962C8B-B14F-4D97-AF65-F5344CB8AC3E}">
-        <p14:creationId xmlns:p14="http://schemas.microsoft.com/office/powerpoint/2010/main" val="389115255"/>
+        <p14:creationId xmlns:p14="http://schemas.microsoft.com/office/powerpoint/2010/main" val="3627530732"/>
       </p:ext>
     </p:extLst>
   </p:cSld>

--- a/screenshots/imgs.pptx
+++ b/screenshots/imgs.pptx
@@ -17,6 +17,7 @@
     <p:sldId id="264" r:id="rId11"/>
     <p:sldId id="265" r:id="rId12"/>
     <p:sldId id="266" r:id="rId13"/>
+    <p:sldId id="268" r:id="rId14"/>
   </p:sldIdLst>
   <p:sldSz cx="12192000" cy="6858000"/>
   <p:notesSz cx="6858000" cy="9144000"/>
@@ -272,7 +273,7 @@
           <a:p>
             <a:fld id="{166DC043-4AEC-4A4E-AB79-0D54B7828DD9}" type="datetimeFigureOut">
               <a:rPr lang="en-GB" smtClean="0"/>
-              <a:t>04/05/2021</a:t>
+              <a:t>06/05/2021</a:t>
             </a:fld>
             <a:endParaRPr lang="en-GB"/>
           </a:p>
@@ -472,7 +473,7 @@
           <a:p>
             <a:fld id="{166DC043-4AEC-4A4E-AB79-0D54B7828DD9}" type="datetimeFigureOut">
               <a:rPr lang="en-GB" smtClean="0"/>
-              <a:t>04/05/2021</a:t>
+              <a:t>06/05/2021</a:t>
             </a:fld>
             <a:endParaRPr lang="en-GB"/>
           </a:p>
@@ -682,7 +683,7 @@
           <a:p>
             <a:fld id="{166DC043-4AEC-4A4E-AB79-0D54B7828DD9}" type="datetimeFigureOut">
               <a:rPr lang="en-GB" smtClean="0"/>
-              <a:t>04/05/2021</a:t>
+              <a:t>06/05/2021</a:t>
             </a:fld>
             <a:endParaRPr lang="en-GB"/>
           </a:p>
@@ -882,7 +883,7 @@
           <a:p>
             <a:fld id="{166DC043-4AEC-4A4E-AB79-0D54B7828DD9}" type="datetimeFigureOut">
               <a:rPr lang="en-GB" smtClean="0"/>
-              <a:t>04/05/2021</a:t>
+              <a:t>06/05/2021</a:t>
             </a:fld>
             <a:endParaRPr lang="en-GB"/>
           </a:p>
@@ -1158,7 +1159,7 @@
           <a:p>
             <a:fld id="{166DC043-4AEC-4A4E-AB79-0D54B7828DD9}" type="datetimeFigureOut">
               <a:rPr lang="en-GB" smtClean="0"/>
-              <a:t>04/05/2021</a:t>
+              <a:t>06/05/2021</a:t>
             </a:fld>
             <a:endParaRPr lang="en-GB"/>
           </a:p>
@@ -1426,7 +1427,7 @@
           <a:p>
             <a:fld id="{166DC043-4AEC-4A4E-AB79-0D54B7828DD9}" type="datetimeFigureOut">
               <a:rPr lang="en-GB" smtClean="0"/>
-              <a:t>04/05/2021</a:t>
+              <a:t>06/05/2021</a:t>
             </a:fld>
             <a:endParaRPr lang="en-GB"/>
           </a:p>
@@ -1841,7 +1842,7 @@
           <a:p>
             <a:fld id="{166DC043-4AEC-4A4E-AB79-0D54B7828DD9}" type="datetimeFigureOut">
               <a:rPr lang="en-GB" smtClean="0"/>
-              <a:t>04/05/2021</a:t>
+              <a:t>06/05/2021</a:t>
             </a:fld>
             <a:endParaRPr lang="en-GB"/>
           </a:p>
@@ -1983,7 +1984,7 @@
           <a:p>
             <a:fld id="{166DC043-4AEC-4A4E-AB79-0D54B7828DD9}" type="datetimeFigureOut">
               <a:rPr lang="en-GB" smtClean="0"/>
-              <a:t>04/05/2021</a:t>
+              <a:t>06/05/2021</a:t>
             </a:fld>
             <a:endParaRPr lang="en-GB"/>
           </a:p>
@@ -2096,7 +2097,7 @@
           <a:p>
             <a:fld id="{166DC043-4AEC-4A4E-AB79-0D54B7828DD9}" type="datetimeFigureOut">
               <a:rPr lang="en-GB" smtClean="0"/>
-              <a:t>04/05/2021</a:t>
+              <a:t>06/05/2021</a:t>
             </a:fld>
             <a:endParaRPr lang="en-GB"/>
           </a:p>
@@ -2409,7 +2410,7 @@
           <a:p>
             <a:fld id="{166DC043-4AEC-4A4E-AB79-0D54B7828DD9}" type="datetimeFigureOut">
               <a:rPr lang="en-GB" smtClean="0"/>
-              <a:t>04/05/2021</a:t>
+              <a:t>06/05/2021</a:t>
             </a:fld>
             <a:endParaRPr lang="en-GB"/>
           </a:p>
@@ -2698,7 +2699,7 @@
           <a:p>
             <a:fld id="{166DC043-4AEC-4A4E-AB79-0D54B7828DD9}" type="datetimeFigureOut">
               <a:rPr lang="en-GB" smtClean="0"/>
-              <a:t>04/05/2021</a:t>
+              <a:t>06/05/2021</a:t>
             </a:fld>
             <a:endParaRPr lang="en-GB"/>
           </a:p>
@@ -2941,7 +2942,7 @@
           <a:p>
             <a:fld id="{166DC043-4AEC-4A4E-AB79-0D54B7828DD9}" type="datetimeFigureOut">
               <a:rPr lang="en-GB" smtClean="0"/>
-              <a:t>04/05/2021</a:t>
+              <a:t>06/05/2021</a:t>
             </a:fld>
             <a:endParaRPr lang="en-GB"/>
           </a:p>
@@ -5392,6 +5393,409 @@
 </p:sld>
 </file>
 
+<file path=ppt/slides/slide13.xml><?xml version="1.0" encoding="utf-8"?>
+<p:sld xmlns:a="http://schemas.openxmlformats.org/drawingml/2006/main" xmlns:r="http://schemas.openxmlformats.org/officeDocument/2006/relationships" xmlns:p="http://schemas.openxmlformats.org/presentationml/2006/main">
+  <p:cSld>
+    <p:bg>
+      <p:bgPr>
+        <a:solidFill>
+          <a:schemeClr val="bg1"/>
+        </a:solidFill>
+        <a:effectLst/>
+      </p:bgPr>
+    </p:bg>
+    <p:spTree>
+      <p:nvGrpSpPr>
+        <p:cNvPr id="1" name=""/>
+        <p:cNvGrpSpPr/>
+        <p:nvPr/>
+      </p:nvGrpSpPr>
+      <p:grpSpPr>
+        <a:xfrm>
+          <a:off x="0" y="0"/>
+          <a:ext cx="0" cy="0"/>
+          <a:chOff x="0" y="0"/>
+          <a:chExt cx="0" cy="0"/>
+        </a:xfrm>
+      </p:grpSpPr>
+      <p:pic>
+        <p:nvPicPr>
+          <p:cNvPr id="7" name="Picture 6" descr="Calendar&#10;&#10;Description automatically generated">
+            <a:extLst>
+              <a:ext uri="{FF2B5EF4-FFF2-40B4-BE49-F238E27FC236}">
+                <a16:creationId xmlns:a16="http://schemas.microsoft.com/office/drawing/2014/main" id="{825BAAF6-DA2C-44DD-B4CA-C98D9CB5376A}"/>
+              </a:ext>
+            </a:extLst>
+          </p:cNvPr>
+          <p:cNvPicPr>
+            <a:picLocks noChangeAspect="1"/>
+          </p:cNvPicPr>
+          <p:nvPr/>
+        </p:nvPicPr>
+        <p:blipFill rotWithShape="1">
+          <a:blip r:embed="rId2">
+            <a:extLst>
+              <a:ext uri="{28A0092B-C50C-407E-A947-70E740481C1C}">
+                <a14:useLocalDpi xmlns:a14="http://schemas.microsoft.com/office/drawing/2010/main" val="0"/>
+              </a:ext>
+            </a:extLst>
+          </a:blip>
+          <a:srcRect t="54786"/>
+          <a:stretch/>
+        </p:blipFill>
+        <p:spPr>
+          <a:xfrm>
+            <a:off x="-1328959" y="3018774"/>
+            <a:ext cx="15107590" cy="2015842"/>
+          </a:xfrm>
+          <a:prstGeom prst="rect">
+            <a:avLst/>
+          </a:prstGeom>
+        </p:spPr>
+      </p:pic>
+      <p:pic>
+        <p:nvPicPr>
+          <p:cNvPr id="5" name="Picture 4" descr="Calendar&#10;&#10;Description automatically generated">
+            <a:extLst>
+              <a:ext uri="{FF2B5EF4-FFF2-40B4-BE49-F238E27FC236}">
+                <a16:creationId xmlns:a16="http://schemas.microsoft.com/office/drawing/2014/main" id="{6B3CAEB4-254D-4273-8E4F-8ED769C05560}"/>
+              </a:ext>
+            </a:extLst>
+          </p:cNvPr>
+          <p:cNvPicPr>
+            <a:picLocks noChangeAspect="1"/>
+          </p:cNvPicPr>
+          <p:nvPr/>
+        </p:nvPicPr>
+        <p:blipFill rotWithShape="1">
+          <a:blip r:embed="rId2">
+            <a:extLst>
+              <a:ext uri="{28A0092B-C50C-407E-A947-70E740481C1C}">
+                <a14:useLocalDpi xmlns:a14="http://schemas.microsoft.com/office/drawing/2010/main" val="0"/>
+              </a:ext>
+            </a:extLst>
+          </a:blip>
+          <a:srcRect b="58543"/>
+          <a:stretch/>
+        </p:blipFill>
+        <p:spPr>
+          <a:xfrm>
+            <a:off x="-1366537" y="1227552"/>
+            <a:ext cx="15158616" cy="1853852"/>
+          </a:xfrm>
+          <a:prstGeom prst="rect">
+            <a:avLst/>
+          </a:prstGeom>
+        </p:spPr>
+      </p:pic>
+      <p:cxnSp>
+        <p:nvCxnSpPr>
+          <p:cNvPr id="9" name="Straight Connector 8">
+            <a:extLst>
+              <a:ext uri="{FF2B5EF4-FFF2-40B4-BE49-F238E27FC236}">
+                <a16:creationId xmlns:a16="http://schemas.microsoft.com/office/drawing/2014/main" id="{1F5E327F-0C12-4260-AF6B-7F8833AC1B5A}"/>
+              </a:ext>
+            </a:extLst>
+          </p:cNvPr>
+          <p:cNvCxnSpPr/>
+          <p:nvPr/>
+        </p:nvCxnSpPr>
+        <p:spPr>
+          <a:xfrm>
+            <a:off x="-1366537" y="3081404"/>
+            <a:ext cx="15158616" cy="0"/>
+          </a:xfrm>
+          <a:prstGeom prst="line">
+            <a:avLst/>
+          </a:prstGeom>
+        </p:spPr>
+        <p:style>
+          <a:lnRef idx="3">
+            <a:schemeClr val="dk1"/>
+          </a:lnRef>
+          <a:fillRef idx="0">
+            <a:schemeClr val="dk1"/>
+          </a:fillRef>
+          <a:effectRef idx="2">
+            <a:schemeClr val="dk1"/>
+          </a:effectRef>
+          <a:fontRef idx="minor">
+            <a:schemeClr val="tx1"/>
+          </a:fontRef>
+        </p:style>
+      </p:cxnSp>
+      <p:sp>
+        <p:nvSpPr>
+          <p:cNvPr id="10" name="Rectangle 9">
+            <a:extLst>
+              <a:ext uri="{FF2B5EF4-FFF2-40B4-BE49-F238E27FC236}">
+                <a16:creationId xmlns:a16="http://schemas.microsoft.com/office/drawing/2014/main" id="{DE3312F5-AB7C-4C54-BFD2-61B8BFEE0034}"/>
+              </a:ext>
+            </a:extLst>
+          </p:cNvPr>
+          <p:cNvSpPr/>
+          <p:nvPr/>
+        </p:nvSpPr>
+        <p:spPr>
+          <a:xfrm>
+            <a:off x="2455101" y="1440493"/>
+            <a:ext cx="764088" cy="1640910"/>
+          </a:xfrm>
+          <a:prstGeom prst="rect">
+            <a:avLst/>
+          </a:prstGeom>
+          <a:solidFill>
+            <a:schemeClr val="accent2">
+              <a:alpha val="20000"/>
+            </a:schemeClr>
+          </a:solidFill>
+          <a:ln>
+            <a:noFill/>
+          </a:ln>
+        </p:spPr>
+        <p:style>
+          <a:lnRef idx="0">
+            <a:scrgbClr r="0" g="0" b="0"/>
+          </a:lnRef>
+          <a:fillRef idx="0">
+            <a:scrgbClr r="0" g="0" b="0"/>
+          </a:fillRef>
+          <a:effectRef idx="0">
+            <a:scrgbClr r="0" g="0" b="0"/>
+          </a:effectRef>
+          <a:fontRef idx="minor">
+            <a:schemeClr val="lt1"/>
+          </a:fontRef>
+        </p:style>
+        <p:txBody>
+          <a:bodyPr rtlCol="0" anchor="ctr"/>
+          <a:lstStyle/>
+          <a:p>
+            <a:pPr algn="ctr"/>
+            <a:endParaRPr lang="en-GB"/>
+          </a:p>
+        </p:txBody>
+      </p:sp>
+      <p:sp>
+        <p:nvSpPr>
+          <p:cNvPr id="11" name="Rectangle 10">
+            <a:extLst>
+              <a:ext uri="{FF2B5EF4-FFF2-40B4-BE49-F238E27FC236}">
+                <a16:creationId xmlns:a16="http://schemas.microsoft.com/office/drawing/2014/main" id="{B245E60E-FB0E-4659-A1B3-40450CF381CF}"/>
+              </a:ext>
+            </a:extLst>
+          </p:cNvPr>
+          <p:cNvSpPr/>
+          <p:nvPr/>
+        </p:nvSpPr>
+        <p:spPr>
+          <a:xfrm>
+            <a:off x="2455101" y="3081403"/>
+            <a:ext cx="764088" cy="1668396"/>
+          </a:xfrm>
+          <a:prstGeom prst="rect">
+            <a:avLst/>
+          </a:prstGeom>
+          <a:solidFill>
+            <a:srgbClr val="00B050">
+              <a:alpha val="20000"/>
+            </a:srgbClr>
+          </a:solidFill>
+          <a:ln>
+            <a:noFill/>
+          </a:ln>
+        </p:spPr>
+        <p:style>
+          <a:lnRef idx="0">
+            <a:scrgbClr r="0" g="0" b="0"/>
+          </a:lnRef>
+          <a:fillRef idx="0">
+            <a:scrgbClr r="0" g="0" b="0"/>
+          </a:fillRef>
+          <a:effectRef idx="0">
+            <a:scrgbClr r="0" g="0" b="0"/>
+          </a:effectRef>
+          <a:fontRef idx="minor">
+            <a:schemeClr val="lt1"/>
+          </a:fontRef>
+        </p:style>
+        <p:txBody>
+          <a:bodyPr rtlCol="0" anchor="ctr"/>
+          <a:lstStyle/>
+          <a:p>
+            <a:pPr algn="ctr"/>
+            <a:endParaRPr lang="en-GB"/>
+          </a:p>
+        </p:txBody>
+      </p:sp>
+      <p:cxnSp>
+        <p:nvCxnSpPr>
+          <p:cNvPr id="13" name="Straight Arrow Connector 12">
+            <a:extLst>
+              <a:ext uri="{FF2B5EF4-FFF2-40B4-BE49-F238E27FC236}">
+                <a16:creationId xmlns:a16="http://schemas.microsoft.com/office/drawing/2014/main" id="{C371D904-C490-460B-AECE-C7A5D13E5B4F}"/>
+              </a:ext>
+            </a:extLst>
+          </p:cNvPr>
+          <p:cNvCxnSpPr>
+            <a:cxnSpLocks/>
+            <a:endCxn id="10" idx="1"/>
+          </p:cNvCxnSpPr>
+          <p:nvPr/>
+        </p:nvCxnSpPr>
+        <p:spPr>
+          <a:xfrm>
+            <a:off x="1340285" y="964504"/>
+            <a:ext cx="1114816" cy="1296444"/>
+          </a:xfrm>
+          <a:prstGeom prst="straightConnector1">
+            <a:avLst/>
+          </a:prstGeom>
+          <a:ln>
+            <a:tailEnd type="triangle"/>
+          </a:ln>
+        </p:spPr>
+        <p:style>
+          <a:lnRef idx="2">
+            <a:schemeClr val="dk1"/>
+          </a:lnRef>
+          <a:fillRef idx="0">
+            <a:schemeClr val="dk1"/>
+          </a:fillRef>
+          <a:effectRef idx="1">
+            <a:schemeClr val="dk1"/>
+          </a:effectRef>
+          <a:fontRef idx="minor">
+            <a:schemeClr val="tx1"/>
+          </a:fontRef>
+        </p:style>
+      </p:cxnSp>
+      <p:sp>
+        <p:nvSpPr>
+          <p:cNvPr id="15" name="TextBox 14">
+            <a:extLst>
+              <a:ext uri="{FF2B5EF4-FFF2-40B4-BE49-F238E27FC236}">
+                <a16:creationId xmlns:a16="http://schemas.microsoft.com/office/drawing/2014/main" id="{5E0EF009-8E14-4A1C-89D2-E77933B04861}"/>
+              </a:ext>
+            </a:extLst>
+          </p:cNvPr>
+          <p:cNvSpPr txBox="1"/>
+          <p:nvPr/>
+        </p:nvSpPr>
+        <p:spPr>
+          <a:xfrm>
+            <a:off x="496656" y="542030"/>
+            <a:ext cx="1687257" cy="369332"/>
+          </a:xfrm>
+          <a:prstGeom prst="rect">
+            <a:avLst/>
+          </a:prstGeom>
+          <a:noFill/>
+        </p:spPr>
+        <p:txBody>
+          <a:bodyPr wrap="none" rtlCol="0">
+            <a:spAutoFit/>
+          </a:bodyPr>
+          <a:lstStyle/>
+          <a:p>
+            <a:r>
+              <a:rPr lang="it-IT" dirty="0"/>
+              <a:t>Terna16 dataset</a:t>
+            </a:r>
+            <a:endParaRPr lang="en-GB" dirty="0"/>
+          </a:p>
+        </p:txBody>
+      </p:sp>
+      <p:cxnSp>
+        <p:nvCxnSpPr>
+          <p:cNvPr id="17" name="Straight Arrow Connector 16">
+            <a:extLst>
+              <a:ext uri="{FF2B5EF4-FFF2-40B4-BE49-F238E27FC236}">
+                <a16:creationId xmlns:a16="http://schemas.microsoft.com/office/drawing/2014/main" id="{01B4DEA0-965E-463F-9E48-8A4EF7F78B60}"/>
+              </a:ext>
+            </a:extLst>
+          </p:cNvPr>
+          <p:cNvCxnSpPr>
+            <a:cxnSpLocks/>
+          </p:cNvCxnSpPr>
+          <p:nvPr/>
+        </p:nvCxnSpPr>
+        <p:spPr>
+          <a:xfrm flipV="1">
+            <a:off x="1603332" y="3915602"/>
+            <a:ext cx="851769" cy="1181644"/>
+          </a:xfrm>
+          <a:prstGeom prst="straightConnector1">
+            <a:avLst/>
+          </a:prstGeom>
+          <a:ln>
+            <a:tailEnd type="triangle"/>
+          </a:ln>
+        </p:spPr>
+        <p:style>
+          <a:lnRef idx="2">
+            <a:schemeClr val="dk1"/>
+          </a:lnRef>
+          <a:fillRef idx="0">
+            <a:schemeClr val="dk1"/>
+          </a:fillRef>
+          <a:effectRef idx="1">
+            <a:schemeClr val="dk1"/>
+          </a:effectRef>
+          <a:fontRef idx="minor">
+            <a:schemeClr val="tx1"/>
+          </a:fontRef>
+        </p:style>
+      </p:cxnSp>
+      <p:sp>
+        <p:nvSpPr>
+          <p:cNvPr id="19" name="TextBox 18">
+            <a:extLst>
+              <a:ext uri="{FF2B5EF4-FFF2-40B4-BE49-F238E27FC236}">
+                <a16:creationId xmlns:a16="http://schemas.microsoft.com/office/drawing/2014/main" id="{C53FE6B6-8249-4EAA-938F-CBFC78ED2405}"/>
+              </a:ext>
+            </a:extLst>
+          </p:cNvPr>
+          <p:cNvSpPr txBox="1"/>
+          <p:nvPr/>
+        </p:nvSpPr>
+        <p:spPr>
+          <a:xfrm>
+            <a:off x="759703" y="5103509"/>
+            <a:ext cx="1687257" cy="369332"/>
+          </a:xfrm>
+          <a:prstGeom prst="rect">
+            <a:avLst/>
+          </a:prstGeom>
+          <a:noFill/>
+        </p:spPr>
+        <p:txBody>
+          <a:bodyPr wrap="none" rtlCol="0">
+            <a:spAutoFit/>
+          </a:bodyPr>
+          <a:lstStyle/>
+          <a:p>
+            <a:r>
+              <a:rPr lang="it-IT" dirty="0"/>
+              <a:t>Terna17 dataset</a:t>
+            </a:r>
+            <a:endParaRPr lang="en-GB" dirty="0"/>
+          </a:p>
+        </p:txBody>
+      </p:sp>
+    </p:spTree>
+    <p:extLst>
+      <p:ext uri="{BB962C8B-B14F-4D97-AF65-F5344CB8AC3E}">
+        <p14:creationId xmlns:p14="http://schemas.microsoft.com/office/powerpoint/2010/main" val="1104926717"/>
+      </p:ext>
+    </p:extLst>
+  </p:cSld>
+  <p:clrMapOvr>
+    <a:masterClrMapping/>
+  </p:clrMapOvr>
+</p:sld>
+</file>
+
 <file path=ppt/slides/slide2.xml><?xml version="1.0" encoding="utf-8"?>
 <p:sld xmlns:a="http://schemas.openxmlformats.org/drawingml/2006/main" xmlns:r="http://schemas.openxmlformats.org/officeDocument/2006/relationships" xmlns:p="http://schemas.openxmlformats.org/presentationml/2006/main">
   <p:cSld>

--- a/screenshots/imgs.pptx
+++ b/screenshots/imgs.pptx
@@ -273,7 +273,7 @@
           <a:p>
             <a:fld id="{166DC043-4AEC-4A4E-AB79-0D54B7828DD9}" type="datetimeFigureOut">
               <a:rPr lang="en-GB" smtClean="0"/>
-              <a:t>06/05/2021</a:t>
+              <a:t>07/05/2021</a:t>
             </a:fld>
             <a:endParaRPr lang="en-GB"/>
           </a:p>
@@ -473,7 +473,7 @@
           <a:p>
             <a:fld id="{166DC043-4AEC-4A4E-AB79-0D54B7828DD9}" type="datetimeFigureOut">
               <a:rPr lang="en-GB" smtClean="0"/>
-              <a:t>06/05/2021</a:t>
+              <a:t>07/05/2021</a:t>
             </a:fld>
             <a:endParaRPr lang="en-GB"/>
           </a:p>
@@ -683,7 +683,7 @@
           <a:p>
             <a:fld id="{166DC043-4AEC-4A4E-AB79-0D54B7828DD9}" type="datetimeFigureOut">
               <a:rPr lang="en-GB" smtClean="0"/>
-              <a:t>06/05/2021</a:t>
+              <a:t>07/05/2021</a:t>
             </a:fld>
             <a:endParaRPr lang="en-GB"/>
           </a:p>
@@ -883,7 +883,7 @@
           <a:p>
             <a:fld id="{166DC043-4AEC-4A4E-AB79-0D54B7828DD9}" type="datetimeFigureOut">
               <a:rPr lang="en-GB" smtClean="0"/>
-              <a:t>06/05/2021</a:t>
+              <a:t>07/05/2021</a:t>
             </a:fld>
             <a:endParaRPr lang="en-GB"/>
           </a:p>
@@ -1159,7 +1159,7 @@
           <a:p>
             <a:fld id="{166DC043-4AEC-4A4E-AB79-0D54B7828DD9}" type="datetimeFigureOut">
               <a:rPr lang="en-GB" smtClean="0"/>
-              <a:t>06/05/2021</a:t>
+              <a:t>07/05/2021</a:t>
             </a:fld>
             <a:endParaRPr lang="en-GB"/>
           </a:p>
@@ -1427,7 +1427,7 @@
           <a:p>
             <a:fld id="{166DC043-4AEC-4A4E-AB79-0D54B7828DD9}" type="datetimeFigureOut">
               <a:rPr lang="en-GB" smtClean="0"/>
-              <a:t>06/05/2021</a:t>
+              <a:t>07/05/2021</a:t>
             </a:fld>
             <a:endParaRPr lang="en-GB"/>
           </a:p>
@@ -1842,7 +1842,7 @@
           <a:p>
             <a:fld id="{166DC043-4AEC-4A4E-AB79-0D54B7828DD9}" type="datetimeFigureOut">
               <a:rPr lang="en-GB" smtClean="0"/>
-              <a:t>06/05/2021</a:t>
+              <a:t>07/05/2021</a:t>
             </a:fld>
             <a:endParaRPr lang="en-GB"/>
           </a:p>
@@ -1984,7 +1984,7 @@
           <a:p>
             <a:fld id="{166DC043-4AEC-4A4E-AB79-0D54B7828DD9}" type="datetimeFigureOut">
               <a:rPr lang="en-GB" smtClean="0"/>
-              <a:t>06/05/2021</a:t>
+              <a:t>07/05/2021</a:t>
             </a:fld>
             <a:endParaRPr lang="en-GB"/>
           </a:p>
@@ -2097,7 +2097,7 @@
           <a:p>
             <a:fld id="{166DC043-4AEC-4A4E-AB79-0D54B7828DD9}" type="datetimeFigureOut">
               <a:rPr lang="en-GB" smtClean="0"/>
-              <a:t>06/05/2021</a:t>
+              <a:t>07/05/2021</a:t>
             </a:fld>
             <a:endParaRPr lang="en-GB"/>
           </a:p>
@@ -2410,7 +2410,7 @@
           <a:p>
             <a:fld id="{166DC043-4AEC-4A4E-AB79-0D54B7828DD9}" type="datetimeFigureOut">
               <a:rPr lang="en-GB" smtClean="0"/>
-              <a:t>06/05/2021</a:t>
+              <a:t>07/05/2021</a:t>
             </a:fld>
             <a:endParaRPr lang="en-GB"/>
           </a:p>
@@ -2699,7 +2699,7 @@
           <a:p>
             <a:fld id="{166DC043-4AEC-4A4E-AB79-0D54B7828DD9}" type="datetimeFigureOut">
               <a:rPr lang="en-GB" smtClean="0"/>
-              <a:t>06/05/2021</a:t>
+              <a:t>07/05/2021</a:t>
             </a:fld>
             <a:endParaRPr lang="en-GB"/>
           </a:p>
@@ -2942,7 +2942,7 @@
           <a:p>
             <a:fld id="{166DC043-4AEC-4A4E-AB79-0D54B7828DD9}" type="datetimeFigureOut">
               <a:rPr lang="en-GB" smtClean="0"/>
-              <a:t>06/05/2021</a:t>
+              <a:t>07/05/2021</a:t>
             </a:fld>
             <a:endParaRPr lang="en-GB"/>
           </a:p>
@@ -5628,32 +5628,153 @@
           </a:p>
         </p:txBody>
       </p:sp>
-      <p:cxnSp>
-        <p:nvCxnSpPr>
-          <p:cNvPr id="13" name="Straight Arrow Connector 12">
-            <a:extLst>
-              <a:ext uri="{FF2B5EF4-FFF2-40B4-BE49-F238E27FC236}">
-                <a16:creationId xmlns:a16="http://schemas.microsoft.com/office/drawing/2014/main" id="{C371D904-C490-460B-AECE-C7A5D13E5B4F}"/>
-              </a:ext>
-            </a:extLst>
-          </p:cNvPr>
-          <p:cNvCxnSpPr>
-            <a:cxnSpLocks/>
-            <a:endCxn id="10" idx="1"/>
-          </p:cNvCxnSpPr>
-          <p:nvPr/>
-        </p:nvCxnSpPr>
-        <p:spPr>
-          <a:xfrm>
-            <a:off x="1340285" y="964504"/>
-            <a:ext cx="1114816" cy="1296444"/>
-          </a:xfrm>
-          <a:prstGeom prst="straightConnector1">
-            <a:avLst/>
-          </a:prstGeom>
+      <p:sp>
+        <p:nvSpPr>
+          <p:cNvPr id="15" name="TextBox 14">
+            <a:extLst>
+              <a:ext uri="{FF2B5EF4-FFF2-40B4-BE49-F238E27FC236}">
+                <a16:creationId xmlns:a16="http://schemas.microsoft.com/office/drawing/2014/main" id="{5E0EF009-8E14-4A1C-89D2-E77933B04861}"/>
+              </a:ext>
+            </a:extLst>
+          </p:cNvPr>
+          <p:cNvSpPr txBox="1"/>
+          <p:nvPr/>
+        </p:nvSpPr>
+        <p:spPr>
+          <a:xfrm>
+            <a:off x="-2750409" y="1969811"/>
+            <a:ext cx="938398" cy="369332"/>
+          </a:xfrm>
+          <a:prstGeom prst="rect">
+            <a:avLst/>
+          </a:prstGeom>
+          <a:noFill/>
+        </p:spPr>
+        <p:txBody>
+          <a:bodyPr wrap="none" rtlCol="0">
+            <a:spAutoFit/>
+          </a:bodyPr>
+          <a:lstStyle/>
+          <a:p>
+            <a:r>
+              <a:rPr lang="it-IT" dirty="0"/>
+              <a:t>Terna16</a:t>
+            </a:r>
+            <a:endParaRPr lang="en-GB" dirty="0"/>
+          </a:p>
+        </p:txBody>
+      </p:sp>
+      <p:sp>
+        <p:nvSpPr>
+          <p:cNvPr id="19" name="TextBox 18">
+            <a:extLst>
+              <a:ext uri="{FF2B5EF4-FFF2-40B4-BE49-F238E27FC236}">
+                <a16:creationId xmlns:a16="http://schemas.microsoft.com/office/drawing/2014/main" id="{C53FE6B6-8249-4EAA-938F-CBFC78ED2405}"/>
+              </a:ext>
+            </a:extLst>
+          </p:cNvPr>
+          <p:cNvSpPr txBox="1"/>
+          <p:nvPr/>
+        </p:nvSpPr>
+        <p:spPr>
+          <a:xfrm>
+            <a:off x="14342801" y="3858071"/>
+            <a:ext cx="938398" cy="369332"/>
+          </a:xfrm>
+          <a:prstGeom prst="rect">
+            <a:avLst/>
+          </a:prstGeom>
+          <a:noFill/>
+        </p:spPr>
+        <p:txBody>
+          <a:bodyPr wrap="none" rtlCol="0">
+            <a:spAutoFit/>
+          </a:bodyPr>
+          <a:lstStyle/>
+          <a:p>
+            <a:r>
+              <a:rPr lang="it-IT" dirty="0"/>
+              <a:t>Terna17</a:t>
+            </a:r>
+            <a:endParaRPr lang="en-GB" dirty="0"/>
+          </a:p>
+        </p:txBody>
+      </p:sp>
+      <p:sp>
+        <p:nvSpPr>
+          <p:cNvPr id="2" name="Rectangle 1">
+            <a:extLst>
+              <a:ext uri="{FF2B5EF4-FFF2-40B4-BE49-F238E27FC236}">
+                <a16:creationId xmlns:a16="http://schemas.microsoft.com/office/drawing/2014/main" id="{74785CAE-480F-4BE7-BA2C-E4A9DEFED66D}"/>
+              </a:ext>
+            </a:extLst>
+          </p:cNvPr>
+          <p:cNvSpPr/>
+          <p:nvPr/>
+        </p:nvSpPr>
+        <p:spPr>
+          <a:xfrm>
+            <a:off x="8718115" y="3081403"/>
+            <a:ext cx="3473885" cy="1668373"/>
+          </a:xfrm>
+          <a:prstGeom prst="rect">
+            <a:avLst/>
+          </a:prstGeom>
+          <a:solidFill>
+            <a:srgbClr val="FF0000">
+              <a:alpha val="30000"/>
+            </a:srgbClr>
+          </a:solidFill>
           <a:ln>
-            <a:tailEnd type="triangle"/>
+            <a:noFill/>
           </a:ln>
+        </p:spPr>
+        <p:style>
+          <a:lnRef idx="0">
+            <a:scrgbClr r="0" g="0" b="0"/>
+          </a:lnRef>
+          <a:fillRef idx="0">
+            <a:scrgbClr r="0" g="0" b="0"/>
+          </a:fillRef>
+          <a:effectRef idx="0">
+            <a:scrgbClr r="0" g="0" b="0"/>
+          </a:effectRef>
+          <a:fontRef idx="minor">
+            <a:schemeClr val="lt1"/>
+          </a:fontRef>
+        </p:style>
+        <p:txBody>
+          <a:bodyPr rtlCol="0" anchor="ctr"/>
+          <a:lstStyle/>
+          <a:p>
+            <a:pPr algn="ctr"/>
+            <a:endParaRPr lang="en-GB"/>
+          </a:p>
+        </p:txBody>
+      </p:sp>
+      <p:sp>
+        <p:nvSpPr>
+          <p:cNvPr id="3" name="Right Brace 2">
+            <a:extLst>
+              <a:ext uri="{FF2B5EF4-FFF2-40B4-BE49-F238E27FC236}">
+                <a16:creationId xmlns:a16="http://schemas.microsoft.com/office/drawing/2014/main" id="{DFCEE1D3-F28E-44B7-8A6E-999096BF49C4}"/>
+              </a:ext>
+            </a:extLst>
+          </p:cNvPr>
+          <p:cNvSpPr/>
+          <p:nvPr/>
+        </p:nvSpPr>
+        <p:spPr>
+          <a:xfrm rot="5400000">
+            <a:off x="10270390" y="3197498"/>
+            <a:ext cx="369329" cy="3473885"/>
+          </a:xfrm>
+          <a:prstGeom prst="rightBrace">
+            <a:avLst>
+              <a:gd name="adj1" fmla="val 72430"/>
+              <a:gd name="adj2" fmla="val 49640"/>
+            </a:avLst>
+          </a:prstGeom>
         </p:spPr>
         <p:style>
           <a:lnRef idx="2">
@@ -5669,13 +5790,21 @@
             <a:schemeClr val="tx1"/>
           </a:fontRef>
         </p:style>
-      </p:cxnSp>
-      <p:sp>
-        <p:nvSpPr>
-          <p:cNvPr id="15" name="TextBox 14">
-            <a:extLst>
-              <a:ext uri="{FF2B5EF4-FFF2-40B4-BE49-F238E27FC236}">
-                <a16:creationId xmlns:a16="http://schemas.microsoft.com/office/drawing/2014/main" id="{5E0EF009-8E14-4A1C-89D2-E77933B04861}"/>
+        <p:txBody>
+          <a:bodyPr rtlCol="0" anchor="ctr"/>
+          <a:lstStyle/>
+          <a:p>
+            <a:pPr algn="ctr"/>
+            <a:endParaRPr lang="en-GB"/>
+          </a:p>
+        </p:txBody>
+      </p:sp>
+      <p:sp>
+        <p:nvSpPr>
+          <p:cNvPr id="4" name="TextBox 3">
+            <a:extLst>
+              <a:ext uri="{FF2B5EF4-FFF2-40B4-BE49-F238E27FC236}">
+                <a16:creationId xmlns:a16="http://schemas.microsoft.com/office/drawing/2014/main" id="{7681F6CC-90B0-4047-8C0D-75FB1F8A0A99}"/>
               </a:ext>
             </a:extLst>
           </p:cNvPr>
@@ -5684,8 +5813,8 @@
         </p:nvSpPr>
         <p:spPr>
           <a:xfrm>
-            <a:off x="496656" y="542030"/>
-            <a:ext cx="1687257" cy="369332"/>
+            <a:off x="8718112" y="5097246"/>
+            <a:ext cx="3473885" cy="523220"/>
           </a:xfrm>
           <a:prstGeom prst="rect">
             <a:avLst/>
@@ -5693,43 +5822,109 @@
           <a:noFill/>
         </p:spPr>
         <p:txBody>
-          <a:bodyPr wrap="none" rtlCol="0">
+          <a:bodyPr wrap="square" rtlCol="0">
             <a:spAutoFit/>
           </a:bodyPr>
           <a:lstStyle/>
           <a:p>
             <a:r>
-              <a:rPr lang="it-IT" dirty="0"/>
-              <a:t>Terna16 dataset</a:t>
-            </a:r>
-            <a:endParaRPr lang="en-GB" dirty="0"/>
-          </a:p>
-        </p:txBody>
-      </p:sp>
-      <p:cxnSp>
-        <p:nvCxnSpPr>
-          <p:cNvPr id="17" name="Straight Arrow Connector 16">
-            <a:extLst>
-              <a:ext uri="{FF2B5EF4-FFF2-40B4-BE49-F238E27FC236}">
-                <a16:creationId xmlns:a16="http://schemas.microsoft.com/office/drawing/2014/main" id="{01B4DEA0-965E-463F-9E48-8A4EF7F78B60}"/>
-              </a:ext>
-            </a:extLst>
-          </p:cNvPr>
-          <p:cNvCxnSpPr>
-            <a:cxnSpLocks/>
-          </p:cNvCxnSpPr>
-          <p:nvPr/>
-        </p:nvCxnSpPr>
-        <p:spPr>
-          <a:xfrm flipV="1">
-            <a:off x="1603332" y="3915602"/>
-            <a:ext cx="851769" cy="1181644"/>
-          </a:xfrm>
-          <a:prstGeom prst="straightConnector1">
-            <a:avLst/>
-          </a:prstGeom>
+              <a:rPr lang="it-IT" sz="1400" dirty="0" err="1"/>
+              <a:t>When</a:t>
+            </a:r>
+            <a:r>
+              <a:rPr lang="it-IT" sz="1400" dirty="0"/>
+              <a:t> </a:t>
+            </a:r>
+            <a:r>
+              <a:rPr lang="it-IT" sz="1400" dirty="0" err="1"/>
+              <a:t>variables</a:t>
+            </a:r>
+            <a:r>
+              <a:rPr lang="it-IT" sz="1400" dirty="0"/>
+              <a:t> are </a:t>
+            </a:r>
+            <a:r>
+              <a:rPr lang="it-IT" sz="1400" dirty="0" err="1"/>
+              <a:t>not</a:t>
+            </a:r>
+            <a:r>
+              <a:rPr lang="it-IT" sz="1400" dirty="0"/>
+              <a:t> </a:t>
+            </a:r>
+            <a:r>
+              <a:rPr lang="it-IT" sz="1400" dirty="0" err="1"/>
+              <a:t>present</a:t>
+            </a:r>
+            <a:r>
+              <a:rPr lang="it-IT" sz="1400" dirty="0"/>
+              <a:t> in </a:t>
+            </a:r>
+            <a:r>
+              <a:rPr lang="it-IT" sz="1400" dirty="0" err="1"/>
+              <a:t>either</a:t>
+            </a:r>
+            <a:r>
+              <a:rPr lang="it-IT" sz="1400" dirty="0"/>
+              <a:t> dataset </a:t>
+            </a:r>
+            <a:r>
+              <a:rPr lang="it-IT" sz="1400" dirty="0" err="1"/>
+              <a:t>values</a:t>
+            </a:r>
+            <a:r>
+              <a:rPr lang="it-IT" sz="1400" dirty="0"/>
+              <a:t> are </a:t>
+            </a:r>
+            <a:r>
+              <a:rPr lang="it-IT" sz="1400" dirty="0" err="1"/>
+              <a:t>automatically</a:t>
+            </a:r>
+            <a:r>
+              <a:rPr lang="it-IT" sz="1400" dirty="0"/>
+              <a:t> set to «</a:t>
+            </a:r>
+            <a:r>
+              <a:rPr lang="it-IT" sz="1400" b="1" dirty="0" err="1"/>
+              <a:t>null</a:t>
+            </a:r>
+            <a:r>
+              <a:rPr lang="it-IT" sz="1400" dirty="0"/>
+              <a:t>»</a:t>
+            </a:r>
+            <a:endParaRPr lang="en-GB" sz="1400" dirty="0"/>
+          </a:p>
+        </p:txBody>
+      </p:sp>
+      <p:sp>
+        <p:nvSpPr>
+          <p:cNvPr id="6" name="Left Brace 5">
+            <a:extLst>
+              <a:ext uri="{FF2B5EF4-FFF2-40B4-BE49-F238E27FC236}">
+                <a16:creationId xmlns:a16="http://schemas.microsoft.com/office/drawing/2014/main" id="{5EE9EB3D-6674-4F3A-9779-1410014C0566}"/>
+              </a:ext>
+            </a:extLst>
+          </p:cNvPr>
+          <p:cNvSpPr/>
+          <p:nvPr/>
+        </p:nvSpPr>
+        <p:spPr>
+          <a:xfrm>
+            <a:off x="-1812011" y="1227552"/>
+            <a:ext cx="432026" cy="1853851"/>
+          </a:xfrm>
+          <a:prstGeom prst="leftBrace">
+            <a:avLst>
+              <a:gd name="adj1" fmla="val 51666"/>
+              <a:gd name="adj2" fmla="val 50000"/>
+            </a:avLst>
+          </a:prstGeom>
+          <a:solidFill>
+            <a:srgbClr val="FBE5D6"/>
+          </a:solidFill>
           <a:ln>
-            <a:tailEnd type="triangle"/>
+            <a:solidFill>
+              <a:srgbClr val="F4B488"/>
+            </a:solidFill>
           </a:ln>
         </p:spPr>
         <p:style>
@@ -5746,40 +5941,67 @@
             <a:schemeClr val="tx1"/>
           </a:fontRef>
         </p:style>
-      </p:cxnSp>
-      <p:sp>
-        <p:nvSpPr>
-          <p:cNvPr id="19" name="TextBox 18">
-            <a:extLst>
-              <a:ext uri="{FF2B5EF4-FFF2-40B4-BE49-F238E27FC236}">
-                <a16:creationId xmlns:a16="http://schemas.microsoft.com/office/drawing/2014/main" id="{C53FE6B6-8249-4EAA-938F-CBFC78ED2405}"/>
-              </a:ext>
-            </a:extLst>
-          </p:cNvPr>
-          <p:cNvSpPr txBox="1"/>
-          <p:nvPr/>
-        </p:nvSpPr>
-        <p:spPr>
-          <a:xfrm>
-            <a:off x="759703" y="5103509"/>
-            <a:ext cx="1687257" cy="369332"/>
-          </a:xfrm>
-          <a:prstGeom prst="rect">
-            <a:avLst/>
-          </a:prstGeom>
-          <a:noFill/>
-        </p:spPr>
-        <p:txBody>
-          <a:bodyPr wrap="none" rtlCol="0">
-            <a:spAutoFit/>
-          </a:bodyPr>
-          <a:lstStyle/>
-          <a:p>
-            <a:r>
-              <a:rPr lang="it-IT" dirty="0"/>
-              <a:t>Terna17 dataset</a:t>
-            </a:r>
-            <a:endParaRPr lang="en-GB" dirty="0"/>
+        <p:txBody>
+          <a:bodyPr rtlCol="0" anchor="ctr"/>
+          <a:lstStyle/>
+          <a:p>
+            <a:pPr algn="ctr"/>
+            <a:endParaRPr lang="en-GB"/>
+          </a:p>
+        </p:txBody>
+      </p:sp>
+      <p:sp>
+        <p:nvSpPr>
+          <p:cNvPr id="16" name="Left Brace 15">
+            <a:extLst>
+              <a:ext uri="{FF2B5EF4-FFF2-40B4-BE49-F238E27FC236}">
+                <a16:creationId xmlns:a16="http://schemas.microsoft.com/office/drawing/2014/main" id="{47D86B17-A567-49F1-A5D2-064544EBDE83}"/>
+              </a:ext>
+            </a:extLst>
+          </p:cNvPr>
+          <p:cNvSpPr/>
+          <p:nvPr/>
+        </p:nvSpPr>
+        <p:spPr>
+          <a:xfrm rot="10800000">
+            <a:off x="13843105" y="3080588"/>
+            <a:ext cx="435222" cy="1954019"/>
+          </a:xfrm>
+          <a:prstGeom prst="leftBrace">
+            <a:avLst>
+              <a:gd name="adj1" fmla="val 51666"/>
+              <a:gd name="adj2" fmla="val 50000"/>
+            </a:avLst>
+          </a:prstGeom>
+          <a:solidFill>
+            <a:srgbClr val="CCEFDC"/>
+          </a:solidFill>
+          <a:ln>
+            <a:solidFill>
+              <a:srgbClr val="5DCB8F"/>
+            </a:solidFill>
+          </a:ln>
+        </p:spPr>
+        <p:style>
+          <a:lnRef idx="2">
+            <a:schemeClr val="dk1"/>
+          </a:lnRef>
+          <a:fillRef idx="0">
+            <a:schemeClr val="dk1"/>
+          </a:fillRef>
+          <a:effectRef idx="1">
+            <a:schemeClr val="dk1"/>
+          </a:effectRef>
+          <a:fontRef idx="minor">
+            <a:schemeClr val="tx1"/>
+          </a:fontRef>
+        </p:style>
+        <p:txBody>
+          <a:bodyPr rtlCol="0" anchor="ctr"/>
+          <a:lstStyle/>
+          <a:p>
+            <a:pPr algn="ctr"/>
+            <a:endParaRPr lang="en-GB"/>
           </a:p>
         </p:txBody>
       </p:sp>

--- a/screenshots/imgs.pptx
+++ b/screenshots/imgs.pptx
@@ -273,7 +273,7 @@
           <a:p>
             <a:fld id="{166DC043-4AEC-4A4E-AB79-0D54B7828DD9}" type="datetimeFigureOut">
               <a:rPr lang="en-GB" smtClean="0"/>
-              <a:t>07/05/2021</a:t>
+              <a:t>10/05/2021</a:t>
             </a:fld>
             <a:endParaRPr lang="en-GB"/>
           </a:p>
@@ -473,7 +473,7 @@
           <a:p>
             <a:fld id="{166DC043-4AEC-4A4E-AB79-0D54B7828DD9}" type="datetimeFigureOut">
               <a:rPr lang="en-GB" smtClean="0"/>
-              <a:t>07/05/2021</a:t>
+              <a:t>10/05/2021</a:t>
             </a:fld>
             <a:endParaRPr lang="en-GB"/>
           </a:p>
@@ -683,7 +683,7 @@
           <a:p>
             <a:fld id="{166DC043-4AEC-4A4E-AB79-0D54B7828DD9}" type="datetimeFigureOut">
               <a:rPr lang="en-GB" smtClean="0"/>
-              <a:t>07/05/2021</a:t>
+              <a:t>10/05/2021</a:t>
             </a:fld>
             <a:endParaRPr lang="en-GB"/>
           </a:p>
@@ -883,7 +883,7 @@
           <a:p>
             <a:fld id="{166DC043-4AEC-4A4E-AB79-0D54B7828DD9}" type="datetimeFigureOut">
               <a:rPr lang="en-GB" smtClean="0"/>
-              <a:t>07/05/2021</a:t>
+              <a:t>10/05/2021</a:t>
             </a:fld>
             <a:endParaRPr lang="en-GB"/>
           </a:p>
@@ -1159,7 +1159,7 @@
           <a:p>
             <a:fld id="{166DC043-4AEC-4A4E-AB79-0D54B7828DD9}" type="datetimeFigureOut">
               <a:rPr lang="en-GB" smtClean="0"/>
-              <a:t>07/05/2021</a:t>
+              <a:t>10/05/2021</a:t>
             </a:fld>
             <a:endParaRPr lang="en-GB"/>
           </a:p>
@@ -1427,7 +1427,7 @@
           <a:p>
             <a:fld id="{166DC043-4AEC-4A4E-AB79-0D54B7828DD9}" type="datetimeFigureOut">
               <a:rPr lang="en-GB" smtClean="0"/>
-              <a:t>07/05/2021</a:t>
+              <a:t>10/05/2021</a:t>
             </a:fld>
             <a:endParaRPr lang="en-GB"/>
           </a:p>
@@ -1842,7 +1842,7 @@
           <a:p>
             <a:fld id="{166DC043-4AEC-4A4E-AB79-0D54B7828DD9}" type="datetimeFigureOut">
               <a:rPr lang="en-GB" smtClean="0"/>
-              <a:t>07/05/2021</a:t>
+              <a:t>10/05/2021</a:t>
             </a:fld>
             <a:endParaRPr lang="en-GB"/>
           </a:p>
@@ -1984,7 +1984,7 @@
           <a:p>
             <a:fld id="{166DC043-4AEC-4A4E-AB79-0D54B7828DD9}" type="datetimeFigureOut">
               <a:rPr lang="en-GB" smtClean="0"/>
-              <a:t>07/05/2021</a:t>
+              <a:t>10/05/2021</a:t>
             </a:fld>
             <a:endParaRPr lang="en-GB"/>
           </a:p>
@@ -2097,7 +2097,7 @@
           <a:p>
             <a:fld id="{166DC043-4AEC-4A4E-AB79-0D54B7828DD9}" type="datetimeFigureOut">
               <a:rPr lang="en-GB" smtClean="0"/>
-              <a:t>07/05/2021</a:t>
+              <a:t>10/05/2021</a:t>
             </a:fld>
             <a:endParaRPr lang="en-GB"/>
           </a:p>
@@ -2410,7 +2410,7 @@
           <a:p>
             <a:fld id="{166DC043-4AEC-4A4E-AB79-0D54B7828DD9}" type="datetimeFigureOut">
               <a:rPr lang="en-GB" smtClean="0"/>
-              <a:t>07/05/2021</a:t>
+              <a:t>10/05/2021</a:t>
             </a:fld>
             <a:endParaRPr lang="en-GB"/>
           </a:p>
@@ -2699,7 +2699,7 @@
           <a:p>
             <a:fld id="{166DC043-4AEC-4A4E-AB79-0D54B7828DD9}" type="datetimeFigureOut">
               <a:rPr lang="en-GB" smtClean="0"/>
-              <a:t>07/05/2021</a:t>
+              <a:t>10/05/2021</a:t>
             </a:fld>
             <a:endParaRPr lang="en-GB"/>
           </a:p>
@@ -2942,7 +2942,7 @@
           <a:p>
             <a:fld id="{166DC043-4AEC-4A4E-AB79-0D54B7828DD9}" type="datetimeFigureOut">
               <a:rPr lang="en-GB" smtClean="0"/>
-              <a:t>07/05/2021</a:t>
+              <a:t>10/05/2021</a:t>
             </a:fld>
             <a:endParaRPr lang="en-GB"/>
           </a:p>
@@ -5819,8 +5819,26 @@
           <a:prstGeom prst="rect">
             <a:avLst/>
           </a:prstGeom>
-          <a:noFill/>
-        </p:spPr>
+          <a:ln>
+            <a:solidFill>
+              <a:srgbClr val="F9ACAC"/>
+            </a:solidFill>
+          </a:ln>
+        </p:spPr>
+        <p:style>
+          <a:lnRef idx="2">
+            <a:schemeClr val="dk1"/>
+          </a:lnRef>
+          <a:fillRef idx="1">
+            <a:schemeClr val="lt1"/>
+          </a:fillRef>
+          <a:effectRef idx="0">
+            <a:schemeClr val="dk1"/>
+          </a:effectRef>
+          <a:fontRef idx="minor">
+            <a:schemeClr val="dk1"/>
+          </a:fontRef>
+        </p:style>
         <p:txBody>
           <a:bodyPr wrap="square" rtlCol="0">
             <a:spAutoFit/>
@@ -6005,6 +6023,106 @@
           </a:p>
         </p:txBody>
       </p:sp>
+      <p:sp>
+        <p:nvSpPr>
+          <p:cNvPr id="24" name="Rectangle 23">
+            <a:extLst>
+              <a:ext uri="{FF2B5EF4-FFF2-40B4-BE49-F238E27FC236}">
+                <a16:creationId xmlns:a16="http://schemas.microsoft.com/office/drawing/2014/main" id="{519CE6AC-F692-48C7-8B49-789BD24FDF00}"/>
+              </a:ext>
+            </a:extLst>
+          </p:cNvPr>
+          <p:cNvSpPr/>
+          <p:nvPr/>
+        </p:nvSpPr>
+        <p:spPr>
+          <a:xfrm>
+            <a:off x="13054209" y="1400557"/>
+            <a:ext cx="340950" cy="1668373"/>
+          </a:xfrm>
+          <a:prstGeom prst="rect">
+            <a:avLst/>
+          </a:prstGeom>
+          <a:solidFill>
+            <a:srgbClr val="FF0000">
+              <a:alpha val="30000"/>
+            </a:srgbClr>
+          </a:solidFill>
+          <a:ln>
+            <a:noFill/>
+          </a:ln>
+        </p:spPr>
+        <p:style>
+          <a:lnRef idx="0">
+            <a:scrgbClr r="0" g="0" b="0"/>
+          </a:lnRef>
+          <a:fillRef idx="0">
+            <a:scrgbClr r="0" g="0" b="0"/>
+          </a:fillRef>
+          <a:effectRef idx="0">
+            <a:scrgbClr r="0" g="0" b="0"/>
+          </a:effectRef>
+          <a:fontRef idx="minor">
+            <a:schemeClr val="lt1"/>
+          </a:fontRef>
+        </p:style>
+        <p:txBody>
+          <a:bodyPr rtlCol="0" anchor="ctr"/>
+          <a:lstStyle/>
+          <a:p>
+            <a:pPr algn="ctr"/>
+            <a:endParaRPr lang="en-GB"/>
+          </a:p>
+        </p:txBody>
+      </p:sp>
+      <p:cxnSp>
+        <p:nvCxnSpPr>
+          <p:cNvPr id="26" name="Connector: Curved 25">
+            <a:extLst>
+              <a:ext uri="{FF2B5EF4-FFF2-40B4-BE49-F238E27FC236}">
+                <a16:creationId xmlns:a16="http://schemas.microsoft.com/office/drawing/2014/main" id="{CCC3E470-5C7A-49DD-9031-75FFDC40FE6B}"/>
+              </a:ext>
+            </a:extLst>
+          </p:cNvPr>
+          <p:cNvCxnSpPr>
+            <a:stCxn id="4" idx="3"/>
+            <a:endCxn id="24" idx="3"/>
+          </p:cNvCxnSpPr>
+          <p:nvPr/>
+        </p:nvCxnSpPr>
+        <p:spPr>
+          <a:xfrm flipV="1">
+            <a:off x="12191997" y="2234744"/>
+            <a:ext cx="1203162" cy="3124112"/>
+          </a:xfrm>
+          <a:prstGeom prst="curvedConnector3">
+            <a:avLst>
+              <a:gd name="adj1" fmla="val 309666"/>
+            </a:avLst>
+          </a:prstGeom>
+          <a:ln w="25400">
+            <a:solidFill>
+              <a:srgbClr val="F9ACAC"/>
+            </a:solidFill>
+            <a:prstDash val="dashDot"/>
+            <a:tailEnd type="triangle"/>
+          </a:ln>
+        </p:spPr>
+        <p:style>
+          <a:lnRef idx="1">
+            <a:schemeClr val="accent1"/>
+          </a:lnRef>
+          <a:fillRef idx="0">
+            <a:schemeClr val="accent1"/>
+          </a:fillRef>
+          <a:effectRef idx="0">
+            <a:schemeClr val="accent1"/>
+          </a:effectRef>
+          <a:fontRef idx="minor">
+            <a:schemeClr val="tx1"/>
+          </a:fontRef>
+        </p:style>
+      </p:cxnSp>
     </p:spTree>
     <p:extLst>
       <p:ext uri="{BB962C8B-B14F-4D97-AF65-F5344CB8AC3E}">

--- a/screenshots/imgs.pptx
+++ b/screenshots/imgs.pptx
@@ -18,6 +18,7 @@
     <p:sldId id="265" r:id="rId12"/>
     <p:sldId id="266" r:id="rId13"/>
     <p:sldId id="268" r:id="rId14"/>
+    <p:sldId id="269" r:id="rId15"/>
   </p:sldIdLst>
   <p:sldSz cx="12192000" cy="6858000"/>
   <p:notesSz cx="6858000" cy="9144000"/>
@@ -6136,6 +6137,795 @@
 </p:sld>
 </file>
 
+<file path=ppt/slides/slide14.xml><?xml version="1.0" encoding="utf-8"?>
+<p:sld xmlns:a="http://schemas.openxmlformats.org/drawingml/2006/main" xmlns:r="http://schemas.openxmlformats.org/officeDocument/2006/relationships" xmlns:p="http://schemas.openxmlformats.org/presentationml/2006/main">
+  <p:cSld>
+    <p:spTree>
+      <p:nvGrpSpPr>
+        <p:cNvPr id="1" name=""/>
+        <p:cNvGrpSpPr/>
+        <p:nvPr/>
+      </p:nvGrpSpPr>
+      <p:grpSpPr>
+        <a:xfrm>
+          <a:off x="0" y="0"/>
+          <a:ext cx="0" cy="0"/>
+          <a:chOff x="0" y="0"/>
+          <a:chExt cx="0" cy="0"/>
+        </a:xfrm>
+      </p:grpSpPr>
+      <p:pic>
+        <p:nvPicPr>
+          <p:cNvPr id="5" name="Picture 4" descr="Graphical user interface, text, application&#10;&#10;Description automatically generated">
+            <a:extLst>
+              <a:ext uri="{FF2B5EF4-FFF2-40B4-BE49-F238E27FC236}">
+                <a16:creationId xmlns:a16="http://schemas.microsoft.com/office/drawing/2014/main" id="{CC450C5F-7155-47FC-BB0C-34D484B9B15E}"/>
+              </a:ext>
+            </a:extLst>
+          </p:cNvPr>
+          <p:cNvPicPr>
+            <a:picLocks noChangeAspect="1"/>
+          </p:cNvPicPr>
+          <p:nvPr/>
+        </p:nvPicPr>
+        <p:blipFill>
+          <a:blip r:embed="rId2">
+            <a:extLst>
+              <a:ext uri="{28A0092B-C50C-407E-A947-70E740481C1C}">
+                <a14:useLocalDpi xmlns:a14="http://schemas.microsoft.com/office/drawing/2010/main" val="0"/>
+              </a:ext>
+            </a:extLst>
+          </a:blip>
+          <a:stretch>
+            <a:fillRect/>
+          </a:stretch>
+        </p:blipFill>
+        <p:spPr>
+          <a:xfrm>
+            <a:off x="524760" y="1565755"/>
+            <a:ext cx="9909422" cy="2328832"/>
+          </a:xfrm>
+          <a:prstGeom prst="rect">
+            <a:avLst/>
+          </a:prstGeom>
+        </p:spPr>
+      </p:pic>
+      <p:sp>
+        <p:nvSpPr>
+          <p:cNvPr id="6" name="Rectangle 5">
+            <a:extLst>
+              <a:ext uri="{FF2B5EF4-FFF2-40B4-BE49-F238E27FC236}">
+                <a16:creationId xmlns:a16="http://schemas.microsoft.com/office/drawing/2014/main" id="{E1A5A088-8EB7-4892-90BD-A892603BFDE2}"/>
+              </a:ext>
+            </a:extLst>
+          </p:cNvPr>
+          <p:cNvSpPr/>
+          <p:nvPr/>
+        </p:nvSpPr>
+        <p:spPr>
+          <a:xfrm>
+            <a:off x="4246323" y="2304789"/>
+            <a:ext cx="2367419" cy="363255"/>
+          </a:xfrm>
+          <a:prstGeom prst="rect">
+            <a:avLst/>
+          </a:prstGeom>
+        </p:spPr>
+        <p:style>
+          <a:lnRef idx="2">
+            <a:schemeClr val="dk1">
+              <a:shade val="50000"/>
+            </a:schemeClr>
+          </a:lnRef>
+          <a:fillRef idx="1">
+            <a:schemeClr val="dk1"/>
+          </a:fillRef>
+          <a:effectRef idx="0">
+            <a:schemeClr val="dk1"/>
+          </a:effectRef>
+          <a:fontRef idx="minor">
+            <a:schemeClr val="lt1"/>
+          </a:fontRef>
+        </p:style>
+        <p:txBody>
+          <a:bodyPr rtlCol="0" anchor="ctr"/>
+          <a:lstStyle/>
+          <a:p>
+            <a:pPr algn="ctr"/>
+            <a:r>
+              <a:rPr lang="it-IT" dirty="0"/>
+              <a:t>FILE_PATH</a:t>
+            </a:r>
+            <a:endParaRPr lang="en-GB" dirty="0"/>
+          </a:p>
+        </p:txBody>
+      </p:sp>
+      <p:sp>
+        <p:nvSpPr>
+          <p:cNvPr id="7" name="Oval 6">
+            <a:extLst>
+              <a:ext uri="{FF2B5EF4-FFF2-40B4-BE49-F238E27FC236}">
+                <a16:creationId xmlns:a16="http://schemas.microsoft.com/office/drawing/2014/main" id="{6A273A53-F8FF-4DEC-A8D4-A3B672A78B3D}"/>
+              </a:ext>
+            </a:extLst>
+          </p:cNvPr>
+          <p:cNvSpPr/>
+          <p:nvPr/>
+        </p:nvSpPr>
+        <p:spPr>
+          <a:xfrm>
+            <a:off x="6626268" y="2304788"/>
+            <a:ext cx="2567835" cy="463463"/>
+          </a:xfrm>
+          <a:prstGeom prst="ellipse">
+            <a:avLst/>
+          </a:prstGeom>
+          <a:solidFill>
+            <a:schemeClr val="accent4">
+              <a:alpha val="50000"/>
+            </a:schemeClr>
+          </a:solidFill>
+          <a:ln>
+            <a:noFill/>
+          </a:ln>
+        </p:spPr>
+        <p:style>
+          <a:lnRef idx="0">
+            <a:scrgbClr r="0" g="0" b="0"/>
+          </a:lnRef>
+          <a:fillRef idx="0">
+            <a:scrgbClr r="0" g="0" b="0"/>
+          </a:fillRef>
+          <a:effectRef idx="0">
+            <a:scrgbClr r="0" g="0" b="0"/>
+          </a:effectRef>
+          <a:fontRef idx="minor">
+            <a:schemeClr val="lt1"/>
+          </a:fontRef>
+        </p:style>
+        <p:txBody>
+          <a:bodyPr rtlCol="0" anchor="ctr"/>
+          <a:lstStyle/>
+          <a:p>
+            <a:pPr algn="ctr"/>
+            <a:endParaRPr lang="en-GB"/>
+          </a:p>
+        </p:txBody>
+      </p:sp>
+      <p:cxnSp>
+        <p:nvCxnSpPr>
+          <p:cNvPr id="9" name="Straight Arrow Connector 8">
+            <a:extLst>
+              <a:ext uri="{FF2B5EF4-FFF2-40B4-BE49-F238E27FC236}">
+                <a16:creationId xmlns:a16="http://schemas.microsoft.com/office/drawing/2014/main" id="{C62A4577-F36B-4078-B4F0-EF24795FA995}"/>
+              </a:ext>
+            </a:extLst>
+          </p:cNvPr>
+          <p:cNvCxnSpPr>
+            <a:cxnSpLocks/>
+            <a:endCxn id="7" idx="0"/>
+          </p:cNvCxnSpPr>
+          <p:nvPr/>
+        </p:nvCxnSpPr>
+        <p:spPr>
+          <a:xfrm flipH="1">
+            <a:off x="7910186" y="1574418"/>
+            <a:ext cx="961372" cy="730370"/>
+          </a:xfrm>
+          <a:prstGeom prst="straightConnector1">
+            <a:avLst/>
+          </a:prstGeom>
+          <a:ln>
+            <a:solidFill>
+              <a:srgbClr val="FFCF47"/>
+            </a:solidFill>
+            <a:tailEnd type="triangle"/>
+          </a:ln>
+        </p:spPr>
+        <p:style>
+          <a:lnRef idx="3">
+            <a:schemeClr val="accent2"/>
+          </a:lnRef>
+          <a:fillRef idx="0">
+            <a:schemeClr val="accent2"/>
+          </a:fillRef>
+          <a:effectRef idx="2">
+            <a:schemeClr val="accent2"/>
+          </a:effectRef>
+          <a:fontRef idx="minor">
+            <a:schemeClr val="tx1"/>
+          </a:fontRef>
+        </p:style>
+      </p:cxnSp>
+      <p:sp>
+        <p:nvSpPr>
+          <p:cNvPr id="10" name="TextBox 9">
+            <a:extLst>
+              <a:ext uri="{FF2B5EF4-FFF2-40B4-BE49-F238E27FC236}">
+                <a16:creationId xmlns:a16="http://schemas.microsoft.com/office/drawing/2014/main" id="{B353A1DF-B972-4A0A-B073-A5C35FC79ECC}"/>
+              </a:ext>
+            </a:extLst>
+          </p:cNvPr>
+          <p:cNvSpPr txBox="1"/>
+          <p:nvPr/>
+        </p:nvSpPr>
+        <p:spPr>
+          <a:xfrm>
+            <a:off x="8871558" y="1112753"/>
+            <a:ext cx="3298521" cy="923330"/>
+          </a:xfrm>
+          <a:prstGeom prst="rect">
+            <a:avLst/>
+          </a:prstGeom>
+          <a:ln>
+            <a:solidFill>
+              <a:srgbClr val="FFCF47"/>
+            </a:solidFill>
+          </a:ln>
+        </p:spPr>
+        <p:style>
+          <a:lnRef idx="2">
+            <a:schemeClr val="accent2"/>
+          </a:lnRef>
+          <a:fillRef idx="1">
+            <a:schemeClr val="lt1"/>
+          </a:fillRef>
+          <a:effectRef idx="0">
+            <a:schemeClr val="accent2"/>
+          </a:effectRef>
+          <a:fontRef idx="minor">
+            <a:schemeClr val="dk1"/>
+          </a:fontRef>
+        </p:style>
+        <p:txBody>
+          <a:bodyPr wrap="square" rtlCol="0">
+            <a:spAutoFit/>
+          </a:bodyPr>
+          <a:lstStyle/>
+          <a:p>
+            <a:r>
+              <a:rPr lang="it-IT" dirty="0"/>
+              <a:t>After the file </a:t>
+            </a:r>
+            <a:r>
+              <a:rPr lang="it-IT" dirty="0" err="1"/>
+              <a:t>path</a:t>
+            </a:r>
+            <a:r>
+              <a:rPr lang="it-IT" dirty="0"/>
+              <a:t>, </a:t>
+            </a:r>
+            <a:r>
+              <a:rPr lang="it-IT" dirty="0" err="1"/>
+              <a:t>add</a:t>
+            </a:r>
+            <a:r>
+              <a:rPr lang="it-IT" dirty="0"/>
+              <a:t> the name of the new file, </a:t>
+            </a:r>
+            <a:r>
+              <a:rPr lang="it-IT" dirty="0" err="1"/>
+              <a:t>including</a:t>
+            </a:r>
+            <a:r>
+              <a:rPr lang="it-IT" dirty="0"/>
+              <a:t> the </a:t>
+            </a:r>
+            <a:r>
+              <a:rPr lang="it-IT" u="sng" dirty="0"/>
+              <a:t>file</a:t>
+            </a:r>
+            <a:r>
+              <a:rPr lang="it-IT" dirty="0"/>
+              <a:t> extension</a:t>
+            </a:r>
+          </a:p>
+        </p:txBody>
+      </p:sp>
+      <p:sp>
+        <p:nvSpPr>
+          <p:cNvPr id="11" name="Oval 10">
+            <a:extLst>
+              <a:ext uri="{FF2B5EF4-FFF2-40B4-BE49-F238E27FC236}">
+                <a16:creationId xmlns:a16="http://schemas.microsoft.com/office/drawing/2014/main" id="{F8019DC4-5EA8-45F2-AB8A-EEB2BDF09B5C}"/>
+              </a:ext>
+            </a:extLst>
+          </p:cNvPr>
+          <p:cNvSpPr/>
+          <p:nvPr/>
+        </p:nvSpPr>
+        <p:spPr>
+          <a:xfrm>
+            <a:off x="1553227" y="2668044"/>
+            <a:ext cx="626302" cy="463463"/>
+          </a:xfrm>
+          <a:prstGeom prst="ellipse">
+            <a:avLst/>
+          </a:prstGeom>
+          <a:solidFill>
+            <a:schemeClr val="accent2">
+              <a:alpha val="50000"/>
+            </a:schemeClr>
+          </a:solidFill>
+          <a:ln>
+            <a:noFill/>
+          </a:ln>
+        </p:spPr>
+        <p:style>
+          <a:lnRef idx="0">
+            <a:scrgbClr r="0" g="0" b="0"/>
+          </a:lnRef>
+          <a:fillRef idx="0">
+            <a:scrgbClr r="0" g="0" b="0"/>
+          </a:fillRef>
+          <a:effectRef idx="0">
+            <a:scrgbClr r="0" g="0" b="0"/>
+          </a:effectRef>
+          <a:fontRef idx="minor">
+            <a:schemeClr val="lt1"/>
+          </a:fontRef>
+        </p:style>
+        <p:txBody>
+          <a:bodyPr rtlCol="0" anchor="ctr"/>
+          <a:lstStyle/>
+          <a:p>
+            <a:pPr algn="ctr"/>
+            <a:endParaRPr lang="en-GB"/>
+          </a:p>
+        </p:txBody>
+      </p:sp>
+      <p:cxnSp>
+        <p:nvCxnSpPr>
+          <p:cNvPr id="13" name="Straight Arrow Connector 12">
+            <a:extLst>
+              <a:ext uri="{FF2B5EF4-FFF2-40B4-BE49-F238E27FC236}">
+                <a16:creationId xmlns:a16="http://schemas.microsoft.com/office/drawing/2014/main" id="{90EB7F43-E9BE-459E-BFBF-5E251F2E957A}"/>
+              </a:ext>
+            </a:extLst>
+          </p:cNvPr>
+          <p:cNvCxnSpPr>
+            <a:cxnSpLocks/>
+            <a:stCxn id="14" idx="0"/>
+            <a:endCxn id="11" idx="4"/>
+          </p:cNvCxnSpPr>
+          <p:nvPr/>
+        </p:nvCxnSpPr>
+        <p:spPr>
+          <a:xfrm flipH="1" flipV="1">
+            <a:off x="1866378" y="3131507"/>
+            <a:ext cx="313151" cy="764274"/>
+          </a:xfrm>
+          <a:prstGeom prst="straightConnector1">
+            <a:avLst/>
+          </a:prstGeom>
+          <a:ln>
+            <a:solidFill>
+              <a:srgbClr val="F09456"/>
+            </a:solidFill>
+            <a:tailEnd type="triangle"/>
+          </a:ln>
+        </p:spPr>
+        <p:style>
+          <a:lnRef idx="3">
+            <a:schemeClr val="accent2"/>
+          </a:lnRef>
+          <a:fillRef idx="0">
+            <a:schemeClr val="accent2"/>
+          </a:fillRef>
+          <a:effectRef idx="2">
+            <a:schemeClr val="accent2"/>
+          </a:effectRef>
+          <a:fontRef idx="minor">
+            <a:schemeClr val="tx1"/>
+          </a:fontRef>
+        </p:style>
+      </p:cxnSp>
+      <p:sp>
+        <p:nvSpPr>
+          <p:cNvPr id="14" name="TextBox 13">
+            <a:extLst>
+              <a:ext uri="{FF2B5EF4-FFF2-40B4-BE49-F238E27FC236}">
+                <a16:creationId xmlns:a16="http://schemas.microsoft.com/office/drawing/2014/main" id="{11A95AA4-9B5A-4A16-AA5F-D8414730FCD9}"/>
+              </a:ext>
+            </a:extLst>
+          </p:cNvPr>
+          <p:cNvSpPr txBox="1"/>
+          <p:nvPr/>
+        </p:nvSpPr>
+        <p:spPr>
+          <a:xfrm>
+            <a:off x="200397" y="3895781"/>
+            <a:ext cx="3958263" cy="369332"/>
+          </a:xfrm>
+          <a:prstGeom prst="rect">
+            <a:avLst/>
+          </a:prstGeom>
+          <a:ln>
+            <a:solidFill>
+              <a:srgbClr val="F09456"/>
+            </a:solidFill>
+          </a:ln>
+        </p:spPr>
+        <p:style>
+          <a:lnRef idx="2">
+            <a:schemeClr val="accent2"/>
+          </a:lnRef>
+          <a:fillRef idx="1">
+            <a:schemeClr val="lt1"/>
+          </a:fillRef>
+          <a:effectRef idx="0">
+            <a:schemeClr val="accent2"/>
+          </a:effectRef>
+          <a:fontRef idx="minor">
+            <a:schemeClr val="dk1"/>
+          </a:fontRef>
+        </p:style>
+        <p:txBody>
+          <a:bodyPr wrap="none" rtlCol="0">
+            <a:spAutoFit/>
+          </a:bodyPr>
+          <a:lstStyle/>
+          <a:p>
+            <a:r>
+              <a:rPr lang="it-IT" dirty="0"/>
+              <a:t>DBMS option </a:t>
+            </a:r>
+            <a:r>
+              <a:rPr lang="it-IT" dirty="0" err="1"/>
+              <a:t>specifies</a:t>
+            </a:r>
+            <a:r>
+              <a:rPr lang="it-IT" dirty="0"/>
+              <a:t> the file extension</a:t>
+            </a:r>
+            <a:endParaRPr lang="en-GB" dirty="0"/>
+          </a:p>
+        </p:txBody>
+      </p:sp>
+      <p:sp>
+        <p:nvSpPr>
+          <p:cNvPr id="17" name="Oval 16">
+            <a:extLst>
+              <a:ext uri="{FF2B5EF4-FFF2-40B4-BE49-F238E27FC236}">
+                <a16:creationId xmlns:a16="http://schemas.microsoft.com/office/drawing/2014/main" id="{009B5901-4824-41FA-8282-A06BFFBF5F90}"/>
+              </a:ext>
+            </a:extLst>
+          </p:cNvPr>
+          <p:cNvSpPr/>
+          <p:nvPr/>
+        </p:nvSpPr>
+        <p:spPr>
+          <a:xfrm>
+            <a:off x="2553996" y="2342366"/>
+            <a:ext cx="1266442" cy="363256"/>
+          </a:xfrm>
+          <a:prstGeom prst="ellipse">
+            <a:avLst/>
+          </a:prstGeom>
+          <a:solidFill>
+            <a:schemeClr val="accent2">
+              <a:alpha val="50000"/>
+            </a:schemeClr>
+          </a:solidFill>
+          <a:ln>
+            <a:noFill/>
+          </a:ln>
+        </p:spPr>
+        <p:style>
+          <a:lnRef idx="0">
+            <a:scrgbClr r="0" g="0" b="0"/>
+          </a:lnRef>
+          <a:fillRef idx="0">
+            <a:scrgbClr r="0" g="0" b="0"/>
+          </a:fillRef>
+          <a:effectRef idx="0">
+            <a:scrgbClr r="0" g="0" b="0"/>
+          </a:effectRef>
+          <a:fontRef idx="minor">
+            <a:schemeClr val="lt1"/>
+          </a:fontRef>
+        </p:style>
+        <p:txBody>
+          <a:bodyPr rtlCol="0" anchor="ctr"/>
+          <a:lstStyle/>
+          <a:p>
+            <a:pPr algn="ctr"/>
+            <a:endParaRPr lang="en-GB"/>
+          </a:p>
+        </p:txBody>
+      </p:sp>
+      <p:cxnSp>
+        <p:nvCxnSpPr>
+          <p:cNvPr id="19" name="Straight Arrow Connector 18">
+            <a:extLst>
+              <a:ext uri="{FF2B5EF4-FFF2-40B4-BE49-F238E27FC236}">
+                <a16:creationId xmlns:a16="http://schemas.microsoft.com/office/drawing/2014/main" id="{CB780E2E-8737-4388-B5D1-24F021BC3804}"/>
+              </a:ext>
+            </a:extLst>
+          </p:cNvPr>
+          <p:cNvCxnSpPr>
+            <a:cxnSpLocks/>
+            <a:stCxn id="21" idx="1"/>
+            <a:endCxn id="17" idx="0"/>
+          </p:cNvCxnSpPr>
+          <p:nvPr/>
+        </p:nvCxnSpPr>
+        <p:spPr>
+          <a:xfrm flipH="1">
+            <a:off x="3187217" y="1477938"/>
+            <a:ext cx="1040993" cy="864428"/>
+          </a:xfrm>
+          <a:prstGeom prst="straightConnector1">
+            <a:avLst/>
+          </a:prstGeom>
+          <a:ln w="25400">
+            <a:solidFill>
+              <a:srgbClr val="F09456"/>
+            </a:solidFill>
+            <a:tailEnd type="triangle"/>
+          </a:ln>
+        </p:spPr>
+        <p:style>
+          <a:lnRef idx="1">
+            <a:schemeClr val="accent1"/>
+          </a:lnRef>
+          <a:fillRef idx="0">
+            <a:schemeClr val="accent1"/>
+          </a:fillRef>
+          <a:effectRef idx="0">
+            <a:schemeClr val="accent1"/>
+          </a:effectRef>
+          <a:fontRef idx="minor">
+            <a:schemeClr val="tx1"/>
+          </a:fontRef>
+        </p:style>
+      </p:cxnSp>
+      <p:sp>
+        <p:nvSpPr>
+          <p:cNvPr id="21" name="TextBox 20">
+            <a:extLst>
+              <a:ext uri="{FF2B5EF4-FFF2-40B4-BE49-F238E27FC236}">
+                <a16:creationId xmlns:a16="http://schemas.microsoft.com/office/drawing/2014/main" id="{E4297A85-FA32-4D32-ADDB-C181F92F86B1}"/>
+              </a:ext>
+            </a:extLst>
+          </p:cNvPr>
+          <p:cNvSpPr txBox="1"/>
+          <p:nvPr/>
+        </p:nvSpPr>
+        <p:spPr>
+          <a:xfrm>
+            <a:off x="4228210" y="1016273"/>
+            <a:ext cx="2567835" cy="923330"/>
+          </a:xfrm>
+          <a:prstGeom prst="rect">
+            <a:avLst/>
+          </a:prstGeom>
+          <a:ln>
+            <a:solidFill>
+              <a:srgbClr val="F09456"/>
+            </a:solidFill>
+          </a:ln>
+        </p:spPr>
+        <p:style>
+          <a:lnRef idx="2">
+            <a:schemeClr val="accent2"/>
+          </a:lnRef>
+          <a:fillRef idx="1">
+            <a:schemeClr val="lt1"/>
+          </a:fillRef>
+          <a:effectRef idx="0">
+            <a:schemeClr val="accent2"/>
+          </a:effectRef>
+          <a:fontRef idx="minor">
+            <a:schemeClr val="dk1"/>
+          </a:fontRef>
+        </p:style>
+        <p:txBody>
+          <a:bodyPr wrap="square" rtlCol="0">
+            <a:spAutoFit/>
+          </a:bodyPr>
+          <a:lstStyle/>
+          <a:p>
+            <a:r>
+              <a:rPr lang="it-IT" dirty="0"/>
+              <a:t>OUTFILE option </a:t>
+            </a:r>
+            <a:r>
+              <a:rPr lang="it-IT" dirty="0" err="1"/>
+              <a:t>specifies</a:t>
+            </a:r>
+            <a:r>
+              <a:rPr lang="it-IT" dirty="0"/>
+              <a:t> </a:t>
+            </a:r>
+            <a:r>
+              <a:rPr lang="it-IT" dirty="0" err="1"/>
+              <a:t>final</a:t>
+            </a:r>
+            <a:r>
+              <a:rPr lang="it-IT" dirty="0"/>
+              <a:t> file name and location in SAS Studio</a:t>
+            </a:r>
+            <a:endParaRPr lang="en-GB" dirty="0"/>
+          </a:p>
+        </p:txBody>
+      </p:sp>
+      <p:sp>
+        <p:nvSpPr>
+          <p:cNvPr id="25" name="Rectangle 24">
+            <a:extLst>
+              <a:ext uri="{FF2B5EF4-FFF2-40B4-BE49-F238E27FC236}">
+                <a16:creationId xmlns:a16="http://schemas.microsoft.com/office/drawing/2014/main" id="{A9DCAFAA-F4F7-4B3A-8D6F-277EAE361B8F}"/>
+              </a:ext>
+            </a:extLst>
+          </p:cNvPr>
+          <p:cNvSpPr/>
+          <p:nvPr/>
+        </p:nvSpPr>
+        <p:spPr>
+          <a:xfrm>
+            <a:off x="3081403" y="2703083"/>
+            <a:ext cx="3014597" cy="377530"/>
+          </a:xfrm>
+          <a:prstGeom prst="rect">
+            <a:avLst/>
+          </a:prstGeom>
+          <a:solidFill>
+            <a:schemeClr val="accent4">
+              <a:alpha val="50000"/>
+            </a:schemeClr>
+          </a:solidFill>
+          <a:ln>
+            <a:noFill/>
+          </a:ln>
+        </p:spPr>
+        <p:style>
+          <a:lnRef idx="0">
+            <a:scrgbClr r="0" g="0" b="0"/>
+          </a:lnRef>
+          <a:fillRef idx="0">
+            <a:scrgbClr r="0" g="0" b="0"/>
+          </a:fillRef>
+          <a:effectRef idx="0">
+            <a:scrgbClr r="0" g="0" b="0"/>
+          </a:effectRef>
+          <a:fontRef idx="minor">
+            <a:schemeClr val="lt1"/>
+          </a:fontRef>
+        </p:style>
+        <p:txBody>
+          <a:bodyPr rtlCol="0" anchor="ctr"/>
+          <a:lstStyle/>
+          <a:p>
+            <a:pPr algn="ctr"/>
+            <a:endParaRPr lang="en-GB"/>
+          </a:p>
+        </p:txBody>
+      </p:sp>
+      <p:sp>
+        <p:nvSpPr>
+          <p:cNvPr id="28" name="TextBox 27">
+            <a:extLst>
+              <a:ext uri="{FF2B5EF4-FFF2-40B4-BE49-F238E27FC236}">
+                <a16:creationId xmlns:a16="http://schemas.microsoft.com/office/drawing/2014/main" id="{7B6C6635-7D55-441F-A5AC-76E791FA106A}"/>
+              </a:ext>
+            </a:extLst>
+          </p:cNvPr>
+          <p:cNvSpPr txBox="1"/>
+          <p:nvPr/>
+        </p:nvSpPr>
+        <p:spPr>
+          <a:xfrm>
+            <a:off x="5841553" y="3441330"/>
+            <a:ext cx="1908984" cy="369332"/>
+          </a:xfrm>
+          <a:prstGeom prst="rect">
+            <a:avLst/>
+          </a:prstGeom>
+          <a:ln>
+            <a:solidFill>
+              <a:srgbClr val="FDD76A"/>
+            </a:solidFill>
+          </a:ln>
+        </p:spPr>
+        <p:style>
+          <a:lnRef idx="2">
+            <a:schemeClr val="accent2"/>
+          </a:lnRef>
+          <a:fillRef idx="1">
+            <a:schemeClr val="lt1"/>
+          </a:fillRef>
+          <a:effectRef idx="0">
+            <a:schemeClr val="accent2"/>
+          </a:effectRef>
+          <a:fontRef idx="minor">
+            <a:schemeClr val="dk1"/>
+          </a:fontRef>
+        </p:style>
+        <p:txBody>
+          <a:bodyPr wrap="none" rtlCol="0">
+            <a:spAutoFit/>
+          </a:bodyPr>
+          <a:lstStyle/>
+          <a:p>
+            <a:r>
+              <a:rPr lang="it-IT" dirty="0" err="1"/>
+              <a:t>Our</a:t>
+            </a:r>
+            <a:r>
+              <a:rPr lang="it-IT" dirty="0"/>
+              <a:t> </a:t>
+            </a:r>
+            <a:r>
+              <a:rPr lang="it-IT" dirty="0" err="1"/>
+              <a:t>latest</a:t>
+            </a:r>
+            <a:r>
+              <a:rPr lang="it-IT" dirty="0"/>
+              <a:t> dataset</a:t>
+            </a:r>
+            <a:endParaRPr lang="en-GB" dirty="0"/>
+          </a:p>
+        </p:txBody>
+      </p:sp>
+      <p:cxnSp>
+        <p:nvCxnSpPr>
+          <p:cNvPr id="31" name="Straight Arrow Connector 30">
+            <a:extLst>
+              <a:ext uri="{FF2B5EF4-FFF2-40B4-BE49-F238E27FC236}">
+                <a16:creationId xmlns:a16="http://schemas.microsoft.com/office/drawing/2014/main" id="{70372C1A-3007-43C1-A4D4-6F3E6FCC9732}"/>
+              </a:ext>
+            </a:extLst>
+          </p:cNvPr>
+          <p:cNvCxnSpPr>
+            <a:stCxn id="28" idx="1"/>
+            <a:endCxn id="25" idx="2"/>
+          </p:cNvCxnSpPr>
+          <p:nvPr/>
+        </p:nvCxnSpPr>
+        <p:spPr>
+          <a:xfrm flipH="1" flipV="1">
+            <a:off x="4588702" y="3080613"/>
+            <a:ext cx="1252851" cy="545383"/>
+          </a:xfrm>
+          <a:prstGeom prst="straightConnector1">
+            <a:avLst/>
+          </a:prstGeom>
+          <a:ln w="25400">
+            <a:solidFill>
+              <a:srgbClr val="FDD76A"/>
+            </a:solidFill>
+            <a:tailEnd type="triangle"/>
+          </a:ln>
+        </p:spPr>
+        <p:style>
+          <a:lnRef idx="1">
+            <a:schemeClr val="accent1"/>
+          </a:lnRef>
+          <a:fillRef idx="0">
+            <a:schemeClr val="accent1"/>
+          </a:fillRef>
+          <a:effectRef idx="0">
+            <a:schemeClr val="accent1"/>
+          </a:effectRef>
+          <a:fontRef idx="minor">
+            <a:schemeClr val="tx1"/>
+          </a:fontRef>
+        </p:style>
+      </p:cxnSp>
+    </p:spTree>
+    <p:extLst>
+      <p:ext uri="{BB962C8B-B14F-4D97-AF65-F5344CB8AC3E}">
+        <p14:creationId xmlns:p14="http://schemas.microsoft.com/office/powerpoint/2010/main" val="147685253"/>
+      </p:ext>
+    </p:extLst>
+  </p:cSld>
+  <p:clrMapOvr>
+    <a:masterClrMapping/>
+  </p:clrMapOvr>
+</p:sld>
+</file>
+
 <file path=ppt/slides/slide2.xml><?xml version="1.0" encoding="utf-8"?>
 <p:sld xmlns:a="http://schemas.openxmlformats.org/drawingml/2006/main" xmlns:r="http://schemas.openxmlformats.org/officeDocument/2006/relationships" xmlns:p="http://schemas.openxmlformats.org/presentationml/2006/main">
   <p:cSld>

--- a/screenshots/imgs.pptx
+++ b/screenshots/imgs.pptx
@@ -19,6 +19,7 @@
     <p:sldId id="266" r:id="rId13"/>
     <p:sldId id="268" r:id="rId14"/>
     <p:sldId id="269" r:id="rId15"/>
+    <p:sldId id="270" r:id="rId16"/>
   </p:sldIdLst>
   <p:sldSz cx="12192000" cy="6858000"/>
   <p:notesSz cx="6858000" cy="9144000"/>
@@ -6926,6 +6927,518 @@
 </p:sld>
 </file>
 
+<file path=ppt/slides/slide15.xml><?xml version="1.0" encoding="utf-8"?>
+<p:sld xmlns:a="http://schemas.openxmlformats.org/drawingml/2006/main" xmlns:r="http://schemas.openxmlformats.org/officeDocument/2006/relationships" xmlns:p="http://schemas.openxmlformats.org/presentationml/2006/main">
+  <p:cSld>
+    <p:spTree>
+      <p:nvGrpSpPr>
+        <p:cNvPr id="1" name=""/>
+        <p:cNvGrpSpPr/>
+        <p:nvPr/>
+      </p:nvGrpSpPr>
+      <p:grpSpPr>
+        <a:xfrm>
+          <a:off x="0" y="0"/>
+          <a:ext cx="0" cy="0"/>
+          <a:chOff x="0" y="0"/>
+          <a:chExt cx="0" cy="0"/>
+        </a:xfrm>
+      </p:grpSpPr>
+      <p:pic>
+        <p:nvPicPr>
+          <p:cNvPr id="5" name="Picture 4" descr="Graphical user interface, text, application, email&#10;&#10;Description automatically generated">
+            <a:extLst>
+              <a:ext uri="{FF2B5EF4-FFF2-40B4-BE49-F238E27FC236}">
+                <a16:creationId xmlns:a16="http://schemas.microsoft.com/office/drawing/2014/main" id="{8FF842F0-01BA-4710-8194-E19E88C21167}"/>
+              </a:ext>
+            </a:extLst>
+          </p:cNvPr>
+          <p:cNvPicPr>
+            <a:picLocks noChangeAspect="1"/>
+          </p:cNvPicPr>
+          <p:nvPr/>
+        </p:nvPicPr>
+        <p:blipFill>
+          <a:blip r:embed="rId2">
+            <a:extLst>
+              <a:ext uri="{28A0092B-C50C-407E-A947-70E740481C1C}">
+                <a14:useLocalDpi xmlns:a14="http://schemas.microsoft.com/office/drawing/2010/main" val="0"/>
+              </a:ext>
+            </a:extLst>
+          </a:blip>
+          <a:stretch>
+            <a:fillRect/>
+          </a:stretch>
+        </p:blipFill>
+        <p:spPr>
+          <a:xfrm>
+            <a:off x="2431257" y="0"/>
+            <a:ext cx="7329486" cy="6858000"/>
+          </a:xfrm>
+          <a:prstGeom prst="rect">
+            <a:avLst/>
+          </a:prstGeom>
+        </p:spPr>
+      </p:pic>
+      <p:sp>
+        <p:nvSpPr>
+          <p:cNvPr id="6" name="Rectangle 5">
+            <a:extLst>
+              <a:ext uri="{FF2B5EF4-FFF2-40B4-BE49-F238E27FC236}">
+                <a16:creationId xmlns:a16="http://schemas.microsoft.com/office/drawing/2014/main" id="{07C500CD-9CC3-44D9-BF27-1E7FB28C6161}"/>
+              </a:ext>
+            </a:extLst>
+          </p:cNvPr>
+          <p:cNvSpPr/>
+          <p:nvPr/>
+        </p:nvSpPr>
+        <p:spPr>
+          <a:xfrm>
+            <a:off x="2830882" y="1565753"/>
+            <a:ext cx="1678488" cy="901874"/>
+          </a:xfrm>
+          <a:prstGeom prst="rect">
+            <a:avLst/>
+          </a:prstGeom>
+          <a:solidFill>
+            <a:schemeClr val="dk1">
+              <a:alpha val="85000"/>
+            </a:schemeClr>
+          </a:solidFill>
+          <a:ln>
+            <a:noFill/>
+          </a:ln>
+        </p:spPr>
+        <p:style>
+          <a:lnRef idx="0">
+            <a:scrgbClr r="0" g="0" b="0"/>
+          </a:lnRef>
+          <a:fillRef idx="0">
+            <a:scrgbClr r="0" g="0" b="0"/>
+          </a:fillRef>
+          <a:effectRef idx="0">
+            <a:scrgbClr r="0" g="0" b="0"/>
+          </a:effectRef>
+          <a:fontRef idx="minor">
+            <a:schemeClr val="lt1"/>
+          </a:fontRef>
+        </p:style>
+        <p:txBody>
+          <a:bodyPr rtlCol="0" anchor="ctr"/>
+          <a:lstStyle/>
+          <a:p>
+            <a:pPr algn="ctr"/>
+            <a:endParaRPr lang="en-GB"/>
+          </a:p>
+        </p:txBody>
+      </p:sp>
+      <p:sp>
+        <p:nvSpPr>
+          <p:cNvPr id="7" name="Rectangle 6">
+            <a:extLst>
+              <a:ext uri="{FF2B5EF4-FFF2-40B4-BE49-F238E27FC236}">
+                <a16:creationId xmlns:a16="http://schemas.microsoft.com/office/drawing/2014/main" id="{C5FCB458-1B5F-415C-B595-6559D63DA9A4}"/>
+              </a:ext>
+            </a:extLst>
+          </p:cNvPr>
+          <p:cNvSpPr/>
+          <p:nvPr/>
+        </p:nvSpPr>
+        <p:spPr>
+          <a:xfrm>
+            <a:off x="4784942" y="375781"/>
+            <a:ext cx="45719" cy="45719"/>
+          </a:xfrm>
+          <a:prstGeom prst="rect">
+            <a:avLst/>
+          </a:prstGeom>
+        </p:spPr>
+        <p:style>
+          <a:lnRef idx="2">
+            <a:schemeClr val="accent1">
+              <a:shade val="50000"/>
+            </a:schemeClr>
+          </a:lnRef>
+          <a:fillRef idx="1">
+            <a:schemeClr val="accent1"/>
+          </a:fillRef>
+          <a:effectRef idx="0">
+            <a:schemeClr val="accent1"/>
+          </a:effectRef>
+          <a:fontRef idx="minor">
+            <a:schemeClr val="lt1"/>
+          </a:fontRef>
+        </p:style>
+        <p:txBody>
+          <a:bodyPr rtlCol="0" anchor="ctr"/>
+          <a:lstStyle/>
+          <a:p>
+            <a:pPr algn="ctr"/>
+            <a:endParaRPr lang="en-GB"/>
+          </a:p>
+        </p:txBody>
+      </p:sp>
+      <p:sp>
+        <p:nvSpPr>
+          <p:cNvPr id="9" name="Rectangle 8">
+            <a:extLst>
+              <a:ext uri="{FF2B5EF4-FFF2-40B4-BE49-F238E27FC236}">
+                <a16:creationId xmlns:a16="http://schemas.microsoft.com/office/drawing/2014/main" id="{D69E80BA-E0B7-473F-8A5B-1A08C7DB175C}"/>
+              </a:ext>
+            </a:extLst>
+          </p:cNvPr>
+          <p:cNvSpPr/>
+          <p:nvPr/>
+        </p:nvSpPr>
+        <p:spPr>
+          <a:xfrm>
+            <a:off x="2830882" y="1565753"/>
+            <a:ext cx="1678488" cy="313150"/>
+          </a:xfrm>
+          <a:prstGeom prst="rect">
+            <a:avLst/>
+          </a:prstGeom>
+        </p:spPr>
+        <p:style>
+          <a:lnRef idx="2">
+            <a:schemeClr val="dk1">
+              <a:shade val="50000"/>
+            </a:schemeClr>
+          </a:lnRef>
+          <a:fillRef idx="1">
+            <a:schemeClr val="dk1"/>
+          </a:fillRef>
+          <a:effectRef idx="0">
+            <a:schemeClr val="dk1"/>
+          </a:effectRef>
+          <a:fontRef idx="minor">
+            <a:schemeClr val="lt1"/>
+          </a:fontRef>
+        </p:style>
+        <p:txBody>
+          <a:bodyPr rtlCol="0" anchor="ctr"/>
+          <a:lstStyle/>
+          <a:p>
+            <a:pPr algn="ctr"/>
+            <a:endParaRPr lang="en-GB"/>
+          </a:p>
+        </p:txBody>
+      </p:sp>
+      <p:sp>
+        <p:nvSpPr>
+          <p:cNvPr id="10" name="Rectangle 9">
+            <a:extLst>
+              <a:ext uri="{FF2B5EF4-FFF2-40B4-BE49-F238E27FC236}">
+                <a16:creationId xmlns:a16="http://schemas.microsoft.com/office/drawing/2014/main" id="{552EAA6D-FDD5-4179-B6B2-1D34C7E36A99}"/>
+              </a:ext>
+            </a:extLst>
+          </p:cNvPr>
+          <p:cNvSpPr/>
+          <p:nvPr/>
+        </p:nvSpPr>
+        <p:spPr>
+          <a:xfrm>
+            <a:off x="5285984" y="4759890"/>
+            <a:ext cx="4474759" cy="1002083"/>
+          </a:xfrm>
+          <a:prstGeom prst="rect">
+            <a:avLst/>
+          </a:prstGeom>
+          <a:solidFill>
+            <a:schemeClr val="accent4">
+              <a:alpha val="30000"/>
+            </a:schemeClr>
+          </a:solidFill>
+          <a:ln>
+            <a:solidFill>
+              <a:srgbClr val="FFC000"/>
+            </a:solidFill>
+          </a:ln>
+        </p:spPr>
+        <p:style>
+          <a:lnRef idx="0">
+            <a:scrgbClr r="0" g="0" b="0"/>
+          </a:lnRef>
+          <a:fillRef idx="0">
+            <a:scrgbClr r="0" g="0" b="0"/>
+          </a:fillRef>
+          <a:effectRef idx="0">
+            <a:scrgbClr r="0" g="0" b="0"/>
+          </a:effectRef>
+          <a:fontRef idx="minor">
+            <a:schemeClr val="lt1"/>
+          </a:fontRef>
+        </p:style>
+        <p:txBody>
+          <a:bodyPr rtlCol="0" anchor="ctr"/>
+          <a:lstStyle/>
+          <a:p>
+            <a:pPr algn="ctr"/>
+            <a:endParaRPr lang="en-GB"/>
+          </a:p>
+        </p:txBody>
+      </p:sp>
+      <p:sp>
+        <p:nvSpPr>
+          <p:cNvPr id="11" name="Flowchart: Alternate Process 10">
+            <a:extLst>
+              <a:ext uri="{FF2B5EF4-FFF2-40B4-BE49-F238E27FC236}">
+                <a16:creationId xmlns:a16="http://schemas.microsoft.com/office/drawing/2014/main" id="{4C342DED-AFF0-4937-8978-43D2257EA48A}"/>
+              </a:ext>
+            </a:extLst>
+          </p:cNvPr>
+          <p:cNvSpPr/>
+          <p:nvPr/>
+        </p:nvSpPr>
+        <p:spPr>
+          <a:xfrm>
+            <a:off x="2830882" y="2467627"/>
+            <a:ext cx="1678488" cy="200417"/>
+          </a:xfrm>
+          <a:prstGeom prst="flowChartAlternateProcess">
+            <a:avLst/>
+          </a:prstGeom>
+          <a:solidFill>
+            <a:srgbClr val="FFFF00">
+              <a:alpha val="20000"/>
+            </a:srgbClr>
+          </a:solidFill>
+          <a:ln>
+            <a:solidFill>
+              <a:srgbClr val="FFFF00"/>
+            </a:solidFill>
+          </a:ln>
+        </p:spPr>
+        <p:style>
+          <a:lnRef idx="0">
+            <a:scrgbClr r="0" g="0" b="0"/>
+          </a:lnRef>
+          <a:fillRef idx="0">
+            <a:scrgbClr r="0" g="0" b="0"/>
+          </a:fillRef>
+          <a:effectRef idx="0">
+            <a:scrgbClr r="0" g="0" b="0"/>
+          </a:effectRef>
+          <a:fontRef idx="minor">
+            <a:schemeClr val="lt1"/>
+          </a:fontRef>
+        </p:style>
+        <p:txBody>
+          <a:bodyPr rtlCol="0" anchor="ctr"/>
+          <a:lstStyle/>
+          <a:p>
+            <a:pPr algn="ctr"/>
+            <a:endParaRPr lang="en-GB"/>
+          </a:p>
+        </p:txBody>
+      </p:sp>
+      <p:cxnSp>
+        <p:nvCxnSpPr>
+          <p:cNvPr id="13" name="Straight Arrow Connector 12">
+            <a:extLst>
+              <a:ext uri="{FF2B5EF4-FFF2-40B4-BE49-F238E27FC236}">
+                <a16:creationId xmlns:a16="http://schemas.microsoft.com/office/drawing/2014/main" id="{68C869FD-50C4-4D9C-8CA7-019A2E9D0488}"/>
+              </a:ext>
+            </a:extLst>
+          </p:cNvPr>
+          <p:cNvCxnSpPr>
+            <a:stCxn id="10" idx="1"/>
+          </p:cNvCxnSpPr>
+          <p:nvPr/>
+        </p:nvCxnSpPr>
+        <p:spPr>
+          <a:xfrm flipH="1" flipV="1">
+            <a:off x="3670126" y="2668044"/>
+            <a:ext cx="1615858" cy="2592888"/>
+          </a:xfrm>
+          <a:prstGeom prst="straightConnector1">
+            <a:avLst/>
+          </a:prstGeom>
+          <a:ln>
+            <a:tailEnd type="triangle"/>
+          </a:ln>
+        </p:spPr>
+        <p:style>
+          <a:lnRef idx="3">
+            <a:schemeClr val="accent4"/>
+          </a:lnRef>
+          <a:fillRef idx="0">
+            <a:schemeClr val="accent4"/>
+          </a:fillRef>
+          <a:effectRef idx="2">
+            <a:schemeClr val="accent4"/>
+          </a:effectRef>
+          <a:fontRef idx="minor">
+            <a:schemeClr val="tx1"/>
+          </a:fontRef>
+        </p:style>
+      </p:cxnSp>
+      <p:sp>
+        <p:nvSpPr>
+          <p:cNvPr id="2" name="Oval 1">
+            <a:extLst>
+              <a:ext uri="{FF2B5EF4-FFF2-40B4-BE49-F238E27FC236}">
+                <a16:creationId xmlns:a16="http://schemas.microsoft.com/office/drawing/2014/main" id="{2D5896E3-9495-45A8-BE77-D5349B76B85C}"/>
+              </a:ext>
+            </a:extLst>
+          </p:cNvPr>
+          <p:cNvSpPr/>
+          <p:nvPr/>
+        </p:nvSpPr>
+        <p:spPr>
+          <a:xfrm>
+            <a:off x="3319397" y="676405"/>
+            <a:ext cx="313151" cy="300624"/>
+          </a:xfrm>
+          <a:prstGeom prst="ellipse">
+            <a:avLst/>
+          </a:prstGeom>
+          <a:solidFill>
+            <a:schemeClr val="accent1">
+              <a:alpha val="50000"/>
+            </a:schemeClr>
+          </a:solidFill>
+          <a:ln>
+            <a:solidFill>
+              <a:schemeClr val="tx2"/>
+            </a:solidFill>
+          </a:ln>
+        </p:spPr>
+        <p:style>
+          <a:lnRef idx="0">
+            <a:scrgbClr r="0" g="0" b="0"/>
+          </a:lnRef>
+          <a:fillRef idx="0">
+            <a:scrgbClr r="0" g="0" b="0"/>
+          </a:fillRef>
+          <a:effectRef idx="0">
+            <a:scrgbClr r="0" g="0" b="0"/>
+          </a:effectRef>
+          <a:fontRef idx="minor">
+            <a:schemeClr val="lt1"/>
+          </a:fontRef>
+        </p:style>
+        <p:txBody>
+          <a:bodyPr rtlCol="0" anchor="ctr"/>
+          <a:lstStyle/>
+          <a:p>
+            <a:pPr algn="ctr"/>
+            <a:endParaRPr lang="en-GB"/>
+          </a:p>
+        </p:txBody>
+      </p:sp>
+      <p:sp>
+        <p:nvSpPr>
+          <p:cNvPr id="3" name="TextBox 2">
+            <a:extLst>
+              <a:ext uri="{FF2B5EF4-FFF2-40B4-BE49-F238E27FC236}">
+                <a16:creationId xmlns:a16="http://schemas.microsoft.com/office/drawing/2014/main" id="{A0905AE9-C7D4-4826-9FE5-90CAF307BFA3}"/>
+              </a:ext>
+            </a:extLst>
+          </p:cNvPr>
+          <p:cNvSpPr txBox="1"/>
+          <p:nvPr/>
+        </p:nvSpPr>
+        <p:spPr>
+          <a:xfrm>
+            <a:off x="626301" y="977029"/>
+            <a:ext cx="1402915" cy="923330"/>
+          </a:xfrm>
+          <a:prstGeom prst="rect">
+            <a:avLst/>
+          </a:prstGeom>
+        </p:spPr>
+        <p:style>
+          <a:lnRef idx="2">
+            <a:schemeClr val="dk1"/>
+          </a:lnRef>
+          <a:fillRef idx="1">
+            <a:schemeClr val="lt1"/>
+          </a:fillRef>
+          <a:effectRef idx="0">
+            <a:schemeClr val="dk1"/>
+          </a:effectRef>
+          <a:fontRef idx="minor">
+            <a:schemeClr val="dk1"/>
+          </a:fontRef>
+        </p:style>
+        <p:txBody>
+          <a:bodyPr wrap="square" rtlCol="0">
+            <a:spAutoFit/>
+          </a:bodyPr>
+          <a:lstStyle/>
+          <a:p>
+            <a:r>
+              <a:rPr lang="it-IT" dirty="0"/>
+              <a:t>Click </a:t>
+            </a:r>
+            <a:r>
+              <a:rPr lang="it-IT" dirty="0" err="1"/>
+              <a:t>here</a:t>
+            </a:r>
+            <a:r>
+              <a:rPr lang="it-IT" dirty="0"/>
+              <a:t> to download the new file</a:t>
+            </a:r>
+            <a:endParaRPr lang="en-GB" dirty="0"/>
+          </a:p>
+        </p:txBody>
+      </p:sp>
+      <p:cxnSp>
+        <p:nvCxnSpPr>
+          <p:cNvPr id="8" name="Straight Arrow Connector 7">
+            <a:extLst>
+              <a:ext uri="{FF2B5EF4-FFF2-40B4-BE49-F238E27FC236}">
+                <a16:creationId xmlns:a16="http://schemas.microsoft.com/office/drawing/2014/main" id="{EE26E1FA-F713-4E1B-853A-ABDF2B4732B6}"/>
+              </a:ext>
+            </a:extLst>
+          </p:cNvPr>
+          <p:cNvCxnSpPr>
+            <a:stCxn id="3" idx="3"/>
+            <a:endCxn id="2" idx="3"/>
+          </p:cNvCxnSpPr>
+          <p:nvPr/>
+        </p:nvCxnSpPr>
+        <p:spPr>
+          <a:xfrm flipV="1">
+            <a:off x="2029216" y="933004"/>
+            <a:ext cx="1336041" cy="505690"/>
+          </a:xfrm>
+          <a:prstGeom prst="straightConnector1">
+            <a:avLst/>
+          </a:prstGeom>
+          <a:ln>
+            <a:tailEnd type="triangle"/>
+          </a:ln>
+        </p:spPr>
+        <p:style>
+          <a:lnRef idx="1">
+            <a:schemeClr val="dk1"/>
+          </a:lnRef>
+          <a:fillRef idx="0">
+            <a:schemeClr val="dk1"/>
+          </a:fillRef>
+          <a:effectRef idx="0">
+            <a:schemeClr val="dk1"/>
+          </a:effectRef>
+          <a:fontRef idx="minor">
+            <a:schemeClr val="tx1"/>
+          </a:fontRef>
+        </p:style>
+      </p:cxnSp>
+    </p:spTree>
+    <p:extLst>
+      <p:ext uri="{BB962C8B-B14F-4D97-AF65-F5344CB8AC3E}">
+        <p14:creationId xmlns:p14="http://schemas.microsoft.com/office/powerpoint/2010/main" val="1179597785"/>
+      </p:ext>
+    </p:extLst>
+  </p:cSld>
+  <p:clrMapOvr>
+    <a:masterClrMapping/>
+  </p:clrMapOvr>
+</p:sld>
+</file>
+
 <file path=ppt/slides/slide2.xml><?xml version="1.0" encoding="utf-8"?>
 <p:sld xmlns:a="http://schemas.openxmlformats.org/drawingml/2006/main" xmlns:r="http://schemas.openxmlformats.org/officeDocument/2006/relationships" xmlns:p="http://schemas.openxmlformats.org/presentationml/2006/main">
   <p:cSld>

--- a/screenshots/imgs.pptx
+++ b/screenshots/imgs.pptx
@@ -20,6 +20,7 @@
     <p:sldId id="268" r:id="rId14"/>
     <p:sldId id="269" r:id="rId15"/>
     <p:sldId id="270" r:id="rId16"/>
+    <p:sldId id="271" r:id="rId17"/>
   </p:sldIdLst>
   <p:sldSz cx="12192000" cy="6858000"/>
   <p:notesSz cx="6858000" cy="9144000"/>
@@ -275,7 +276,7 @@
           <a:p>
             <a:fld id="{166DC043-4AEC-4A4E-AB79-0D54B7828DD9}" type="datetimeFigureOut">
               <a:rPr lang="en-GB" smtClean="0"/>
-              <a:t>10/05/2021</a:t>
+              <a:t>12/05/2021</a:t>
             </a:fld>
             <a:endParaRPr lang="en-GB"/>
           </a:p>
@@ -475,7 +476,7 @@
           <a:p>
             <a:fld id="{166DC043-4AEC-4A4E-AB79-0D54B7828DD9}" type="datetimeFigureOut">
               <a:rPr lang="en-GB" smtClean="0"/>
-              <a:t>10/05/2021</a:t>
+              <a:t>12/05/2021</a:t>
             </a:fld>
             <a:endParaRPr lang="en-GB"/>
           </a:p>
@@ -685,7 +686,7 @@
           <a:p>
             <a:fld id="{166DC043-4AEC-4A4E-AB79-0D54B7828DD9}" type="datetimeFigureOut">
               <a:rPr lang="en-GB" smtClean="0"/>
-              <a:t>10/05/2021</a:t>
+              <a:t>12/05/2021</a:t>
             </a:fld>
             <a:endParaRPr lang="en-GB"/>
           </a:p>
@@ -885,7 +886,7 @@
           <a:p>
             <a:fld id="{166DC043-4AEC-4A4E-AB79-0D54B7828DD9}" type="datetimeFigureOut">
               <a:rPr lang="en-GB" smtClean="0"/>
-              <a:t>10/05/2021</a:t>
+              <a:t>12/05/2021</a:t>
             </a:fld>
             <a:endParaRPr lang="en-GB"/>
           </a:p>
@@ -1161,7 +1162,7 @@
           <a:p>
             <a:fld id="{166DC043-4AEC-4A4E-AB79-0D54B7828DD9}" type="datetimeFigureOut">
               <a:rPr lang="en-GB" smtClean="0"/>
-              <a:t>10/05/2021</a:t>
+              <a:t>12/05/2021</a:t>
             </a:fld>
             <a:endParaRPr lang="en-GB"/>
           </a:p>
@@ -1429,7 +1430,7 @@
           <a:p>
             <a:fld id="{166DC043-4AEC-4A4E-AB79-0D54B7828DD9}" type="datetimeFigureOut">
               <a:rPr lang="en-GB" smtClean="0"/>
-              <a:t>10/05/2021</a:t>
+              <a:t>12/05/2021</a:t>
             </a:fld>
             <a:endParaRPr lang="en-GB"/>
           </a:p>
@@ -1844,7 +1845,7 @@
           <a:p>
             <a:fld id="{166DC043-4AEC-4A4E-AB79-0D54B7828DD9}" type="datetimeFigureOut">
               <a:rPr lang="en-GB" smtClean="0"/>
-              <a:t>10/05/2021</a:t>
+              <a:t>12/05/2021</a:t>
             </a:fld>
             <a:endParaRPr lang="en-GB"/>
           </a:p>
@@ -1986,7 +1987,7 @@
           <a:p>
             <a:fld id="{166DC043-4AEC-4A4E-AB79-0D54B7828DD9}" type="datetimeFigureOut">
               <a:rPr lang="en-GB" smtClean="0"/>
-              <a:t>10/05/2021</a:t>
+              <a:t>12/05/2021</a:t>
             </a:fld>
             <a:endParaRPr lang="en-GB"/>
           </a:p>
@@ -2099,7 +2100,7 @@
           <a:p>
             <a:fld id="{166DC043-4AEC-4A4E-AB79-0D54B7828DD9}" type="datetimeFigureOut">
               <a:rPr lang="en-GB" smtClean="0"/>
-              <a:t>10/05/2021</a:t>
+              <a:t>12/05/2021</a:t>
             </a:fld>
             <a:endParaRPr lang="en-GB"/>
           </a:p>
@@ -2412,7 +2413,7 @@
           <a:p>
             <a:fld id="{166DC043-4AEC-4A4E-AB79-0D54B7828DD9}" type="datetimeFigureOut">
               <a:rPr lang="en-GB" smtClean="0"/>
-              <a:t>10/05/2021</a:t>
+              <a:t>12/05/2021</a:t>
             </a:fld>
             <a:endParaRPr lang="en-GB"/>
           </a:p>
@@ -2701,7 +2702,7 @@
           <a:p>
             <a:fld id="{166DC043-4AEC-4A4E-AB79-0D54B7828DD9}" type="datetimeFigureOut">
               <a:rPr lang="en-GB" smtClean="0"/>
-              <a:t>10/05/2021</a:t>
+              <a:t>12/05/2021</a:t>
             </a:fld>
             <a:endParaRPr lang="en-GB"/>
           </a:p>
@@ -2944,7 +2945,7 @@
           <a:p>
             <a:fld id="{166DC043-4AEC-4A4E-AB79-0D54B7828DD9}" type="datetimeFigureOut">
               <a:rPr lang="en-GB" smtClean="0"/>
-              <a:t>10/05/2021</a:t>
+              <a:t>12/05/2021</a:t>
             </a:fld>
             <a:endParaRPr lang="en-GB"/>
           </a:p>
@@ -7439,6 +7440,726 @@
 </p:sld>
 </file>
 
+<file path=ppt/slides/slide16.xml><?xml version="1.0" encoding="utf-8"?>
+<p:sld xmlns:a="http://schemas.openxmlformats.org/drawingml/2006/main" xmlns:r="http://schemas.openxmlformats.org/officeDocument/2006/relationships" xmlns:p="http://schemas.openxmlformats.org/presentationml/2006/main">
+  <p:cSld>
+    <p:spTree>
+      <p:nvGrpSpPr>
+        <p:cNvPr id="1" name=""/>
+        <p:cNvGrpSpPr/>
+        <p:nvPr/>
+      </p:nvGrpSpPr>
+      <p:grpSpPr>
+        <a:xfrm>
+          <a:off x="0" y="0"/>
+          <a:ext cx="0" cy="0"/>
+          <a:chOff x="0" y="0"/>
+          <a:chExt cx="0" cy="0"/>
+        </a:xfrm>
+      </p:grpSpPr>
+      <p:pic>
+        <p:nvPicPr>
+          <p:cNvPr id="5" name="Picture 4" descr="Table&#10;&#10;Description automatically generated">
+            <a:extLst>
+              <a:ext uri="{FF2B5EF4-FFF2-40B4-BE49-F238E27FC236}">
+                <a16:creationId xmlns:a16="http://schemas.microsoft.com/office/drawing/2014/main" id="{439686A4-CDCE-48AB-9D6F-3BF5CFC7E040}"/>
+              </a:ext>
+            </a:extLst>
+          </p:cNvPr>
+          <p:cNvPicPr>
+            <a:picLocks noChangeAspect="1"/>
+          </p:cNvPicPr>
+          <p:nvPr/>
+        </p:nvPicPr>
+        <p:blipFill>
+          <a:blip r:embed="rId2">
+            <a:extLst>
+              <a:ext uri="{28A0092B-C50C-407E-A947-70E740481C1C}">
+                <a14:useLocalDpi xmlns:a14="http://schemas.microsoft.com/office/drawing/2010/main" val="0"/>
+              </a:ext>
+            </a:extLst>
+          </a:blip>
+          <a:stretch>
+            <a:fillRect/>
+          </a:stretch>
+        </p:blipFill>
+        <p:spPr>
+          <a:xfrm>
+            <a:off x="1574540" y="100208"/>
+            <a:ext cx="9179032" cy="6757792"/>
+          </a:xfrm>
+          <a:prstGeom prst="rect">
+            <a:avLst/>
+          </a:prstGeom>
+        </p:spPr>
+      </p:pic>
+      <p:sp>
+        <p:nvSpPr>
+          <p:cNvPr id="7" name="Rectangle 6">
+            <a:extLst>
+              <a:ext uri="{FF2B5EF4-FFF2-40B4-BE49-F238E27FC236}">
+                <a16:creationId xmlns:a16="http://schemas.microsoft.com/office/drawing/2014/main" id="{2A5D9455-DF4E-48B9-89D7-F2B9EE9F1367}"/>
+              </a:ext>
+            </a:extLst>
+          </p:cNvPr>
+          <p:cNvSpPr/>
+          <p:nvPr/>
+        </p:nvSpPr>
+        <p:spPr>
+          <a:xfrm>
+            <a:off x="2054268" y="463463"/>
+            <a:ext cx="7916450" cy="2279737"/>
+          </a:xfrm>
+          <a:prstGeom prst="rect">
+            <a:avLst/>
+          </a:prstGeom>
+          <a:solidFill>
+            <a:schemeClr val="accent2">
+              <a:alpha val="30000"/>
+            </a:schemeClr>
+          </a:solidFill>
+          <a:ln>
+            <a:solidFill>
+              <a:srgbClr val="C00000"/>
+            </a:solidFill>
+          </a:ln>
+        </p:spPr>
+        <p:style>
+          <a:lnRef idx="0">
+            <a:scrgbClr r="0" g="0" b="0"/>
+          </a:lnRef>
+          <a:fillRef idx="0">
+            <a:scrgbClr r="0" g="0" b="0"/>
+          </a:fillRef>
+          <a:effectRef idx="0">
+            <a:scrgbClr r="0" g="0" b="0"/>
+          </a:effectRef>
+          <a:fontRef idx="minor">
+            <a:schemeClr val="lt1"/>
+          </a:fontRef>
+        </p:style>
+        <p:txBody>
+          <a:bodyPr rtlCol="0" anchor="ctr"/>
+          <a:lstStyle/>
+          <a:p>
+            <a:pPr algn="ctr"/>
+            <a:endParaRPr lang="en-GB"/>
+          </a:p>
+        </p:txBody>
+      </p:sp>
+      <p:sp>
+        <p:nvSpPr>
+          <p:cNvPr id="6" name="Rectangle 5">
+            <a:extLst>
+              <a:ext uri="{FF2B5EF4-FFF2-40B4-BE49-F238E27FC236}">
+                <a16:creationId xmlns:a16="http://schemas.microsoft.com/office/drawing/2014/main" id="{393BE676-BA68-49C3-B019-754D7C983085}"/>
+              </a:ext>
+            </a:extLst>
+          </p:cNvPr>
+          <p:cNvSpPr/>
+          <p:nvPr/>
+        </p:nvSpPr>
+        <p:spPr>
+          <a:xfrm>
+            <a:off x="3331923" y="1152395"/>
+            <a:ext cx="5862181" cy="676405"/>
+          </a:xfrm>
+          <a:prstGeom prst="rect">
+            <a:avLst/>
+          </a:prstGeom>
+          <a:solidFill>
+            <a:schemeClr val="dk1">
+              <a:alpha val="90000"/>
+            </a:schemeClr>
+          </a:solidFill>
+        </p:spPr>
+        <p:style>
+          <a:lnRef idx="2">
+            <a:schemeClr val="dk1">
+              <a:shade val="50000"/>
+            </a:schemeClr>
+          </a:lnRef>
+          <a:fillRef idx="1">
+            <a:schemeClr val="dk1"/>
+          </a:fillRef>
+          <a:effectRef idx="0">
+            <a:schemeClr val="dk1"/>
+          </a:effectRef>
+          <a:fontRef idx="minor">
+            <a:schemeClr val="lt1"/>
+          </a:fontRef>
+        </p:style>
+        <p:txBody>
+          <a:bodyPr rtlCol="0" anchor="ctr"/>
+          <a:lstStyle/>
+          <a:p>
+            <a:pPr algn="ctr"/>
+            <a:r>
+              <a:rPr lang="it-IT" dirty="0" err="1"/>
+              <a:t>Path</a:t>
+            </a:r>
+            <a:r>
+              <a:rPr lang="it-IT" dirty="0"/>
+              <a:t> to </a:t>
+            </a:r>
+            <a:r>
+              <a:rPr lang="it-IT" dirty="0" err="1"/>
+              <a:t>fisical</a:t>
+            </a:r>
+            <a:r>
+              <a:rPr lang="it-IT" dirty="0"/>
+              <a:t> and file names</a:t>
+            </a:r>
+          </a:p>
+          <a:p>
+            <a:pPr algn="ctr"/>
+            <a:r>
+              <a:rPr lang="it-IT" dirty="0"/>
+              <a:t>Your </a:t>
+            </a:r>
+            <a:r>
+              <a:rPr lang="it-IT" dirty="0" err="1"/>
+              <a:t>incode</a:t>
+            </a:r>
+            <a:r>
+              <a:rPr lang="it-IT" dirty="0"/>
+              <a:t> </a:t>
+            </a:r>
+            <a:r>
+              <a:rPr lang="it-IT" dirty="0" err="1"/>
+              <a:t>number</a:t>
+            </a:r>
+            <a:endParaRPr lang="it-IT" dirty="0"/>
+          </a:p>
+        </p:txBody>
+      </p:sp>
+      <p:sp>
+        <p:nvSpPr>
+          <p:cNvPr id="10" name="TextBox 9">
+            <a:extLst>
+              <a:ext uri="{FF2B5EF4-FFF2-40B4-BE49-F238E27FC236}">
+                <a16:creationId xmlns:a16="http://schemas.microsoft.com/office/drawing/2014/main" id="{F2648314-FBDC-4A45-B13C-AE64C9FE6AA3}"/>
+              </a:ext>
+            </a:extLst>
+          </p:cNvPr>
+          <p:cNvSpPr txBox="1"/>
+          <p:nvPr/>
+        </p:nvSpPr>
+        <p:spPr>
+          <a:xfrm>
+            <a:off x="150314" y="2832773"/>
+            <a:ext cx="2079320" cy="646331"/>
+          </a:xfrm>
+          <a:prstGeom prst="rect">
+            <a:avLst/>
+          </a:prstGeom>
+          <a:ln>
+            <a:solidFill>
+              <a:srgbClr val="C00000"/>
+            </a:solidFill>
+          </a:ln>
+        </p:spPr>
+        <p:style>
+          <a:lnRef idx="2">
+            <a:schemeClr val="accent2"/>
+          </a:lnRef>
+          <a:fillRef idx="1">
+            <a:schemeClr val="lt1"/>
+          </a:fillRef>
+          <a:effectRef idx="0">
+            <a:schemeClr val="accent2"/>
+          </a:effectRef>
+          <a:fontRef idx="minor">
+            <a:schemeClr val="dk1"/>
+          </a:fontRef>
+        </p:style>
+        <p:txBody>
+          <a:bodyPr wrap="square" rtlCol="0">
+            <a:spAutoFit/>
+          </a:bodyPr>
+          <a:lstStyle/>
+          <a:p>
+            <a:r>
+              <a:rPr lang="it-IT" dirty="0"/>
+              <a:t>General information on </a:t>
+            </a:r>
+            <a:r>
+              <a:rPr lang="it-IT" dirty="0" err="1"/>
+              <a:t>your</a:t>
+            </a:r>
+            <a:r>
+              <a:rPr lang="it-IT" dirty="0"/>
+              <a:t> directory</a:t>
+            </a:r>
+            <a:endParaRPr lang="en-GB" dirty="0"/>
+          </a:p>
+        </p:txBody>
+      </p:sp>
+      <p:cxnSp>
+        <p:nvCxnSpPr>
+          <p:cNvPr id="12" name="Straight Arrow Connector 11">
+            <a:extLst>
+              <a:ext uri="{FF2B5EF4-FFF2-40B4-BE49-F238E27FC236}">
+                <a16:creationId xmlns:a16="http://schemas.microsoft.com/office/drawing/2014/main" id="{0B9FE327-2AF6-4F20-B3A2-B4FF11D9D57B}"/>
+              </a:ext>
+            </a:extLst>
+          </p:cNvPr>
+          <p:cNvCxnSpPr>
+            <a:stCxn id="10" idx="0"/>
+          </p:cNvCxnSpPr>
+          <p:nvPr/>
+        </p:nvCxnSpPr>
+        <p:spPr>
+          <a:xfrm flipV="1">
+            <a:off x="1189974" y="1603331"/>
+            <a:ext cx="864294" cy="1229442"/>
+          </a:xfrm>
+          <a:prstGeom prst="straightConnector1">
+            <a:avLst/>
+          </a:prstGeom>
+          <a:ln>
+            <a:solidFill>
+              <a:srgbClr val="C00000"/>
+            </a:solidFill>
+            <a:tailEnd type="triangle"/>
+          </a:ln>
+        </p:spPr>
+        <p:style>
+          <a:lnRef idx="3">
+            <a:schemeClr val="dk1"/>
+          </a:lnRef>
+          <a:fillRef idx="0">
+            <a:schemeClr val="dk1"/>
+          </a:fillRef>
+          <a:effectRef idx="2">
+            <a:schemeClr val="dk1"/>
+          </a:effectRef>
+          <a:fontRef idx="minor">
+            <a:schemeClr val="tx1"/>
+          </a:fontRef>
+        </p:style>
+      </p:cxnSp>
+      <p:sp>
+        <p:nvSpPr>
+          <p:cNvPr id="13" name="Rectangle 12">
+            <a:extLst>
+              <a:ext uri="{FF2B5EF4-FFF2-40B4-BE49-F238E27FC236}">
+                <a16:creationId xmlns:a16="http://schemas.microsoft.com/office/drawing/2014/main" id="{D7D55E9A-F489-4D61-8504-A2927B07BD45}"/>
+              </a:ext>
+            </a:extLst>
+          </p:cNvPr>
+          <p:cNvSpPr/>
+          <p:nvPr/>
+        </p:nvSpPr>
+        <p:spPr>
+          <a:xfrm>
+            <a:off x="4070959" y="2968668"/>
+            <a:ext cx="3883068" cy="3682653"/>
+          </a:xfrm>
+          <a:prstGeom prst="rect">
+            <a:avLst/>
+          </a:prstGeom>
+          <a:solidFill>
+            <a:schemeClr val="accent4">
+              <a:alpha val="10000"/>
+            </a:schemeClr>
+          </a:solidFill>
+          <a:ln>
+            <a:solidFill>
+              <a:schemeClr val="accent2">
+                <a:lumMod val="50000"/>
+              </a:schemeClr>
+            </a:solidFill>
+          </a:ln>
+        </p:spPr>
+        <p:style>
+          <a:lnRef idx="0">
+            <a:scrgbClr r="0" g="0" b="0"/>
+          </a:lnRef>
+          <a:fillRef idx="0">
+            <a:scrgbClr r="0" g="0" b="0"/>
+          </a:fillRef>
+          <a:effectRef idx="0">
+            <a:scrgbClr r="0" g="0" b="0"/>
+          </a:effectRef>
+          <a:fontRef idx="minor">
+            <a:schemeClr val="lt1"/>
+          </a:fontRef>
+        </p:style>
+        <p:txBody>
+          <a:bodyPr rtlCol="0" anchor="ctr"/>
+          <a:lstStyle/>
+          <a:p>
+            <a:pPr algn="ctr"/>
+            <a:endParaRPr lang="en-GB"/>
+          </a:p>
+        </p:txBody>
+      </p:sp>
+      <p:sp>
+        <p:nvSpPr>
+          <p:cNvPr id="14" name="TextBox 13">
+            <a:extLst>
+              <a:ext uri="{FF2B5EF4-FFF2-40B4-BE49-F238E27FC236}">
+                <a16:creationId xmlns:a16="http://schemas.microsoft.com/office/drawing/2014/main" id="{F89001F3-3EE6-4AEF-8A50-83664305CB69}"/>
+              </a:ext>
+            </a:extLst>
+          </p:cNvPr>
+          <p:cNvSpPr txBox="1"/>
+          <p:nvPr/>
+        </p:nvSpPr>
+        <p:spPr>
+          <a:xfrm>
+            <a:off x="8743167" y="3106455"/>
+            <a:ext cx="2799545" cy="1477328"/>
+          </a:xfrm>
+          <a:prstGeom prst="rect">
+            <a:avLst/>
+          </a:prstGeom>
+          <a:ln>
+            <a:solidFill>
+              <a:schemeClr val="accent2">
+                <a:lumMod val="50000"/>
+              </a:schemeClr>
+            </a:solidFill>
+          </a:ln>
+        </p:spPr>
+        <p:style>
+          <a:lnRef idx="2">
+            <a:schemeClr val="accent2"/>
+          </a:lnRef>
+          <a:fillRef idx="1">
+            <a:schemeClr val="lt1"/>
+          </a:fillRef>
+          <a:effectRef idx="0">
+            <a:schemeClr val="accent2"/>
+          </a:effectRef>
+          <a:fontRef idx="minor">
+            <a:schemeClr val="dk1"/>
+          </a:fontRef>
+        </p:style>
+        <p:txBody>
+          <a:bodyPr wrap="square" rtlCol="0">
+            <a:spAutoFit/>
+          </a:bodyPr>
+          <a:lstStyle/>
+          <a:p>
+            <a:r>
+              <a:rPr lang="it-IT" dirty="0"/>
+              <a:t>Files </a:t>
+            </a:r>
+            <a:r>
+              <a:rPr lang="it-IT" b="1" dirty="0" err="1"/>
+              <a:t>already</a:t>
+            </a:r>
+            <a:r>
+              <a:rPr lang="it-IT" dirty="0"/>
+              <a:t> </a:t>
+            </a:r>
+            <a:r>
+              <a:rPr lang="it-IT" dirty="0" err="1"/>
+              <a:t>present</a:t>
+            </a:r>
+            <a:r>
+              <a:rPr lang="it-IT" dirty="0"/>
+              <a:t> in the directory.</a:t>
+            </a:r>
+          </a:p>
+          <a:p>
+            <a:r>
+              <a:rPr lang="it-IT" dirty="0" err="1"/>
+              <a:t>Different</a:t>
+            </a:r>
+            <a:r>
+              <a:rPr lang="it-IT" dirty="0"/>
+              <a:t> </a:t>
+            </a:r>
+            <a:r>
+              <a:rPr lang="it-IT" i="1" dirty="0" err="1"/>
+              <a:t>memtypes</a:t>
+            </a:r>
+            <a:r>
+              <a:rPr lang="it-IT" dirty="0"/>
+              <a:t> (e.g. </a:t>
+            </a:r>
+            <a:r>
+              <a:rPr lang="it-IT" dirty="0" err="1"/>
+              <a:t>catalogs</a:t>
+            </a:r>
+            <a:r>
+              <a:rPr lang="it-IT" dirty="0"/>
+              <a:t>, </a:t>
+            </a:r>
+            <a:r>
+              <a:rPr lang="it-IT" dirty="0" err="1"/>
+              <a:t>itemstor</a:t>
+            </a:r>
+            <a:r>
+              <a:rPr lang="it-IT" dirty="0"/>
+              <a:t>, data) </a:t>
+            </a:r>
+            <a:r>
+              <a:rPr lang="it-IT" dirty="0" err="1"/>
+              <a:t>stored</a:t>
+            </a:r>
+            <a:r>
+              <a:rPr lang="it-IT" dirty="0"/>
+              <a:t>.</a:t>
+            </a:r>
+            <a:endParaRPr lang="en-GB" dirty="0"/>
+          </a:p>
+        </p:txBody>
+      </p:sp>
+      <p:cxnSp>
+        <p:nvCxnSpPr>
+          <p:cNvPr id="16" name="Straight Arrow Connector 15">
+            <a:extLst>
+              <a:ext uri="{FF2B5EF4-FFF2-40B4-BE49-F238E27FC236}">
+                <a16:creationId xmlns:a16="http://schemas.microsoft.com/office/drawing/2014/main" id="{8CAD5B3E-B418-48C9-B589-3473E98D3889}"/>
+              </a:ext>
+            </a:extLst>
+          </p:cNvPr>
+          <p:cNvCxnSpPr>
+            <a:cxnSpLocks/>
+            <a:stCxn id="14" idx="1"/>
+          </p:cNvCxnSpPr>
+          <p:nvPr/>
+        </p:nvCxnSpPr>
+        <p:spPr>
+          <a:xfrm flipH="1">
+            <a:off x="7954027" y="3845119"/>
+            <a:ext cx="789140" cy="964132"/>
+          </a:xfrm>
+          <a:prstGeom prst="straightConnector1">
+            <a:avLst/>
+          </a:prstGeom>
+          <a:ln>
+            <a:solidFill>
+              <a:schemeClr val="accent2">
+                <a:lumMod val="50000"/>
+              </a:schemeClr>
+            </a:solidFill>
+            <a:tailEnd type="triangle"/>
+          </a:ln>
+        </p:spPr>
+        <p:style>
+          <a:lnRef idx="3">
+            <a:schemeClr val="dk1"/>
+          </a:lnRef>
+          <a:fillRef idx="0">
+            <a:schemeClr val="dk1"/>
+          </a:fillRef>
+          <a:effectRef idx="2">
+            <a:schemeClr val="dk1"/>
+          </a:effectRef>
+          <a:fontRef idx="minor">
+            <a:schemeClr val="tx1"/>
+          </a:fontRef>
+        </p:style>
+      </p:cxnSp>
+      <p:sp>
+        <p:nvSpPr>
+          <p:cNvPr id="19" name="Rectangle 18">
+            <a:extLst>
+              <a:ext uri="{FF2B5EF4-FFF2-40B4-BE49-F238E27FC236}">
+                <a16:creationId xmlns:a16="http://schemas.microsoft.com/office/drawing/2014/main" id="{D52A2227-F503-4843-8B4F-D47AF2C048A3}"/>
+              </a:ext>
+            </a:extLst>
+          </p:cNvPr>
+          <p:cNvSpPr/>
+          <p:nvPr/>
+        </p:nvSpPr>
+        <p:spPr>
+          <a:xfrm>
+            <a:off x="4070959" y="6200384"/>
+            <a:ext cx="3883068" cy="450937"/>
+          </a:xfrm>
+          <a:prstGeom prst="rect">
+            <a:avLst/>
+          </a:prstGeom>
+          <a:solidFill>
+            <a:schemeClr val="accent4">
+              <a:alpha val="35000"/>
+            </a:schemeClr>
+          </a:solidFill>
+          <a:ln>
+            <a:solidFill>
+              <a:schemeClr val="accent4">
+                <a:lumMod val="75000"/>
+              </a:schemeClr>
+            </a:solidFill>
+          </a:ln>
+        </p:spPr>
+        <p:style>
+          <a:lnRef idx="0">
+            <a:scrgbClr r="0" g="0" b="0"/>
+          </a:lnRef>
+          <a:fillRef idx="0">
+            <a:scrgbClr r="0" g="0" b="0"/>
+          </a:fillRef>
+          <a:effectRef idx="0">
+            <a:scrgbClr r="0" g="0" b="0"/>
+          </a:effectRef>
+          <a:fontRef idx="minor">
+            <a:schemeClr val="lt1"/>
+          </a:fontRef>
+        </p:style>
+        <p:txBody>
+          <a:bodyPr rtlCol="0" anchor="ctr"/>
+          <a:lstStyle/>
+          <a:p>
+            <a:pPr algn="ctr"/>
+            <a:endParaRPr lang="en-GB"/>
+          </a:p>
+        </p:txBody>
+      </p:sp>
+      <p:sp>
+        <p:nvSpPr>
+          <p:cNvPr id="20" name="TextBox 19">
+            <a:extLst>
+              <a:ext uri="{FF2B5EF4-FFF2-40B4-BE49-F238E27FC236}">
+                <a16:creationId xmlns:a16="http://schemas.microsoft.com/office/drawing/2014/main" id="{7E45201B-DCC7-4D56-B65E-025ACAABA489}"/>
+              </a:ext>
+            </a:extLst>
+          </p:cNvPr>
+          <p:cNvSpPr txBox="1"/>
+          <p:nvPr/>
+        </p:nvSpPr>
+        <p:spPr>
+          <a:xfrm>
+            <a:off x="202287" y="5579105"/>
+            <a:ext cx="3156559" cy="646331"/>
+          </a:xfrm>
+          <a:prstGeom prst="rect">
+            <a:avLst/>
+          </a:prstGeom>
+          <a:ln>
+            <a:solidFill>
+              <a:schemeClr val="accent4">
+                <a:lumMod val="75000"/>
+              </a:schemeClr>
+            </a:solidFill>
+          </a:ln>
+        </p:spPr>
+        <p:style>
+          <a:lnRef idx="2">
+            <a:schemeClr val="accent2"/>
+          </a:lnRef>
+          <a:fillRef idx="1">
+            <a:schemeClr val="lt1"/>
+          </a:fillRef>
+          <a:effectRef idx="0">
+            <a:schemeClr val="accent2"/>
+          </a:effectRef>
+          <a:fontRef idx="minor">
+            <a:schemeClr val="dk1"/>
+          </a:fontRef>
+        </p:style>
+        <p:txBody>
+          <a:bodyPr wrap="square" rtlCol="0">
+            <a:spAutoFit/>
+          </a:bodyPr>
+          <a:lstStyle/>
+          <a:p>
+            <a:r>
+              <a:rPr lang="it-IT" dirty="0"/>
+              <a:t>The last files are the </a:t>
+            </a:r>
+            <a:r>
+              <a:rPr lang="it-IT" dirty="0" err="1"/>
+              <a:t>ones</a:t>
+            </a:r>
+            <a:r>
+              <a:rPr lang="it-IT" dirty="0"/>
+              <a:t> </a:t>
+            </a:r>
+            <a:r>
+              <a:rPr lang="it-IT" dirty="0" err="1"/>
+              <a:t>we’ve</a:t>
+            </a:r>
+            <a:r>
+              <a:rPr lang="it-IT" dirty="0"/>
+              <a:t> just </a:t>
+            </a:r>
+            <a:r>
+              <a:rPr lang="it-IT" dirty="0" err="1"/>
+              <a:t>imported</a:t>
+            </a:r>
+            <a:r>
+              <a:rPr lang="it-IT" dirty="0"/>
+              <a:t> and </a:t>
+            </a:r>
+            <a:r>
+              <a:rPr lang="it-IT" dirty="0" err="1"/>
+              <a:t>uploaded</a:t>
+            </a:r>
+            <a:r>
+              <a:rPr lang="it-IT" dirty="0"/>
+              <a:t>!</a:t>
+            </a:r>
+            <a:endParaRPr lang="en-GB" dirty="0"/>
+          </a:p>
+        </p:txBody>
+      </p:sp>
+      <p:cxnSp>
+        <p:nvCxnSpPr>
+          <p:cNvPr id="22" name="Straight Arrow Connector 21">
+            <a:extLst>
+              <a:ext uri="{FF2B5EF4-FFF2-40B4-BE49-F238E27FC236}">
+                <a16:creationId xmlns:a16="http://schemas.microsoft.com/office/drawing/2014/main" id="{3BDE5B94-7E4A-46D7-AE96-696857DB4BD7}"/>
+              </a:ext>
+            </a:extLst>
+          </p:cNvPr>
+          <p:cNvCxnSpPr>
+            <a:stCxn id="20" idx="3"/>
+            <a:endCxn id="19" idx="1"/>
+          </p:cNvCxnSpPr>
+          <p:nvPr/>
+        </p:nvCxnSpPr>
+        <p:spPr>
+          <a:xfrm>
+            <a:off x="3358846" y="5902271"/>
+            <a:ext cx="712113" cy="523582"/>
+          </a:xfrm>
+          <a:prstGeom prst="straightConnector1">
+            <a:avLst/>
+          </a:prstGeom>
+          <a:ln>
+            <a:solidFill>
+              <a:schemeClr val="accent4">
+                <a:lumMod val="75000"/>
+              </a:schemeClr>
+            </a:solidFill>
+            <a:tailEnd type="triangle"/>
+          </a:ln>
+        </p:spPr>
+        <p:style>
+          <a:lnRef idx="3">
+            <a:schemeClr val="accent1"/>
+          </a:lnRef>
+          <a:fillRef idx="0">
+            <a:schemeClr val="accent1"/>
+          </a:fillRef>
+          <a:effectRef idx="2">
+            <a:schemeClr val="accent1"/>
+          </a:effectRef>
+          <a:fontRef idx="minor">
+            <a:schemeClr val="tx1"/>
+          </a:fontRef>
+        </p:style>
+      </p:cxnSp>
+    </p:spTree>
+    <p:extLst>
+      <p:ext uri="{BB962C8B-B14F-4D97-AF65-F5344CB8AC3E}">
+        <p14:creationId xmlns:p14="http://schemas.microsoft.com/office/powerpoint/2010/main" val="1136799636"/>
+      </p:ext>
+    </p:extLst>
+  </p:cSld>
+  <p:clrMapOvr>
+    <a:masterClrMapping/>
+  </p:clrMapOvr>
+</p:sld>
+</file>
+
 <file path=ppt/slides/slide2.xml><?xml version="1.0" encoding="utf-8"?>
 <p:sld xmlns:a="http://schemas.openxmlformats.org/drawingml/2006/main" xmlns:r="http://schemas.openxmlformats.org/officeDocument/2006/relationships" xmlns:p="http://schemas.openxmlformats.org/presentationml/2006/main">
   <p:cSld>

--- a/screenshots/imgs.pptx
+++ b/screenshots/imgs.pptx
@@ -21,6 +21,7 @@
     <p:sldId id="269" r:id="rId15"/>
     <p:sldId id="270" r:id="rId16"/>
     <p:sldId id="271" r:id="rId17"/>
+    <p:sldId id="272" r:id="rId18"/>
   </p:sldIdLst>
   <p:sldSz cx="12192000" cy="6858000"/>
   <p:notesSz cx="6858000" cy="9144000"/>
@@ -276,7 +277,7 @@
           <a:p>
             <a:fld id="{166DC043-4AEC-4A4E-AB79-0D54B7828DD9}" type="datetimeFigureOut">
               <a:rPr lang="en-GB" smtClean="0"/>
-              <a:t>12/05/2021</a:t>
+              <a:t>13/05/2021</a:t>
             </a:fld>
             <a:endParaRPr lang="en-GB"/>
           </a:p>
@@ -476,7 +477,7 @@
           <a:p>
             <a:fld id="{166DC043-4AEC-4A4E-AB79-0D54B7828DD9}" type="datetimeFigureOut">
               <a:rPr lang="en-GB" smtClean="0"/>
-              <a:t>12/05/2021</a:t>
+              <a:t>13/05/2021</a:t>
             </a:fld>
             <a:endParaRPr lang="en-GB"/>
           </a:p>
@@ -686,7 +687,7 @@
           <a:p>
             <a:fld id="{166DC043-4AEC-4A4E-AB79-0D54B7828DD9}" type="datetimeFigureOut">
               <a:rPr lang="en-GB" smtClean="0"/>
-              <a:t>12/05/2021</a:t>
+              <a:t>13/05/2021</a:t>
             </a:fld>
             <a:endParaRPr lang="en-GB"/>
           </a:p>
@@ -886,7 +887,7 @@
           <a:p>
             <a:fld id="{166DC043-4AEC-4A4E-AB79-0D54B7828DD9}" type="datetimeFigureOut">
               <a:rPr lang="en-GB" smtClean="0"/>
-              <a:t>12/05/2021</a:t>
+              <a:t>13/05/2021</a:t>
             </a:fld>
             <a:endParaRPr lang="en-GB"/>
           </a:p>
@@ -1162,7 +1163,7 @@
           <a:p>
             <a:fld id="{166DC043-4AEC-4A4E-AB79-0D54B7828DD9}" type="datetimeFigureOut">
               <a:rPr lang="en-GB" smtClean="0"/>
-              <a:t>12/05/2021</a:t>
+              <a:t>13/05/2021</a:t>
             </a:fld>
             <a:endParaRPr lang="en-GB"/>
           </a:p>
@@ -1430,7 +1431,7 @@
           <a:p>
             <a:fld id="{166DC043-4AEC-4A4E-AB79-0D54B7828DD9}" type="datetimeFigureOut">
               <a:rPr lang="en-GB" smtClean="0"/>
-              <a:t>12/05/2021</a:t>
+              <a:t>13/05/2021</a:t>
             </a:fld>
             <a:endParaRPr lang="en-GB"/>
           </a:p>
@@ -1845,7 +1846,7 @@
           <a:p>
             <a:fld id="{166DC043-4AEC-4A4E-AB79-0D54B7828DD9}" type="datetimeFigureOut">
               <a:rPr lang="en-GB" smtClean="0"/>
-              <a:t>12/05/2021</a:t>
+              <a:t>13/05/2021</a:t>
             </a:fld>
             <a:endParaRPr lang="en-GB"/>
           </a:p>
@@ -1987,7 +1988,7 @@
           <a:p>
             <a:fld id="{166DC043-4AEC-4A4E-AB79-0D54B7828DD9}" type="datetimeFigureOut">
               <a:rPr lang="en-GB" smtClean="0"/>
-              <a:t>12/05/2021</a:t>
+              <a:t>13/05/2021</a:t>
             </a:fld>
             <a:endParaRPr lang="en-GB"/>
           </a:p>
@@ -2100,7 +2101,7 @@
           <a:p>
             <a:fld id="{166DC043-4AEC-4A4E-AB79-0D54B7828DD9}" type="datetimeFigureOut">
               <a:rPr lang="en-GB" smtClean="0"/>
-              <a:t>12/05/2021</a:t>
+              <a:t>13/05/2021</a:t>
             </a:fld>
             <a:endParaRPr lang="en-GB"/>
           </a:p>
@@ -2413,7 +2414,7 @@
           <a:p>
             <a:fld id="{166DC043-4AEC-4A4E-AB79-0D54B7828DD9}" type="datetimeFigureOut">
               <a:rPr lang="en-GB" smtClean="0"/>
-              <a:t>12/05/2021</a:t>
+              <a:t>13/05/2021</a:t>
             </a:fld>
             <a:endParaRPr lang="en-GB"/>
           </a:p>
@@ -2702,7 +2703,7 @@
           <a:p>
             <a:fld id="{166DC043-4AEC-4A4E-AB79-0D54B7828DD9}" type="datetimeFigureOut">
               <a:rPr lang="en-GB" smtClean="0"/>
-              <a:t>12/05/2021</a:t>
+              <a:t>13/05/2021</a:t>
             </a:fld>
             <a:endParaRPr lang="en-GB"/>
           </a:p>
@@ -2945,7 +2946,7 @@
           <a:p>
             <a:fld id="{166DC043-4AEC-4A4E-AB79-0D54B7828DD9}" type="datetimeFigureOut">
               <a:rPr lang="en-GB" smtClean="0"/>
-              <a:t>12/05/2021</a:t>
+              <a:t>13/05/2021</a:t>
             </a:fld>
             <a:endParaRPr lang="en-GB"/>
           </a:p>
@@ -8160,6 +8161,580 @@
 </p:sld>
 </file>
 
+<file path=ppt/slides/slide17.xml><?xml version="1.0" encoding="utf-8"?>
+<p:sld xmlns:a="http://schemas.openxmlformats.org/drawingml/2006/main" xmlns:r="http://schemas.openxmlformats.org/officeDocument/2006/relationships" xmlns:p="http://schemas.openxmlformats.org/presentationml/2006/main">
+  <p:cSld>
+    <p:spTree>
+      <p:nvGrpSpPr>
+        <p:cNvPr id="1" name=""/>
+        <p:cNvGrpSpPr/>
+        <p:nvPr/>
+      </p:nvGrpSpPr>
+      <p:grpSpPr>
+        <a:xfrm>
+          <a:off x="0" y="0"/>
+          <a:ext cx="0" cy="0"/>
+          <a:chOff x="0" y="0"/>
+          <a:chExt cx="0" cy="0"/>
+        </a:xfrm>
+      </p:grpSpPr>
+      <p:pic>
+        <p:nvPicPr>
+          <p:cNvPr id="5" name="Picture 4" descr="Graphical user interface, text, application, email&#10;&#10;Description automatically generated">
+            <a:extLst>
+              <a:ext uri="{FF2B5EF4-FFF2-40B4-BE49-F238E27FC236}">
+                <a16:creationId xmlns:a16="http://schemas.microsoft.com/office/drawing/2014/main" id="{263C0C6F-289B-4080-B040-B91BB4AFBA38}"/>
+              </a:ext>
+            </a:extLst>
+          </p:cNvPr>
+          <p:cNvPicPr>
+            <a:picLocks noChangeAspect="1"/>
+          </p:cNvPicPr>
+          <p:nvPr/>
+        </p:nvPicPr>
+        <p:blipFill rotWithShape="1">
+          <a:blip r:embed="rId2">
+            <a:extLst>
+              <a:ext uri="{28A0092B-C50C-407E-A947-70E740481C1C}">
+                <a14:useLocalDpi xmlns:a14="http://schemas.microsoft.com/office/drawing/2010/main" val="0"/>
+              </a:ext>
+            </a:extLst>
+          </a:blip>
+          <a:srcRect r="8048"/>
+          <a:stretch/>
+        </p:blipFill>
+        <p:spPr>
+          <a:xfrm>
+            <a:off x="0" y="528268"/>
+            <a:ext cx="11210795" cy="5801464"/>
+          </a:xfrm>
+          <a:prstGeom prst="rect">
+            <a:avLst/>
+          </a:prstGeom>
+        </p:spPr>
+      </p:pic>
+      <p:sp>
+        <p:nvSpPr>
+          <p:cNvPr id="6" name="Rectangle 5">
+            <a:extLst>
+              <a:ext uri="{FF2B5EF4-FFF2-40B4-BE49-F238E27FC236}">
+                <a16:creationId xmlns:a16="http://schemas.microsoft.com/office/drawing/2014/main" id="{1973456C-1F30-456D-9211-960F47A4353C}"/>
+              </a:ext>
+            </a:extLst>
+          </p:cNvPr>
+          <p:cNvSpPr/>
+          <p:nvPr/>
+        </p:nvSpPr>
+        <p:spPr>
+          <a:xfrm>
+            <a:off x="0" y="1803748"/>
+            <a:ext cx="3657600" cy="275573"/>
+          </a:xfrm>
+          <a:prstGeom prst="rect">
+            <a:avLst/>
+          </a:prstGeom>
+          <a:solidFill>
+            <a:schemeClr val="accent2">
+              <a:alpha val="27000"/>
+            </a:schemeClr>
+          </a:solidFill>
+          <a:ln>
+            <a:solidFill>
+              <a:srgbClr val="FF0000"/>
+            </a:solidFill>
+          </a:ln>
+        </p:spPr>
+        <p:style>
+          <a:lnRef idx="0">
+            <a:scrgbClr r="0" g="0" b="0"/>
+          </a:lnRef>
+          <a:fillRef idx="0">
+            <a:scrgbClr r="0" g="0" b="0"/>
+          </a:fillRef>
+          <a:effectRef idx="0">
+            <a:scrgbClr r="0" g="0" b="0"/>
+          </a:effectRef>
+          <a:fontRef idx="minor">
+            <a:schemeClr val="lt1"/>
+          </a:fontRef>
+        </p:style>
+        <p:txBody>
+          <a:bodyPr rtlCol="0" anchor="ctr"/>
+          <a:lstStyle/>
+          <a:p>
+            <a:pPr algn="ctr"/>
+            <a:endParaRPr lang="en-GB"/>
+          </a:p>
+        </p:txBody>
+      </p:sp>
+      <p:sp>
+        <p:nvSpPr>
+          <p:cNvPr id="20" name="Rectangle 19">
+            <a:extLst>
+              <a:ext uri="{FF2B5EF4-FFF2-40B4-BE49-F238E27FC236}">
+                <a16:creationId xmlns:a16="http://schemas.microsoft.com/office/drawing/2014/main" id="{E910660D-01ED-4455-A267-B790DE4501CC}"/>
+              </a:ext>
+            </a:extLst>
+          </p:cNvPr>
+          <p:cNvSpPr/>
+          <p:nvPr/>
+        </p:nvSpPr>
+        <p:spPr>
+          <a:xfrm>
+            <a:off x="338202" y="4258850"/>
+            <a:ext cx="1853852" cy="1039660"/>
+          </a:xfrm>
+          <a:prstGeom prst="rect">
+            <a:avLst/>
+          </a:prstGeom>
+          <a:noFill/>
+          <a:ln>
+            <a:solidFill>
+              <a:srgbClr val="FFC000"/>
+            </a:solidFill>
+          </a:ln>
+        </p:spPr>
+        <p:style>
+          <a:lnRef idx="0">
+            <a:scrgbClr r="0" g="0" b="0"/>
+          </a:lnRef>
+          <a:fillRef idx="0">
+            <a:scrgbClr r="0" g="0" b="0"/>
+          </a:fillRef>
+          <a:effectRef idx="0">
+            <a:scrgbClr r="0" g="0" b="0"/>
+          </a:effectRef>
+          <a:fontRef idx="minor">
+            <a:schemeClr val="lt1"/>
+          </a:fontRef>
+        </p:style>
+        <p:txBody>
+          <a:bodyPr rtlCol="0" anchor="ctr"/>
+          <a:lstStyle/>
+          <a:p>
+            <a:pPr algn="ctr"/>
+            <a:endParaRPr lang="en-GB"/>
+          </a:p>
+        </p:txBody>
+      </p:sp>
+      <p:cxnSp>
+        <p:nvCxnSpPr>
+          <p:cNvPr id="22" name="Connector: Curved 21">
+            <a:extLst>
+              <a:ext uri="{FF2B5EF4-FFF2-40B4-BE49-F238E27FC236}">
+                <a16:creationId xmlns:a16="http://schemas.microsoft.com/office/drawing/2014/main" id="{59E47941-BE76-421E-93E7-73E3A260170F}"/>
+              </a:ext>
+            </a:extLst>
+          </p:cNvPr>
+          <p:cNvCxnSpPr>
+            <a:stCxn id="6" idx="1"/>
+            <a:endCxn id="20" idx="1"/>
+          </p:cNvCxnSpPr>
+          <p:nvPr/>
+        </p:nvCxnSpPr>
+        <p:spPr>
+          <a:xfrm rot="10800000" flipH="1" flipV="1">
+            <a:off x="0" y="1941534"/>
+            <a:ext cx="338202" cy="2837145"/>
+          </a:xfrm>
+          <a:prstGeom prst="curvedConnector3">
+            <a:avLst>
+              <a:gd name="adj1" fmla="val -163889"/>
+            </a:avLst>
+          </a:prstGeom>
+          <a:ln>
+            <a:tailEnd type="triangle"/>
+          </a:ln>
+        </p:spPr>
+        <p:style>
+          <a:lnRef idx="2">
+            <a:schemeClr val="dk1"/>
+          </a:lnRef>
+          <a:fillRef idx="0">
+            <a:schemeClr val="dk1"/>
+          </a:fillRef>
+          <a:effectRef idx="1">
+            <a:schemeClr val="dk1"/>
+          </a:effectRef>
+          <a:fontRef idx="minor">
+            <a:schemeClr val="tx1"/>
+          </a:fontRef>
+        </p:style>
+      </p:cxnSp>
+      <p:sp>
+        <p:nvSpPr>
+          <p:cNvPr id="24" name="Rectangle: Rounded Corners 23">
+            <a:extLst>
+              <a:ext uri="{FF2B5EF4-FFF2-40B4-BE49-F238E27FC236}">
+                <a16:creationId xmlns:a16="http://schemas.microsoft.com/office/drawing/2014/main" id="{AA174232-794E-4E36-BCA6-0A1A11F036DB}"/>
+              </a:ext>
+            </a:extLst>
+          </p:cNvPr>
+          <p:cNvSpPr/>
+          <p:nvPr/>
+        </p:nvSpPr>
+        <p:spPr>
+          <a:xfrm>
+            <a:off x="563671" y="4471792"/>
+            <a:ext cx="1365337" cy="200416"/>
+          </a:xfrm>
+          <a:prstGeom prst="roundRect">
+            <a:avLst/>
+          </a:prstGeom>
+          <a:solidFill>
+            <a:schemeClr val="accent4">
+              <a:alpha val="30000"/>
+            </a:schemeClr>
+          </a:solidFill>
+          <a:ln>
+            <a:noFill/>
+          </a:ln>
+        </p:spPr>
+        <p:style>
+          <a:lnRef idx="0">
+            <a:scrgbClr r="0" g="0" b="0"/>
+          </a:lnRef>
+          <a:fillRef idx="0">
+            <a:scrgbClr r="0" g="0" b="0"/>
+          </a:fillRef>
+          <a:effectRef idx="0">
+            <a:scrgbClr r="0" g="0" b="0"/>
+          </a:effectRef>
+          <a:fontRef idx="minor">
+            <a:schemeClr val="lt1"/>
+          </a:fontRef>
+        </p:style>
+        <p:txBody>
+          <a:bodyPr rtlCol="0" anchor="ctr"/>
+          <a:lstStyle/>
+          <a:p>
+            <a:pPr algn="ctr"/>
+            <a:endParaRPr lang="en-GB"/>
+          </a:p>
+        </p:txBody>
+      </p:sp>
+      <p:sp>
+        <p:nvSpPr>
+          <p:cNvPr id="25" name="Oval 24">
+            <a:extLst>
+              <a:ext uri="{FF2B5EF4-FFF2-40B4-BE49-F238E27FC236}">
+                <a16:creationId xmlns:a16="http://schemas.microsoft.com/office/drawing/2014/main" id="{C2F80DA4-E57F-4E28-A4F3-F01FB8F3B951}"/>
+              </a:ext>
+            </a:extLst>
+          </p:cNvPr>
+          <p:cNvSpPr/>
+          <p:nvPr/>
+        </p:nvSpPr>
+        <p:spPr>
+          <a:xfrm>
+            <a:off x="8580328" y="3360106"/>
+            <a:ext cx="1578279" cy="403964"/>
+          </a:xfrm>
+          <a:prstGeom prst="ellipse">
+            <a:avLst/>
+          </a:prstGeom>
+          <a:solidFill>
+            <a:srgbClr val="F1DFA8">
+              <a:alpha val="30000"/>
+            </a:srgbClr>
+          </a:solidFill>
+          <a:ln>
+            <a:solidFill>
+              <a:srgbClr val="FFC000"/>
+            </a:solidFill>
+          </a:ln>
+        </p:spPr>
+        <p:style>
+          <a:lnRef idx="2">
+            <a:schemeClr val="accent1">
+              <a:shade val="50000"/>
+            </a:schemeClr>
+          </a:lnRef>
+          <a:fillRef idx="1">
+            <a:schemeClr val="accent1"/>
+          </a:fillRef>
+          <a:effectRef idx="0">
+            <a:schemeClr val="accent1"/>
+          </a:effectRef>
+          <a:fontRef idx="minor">
+            <a:schemeClr val="lt1"/>
+          </a:fontRef>
+        </p:style>
+        <p:txBody>
+          <a:bodyPr rtlCol="0" anchor="ctr"/>
+          <a:lstStyle/>
+          <a:p>
+            <a:pPr algn="ctr"/>
+            <a:endParaRPr lang="en-GB"/>
+          </a:p>
+        </p:txBody>
+      </p:sp>
+      <p:cxnSp>
+        <p:nvCxnSpPr>
+          <p:cNvPr id="27" name="Straight Arrow Connector 26">
+            <a:extLst>
+              <a:ext uri="{FF2B5EF4-FFF2-40B4-BE49-F238E27FC236}">
+                <a16:creationId xmlns:a16="http://schemas.microsoft.com/office/drawing/2014/main" id="{2588A9C3-F2A8-4E3B-8BD8-B3B9C2F77AD8}"/>
+              </a:ext>
+            </a:extLst>
+          </p:cNvPr>
+          <p:cNvCxnSpPr>
+            <a:stCxn id="25" idx="3"/>
+            <a:endCxn id="24" idx="3"/>
+          </p:cNvCxnSpPr>
+          <p:nvPr/>
+        </p:nvCxnSpPr>
+        <p:spPr>
+          <a:xfrm flipH="1">
+            <a:off x="1929008" y="3704911"/>
+            <a:ext cx="6882454" cy="867089"/>
+          </a:xfrm>
+          <a:prstGeom prst="straightConnector1">
+            <a:avLst/>
+          </a:prstGeom>
+          <a:ln>
+            <a:solidFill>
+              <a:srgbClr val="FFC000"/>
+            </a:solidFill>
+            <a:tailEnd type="triangle"/>
+          </a:ln>
+        </p:spPr>
+        <p:style>
+          <a:lnRef idx="3">
+            <a:schemeClr val="accent2"/>
+          </a:lnRef>
+          <a:fillRef idx="0">
+            <a:schemeClr val="accent2"/>
+          </a:fillRef>
+          <a:effectRef idx="2">
+            <a:schemeClr val="accent2"/>
+          </a:effectRef>
+          <a:fontRef idx="minor">
+            <a:schemeClr val="tx1"/>
+          </a:fontRef>
+        </p:style>
+      </p:cxnSp>
+      <p:sp>
+        <p:nvSpPr>
+          <p:cNvPr id="28" name="Rectangle 27">
+            <a:extLst>
+              <a:ext uri="{FF2B5EF4-FFF2-40B4-BE49-F238E27FC236}">
+                <a16:creationId xmlns:a16="http://schemas.microsoft.com/office/drawing/2014/main" id="{C2D50474-9366-472F-BE8E-95FF0E217CD1}"/>
+              </a:ext>
+            </a:extLst>
+          </p:cNvPr>
+          <p:cNvSpPr/>
+          <p:nvPr/>
+        </p:nvSpPr>
+        <p:spPr>
+          <a:xfrm>
+            <a:off x="6096000" y="1941534"/>
+            <a:ext cx="1920658" cy="275573"/>
+          </a:xfrm>
+          <a:prstGeom prst="rect">
+            <a:avLst/>
+          </a:prstGeom>
+        </p:spPr>
+        <p:style>
+          <a:lnRef idx="2">
+            <a:schemeClr val="dk1">
+              <a:shade val="50000"/>
+            </a:schemeClr>
+          </a:lnRef>
+          <a:fillRef idx="1">
+            <a:schemeClr val="dk1"/>
+          </a:fillRef>
+          <a:effectRef idx="0">
+            <a:schemeClr val="dk1"/>
+          </a:effectRef>
+          <a:fontRef idx="minor">
+            <a:schemeClr val="lt1"/>
+          </a:fontRef>
+        </p:style>
+        <p:txBody>
+          <a:bodyPr rtlCol="0" anchor="ctr"/>
+          <a:lstStyle/>
+          <a:p>
+            <a:pPr algn="ctr"/>
+            <a:r>
+              <a:rPr lang="it-IT" dirty="0" err="1"/>
+              <a:t>path</a:t>
+            </a:r>
+            <a:endParaRPr lang="en-GB" dirty="0"/>
+          </a:p>
+        </p:txBody>
+      </p:sp>
+      <p:sp>
+        <p:nvSpPr>
+          <p:cNvPr id="29" name="Rectangle 28">
+            <a:extLst>
+              <a:ext uri="{FF2B5EF4-FFF2-40B4-BE49-F238E27FC236}">
+                <a16:creationId xmlns:a16="http://schemas.microsoft.com/office/drawing/2014/main" id="{8C77085E-F1FB-4CFF-A736-CEF094C7CF06}"/>
+              </a:ext>
+            </a:extLst>
+          </p:cNvPr>
+          <p:cNvSpPr/>
+          <p:nvPr/>
+        </p:nvSpPr>
+        <p:spPr>
+          <a:xfrm>
+            <a:off x="6096000" y="2585227"/>
+            <a:ext cx="1920658" cy="275573"/>
+          </a:xfrm>
+          <a:prstGeom prst="rect">
+            <a:avLst/>
+          </a:prstGeom>
+        </p:spPr>
+        <p:style>
+          <a:lnRef idx="2">
+            <a:schemeClr val="dk1">
+              <a:shade val="50000"/>
+            </a:schemeClr>
+          </a:lnRef>
+          <a:fillRef idx="1">
+            <a:schemeClr val="dk1"/>
+          </a:fillRef>
+          <a:effectRef idx="0">
+            <a:schemeClr val="dk1"/>
+          </a:effectRef>
+          <a:fontRef idx="minor">
+            <a:schemeClr val="lt1"/>
+          </a:fontRef>
+        </p:style>
+        <p:txBody>
+          <a:bodyPr rtlCol="0" anchor="ctr"/>
+          <a:lstStyle/>
+          <a:p>
+            <a:pPr algn="ctr"/>
+            <a:r>
+              <a:rPr lang="it-IT" dirty="0" err="1"/>
+              <a:t>path</a:t>
+            </a:r>
+            <a:endParaRPr lang="en-GB" dirty="0"/>
+          </a:p>
+        </p:txBody>
+      </p:sp>
+      <p:sp>
+        <p:nvSpPr>
+          <p:cNvPr id="30" name="Rectangle 29">
+            <a:extLst>
+              <a:ext uri="{FF2B5EF4-FFF2-40B4-BE49-F238E27FC236}">
+                <a16:creationId xmlns:a16="http://schemas.microsoft.com/office/drawing/2014/main" id="{A41CAB7D-77E4-48F5-8214-005D780BA5BD}"/>
+              </a:ext>
+            </a:extLst>
+          </p:cNvPr>
+          <p:cNvSpPr/>
+          <p:nvPr/>
+        </p:nvSpPr>
+        <p:spPr>
+          <a:xfrm>
+            <a:off x="8016658" y="1941534"/>
+            <a:ext cx="1077238" cy="275573"/>
+          </a:xfrm>
+          <a:prstGeom prst="rect">
+            <a:avLst/>
+          </a:prstGeom>
+          <a:noFill/>
+          <a:ln w="9525" cap="flat" cmpd="sng" algn="ctr">
+            <a:solidFill>
+              <a:schemeClr val="accent4"/>
+            </a:solidFill>
+            <a:prstDash val="solid"/>
+            <a:round/>
+            <a:headEnd type="none" w="med" len="med"/>
+            <a:tailEnd type="none" w="med" len="med"/>
+          </a:ln>
+        </p:spPr>
+        <p:style>
+          <a:lnRef idx="0">
+            <a:scrgbClr r="0" g="0" b="0"/>
+          </a:lnRef>
+          <a:fillRef idx="0">
+            <a:scrgbClr r="0" g="0" b="0"/>
+          </a:fillRef>
+          <a:effectRef idx="0">
+            <a:scrgbClr r="0" g="0" b="0"/>
+          </a:effectRef>
+          <a:fontRef idx="minor">
+            <a:schemeClr val="accent4"/>
+          </a:fontRef>
+        </p:style>
+        <p:txBody>
+          <a:bodyPr rtlCol="0" anchor="ctr"/>
+          <a:lstStyle/>
+          <a:p>
+            <a:pPr algn="ctr"/>
+            <a:endParaRPr lang="en-GB"/>
+          </a:p>
+        </p:txBody>
+      </p:sp>
+      <p:sp>
+        <p:nvSpPr>
+          <p:cNvPr id="31" name="Rectangle 30">
+            <a:extLst>
+              <a:ext uri="{FF2B5EF4-FFF2-40B4-BE49-F238E27FC236}">
+                <a16:creationId xmlns:a16="http://schemas.microsoft.com/office/drawing/2014/main" id="{AF79093B-75BD-4116-96DB-77AC16D66B5B}"/>
+              </a:ext>
+            </a:extLst>
+          </p:cNvPr>
+          <p:cNvSpPr/>
+          <p:nvPr/>
+        </p:nvSpPr>
+        <p:spPr>
+          <a:xfrm>
+            <a:off x="8016658" y="2566797"/>
+            <a:ext cx="1077238" cy="275573"/>
+          </a:xfrm>
+          <a:prstGeom prst="rect">
+            <a:avLst/>
+          </a:prstGeom>
+          <a:noFill/>
+          <a:ln w="9525" cap="flat" cmpd="sng" algn="ctr">
+            <a:solidFill>
+              <a:schemeClr val="accent4"/>
+            </a:solidFill>
+            <a:prstDash val="solid"/>
+            <a:round/>
+            <a:headEnd type="none" w="med" len="med"/>
+            <a:tailEnd type="none" w="med" len="med"/>
+          </a:ln>
+        </p:spPr>
+        <p:style>
+          <a:lnRef idx="0">
+            <a:scrgbClr r="0" g="0" b="0"/>
+          </a:lnRef>
+          <a:fillRef idx="0">
+            <a:scrgbClr r="0" g="0" b="0"/>
+          </a:fillRef>
+          <a:effectRef idx="0">
+            <a:scrgbClr r="0" g="0" b="0"/>
+          </a:effectRef>
+          <a:fontRef idx="minor">
+            <a:schemeClr val="accent4"/>
+          </a:fontRef>
+        </p:style>
+        <p:txBody>
+          <a:bodyPr rtlCol="0" anchor="ctr"/>
+          <a:lstStyle/>
+          <a:p>
+            <a:pPr algn="ctr"/>
+            <a:endParaRPr lang="en-GB"/>
+          </a:p>
+        </p:txBody>
+      </p:sp>
+    </p:spTree>
+    <p:extLst>
+      <p:ext uri="{BB962C8B-B14F-4D97-AF65-F5344CB8AC3E}">
+        <p14:creationId xmlns:p14="http://schemas.microsoft.com/office/powerpoint/2010/main" val="1745633646"/>
+      </p:ext>
+    </p:extLst>
+  </p:cSld>
+  <p:clrMapOvr>
+    <a:masterClrMapping/>
+  </p:clrMapOvr>
+</p:sld>
+</file>
+
 <file path=ppt/slides/slide2.xml><?xml version="1.0" encoding="utf-8"?>
 <p:sld xmlns:a="http://schemas.openxmlformats.org/drawingml/2006/main" xmlns:r="http://schemas.openxmlformats.org/officeDocument/2006/relationships" xmlns:p="http://schemas.openxmlformats.org/presentationml/2006/main">
   <p:cSld>

--- a/screenshots/imgs.pptx
+++ b/screenshots/imgs.pptx
@@ -22,6 +22,7 @@
     <p:sldId id="270" r:id="rId16"/>
     <p:sldId id="271" r:id="rId17"/>
     <p:sldId id="272" r:id="rId18"/>
+    <p:sldId id="273" r:id="rId19"/>
   </p:sldIdLst>
   <p:sldSz cx="12192000" cy="6858000"/>
   <p:notesSz cx="6858000" cy="9144000"/>
@@ -8735,6 +8736,691 @@
 </p:sld>
 </file>
 
+<file path=ppt/slides/slide18.xml><?xml version="1.0" encoding="utf-8"?>
+<p:sld xmlns:a="http://schemas.openxmlformats.org/drawingml/2006/main" xmlns:r="http://schemas.openxmlformats.org/officeDocument/2006/relationships" xmlns:p="http://schemas.openxmlformats.org/presentationml/2006/main">
+  <p:cSld>
+    <p:spTree>
+      <p:nvGrpSpPr>
+        <p:cNvPr id="1" name=""/>
+        <p:cNvGrpSpPr/>
+        <p:nvPr/>
+      </p:nvGrpSpPr>
+      <p:grpSpPr>
+        <a:xfrm>
+          <a:off x="0" y="0"/>
+          <a:ext cx="0" cy="0"/>
+          <a:chOff x="0" y="0"/>
+          <a:chExt cx="0" cy="0"/>
+        </a:xfrm>
+      </p:grpSpPr>
+      <p:pic>
+        <p:nvPicPr>
+          <p:cNvPr id="5" name="Picture 4" descr="Table&#10;&#10;Description automatically generated">
+            <a:extLst>
+              <a:ext uri="{FF2B5EF4-FFF2-40B4-BE49-F238E27FC236}">
+                <a16:creationId xmlns:a16="http://schemas.microsoft.com/office/drawing/2014/main" id="{21150EE5-FEF5-47CF-8D29-2079199B5D8C}"/>
+              </a:ext>
+            </a:extLst>
+          </p:cNvPr>
+          <p:cNvPicPr>
+            <a:picLocks noChangeAspect="1"/>
+          </p:cNvPicPr>
+          <p:nvPr/>
+        </p:nvPicPr>
+        <p:blipFill>
+          <a:blip r:embed="rId2">
+            <a:extLst>
+              <a:ext uri="{28A0092B-C50C-407E-A947-70E740481C1C}">
+                <a14:useLocalDpi xmlns:a14="http://schemas.microsoft.com/office/drawing/2010/main" val="0"/>
+              </a:ext>
+            </a:extLst>
+          </a:blip>
+          <a:stretch>
+            <a:fillRect/>
+          </a:stretch>
+        </p:blipFill>
+        <p:spPr>
+          <a:xfrm>
+            <a:off x="1930694" y="36792"/>
+            <a:ext cx="8207038" cy="7131115"/>
+          </a:xfrm>
+          <a:prstGeom prst="rect">
+            <a:avLst/>
+          </a:prstGeom>
+        </p:spPr>
+      </p:pic>
+      <p:sp>
+        <p:nvSpPr>
+          <p:cNvPr id="6" name="Rectangle 5">
+            <a:extLst>
+              <a:ext uri="{FF2B5EF4-FFF2-40B4-BE49-F238E27FC236}">
+                <a16:creationId xmlns:a16="http://schemas.microsoft.com/office/drawing/2014/main" id="{2BAC04C9-BC92-48DD-B762-F91B512CAB20}"/>
+              </a:ext>
+            </a:extLst>
+          </p:cNvPr>
+          <p:cNvSpPr/>
+          <p:nvPr/>
+        </p:nvSpPr>
+        <p:spPr>
+          <a:xfrm>
+            <a:off x="2054267" y="463463"/>
+            <a:ext cx="7935893" cy="2826766"/>
+          </a:xfrm>
+          <a:prstGeom prst="rect">
+            <a:avLst/>
+          </a:prstGeom>
+          <a:solidFill>
+            <a:schemeClr val="accent2">
+              <a:alpha val="30000"/>
+            </a:schemeClr>
+          </a:solidFill>
+          <a:ln>
+            <a:solidFill>
+              <a:srgbClr val="C00000"/>
+            </a:solidFill>
+          </a:ln>
+        </p:spPr>
+        <p:style>
+          <a:lnRef idx="0">
+            <a:scrgbClr r="0" g="0" b="0"/>
+          </a:lnRef>
+          <a:fillRef idx="0">
+            <a:scrgbClr r="0" g="0" b="0"/>
+          </a:fillRef>
+          <a:effectRef idx="0">
+            <a:scrgbClr r="0" g="0" b="0"/>
+          </a:effectRef>
+          <a:fontRef idx="minor">
+            <a:schemeClr val="lt1"/>
+          </a:fontRef>
+        </p:style>
+        <p:txBody>
+          <a:bodyPr rtlCol="0" anchor="ctr"/>
+          <a:lstStyle/>
+          <a:p>
+            <a:pPr algn="ctr"/>
+            <a:endParaRPr lang="en-GB"/>
+          </a:p>
+        </p:txBody>
+      </p:sp>
+      <p:sp>
+        <p:nvSpPr>
+          <p:cNvPr id="7" name="Rectangle 6">
+            <a:extLst>
+              <a:ext uri="{FF2B5EF4-FFF2-40B4-BE49-F238E27FC236}">
+                <a16:creationId xmlns:a16="http://schemas.microsoft.com/office/drawing/2014/main" id="{4A199A12-53BF-47B1-9916-3789B7B3BE5D}"/>
+              </a:ext>
+            </a:extLst>
+          </p:cNvPr>
+          <p:cNvSpPr/>
+          <p:nvPr/>
+        </p:nvSpPr>
+        <p:spPr>
+          <a:xfrm>
+            <a:off x="3304628" y="1176944"/>
+            <a:ext cx="6685532" cy="760316"/>
+          </a:xfrm>
+          <a:prstGeom prst="rect">
+            <a:avLst/>
+          </a:prstGeom>
+          <a:solidFill>
+            <a:schemeClr val="dk1">
+              <a:alpha val="90000"/>
+            </a:schemeClr>
+          </a:solidFill>
+        </p:spPr>
+        <p:style>
+          <a:lnRef idx="2">
+            <a:schemeClr val="dk1">
+              <a:shade val="50000"/>
+            </a:schemeClr>
+          </a:lnRef>
+          <a:fillRef idx="1">
+            <a:schemeClr val="dk1"/>
+          </a:fillRef>
+          <a:effectRef idx="0">
+            <a:schemeClr val="dk1"/>
+          </a:effectRef>
+          <a:fontRef idx="minor">
+            <a:schemeClr val="lt1"/>
+          </a:fontRef>
+        </p:style>
+        <p:txBody>
+          <a:bodyPr rtlCol="0" anchor="ctr"/>
+          <a:lstStyle/>
+          <a:p>
+            <a:pPr algn="ctr"/>
+            <a:r>
+              <a:rPr lang="it-IT" dirty="0" err="1"/>
+              <a:t>Path</a:t>
+            </a:r>
+            <a:r>
+              <a:rPr lang="it-IT" dirty="0"/>
+              <a:t> to </a:t>
+            </a:r>
+            <a:r>
+              <a:rPr lang="it-IT" dirty="0" err="1"/>
+              <a:t>fisical</a:t>
+            </a:r>
+            <a:r>
+              <a:rPr lang="it-IT" dirty="0"/>
+              <a:t> and file names</a:t>
+            </a:r>
+          </a:p>
+          <a:p>
+            <a:pPr algn="ctr"/>
+            <a:r>
+              <a:rPr lang="it-IT" dirty="0"/>
+              <a:t>Your </a:t>
+            </a:r>
+            <a:r>
+              <a:rPr lang="it-IT" dirty="0" err="1"/>
+              <a:t>incode</a:t>
+            </a:r>
+            <a:r>
+              <a:rPr lang="it-IT" dirty="0"/>
+              <a:t> </a:t>
+            </a:r>
+            <a:r>
+              <a:rPr lang="it-IT" dirty="0" err="1"/>
+              <a:t>number</a:t>
+            </a:r>
+            <a:endParaRPr lang="it-IT" dirty="0"/>
+          </a:p>
+        </p:txBody>
+      </p:sp>
+      <p:sp>
+        <p:nvSpPr>
+          <p:cNvPr id="8" name="TextBox 7">
+            <a:extLst>
+              <a:ext uri="{FF2B5EF4-FFF2-40B4-BE49-F238E27FC236}">
+                <a16:creationId xmlns:a16="http://schemas.microsoft.com/office/drawing/2014/main" id="{F921AE54-0A64-413B-BE6F-642F5E4E64B8}"/>
+              </a:ext>
+            </a:extLst>
+          </p:cNvPr>
+          <p:cNvSpPr txBox="1"/>
+          <p:nvPr/>
+        </p:nvSpPr>
+        <p:spPr>
+          <a:xfrm>
+            <a:off x="-248090" y="2290694"/>
+            <a:ext cx="2079320" cy="646331"/>
+          </a:xfrm>
+          <a:prstGeom prst="rect">
+            <a:avLst/>
+          </a:prstGeom>
+          <a:ln>
+            <a:solidFill>
+              <a:srgbClr val="C00000"/>
+            </a:solidFill>
+          </a:ln>
+        </p:spPr>
+        <p:style>
+          <a:lnRef idx="2">
+            <a:schemeClr val="accent2"/>
+          </a:lnRef>
+          <a:fillRef idx="1">
+            <a:schemeClr val="lt1"/>
+          </a:fillRef>
+          <a:effectRef idx="0">
+            <a:schemeClr val="accent2"/>
+          </a:effectRef>
+          <a:fontRef idx="minor">
+            <a:schemeClr val="dk1"/>
+          </a:fontRef>
+        </p:style>
+        <p:txBody>
+          <a:bodyPr wrap="square" rtlCol="0">
+            <a:spAutoFit/>
+          </a:bodyPr>
+          <a:lstStyle/>
+          <a:p>
+            <a:r>
+              <a:rPr lang="it-IT" dirty="0"/>
+              <a:t>General information on </a:t>
+            </a:r>
+            <a:r>
+              <a:rPr lang="it-IT" dirty="0" err="1"/>
+              <a:t>your</a:t>
+            </a:r>
+            <a:r>
+              <a:rPr lang="it-IT" dirty="0"/>
+              <a:t> directory</a:t>
+            </a:r>
+            <a:endParaRPr lang="en-GB" dirty="0"/>
+          </a:p>
+        </p:txBody>
+      </p:sp>
+      <p:cxnSp>
+        <p:nvCxnSpPr>
+          <p:cNvPr id="9" name="Straight Arrow Connector 8">
+            <a:extLst>
+              <a:ext uri="{FF2B5EF4-FFF2-40B4-BE49-F238E27FC236}">
+                <a16:creationId xmlns:a16="http://schemas.microsoft.com/office/drawing/2014/main" id="{8A1FFBD9-6FE9-43CB-862B-3DE708F926CE}"/>
+              </a:ext>
+            </a:extLst>
+          </p:cNvPr>
+          <p:cNvCxnSpPr>
+            <a:cxnSpLocks/>
+            <a:stCxn id="8" idx="0"/>
+            <a:endCxn id="6" idx="1"/>
+          </p:cNvCxnSpPr>
+          <p:nvPr/>
+        </p:nvCxnSpPr>
+        <p:spPr>
+          <a:xfrm flipV="1">
+            <a:off x="791570" y="1876846"/>
+            <a:ext cx="1262697" cy="413848"/>
+          </a:xfrm>
+          <a:prstGeom prst="straightConnector1">
+            <a:avLst/>
+          </a:prstGeom>
+          <a:ln>
+            <a:solidFill>
+              <a:srgbClr val="C00000"/>
+            </a:solidFill>
+            <a:tailEnd type="triangle"/>
+          </a:ln>
+        </p:spPr>
+        <p:style>
+          <a:lnRef idx="3">
+            <a:schemeClr val="dk1"/>
+          </a:lnRef>
+          <a:fillRef idx="0">
+            <a:schemeClr val="dk1"/>
+          </a:fillRef>
+          <a:effectRef idx="2">
+            <a:schemeClr val="dk1"/>
+          </a:effectRef>
+          <a:fontRef idx="minor">
+            <a:schemeClr val="tx1"/>
+          </a:fontRef>
+        </p:style>
+      </p:cxnSp>
+      <p:sp>
+        <p:nvSpPr>
+          <p:cNvPr id="10" name="Rectangle 9">
+            <a:extLst>
+              <a:ext uri="{FF2B5EF4-FFF2-40B4-BE49-F238E27FC236}">
+                <a16:creationId xmlns:a16="http://schemas.microsoft.com/office/drawing/2014/main" id="{1A608EE9-B3CB-41C4-9D9A-EC6088A5FC5A}"/>
+              </a:ext>
+            </a:extLst>
+          </p:cNvPr>
+          <p:cNvSpPr/>
+          <p:nvPr/>
+        </p:nvSpPr>
+        <p:spPr>
+          <a:xfrm>
+            <a:off x="3971499" y="3515961"/>
+            <a:ext cx="4079683" cy="3342039"/>
+          </a:xfrm>
+          <a:prstGeom prst="rect">
+            <a:avLst/>
+          </a:prstGeom>
+          <a:solidFill>
+            <a:schemeClr val="accent4">
+              <a:alpha val="10000"/>
+            </a:schemeClr>
+          </a:solidFill>
+          <a:ln>
+            <a:solidFill>
+              <a:schemeClr val="accent2">
+                <a:lumMod val="50000"/>
+              </a:schemeClr>
+            </a:solidFill>
+          </a:ln>
+        </p:spPr>
+        <p:style>
+          <a:lnRef idx="0">
+            <a:scrgbClr r="0" g="0" b="0"/>
+          </a:lnRef>
+          <a:fillRef idx="0">
+            <a:scrgbClr r="0" g="0" b="0"/>
+          </a:fillRef>
+          <a:effectRef idx="0">
+            <a:scrgbClr r="0" g="0" b="0"/>
+          </a:effectRef>
+          <a:fontRef idx="minor">
+            <a:schemeClr val="lt1"/>
+          </a:fontRef>
+        </p:style>
+        <p:txBody>
+          <a:bodyPr rtlCol="0" anchor="ctr"/>
+          <a:lstStyle/>
+          <a:p>
+            <a:pPr algn="ctr"/>
+            <a:endParaRPr lang="en-GB"/>
+          </a:p>
+        </p:txBody>
+      </p:sp>
+      <p:sp>
+        <p:nvSpPr>
+          <p:cNvPr id="11" name="TextBox 10">
+            <a:extLst>
+              <a:ext uri="{FF2B5EF4-FFF2-40B4-BE49-F238E27FC236}">
+                <a16:creationId xmlns:a16="http://schemas.microsoft.com/office/drawing/2014/main" id="{67307420-E7CD-452A-B4B5-3D7CFC532219}"/>
+              </a:ext>
+            </a:extLst>
+          </p:cNvPr>
+          <p:cNvSpPr txBox="1"/>
+          <p:nvPr/>
+        </p:nvSpPr>
+        <p:spPr>
+          <a:xfrm>
+            <a:off x="8853593" y="4125225"/>
+            <a:ext cx="2799545" cy="646331"/>
+          </a:xfrm>
+          <a:prstGeom prst="rect">
+            <a:avLst/>
+          </a:prstGeom>
+          <a:ln>
+            <a:solidFill>
+              <a:schemeClr val="accent2">
+                <a:lumMod val="50000"/>
+              </a:schemeClr>
+            </a:solidFill>
+          </a:ln>
+        </p:spPr>
+        <p:style>
+          <a:lnRef idx="2">
+            <a:schemeClr val="accent2"/>
+          </a:lnRef>
+          <a:fillRef idx="1">
+            <a:schemeClr val="lt1"/>
+          </a:fillRef>
+          <a:effectRef idx="0">
+            <a:schemeClr val="accent2"/>
+          </a:effectRef>
+          <a:fontRef idx="minor">
+            <a:schemeClr val="dk1"/>
+          </a:fontRef>
+        </p:style>
+        <p:txBody>
+          <a:bodyPr wrap="square" rtlCol="0">
+            <a:spAutoFit/>
+          </a:bodyPr>
+          <a:lstStyle/>
+          <a:p>
+            <a:r>
+              <a:rPr lang="it-IT" dirty="0" err="1"/>
+              <a:t>Catalogs</a:t>
+            </a:r>
+            <a:r>
+              <a:rPr lang="it-IT" dirty="0"/>
+              <a:t> </a:t>
+            </a:r>
+            <a:r>
+              <a:rPr lang="it-IT" b="1" dirty="0" err="1"/>
+              <a:t>already</a:t>
+            </a:r>
+            <a:r>
+              <a:rPr lang="it-IT" dirty="0"/>
+              <a:t> </a:t>
+            </a:r>
+            <a:r>
+              <a:rPr lang="it-IT" dirty="0" err="1"/>
+              <a:t>present</a:t>
+            </a:r>
+            <a:r>
+              <a:rPr lang="it-IT" dirty="0"/>
+              <a:t> in the directory.</a:t>
+            </a:r>
+            <a:endParaRPr lang="en-GB" dirty="0"/>
+          </a:p>
+        </p:txBody>
+      </p:sp>
+      <p:cxnSp>
+        <p:nvCxnSpPr>
+          <p:cNvPr id="12" name="Straight Arrow Connector 11">
+            <a:extLst>
+              <a:ext uri="{FF2B5EF4-FFF2-40B4-BE49-F238E27FC236}">
+                <a16:creationId xmlns:a16="http://schemas.microsoft.com/office/drawing/2014/main" id="{290F3CD4-C4D9-43D9-8B47-8385DE8E8552}"/>
+              </a:ext>
+            </a:extLst>
+          </p:cNvPr>
+          <p:cNvCxnSpPr>
+            <a:cxnSpLocks/>
+            <a:stCxn id="11" idx="1"/>
+          </p:cNvCxnSpPr>
+          <p:nvPr/>
+        </p:nvCxnSpPr>
+        <p:spPr>
+          <a:xfrm flipH="1">
+            <a:off x="8049253" y="4448391"/>
+            <a:ext cx="804340" cy="924466"/>
+          </a:xfrm>
+          <a:prstGeom prst="straightConnector1">
+            <a:avLst/>
+          </a:prstGeom>
+          <a:ln>
+            <a:solidFill>
+              <a:schemeClr val="accent2">
+                <a:lumMod val="50000"/>
+              </a:schemeClr>
+            </a:solidFill>
+            <a:tailEnd type="triangle"/>
+          </a:ln>
+        </p:spPr>
+        <p:style>
+          <a:lnRef idx="3">
+            <a:schemeClr val="dk1"/>
+          </a:lnRef>
+          <a:fillRef idx="0">
+            <a:schemeClr val="dk1"/>
+          </a:fillRef>
+          <a:effectRef idx="2">
+            <a:schemeClr val="dk1"/>
+          </a:effectRef>
+          <a:fontRef idx="minor">
+            <a:schemeClr val="tx1"/>
+          </a:fontRef>
+        </p:style>
+      </p:cxnSp>
+      <p:sp>
+        <p:nvSpPr>
+          <p:cNvPr id="13" name="Rectangle 12">
+            <a:extLst>
+              <a:ext uri="{FF2B5EF4-FFF2-40B4-BE49-F238E27FC236}">
+                <a16:creationId xmlns:a16="http://schemas.microsoft.com/office/drawing/2014/main" id="{F1D9FE26-4A6F-4D66-8F00-F02FFB8DB4E9}"/>
+              </a:ext>
+            </a:extLst>
+          </p:cNvPr>
+          <p:cNvSpPr/>
+          <p:nvPr/>
+        </p:nvSpPr>
+        <p:spPr>
+          <a:xfrm>
+            <a:off x="3971498" y="3784264"/>
+            <a:ext cx="4079683" cy="219445"/>
+          </a:xfrm>
+          <a:prstGeom prst="rect">
+            <a:avLst/>
+          </a:prstGeom>
+          <a:solidFill>
+            <a:schemeClr val="accent4">
+              <a:alpha val="35000"/>
+            </a:schemeClr>
+          </a:solidFill>
+          <a:ln>
+            <a:solidFill>
+              <a:schemeClr val="accent4">
+                <a:lumMod val="75000"/>
+              </a:schemeClr>
+            </a:solidFill>
+          </a:ln>
+        </p:spPr>
+        <p:style>
+          <a:lnRef idx="0">
+            <a:scrgbClr r="0" g="0" b="0"/>
+          </a:lnRef>
+          <a:fillRef idx="0">
+            <a:scrgbClr r="0" g="0" b="0"/>
+          </a:fillRef>
+          <a:effectRef idx="0">
+            <a:scrgbClr r="0" g="0" b="0"/>
+          </a:effectRef>
+          <a:fontRef idx="minor">
+            <a:schemeClr val="lt1"/>
+          </a:fontRef>
+        </p:style>
+        <p:txBody>
+          <a:bodyPr rtlCol="0" anchor="ctr"/>
+          <a:lstStyle/>
+          <a:p>
+            <a:pPr algn="ctr"/>
+            <a:endParaRPr lang="en-GB"/>
+          </a:p>
+        </p:txBody>
+      </p:sp>
+      <p:sp>
+        <p:nvSpPr>
+          <p:cNvPr id="14" name="TextBox 13">
+            <a:extLst>
+              <a:ext uri="{FF2B5EF4-FFF2-40B4-BE49-F238E27FC236}">
+                <a16:creationId xmlns:a16="http://schemas.microsoft.com/office/drawing/2014/main" id="{FAC77D24-9A46-4B91-B6A6-4819C52E6C31}"/>
+              </a:ext>
+            </a:extLst>
+          </p:cNvPr>
+          <p:cNvSpPr txBox="1"/>
+          <p:nvPr/>
+        </p:nvSpPr>
+        <p:spPr>
+          <a:xfrm>
+            <a:off x="791570" y="4567306"/>
+            <a:ext cx="2671658" cy="646331"/>
+          </a:xfrm>
+          <a:prstGeom prst="rect">
+            <a:avLst/>
+          </a:prstGeom>
+          <a:ln>
+            <a:solidFill>
+              <a:schemeClr val="accent4">
+                <a:lumMod val="75000"/>
+              </a:schemeClr>
+            </a:solidFill>
+          </a:ln>
+        </p:spPr>
+        <p:style>
+          <a:lnRef idx="2">
+            <a:schemeClr val="accent2"/>
+          </a:lnRef>
+          <a:fillRef idx="1">
+            <a:schemeClr val="lt1"/>
+          </a:fillRef>
+          <a:effectRef idx="0">
+            <a:schemeClr val="accent2"/>
+          </a:effectRef>
+          <a:fontRef idx="minor">
+            <a:schemeClr val="dk1"/>
+          </a:fontRef>
+        </p:style>
+        <p:txBody>
+          <a:bodyPr wrap="square" rtlCol="0">
+            <a:spAutoFit/>
+          </a:bodyPr>
+          <a:lstStyle/>
+          <a:p>
+            <a:r>
+              <a:rPr lang="it-IT" dirty="0" err="1"/>
+              <a:t>This</a:t>
+            </a:r>
+            <a:r>
+              <a:rPr lang="it-IT" dirty="0"/>
+              <a:t> </a:t>
+            </a:r>
+            <a:r>
+              <a:rPr lang="it-IT" dirty="0" err="1"/>
+              <a:t>catalog</a:t>
+            </a:r>
+            <a:r>
+              <a:rPr lang="it-IT" dirty="0"/>
+              <a:t> stores the </a:t>
+            </a:r>
+            <a:r>
+              <a:rPr lang="it-IT" b="1" dirty="0"/>
+              <a:t>formats</a:t>
+            </a:r>
+            <a:r>
+              <a:rPr lang="it-IT" dirty="0"/>
+              <a:t> </a:t>
+            </a:r>
+            <a:r>
+              <a:rPr lang="it-IT" dirty="0" err="1"/>
+              <a:t>we’ve</a:t>
+            </a:r>
+            <a:r>
+              <a:rPr lang="it-IT" dirty="0"/>
+              <a:t> just </a:t>
+            </a:r>
+            <a:r>
+              <a:rPr lang="it-IT" dirty="0" err="1"/>
+              <a:t>created</a:t>
+            </a:r>
+            <a:endParaRPr lang="en-GB" dirty="0"/>
+          </a:p>
+        </p:txBody>
+      </p:sp>
+      <p:cxnSp>
+        <p:nvCxnSpPr>
+          <p:cNvPr id="15" name="Straight Arrow Connector 14">
+            <a:extLst>
+              <a:ext uri="{FF2B5EF4-FFF2-40B4-BE49-F238E27FC236}">
+                <a16:creationId xmlns:a16="http://schemas.microsoft.com/office/drawing/2014/main" id="{791B2E2A-233E-4776-B48F-6A41837175A4}"/>
+              </a:ext>
+            </a:extLst>
+          </p:cNvPr>
+          <p:cNvCxnSpPr>
+            <a:cxnSpLocks/>
+            <a:stCxn id="14" idx="3"/>
+            <a:endCxn id="13" idx="1"/>
+          </p:cNvCxnSpPr>
+          <p:nvPr/>
+        </p:nvCxnSpPr>
+        <p:spPr>
+          <a:xfrm flipV="1">
+            <a:off x="3463228" y="3893987"/>
+            <a:ext cx="508270" cy="996485"/>
+          </a:xfrm>
+          <a:prstGeom prst="straightConnector1">
+            <a:avLst/>
+          </a:prstGeom>
+          <a:ln>
+            <a:solidFill>
+              <a:schemeClr val="accent4">
+                <a:lumMod val="75000"/>
+              </a:schemeClr>
+            </a:solidFill>
+            <a:tailEnd type="triangle"/>
+          </a:ln>
+        </p:spPr>
+        <p:style>
+          <a:lnRef idx="3">
+            <a:schemeClr val="accent1"/>
+          </a:lnRef>
+          <a:fillRef idx="0">
+            <a:schemeClr val="accent1"/>
+          </a:fillRef>
+          <a:effectRef idx="2">
+            <a:schemeClr val="accent1"/>
+          </a:effectRef>
+          <a:fontRef idx="minor">
+            <a:schemeClr val="tx1"/>
+          </a:fontRef>
+        </p:style>
+      </p:cxnSp>
+    </p:spTree>
+    <p:extLst>
+      <p:ext uri="{BB962C8B-B14F-4D97-AF65-F5344CB8AC3E}">
+        <p14:creationId xmlns:p14="http://schemas.microsoft.com/office/powerpoint/2010/main" val="377876390"/>
+      </p:ext>
+    </p:extLst>
+  </p:cSld>
+  <p:clrMapOvr>
+    <a:masterClrMapping/>
+  </p:clrMapOvr>
+</p:sld>
+</file>
+
 <file path=ppt/slides/slide2.xml><?xml version="1.0" encoding="utf-8"?>
 <p:sld xmlns:a="http://schemas.openxmlformats.org/drawingml/2006/main" xmlns:r="http://schemas.openxmlformats.org/officeDocument/2006/relationships" xmlns:p="http://schemas.openxmlformats.org/presentationml/2006/main">
   <p:cSld>

--- a/screenshots/imgs.pptx
+++ b/screenshots/imgs.pptx
@@ -23,6 +23,7 @@
     <p:sldId id="271" r:id="rId17"/>
     <p:sldId id="272" r:id="rId18"/>
     <p:sldId id="273" r:id="rId19"/>
+    <p:sldId id="274" r:id="rId20"/>
   </p:sldIdLst>
   <p:sldSz cx="12192000" cy="6858000"/>
   <p:notesSz cx="6858000" cy="9144000"/>
@@ -278,7 +279,7 @@
           <a:p>
             <a:fld id="{166DC043-4AEC-4A4E-AB79-0D54B7828DD9}" type="datetimeFigureOut">
               <a:rPr lang="en-GB" smtClean="0"/>
-              <a:t>13/05/2021</a:t>
+              <a:t>25/05/2021</a:t>
             </a:fld>
             <a:endParaRPr lang="en-GB"/>
           </a:p>
@@ -478,7 +479,7 @@
           <a:p>
             <a:fld id="{166DC043-4AEC-4A4E-AB79-0D54B7828DD9}" type="datetimeFigureOut">
               <a:rPr lang="en-GB" smtClean="0"/>
-              <a:t>13/05/2021</a:t>
+              <a:t>25/05/2021</a:t>
             </a:fld>
             <a:endParaRPr lang="en-GB"/>
           </a:p>
@@ -688,7 +689,7 @@
           <a:p>
             <a:fld id="{166DC043-4AEC-4A4E-AB79-0D54B7828DD9}" type="datetimeFigureOut">
               <a:rPr lang="en-GB" smtClean="0"/>
-              <a:t>13/05/2021</a:t>
+              <a:t>25/05/2021</a:t>
             </a:fld>
             <a:endParaRPr lang="en-GB"/>
           </a:p>
@@ -888,7 +889,7 @@
           <a:p>
             <a:fld id="{166DC043-4AEC-4A4E-AB79-0D54B7828DD9}" type="datetimeFigureOut">
               <a:rPr lang="en-GB" smtClean="0"/>
-              <a:t>13/05/2021</a:t>
+              <a:t>25/05/2021</a:t>
             </a:fld>
             <a:endParaRPr lang="en-GB"/>
           </a:p>
@@ -1164,7 +1165,7 @@
           <a:p>
             <a:fld id="{166DC043-4AEC-4A4E-AB79-0D54B7828DD9}" type="datetimeFigureOut">
               <a:rPr lang="en-GB" smtClean="0"/>
-              <a:t>13/05/2021</a:t>
+              <a:t>25/05/2021</a:t>
             </a:fld>
             <a:endParaRPr lang="en-GB"/>
           </a:p>
@@ -1432,7 +1433,7 @@
           <a:p>
             <a:fld id="{166DC043-4AEC-4A4E-AB79-0D54B7828DD9}" type="datetimeFigureOut">
               <a:rPr lang="en-GB" smtClean="0"/>
-              <a:t>13/05/2021</a:t>
+              <a:t>25/05/2021</a:t>
             </a:fld>
             <a:endParaRPr lang="en-GB"/>
           </a:p>
@@ -1847,7 +1848,7 @@
           <a:p>
             <a:fld id="{166DC043-4AEC-4A4E-AB79-0D54B7828DD9}" type="datetimeFigureOut">
               <a:rPr lang="en-GB" smtClean="0"/>
-              <a:t>13/05/2021</a:t>
+              <a:t>25/05/2021</a:t>
             </a:fld>
             <a:endParaRPr lang="en-GB"/>
           </a:p>
@@ -1989,7 +1990,7 @@
           <a:p>
             <a:fld id="{166DC043-4AEC-4A4E-AB79-0D54B7828DD9}" type="datetimeFigureOut">
               <a:rPr lang="en-GB" smtClean="0"/>
-              <a:t>13/05/2021</a:t>
+              <a:t>25/05/2021</a:t>
             </a:fld>
             <a:endParaRPr lang="en-GB"/>
           </a:p>
@@ -2102,7 +2103,7 @@
           <a:p>
             <a:fld id="{166DC043-4AEC-4A4E-AB79-0D54B7828DD9}" type="datetimeFigureOut">
               <a:rPr lang="en-GB" smtClean="0"/>
-              <a:t>13/05/2021</a:t>
+              <a:t>25/05/2021</a:t>
             </a:fld>
             <a:endParaRPr lang="en-GB"/>
           </a:p>
@@ -2415,7 +2416,7 @@
           <a:p>
             <a:fld id="{166DC043-4AEC-4A4E-AB79-0D54B7828DD9}" type="datetimeFigureOut">
               <a:rPr lang="en-GB" smtClean="0"/>
-              <a:t>13/05/2021</a:t>
+              <a:t>25/05/2021</a:t>
             </a:fld>
             <a:endParaRPr lang="en-GB"/>
           </a:p>
@@ -2704,7 +2705,7 @@
           <a:p>
             <a:fld id="{166DC043-4AEC-4A4E-AB79-0D54B7828DD9}" type="datetimeFigureOut">
               <a:rPr lang="en-GB" smtClean="0"/>
-              <a:t>13/05/2021</a:t>
+              <a:t>25/05/2021</a:t>
             </a:fld>
             <a:endParaRPr lang="en-GB"/>
           </a:p>
@@ -2947,7 +2948,7 @@
           <a:p>
             <a:fld id="{166DC043-4AEC-4A4E-AB79-0D54B7828DD9}" type="datetimeFigureOut">
               <a:rPr lang="en-GB" smtClean="0"/>
-              <a:t>13/05/2021</a:t>
+              <a:t>25/05/2021</a:t>
             </a:fld>
             <a:endParaRPr lang="en-GB"/>
           </a:p>
@@ -9421,6 +9422,324 @@
 </p:sld>
 </file>
 
+<file path=ppt/slides/slide19.xml><?xml version="1.0" encoding="utf-8"?>
+<p:sld xmlns:a="http://schemas.openxmlformats.org/drawingml/2006/main" xmlns:r="http://schemas.openxmlformats.org/officeDocument/2006/relationships" xmlns:p="http://schemas.openxmlformats.org/presentationml/2006/main">
+  <p:cSld>
+    <p:spTree>
+      <p:nvGrpSpPr>
+        <p:cNvPr id="1" name=""/>
+        <p:cNvGrpSpPr/>
+        <p:nvPr/>
+      </p:nvGrpSpPr>
+      <p:grpSpPr>
+        <a:xfrm>
+          <a:off x="0" y="0"/>
+          <a:ext cx="0" cy="0"/>
+          <a:chOff x="0" y="0"/>
+          <a:chExt cx="0" cy="0"/>
+        </a:xfrm>
+      </p:grpSpPr>
+      <p:sp>
+        <p:nvSpPr>
+          <p:cNvPr id="5" name="Callout: Right Arrow 4">
+            <a:extLst>
+              <a:ext uri="{FF2B5EF4-FFF2-40B4-BE49-F238E27FC236}">
+                <a16:creationId xmlns:a16="http://schemas.microsoft.com/office/drawing/2014/main" id="{FBE2F2B6-FE7B-41A3-BE00-E0BD429FB91C}"/>
+              </a:ext>
+            </a:extLst>
+          </p:cNvPr>
+          <p:cNvSpPr/>
+          <p:nvPr/>
+        </p:nvSpPr>
+        <p:spPr>
+          <a:xfrm>
+            <a:off x="2133599" y="2267209"/>
+            <a:ext cx="2876812" cy="1061581"/>
+          </a:xfrm>
+          <a:prstGeom prst="rightArrowCallout">
+            <a:avLst/>
+          </a:prstGeom>
+          <a:solidFill>
+            <a:srgbClr val="686FF2"/>
+          </a:solidFill>
+          <a:ln>
+            <a:noFill/>
+          </a:ln>
+        </p:spPr>
+        <p:style>
+          <a:lnRef idx="3">
+            <a:schemeClr val="lt1"/>
+          </a:lnRef>
+          <a:fillRef idx="1">
+            <a:schemeClr val="accent2"/>
+          </a:fillRef>
+          <a:effectRef idx="1">
+            <a:schemeClr val="accent2"/>
+          </a:effectRef>
+          <a:fontRef idx="minor">
+            <a:schemeClr val="lt1"/>
+          </a:fontRef>
+        </p:style>
+        <p:txBody>
+          <a:bodyPr rtlCol="0" anchor="ctr"/>
+          <a:lstStyle/>
+          <a:p>
+            <a:pPr algn="ctr"/>
+            <a:r>
+              <a:rPr lang="it-IT" sz="1600" dirty="0">
+                <a:ln w="0"/>
+                <a:solidFill>
+                  <a:schemeClr val="tx1"/>
+                </a:solidFill>
+                <a:effectLst>
+                  <a:outerShdw blurRad="38100" dist="19050" dir="2700000" algn="tl" rotWithShape="0">
+                    <a:schemeClr val="dk1">
+                      <a:alpha val="40000"/>
+                    </a:schemeClr>
+                  </a:outerShdw>
+                </a:effectLst>
+              </a:rPr>
+              <a:t>MACRO</a:t>
+            </a:r>
+          </a:p>
+          <a:p>
+            <a:pPr algn="ctr"/>
+            <a:r>
+              <a:rPr lang="it-IT" sz="1600" dirty="0" err="1">
+                <a:ln w="0"/>
+                <a:solidFill>
+                  <a:schemeClr val="tx1"/>
+                </a:solidFill>
+                <a:effectLst>
+                  <a:outerShdw blurRad="38100" dist="19050" dir="2700000" algn="tl" rotWithShape="0">
+                    <a:schemeClr val="dk1">
+                      <a:alpha val="40000"/>
+                    </a:schemeClr>
+                  </a:outerShdw>
+                </a:effectLst>
+              </a:rPr>
+              <a:t>statement</a:t>
+            </a:r>
+            <a:endParaRPr lang="en-GB" sz="1600" dirty="0">
+              <a:ln w="0"/>
+              <a:solidFill>
+                <a:schemeClr val="tx1"/>
+              </a:solidFill>
+              <a:effectLst>
+                <a:outerShdw blurRad="38100" dist="19050" dir="2700000" algn="tl" rotWithShape="0">
+                  <a:schemeClr val="dk1">
+                    <a:alpha val="40000"/>
+                  </a:schemeClr>
+                </a:outerShdw>
+              </a:effectLst>
+            </a:endParaRPr>
+          </a:p>
+        </p:txBody>
+      </p:sp>
+      <p:sp>
+        <p:nvSpPr>
+          <p:cNvPr id="6" name="Rectangle 5">
+            <a:extLst>
+              <a:ext uri="{FF2B5EF4-FFF2-40B4-BE49-F238E27FC236}">
+                <a16:creationId xmlns:a16="http://schemas.microsoft.com/office/drawing/2014/main" id="{AB107E46-621B-42E6-A500-5C298793599A}"/>
+              </a:ext>
+            </a:extLst>
+          </p:cNvPr>
+          <p:cNvSpPr/>
+          <p:nvPr/>
+        </p:nvSpPr>
+        <p:spPr>
+          <a:xfrm>
+            <a:off x="7912274" y="2267209"/>
+            <a:ext cx="1716065" cy="1061581"/>
+          </a:xfrm>
+          <a:prstGeom prst="rect">
+            <a:avLst/>
+          </a:prstGeom>
+          <a:solidFill>
+            <a:srgbClr val="CDF7E1"/>
+          </a:solidFill>
+          <a:ln>
+            <a:noFill/>
+          </a:ln>
+        </p:spPr>
+        <p:style>
+          <a:lnRef idx="0">
+            <a:scrgbClr r="0" g="0" b="0"/>
+          </a:lnRef>
+          <a:fillRef idx="0">
+            <a:scrgbClr r="0" g="0" b="0"/>
+          </a:fillRef>
+          <a:effectRef idx="0">
+            <a:scrgbClr r="0" g="0" b="0"/>
+          </a:effectRef>
+          <a:fontRef idx="minor">
+            <a:schemeClr val="lt1"/>
+          </a:fontRef>
+        </p:style>
+        <p:txBody>
+          <a:bodyPr rtlCol="0" anchor="ctr"/>
+          <a:lstStyle/>
+          <a:p>
+            <a:pPr algn="ctr"/>
+            <a:r>
+              <a:rPr lang="it-IT" sz="1600" dirty="0">
+                <a:ln w="0"/>
+                <a:solidFill>
+                  <a:schemeClr val="tx1"/>
+                </a:solidFill>
+                <a:effectLst>
+                  <a:outerShdw blurRad="38100" dist="19050" dir="2700000" algn="tl" rotWithShape="0">
+                    <a:schemeClr val="dk1">
+                      <a:alpha val="40000"/>
+                    </a:schemeClr>
+                  </a:outerShdw>
+                </a:effectLst>
+              </a:rPr>
+              <a:t>Regular SAS </a:t>
+            </a:r>
+            <a:r>
+              <a:rPr lang="it-IT" sz="1600" dirty="0" err="1">
+                <a:ln w="0"/>
+                <a:solidFill>
+                  <a:schemeClr val="tx1"/>
+                </a:solidFill>
+                <a:effectLst>
+                  <a:outerShdw blurRad="38100" dist="19050" dir="2700000" algn="tl" rotWithShape="0">
+                    <a:schemeClr val="dk1">
+                      <a:alpha val="40000"/>
+                    </a:schemeClr>
+                  </a:outerShdw>
+                </a:effectLst>
+              </a:rPr>
+              <a:t>statement</a:t>
+            </a:r>
+            <a:endParaRPr lang="en-GB" sz="1600" dirty="0">
+              <a:ln w="0"/>
+              <a:solidFill>
+                <a:schemeClr val="tx1"/>
+              </a:solidFill>
+              <a:effectLst>
+                <a:outerShdw blurRad="38100" dist="19050" dir="2700000" algn="tl" rotWithShape="0">
+                  <a:schemeClr val="dk1">
+                    <a:alpha val="40000"/>
+                  </a:schemeClr>
+                </a:outerShdw>
+              </a:effectLst>
+            </a:endParaRPr>
+          </a:p>
+        </p:txBody>
+      </p:sp>
+      <p:sp>
+        <p:nvSpPr>
+          <p:cNvPr id="7" name="Arrow: Pentagon 6">
+            <a:extLst>
+              <a:ext uri="{FF2B5EF4-FFF2-40B4-BE49-F238E27FC236}">
+                <a16:creationId xmlns:a16="http://schemas.microsoft.com/office/drawing/2014/main" id="{82D5BF03-4774-4199-A01A-01EA96B3BD89}"/>
+              </a:ext>
+            </a:extLst>
+          </p:cNvPr>
+          <p:cNvSpPr/>
+          <p:nvPr/>
+        </p:nvSpPr>
+        <p:spPr>
+          <a:xfrm>
+            <a:off x="5010410" y="2267209"/>
+            <a:ext cx="2876811" cy="1061581"/>
+          </a:xfrm>
+          <a:prstGeom prst="homePlate">
+            <a:avLst/>
+          </a:prstGeom>
+          <a:solidFill>
+            <a:srgbClr val="B1BDF1"/>
+          </a:solidFill>
+          <a:ln>
+            <a:noFill/>
+          </a:ln>
+        </p:spPr>
+        <p:style>
+          <a:lnRef idx="3">
+            <a:schemeClr val="lt1"/>
+          </a:lnRef>
+          <a:fillRef idx="1">
+            <a:schemeClr val="accent6"/>
+          </a:fillRef>
+          <a:effectRef idx="1">
+            <a:schemeClr val="accent6"/>
+          </a:effectRef>
+          <a:fontRef idx="minor">
+            <a:schemeClr val="lt1"/>
+          </a:fontRef>
+        </p:style>
+        <p:txBody>
+          <a:bodyPr rtlCol="0" anchor="ctr"/>
+          <a:lstStyle/>
+          <a:p>
+            <a:pPr algn="ctr"/>
+            <a:r>
+              <a:rPr lang="it-IT" sz="1600" dirty="0">
+                <a:ln w="0"/>
+                <a:solidFill>
+                  <a:schemeClr val="tx1"/>
+                </a:solidFill>
+                <a:effectLst>
+                  <a:outerShdw blurRad="38100" dist="19050" dir="2700000" algn="tl" rotWithShape="0">
+                    <a:schemeClr val="dk1">
+                      <a:alpha val="40000"/>
+                    </a:schemeClr>
+                  </a:outerShdw>
+                </a:effectLst>
+              </a:rPr>
+              <a:t>MACRO </a:t>
+            </a:r>
+          </a:p>
+          <a:p>
+            <a:pPr algn="ctr"/>
+            <a:r>
+              <a:rPr lang="it-IT" sz="1600" dirty="0">
+                <a:ln w="0"/>
+                <a:solidFill>
+                  <a:schemeClr val="tx1"/>
+                </a:solidFill>
+                <a:effectLst>
+                  <a:outerShdw blurRad="38100" dist="19050" dir="2700000" algn="tl" rotWithShape="0">
+                    <a:schemeClr val="dk1">
+                      <a:alpha val="40000"/>
+                    </a:schemeClr>
+                  </a:outerShdw>
+                </a:effectLst>
+              </a:rPr>
+              <a:t>processor</a:t>
+            </a:r>
+            <a:endParaRPr lang="en-GB" sz="1600" dirty="0">
+              <a:ln w="0"/>
+              <a:solidFill>
+                <a:schemeClr val="tx1"/>
+              </a:solidFill>
+              <a:effectLst>
+                <a:outerShdw blurRad="38100" dist="19050" dir="2700000" algn="tl" rotWithShape="0">
+                  <a:schemeClr val="dk1">
+                    <a:alpha val="40000"/>
+                  </a:schemeClr>
+                </a:outerShdw>
+              </a:effectLst>
+            </a:endParaRPr>
+          </a:p>
+        </p:txBody>
+      </p:sp>
+    </p:spTree>
+    <p:extLst>
+      <p:ext uri="{BB962C8B-B14F-4D97-AF65-F5344CB8AC3E}">
+        <p14:creationId xmlns:p14="http://schemas.microsoft.com/office/powerpoint/2010/main" val="2227996609"/>
+      </p:ext>
+    </p:extLst>
+  </p:cSld>
+  <p:clrMapOvr>
+    <a:masterClrMapping/>
+  </p:clrMapOvr>
+</p:sld>
+</file>
+
 <file path=ppt/slides/slide2.xml><?xml version="1.0" encoding="utf-8"?>
 <p:sld xmlns:a="http://schemas.openxmlformats.org/drawingml/2006/main" xmlns:r="http://schemas.openxmlformats.org/officeDocument/2006/relationships" xmlns:p="http://schemas.openxmlformats.org/presentationml/2006/main">
   <p:cSld>

--- a/screenshots/imgs.pptx
+++ b/screenshots/imgs.pptx
@@ -24,6 +24,7 @@
     <p:sldId id="272" r:id="rId18"/>
     <p:sldId id="273" r:id="rId19"/>
     <p:sldId id="274" r:id="rId20"/>
+    <p:sldId id="275" r:id="rId21"/>
   </p:sldIdLst>
   <p:sldSz cx="12192000" cy="6858000"/>
   <p:notesSz cx="6858000" cy="9144000"/>
@@ -279,7 +280,7 @@
           <a:p>
             <a:fld id="{166DC043-4AEC-4A4E-AB79-0D54B7828DD9}" type="datetimeFigureOut">
               <a:rPr lang="en-GB" smtClean="0"/>
-              <a:t>25/05/2021</a:t>
+              <a:t>27/05/2021</a:t>
             </a:fld>
             <a:endParaRPr lang="en-GB"/>
           </a:p>
@@ -479,7 +480,7 @@
           <a:p>
             <a:fld id="{166DC043-4AEC-4A4E-AB79-0D54B7828DD9}" type="datetimeFigureOut">
               <a:rPr lang="en-GB" smtClean="0"/>
-              <a:t>25/05/2021</a:t>
+              <a:t>27/05/2021</a:t>
             </a:fld>
             <a:endParaRPr lang="en-GB"/>
           </a:p>
@@ -689,7 +690,7 @@
           <a:p>
             <a:fld id="{166DC043-4AEC-4A4E-AB79-0D54B7828DD9}" type="datetimeFigureOut">
               <a:rPr lang="en-GB" smtClean="0"/>
-              <a:t>25/05/2021</a:t>
+              <a:t>27/05/2021</a:t>
             </a:fld>
             <a:endParaRPr lang="en-GB"/>
           </a:p>
@@ -889,7 +890,7 @@
           <a:p>
             <a:fld id="{166DC043-4AEC-4A4E-AB79-0D54B7828DD9}" type="datetimeFigureOut">
               <a:rPr lang="en-GB" smtClean="0"/>
-              <a:t>25/05/2021</a:t>
+              <a:t>27/05/2021</a:t>
             </a:fld>
             <a:endParaRPr lang="en-GB"/>
           </a:p>
@@ -1165,7 +1166,7 @@
           <a:p>
             <a:fld id="{166DC043-4AEC-4A4E-AB79-0D54B7828DD9}" type="datetimeFigureOut">
               <a:rPr lang="en-GB" smtClean="0"/>
-              <a:t>25/05/2021</a:t>
+              <a:t>27/05/2021</a:t>
             </a:fld>
             <a:endParaRPr lang="en-GB"/>
           </a:p>
@@ -1433,7 +1434,7 @@
           <a:p>
             <a:fld id="{166DC043-4AEC-4A4E-AB79-0D54B7828DD9}" type="datetimeFigureOut">
               <a:rPr lang="en-GB" smtClean="0"/>
-              <a:t>25/05/2021</a:t>
+              <a:t>27/05/2021</a:t>
             </a:fld>
             <a:endParaRPr lang="en-GB"/>
           </a:p>
@@ -1848,7 +1849,7 @@
           <a:p>
             <a:fld id="{166DC043-4AEC-4A4E-AB79-0D54B7828DD9}" type="datetimeFigureOut">
               <a:rPr lang="en-GB" smtClean="0"/>
-              <a:t>25/05/2021</a:t>
+              <a:t>27/05/2021</a:t>
             </a:fld>
             <a:endParaRPr lang="en-GB"/>
           </a:p>
@@ -1990,7 +1991,7 @@
           <a:p>
             <a:fld id="{166DC043-4AEC-4A4E-AB79-0D54B7828DD9}" type="datetimeFigureOut">
               <a:rPr lang="en-GB" smtClean="0"/>
-              <a:t>25/05/2021</a:t>
+              <a:t>27/05/2021</a:t>
             </a:fld>
             <a:endParaRPr lang="en-GB"/>
           </a:p>
@@ -2103,7 +2104,7 @@
           <a:p>
             <a:fld id="{166DC043-4AEC-4A4E-AB79-0D54B7828DD9}" type="datetimeFigureOut">
               <a:rPr lang="en-GB" smtClean="0"/>
-              <a:t>25/05/2021</a:t>
+              <a:t>27/05/2021</a:t>
             </a:fld>
             <a:endParaRPr lang="en-GB"/>
           </a:p>
@@ -2416,7 +2417,7 @@
           <a:p>
             <a:fld id="{166DC043-4AEC-4A4E-AB79-0D54B7828DD9}" type="datetimeFigureOut">
               <a:rPr lang="en-GB" smtClean="0"/>
-              <a:t>25/05/2021</a:t>
+              <a:t>27/05/2021</a:t>
             </a:fld>
             <a:endParaRPr lang="en-GB"/>
           </a:p>
@@ -2705,7 +2706,7 @@
           <a:p>
             <a:fld id="{166DC043-4AEC-4A4E-AB79-0D54B7828DD9}" type="datetimeFigureOut">
               <a:rPr lang="en-GB" smtClean="0"/>
-              <a:t>25/05/2021</a:t>
+              <a:t>27/05/2021</a:t>
             </a:fld>
             <a:endParaRPr lang="en-GB"/>
           </a:p>
@@ -2948,7 +2949,7 @@
           <a:p>
             <a:fld id="{166DC043-4AEC-4A4E-AB79-0D54B7828DD9}" type="datetimeFigureOut">
               <a:rPr lang="en-GB" smtClean="0"/>
-              <a:t>25/05/2021</a:t>
+              <a:t>27/05/2021</a:t>
             </a:fld>
             <a:endParaRPr lang="en-GB"/>
           </a:p>
@@ -10092,6 +10093,421 @@
 </p:sld>
 </file>
 
+<file path=ppt/slides/slide20.xml><?xml version="1.0" encoding="utf-8"?>
+<p:sld xmlns:a="http://schemas.openxmlformats.org/drawingml/2006/main" xmlns:r="http://schemas.openxmlformats.org/officeDocument/2006/relationships" xmlns:p="http://schemas.openxmlformats.org/presentationml/2006/main">
+  <p:cSld>
+    <p:spTree>
+      <p:nvGrpSpPr>
+        <p:cNvPr id="1" name=""/>
+        <p:cNvGrpSpPr/>
+        <p:nvPr/>
+      </p:nvGrpSpPr>
+      <p:grpSpPr>
+        <a:xfrm>
+          <a:off x="0" y="0"/>
+          <a:ext cx="0" cy="0"/>
+          <a:chOff x="0" y="0"/>
+          <a:chExt cx="0" cy="0"/>
+        </a:xfrm>
+      </p:grpSpPr>
+      <p:pic>
+        <p:nvPicPr>
+          <p:cNvPr id="5" name="Picture 4" descr="Graphical user interface, text, application, email&#10;&#10;Description automatically generated">
+            <a:extLst>
+              <a:ext uri="{FF2B5EF4-FFF2-40B4-BE49-F238E27FC236}">
+                <a16:creationId xmlns:a16="http://schemas.microsoft.com/office/drawing/2014/main" id="{3A48138E-4D75-4168-8BA1-66602E5FA5C6}"/>
+              </a:ext>
+            </a:extLst>
+          </p:cNvPr>
+          <p:cNvPicPr>
+            <a:picLocks noChangeAspect="1"/>
+          </p:cNvPicPr>
+          <p:nvPr/>
+        </p:nvPicPr>
+        <p:blipFill rotWithShape="1">
+          <a:blip r:embed="rId2">
+            <a:extLst>
+              <a:ext uri="{28A0092B-C50C-407E-A947-70E740481C1C}">
+                <a14:useLocalDpi xmlns:a14="http://schemas.microsoft.com/office/drawing/2010/main" val="0"/>
+              </a:ext>
+            </a:extLst>
+          </a:blip>
+          <a:srcRect b="23684"/>
+          <a:stretch/>
+        </p:blipFill>
+        <p:spPr>
+          <a:xfrm>
+            <a:off x="636251" y="1583561"/>
+            <a:ext cx="7011378" cy="3038899"/>
+          </a:xfrm>
+          <a:prstGeom prst="rect">
+            <a:avLst/>
+          </a:prstGeom>
+        </p:spPr>
+      </p:pic>
+      <p:pic>
+        <p:nvPicPr>
+          <p:cNvPr id="7" name="Picture 6" descr="Graphical user interface, text, application, Word&#10;&#10;Description automatically generated">
+            <a:extLst>
+              <a:ext uri="{FF2B5EF4-FFF2-40B4-BE49-F238E27FC236}">
+                <a16:creationId xmlns:a16="http://schemas.microsoft.com/office/drawing/2014/main" id="{E44A97A7-B3A5-4876-B245-6A5AA5987D4E}"/>
+              </a:ext>
+            </a:extLst>
+          </p:cNvPr>
+          <p:cNvPicPr>
+            <a:picLocks noChangeAspect="1"/>
+          </p:cNvPicPr>
+          <p:nvPr/>
+        </p:nvPicPr>
+        <p:blipFill>
+          <a:blip r:embed="rId3">
+            <a:extLst>
+              <a:ext uri="{28A0092B-C50C-407E-A947-70E740481C1C}">
+                <a14:useLocalDpi xmlns:a14="http://schemas.microsoft.com/office/drawing/2010/main" val="0"/>
+              </a:ext>
+            </a:extLst>
+          </a:blip>
+          <a:stretch>
+            <a:fillRect/>
+          </a:stretch>
+        </p:blipFill>
+        <p:spPr>
+          <a:xfrm>
+            <a:off x="3650839" y="1583560"/>
+            <a:ext cx="7344800" cy="3038899"/>
+          </a:xfrm>
+          <a:prstGeom prst="rect">
+            <a:avLst/>
+          </a:prstGeom>
+          <a:ln>
+            <a:noFill/>
+          </a:ln>
+          <a:effectLst>
+            <a:outerShdw blurRad="190500" algn="tl" rotWithShape="0">
+              <a:srgbClr val="000000">
+                <a:alpha val="70000"/>
+              </a:srgbClr>
+            </a:outerShdw>
+          </a:effectLst>
+        </p:spPr>
+      </p:pic>
+      <p:sp>
+        <p:nvSpPr>
+          <p:cNvPr id="8" name="TextBox 7">
+            <a:extLst>
+              <a:ext uri="{FF2B5EF4-FFF2-40B4-BE49-F238E27FC236}">
+                <a16:creationId xmlns:a16="http://schemas.microsoft.com/office/drawing/2014/main" id="{0F897251-85A0-4198-A9C2-48A82D787F01}"/>
+              </a:ext>
+            </a:extLst>
+          </p:cNvPr>
+          <p:cNvSpPr txBox="1"/>
+          <p:nvPr/>
+        </p:nvSpPr>
+        <p:spPr>
+          <a:xfrm>
+            <a:off x="1515649" y="1583559"/>
+            <a:ext cx="301686" cy="369332"/>
+          </a:xfrm>
+          <a:prstGeom prst="rect">
+            <a:avLst/>
+          </a:prstGeom>
+          <a:noFill/>
+        </p:spPr>
+        <p:txBody>
+          <a:bodyPr wrap="none" rtlCol="0">
+            <a:spAutoFit/>
+          </a:bodyPr>
+          <a:lstStyle/>
+          <a:p>
+            <a:r>
+              <a:rPr lang="it-IT" dirty="0"/>
+              <a:t>1</a:t>
+            </a:r>
+            <a:endParaRPr lang="en-GB" dirty="0"/>
+          </a:p>
+        </p:txBody>
+      </p:sp>
+      <p:sp>
+        <p:nvSpPr>
+          <p:cNvPr id="9" name="TextBox 8">
+            <a:extLst>
+              <a:ext uri="{FF2B5EF4-FFF2-40B4-BE49-F238E27FC236}">
+                <a16:creationId xmlns:a16="http://schemas.microsoft.com/office/drawing/2014/main" id="{973C8D48-B056-4705-AA61-1A5C8090D17E}"/>
+              </a:ext>
+            </a:extLst>
+          </p:cNvPr>
+          <p:cNvSpPr txBox="1"/>
+          <p:nvPr/>
+        </p:nvSpPr>
+        <p:spPr>
+          <a:xfrm flipH="1">
+            <a:off x="5659139" y="1583559"/>
+            <a:ext cx="301685" cy="369332"/>
+          </a:xfrm>
+          <a:prstGeom prst="rect">
+            <a:avLst/>
+          </a:prstGeom>
+          <a:noFill/>
+        </p:spPr>
+        <p:txBody>
+          <a:bodyPr wrap="square" rtlCol="0">
+            <a:spAutoFit/>
+          </a:bodyPr>
+          <a:lstStyle/>
+          <a:p>
+            <a:r>
+              <a:rPr lang="it-IT" dirty="0"/>
+              <a:t>2</a:t>
+            </a:r>
+            <a:endParaRPr lang="en-GB" dirty="0"/>
+          </a:p>
+        </p:txBody>
+      </p:sp>
+      <p:sp>
+        <p:nvSpPr>
+          <p:cNvPr id="10" name="Oval 9">
+            <a:extLst>
+              <a:ext uri="{FF2B5EF4-FFF2-40B4-BE49-F238E27FC236}">
+                <a16:creationId xmlns:a16="http://schemas.microsoft.com/office/drawing/2014/main" id="{79C54CB6-2296-441D-B971-F4BFDD1BB946}"/>
+              </a:ext>
+            </a:extLst>
+          </p:cNvPr>
+          <p:cNvSpPr/>
+          <p:nvPr/>
+        </p:nvSpPr>
+        <p:spPr>
+          <a:xfrm>
+            <a:off x="1324146" y="1461922"/>
+            <a:ext cx="651354" cy="612606"/>
+          </a:xfrm>
+          <a:prstGeom prst="ellipse">
+            <a:avLst/>
+          </a:prstGeom>
+          <a:noFill/>
+          <a:ln w="9525" cap="flat" cmpd="sng" algn="ctr">
+            <a:solidFill>
+              <a:schemeClr val="dk1"/>
+            </a:solidFill>
+            <a:prstDash val="solid"/>
+            <a:round/>
+            <a:headEnd type="none" w="med" len="med"/>
+            <a:tailEnd type="none" w="med" len="med"/>
+          </a:ln>
+        </p:spPr>
+        <p:style>
+          <a:lnRef idx="0">
+            <a:scrgbClr r="0" g="0" b="0"/>
+          </a:lnRef>
+          <a:fillRef idx="0">
+            <a:scrgbClr r="0" g="0" b="0"/>
+          </a:fillRef>
+          <a:effectRef idx="0">
+            <a:scrgbClr r="0" g="0" b="0"/>
+          </a:effectRef>
+          <a:fontRef idx="minor">
+            <a:schemeClr val="dk1"/>
+          </a:fontRef>
+        </p:style>
+        <p:txBody>
+          <a:bodyPr rtlCol="0" anchor="ctr"/>
+          <a:lstStyle/>
+          <a:p>
+            <a:pPr algn="ctr"/>
+            <a:endParaRPr lang="en-GB"/>
+          </a:p>
+        </p:txBody>
+      </p:sp>
+      <p:cxnSp>
+        <p:nvCxnSpPr>
+          <p:cNvPr id="12" name="Straight Arrow Connector 11">
+            <a:extLst>
+              <a:ext uri="{FF2B5EF4-FFF2-40B4-BE49-F238E27FC236}">
+                <a16:creationId xmlns:a16="http://schemas.microsoft.com/office/drawing/2014/main" id="{A37525E5-55F6-4F2A-96E7-D8350C1D825A}"/>
+              </a:ext>
+            </a:extLst>
+          </p:cNvPr>
+          <p:cNvCxnSpPr>
+            <a:stCxn id="10" idx="4"/>
+          </p:cNvCxnSpPr>
+          <p:nvPr/>
+        </p:nvCxnSpPr>
+        <p:spPr>
+          <a:xfrm>
+            <a:off x="1649823" y="2074528"/>
+            <a:ext cx="467076" cy="1194765"/>
+          </a:xfrm>
+          <a:prstGeom prst="straightConnector1">
+            <a:avLst/>
+          </a:prstGeom>
+          <a:ln>
+            <a:tailEnd type="triangle"/>
+          </a:ln>
+        </p:spPr>
+        <p:style>
+          <a:lnRef idx="2">
+            <a:schemeClr val="dk1"/>
+          </a:lnRef>
+          <a:fillRef idx="0">
+            <a:schemeClr val="dk1"/>
+          </a:fillRef>
+          <a:effectRef idx="1">
+            <a:schemeClr val="dk1"/>
+          </a:effectRef>
+          <a:fontRef idx="minor">
+            <a:schemeClr val="tx1"/>
+          </a:fontRef>
+        </p:style>
+      </p:cxnSp>
+      <p:cxnSp>
+        <p:nvCxnSpPr>
+          <p:cNvPr id="14" name="Straight Arrow Connector 13">
+            <a:extLst>
+              <a:ext uri="{FF2B5EF4-FFF2-40B4-BE49-F238E27FC236}">
+                <a16:creationId xmlns:a16="http://schemas.microsoft.com/office/drawing/2014/main" id="{0F5367F9-8927-46C5-AD9B-3FBDC57B717F}"/>
+              </a:ext>
+            </a:extLst>
+          </p:cNvPr>
+          <p:cNvCxnSpPr>
+            <a:cxnSpLocks/>
+            <a:stCxn id="10" idx="5"/>
+          </p:cNvCxnSpPr>
+          <p:nvPr/>
+        </p:nvCxnSpPr>
+        <p:spPr>
+          <a:xfrm>
+            <a:off x="1880111" y="1984814"/>
+            <a:ext cx="628580" cy="1603894"/>
+          </a:xfrm>
+          <a:prstGeom prst="straightConnector1">
+            <a:avLst/>
+          </a:prstGeom>
+          <a:ln>
+            <a:tailEnd type="triangle"/>
+          </a:ln>
+        </p:spPr>
+        <p:style>
+          <a:lnRef idx="2">
+            <a:schemeClr val="dk1"/>
+          </a:lnRef>
+          <a:fillRef idx="0">
+            <a:schemeClr val="dk1"/>
+          </a:fillRef>
+          <a:effectRef idx="1">
+            <a:schemeClr val="dk1"/>
+          </a:effectRef>
+          <a:fontRef idx="minor">
+            <a:schemeClr val="tx1"/>
+          </a:fontRef>
+        </p:style>
+      </p:cxnSp>
+      <p:sp>
+        <p:nvSpPr>
+          <p:cNvPr id="16" name="Oval 15">
+            <a:extLst>
+              <a:ext uri="{FF2B5EF4-FFF2-40B4-BE49-F238E27FC236}">
+                <a16:creationId xmlns:a16="http://schemas.microsoft.com/office/drawing/2014/main" id="{107A2B26-4FDC-4B76-99F2-C7E07A64DA76}"/>
+              </a:ext>
+            </a:extLst>
+          </p:cNvPr>
+          <p:cNvSpPr/>
+          <p:nvPr/>
+        </p:nvSpPr>
+        <p:spPr>
+          <a:xfrm>
+            <a:off x="5484304" y="1461922"/>
+            <a:ext cx="651354" cy="612606"/>
+          </a:xfrm>
+          <a:prstGeom prst="ellipse">
+            <a:avLst/>
+          </a:prstGeom>
+          <a:noFill/>
+          <a:ln w="9525" cap="flat" cmpd="sng" algn="ctr">
+            <a:solidFill>
+              <a:schemeClr val="dk1"/>
+            </a:solidFill>
+            <a:prstDash val="solid"/>
+            <a:round/>
+            <a:headEnd type="none" w="med" len="med"/>
+            <a:tailEnd type="none" w="med" len="med"/>
+          </a:ln>
+        </p:spPr>
+        <p:style>
+          <a:lnRef idx="0">
+            <a:scrgbClr r="0" g="0" b="0"/>
+          </a:lnRef>
+          <a:fillRef idx="0">
+            <a:scrgbClr r="0" g="0" b="0"/>
+          </a:fillRef>
+          <a:effectRef idx="0">
+            <a:scrgbClr r="0" g="0" b="0"/>
+          </a:effectRef>
+          <a:fontRef idx="minor">
+            <a:schemeClr val="dk1"/>
+          </a:fontRef>
+        </p:style>
+        <p:txBody>
+          <a:bodyPr rtlCol="0" anchor="ctr"/>
+          <a:lstStyle/>
+          <a:p>
+            <a:pPr algn="ctr"/>
+            <a:endParaRPr lang="en-GB"/>
+          </a:p>
+        </p:txBody>
+      </p:sp>
+      <p:cxnSp>
+        <p:nvCxnSpPr>
+          <p:cNvPr id="18" name="Straight Arrow Connector 17">
+            <a:extLst>
+              <a:ext uri="{FF2B5EF4-FFF2-40B4-BE49-F238E27FC236}">
+                <a16:creationId xmlns:a16="http://schemas.microsoft.com/office/drawing/2014/main" id="{777D382E-E9F1-4EA8-80B1-BB62315DF411}"/>
+              </a:ext>
+            </a:extLst>
+          </p:cNvPr>
+          <p:cNvCxnSpPr>
+            <a:stCxn id="16" idx="4"/>
+          </p:cNvCxnSpPr>
+          <p:nvPr/>
+        </p:nvCxnSpPr>
+        <p:spPr>
+          <a:xfrm>
+            <a:off x="5809981" y="2074528"/>
+            <a:ext cx="150843" cy="1354472"/>
+          </a:xfrm>
+          <a:prstGeom prst="straightConnector1">
+            <a:avLst/>
+          </a:prstGeom>
+          <a:ln>
+            <a:tailEnd type="triangle"/>
+          </a:ln>
+        </p:spPr>
+        <p:style>
+          <a:lnRef idx="2">
+            <a:schemeClr val="dk1"/>
+          </a:lnRef>
+          <a:fillRef idx="0">
+            <a:schemeClr val="dk1"/>
+          </a:fillRef>
+          <a:effectRef idx="1">
+            <a:schemeClr val="dk1"/>
+          </a:effectRef>
+          <a:fontRef idx="minor">
+            <a:schemeClr val="tx1"/>
+          </a:fontRef>
+        </p:style>
+      </p:cxnSp>
+    </p:spTree>
+    <p:extLst>
+      <p:ext uri="{BB962C8B-B14F-4D97-AF65-F5344CB8AC3E}">
+        <p14:creationId xmlns:p14="http://schemas.microsoft.com/office/powerpoint/2010/main" val="3164338086"/>
+      </p:ext>
+    </p:extLst>
+  </p:cSld>
+  <p:clrMapOvr>
+    <a:masterClrMapping/>
+  </p:clrMapOvr>
+</p:sld>
+</file>
+
 <file path=ppt/slides/slide3.xml><?xml version="1.0" encoding="utf-8"?>
 <p:sld xmlns:a="http://schemas.openxmlformats.org/drawingml/2006/main" xmlns:r="http://schemas.openxmlformats.org/officeDocument/2006/relationships" xmlns:p="http://schemas.openxmlformats.org/presentationml/2006/main">
   <p:cSld>

--- a/screenshots/imgs.pptx
+++ b/screenshots/imgs.pptx
@@ -25,6 +25,7 @@
     <p:sldId id="273" r:id="rId19"/>
     <p:sldId id="274" r:id="rId20"/>
     <p:sldId id="275" r:id="rId21"/>
+    <p:sldId id="276" r:id="rId22"/>
   </p:sldIdLst>
   <p:sldSz cx="12192000" cy="6858000"/>
   <p:notesSz cx="6858000" cy="9144000"/>
@@ -280,7 +281,7 @@
           <a:p>
             <a:fld id="{166DC043-4AEC-4A4E-AB79-0D54B7828DD9}" type="datetimeFigureOut">
               <a:rPr lang="en-GB" smtClean="0"/>
-              <a:t>27/05/2021</a:t>
+              <a:t>08/06/2021</a:t>
             </a:fld>
             <a:endParaRPr lang="en-GB"/>
           </a:p>
@@ -480,7 +481,7 @@
           <a:p>
             <a:fld id="{166DC043-4AEC-4A4E-AB79-0D54B7828DD9}" type="datetimeFigureOut">
               <a:rPr lang="en-GB" smtClean="0"/>
-              <a:t>27/05/2021</a:t>
+              <a:t>08/06/2021</a:t>
             </a:fld>
             <a:endParaRPr lang="en-GB"/>
           </a:p>
@@ -690,7 +691,7 @@
           <a:p>
             <a:fld id="{166DC043-4AEC-4A4E-AB79-0D54B7828DD9}" type="datetimeFigureOut">
               <a:rPr lang="en-GB" smtClean="0"/>
-              <a:t>27/05/2021</a:t>
+              <a:t>08/06/2021</a:t>
             </a:fld>
             <a:endParaRPr lang="en-GB"/>
           </a:p>
@@ -890,7 +891,7 @@
           <a:p>
             <a:fld id="{166DC043-4AEC-4A4E-AB79-0D54B7828DD9}" type="datetimeFigureOut">
               <a:rPr lang="en-GB" smtClean="0"/>
-              <a:t>27/05/2021</a:t>
+              <a:t>08/06/2021</a:t>
             </a:fld>
             <a:endParaRPr lang="en-GB"/>
           </a:p>
@@ -1166,7 +1167,7 @@
           <a:p>
             <a:fld id="{166DC043-4AEC-4A4E-AB79-0D54B7828DD9}" type="datetimeFigureOut">
               <a:rPr lang="en-GB" smtClean="0"/>
-              <a:t>27/05/2021</a:t>
+              <a:t>08/06/2021</a:t>
             </a:fld>
             <a:endParaRPr lang="en-GB"/>
           </a:p>
@@ -1434,7 +1435,7 @@
           <a:p>
             <a:fld id="{166DC043-4AEC-4A4E-AB79-0D54B7828DD9}" type="datetimeFigureOut">
               <a:rPr lang="en-GB" smtClean="0"/>
-              <a:t>27/05/2021</a:t>
+              <a:t>08/06/2021</a:t>
             </a:fld>
             <a:endParaRPr lang="en-GB"/>
           </a:p>
@@ -1849,7 +1850,7 @@
           <a:p>
             <a:fld id="{166DC043-4AEC-4A4E-AB79-0D54B7828DD9}" type="datetimeFigureOut">
               <a:rPr lang="en-GB" smtClean="0"/>
-              <a:t>27/05/2021</a:t>
+              <a:t>08/06/2021</a:t>
             </a:fld>
             <a:endParaRPr lang="en-GB"/>
           </a:p>
@@ -1991,7 +1992,7 @@
           <a:p>
             <a:fld id="{166DC043-4AEC-4A4E-AB79-0D54B7828DD9}" type="datetimeFigureOut">
               <a:rPr lang="en-GB" smtClean="0"/>
-              <a:t>27/05/2021</a:t>
+              <a:t>08/06/2021</a:t>
             </a:fld>
             <a:endParaRPr lang="en-GB"/>
           </a:p>
@@ -2104,7 +2105,7 @@
           <a:p>
             <a:fld id="{166DC043-4AEC-4A4E-AB79-0D54B7828DD9}" type="datetimeFigureOut">
               <a:rPr lang="en-GB" smtClean="0"/>
-              <a:t>27/05/2021</a:t>
+              <a:t>08/06/2021</a:t>
             </a:fld>
             <a:endParaRPr lang="en-GB"/>
           </a:p>
@@ -2417,7 +2418,7 @@
           <a:p>
             <a:fld id="{166DC043-4AEC-4A4E-AB79-0D54B7828DD9}" type="datetimeFigureOut">
               <a:rPr lang="en-GB" smtClean="0"/>
-              <a:t>27/05/2021</a:t>
+              <a:t>08/06/2021</a:t>
             </a:fld>
             <a:endParaRPr lang="en-GB"/>
           </a:p>
@@ -2706,7 +2707,7 @@
           <a:p>
             <a:fld id="{166DC043-4AEC-4A4E-AB79-0D54B7828DD9}" type="datetimeFigureOut">
               <a:rPr lang="en-GB" smtClean="0"/>
-              <a:t>27/05/2021</a:t>
+              <a:t>08/06/2021</a:t>
             </a:fld>
             <a:endParaRPr lang="en-GB"/>
           </a:p>
@@ -2949,7 +2950,7 @@
           <a:p>
             <a:fld id="{166DC043-4AEC-4A4E-AB79-0D54B7828DD9}" type="datetimeFigureOut">
               <a:rPr lang="en-GB" smtClean="0"/>
-              <a:t>27/05/2021</a:t>
+              <a:t>08/06/2021</a:t>
             </a:fld>
             <a:endParaRPr lang="en-GB"/>
           </a:p>
@@ -3042,6 +3043,54 @@
               <a:t>‹#›</a:t>
             </a:fld>
             <a:endParaRPr lang="en-GB"/>
+          </a:p>
+        </p:txBody>
+      </p:sp>
+      <p:sp>
+        <p:nvSpPr>
+          <p:cNvPr id="7" name="MSIPCMContentMarking" descr="{&quot;HashCode&quot;:-1678355703,&quot;Placement&quot;:&quot;Footer&quot;,&quot;Top&quot;:520.8117,&quot;Left&quot;:0.0,&quot;SlideWidth&quot;:960,&quot;SlideHeight&quot;:540}">
+            <a:extLst>
+              <a:ext uri="{FF2B5EF4-FFF2-40B4-BE49-F238E27FC236}">
+                <a16:creationId xmlns:a16="http://schemas.microsoft.com/office/drawing/2014/main" id="{40231C2C-C4F3-4317-9642-1CC38EF09048}"/>
+              </a:ext>
+            </a:extLst>
+          </p:cNvPr>
+          <p:cNvSpPr txBox="1"/>
+          <p:nvPr userDrawn="1"/>
+        </p:nvSpPr>
+        <p:spPr>
+          <a:xfrm>
+            <a:off x="0" y="6614309"/>
+            <a:ext cx="1141329" cy="243691"/>
+          </a:xfrm>
+          <a:prstGeom prst="rect">
+            <a:avLst/>
+          </a:prstGeom>
+          <a:noFill/>
+        </p:spPr>
+        <p:txBody>
+          <a:bodyPr vert="horz" wrap="square" lIns="0" tIns="0" rIns="0" bIns="0" rtlCol="0" anchor="ctr" anchorCtr="1">
+            <a:spAutoFit/>
+          </a:bodyPr>
+          <a:lstStyle/>
+          <a:p>
+            <a:pPr algn="l">
+              <a:spcBef>
+                <a:spcPts val="0"/>
+              </a:spcBef>
+              <a:spcAft>
+                <a:spcPts val="0"/>
+              </a:spcAft>
+            </a:pPr>
+            <a:r>
+              <a:rPr lang="en-GB" sz="900">
+                <a:solidFill>
+                  <a:srgbClr val="CF022B"/>
+                </a:solidFill>
+                <a:latin typeface="Tahoma" panose="020B0604030504040204" pitchFamily="34" charset="0"/>
+              </a:rPr>
+              <a:t>C2 - Uso Limitato </a:t>
+            </a:r>
           </a:p>
         </p:txBody>
       </p:sp>
@@ -10508,6 +10557,397 @@
 </p:sld>
 </file>
 
+<file path=ppt/slides/slide21.xml><?xml version="1.0" encoding="utf-8"?>
+<p:sld xmlns:a="http://schemas.openxmlformats.org/drawingml/2006/main" xmlns:r="http://schemas.openxmlformats.org/officeDocument/2006/relationships" xmlns:p="http://schemas.openxmlformats.org/presentationml/2006/main">
+  <p:cSld>
+    <p:spTree>
+      <p:nvGrpSpPr>
+        <p:cNvPr id="1" name=""/>
+        <p:cNvGrpSpPr/>
+        <p:nvPr/>
+      </p:nvGrpSpPr>
+      <p:grpSpPr>
+        <a:xfrm>
+          <a:off x="0" y="0"/>
+          <a:ext cx="0" cy="0"/>
+          <a:chOff x="0" y="0"/>
+          <a:chExt cx="0" cy="0"/>
+        </a:xfrm>
+      </p:grpSpPr>
+      <p:pic>
+        <p:nvPicPr>
+          <p:cNvPr id="5" name="Picture 4" descr="Graphical user interface&#10;&#10;Description automatically generated">
+            <a:extLst>
+              <a:ext uri="{FF2B5EF4-FFF2-40B4-BE49-F238E27FC236}">
+                <a16:creationId xmlns:a16="http://schemas.microsoft.com/office/drawing/2014/main" id="{57B20594-CD03-45DA-98FE-6848EC22CCC8}"/>
+              </a:ext>
+            </a:extLst>
+          </p:cNvPr>
+          <p:cNvPicPr>
+            <a:picLocks noChangeAspect="1"/>
+          </p:cNvPicPr>
+          <p:nvPr/>
+        </p:nvPicPr>
+        <p:blipFill rotWithShape="1">
+          <a:blip r:embed="rId2">
+            <a:extLst>
+              <a:ext uri="{28A0092B-C50C-407E-A947-70E740481C1C}">
+                <a14:useLocalDpi xmlns:a14="http://schemas.microsoft.com/office/drawing/2010/main" val="0"/>
+              </a:ext>
+            </a:extLst>
+          </a:blip>
+          <a:srcRect t="5619"/>
+          <a:stretch/>
+        </p:blipFill>
+        <p:spPr>
+          <a:xfrm>
+            <a:off x="3014232" y="989556"/>
+            <a:ext cx="6163535" cy="5187790"/>
+          </a:xfrm>
+          <a:prstGeom prst="rect">
+            <a:avLst/>
+          </a:prstGeom>
+        </p:spPr>
+      </p:pic>
+      <p:sp>
+        <p:nvSpPr>
+          <p:cNvPr id="6" name="Rectangle 5">
+            <a:extLst>
+              <a:ext uri="{FF2B5EF4-FFF2-40B4-BE49-F238E27FC236}">
+                <a16:creationId xmlns:a16="http://schemas.microsoft.com/office/drawing/2014/main" id="{D4768CC0-7478-4F15-BA3A-253B721B9D79}"/>
+              </a:ext>
+            </a:extLst>
+          </p:cNvPr>
+          <p:cNvSpPr/>
+          <p:nvPr/>
+        </p:nvSpPr>
+        <p:spPr>
+          <a:xfrm>
+            <a:off x="3014232" y="4546948"/>
+            <a:ext cx="6017034" cy="939452"/>
+          </a:xfrm>
+          <a:prstGeom prst="rect">
+            <a:avLst/>
+          </a:prstGeom>
+          <a:solidFill>
+            <a:schemeClr val="accent4">
+              <a:alpha val="34000"/>
+            </a:schemeClr>
+          </a:solidFill>
+          <a:ln>
+            <a:solidFill>
+              <a:schemeClr val="accent2">
+                <a:lumMod val="50000"/>
+              </a:schemeClr>
+            </a:solidFill>
+          </a:ln>
+        </p:spPr>
+        <p:style>
+          <a:lnRef idx="0">
+            <a:scrgbClr r="0" g="0" b="0"/>
+          </a:lnRef>
+          <a:fillRef idx="0">
+            <a:scrgbClr r="0" g="0" b="0"/>
+          </a:fillRef>
+          <a:effectRef idx="0">
+            <a:scrgbClr r="0" g="0" b="0"/>
+          </a:effectRef>
+          <a:fontRef idx="minor">
+            <a:schemeClr val="lt1"/>
+          </a:fontRef>
+        </p:style>
+        <p:txBody>
+          <a:bodyPr rtlCol="0" anchor="ctr"/>
+          <a:lstStyle/>
+          <a:p>
+            <a:pPr algn="ctr"/>
+            <a:endParaRPr lang="en-GB"/>
+          </a:p>
+        </p:txBody>
+      </p:sp>
+      <p:sp>
+        <p:nvSpPr>
+          <p:cNvPr id="7" name="Oval 6">
+            <a:extLst>
+              <a:ext uri="{FF2B5EF4-FFF2-40B4-BE49-F238E27FC236}">
+                <a16:creationId xmlns:a16="http://schemas.microsoft.com/office/drawing/2014/main" id="{C21EB5EF-BCA9-4DB8-9DCB-828638533182}"/>
+              </a:ext>
+            </a:extLst>
+          </p:cNvPr>
+          <p:cNvSpPr/>
+          <p:nvPr/>
+        </p:nvSpPr>
+        <p:spPr>
+          <a:xfrm>
+            <a:off x="3926909" y="840251"/>
+            <a:ext cx="889348" cy="469726"/>
+          </a:xfrm>
+          <a:prstGeom prst="ellipse">
+            <a:avLst/>
+          </a:prstGeom>
+          <a:solidFill>
+            <a:schemeClr val="accent5">
+              <a:alpha val="50000"/>
+            </a:schemeClr>
+          </a:solidFill>
+          <a:ln>
+            <a:solidFill>
+              <a:schemeClr val="accent1">
+                <a:lumMod val="50000"/>
+              </a:schemeClr>
+            </a:solidFill>
+          </a:ln>
+        </p:spPr>
+        <p:style>
+          <a:lnRef idx="0">
+            <a:scrgbClr r="0" g="0" b="0"/>
+          </a:lnRef>
+          <a:fillRef idx="0">
+            <a:scrgbClr r="0" g="0" b="0"/>
+          </a:fillRef>
+          <a:effectRef idx="0">
+            <a:scrgbClr r="0" g="0" b="0"/>
+          </a:effectRef>
+          <a:fontRef idx="minor">
+            <a:schemeClr val="lt1"/>
+          </a:fontRef>
+        </p:style>
+        <p:txBody>
+          <a:bodyPr rtlCol="0" anchor="ctr"/>
+          <a:lstStyle/>
+          <a:p>
+            <a:pPr algn="ctr"/>
+            <a:endParaRPr lang="en-GB"/>
+          </a:p>
+        </p:txBody>
+      </p:sp>
+      <p:cxnSp>
+        <p:nvCxnSpPr>
+          <p:cNvPr id="15" name="Straight Arrow Connector 14">
+            <a:extLst>
+              <a:ext uri="{FF2B5EF4-FFF2-40B4-BE49-F238E27FC236}">
+                <a16:creationId xmlns:a16="http://schemas.microsoft.com/office/drawing/2014/main" id="{B898B01B-0A13-4D8C-B796-A8449C6E13F5}"/>
+              </a:ext>
+            </a:extLst>
+          </p:cNvPr>
+          <p:cNvCxnSpPr>
+            <a:stCxn id="7" idx="4"/>
+            <a:endCxn id="6" idx="0"/>
+          </p:cNvCxnSpPr>
+          <p:nvPr/>
+        </p:nvCxnSpPr>
+        <p:spPr>
+          <a:xfrm>
+            <a:off x="4371583" y="1309977"/>
+            <a:ext cx="1651166" cy="3236971"/>
+          </a:xfrm>
+          <a:prstGeom prst="straightConnector1">
+            <a:avLst/>
+          </a:prstGeom>
+          <a:ln>
+            <a:tailEnd type="triangle"/>
+          </a:ln>
+        </p:spPr>
+        <p:style>
+          <a:lnRef idx="1">
+            <a:schemeClr val="dk1"/>
+          </a:lnRef>
+          <a:fillRef idx="0">
+            <a:schemeClr val="dk1"/>
+          </a:fillRef>
+          <a:effectRef idx="0">
+            <a:schemeClr val="dk1"/>
+          </a:effectRef>
+          <a:fontRef idx="minor">
+            <a:schemeClr val="tx1"/>
+          </a:fontRef>
+        </p:style>
+      </p:cxnSp>
+      <p:sp>
+        <p:nvSpPr>
+          <p:cNvPr id="18" name="Rectangle 17">
+            <a:extLst>
+              <a:ext uri="{FF2B5EF4-FFF2-40B4-BE49-F238E27FC236}">
+                <a16:creationId xmlns:a16="http://schemas.microsoft.com/office/drawing/2014/main" id="{A8A3A811-8F6B-4B1B-8C5F-14EB3E7CB1B7}"/>
+              </a:ext>
+            </a:extLst>
+          </p:cNvPr>
+          <p:cNvSpPr/>
+          <p:nvPr/>
+        </p:nvSpPr>
+        <p:spPr>
+          <a:xfrm>
+            <a:off x="3206663" y="5123144"/>
+            <a:ext cx="4334005" cy="200417"/>
+          </a:xfrm>
+          <a:prstGeom prst="rect">
+            <a:avLst/>
+          </a:prstGeom>
+          <a:solidFill>
+            <a:schemeClr val="accent4">
+              <a:alpha val="25000"/>
+            </a:schemeClr>
+          </a:solidFill>
+          <a:ln>
+            <a:solidFill>
+              <a:schemeClr val="accent4">
+                <a:lumMod val="50000"/>
+              </a:schemeClr>
+            </a:solidFill>
+          </a:ln>
+        </p:spPr>
+        <p:style>
+          <a:lnRef idx="0">
+            <a:scrgbClr r="0" g="0" b="0"/>
+          </a:lnRef>
+          <a:fillRef idx="0">
+            <a:scrgbClr r="0" g="0" b="0"/>
+          </a:fillRef>
+          <a:effectRef idx="0">
+            <a:scrgbClr r="0" g="0" b="0"/>
+          </a:effectRef>
+          <a:fontRef idx="minor">
+            <a:schemeClr val="lt1"/>
+          </a:fontRef>
+        </p:style>
+        <p:txBody>
+          <a:bodyPr rtlCol="0" anchor="ctr"/>
+          <a:lstStyle/>
+          <a:p>
+            <a:pPr algn="ctr"/>
+            <a:endParaRPr lang="en-GB"/>
+          </a:p>
+        </p:txBody>
+      </p:sp>
+      <p:cxnSp>
+        <p:nvCxnSpPr>
+          <p:cNvPr id="20" name="Connector: Curved 19">
+            <a:extLst>
+              <a:ext uri="{FF2B5EF4-FFF2-40B4-BE49-F238E27FC236}">
+                <a16:creationId xmlns:a16="http://schemas.microsoft.com/office/drawing/2014/main" id="{6ADEEAC8-FBDD-4092-988B-DB26275F5E69}"/>
+              </a:ext>
+            </a:extLst>
+          </p:cNvPr>
+          <p:cNvCxnSpPr>
+            <a:stCxn id="6" idx="3"/>
+            <a:endCxn id="18" idx="3"/>
+          </p:cNvCxnSpPr>
+          <p:nvPr/>
+        </p:nvCxnSpPr>
+        <p:spPr>
+          <a:xfrm flipH="1">
+            <a:off x="7540668" y="5016674"/>
+            <a:ext cx="1490598" cy="206679"/>
+          </a:xfrm>
+          <a:prstGeom prst="curvedConnector3">
+            <a:avLst>
+              <a:gd name="adj1" fmla="val -15336"/>
+            </a:avLst>
+          </a:prstGeom>
+          <a:ln>
+            <a:tailEnd type="triangle"/>
+          </a:ln>
+        </p:spPr>
+        <p:style>
+          <a:lnRef idx="1">
+            <a:schemeClr val="dk1"/>
+          </a:lnRef>
+          <a:fillRef idx="0">
+            <a:schemeClr val="dk1"/>
+          </a:fillRef>
+          <a:effectRef idx="0">
+            <a:schemeClr val="dk1"/>
+          </a:effectRef>
+          <a:fontRef idx="minor">
+            <a:schemeClr val="tx1"/>
+          </a:fontRef>
+        </p:style>
+      </p:cxnSp>
+      <p:cxnSp>
+        <p:nvCxnSpPr>
+          <p:cNvPr id="22" name="Straight Connector 21">
+            <a:extLst>
+              <a:ext uri="{FF2B5EF4-FFF2-40B4-BE49-F238E27FC236}">
+                <a16:creationId xmlns:a16="http://schemas.microsoft.com/office/drawing/2014/main" id="{299C1546-AD9E-425B-BAA0-A09ABF47EF0B}"/>
+              </a:ext>
+            </a:extLst>
+          </p:cNvPr>
+          <p:cNvCxnSpPr/>
+          <p:nvPr/>
+        </p:nvCxnSpPr>
+        <p:spPr>
+          <a:xfrm>
+            <a:off x="9136378" y="5160722"/>
+            <a:ext cx="413359" cy="263047"/>
+          </a:xfrm>
+          <a:prstGeom prst="line">
+            <a:avLst/>
+          </a:prstGeom>
+        </p:spPr>
+        <p:style>
+          <a:lnRef idx="1">
+            <a:schemeClr val="dk1"/>
+          </a:lnRef>
+          <a:fillRef idx="0">
+            <a:schemeClr val="dk1"/>
+          </a:fillRef>
+          <a:effectRef idx="0">
+            <a:schemeClr val="dk1"/>
+          </a:effectRef>
+          <a:fontRef idx="minor">
+            <a:schemeClr val="tx1"/>
+          </a:fontRef>
+        </p:style>
+      </p:cxnSp>
+      <p:sp>
+        <p:nvSpPr>
+          <p:cNvPr id="23" name="TextBox 22">
+            <a:extLst>
+              <a:ext uri="{FF2B5EF4-FFF2-40B4-BE49-F238E27FC236}">
+                <a16:creationId xmlns:a16="http://schemas.microsoft.com/office/drawing/2014/main" id="{C3CAAD8D-8FC5-4CC3-9837-903BB3F2FA2F}"/>
+              </a:ext>
+            </a:extLst>
+          </p:cNvPr>
+          <p:cNvSpPr txBox="1"/>
+          <p:nvPr/>
+        </p:nvSpPr>
+        <p:spPr>
+          <a:xfrm>
+            <a:off x="9549737" y="5292245"/>
+            <a:ext cx="825867" cy="369332"/>
+          </a:xfrm>
+          <a:prstGeom prst="rect">
+            <a:avLst/>
+          </a:prstGeom>
+          <a:noFill/>
+        </p:spPr>
+        <p:txBody>
+          <a:bodyPr wrap="none" rtlCol="0">
+            <a:spAutoFit/>
+          </a:bodyPr>
+          <a:lstStyle/>
+          <a:p>
+            <a:r>
+              <a:rPr lang="it-IT" dirty="0"/>
+              <a:t>output</a:t>
+            </a:r>
+            <a:endParaRPr lang="en-GB" dirty="0"/>
+          </a:p>
+        </p:txBody>
+      </p:sp>
+    </p:spTree>
+    <p:extLst>
+      <p:ext uri="{BB962C8B-B14F-4D97-AF65-F5344CB8AC3E}">
+        <p14:creationId xmlns:p14="http://schemas.microsoft.com/office/powerpoint/2010/main" val="2823005091"/>
+      </p:ext>
+    </p:extLst>
+  </p:cSld>
+  <p:clrMapOvr>
+    <a:masterClrMapping/>
+  </p:clrMapOvr>
+</p:sld>
+</file>
+
 <file path=ppt/slides/slide3.xml><?xml version="1.0" encoding="utf-8"?>
 <p:sld xmlns:a="http://schemas.openxmlformats.org/drawingml/2006/main" xmlns:r="http://schemas.openxmlformats.org/officeDocument/2006/relationships" xmlns:p="http://schemas.openxmlformats.org/presentationml/2006/main">
   <p:cSld>

--- a/screenshots/imgs.pptx
+++ b/screenshots/imgs.pptx
@@ -26,6 +26,7 @@
     <p:sldId id="274" r:id="rId20"/>
     <p:sldId id="275" r:id="rId21"/>
     <p:sldId id="276" r:id="rId22"/>
+    <p:sldId id="277" r:id="rId23"/>
   </p:sldIdLst>
   <p:sldSz cx="12192000" cy="6858000"/>
   <p:notesSz cx="6858000" cy="9144000"/>
@@ -10948,6 +10949,323 @@
 </p:sld>
 </file>
 
+<file path=ppt/slides/slide22.xml><?xml version="1.0" encoding="utf-8"?>
+<p:sld xmlns:a="http://schemas.openxmlformats.org/drawingml/2006/main" xmlns:r="http://schemas.openxmlformats.org/officeDocument/2006/relationships" xmlns:p="http://schemas.openxmlformats.org/presentationml/2006/main">
+  <p:cSld>
+    <p:spTree>
+      <p:nvGrpSpPr>
+        <p:cNvPr id="1" name=""/>
+        <p:cNvGrpSpPr/>
+        <p:nvPr/>
+      </p:nvGrpSpPr>
+      <p:grpSpPr>
+        <a:xfrm>
+          <a:off x="0" y="0"/>
+          <a:ext cx="0" cy="0"/>
+          <a:chOff x="0" y="0"/>
+          <a:chExt cx="0" cy="0"/>
+        </a:xfrm>
+      </p:grpSpPr>
+      <p:pic>
+        <p:nvPicPr>
+          <p:cNvPr id="5" name="Picture 4" descr="Graphical user interface, text, application, email&#10;&#10;Description automatically generated">
+            <a:extLst>
+              <a:ext uri="{FF2B5EF4-FFF2-40B4-BE49-F238E27FC236}">
+                <a16:creationId xmlns:a16="http://schemas.microsoft.com/office/drawing/2014/main" id="{8F777C89-B6AA-4EC8-BD22-DA71C8581505}"/>
+              </a:ext>
+            </a:extLst>
+          </p:cNvPr>
+          <p:cNvPicPr>
+            <a:picLocks noChangeAspect="1"/>
+          </p:cNvPicPr>
+          <p:nvPr/>
+        </p:nvPicPr>
+        <p:blipFill>
+          <a:blip r:embed="rId2">
+            <a:extLst>
+              <a:ext uri="{28A0092B-C50C-407E-A947-70E740481C1C}">
+                <a14:useLocalDpi xmlns:a14="http://schemas.microsoft.com/office/drawing/2010/main" val="0"/>
+              </a:ext>
+            </a:extLst>
+          </a:blip>
+          <a:stretch>
+            <a:fillRect/>
+          </a:stretch>
+        </p:blipFill>
+        <p:spPr>
+          <a:xfrm>
+            <a:off x="1523362" y="885470"/>
+            <a:ext cx="9145276" cy="5087060"/>
+          </a:xfrm>
+          <a:prstGeom prst="rect">
+            <a:avLst/>
+          </a:prstGeom>
+        </p:spPr>
+      </p:pic>
+      <p:sp>
+        <p:nvSpPr>
+          <p:cNvPr id="6" name="Oval 5">
+            <a:extLst>
+              <a:ext uri="{FF2B5EF4-FFF2-40B4-BE49-F238E27FC236}">
+                <a16:creationId xmlns:a16="http://schemas.microsoft.com/office/drawing/2014/main" id="{40E1007D-44AF-489B-BD06-E2C05318D7E1}"/>
+              </a:ext>
+            </a:extLst>
+          </p:cNvPr>
+          <p:cNvSpPr/>
+          <p:nvPr/>
+        </p:nvSpPr>
+        <p:spPr>
+          <a:xfrm>
+            <a:off x="2367419" y="691316"/>
+            <a:ext cx="939452" cy="536235"/>
+          </a:xfrm>
+          <a:prstGeom prst="ellipse">
+            <a:avLst/>
+          </a:prstGeom>
+          <a:solidFill>
+            <a:schemeClr val="accent1">
+              <a:alpha val="50000"/>
+            </a:schemeClr>
+          </a:solidFill>
+          <a:ln>
+            <a:solidFill>
+              <a:schemeClr val="accent1">
+                <a:lumMod val="50000"/>
+              </a:schemeClr>
+            </a:solidFill>
+          </a:ln>
+        </p:spPr>
+        <p:style>
+          <a:lnRef idx="0">
+            <a:scrgbClr r="0" g="0" b="0"/>
+          </a:lnRef>
+          <a:fillRef idx="0">
+            <a:scrgbClr r="0" g="0" b="0"/>
+          </a:fillRef>
+          <a:effectRef idx="0">
+            <a:scrgbClr r="0" g="0" b="0"/>
+          </a:effectRef>
+          <a:fontRef idx="minor">
+            <a:schemeClr val="lt1"/>
+          </a:fontRef>
+        </p:style>
+        <p:txBody>
+          <a:bodyPr rtlCol="0" anchor="ctr"/>
+          <a:lstStyle/>
+          <a:p>
+            <a:pPr algn="ctr"/>
+            <a:endParaRPr lang="en-GB"/>
+          </a:p>
+        </p:txBody>
+      </p:sp>
+      <p:sp>
+        <p:nvSpPr>
+          <p:cNvPr id="7" name="Rectangle 6">
+            <a:extLst>
+              <a:ext uri="{FF2B5EF4-FFF2-40B4-BE49-F238E27FC236}">
+                <a16:creationId xmlns:a16="http://schemas.microsoft.com/office/drawing/2014/main" id="{93A51664-D512-4B86-85B9-DCE5F2ADECB3}"/>
+              </a:ext>
+            </a:extLst>
+          </p:cNvPr>
+          <p:cNvSpPr/>
+          <p:nvPr/>
+        </p:nvSpPr>
+        <p:spPr>
+          <a:xfrm>
+            <a:off x="1523362" y="2630466"/>
+            <a:ext cx="9145276" cy="2530257"/>
+          </a:xfrm>
+          <a:prstGeom prst="rect">
+            <a:avLst/>
+          </a:prstGeom>
+          <a:solidFill>
+            <a:schemeClr val="accent2">
+              <a:alpha val="30000"/>
+            </a:schemeClr>
+          </a:solidFill>
+          <a:ln>
+            <a:solidFill>
+              <a:srgbClr val="FF0000"/>
+            </a:solidFill>
+          </a:ln>
+        </p:spPr>
+        <p:style>
+          <a:lnRef idx="0">
+            <a:scrgbClr r="0" g="0" b="0"/>
+          </a:lnRef>
+          <a:fillRef idx="0">
+            <a:scrgbClr r="0" g="0" b="0"/>
+          </a:fillRef>
+          <a:effectRef idx="0">
+            <a:scrgbClr r="0" g="0" b="0"/>
+          </a:effectRef>
+          <a:fontRef idx="minor">
+            <a:schemeClr val="lt1"/>
+          </a:fontRef>
+        </p:style>
+        <p:txBody>
+          <a:bodyPr rtlCol="0" anchor="ctr"/>
+          <a:lstStyle/>
+          <a:p>
+            <a:pPr algn="ctr"/>
+            <a:endParaRPr lang="en-GB"/>
+          </a:p>
+        </p:txBody>
+      </p:sp>
+      <p:sp>
+        <p:nvSpPr>
+          <p:cNvPr id="8" name="Rectangle 7">
+            <a:extLst>
+              <a:ext uri="{FF2B5EF4-FFF2-40B4-BE49-F238E27FC236}">
+                <a16:creationId xmlns:a16="http://schemas.microsoft.com/office/drawing/2014/main" id="{1E3B5028-F0FB-4859-A4CD-9452661E144B}"/>
+              </a:ext>
+            </a:extLst>
+          </p:cNvPr>
+          <p:cNvSpPr/>
+          <p:nvPr/>
+        </p:nvSpPr>
+        <p:spPr>
+          <a:xfrm>
+            <a:off x="1778696" y="4634630"/>
+            <a:ext cx="7227518" cy="187891"/>
+          </a:xfrm>
+          <a:prstGeom prst="rect">
+            <a:avLst/>
+          </a:prstGeom>
+          <a:solidFill>
+            <a:schemeClr val="accent4">
+              <a:alpha val="20000"/>
+            </a:schemeClr>
+          </a:solidFill>
+          <a:ln>
+            <a:solidFill>
+              <a:schemeClr val="accent4">
+                <a:lumMod val="50000"/>
+              </a:schemeClr>
+            </a:solidFill>
+          </a:ln>
+        </p:spPr>
+        <p:style>
+          <a:lnRef idx="0">
+            <a:scrgbClr r="0" g="0" b="0"/>
+          </a:lnRef>
+          <a:fillRef idx="0">
+            <a:scrgbClr r="0" g="0" b="0"/>
+          </a:fillRef>
+          <a:effectRef idx="0">
+            <a:scrgbClr r="0" g="0" b="0"/>
+          </a:effectRef>
+          <a:fontRef idx="minor">
+            <a:schemeClr val="lt1"/>
+          </a:fontRef>
+        </p:style>
+        <p:txBody>
+          <a:bodyPr rtlCol="0" anchor="ctr"/>
+          <a:lstStyle/>
+          <a:p>
+            <a:pPr algn="ctr"/>
+            <a:endParaRPr lang="en-GB"/>
+          </a:p>
+        </p:txBody>
+      </p:sp>
+      <p:cxnSp>
+        <p:nvCxnSpPr>
+          <p:cNvPr id="10" name="Straight Arrow Connector 9">
+            <a:extLst>
+              <a:ext uri="{FF2B5EF4-FFF2-40B4-BE49-F238E27FC236}">
+                <a16:creationId xmlns:a16="http://schemas.microsoft.com/office/drawing/2014/main" id="{8121B332-76E3-4CE6-AC7B-58B950E71B06}"/>
+              </a:ext>
+            </a:extLst>
+          </p:cNvPr>
+          <p:cNvCxnSpPr>
+            <a:stCxn id="6" idx="4"/>
+          </p:cNvCxnSpPr>
+          <p:nvPr/>
+        </p:nvCxnSpPr>
+        <p:spPr>
+          <a:xfrm>
+            <a:off x="2837145" y="1227551"/>
+            <a:ext cx="3258855" cy="1402915"/>
+          </a:xfrm>
+          <a:prstGeom prst="straightConnector1">
+            <a:avLst/>
+          </a:prstGeom>
+          <a:ln>
+            <a:tailEnd type="triangle"/>
+          </a:ln>
+        </p:spPr>
+        <p:style>
+          <a:lnRef idx="1">
+            <a:schemeClr val="dk1"/>
+          </a:lnRef>
+          <a:fillRef idx="0">
+            <a:schemeClr val="dk1"/>
+          </a:fillRef>
+          <a:effectRef idx="0">
+            <a:schemeClr val="dk1"/>
+          </a:effectRef>
+          <a:fontRef idx="minor">
+            <a:schemeClr val="tx1"/>
+          </a:fontRef>
+        </p:style>
+      </p:cxnSp>
+      <p:cxnSp>
+        <p:nvCxnSpPr>
+          <p:cNvPr id="12" name="Connector: Curved 11">
+            <a:extLst>
+              <a:ext uri="{FF2B5EF4-FFF2-40B4-BE49-F238E27FC236}">
+                <a16:creationId xmlns:a16="http://schemas.microsoft.com/office/drawing/2014/main" id="{6FF54C88-4477-4BCC-B11B-6598B3DE8E3F}"/>
+              </a:ext>
+            </a:extLst>
+          </p:cNvPr>
+          <p:cNvCxnSpPr>
+            <a:stCxn id="7" idx="3"/>
+            <a:endCxn id="8" idx="3"/>
+          </p:cNvCxnSpPr>
+          <p:nvPr/>
+        </p:nvCxnSpPr>
+        <p:spPr>
+          <a:xfrm flipH="1">
+            <a:off x="9006214" y="3895595"/>
+            <a:ext cx="1662424" cy="832981"/>
+          </a:xfrm>
+          <a:prstGeom prst="curvedConnector3">
+            <a:avLst>
+              <a:gd name="adj1" fmla="val -8477"/>
+            </a:avLst>
+          </a:prstGeom>
+          <a:ln>
+            <a:tailEnd type="triangle"/>
+          </a:ln>
+        </p:spPr>
+        <p:style>
+          <a:lnRef idx="1">
+            <a:schemeClr val="dk1"/>
+          </a:lnRef>
+          <a:fillRef idx="0">
+            <a:schemeClr val="dk1"/>
+          </a:fillRef>
+          <a:effectRef idx="0">
+            <a:schemeClr val="dk1"/>
+          </a:effectRef>
+          <a:fontRef idx="minor">
+            <a:schemeClr val="tx1"/>
+          </a:fontRef>
+        </p:style>
+      </p:cxnSp>
+    </p:spTree>
+    <p:extLst>
+      <p:ext uri="{BB962C8B-B14F-4D97-AF65-F5344CB8AC3E}">
+        <p14:creationId xmlns:p14="http://schemas.microsoft.com/office/powerpoint/2010/main" val="816876859"/>
+      </p:ext>
+    </p:extLst>
+  </p:cSld>
+  <p:clrMapOvr>
+    <a:masterClrMapping/>
+  </p:clrMapOvr>
+</p:sld>
+</file>
+
 <file path=ppt/slides/slide3.xml><?xml version="1.0" encoding="utf-8"?>
 <p:sld xmlns:a="http://schemas.openxmlformats.org/drawingml/2006/main" xmlns:r="http://schemas.openxmlformats.org/officeDocument/2006/relationships" xmlns:p="http://schemas.openxmlformats.org/presentationml/2006/main">
   <p:cSld>

--- a/screenshots/imgs.pptx
+++ b/screenshots/imgs.pptx
@@ -27,6 +27,7 @@
     <p:sldId id="275" r:id="rId21"/>
     <p:sldId id="276" r:id="rId22"/>
     <p:sldId id="277" r:id="rId23"/>
+    <p:sldId id="278" r:id="rId24"/>
   </p:sldIdLst>
   <p:sldSz cx="12192000" cy="6858000"/>
   <p:notesSz cx="6858000" cy="9144000"/>
@@ -282,7 +283,7 @@
           <a:p>
             <a:fld id="{166DC043-4AEC-4A4E-AB79-0D54B7828DD9}" type="datetimeFigureOut">
               <a:rPr lang="en-GB" smtClean="0"/>
-              <a:t>08/06/2021</a:t>
+              <a:t>10/06/2021</a:t>
             </a:fld>
             <a:endParaRPr lang="en-GB"/>
           </a:p>
@@ -482,7 +483,7 @@
           <a:p>
             <a:fld id="{166DC043-4AEC-4A4E-AB79-0D54B7828DD9}" type="datetimeFigureOut">
               <a:rPr lang="en-GB" smtClean="0"/>
-              <a:t>08/06/2021</a:t>
+              <a:t>10/06/2021</a:t>
             </a:fld>
             <a:endParaRPr lang="en-GB"/>
           </a:p>
@@ -692,7 +693,7 @@
           <a:p>
             <a:fld id="{166DC043-4AEC-4A4E-AB79-0D54B7828DD9}" type="datetimeFigureOut">
               <a:rPr lang="en-GB" smtClean="0"/>
-              <a:t>08/06/2021</a:t>
+              <a:t>10/06/2021</a:t>
             </a:fld>
             <a:endParaRPr lang="en-GB"/>
           </a:p>
@@ -892,7 +893,7 @@
           <a:p>
             <a:fld id="{166DC043-4AEC-4A4E-AB79-0D54B7828DD9}" type="datetimeFigureOut">
               <a:rPr lang="en-GB" smtClean="0"/>
-              <a:t>08/06/2021</a:t>
+              <a:t>10/06/2021</a:t>
             </a:fld>
             <a:endParaRPr lang="en-GB"/>
           </a:p>
@@ -1168,7 +1169,7 @@
           <a:p>
             <a:fld id="{166DC043-4AEC-4A4E-AB79-0D54B7828DD9}" type="datetimeFigureOut">
               <a:rPr lang="en-GB" smtClean="0"/>
-              <a:t>08/06/2021</a:t>
+              <a:t>10/06/2021</a:t>
             </a:fld>
             <a:endParaRPr lang="en-GB"/>
           </a:p>
@@ -1436,7 +1437,7 @@
           <a:p>
             <a:fld id="{166DC043-4AEC-4A4E-AB79-0D54B7828DD9}" type="datetimeFigureOut">
               <a:rPr lang="en-GB" smtClean="0"/>
-              <a:t>08/06/2021</a:t>
+              <a:t>10/06/2021</a:t>
             </a:fld>
             <a:endParaRPr lang="en-GB"/>
           </a:p>
@@ -1851,7 +1852,7 @@
           <a:p>
             <a:fld id="{166DC043-4AEC-4A4E-AB79-0D54B7828DD9}" type="datetimeFigureOut">
               <a:rPr lang="en-GB" smtClean="0"/>
-              <a:t>08/06/2021</a:t>
+              <a:t>10/06/2021</a:t>
             </a:fld>
             <a:endParaRPr lang="en-GB"/>
           </a:p>
@@ -1993,7 +1994,7 @@
           <a:p>
             <a:fld id="{166DC043-4AEC-4A4E-AB79-0D54B7828DD9}" type="datetimeFigureOut">
               <a:rPr lang="en-GB" smtClean="0"/>
-              <a:t>08/06/2021</a:t>
+              <a:t>10/06/2021</a:t>
             </a:fld>
             <a:endParaRPr lang="en-GB"/>
           </a:p>
@@ -2106,7 +2107,7 @@
           <a:p>
             <a:fld id="{166DC043-4AEC-4A4E-AB79-0D54B7828DD9}" type="datetimeFigureOut">
               <a:rPr lang="en-GB" smtClean="0"/>
-              <a:t>08/06/2021</a:t>
+              <a:t>10/06/2021</a:t>
             </a:fld>
             <a:endParaRPr lang="en-GB"/>
           </a:p>
@@ -2419,7 +2420,7 @@
           <a:p>
             <a:fld id="{166DC043-4AEC-4A4E-AB79-0D54B7828DD9}" type="datetimeFigureOut">
               <a:rPr lang="en-GB" smtClean="0"/>
-              <a:t>08/06/2021</a:t>
+              <a:t>10/06/2021</a:t>
             </a:fld>
             <a:endParaRPr lang="en-GB"/>
           </a:p>
@@ -2708,7 +2709,7 @@
           <a:p>
             <a:fld id="{166DC043-4AEC-4A4E-AB79-0D54B7828DD9}" type="datetimeFigureOut">
               <a:rPr lang="en-GB" smtClean="0"/>
-              <a:t>08/06/2021</a:t>
+              <a:t>10/06/2021</a:t>
             </a:fld>
             <a:endParaRPr lang="en-GB"/>
           </a:p>
@@ -2951,7 +2952,7 @@
           <a:p>
             <a:fld id="{166DC043-4AEC-4A4E-AB79-0D54B7828DD9}" type="datetimeFigureOut">
               <a:rPr lang="en-GB" smtClean="0"/>
-              <a:t>08/06/2021</a:t>
+              <a:t>10/06/2021</a:t>
             </a:fld>
             <a:endParaRPr lang="en-GB"/>
           </a:p>
@@ -11266,6 +11267,324 @@
 </p:sld>
 </file>
 
+<file path=ppt/slides/slide23.xml><?xml version="1.0" encoding="utf-8"?>
+<p:sld xmlns:a="http://schemas.openxmlformats.org/drawingml/2006/main" xmlns:r="http://schemas.openxmlformats.org/officeDocument/2006/relationships" xmlns:p="http://schemas.openxmlformats.org/presentationml/2006/main">
+  <p:cSld>
+    <p:spTree>
+      <p:nvGrpSpPr>
+        <p:cNvPr id="1" name=""/>
+        <p:cNvGrpSpPr/>
+        <p:nvPr/>
+      </p:nvGrpSpPr>
+      <p:grpSpPr>
+        <a:xfrm>
+          <a:off x="0" y="0"/>
+          <a:ext cx="0" cy="0"/>
+          <a:chOff x="0" y="0"/>
+          <a:chExt cx="0" cy="0"/>
+        </a:xfrm>
+      </p:grpSpPr>
+      <p:pic>
+        <p:nvPicPr>
+          <p:cNvPr id="5" name="Picture 4" descr="Graphical user interface, text&#10;&#10;Description automatically generated">
+            <a:extLst>
+              <a:ext uri="{FF2B5EF4-FFF2-40B4-BE49-F238E27FC236}">
+                <a16:creationId xmlns:a16="http://schemas.microsoft.com/office/drawing/2014/main" id="{2FAC6E8A-61FC-4DAE-B764-EFF34CEBF5B8}"/>
+              </a:ext>
+            </a:extLst>
+          </p:cNvPr>
+          <p:cNvPicPr>
+            <a:picLocks noChangeAspect="1"/>
+          </p:cNvPicPr>
+          <p:nvPr/>
+        </p:nvPicPr>
+        <p:blipFill>
+          <a:blip r:embed="rId2">
+            <a:extLst>
+              <a:ext uri="{28A0092B-C50C-407E-A947-70E740481C1C}">
+                <a14:useLocalDpi xmlns:a14="http://schemas.microsoft.com/office/drawing/2010/main" val="0"/>
+              </a:ext>
+            </a:extLst>
+          </a:blip>
+          <a:stretch>
+            <a:fillRect/>
+          </a:stretch>
+        </p:blipFill>
+        <p:spPr>
+          <a:xfrm>
+            <a:off x="1977584" y="1903957"/>
+            <a:ext cx="7506403" cy="2830882"/>
+          </a:xfrm>
+          <a:prstGeom prst="rect">
+            <a:avLst/>
+          </a:prstGeom>
+        </p:spPr>
+      </p:pic>
+      <p:sp>
+        <p:nvSpPr>
+          <p:cNvPr id="6" name="Right Brace 5">
+            <a:extLst>
+              <a:ext uri="{FF2B5EF4-FFF2-40B4-BE49-F238E27FC236}">
+                <a16:creationId xmlns:a16="http://schemas.microsoft.com/office/drawing/2014/main" id="{BC0E8D39-D6D3-4ED7-8369-B9FFF93C93E0}"/>
+              </a:ext>
+            </a:extLst>
+          </p:cNvPr>
+          <p:cNvSpPr/>
+          <p:nvPr/>
+        </p:nvSpPr>
+        <p:spPr>
+          <a:xfrm>
+            <a:off x="5974708" y="2179529"/>
+            <a:ext cx="334026" cy="501041"/>
+          </a:xfrm>
+          <a:prstGeom prst="rightBrace">
+            <a:avLst/>
+          </a:prstGeom>
+        </p:spPr>
+        <p:style>
+          <a:lnRef idx="1">
+            <a:schemeClr val="dk1"/>
+          </a:lnRef>
+          <a:fillRef idx="0">
+            <a:schemeClr val="dk1"/>
+          </a:fillRef>
+          <a:effectRef idx="0">
+            <a:schemeClr val="dk1"/>
+          </a:effectRef>
+          <a:fontRef idx="minor">
+            <a:schemeClr val="tx1"/>
+          </a:fontRef>
+        </p:style>
+        <p:txBody>
+          <a:bodyPr rtlCol="0" anchor="ctr"/>
+          <a:lstStyle/>
+          <a:p>
+            <a:pPr algn="ctr"/>
+            <a:endParaRPr lang="en-GB"/>
+          </a:p>
+        </p:txBody>
+      </p:sp>
+      <p:sp>
+        <p:nvSpPr>
+          <p:cNvPr id="7" name="TextBox 6">
+            <a:extLst>
+              <a:ext uri="{FF2B5EF4-FFF2-40B4-BE49-F238E27FC236}">
+                <a16:creationId xmlns:a16="http://schemas.microsoft.com/office/drawing/2014/main" id="{3D068FC0-B4DE-4FC4-BC8A-A64C4DD3A818}"/>
+              </a:ext>
+            </a:extLst>
+          </p:cNvPr>
+          <p:cNvSpPr txBox="1"/>
+          <p:nvPr/>
+        </p:nvSpPr>
+        <p:spPr>
+          <a:xfrm>
+            <a:off x="6450904" y="2245383"/>
+            <a:ext cx="1979112" cy="369332"/>
+          </a:xfrm>
+          <a:prstGeom prst="rect">
+            <a:avLst/>
+          </a:prstGeom>
+          <a:noFill/>
+        </p:spPr>
+        <p:txBody>
+          <a:bodyPr wrap="square" rtlCol="0">
+            <a:spAutoFit/>
+          </a:bodyPr>
+          <a:lstStyle/>
+          <a:p>
+            <a:r>
+              <a:rPr lang="it-IT" dirty="0"/>
+              <a:t>Macro </a:t>
+            </a:r>
+            <a:r>
+              <a:rPr lang="it-IT" dirty="0" err="1"/>
+              <a:t>initialisation</a:t>
+            </a:r>
+            <a:endParaRPr lang="en-GB" dirty="0"/>
+          </a:p>
+        </p:txBody>
+      </p:sp>
+      <p:sp>
+        <p:nvSpPr>
+          <p:cNvPr id="8" name="Right Brace 7">
+            <a:extLst>
+              <a:ext uri="{FF2B5EF4-FFF2-40B4-BE49-F238E27FC236}">
+                <a16:creationId xmlns:a16="http://schemas.microsoft.com/office/drawing/2014/main" id="{B465126F-051D-4448-A433-C7F3CDE5990B}"/>
+              </a:ext>
+            </a:extLst>
+          </p:cNvPr>
+          <p:cNvSpPr/>
+          <p:nvPr/>
+        </p:nvSpPr>
+        <p:spPr>
+          <a:xfrm rot="10800000">
+            <a:off x="1832706" y="2623587"/>
+            <a:ext cx="265972" cy="1417033"/>
+          </a:xfrm>
+          <a:prstGeom prst="rightBrace">
+            <a:avLst/>
+          </a:prstGeom>
+        </p:spPr>
+        <p:style>
+          <a:lnRef idx="1">
+            <a:schemeClr val="dk1"/>
+          </a:lnRef>
+          <a:fillRef idx="0">
+            <a:schemeClr val="dk1"/>
+          </a:fillRef>
+          <a:effectRef idx="0">
+            <a:schemeClr val="dk1"/>
+          </a:effectRef>
+          <a:fontRef idx="minor">
+            <a:schemeClr val="tx1"/>
+          </a:fontRef>
+        </p:style>
+        <p:txBody>
+          <a:bodyPr rtlCol="0" anchor="ctr"/>
+          <a:lstStyle/>
+          <a:p>
+            <a:pPr algn="ctr"/>
+            <a:endParaRPr lang="en-GB"/>
+          </a:p>
+        </p:txBody>
+      </p:sp>
+      <p:sp>
+        <p:nvSpPr>
+          <p:cNvPr id="9" name="TextBox 8">
+            <a:extLst>
+              <a:ext uri="{FF2B5EF4-FFF2-40B4-BE49-F238E27FC236}">
+                <a16:creationId xmlns:a16="http://schemas.microsoft.com/office/drawing/2014/main" id="{6317AA7F-9AF8-460F-B6CA-164EB9913F8E}"/>
+              </a:ext>
+            </a:extLst>
+          </p:cNvPr>
+          <p:cNvSpPr txBox="1"/>
+          <p:nvPr/>
+        </p:nvSpPr>
+        <p:spPr>
+          <a:xfrm>
+            <a:off x="175364" y="3134732"/>
+            <a:ext cx="1657342" cy="369332"/>
+          </a:xfrm>
+          <a:prstGeom prst="rect">
+            <a:avLst/>
+          </a:prstGeom>
+          <a:noFill/>
+        </p:spPr>
+        <p:txBody>
+          <a:bodyPr wrap="square" rtlCol="0">
+            <a:spAutoFit/>
+          </a:bodyPr>
+          <a:lstStyle/>
+          <a:p>
+            <a:r>
+              <a:rPr lang="it-IT" dirty="0"/>
+              <a:t>Macro </a:t>
+            </a:r>
+            <a:r>
+              <a:rPr lang="it-IT" dirty="0" err="1"/>
+              <a:t>content</a:t>
+            </a:r>
+            <a:endParaRPr lang="en-GB" dirty="0"/>
+          </a:p>
+        </p:txBody>
+      </p:sp>
+      <p:sp>
+        <p:nvSpPr>
+          <p:cNvPr id="10" name="Right Brace 9">
+            <a:extLst>
+              <a:ext uri="{FF2B5EF4-FFF2-40B4-BE49-F238E27FC236}">
+                <a16:creationId xmlns:a16="http://schemas.microsoft.com/office/drawing/2014/main" id="{68A30D8D-40B3-499D-9C4C-4DB50AEFD28F}"/>
+              </a:ext>
+            </a:extLst>
+          </p:cNvPr>
+          <p:cNvSpPr/>
+          <p:nvPr/>
+        </p:nvSpPr>
+        <p:spPr>
+          <a:xfrm>
+            <a:off x="5928987" y="4040621"/>
+            <a:ext cx="334026" cy="501041"/>
+          </a:xfrm>
+          <a:prstGeom prst="rightBrace">
+            <a:avLst/>
+          </a:prstGeom>
+        </p:spPr>
+        <p:style>
+          <a:lnRef idx="1">
+            <a:schemeClr val="dk1"/>
+          </a:lnRef>
+          <a:fillRef idx="0">
+            <a:schemeClr val="dk1"/>
+          </a:fillRef>
+          <a:effectRef idx="0">
+            <a:schemeClr val="dk1"/>
+          </a:effectRef>
+          <a:fontRef idx="minor">
+            <a:schemeClr val="tx1"/>
+          </a:fontRef>
+        </p:style>
+        <p:txBody>
+          <a:bodyPr rtlCol="0" anchor="ctr"/>
+          <a:lstStyle/>
+          <a:p>
+            <a:pPr algn="ctr"/>
+            <a:endParaRPr lang="en-GB"/>
+          </a:p>
+        </p:txBody>
+      </p:sp>
+      <p:sp>
+        <p:nvSpPr>
+          <p:cNvPr id="11" name="TextBox 10">
+            <a:extLst>
+              <a:ext uri="{FF2B5EF4-FFF2-40B4-BE49-F238E27FC236}">
+                <a16:creationId xmlns:a16="http://schemas.microsoft.com/office/drawing/2014/main" id="{7A70BF11-0128-41C9-902B-DAAB72CCDF70}"/>
+              </a:ext>
+            </a:extLst>
+          </p:cNvPr>
+          <p:cNvSpPr txBox="1"/>
+          <p:nvPr/>
+        </p:nvSpPr>
+        <p:spPr>
+          <a:xfrm>
+            <a:off x="6450904" y="4106475"/>
+            <a:ext cx="1979112" cy="369332"/>
+          </a:xfrm>
+          <a:prstGeom prst="rect">
+            <a:avLst/>
+          </a:prstGeom>
+          <a:noFill/>
+        </p:spPr>
+        <p:txBody>
+          <a:bodyPr wrap="square" rtlCol="0">
+            <a:spAutoFit/>
+          </a:bodyPr>
+          <a:lstStyle/>
+          <a:p>
+            <a:r>
+              <a:rPr lang="it-IT" dirty="0"/>
+              <a:t>Macro </a:t>
+            </a:r>
+            <a:r>
+              <a:rPr lang="it-IT" dirty="0" err="1"/>
+              <a:t>close</a:t>
+            </a:r>
+            <a:endParaRPr lang="en-GB" dirty="0"/>
+          </a:p>
+        </p:txBody>
+      </p:sp>
+    </p:spTree>
+    <p:extLst>
+      <p:ext uri="{BB962C8B-B14F-4D97-AF65-F5344CB8AC3E}">
+        <p14:creationId xmlns:p14="http://schemas.microsoft.com/office/powerpoint/2010/main" val="1107328216"/>
+      </p:ext>
+    </p:extLst>
+  </p:cSld>
+  <p:clrMapOvr>
+    <a:masterClrMapping/>
+  </p:clrMapOvr>
+</p:sld>
+</file>
+
 <file path=ppt/slides/slide3.xml><?xml version="1.0" encoding="utf-8"?>
 <p:sld xmlns:a="http://schemas.openxmlformats.org/drawingml/2006/main" xmlns:r="http://schemas.openxmlformats.org/officeDocument/2006/relationships" xmlns:p="http://schemas.openxmlformats.org/presentationml/2006/main">
   <p:cSld>

--- a/screenshots/imgs.pptx
+++ b/screenshots/imgs.pptx
@@ -283,7 +283,7 @@
           <a:p>
             <a:fld id="{166DC043-4AEC-4A4E-AB79-0D54B7828DD9}" type="datetimeFigureOut">
               <a:rPr lang="en-GB" smtClean="0"/>
-              <a:t>10/06/2021</a:t>
+              <a:t>11/06/2021</a:t>
             </a:fld>
             <a:endParaRPr lang="en-GB"/>
           </a:p>
@@ -483,7 +483,7 @@
           <a:p>
             <a:fld id="{166DC043-4AEC-4A4E-AB79-0D54B7828DD9}" type="datetimeFigureOut">
               <a:rPr lang="en-GB" smtClean="0"/>
-              <a:t>10/06/2021</a:t>
+              <a:t>11/06/2021</a:t>
             </a:fld>
             <a:endParaRPr lang="en-GB"/>
           </a:p>
@@ -693,7 +693,7 @@
           <a:p>
             <a:fld id="{166DC043-4AEC-4A4E-AB79-0D54B7828DD9}" type="datetimeFigureOut">
               <a:rPr lang="en-GB" smtClean="0"/>
-              <a:t>10/06/2021</a:t>
+              <a:t>11/06/2021</a:t>
             </a:fld>
             <a:endParaRPr lang="en-GB"/>
           </a:p>
@@ -893,7 +893,7 @@
           <a:p>
             <a:fld id="{166DC043-4AEC-4A4E-AB79-0D54B7828DD9}" type="datetimeFigureOut">
               <a:rPr lang="en-GB" smtClean="0"/>
-              <a:t>10/06/2021</a:t>
+              <a:t>11/06/2021</a:t>
             </a:fld>
             <a:endParaRPr lang="en-GB"/>
           </a:p>
@@ -1169,7 +1169,7 @@
           <a:p>
             <a:fld id="{166DC043-4AEC-4A4E-AB79-0D54B7828DD9}" type="datetimeFigureOut">
               <a:rPr lang="en-GB" smtClean="0"/>
-              <a:t>10/06/2021</a:t>
+              <a:t>11/06/2021</a:t>
             </a:fld>
             <a:endParaRPr lang="en-GB"/>
           </a:p>
@@ -1437,7 +1437,7 @@
           <a:p>
             <a:fld id="{166DC043-4AEC-4A4E-AB79-0D54B7828DD9}" type="datetimeFigureOut">
               <a:rPr lang="en-GB" smtClean="0"/>
-              <a:t>10/06/2021</a:t>
+              <a:t>11/06/2021</a:t>
             </a:fld>
             <a:endParaRPr lang="en-GB"/>
           </a:p>
@@ -1852,7 +1852,7 @@
           <a:p>
             <a:fld id="{166DC043-4AEC-4A4E-AB79-0D54B7828DD9}" type="datetimeFigureOut">
               <a:rPr lang="en-GB" smtClean="0"/>
-              <a:t>10/06/2021</a:t>
+              <a:t>11/06/2021</a:t>
             </a:fld>
             <a:endParaRPr lang="en-GB"/>
           </a:p>
@@ -1994,7 +1994,7 @@
           <a:p>
             <a:fld id="{166DC043-4AEC-4A4E-AB79-0D54B7828DD9}" type="datetimeFigureOut">
               <a:rPr lang="en-GB" smtClean="0"/>
-              <a:t>10/06/2021</a:t>
+              <a:t>11/06/2021</a:t>
             </a:fld>
             <a:endParaRPr lang="en-GB"/>
           </a:p>
@@ -2107,7 +2107,7 @@
           <a:p>
             <a:fld id="{166DC043-4AEC-4A4E-AB79-0D54B7828DD9}" type="datetimeFigureOut">
               <a:rPr lang="en-GB" smtClean="0"/>
-              <a:t>10/06/2021</a:t>
+              <a:t>11/06/2021</a:t>
             </a:fld>
             <a:endParaRPr lang="en-GB"/>
           </a:p>
@@ -2420,7 +2420,7 @@
           <a:p>
             <a:fld id="{166DC043-4AEC-4A4E-AB79-0D54B7828DD9}" type="datetimeFigureOut">
               <a:rPr lang="en-GB" smtClean="0"/>
-              <a:t>10/06/2021</a:t>
+              <a:t>11/06/2021</a:t>
             </a:fld>
             <a:endParaRPr lang="en-GB"/>
           </a:p>
@@ -2709,7 +2709,7 @@
           <a:p>
             <a:fld id="{166DC043-4AEC-4A4E-AB79-0D54B7828DD9}" type="datetimeFigureOut">
               <a:rPr lang="en-GB" smtClean="0"/>
-              <a:t>10/06/2021</a:t>
+              <a:t>11/06/2021</a:t>
             </a:fld>
             <a:endParaRPr lang="en-GB"/>
           </a:p>
@@ -2952,7 +2952,7 @@
           <a:p>
             <a:fld id="{166DC043-4AEC-4A4E-AB79-0D54B7828DD9}" type="datetimeFigureOut">
               <a:rPr lang="en-GB" smtClean="0"/>
-              <a:t>10/06/2021</a:t>
+              <a:t>11/06/2021</a:t>
             </a:fld>
             <a:endParaRPr lang="en-GB"/>
           </a:p>
@@ -11398,7 +11398,7 @@
             </a:r>
             <a:r>
               <a:rPr lang="it-IT" dirty="0" err="1"/>
-              <a:t>initialisation</a:t>
+              <a:t>initialise</a:t>
             </a:r>
             <a:endParaRPr lang="en-GB" dirty="0"/>
           </a:p>

--- a/screenshots/imgs.pptx
+++ b/screenshots/imgs.pptx
@@ -28,6 +28,7 @@
     <p:sldId id="276" r:id="rId22"/>
     <p:sldId id="277" r:id="rId23"/>
     <p:sldId id="278" r:id="rId24"/>
+    <p:sldId id="279" r:id="rId25"/>
   </p:sldIdLst>
   <p:sldSz cx="12192000" cy="6858000"/>
   <p:notesSz cx="6858000" cy="9144000"/>
@@ -283,7 +284,7 @@
           <a:p>
             <a:fld id="{166DC043-4AEC-4A4E-AB79-0D54B7828DD9}" type="datetimeFigureOut">
               <a:rPr lang="en-GB" smtClean="0"/>
-              <a:t>11/06/2021</a:t>
+              <a:t>29/06/2021</a:t>
             </a:fld>
             <a:endParaRPr lang="en-GB"/>
           </a:p>
@@ -483,7 +484,7 @@
           <a:p>
             <a:fld id="{166DC043-4AEC-4A4E-AB79-0D54B7828DD9}" type="datetimeFigureOut">
               <a:rPr lang="en-GB" smtClean="0"/>
-              <a:t>11/06/2021</a:t>
+              <a:t>29/06/2021</a:t>
             </a:fld>
             <a:endParaRPr lang="en-GB"/>
           </a:p>
@@ -693,7 +694,7 @@
           <a:p>
             <a:fld id="{166DC043-4AEC-4A4E-AB79-0D54B7828DD9}" type="datetimeFigureOut">
               <a:rPr lang="en-GB" smtClean="0"/>
-              <a:t>11/06/2021</a:t>
+              <a:t>29/06/2021</a:t>
             </a:fld>
             <a:endParaRPr lang="en-GB"/>
           </a:p>
@@ -893,7 +894,7 @@
           <a:p>
             <a:fld id="{166DC043-4AEC-4A4E-AB79-0D54B7828DD9}" type="datetimeFigureOut">
               <a:rPr lang="en-GB" smtClean="0"/>
-              <a:t>11/06/2021</a:t>
+              <a:t>29/06/2021</a:t>
             </a:fld>
             <a:endParaRPr lang="en-GB"/>
           </a:p>
@@ -1169,7 +1170,7 @@
           <a:p>
             <a:fld id="{166DC043-4AEC-4A4E-AB79-0D54B7828DD9}" type="datetimeFigureOut">
               <a:rPr lang="en-GB" smtClean="0"/>
-              <a:t>11/06/2021</a:t>
+              <a:t>29/06/2021</a:t>
             </a:fld>
             <a:endParaRPr lang="en-GB"/>
           </a:p>
@@ -1437,7 +1438,7 @@
           <a:p>
             <a:fld id="{166DC043-4AEC-4A4E-AB79-0D54B7828DD9}" type="datetimeFigureOut">
               <a:rPr lang="en-GB" smtClean="0"/>
-              <a:t>11/06/2021</a:t>
+              <a:t>29/06/2021</a:t>
             </a:fld>
             <a:endParaRPr lang="en-GB"/>
           </a:p>
@@ -1852,7 +1853,7 @@
           <a:p>
             <a:fld id="{166DC043-4AEC-4A4E-AB79-0D54B7828DD9}" type="datetimeFigureOut">
               <a:rPr lang="en-GB" smtClean="0"/>
-              <a:t>11/06/2021</a:t>
+              <a:t>29/06/2021</a:t>
             </a:fld>
             <a:endParaRPr lang="en-GB"/>
           </a:p>
@@ -1994,7 +1995,7 @@
           <a:p>
             <a:fld id="{166DC043-4AEC-4A4E-AB79-0D54B7828DD9}" type="datetimeFigureOut">
               <a:rPr lang="en-GB" smtClean="0"/>
-              <a:t>11/06/2021</a:t>
+              <a:t>29/06/2021</a:t>
             </a:fld>
             <a:endParaRPr lang="en-GB"/>
           </a:p>
@@ -2107,7 +2108,7 @@
           <a:p>
             <a:fld id="{166DC043-4AEC-4A4E-AB79-0D54B7828DD9}" type="datetimeFigureOut">
               <a:rPr lang="en-GB" smtClean="0"/>
-              <a:t>11/06/2021</a:t>
+              <a:t>29/06/2021</a:t>
             </a:fld>
             <a:endParaRPr lang="en-GB"/>
           </a:p>
@@ -2420,7 +2421,7 @@
           <a:p>
             <a:fld id="{166DC043-4AEC-4A4E-AB79-0D54B7828DD9}" type="datetimeFigureOut">
               <a:rPr lang="en-GB" smtClean="0"/>
-              <a:t>11/06/2021</a:t>
+              <a:t>29/06/2021</a:t>
             </a:fld>
             <a:endParaRPr lang="en-GB"/>
           </a:p>
@@ -2709,7 +2710,7 @@
           <a:p>
             <a:fld id="{166DC043-4AEC-4A4E-AB79-0D54B7828DD9}" type="datetimeFigureOut">
               <a:rPr lang="en-GB" smtClean="0"/>
-              <a:t>11/06/2021</a:t>
+              <a:t>29/06/2021</a:t>
             </a:fld>
             <a:endParaRPr lang="en-GB"/>
           </a:p>
@@ -2952,7 +2953,7 @@
           <a:p>
             <a:fld id="{166DC043-4AEC-4A4E-AB79-0D54B7828DD9}" type="datetimeFigureOut">
               <a:rPr lang="en-GB" smtClean="0"/>
-              <a:t>11/06/2021</a:t>
+              <a:t>29/06/2021</a:t>
             </a:fld>
             <a:endParaRPr lang="en-GB"/>
           </a:p>
@@ -11585,6 +11586,794 @@
 </p:sld>
 </file>
 
+<file path=ppt/slides/slide24.xml><?xml version="1.0" encoding="utf-8"?>
+<p:sld xmlns:a="http://schemas.openxmlformats.org/drawingml/2006/main" xmlns:r="http://schemas.openxmlformats.org/officeDocument/2006/relationships" xmlns:p="http://schemas.openxmlformats.org/presentationml/2006/main">
+  <p:cSld>
+    <p:spTree>
+      <p:nvGrpSpPr>
+        <p:cNvPr id="1" name=""/>
+        <p:cNvGrpSpPr/>
+        <p:nvPr/>
+      </p:nvGrpSpPr>
+      <p:grpSpPr>
+        <a:xfrm>
+          <a:off x="0" y="0"/>
+          <a:ext cx="0" cy="0"/>
+          <a:chOff x="0" y="0"/>
+          <a:chExt cx="0" cy="0"/>
+        </a:xfrm>
+      </p:grpSpPr>
+      <p:pic>
+        <p:nvPicPr>
+          <p:cNvPr id="5" name="Picture 4" descr="Graphical user interface, application, table&#10;&#10;Description automatically generated">
+            <a:extLst>
+              <a:ext uri="{FF2B5EF4-FFF2-40B4-BE49-F238E27FC236}">
+                <a16:creationId xmlns:a16="http://schemas.microsoft.com/office/drawing/2014/main" id="{02F99C4B-2134-435E-B2FA-E43D13B6B364}"/>
+              </a:ext>
+            </a:extLst>
+          </p:cNvPr>
+          <p:cNvPicPr>
+            <a:picLocks noChangeAspect="1"/>
+          </p:cNvPicPr>
+          <p:nvPr/>
+        </p:nvPicPr>
+        <p:blipFill>
+          <a:blip r:embed="rId2">
+            <a:extLst>
+              <a:ext uri="{28A0092B-C50C-407E-A947-70E740481C1C}">
+                <a14:useLocalDpi xmlns:a14="http://schemas.microsoft.com/office/drawing/2010/main" val="0"/>
+              </a:ext>
+            </a:extLst>
+          </a:blip>
+          <a:stretch>
+            <a:fillRect/>
+          </a:stretch>
+        </p:blipFill>
+        <p:spPr>
+          <a:xfrm>
+            <a:off x="0" y="403883"/>
+            <a:ext cx="12192000" cy="6050234"/>
+          </a:xfrm>
+          <a:prstGeom prst="rect">
+            <a:avLst/>
+          </a:prstGeom>
+        </p:spPr>
+      </p:pic>
+      <p:sp>
+        <p:nvSpPr>
+          <p:cNvPr id="6" name="Oval 5">
+            <a:extLst>
+              <a:ext uri="{FF2B5EF4-FFF2-40B4-BE49-F238E27FC236}">
+                <a16:creationId xmlns:a16="http://schemas.microsoft.com/office/drawing/2014/main" id="{89B2A8B4-BBE8-4C33-BCB6-133DBF021378}"/>
+              </a:ext>
+            </a:extLst>
+          </p:cNvPr>
+          <p:cNvSpPr/>
+          <p:nvPr/>
+        </p:nvSpPr>
+        <p:spPr>
+          <a:xfrm>
+            <a:off x="1640910" y="300625"/>
+            <a:ext cx="776613" cy="338202"/>
+          </a:xfrm>
+          <a:prstGeom prst="ellipse">
+            <a:avLst/>
+          </a:prstGeom>
+          <a:noFill/>
+          <a:ln w="9525" cap="flat" cmpd="sng" algn="ctr">
+            <a:solidFill>
+              <a:schemeClr val="accent2"/>
+            </a:solidFill>
+            <a:prstDash val="solid"/>
+            <a:round/>
+            <a:headEnd type="none" w="med" len="med"/>
+            <a:tailEnd type="none" w="med" len="med"/>
+          </a:ln>
+        </p:spPr>
+        <p:style>
+          <a:lnRef idx="0">
+            <a:scrgbClr r="0" g="0" b="0"/>
+          </a:lnRef>
+          <a:fillRef idx="0">
+            <a:scrgbClr r="0" g="0" b="0"/>
+          </a:fillRef>
+          <a:effectRef idx="0">
+            <a:scrgbClr r="0" g="0" b="0"/>
+          </a:effectRef>
+          <a:fontRef idx="minor">
+            <a:schemeClr val="accent2"/>
+          </a:fontRef>
+        </p:style>
+        <p:txBody>
+          <a:bodyPr rtlCol="0" anchor="ctr"/>
+          <a:lstStyle/>
+          <a:p>
+            <a:pPr algn="ctr"/>
+            <a:endParaRPr lang="en-GB"/>
+          </a:p>
+        </p:txBody>
+      </p:sp>
+      <p:sp>
+        <p:nvSpPr>
+          <p:cNvPr id="7" name="Arrow: Down 6">
+            <a:extLst>
+              <a:ext uri="{FF2B5EF4-FFF2-40B4-BE49-F238E27FC236}">
+                <a16:creationId xmlns:a16="http://schemas.microsoft.com/office/drawing/2014/main" id="{4A17C1B0-F304-4988-9CDB-980FE9FFB804}"/>
+              </a:ext>
+            </a:extLst>
+          </p:cNvPr>
+          <p:cNvSpPr/>
+          <p:nvPr/>
+        </p:nvSpPr>
+        <p:spPr>
+          <a:xfrm rot="469613">
+            <a:off x="1680220" y="633027"/>
+            <a:ext cx="421841" cy="606167"/>
+          </a:xfrm>
+          <a:prstGeom prst="downArrow">
+            <a:avLst/>
+          </a:prstGeom>
+        </p:spPr>
+        <p:style>
+          <a:lnRef idx="3">
+            <a:schemeClr val="lt1"/>
+          </a:lnRef>
+          <a:fillRef idx="1">
+            <a:schemeClr val="accent2"/>
+          </a:fillRef>
+          <a:effectRef idx="1">
+            <a:schemeClr val="accent2"/>
+          </a:effectRef>
+          <a:fontRef idx="minor">
+            <a:schemeClr val="lt1"/>
+          </a:fontRef>
+        </p:style>
+        <p:txBody>
+          <a:bodyPr rtlCol="0" anchor="ctr"/>
+          <a:lstStyle/>
+          <a:p>
+            <a:pPr algn="ctr"/>
+            <a:endParaRPr lang="en-GB"/>
+          </a:p>
+        </p:txBody>
+      </p:sp>
+      <p:sp>
+        <p:nvSpPr>
+          <p:cNvPr id="8" name="Rectangle 7">
+            <a:extLst>
+              <a:ext uri="{FF2B5EF4-FFF2-40B4-BE49-F238E27FC236}">
+                <a16:creationId xmlns:a16="http://schemas.microsoft.com/office/drawing/2014/main" id="{1D6C7149-1959-4AF9-82F1-8FFE150ED409}"/>
+              </a:ext>
+            </a:extLst>
+          </p:cNvPr>
+          <p:cNvSpPr/>
+          <p:nvPr/>
+        </p:nvSpPr>
+        <p:spPr>
+          <a:xfrm>
+            <a:off x="1640911" y="1265095"/>
+            <a:ext cx="1014608" cy="234944"/>
+          </a:xfrm>
+          <a:prstGeom prst="rect">
+            <a:avLst/>
+          </a:prstGeom>
+          <a:solidFill>
+            <a:schemeClr val="accent4">
+              <a:alpha val="50000"/>
+            </a:schemeClr>
+          </a:solidFill>
+          <a:ln>
+            <a:noFill/>
+          </a:ln>
+        </p:spPr>
+        <p:style>
+          <a:lnRef idx="0">
+            <a:scrgbClr r="0" g="0" b="0"/>
+          </a:lnRef>
+          <a:fillRef idx="0">
+            <a:scrgbClr r="0" g="0" b="0"/>
+          </a:fillRef>
+          <a:effectRef idx="0">
+            <a:scrgbClr r="0" g="0" b="0"/>
+          </a:effectRef>
+          <a:fontRef idx="minor">
+            <a:schemeClr val="lt1"/>
+          </a:fontRef>
+        </p:style>
+        <p:txBody>
+          <a:bodyPr rtlCol="0" anchor="ctr"/>
+          <a:lstStyle/>
+          <a:p>
+            <a:pPr algn="ctr"/>
+            <a:endParaRPr lang="en-GB"/>
+          </a:p>
+        </p:txBody>
+      </p:sp>
+      <p:sp>
+        <p:nvSpPr>
+          <p:cNvPr id="9" name="Rectangle 8">
+            <a:extLst>
+              <a:ext uri="{FF2B5EF4-FFF2-40B4-BE49-F238E27FC236}">
+                <a16:creationId xmlns:a16="http://schemas.microsoft.com/office/drawing/2014/main" id="{A8C7FC76-4159-4251-9967-F65668302872}"/>
+              </a:ext>
+            </a:extLst>
+          </p:cNvPr>
+          <p:cNvSpPr/>
+          <p:nvPr/>
+        </p:nvSpPr>
+        <p:spPr>
+          <a:xfrm>
+            <a:off x="1634067" y="1722262"/>
+            <a:ext cx="1014608" cy="234944"/>
+          </a:xfrm>
+          <a:prstGeom prst="rect">
+            <a:avLst/>
+          </a:prstGeom>
+          <a:solidFill>
+            <a:schemeClr val="accent4">
+              <a:alpha val="50000"/>
+            </a:schemeClr>
+          </a:solidFill>
+          <a:ln>
+            <a:noFill/>
+          </a:ln>
+        </p:spPr>
+        <p:style>
+          <a:lnRef idx="0">
+            <a:scrgbClr r="0" g="0" b="0"/>
+          </a:lnRef>
+          <a:fillRef idx="0">
+            <a:scrgbClr r="0" g="0" b="0"/>
+          </a:fillRef>
+          <a:effectRef idx="0">
+            <a:scrgbClr r="0" g="0" b="0"/>
+          </a:effectRef>
+          <a:fontRef idx="minor">
+            <a:schemeClr val="lt1"/>
+          </a:fontRef>
+        </p:style>
+        <p:txBody>
+          <a:bodyPr rtlCol="0" anchor="ctr"/>
+          <a:lstStyle/>
+          <a:p>
+            <a:pPr algn="ctr"/>
+            <a:endParaRPr lang="en-GB"/>
+          </a:p>
+        </p:txBody>
+      </p:sp>
+      <p:sp>
+        <p:nvSpPr>
+          <p:cNvPr id="10" name="Rectangle 9">
+            <a:extLst>
+              <a:ext uri="{FF2B5EF4-FFF2-40B4-BE49-F238E27FC236}">
+                <a16:creationId xmlns:a16="http://schemas.microsoft.com/office/drawing/2014/main" id="{843AAAF4-1954-4342-8B5E-2B3758CB5B51}"/>
+              </a:ext>
+            </a:extLst>
+          </p:cNvPr>
+          <p:cNvSpPr/>
+          <p:nvPr/>
+        </p:nvSpPr>
+        <p:spPr>
+          <a:xfrm>
+            <a:off x="1640911" y="2126307"/>
+            <a:ext cx="1014608" cy="234944"/>
+          </a:xfrm>
+          <a:prstGeom prst="rect">
+            <a:avLst/>
+          </a:prstGeom>
+          <a:solidFill>
+            <a:schemeClr val="accent4">
+              <a:alpha val="50000"/>
+            </a:schemeClr>
+          </a:solidFill>
+          <a:ln>
+            <a:noFill/>
+          </a:ln>
+        </p:spPr>
+        <p:style>
+          <a:lnRef idx="0">
+            <a:scrgbClr r="0" g="0" b="0"/>
+          </a:lnRef>
+          <a:fillRef idx="0">
+            <a:scrgbClr r="0" g="0" b="0"/>
+          </a:fillRef>
+          <a:effectRef idx="0">
+            <a:scrgbClr r="0" g="0" b="0"/>
+          </a:effectRef>
+          <a:fontRef idx="minor">
+            <a:schemeClr val="lt1"/>
+          </a:fontRef>
+        </p:style>
+        <p:txBody>
+          <a:bodyPr rtlCol="0" anchor="ctr"/>
+          <a:lstStyle/>
+          <a:p>
+            <a:pPr algn="ctr"/>
+            <a:endParaRPr lang="en-GB"/>
+          </a:p>
+        </p:txBody>
+      </p:sp>
+      <p:sp>
+        <p:nvSpPr>
+          <p:cNvPr id="11" name="Arrow: Down 10">
+            <a:extLst>
+              <a:ext uri="{FF2B5EF4-FFF2-40B4-BE49-F238E27FC236}">
+                <a16:creationId xmlns:a16="http://schemas.microsoft.com/office/drawing/2014/main" id="{CA7D189F-4F14-4EFE-AEDF-646026B6910A}"/>
+              </a:ext>
+            </a:extLst>
+          </p:cNvPr>
+          <p:cNvSpPr/>
+          <p:nvPr/>
+        </p:nvSpPr>
+        <p:spPr>
+          <a:xfrm rot="17323226">
+            <a:off x="3752575" y="1436810"/>
+            <a:ext cx="421841" cy="2619127"/>
+          </a:xfrm>
+          <a:prstGeom prst="downArrow">
+            <a:avLst/>
+          </a:prstGeom>
+        </p:spPr>
+        <p:style>
+          <a:lnRef idx="3">
+            <a:schemeClr val="lt1"/>
+          </a:lnRef>
+          <a:fillRef idx="1">
+            <a:schemeClr val="accent2"/>
+          </a:fillRef>
+          <a:effectRef idx="1">
+            <a:schemeClr val="accent2"/>
+          </a:effectRef>
+          <a:fontRef idx="minor">
+            <a:schemeClr val="lt1"/>
+          </a:fontRef>
+        </p:style>
+        <p:txBody>
+          <a:bodyPr rtlCol="0" anchor="ctr"/>
+          <a:lstStyle/>
+          <a:p>
+            <a:pPr algn="ctr"/>
+            <a:endParaRPr lang="en-GB"/>
+          </a:p>
+        </p:txBody>
+      </p:sp>
+      <p:sp>
+        <p:nvSpPr>
+          <p:cNvPr id="12" name="Oval 11">
+            <a:extLst>
+              <a:ext uri="{FF2B5EF4-FFF2-40B4-BE49-F238E27FC236}">
+                <a16:creationId xmlns:a16="http://schemas.microsoft.com/office/drawing/2014/main" id="{4818B9DC-6B83-42DC-814B-0B08BD7272E8}"/>
+              </a:ext>
+            </a:extLst>
+          </p:cNvPr>
+          <p:cNvSpPr/>
+          <p:nvPr/>
+        </p:nvSpPr>
+        <p:spPr>
+          <a:xfrm>
+            <a:off x="6237962" y="2993721"/>
+            <a:ext cx="864296" cy="372720"/>
+          </a:xfrm>
+          <a:prstGeom prst="ellipse">
+            <a:avLst/>
+          </a:prstGeom>
+          <a:solidFill>
+            <a:schemeClr val="accent2">
+              <a:alpha val="50000"/>
+            </a:schemeClr>
+          </a:solidFill>
+          <a:ln>
+            <a:noFill/>
+          </a:ln>
+        </p:spPr>
+        <p:style>
+          <a:lnRef idx="0">
+            <a:scrgbClr r="0" g="0" b="0"/>
+          </a:lnRef>
+          <a:fillRef idx="0">
+            <a:scrgbClr r="0" g="0" b="0"/>
+          </a:fillRef>
+          <a:effectRef idx="0">
+            <a:scrgbClr r="0" g="0" b="0"/>
+          </a:effectRef>
+          <a:fontRef idx="minor">
+            <a:schemeClr val="lt1"/>
+          </a:fontRef>
+        </p:style>
+        <p:txBody>
+          <a:bodyPr rtlCol="0" anchor="ctr"/>
+          <a:lstStyle/>
+          <a:p>
+            <a:pPr algn="ctr"/>
+            <a:endParaRPr lang="en-GB"/>
+          </a:p>
+        </p:txBody>
+      </p:sp>
+      <p:sp>
+        <p:nvSpPr>
+          <p:cNvPr id="13" name="Oval 12">
+            <a:extLst>
+              <a:ext uri="{FF2B5EF4-FFF2-40B4-BE49-F238E27FC236}">
+                <a16:creationId xmlns:a16="http://schemas.microsoft.com/office/drawing/2014/main" id="{3FBF6C81-9EEC-4E69-A8A2-8C3997A3095D}"/>
+              </a:ext>
+            </a:extLst>
+          </p:cNvPr>
+          <p:cNvSpPr/>
+          <p:nvPr/>
+        </p:nvSpPr>
+        <p:spPr>
+          <a:xfrm>
+            <a:off x="6237962" y="5583559"/>
+            <a:ext cx="864296" cy="372720"/>
+          </a:xfrm>
+          <a:prstGeom prst="ellipse">
+            <a:avLst/>
+          </a:prstGeom>
+          <a:solidFill>
+            <a:schemeClr val="accent2">
+              <a:alpha val="50000"/>
+            </a:schemeClr>
+          </a:solidFill>
+          <a:ln>
+            <a:noFill/>
+          </a:ln>
+        </p:spPr>
+        <p:style>
+          <a:lnRef idx="0">
+            <a:scrgbClr r="0" g="0" b="0"/>
+          </a:lnRef>
+          <a:fillRef idx="0">
+            <a:scrgbClr r="0" g="0" b="0"/>
+          </a:fillRef>
+          <a:effectRef idx="0">
+            <a:scrgbClr r="0" g="0" b="0"/>
+          </a:effectRef>
+          <a:fontRef idx="minor">
+            <a:schemeClr val="lt1"/>
+          </a:fontRef>
+        </p:style>
+        <p:txBody>
+          <a:bodyPr rtlCol="0" anchor="ctr"/>
+          <a:lstStyle/>
+          <a:p>
+            <a:pPr algn="ctr"/>
+            <a:endParaRPr lang="en-GB"/>
+          </a:p>
+        </p:txBody>
+      </p:sp>
+      <p:sp>
+        <p:nvSpPr>
+          <p:cNvPr id="14" name="Rectangle 13">
+            <a:extLst>
+              <a:ext uri="{FF2B5EF4-FFF2-40B4-BE49-F238E27FC236}">
+                <a16:creationId xmlns:a16="http://schemas.microsoft.com/office/drawing/2014/main" id="{0EE629DB-88FD-4443-83B1-5C84EE764E43}"/>
+              </a:ext>
+            </a:extLst>
+          </p:cNvPr>
+          <p:cNvSpPr/>
+          <p:nvPr/>
+        </p:nvSpPr>
+        <p:spPr>
+          <a:xfrm>
+            <a:off x="7828767" y="3353915"/>
+            <a:ext cx="864296" cy="1972696"/>
+          </a:xfrm>
+          <a:prstGeom prst="rect">
+            <a:avLst/>
+          </a:prstGeom>
+          <a:solidFill>
+            <a:schemeClr val="accent4">
+              <a:alpha val="50000"/>
+            </a:schemeClr>
+          </a:solidFill>
+          <a:ln>
+            <a:solidFill>
+              <a:schemeClr val="accent2">
+                <a:lumMod val="75000"/>
+              </a:schemeClr>
+            </a:solidFill>
+          </a:ln>
+        </p:spPr>
+        <p:style>
+          <a:lnRef idx="0">
+            <a:scrgbClr r="0" g="0" b="0"/>
+          </a:lnRef>
+          <a:fillRef idx="0">
+            <a:scrgbClr r="0" g="0" b="0"/>
+          </a:fillRef>
+          <a:effectRef idx="0">
+            <a:scrgbClr r="0" g="0" b="0"/>
+          </a:effectRef>
+          <a:fontRef idx="minor">
+            <a:schemeClr val="lt1"/>
+          </a:fontRef>
+        </p:style>
+        <p:txBody>
+          <a:bodyPr rtlCol="0" anchor="ctr"/>
+          <a:lstStyle/>
+          <a:p>
+            <a:pPr algn="ctr"/>
+            <a:endParaRPr lang="en-GB"/>
+          </a:p>
+        </p:txBody>
+      </p:sp>
+      <p:sp>
+        <p:nvSpPr>
+          <p:cNvPr id="15" name="Rectangle 14">
+            <a:extLst>
+              <a:ext uri="{FF2B5EF4-FFF2-40B4-BE49-F238E27FC236}">
+                <a16:creationId xmlns:a16="http://schemas.microsoft.com/office/drawing/2014/main" id="{F4DB27BC-7B52-4521-BE7E-2BCCEF708678}"/>
+              </a:ext>
+            </a:extLst>
+          </p:cNvPr>
+          <p:cNvSpPr/>
+          <p:nvPr/>
+        </p:nvSpPr>
+        <p:spPr>
+          <a:xfrm>
+            <a:off x="7828767" y="5871652"/>
+            <a:ext cx="864296" cy="582465"/>
+          </a:xfrm>
+          <a:prstGeom prst="rect">
+            <a:avLst/>
+          </a:prstGeom>
+          <a:solidFill>
+            <a:schemeClr val="accent4">
+              <a:alpha val="50000"/>
+            </a:schemeClr>
+          </a:solidFill>
+          <a:ln>
+            <a:solidFill>
+              <a:schemeClr val="accent2">
+                <a:lumMod val="75000"/>
+              </a:schemeClr>
+            </a:solidFill>
+          </a:ln>
+        </p:spPr>
+        <p:style>
+          <a:lnRef idx="0">
+            <a:scrgbClr r="0" g="0" b="0"/>
+          </a:lnRef>
+          <a:fillRef idx="0">
+            <a:scrgbClr r="0" g="0" b="0"/>
+          </a:fillRef>
+          <a:effectRef idx="0">
+            <a:scrgbClr r="0" g="0" b="0"/>
+          </a:effectRef>
+          <a:fontRef idx="minor">
+            <a:schemeClr val="lt1"/>
+          </a:fontRef>
+        </p:style>
+        <p:txBody>
+          <a:bodyPr rtlCol="0" anchor="ctr"/>
+          <a:lstStyle/>
+          <a:p>
+            <a:pPr algn="ctr"/>
+            <a:endParaRPr lang="en-GB"/>
+          </a:p>
+        </p:txBody>
+      </p:sp>
+      <p:sp>
+        <p:nvSpPr>
+          <p:cNvPr id="16" name="Right Brace 15">
+            <a:extLst>
+              <a:ext uri="{FF2B5EF4-FFF2-40B4-BE49-F238E27FC236}">
+                <a16:creationId xmlns:a16="http://schemas.microsoft.com/office/drawing/2014/main" id="{16CCC53D-FB4B-49A1-B738-B5202C957DDD}"/>
+              </a:ext>
+            </a:extLst>
+          </p:cNvPr>
+          <p:cNvSpPr/>
+          <p:nvPr/>
+        </p:nvSpPr>
+        <p:spPr>
+          <a:xfrm>
+            <a:off x="8843375" y="3353915"/>
+            <a:ext cx="263047" cy="1972696"/>
+          </a:xfrm>
+          <a:prstGeom prst="rightBrace">
+            <a:avLst/>
+          </a:prstGeom>
+          <a:ln>
+            <a:solidFill>
+              <a:schemeClr val="accent2">
+                <a:lumMod val="50000"/>
+              </a:schemeClr>
+            </a:solidFill>
+          </a:ln>
+        </p:spPr>
+        <p:style>
+          <a:lnRef idx="1">
+            <a:schemeClr val="accent2"/>
+          </a:lnRef>
+          <a:fillRef idx="0">
+            <a:schemeClr val="accent2"/>
+          </a:fillRef>
+          <a:effectRef idx="0">
+            <a:schemeClr val="accent2"/>
+          </a:effectRef>
+          <a:fontRef idx="minor">
+            <a:schemeClr val="tx1"/>
+          </a:fontRef>
+        </p:style>
+        <p:txBody>
+          <a:bodyPr rtlCol="0" anchor="ctr"/>
+          <a:lstStyle/>
+          <a:p>
+            <a:pPr algn="ctr"/>
+            <a:endParaRPr lang="en-GB"/>
+          </a:p>
+        </p:txBody>
+      </p:sp>
+      <p:sp>
+        <p:nvSpPr>
+          <p:cNvPr id="17" name="TextBox 16">
+            <a:extLst>
+              <a:ext uri="{FF2B5EF4-FFF2-40B4-BE49-F238E27FC236}">
+                <a16:creationId xmlns:a16="http://schemas.microsoft.com/office/drawing/2014/main" id="{3627783B-0BE2-4617-9E79-82347521176F}"/>
+              </a:ext>
+            </a:extLst>
+          </p:cNvPr>
+          <p:cNvSpPr txBox="1"/>
+          <p:nvPr/>
+        </p:nvSpPr>
+        <p:spPr>
+          <a:xfrm>
+            <a:off x="9176021" y="4122763"/>
+            <a:ext cx="1297150" cy="369332"/>
+          </a:xfrm>
+          <a:prstGeom prst="rect">
+            <a:avLst/>
+          </a:prstGeom>
+        </p:spPr>
+        <p:style>
+          <a:lnRef idx="2">
+            <a:schemeClr val="accent2"/>
+          </a:lnRef>
+          <a:fillRef idx="1">
+            <a:schemeClr val="lt1"/>
+          </a:fillRef>
+          <a:effectRef idx="0">
+            <a:schemeClr val="accent2"/>
+          </a:effectRef>
+          <a:fontRef idx="minor">
+            <a:schemeClr val="dk1"/>
+          </a:fontRef>
+        </p:style>
+        <p:txBody>
+          <a:bodyPr wrap="none" rtlCol="0">
+            <a:spAutoFit/>
+          </a:bodyPr>
+          <a:lstStyle/>
+          <a:p>
+            <a:r>
+              <a:rPr lang="it-IT" dirty="0" err="1"/>
+              <a:t>Biomass</a:t>
+            </a:r>
+            <a:r>
+              <a:rPr lang="it-IT" dirty="0"/>
+              <a:t> * 3</a:t>
+            </a:r>
+            <a:endParaRPr lang="en-GB" dirty="0"/>
+          </a:p>
+        </p:txBody>
+      </p:sp>
+      <p:sp>
+        <p:nvSpPr>
+          <p:cNvPr id="19" name="Right Brace 18">
+            <a:extLst>
+              <a:ext uri="{FF2B5EF4-FFF2-40B4-BE49-F238E27FC236}">
+                <a16:creationId xmlns:a16="http://schemas.microsoft.com/office/drawing/2014/main" id="{C7FC84AF-FB8B-483A-927C-D9E642DF5F16}"/>
+              </a:ext>
+            </a:extLst>
+          </p:cNvPr>
+          <p:cNvSpPr/>
+          <p:nvPr/>
+        </p:nvSpPr>
+        <p:spPr>
+          <a:xfrm>
+            <a:off x="8768219" y="5871652"/>
+            <a:ext cx="263047" cy="582465"/>
+          </a:xfrm>
+          <a:prstGeom prst="rightBrace">
+            <a:avLst/>
+          </a:prstGeom>
+          <a:ln>
+            <a:solidFill>
+              <a:schemeClr val="accent2">
+                <a:lumMod val="50000"/>
+              </a:schemeClr>
+            </a:solidFill>
+          </a:ln>
+        </p:spPr>
+        <p:style>
+          <a:lnRef idx="1">
+            <a:schemeClr val="accent2"/>
+          </a:lnRef>
+          <a:fillRef idx="0">
+            <a:schemeClr val="accent2"/>
+          </a:fillRef>
+          <a:effectRef idx="0">
+            <a:schemeClr val="accent2"/>
+          </a:effectRef>
+          <a:fontRef idx="minor">
+            <a:schemeClr val="tx1"/>
+          </a:fontRef>
+        </p:style>
+        <p:txBody>
+          <a:bodyPr rtlCol="0" anchor="ctr"/>
+          <a:lstStyle/>
+          <a:p>
+            <a:pPr algn="ctr"/>
+            <a:endParaRPr lang="en-GB"/>
+          </a:p>
+        </p:txBody>
+      </p:sp>
+      <p:sp>
+        <p:nvSpPr>
+          <p:cNvPr id="20" name="TextBox 19">
+            <a:extLst>
+              <a:ext uri="{FF2B5EF4-FFF2-40B4-BE49-F238E27FC236}">
+                <a16:creationId xmlns:a16="http://schemas.microsoft.com/office/drawing/2014/main" id="{26B25313-5772-49C3-B489-CFDEF37A960B}"/>
+              </a:ext>
+            </a:extLst>
+          </p:cNvPr>
+          <p:cNvSpPr txBox="1"/>
+          <p:nvPr/>
+        </p:nvSpPr>
+        <p:spPr>
+          <a:xfrm>
+            <a:off x="9176021" y="5956279"/>
+            <a:ext cx="1297150" cy="369332"/>
+          </a:xfrm>
+          <a:prstGeom prst="rect">
+            <a:avLst/>
+          </a:prstGeom>
+        </p:spPr>
+        <p:style>
+          <a:lnRef idx="2">
+            <a:schemeClr val="accent2"/>
+          </a:lnRef>
+          <a:fillRef idx="1">
+            <a:schemeClr val="lt1"/>
+          </a:fillRef>
+          <a:effectRef idx="0">
+            <a:schemeClr val="accent2"/>
+          </a:effectRef>
+          <a:fontRef idx="minor">
+            <a:schemeClr val="dk1"/>
+          </a:fontRef>
+        </p:style>
+        <p:txBody>
+          <a:bodyPr wrap="none" rtlCol="0">
+            <a:spAutoFit/>
+          </a:bodyPr>
+          <a:lstStyle/>
+          <a:p>
+            <a:r>
+              <a:rPr lang="it-IT" dirty="0" err="1"/>
+              <a:t>Biomass</a:t>
+            </a:r>
+            <a:r>
+              <a:rPr lang="it-IT" dirty="0"/>
+              <a:t> * 4</a:t>
+            </a:r>
+            <a:endParaRPr lang="en-GB" dirty="0"/>
+          </a:p>
+        </p:txBody>
+      </p:sp>
+    </p:spTree>
+    <p:extLst>
+      <p:ext uri="{BB962C8B-B14F-4D97-AF65-F5344CB8AC3E}">
+        <p14:creationId xmlns:p14="http://schemas.microsoft.com/office/powerpoint/2010/main" val="2007835650"/>
+      </p:ext>
+    </p:extLst>
+  </p:cSld>
+  <p:clrMapOvr>
+    <a:masterClrMapping/>
+  </p:clrMapOvr>
+</p:sld>
+</file>
+
 <file path=ppt/slides/slide3.xml><?xml version="1.0" encoding="utf-8"?>
 <p:sld xmlns:a="http://schemas.openxmlformats.org/drawingml/2006/main" xmlns:r="http://schemas.openxmlformats.org/officeDocument/2006/relationships" xmlns:p="http://schemas.openxmlformats.org/presentationml/2006/main">
   <p:cSld>

--- a/screenshots/imgs.pptx
+++ b/screenshots/imgs.pptx
@@ -29,6 +29,7 @@
     <p:sldId id="277" r:id="rId23"/>
     <p:sldId id="278" r:id="rId24"/>
     <p:sldId id="279" r:id="rId25"/>
+    <p:sldId id="280" r:id="rId26"/>
   </p:sldIdLst>
   <p:sldSz cx="12192000" cy="6858000"/>
   <p:notesSz cx="6858000" cy="9144000"/>
@@ -12374,6 +12375,386 @@
 </p:sld>
 </file>
 
+<file path=ppt/slides/slide25.xml><?xml version="1.0" encoding="utf-8"?>
+<p:sld xmlns:a="http://schemas.openxmlformats.org/drawingml/2006/main" xmlns:r="http://schemas.openxmlformats.org/officeDocument/2006/relationships" xmlns:p="http://schemas.openxmlformats.org/presentationml/2006/main">
+  <p:cSld>
+    <p:spTree>
+      <p:nvGrpSpPr>
+        <p:cNvPr id="1" name=""/>
+        <p:cNvGrpSpPr/>
+        <p:nvPr/>
+      </p:nvGrpSpPr>
+      <p:grpSpPr>
+        <a:xfrm>
+          <a:off x="0" y="0"/>
+          <a:ext cx="0" cy="0"/>
+          <a:chOff x="0" y="0"/>
+          <a:chExt cx="0" cy="0"/>
+        </a:xfrm>
+      </p:grpSpPr>
+      <p:pic>
+        <p:nvPicPr>
+          <p:cNvPr id="7" name="Picture 6">
+            <a:extLst>
+              <a:ext uri="{FF2B5EF4-FFF2-40B4-BE49-F238E27FC236}">
+                <a16:creationId xmlns:a16="http://schemas.microsoft.com/office/drawing/2014/main" id="{A4D65151-06B8-42CB-8297-6D0AB214EF17}"/>
+              </a:ext>
+            </a:extLst>
+          </p:cNvPr>
+          <p:cNvPicPr>
+            <a:picLocks noChangeAspect="1"/>
+          </p:cNvPicPr>
+          <p:nvPr/>
+        </p:nvPicPr>
+        <p:blipFill>
+          <a:blip r:embed="rId2">
+            <a:extLst>
+              <a:ext uri="{28A0092B-C50C-407E-A947-70E740481C1C}">
+                <a14:useLocalDpi xmlns:a14="http://schemas.microsoft.com/office/drawing/2010/main" val="0"/>
+              </a:ext>
+            </a:extLst>
+          </a:blip>
+          <a:stretch>
+            <a:fillRect/>
+          </a:stretch>
+        </p:blipFill>
+        <p:spPr>
+          <a:xfrm>
+            <a:off x="665386" y="-1144677"/>
+            <a:ext cx="7830643" cy="6363588"/>
+          </a:xfrm>
+          <a:prstGeom prst="rect">
+            <a:avLst/>
+          </a:prstGeom>
+          <a:solidFill>
+            <a:srgbClr val="FFFFFF">
+              <a:shade val="85000"/>
+            </a:srgbClr>
+          </a:solidFill>
+          <a:ln w="190500" cap="rnd">
+            <a:solidFill>
+              <a:srgbClr val="FFFFFF"/>
+            </a:solidFill>
+          </a:ln>
+          <a:effectLst>
+            <a:outerShdw blurRad="50000" algn="tl" rotWithShape="0">
+              <a:srgbClr val="000000">
+                <a:alpha val="41000"/>
+              </a:srgbClr>
+            </a:outerShdw>
+          </a:effectLst>
+          <a:scene3d>
+            <a:camera prst="orthographicFront"/>
+            <a:lightRig rig="twoPt" dir="t">
+              <a:rot lat="0" lon="0" rev="7800000"/>
+            </a:lightRig>
+          </a:scene3d>
+          <a:sp3d contourW="6350">
+            <a:bevelT w="50800" h="16510"/>
+            <a:contourClr>
+              <a:srgbClr val="C0C0C0"/>
+            </a:contourClr>
+          </a:sp3d>
+        </p:spPr>
+      </p:pic>
+      <p:pic>
+        <p:nvPicPr>
+          <p:cNvPr id="9" name="Picture 8">
+            <a:extLst>
+              <a:ext uri="{FF2B5EF4-FFF2-40B4-BE49-F238E27FC236}">
+                <a16:creationId xmlns:a16="http://schemas.microsoft.com/office/drawing/2014/main" id="{2D1AEBE8-0627-418C-8E13-BF36C76C2853}"/>
+              </a:ext>
+            </a:extLst>
+          </p:cNvPr>
+          <p:cNvPicPr>
+            <a:picLocks noChangeAspect="1"/>
+          </p:cNvPicPr>
+          <p:nvPr/>
+        </p:nvPicPr>
+        <p:blipFill>
+          <a:blip r:embed="rId3">
+            <a:extLst>
+              <a:ext uri="{28A0092B-C50C-407E-A947-70E740481C1C}">
+                <a14:useLocalDpi xmlns:a14="http://schemas.microsoft.com/office/drawing/2010/main" val="0"/>
+              </a:ext>
+            </a:extLst>
+          </a:blip>
+          <a:stretch>
+            <a:fillRect/>
+          </a:stretch>
+        </p:blipFill>
+        <p:spPr>
+          <a:xfrm>
+            <a:off x="1457555" y="4161643"/>
+            <a:ext cx="6601746" cy="1657581"/>
+          </a:xfrm>
+          <a:prstGeom prst="rect">
+            <a:avLst/>
+          </a:prstGeom>
+          <a:solidFill>
+            <a:srgbClr val="FFFFFF">
+              <a:shade val="85000"/>
+            </a:srgbClr>
+          </a:solidFill>
+          <a:ln w="190500" cap="rnd">
+            <a:solidFill>
+              <a:srgbClr val="FFFFFF"/>
+            </a:solidFill>
+          </a:ln>
+          <a:effectLst>
+            <a:outerShdw blurRad="50000" algn="tl" rotWithShape="0">
+              <a:srgbClr val="000000">
+                <a:alpha val="41000"/>
+              </a:srgbClr>
+            </a:outerShdw>
+          </a:effectLst>
+          <a:scene3d>
+            <a:camera prst="orthographicFront"/>
+            <a:lightRig rig="twoPt" dir="t">
+              <a:rot lat="0" lon="0" rev="7800000"/>
+            </a:lightRig>
+          </a:scene3d>
+          <a:sp3d contourW="6350">
+            <a:bevelT w="50800" h="16510"/>
+            <a:contourClr>
+              <a:srgbClr val="C0C0C0"/>
+            </a:contourClr>
+          </a:sp3d>
+        </p:spPr>
+      </p:pic>
+      <p:pic>
+        <p:nvPicPr>
+          <p:cNvPr id="5" name="Picture 4">
+            <a:extLst>
+              <a:ext uri="{FF2B5EF4-FFF2-40B4-BE49-F238E27FC236}">
+                <a16:creationId xmlns:a16="http://schemas.microsoft.com/office/drawing/2014/main" id="{DD8AE5A3-54AB-41F4-94B9-8879F5997A50}"/>
+              </a:ext>
+            </a:extLst>
+          </p:cNvPr>
+          <p:cNvPicPr>
+            <a:picLocks noChangeAspect="1"/>
+          </p:cNvPicPr>
+          <p:nvPr/>
+        </p:nvPicPr>
+        <p:blipFill rotWithShape="1">
+          <a:blip r:embed="rId4">
+            <a:extLst>
+              <a:ext uri="{28A0092B-C50C-407E-A947-70E740481C1C}">
+                <a14:useLocalDpi xmlns:a14="http://schemas.microsoft.com/office/drawing/2010/main" val="0"/>
+              </a:ext>
+            </a:extLst>
+          </a:blip>
+          <a:srcRect b="20922"/>
+          <a:stretch/>
+        </p:blipFill>
+        <p:spPr>
+          <a:xfrm>
+            <a:off x="2043301" y="5054270"/>
+            <a:ext cx="7537427" cy="1529907"/>
+          </a:xfrm>
+          <a:prstGeom prst="rect">
+            <a:avLst/>
+          </a:prstGeom>
+          <a:solidFill>
+            <a:srgbClr val="FFFFFF">
+              <a:shade val="85000"/>
+            </a:srgbClr>
+          </a:solidFill>
+          <a:ln w="190500" cap="rnd">
+            <a:solidFill>
+              <a:srgbClr val="FFFFFF"/>
+            </a:solidFill>
+          </a:ln>
+          <a:effectLst>
+            <a:outerShdw blurRad="50000" algn="tl" rotWithShape="0">
+              <a:srgbClr val="000000">
+                <a:alpha val="41000"/>
+              </a:srgbClr>
+            </a:outerShdw>
+          </a:effectLst>
+          <a:scene3d>
+            <a:camera prst="orthographicFront"/>
+            <a:lightRig rig="twoPt" dir="t">
+              <a:rot lat="0" lon="0" rev="7800000"/>
+            </a:lightRig>
+          </a:scene3d>
+          <a:sp3d contourW="6350">
+            <a:bevelT w="50800" h="16510"/>
+            <a:contourClr>
+              <a:srgbClr val="C0C0C0"/>
+            </a:contourClr>
+          </a:sp3d>
+        </p:spPr>
+      </p:pic>
+      <p:sp>
+        <p:nvSpPr>
+          <p:cNvPr id="10" name="Rectangle 9">
+            <a:extLst>
+              <a:ext uri="{FF2B5EF4-FFF2-40B4-BE49-F238E27FC236}">
+                <a16:creationId xmlns:a16="http://schemas.microsoft.com/office/drawing/2014/main" id="{B9490228-5523-460D-9AA3-96657B3FBE55}"/>
+              </a:ext>
+            </a:extLst>
+          </p:cNvPr>
+          <p:cNvSpPr/>
+          <p:nvPr/>
+        </p:nvSpPr>
+        <p:spPr>
+          <a:xfrm>
+            <a:off x="968991" y="3330054"/>
+            <a:ext cx="1992573" cy="231276"/>
+          </a:xfrm>
+          <a:prstGeom prst="rect">
+            <a:avLst/>
+          </a:prstGeom>
+          <a:solidFill>
+            <a:schemeClr val="accent4">
+              <a:alpha val="50000"/>
+            </a:schemeClr>
+          </a:solidFill>
+          <a:ln>
+            <a:noFill/>
+          </a:ln>
+        </p:spPr>
+        <p:style>
+          <a:lnRef idx="0">
+            <a:scrgbClr r="0" g="0" b="0"/>
+          </a:lnRef>
+          <a:fillRef idx="0">
+            <a:scrgbClr r="0" g="0" b="0"/>
+          </a:fillRef>
+          <a:effectRef idx="0">
+            <a:scrgbClr r="0" g="0" b="0"/>
+          </a:effectRef>
+          <a:fontRef idx="minor">
+            <a:schemeClr val="lt1"/>
+          </a:fontRef>
+        </p:style>
+        <p:txBody>
+          <a:bodyPr rtlCol="0" anchor="ctr"/>
+          <a:lstStyle/>
+          <a:p>
+            <a:pPr algn="ctr"/>
+            <a:endParaRPr lang="en-GB"/>
+          </a:p>
+        </p:txBody>
+      </p:sp>
+      <p:sp>
+        <p:nvSpPr>
+          <p:cNvPr id="13" name="Rectangle 12">
+            <a:extLst>
+              <a:ext uri="{FF2B5EF4-FFF2-40B4-BE49-F238E27FC236}">
+                <a16:creationId xmlns:a16="http://schemas.microsoft.com/office/drawing/2014/main" id="{E37CB689-0643-4F81-B55F-603C61B057A9}"/>
+              </a:ext>
+            </a:extLst>
+          </p:cNvPr>
+          <p:cNvSpPr/>
+          <p:nvPr/>
+        </p:nvSpPr>
+        <p:spPr>
+          <a:xfrm>
+            <a:off x="1457555" y="4302229"/>
+            <a:ext cx="1992573" cy="231276"/>
+          </a:xfrm>
+          <a:prstGeom prst="rect">
+            <a:avLst/>
+          </a:prstGeom>
+          <a:solidFill>
+            <a:schemeClr val="accent4">
+              <a:alpha val="50000"/>
+            </a:schemeClr>
+          </a:solidFill>
+          <a:ln>
+            <a:noFill/>
+          </a:ln>
+        </p:spPr>
+        <p:style>
+          <a:lnRef idx="0">
+            <a:scrgbClr r="0" g="0" b="0"/>
+          </a:lnRef>
+          <a:fillRef idx="0">
+            <a:scrgbClr r="0" g="0" b="0"/>
+          </a:fillRef>
+          <a:effectRef idx="0">
+            <a:scrgbClr r="0" g="0" b="0"/>
+          </a:effectRef>
+          <a:fontRef idx="minor">
+            <a:schemeClr val="lt1"/>
+          </a:fontRef>
+        </p:style>
+        <p:txBody>
+          <a:bodyPr rtlCol="0" anchor="ctr"/>
+          <a:lstStyle/>
+          <a:p>
+            <a:pPr algn="ctr"/>
+            <a:endParaRPr lang="en-GB"/>
+          </a:p>
+        </p:txBody>
+      </p:sp>
+      <p:sp>
+        <p:nvSpPr>
+          <p:cNvPr id="15" name="Rectangle 14">
+            <a:extLst>
+              <a:ext uri="{FF2B5EF4-FFF2-40B4-BE49-F238E27FC236}">
+                <a16:creationId xmlns:a16="http://schemas.microsoft.com/office/drawing/2014/main" id="{FE2C6585-663B-47FD-A2D9-192EF73C9DEA}"/>
+              </a:ext>
+            </a:extLst>
+          </p:cNvPr>
+          <p:cNvSpPr/>
+          <p:nvPr/>
+        </p:nvSpPr>
+        <p:spPr>
+          <a:xfrm>
+            <a:off x="2043301" y="5057643"/>
+            <a:ext cx="1992573" cy="231276"/>
+          </a:xfrm>
+          <a:prstGeom prst="rect">
+            <a:avLst/>
+          </a:prstGeom>
+          <a:solidFill>
+            <a:schemeClr val="accent4">
+              <a:alpha val="50000"/>
+            </a:schemeClr>
+          </a:solidFill>
+          <a:ln>
+            <a:noFill/>
+          </a:ln>
+        </p:spPr>
+        <p:style>
+          <a:lnRef idx="0">
+            <a:scrgbClr r="0" g="0" b="0"/>
+          </a:lnRef>
+          <a:fillRef idx="0">
+            <a:scrgbClr r="0" g="0" b="0"/>
+          </a:fillRef>
+          <a:effectRef idx="0">
+            <a:scrgbClr r="0" g="0" b="0"/>
+          </a:effectRef>
+          <a:fontRef idx="minor">
+            <a:schemeClr val="lt1"/>
+          </a:fontRef>
+        </p:style>
+        <p:txBody>
+          <a:bodyPr rtlCol="0" anchor="ctr"/>
+          <a:lstStyle/>
+          <a:p>
+            <a:pPr algn="ctr"/>
+            <a:endParaRPr lang="en-GB"/>
+          </a:p>
+        </p:txBody>
+      </p:sp>
+    </p:spTree>
+    <p:extLst>
+      <p:ext uri="{BB962C8B-B14F-4D97-AF65-F5344CB8AC3E}">
+        <p14:creationId xmlns:p14="http://schemas.microsoft.com/office/powerpoint/2010/main" val="2269499448"/>
+      </p:ext>
+    </p:extLst>
+  </p:cSld>
+  <p:clrMapOvr>
+    <a:masterClrMapping/>
+  </p:clrMapOvr>
+</p:sld>
+</file>
+
 <file path=ppt/slides/slide3.xml><?xml version="1.0" encoding="utf-8"?>
 <p:sld xmlns:a="http://schemas.openxmlformats.org/drawingml/2006/main" xmlns:r="http://schemas.openxmlformats.org/officeDocument/2006/relationships" xmlns:p="http://schemas.openxmlformats.org/presentationml/2006/main">
   <p:cSld>

--- a/screenshots/imgs.pptx
+++ b/screenshots/imgs.pptx
@@ -285,7 +285,7 @@
           <a:p>
             <a:fld id="{166DC043-4AEC-4A4E-AB79-0D54B7828DD9}" type="datetimeFigureOut">
               <a:rPr lang="en-GB" smtClean="0"/>
-              <a:t>29/06/2021</a:t>
+              <a:t>06/07/2021</a:t>
             </a:fld>
             <a:endParaRPr lang="en-GB"/>
           </a:p>
@@ -485,7 +485,7 @@
           <a:p>
             <a:fld id="{166DC043-4AEC-4A4E-AB79-0D54B7828DD9}" type="datetimeFigureOut">
               <a:rPr lang="en-GB" smtClean="0"/>
-              <a:t>29/06/2021</a:t>
+              <a:t>06/07/2021</a:t>
             </a:fld>
             <a:endParaRPr lang="en-GB"/>
           </a:p>
@@ -695,7 +695,7 @@
           <a:p>
             <a:fld id="{166DC043-4AEC-4A4E-AB79-0D54B7828DD9}" type="datetimeFigureOut">
               <a:rPr lang="en-GB" smtClean="0"/>
-              <a:t>29/06/2021</a:t>
+              <a:t>06/07/2021</a:t>
             </a:fld>
             <a:endParaRPr lang="en-GB"/>
           </a:p>
@@ -895,7 +895,7 @@
           <a:p>
             <a:fld id="{166DC043-4AEC-4A4E-AB79-0D54B7828DD9}" type="datetimeFigureOut">
               <a:rPr lang="en-GB" smtClean="0"/>
-              <a:t>29/06/2021</a:t>
+              <a:t>06/07/2021</a:t>
             </a:fld>
             <a:endParaRPr lang="en-GB"/>
           </a:p>
@@ -1171,7 +1171,7 @@
           <a:p>
             <a:fld id="{166DC043-4AEC-4A4E-AB79-0D54B7828DD9}" type="datetimeFigureOut">
               <a:rPr lang="en-GB" smtClean="0"/>
-              <a:t>29/06/2021</a:t>
+              <a:t>06/07/2021</a:t>
             </a:fld>
             <a:endParaRPr lang="en-GB"/>
           </a:p>
@@ -1439,7 +1439,7 @@
           <a:p>
             <a:fld id="{166DC043-4AEC-4A4E-AB79-0D54B7828DD9}" type="datetimeFigureOut">
               <a:rPr lang="en-GB" smtClean="0"/>
-              <a:t>29/06/2021</a:t>
+              <a:t>06/07/2021</a:t>
             </a:fld>
             <a:endParaRPr lang="en-GB"/>
           </a:p>
@@ -1854,7 +1854,7 @@
           <a:p>
             <a:fld id="{166DC043-4AEC-4A4E-AB79-0D54B7828DD9}" type="datetimeFigureOut">
               <a:rPr lang="en-GB" smtClean="0"/>
-              <a:t>29/06/2021</a:t>
+              <a:t>06/07/2021</a:t>
             </a:fld>
             <a:endParaRPr lang="en-GB"/>
           </a:p>
@@ -1996,7 +1996,7 @@
           <a:p>
             <a:fld id="{166DC043-4AEC-4A4E-AB79-0D54B7828DD9}" type="datetimeFigureOut">
               <a:rPr lang="en-GB" smtClean="0"/>
-              <a:t>29/06/2021</a:t>
+              <a:t>06/07/2021</a:t>
             </a:fld>
             <a:endParaRPr lang="en-GB"/>
           </a:p>
@@ -2109,7 +2109,7 @@
           <a:p>
             <a:fld id="{166DC043-4AEC-4A4E-AB79-0D54B7828DD9}" type="datetimeFigureOut">
               <a:rPr lang="en-GB" smtClean="0"/>
-              <a:t>29/06/2021</a:t>
+              <a:t>06/07/2021</a:t>
             </a:fld>
             <a:endParaRPr lang="en-GB"/>
           </a:p>
@@ -2422,7 +2422,7 @@
           <a:p>
             <a:fld id="{166DC043-4AEC-4A4E-AB79-0D54B7828DD9}" type="datetimeFigureOut">
               <a:rPr lang="en-GB" smtClean="0"/>
-              <a:t>29/06/2021</a:t>
+              <a:t>06/07/2021</a:t>
             </a:fld>
             <a:endParaRPr lang="en-GB"/>
           </a:p>
@@ -2711,7 +2711,7 @@
           <a:p>
             <a:fld id="{166DC043-4AEC-4A4E-AB79-0D54B7828DD9}" type="datetimeFigureOut">
               <a:rPr lang="en-GB" smtClean="0"/>
-              <a:t>29/06/2021</a:t>
+              <a:t>06/07/2021</a:t>
             </a:fld>
             <a:endParaRPr lang="en-GB"/>
           </a:p>
@@ -2954,7 +2954,7 @@
           <a:p>
             <a:fld id="{166DC043-4AEC-4A4E-AB79-0D54B7828DD9}" type="datetimeFigureOut">
               <a:rPr lang="en-GB" smtClean="0"/>
-              <a:t>29/06/2021</a:t>
+              <a:t>06/07/2021</a:t>
             </a:fld>
             <a:endParaRPr lang="en-GB"/>
           </a:p>
@@ -9821,10 +9821,10 @@
       </p:grpSpPr>
       <p:pic>
         <p:nvPicPr>
-          <p:cNvPr id="5" name="Picture 4" descr="Graphical user interface, table&#10;&#10;Description automatically generated with medium confidence">
-            <a:extLst>
-              <a:ext uri="{FF2B5EF4-FFF2-40B4-BE49-F238E27FC236}">
-                <a16:creationId xmlns:a16="http://schemas.microsoft.com/office/drawing/2014/main" id="{79AB261E-88BC-4B4D-96EC-D3FD9971EBED}"/>
+          <p:cNvPr id="3" name="Picture 2" descr="Graphical user interface&#10;&#10;Description automatically generated">
+            <a:extLst>
+              <a:ext uri="{FF2B5EF4-FFF2-40B4-BE49-F238E27FC236}">
+                <a16:creationId xmlns:a16="http://schemas.microsoft.com/office/drawing/2014/main" id="{ED2138F8-BD3C-4632-8FD6-325101CE0D57}"/>
               </a:ext>
             </a:extLst>
           </p:cNvPr>
@@ -9847,8 +9847,8 @@
         </p:blipFill>
         <p:spPr>
           <a:xfrm>
-            <a:off x="2972576" y="643466"/>
-            <a:ext cx="6246848" cy="5571067"/>
+            <a:off x="2269338" y="125261"/>
+            <a:ext cx="7526015" cy="6637990"/>
           </a:xfrm>
           <a:prstGeom prst="rect">
             <a:avLst/>
@@ -9869,8 +9869,8 @@
         </p:nvSpPr>
         <p:spPr>
           <a:xfrm>
-            <a:off x="6212910" y="2217107"/>
-            <a:ext cx="501041" cy="1828800"/>
+            <a:off x="4459265" y="4837134"/>
+            <a:ext cx="488515" cy="1283917"/>
           </a:xfrm>
           <a:prstGeom prst="rightBrace">
             <a:avLst>
@@ -9916,14 +9916,76 @@
         </p:nvSpPr>
         <p:spPr>
           <a:xfrm>
-            <a:off x="6980520" y="2855934"/>
+            <a:off x="5103306" y="5217090"/>
+            <a:ext cx="1086641" cy="369332"/>
+          </a:xfrm>
+          <a:prstGeom prst="rect">
+            <a:avLst/>
+          </a:prstGeom>
+        </p:spPr>
+        <p:style>
+          <a:lnRef idx="2">
+            <a:schemeClr val="dk1"/>
+          </a:lnRef>
+          <a:fillRef idx="1">
+            <a:schemeClr val="lt1"/>
+          </a:fillRef>
+          <a:effectRef idx="0">
+            <a:schemeClr val="dk1"/>
+          </a:effectRef>
+          <a:fontRef idx="minor">
+            <a:schemeClr val="dk1"/>
+          </a:fontRef>
+        </p:style>
+        <p:txBody>
+          <a:bodyPr wrap="square" rtlCol="0">
+            <a:spAutoFit/>
+          </a:bodyPr>
+          <a:lstStyle/>
+          <a:p>
+            <a:r>
+              <a:rPr lang="it-IT" dirty="0" err="1"/>
+              <a:t>Numeric</a:t>
+            </a:r>
+            <a:endParaRPr lang="en-GB" dirty="0"/>
+          </a:p>
+        </p:txBody>
+      </p:sp>
+      <p:sp>
+        <p:nvSpPr>
+          <p:cNvPr id="15" name="TextBox 14">
+            <a:extLst>
+              <a:ext uri="{FF2B5EF4-FFF2-40B4-BE49-F238E27FC236}">
+                <a16:creationId xmlns:a16="http://schemas.microsoft.com/office/drawing/2014/main" id="{6DE3E522-1E48-4593-BECB-FF5116C8A963}"/>
+              </a:ext>
+            </a:extLst>
+          </p:cNvPr>
+          <p:cNvSpPr txBox="1"/>
+          <p:nvPr/>
+        </p:nvSpPr>
+        <p:spPr>
+          <a:xfrm>
+            <a:off x="5539211" y="4135677"/>
             <a:ext cx="986167" cy="369332"/>
           </a:xfrm>
           <a:prstGeom prst="rect">
             <a:avLst/>
           </a:prstGeom>
-          <a:noFill/>
-        </p:spPr>
+        </p:spPr>
+        <p:style>
+          <a:lnRef idx="2">
+            <a:schemeClr val="dk1"/>
+          </a:lnRef>
+          <a:fillRef idx="1">
+            <a:schemeClr val="lt1"/>
+          </a:fillRef>
+          <a:effectRef idx="0">
+            <a:schemeClr val="dk1"/>
+          </a:effectRef>
+          <a:fontRef idx="minor">
+            <a:schemeClr val="dk1"/>
+          </a:fontRef>
+        </p:style>
         <p:txBody>
           <a:bodyPr wrap="none" rtlCol="0">
             <a:spAutoFit/>
@@ -9940,10 +10002,10 @@
       </p:sp>
       <p:cxnSp>
         <p:nvCxnSpPr>
-          <p:cNvPr id="9" name="Straight Arrow Connector 8">
-            <a:extLst>
-              <a:ext uri="{FF2B5EF4-FFF2-40B4-BE49-F238E27FC236}">
-                <a16:creationId xmlns:a16="http://schemas.microsoft.com/office/drawing/2014/main" id="{6F2D7403-04F4-4005-8848-757835A035F4}"/>
+          <p:cNvPr id="16" name="Straight Arrow Connector 15">
+            <a:extLst>
+              <a:ext uri="{FF2B5EF4-FFF2-40B4-BE49-F238E27FC236}">
+                <a16:creationId xmlns:a16="http://schemas.microsoft.com/office/drawing/2014/main" id="{66708685-2BA4-4E28-9767-C5ADC52D2172}"/>
               </a:ext>
             </a:extLst>
           </p:cNvPr>
@@ -9953,85 +10015,8 @@
           <p:nvPr/>
         </p:nvCxnSpPr>
         <p:spPr>
-          <a:xfrm flipH="1">
-            <a:off x="5887235" y="1640910"/>
-            <a:ext cx="1002080" cy="0"/>
-          </a:xfrm>
-          <a:prstGeom prst="straightConnector1">
-            <a:avLst/>
-          </a:prstGeom>
-          <a:ln>
-            <a:tailEnd type="triangle"/>
-          </a:ln>
-        </p:spPr>
-        <p:style>
-          <a:lnRef idx="3">
-            <a:schemeClr val="dk1"/>
-          </a:lnRef>
-          <a:fillRef idx="0">
-            <a:schemeClr val="dk1"/>
-          </a:fillRef>
-          <a:effectRef idx="2">
-            <a:schemeClr val="dk1"/>
-          </a:effectRef>
-          <a:fontRef idx="minor">
-            <a:schemeClr val="tx1"/>
-          </a:fontRef>
-        </p:style>
-      </p:cxnSp>
-      <p:sp>
-        <p:nvSpPr>
-          <p:cNvPr id="15" name="TextBox 14">
-            <a:extLst>
-              <a:ext uri="{FF2B5EF4-FFF2-40B4-BE49-F238E27FC236}">
-                <a16:creationId xmlns:a16="http://schemas.microsoft.com/office/drawing/2014/main" id="{6DE3E522-1E48-4593-BECB-FF5116C8A963}"/>
-              </a:ext>
-            </a:extLst>
-          </p:cNvPr>
-          <p:cNvSpPr txBox="1"/>
-          <p:nvPr/>
-        </p:nvSpPr>
-        <p:spPr>
-          <a:xfrm>
-            <a:off x="6980519" y="1456244"/>
-            <a:ext cx="986167" cy="369332"/>
-          </a:xfrm>
-          <a:prstGeom prst="rect">
-            <a:avLst/>
-          </a:prstGeom>
-          <a:noFill/>
-        </p:spPr>
-        <p:txBody>
-          <a:bodyPr wrap="none" rtlCol="0">
-            <a:spAutoFit/>
-          </a:bodyPr>
-          <a:lstStyle/>
-          <a:p>
-            <a:r>
-              <a:rPr lang="it-IT" dirty="0" err="1"/>
-              <a:t>Numeric</a:t>
-            </a:r>
-            <a:endParaRPr lang="en-GB" dirty="0"/>
-          </a:p>
-        </p:txBody>
-      </p:sp>
-      <p:cxnSp>
-        <p:nvCxnSpPr>
-          <p:cNvPr id="16" name="Straight Arrow Connector 15">
-            <a:extLst>
-              <a:ext uri="{FF2B5EF4-FFF2-40B4-BE49-F238E27FC236}">
-                <a16:creationId xmlns:a16="http://schemas.microsoft.com/office/drawing/2014/main" id="{66708685-2BA4-4E28-9767-C5ADC52D2172}"/>
-              </a:ext>
-            </a:extLst>
-          </p:cNvPr>
-          <p:cNvCxnSpPr>
-            <a:cxnSpLocks/>
-          </p:cNvCxnSpPr>
-          <p:nvPr/>
-        </p:nvCxnSpPr>
-        <p:spPr>
           <a:xfrm flipH="1" flipV="1">
-            <a:off x="5398721" y="2006252"/>
+            <a:off x="3957413" y="4685685"/>
             <a:ext cx="1490594" cy="10438"/>
           </a:xfrm>
           <a:prstGeom prst="straightConnector1">
@@ -10072,8 +10057,8 @@
         </p:nvCxnSpPr>
         <p:spPr>
           <a:xfrm flipH="1">
-            <a:off x="5887234" y="1640910"/>
-            <a:ext cx="977029" cy="0"/>
+            <a:off x="4283900" y="4378984"/>
+            <a:ext cx="1164107" cy="0"/>
           </a:xfrm>
           <a:prstGeom prst="straightConnector1">
             <a:avLst/>
@@ -10111,14 +10096,27 @@
         </p:nvSpPr>
         <p:spPr>
           <a:xfrm>
-            <a:off x="7005571" y="1800895"/>
+            <a:off x="5564263" y="4480328"/>
             <a:ext cx="625684" cy="369332"/>
           </a:xfrm>
           <a:prstGeom prst="rect">
             <a:avLst/>
           </a:prstGeom>
-          <a:noFill/>
-        </p:spPr>
+        </p:spPr>
+        <p:style>
+          <a:lnRef idx="2">
+            <a:schemeClr val="dk1"/>
+          </a:lnRef>
+          <a:fillRef idx="1">
+            <a:schemeClr val="lt1"/>
+          </a:fillRef>
+          <a:effectRef idx="0">
+            <a:schemeClr val="dk1"/>
+          </a:effectRef>
+          <a:fontRef idx="minor">
+            <a:schemeClr val="dk1"/>
+          </a:fontRef>
+        </p:style>
         <p:txBody>
           <a:bodyPr wrap="none" rtlCol="0">
             <a:spAutoFit/>

--- a/screenshots/imgs.pptx
+++ b/screenshots/imgs.pptx
@@ -30,6 +30,7 @@
     <p:sldId id="278" r:id="rId24"/>
     <p:sldId id="279" r:id="rId25"/>
     <p:sldId id="280" r:id="rId26"/>
+    <p:sldId id="281" r:id="rId27"/>
   </p:sldIdLst>
   <p:sldSz cx="12192000" cy="6858000"/>
   <p:notesSz cx="6858000" cy="9144000"/>
@@ -285,7 +286,7 @@
           <a:p>
             <a:fld id="{166DC043-4AEC-4A4E-AB79-0D54B7828DD9}" type="datetimeFigureOut">
               <a:rPr lang="en-GB" smtClean="0"/>
-              <a:t>06/07/2021</a:t>
+              <a:t>06/08/2021</a:t>
             </a:fld>
             <a:endParaRPr lang="en-GB"/>
           </a:p>
@@ -485,7 +486,7 @@
           <a:p>
             <a:fld id="{166DC043-4AEC-4A4E-AB79-0D54B7828DD9}" type="datetimeFigureOut">
               <a:rPr lang="en-GB" smtClean="0"/>
-              <a:t>06/07/2021</a:t>
+              <a:t>06/08/2021</a:t>
             </a:fld>
             <a:endParaRPr lang="en-GB"/>
           </a:p>
@@ -695,7 +696,7 @@
           <a:p>
             <a:fld id="{166DC043-4AEC-4A4E-AB79-0D54B7828DD9}" type="datetimeFigureOut">
               <a:rPr lang="en-GB" smtClean="0"/>
-              <a:t>06/07/2021</a:t>
+              <a:t>06/08/2021</a:t>
             </a:fld>
             <a:endParaRPr lang="en-GB"/>
           </a:p>
@@ -895,7 +896,7 @@
           <a:p>
             <a:fld id="{166DC043-4AEC-4A4E-AB79-0D54B7828DD9}" type="datetimeFigureOut">
               <a:rPr lang="en-GB" smtClean="0"/>
-              <a:t>06/07/2021</a:t>
+              <a:t>06/08/2021</a:t>
             </a:fld>
             <a:endParaRPr lang="en-GB"/>
           </a:p>
@@ -1171,7 +1172,7 @@
           <a:p>
             <a:fld id="{166DC043-4AEC-4A4E-AB79-0D54B7828DD9}" type="datetimeFigureOut">
               <a:rPr lang="en-GB" smtClean="0"/>
-              <a:t>06/07/2021</a:t>
+              <a:t>06/08/2021</a:t>
             </a:fld>
             <a:endParaRPr lang="en-GB"/>
           </a:p>
@@ -1439,7 +1440,7 @@
           <a:p>
             <a:fld id="{166DC043-4AEC-4A4E-AB79-0D54B7828DD9}" type="datetimeFigureOut">
               <a:rPr lang="en-GB" smtClean="0"/>
-              <a:t>06/07/2021</a:t>
+              <a:t>06/08/2021</a:t>
             </a:fld>
             <a:endParaRPr lang="en-GB"/>
           </a:p>
@@ -1854,7 +1855,7 @@
           <a:p>
             <a:fld id="{166DC043-4AEC-4A4E-AB79-0D54B7828DD9}" type="datetimeFigureOut">
               <a:rPr lang="en-GB" smtClean="0"/>
-              <a:t>06/07/2021</a:t>
+              <a:t>06/08/2021</a:t>
             </a:fld>
             <a:endParaRPr lang="en-GB"/>
           </a:p>
@@ -1996,7 +1997,7 @@
           <a:p>
             <a:fld id="{166DC043-4AEC-4A4E-AB79-0D54B7828DD9}" type="datetimeFigureOut">
               <a:rPr lang="en-GB" smtClean="0"/>
-              <a:t>06/07/2021</a:t>
+              <a:t>06/08/2021</a:t>
             </a:fld>
             <a:endParaRPr lang="en-GB"/>
           </a:p>
@@ -2109,7 +2110,7 @@
           <a:p>
             <a:fld id="{166DC043-4AEC-4A4E-AB79-0D54B7828DD9}" type="datetimeFigureOut">
               <a:rPr lang="en-GB" smtClean="0"/>
-              <a:t>06/07/2021</a:t>
+              <a:t>06/08/2021</a:t>
             </a:fld>
             <a:endParaRPr lang="en-GB"/>
           </a:p>
@@ -2422,7 +2423,7 @@
           <a:p>
             <a:fld id="{166DC043-4AEC-4A4E-AB79-0D54B7828DD9}" type="datetimeFigureOut">
               <a:rPr lang="en-GB" smtClean="0"/>
-              <a:t>06/07/2021</a:t>
+              <a:t>06/08/2021</a:t>
             </a:fld>
             <a:endParaRPr lang="en-GB"/>
           </a:p>
@@ -2711,7 +2712,7 @@
           <a:p>
             <a:fld id="{166DC043-4AEC-4A4E-AB79-0D54B7828DD9}" type="datetimeFigureOut">
               <a:rPr lang="en-GB" smtClean="0"/>
-              <a:t>06/07/2021</a:t>
+              <a:t>06/08/2021</a:t>
             </a:fld>
             <a:endParaRPr lang="en-GB"/>
           </a:p>
@@ -2954,7 +2955,7 @@
           <a:p>
             <a:fld id="{166DC043-4AEC-4A4E-AB79-0D54B7828DD9}" type="datetimeFigureOut">
               <a:rPr lang="en-GB" smtClean="0"/>
-              <a:t>06/07/2021</a:t>
+              <a:t>06/08/2021</a:t>
             </a:fld>
             <a:endParaRPr lang="en-GB"/>
           </a:p>
@@ -12753,6 +12754,461 @@
 </p:sld>
 </file>
 
+<file path=ppt/slides/slide26.xml><?xml version="1.0" encoding="utf-8"?>
+<p:sld xmlns:a="http://schemas.openxmlformats.org/drawingml/2006/main" xmlns:r="http://schemas.openxmlformats.org/officeDocument/2006/relationships" xmlns:p="http://schemas.openxmlformats.org/presentationml/2006/main">
+  <p:cSld>
+    <p:spTree>
+      <p:nvGrpSpPr>
+        <p:cNvPr id="1" name=""/>
+        <p:cNvGrpSpPr/>
+        <p:nvPr/>
+      </p:nvGrpSpPr>
+      <p:grpSpPr>
+        <a:xfrm>
+          <a:off x="0" y="0"/>
+          <a:ext cx="0" cy="0"/>
+          <a:chOff x="0" y="0"/>
+          <a:chExt cx="0" cy="0"/>
+        </a:xfrm>
+      </p:grpSpPr>
+      <p:sp>
+        <p:nvSpPr>
+          <p:cNvPr id="4" name="Oval 3">
+            <a:extLst>
+              <a:ext uri="{FF2B5EF4-FFF2-40B4-BE49-F238E27FC236}">
+                <a16:creationId xmlns:a16="http://schemas.microsoft.com/office/drawing/2014/main" id="{B4273429-313B-458D-AEAB-8525E523FFC6}"/>
+              </a:ext>
+            </a:extLst>
+          </p:cNvPr>
+          <p:cNvSpPr/>
+          <p:nvPr/>
+        </p:nvSpPr>
+        <p:spPr>
+          <a:xfrm>
+            <a:off x="1069521" y="1926771"/>
+            <a:ext cx="3314700" cy="1738993"/>
+          </a:xfrm>
+          <a:prstGeom prst="ellipse">
+            <a:avLst/>
+          </a:prstGeom>
+          <a:solidFill>
+            <a:schemeClr val="accent2">
+              <a:alpha val="50000"/>
+            </a:schemeClr>
+          </a:solidFill>
+          <a:ln>
+            <a:solidFill>
+              <a:schemeClr val="tx1"/>
+            </a:solidFill>
+          </a:ln>
+        </p:spPr>
+        <p:style>
+          <a:lnRef idx="0">
+            <a:scrgbClr r="0" g="0" b="0"/>
+          </a:lnRef>
+          <a:fillRef idx="0">
+            <a:scrgbClr r="0" g="0" b="0"/>
+          </a:fillRef>
+          <a:effectRef idx="0">
+            <a:scrgbClr r="0" g="0" b="0"/>
+          </a:effectRef>
+          <a:fontRef idx="minor">
+            <a:schemeClr val="lt1"/>
+          </a:fontRef>
+        </p:style>
+        <p:txBody>
+          <a:bodyPr rtlCol="0" anchor="ctr"/>
+          <a:lstStyle/>
+          <a:p>
+            <a:pPr algn="ctr"/>
+            <a:r>
+              <a:rPr lang="it-IT" b="1" dirty="0">
+                <a:solidFill>
+                  <a:schemeClr val="tx1"/>
+                </a:solidFill>
+              </a:rPr>
+              <a:t>DATA step </a:t>
+            </a:r>
+            <a:r>
+              <a:rPr lang="it-IT" b="1" dirty="0" err="1">
+                <a:solidFill>
+                  <a:schemeClr val="tx1"/>
+                </a:solidFill>
+              </a:rPr>
+              <a:t>variables</a:t>
+            </a:r>
+            <a:r>
+              <a:rPr lang="it-IT" b="1" dirty="0">
+                <a:solidFill>
+                  <a:schemeClr val="tx1"/>
+                </a:solidFill>
+              </a:rPr>
+              <a:t> </a:t>
+            </a:r>
+          </a:p>
+          <a:p>
+            <a:pPr marL="285750" indent="-285750">
+              <a:buFont typeface="Arial" panose="020B0604020202020204" pitchFamily="34" charset="0"/>
+              <a:buChar char="•"/>
+            </a:pPr>
+            <a:r>
+              <a:rPr lang="it-IT" dirty="0">
+                <a:solidFill>
+                  <a:schemeClr val="tx1"/>
+                </a:solidFill>
+              </a:rPr>
+              <a:t>User </a:t>
+            </a:r>
+            <a:r>
+              <a:rPr lang="it-IT" dirty="0" err="1">
+                <a:solidFill>
+                  <a:schemeClr val="tx1"/>
+                </a:solidFill>
+              </a:rPr>
+              <a:t>defined</a:t>
+            </a:r>
+            <a:endParaRPr lang="it-IT" dirty="0">
+              <a:solidFill>
+                <a:schemeClr val="tx1"/>
+              </a:solidFill>
+            </a:endParaRPr>
+          </a:p>
+          <a:p>
+            <a:pPr marL="285750" indent="-285750">
+              <a:buFont typeface="Arial" panose="020B0604020202020204" pitchFamily="34" charset="0"/>
+              <a:buChar char="•"/>
+            </a:pPr>
+            <a:r>
+              <a:rPr lang="it-IT" dirty="0" err="1">
+                <a:solidFill>
+                  <a:schemeClr val="tx1"/>
+                </a:solidFill>
+              </a:rPr>
+              <a:t>Automatic</a:t>
+            </a:r>
+            <a:endParaRPr lang="en-GB" dirty="0">
+              <a:solidFill>
+                <a:schemeClr val="tx1"/>
+              </a:solidFill>
+            </a:endParaRPr>
+          </a:p>
+        </p:txBody>
+      </p:sp>
+      <p:sp>
+        <p:nvSpPr>
+          <p:cNvPr id="5" name="Oval 4">
+            <a:extLst>
+              <a:ext uri="{FF2B5EF4-FFF2-40B4-BE49-F238E27FC236}">
+                <a16:creationId xmlns:a16="http://schemas.microsoft.com/office/drawing/2014/main" id="{00CA6235-78C0-4458-90D7-7F8782054711}"/>
+              </a:ext>
+            </a:extLst>
+          </p:cNvPr>
+          <p:cNvSpPr/>
+          <p:nvPr/>
+        </p:nvSpPr>
+        <p:spPr>
+          <a:xfrm>
+            <a:off x="7668988" y="1926771"/>
+            <a:ext cx="3314700" cy="1738993"/>
+          </a:xfrm>
+          <a:prstGeom prst="ellipse">
+            <a:avLst/>
+          </a:prstGeom>
+          <a:solidFill>
+            <a:schemeClr val="accent4">
+              <a:alpha val="50000"/>
+            </a:schemeClr>
+          </a:solidFill>
+          <a:ln>
+            <a:solidFill>
+              <a:schemeClr val="tx1"/>
+            </a:solidFill>
+          </a:ln>
+        </p:spPr>
+        <p:style>
+          <a:lnRef idx="0">
+            <a:scrgbClr r="0" g="0" b="0"/>
+          </a:lnRef>
+          <a:fillRef idx="0">
+            <a:scrgbClr r="0" g="0" b="0"/>
+          </a:fillRef>
+          <a:effectRef idx="0">
+            <a:scrgbClr r="0" g="0" b="0"/>
+          </a:effectRef>
+          <a:fontRef idx="minor">
+            <a:schemeClr val="lt1"/>
+          </a:fontRef>
+        </p:style>
+        <p:txBody>
+          <a:bodyPr rtlCol="0" anchor="ctr"/>
+          <a:lstStyle/>
+          <a:p>
+            <a:pPr algn="ctr"/>
+            <a:r>
+              <a:rPr lang="it-IT" b="1" dirty="0">
+                <a:solidFill>
+                  <a:schemeClr val="tx1"/>
+                </a:solidFill>
+              </a:rPr>
+              <a:t>Macro </a:t>
+            </a:r>
+            <a:r>
+              <a:rPr lang="it-IT" b="1" dirty="0" err="1">
+                <a:solidFill>
+                  <a:schemeClr val="tx1"/>
+                </a:solidFill>
+              </a:rPr>
+              <a:t>variables</a:t>
+            </a:r>
+            <a:r>
+              <a:rPr lang="it-IT" b="1" dirty="0">
+                <a:solidFill>
+                  <a:schemeClr val="tx1"/>
+                </a:solidFill>
+              </a:rPr>
+              <a:t> </a:t>
+            </a:r>
+          </a:p>
+          <a:p>
+            <a:pPr marL="285750" indent="-285750">
+              <a:buFont typeface="Arial" panose="020B0604020202020204" pitchFamily="34" charset="0"/>
+              <a:buChar char="•"/>
+            </a:pPr>
+            <a:r>
+              <a:rPr lang="it-IT" dirty="0">
+                <a:solidFill>
+                  <a:schemeClr val="tx1"/>
+                </a:solidFill>
+              </a:rPr>
+              <a:t>User </a:t>
+            </a:r>
+            <a:r>
+              <a:rPr lang="it-IT" dirty="0" err="1">
+                <a:solidFill>
+                  <a:schemeClr val="tx1"/>
+                </a:solidFill>
+              </a:rPr>
+              <a:t>defined</a:t>
+            </a:r>
+            <a:r>
+              <a:rPr lang="it-IT" dirty="0">
+                <a:solidFill>
+                  <a:schemeClr val="tx1"/>
+                </a:solidFill>
+              </a:rPr>
+              <a:t> </a:t>
+            </a:r>
+          </a:p>
+          <a:p>
+            <a:pPr marL="285750" indent="-285750">
+              <a:buFont typeface="Arial" panose="020B0604020202020204" pitchFamily="34" charset="0"/>
+              <a:buChar char="•"/>
+            </a:pPr>
+            <a:r>
+              <a:rPr lang="it-IT" dirty="0" err="1">
+                <a:solidFill>
+                  <a:schemeClr val="tx1"/>
+                </a:solidFill>
+              </a:rPr>
+              <a:t>Automatic</a:t>
+            </a:r>
+            <a:endParaRPr lang="en-GB" dirty="0">
+              <a:solidFill>
+                <a:schemeClr val="tx1"/>
+              </a:solidFill>
+            </a:endParaRPr>
+          </a:p>
+        </p:txBody>
+      </p:sp>
+      <p:sp>
+        <p:nvSpPr>
+          <p:cNvPr id="6" name="Arrow: Curved Down 5">
+            <a:extLst>
+              <a:ext uri="{FF2B5EF4-FFF2-40B4-BE49-F238E27FC236}">
+                <a16:creationId xmlns:a16="http://schemas.microsoft.com/office/drawing/2014/main" id="{8435CC8E-C2D8-4633-A888-3F9EE7ED1932}"/>
+              </a:ext>
+            </a:extLst>
+          </p:cNvPr>
+          <p:cNvSpPr/>
+          <p:nvPr/>
+        </p:nvSpPr>
+        <p:spPr>
+          <a:xfrm>
+            <a:off x="2590800" y="1195251"/>
+            <a:ext cx="6906126" cy="731520"/>
+          </a:xfrm>
+          <a:prstGeom prst="curvedDownArrow">
+            <a:avLst/>
+          </a:prstGeom>
+        </p:spPr>
+        <p:style>
+          <a:lnRef idx="2">
+            <a:schemeClr val="dk1">
+              <a:shade val="50000"/>
+            </a:schemeClr>
+          </a:lnRef>
+          <a:fillRef idx="1">
+            <a:schemeClr val="dk1"/>
+          </a:fillRef>
+          <a:effectRef idx="0">
+            <a:schemeClr val="dk1"/>
+          </a:effectRef>
+          <a:fontRef idx="minor">
+            <a:schemeClr val="lt1"/>
+          </a:fontRef>
+        </p:style>
+        <p:txBody>
+          <a:bodyPr rtlCol="0" anchor="ctr"/>
+          <a:lstStyle/>
+          <a:p>
+            <a:pPr algn="ctr"/>
+            <a:endParaRPr lang="en-GB">
+              <a:solidFill>
+                <a:schemeClr val="tx1"/>
+              </a:solidFill>
+            </a:endParaRPr>
+          </a:p>
+        </p:txBody>
+      </p:sp>
+      <p:sp>
+        <p:nvSpPr>
+          <p:cNvPr id="7" name="Arrow: Curved Down 6">
+            <a:extLst>
+              <a:ext uri="{FF2B5EF4-FFF2-40B4-BE49-F238E27FC236}">
+                <a16:creationId xmlns:a16="http://schemas.microsoft.com/office/drawing/2014/main" id="{96A3891A-049C-43B9-89FF-4F9CB774F618}"/>
+              </a:ext>
+            </a:extLst>
+          </p:cNvPr>
+          <p:cNvSpPr/>
+          <p:nvPr/>
+        </p:nvSpPr>
+        <p:spPr>
+          <a:xfrm rot="10800000">
+            <a:off x="2510589" y="3665764"/>
+            <a:ext cx="6906126" cy="731520"/>
+          </a:xfrm>
+          <a:prstGeom prst="curvedDownArrow">
+            <a:avLst/>
+          </a:prstGeom>
+        </p:spPr>
+        <p:style>
+          <a:lnRef idx="2">
+            <a:schemeClr val="dk1">
+              <a:shade val="50000"/>
+            </a:schemeClr>
+          </a:lnRef>
+          <a:fillRef idx="1">
+            <a:schemeClr val="dk1"/>
+          </a:fillRef>
+          <a:effectRef idx="0">
+            <a:schemeClr val="dk1"/>
+          </a:effectRef>
+          <a:fontRef idx="minor">
+            <a:schemeClr val="lt1"/>
+          </a:fontRef>
+        </p:style>
+        <p:txBody>
+          <a:bodyPr rtlCol="0" anchor="ctr"/>
+          <a:lstStyle/>
+          <a:p>
+            <a:pPr algn="ctr"/>
+            <a:endParaRPr lang="en-GB">
+              <a:solidFill>
+                <a:schemeClr val="tx1"/>
+              </a:solidFill>
+            </a:endParaRPr>
+          </a:p>
+        </p:txBody>
+      </p:sp>
+      <p:sp>
+        <p:nvSpPr>
+          <p:cNvPr id="8" name="TextBox 7">
+            <a:extLst>
+              <a:ext uri="{FF2B5EF4-FFF2-40B4-BE49-F238E27FC236}">
+                <a16:creationId xmlns:a16="http://schemas.microsoft.com/office/drawing/2014/main" id="{34F1A003-7D48-4BB7-AE5F-95E053598E95}"/>
+              </a:ext>
+            </a:extLst>
+          </p:cNvPr>
+          <p:cNvSpPr txBox="1"/>
+          <p:nvPr/>
+        </p:nvSpPr>
+        <p:spPr>
+          <a:xfrm>
+            <a:off x="4816641" y="649705"/>
+            <a:ext cx="2294021" cy="369332"/>
+          </a:xfrm>
+          <a:prstGeom prst="rect">
+            <a:avLst/>
+          </a:prstGeom>
+          <a:noFill/>
+        </p:spPr>
+        <p:txBody>
+          <a:bodyPr wrap="square" rtlCol="0">
+            <a:spAutoFit/>
+          </a:bodyPr>
+          <a:lstStyle/>
+          <a:p>
+            <a:r>
+              <a:rPr lang="it-IT" dirty="0"/>
+              <a:t>CALL SYMPUT routine</a:t>
+            </a:r>
+            <a:endParaRPr lang="en-GB" dirty="0"/>
+          </a:p>
+        </p:txBody>
+      </p:sp>
+      <p:sp>
+        <p:nvSpPr>
+          <p:cNvPr id="9" name="TextBox 8">
+            <a:extLst>
+              <a:ext uri="{FF2B5EF4-FFF2-40B4-BE49-F238E27FC236}">
+                <a16:creationId xmlns:a16="http://schemas.microsoft.com/office/drawing/2014/main" id="{5A3F6A43-8801-4C63-9555-1800C3780828}"/>
+              </a:ext>
+            </a:extLst>
+          </p:cNvPr>
+          <p:cNvSpPr txBox="1"/>
+          <p:nvPr/>
+        </p:nvSpPr>
+        <p:spPr>
+          <a:xfrm>
+            <a:off x="4948989" y="4539916"/>
+            <a:ext cx="2294021" cy="369332"/>
+          </a:xfrm>
+          <a:prstGeom prst="rect">
+            <a:avLst/>
+          </a:prstGeom>
+          <a:noFill/>
+        </p:spPr>
+        <p:txBody>
+          <a:bodyPr wrap="square" rtlCol="0">
+            <a:spAutoFit/>
+          </a:bodyPr>
+          <a:lstStyle/>
+          <a:p>
+            <a:r>
+              <a:rPr lang="it-IT" dirty="0"/>
+              <a:t>SYMGET </a:t>
+            </a:r>
+            <a:r>
+              <a:rPr lang="it-IT" dirty="0" err="1"/>
+              <a:t>function</a:t>
+            </a:r>
+            <a:endParaRPr lang="en-GB" dirty="0"/>
+          </a:p>
+        </p:txBody>
+      </p:sp>
+    </p:spTree>
+    <p:extLst>
+      <p:ext uri="{BB962C8B-B14F-4D97-AF65-F5344CB8AC3E}">
+        <p14:creationId xmlns:p14="http://schemas.microsoft.com/office/powerpoint/2010/main" val="1442562608"/>
+      </p:ext>
+    </p:extLst>
+  </p:cSld>
+  <p:clrMapOvr>
+    <a:masterClrMapping/>
+  </p:clrMapOvr>
+</p:sld>
+</file>
+
 <file path=ppt/slides/slide3.xml><?xml version="1.0" encoding="utf-8"?>
 <p:sld xmlns:a="http://schemas.openxmlformats.org/drawingml/2006/main" xmlns:r="http://schemas.openxmlformats.org/officeDocument/2006/relationships" xmlns:p="http://schemas.openxmlformats.org/presentationml/2006/main">
   <p:cSld>

--- a/screenshots/imgs.pptx
+++ b/screenshots/imgs.pptx
@@ -31,6 +31,7 @@
     <p:sldId id="279" r:id="rId25"/>
     <p:sldId id="280" r:id="rId26"/>
     <p:sldId id="281" r:id="rId27"/>
+    <p:sldId id="282" r:id="rId28"/>
   </p:sldIdLst>
   <p:sldSz cx="12192000" cy="6858000"/>
   <p:notesSz cx="6858000" cy="9144000"/>
@@ -286,7 +287,7 @@
           <a:p>
             <a:fld id="{166DC043-4AEC-4A4E-AB79-0D54B7828DD9}" type="datetimeFigureOut">
               <a:rPr lang="en-GB" smtClean="0"/>
-              <a:t>06/08/2021</a:t>
+              <a:t>26/08/2021</a:t>
             </a:fld>
             <a:endParaRPr lang="en-GB"/>
           </a:p>
@@ -486,7 +487,7 @@
           <a:p>
             <a:fld id="{166DC043-4AEC-4A4E-AB79-0D54B7828DD9}" type="datetimeFigureOut">
               <a:rPr lang="en-GB" smtClean="0"/>
-              <a:t>06/08/2021</a:t>
+              <a:t>26/08/2021</a:t>
             </a:fld>
             <a:endParaRPr lang="en-GB"/>
           </a:p>
@@ -696,7 +697,7 @@
           <a:p>
             <a:fld id="{166DC043-4AEC-4A4E-AB79-0D54B7828DD9}" type="datetimeFigureOut">
               <a:rPr lang="en-GB" smtClean="0"/>
-              <a:t>06/08/2021</a:t>
+              <a:t>26/08/2021</a:t>
             </a:fld>
             <a:endParaRPr lang="en-GB"/>
           </a:p>
@@ -896,7 +897,7 @@
           <a:p>
             <a:fld id="{166DC043-4AEC-4A4E-AB79-0D54B7828DD9}" type="datetimeFigureOut">
               <a:rPr lang="en-GB" smtClean="0"/>
-              <a:t>06/08/2021</a:t>
+              <a:t>26/08/2021</a:t>
             </a:fld>
             <a:endParaRPr lang="en-GB"/>
           </a:p>
@@ -1172,7 +1173,7 @@
           <a:p>
             <a:fld id="{166DC043-4AEC-4A4E-AB79-0D54B7828DD9}" type="datetimeFigureOut">
               <a:rPr lang="en-GB" smtClean="0"/>
-              <a:t>06/08/2021</a:t>
+              <a:t>26/08/2021</a:t>
             </a:fld>
             <a:endParaRPr lang="en-GB"/>
           </a:p>
@@ -1440,7 +1441,7 @@
           <a:p>
             <a:fld id="{166DC043-4AEC-4A4E-AB79-0D54B7828DD9}" type="datetimeFigureOut">
               <a:rPr lang="en-GB" smtClean="0"/>
-              <a:t>06/08/2021</a:t>
+              <a:t>26/08/2021</a:t>
             </a:fld>
             <a:endParaRPr lang="en-GB"/>
           </a:p>
@@ -1855,7 +1856,7 @@
           <a:p>
             <a:fld id="{166DC043-4AEC-4A4E-AB79-0D54B7828DD9}" type="datetimeFigureOut">
               <a:rPr lang="en-GB" smtClean="0"/>
-              <a:t>06/08/2021</a:t>
+              <a:t>26/08/2021</a:t>
             </a:fld>
             <a:endParaRPr lang="en-GB"/>
           </a:p>
@@ -1997,7 +1998,7 @@
           <a:p>
             <a:fld id="{166DC043-4AEC-4A4E-AB79-0D54B7828DD9}" type="datetimeFigureOut">
               <a:rPr lang="en-GB" smtClean="0"/>
-              <a:t>06/08/2021</a:t>
+              <a:t>26/08/2021</a:t>
             </a:fld>
             <a:endParaRPr lang="en-GB"/>
           </a:p>
@@ -2110,7 +2111,7 @@
           <a:p>
             <a:fld id="{166DC043-4AEC-4A4E-AB79-0D54B7828DD9}" type="datetimeFigureOut">
               <a:rPr lang="en-GB" smtClean="0"/>
-              <a:t>06/08/2021</a:t>
+              <a:t>26/08/2021</a:t>
             </a:fld>
             <a:endParaRPr lang="en-GB"/>
           </a:p>
@@ -2423,7 +2424,7 @@
           <a:p>
             <a:fld id="{166DC043-4AEC-4A4E-AB79-0D54B7828DD9}" type="datetimeFigureOut">
               <a:rPr lang="en-GB" smtClean="0"/>
-              <a:t>06/08/2021</a:t>
+              <a:t>26/08/2021</a:t>
             </a:fld>
             <a:endParaRPr lang="en-GB"/>
           </a:p>
@@ -2712,7 +2713,7 @@
           <a:p>
             <a:fld id="{166DC043-4AEC-4A4E-AB79-0D54B7828DD9}" type="datetimeFigureOut">
               <a:rPr lang="en-GB" smtClean="0"/>
-              <a:t>06/08/2021</a:t>
+              <a:t>26/08/2021</a:t>
             </a:fld>
             <a:endParaRPr lang="en-GB"/>
           </a:p>
@@ -2955,7 +2956,7 @@
           <a:p>
             <a:fld id="{166DC043-4AEC-4A4E-AB79-0D54B7828DD9}" type="datetimeFigureOut">
               <a:rPr lang="en-GB" smtClean="0"/>
-              <a:t>06/08/2021</a:t>
+              <a:t>26/08/2021</a:t>
             </a:fld>
             <a:endParaRPr lang="en-GB"/>
           </a:p>
@@ -13209,6 +13210,683 @@
 </p:sld>
 </file>
 
+<file path=ppt/slides/slide27.xml><?xml version="1.0" encoding="utf-8"?>
+<p:sld xmlns:a="http://schemas.openxmlformats.org/drawingml/2006/main" xmlns:r="http://schemas.openxmlformats.org/officeDocument/2006/relationships" xmlns:p="http://schemas.openxmlformats.org/presentationml/2006/main">
+  <p:cSld>
+    <p:spTree>
+      <p:nvGrpSpPr>
+        <p:cNvPr id="1" name=""/>
+        <p:cNvGrpSpPr/>
+        <p:nvPr/>
+      </p:nvGrpSpPr>
+      <p:grpSpPr>
+        <a:xfrm>
+          <a:off x="0" y="0"/>
+          <a:ext cx="0" cy="0"/>
+          <a:chOff x="0" y="0"/>
+          <a:chExt cx="0" cy="0"/>
+        </a:xfrm>
+      </p:grpSpPr>
+      <p:pic>
+        <p:nvPicPr>
+          <p:cNvPr id="5" name="Picture 4">
+            <a:extLst>
+              <a:ext uri="{FF2B5EF4-FFF2-40B4-BE49-F238E27FC236}">
+                <a16:creationId xmlns:a16="http://schemas.microsoft.com/office/drawing/2014/main" id="{B3146C87-AA48-407D-B5BB-473050ACAF2C}"/>
+              </a:ext>
+            </a:extLst>
+          </p:cNvPr>
+          <p:cNvPicPr>
+            <a:picLocks noChangeAspect="1"/>
+          </p:cNvPicPr>
+          <p:nvPr/>
+        </p:nvPicPr>
+        <p:blipFill>
+          <a:blip r:embed="rId2">
+            <a:extLst>
+              <a:ext uri="{28A0092B-C50C-407E-A947-70E740481C1C}">
+                <a14:useLocalDpi xmlns:a14="http://schemas.microsoft.com/office/drawing/2010/main" val="0"/>
+              </a:ext>
+            </a:extLst>
+          </a:blip>
+          <a:stretch>
+            <a:fillRect/>
+          </a:stretch>
+        </p:blipFill>
+        <p:spPr>
+          <a:xfrm>
+            <a:off x="1737704" y="494890"/>
+            <a:ext cx="8716591" cy="5868219"/>
+          </a:xfrm>
+          <a:prstGeom prst="rect">
+            <a:avLst/>
+          </a:prstGeom>
+        </p:spPr>
+      </p:pic>
+      <p:sp>
+        <p:nvSpPr>
+          <p:cNvPr id="6" name="Oval 5">
+            <a:extLst>
+              <a:ext uri="{FF2B5EF4-FFF2-40B4-BE49-F238E27FC236}">
+                <a16:creationId xmlns:a16="http://schemas.microsoft.com/office/drawing/2014/main" id="{7A1C347C-1855-43B5-A363-3D57E31C98AF}"/>
+              </a:ext>
+            </a:extLst>
+          </p:cNvPr>
+          <p:cNvSpPr/>
+          <p:nvPr/>
+        </p:nvSpPr>
+        <p:spPr>
+          <a:xfrm>
+            <a:off x="3360821" y="393032"/>
+            <a:ext cx="962526" cy="537410"/>
+          </a:xfrm>
+          <a:prstGeom prst="ellipse">
+            <a:avLst/>
+          </a:prstGeom>
+          <a:noFill/>
+          <a:ln w="19050" cap="flat" cmpd="sng" algn="ctr">
+            <a:solidFill>
+              <a:schemeClr val="accent1"/>
+            </a:solidFill>
+            <a:prstDash val="solid"/>
+            <a:round/>
+            <a:headEnd type="none" w="med" len="med"/>
+            <a:tailEnd type="none" w="med" len="med"/>
+          </a:ln>
+        </p:spPr>
+        <p:style>
+          <a:lnRef idx="0">
+            <a:scrgbClr r="0" g="0" b="0"/>
+          </a:lnRef>
+          <a:fillRef idx="0">
+            <a:scrgbClr r="0" g="0" b="0"/>
+          </a:fillRef>
+          <a:effectRef idx="0">
+            <a:scrgbClr r="0" g="0" b="0"/>
+          </a:effectRef>
+          <a:fontRef idx="minor">
+            <a:schemeClr val="accent1"/>
+          </a:fontRef>
+        </p:style>
+        <p:txBody>
+          <a:bodyPr rtlCol="0" anchor="ctr"/>
+          <a:lstStyle/>
+          <a:p>
+            <a:pPr algn="ctr"/>
+            <a:endParaRPr lang="en-GB"/>
+          </a:p>
+        </p:txBody>
+      </p:sp>
+      <p:cxnSp>
+        <p:nvCxnSpPr>
+          <p:cNvPr id="8" name="Straight Arrow Connector 7">
+            <a:extLst>
+              <a:ext uri="{FF2B5EF4-FFF2-40B4-BE49-F238E27FC236}">
+                <a16:creationId xmlns:a16="http://schemas.microsoft.com/office/drawing/2014/main" id="{422A7DB8-1078-47A3-87E8-54A54AEA29FE}"/>
+              </a:ext>
+            </a:extLst>
+          </p:cNvPr>
+          <p:cNvCxnSpPr/>
+          <p:nvPr/>
+        </p:nvCxnSpPr>
+        <p:spPr>
+          <a:xfrm flipH="1">
+            <a:off x="4419600" y="1459832"/>
+            <a:ext cx="882316" cy="224589"/>
+          </a:xfrm>
+          <a:prstGeom prst="straightConnector1">
+            <a:avLst/>
+          </a:prstGeom>
+          <a:ln>
+            <a:tailEnd type="triangle"/>
+          </a:ln>
+        </p:spPr>
+        <p:style>
+          <a:lnRef idx="3">
+            <a:schemeClr val="accent1"/>
+          </a:lnRef>
+          <a:fillRef idx="0">
+            <a:schemeClr val="accent1"/>
+          </a:fillRef>
+          <a:effectRef idx="2">
+            <a:schemeClr val="accent1"/>
+          </a:effectRef>
+          <a:fontRef idx="minor">
+            <a:schemeClr val="tx1"/>
+          </a:fontRef>
+        </p:style>
+      </p:cxnSp>
+      <p:sp>
+        <p:nvSpPr>
+          <p:cNvPr id="9" name="TextBox 8">
+            <a:extLst>
+              <a:ext uri="{FF2B5EF4-FFF2-40B4-BE49-F238E27FC236}">
+                <a16:creationId xmlns:a16="http://schemas.microsoft.com/office/drawing/2014/main" id="{2B746389-A7B3-47A8-BAB7-6862F972D409}"/>
+              </a:ext>
+            </a:extLst>
+          </p:cNvPr>
+          <p:cNvSpPr txBox="1"/>
+          <p:nvPr/>
+        </p:nvSpPr>
+        <p:spPr>
+          <a:xfrm>
+            <a:off x="5301916" y="1275166"/>
+            <a:ext cx="2029326" cy="400110"/>
+          </a:xfrm>
+          <a:prstGeom prst="rect">
+            <a:avLst/>
+          </a:prstGeom>
+          <a:noFill/>
+        </p:spPr>
+        <p:txBody>
+          <a:bodyPr wrap="square" rtlCol="0">
+            <a:spAutoFit/>
+          </a:bodyPr>
+          <a:lstStyle/>
+          <a:p>
+            <a:r>
+              <a:rPr lang="it-IT" sz="1000" dirty="0"/>
+              <a:t>The </a:t>
+            </a:r>
+            <a:r>
+              <a:rPr lang="it-IT" sz="1000" dirty="0" err="1"/>
+              <a:t>print</a:t>
+            </a:r>
+            <a:r>
+              <a:rPr lang="it-IT" sz="1000" dirty="0"/>
+              <a:t> procedure </a:t>
+            </a:r>
+            <a:r>
+              <a:rPr lang="it-IT" sz="1000" dirty="0" err="1"/>
+              <a:t>prints</a:t>
+            </a:r>
+            <a:r>
+              <a:rPr lang="it-IT" sz="1000" dirty="0"/>
+              <a:t> out the </a:t>
+            </a:r>
+            <a:r>
+              <a:rPr lang="it-IT" sz="1000" dirty="0" err="1"/>
+              <a:t>latest</a:t>
+            </a:r>
+            <a:r>
+              <a:rPr lang="it-IT" sz="1000" dirty="0"/>
+              <a:t> dataset </a:t>
+            </a:r>
+            <a:r>
+              <a:rPr lang="it-IT" sz="1000" dirty="0" err="1"/>
+              <a:t>created</a:t>
+            </a:r>
+            <a:r>
+              <a:rPr lang="it-IT" sz="1000" dirty="0"/>
+              <a:t>: </a:t>
+            </a:r>
+            <a:r>
+              <a:rPr lang="it-IT" sz="1000" i="1" dirty="0" err="1"/>
+              <a:t>hydro_wind</a:t>
+            </a:r>
+            <a:endParaRPr lang="en-GB" sz="1000" dirty="0"/>
+          </a:p>
+        </p:txBody>
+      </p:sp>
+      <p:cxnSp>
+        <p:nvCxnSpPr>
+          <p:cNvPr id="11" name="Straight Arrow Connector 10">
+            <a:extLst>
+              <a:ext uri="{FF2B5EF4-FFF2-40B4-BE49-F238E27FC236}">
+                <a16:creationId xmlns:a16="http://schemas.microsoft.com/office/drawing/2014/main" id="{842E765B-EB5D-4D01-9875-61F2A1202C65}"/>
+              </a:ext>
+            </a:extLst>
+          </p:cNvPr>
+          <p:cNvCxnSpPr>
+            <a:cxnSpLocks/>
+          </p:cNvCxnSpPr>
+          <p:nvPr/>
+        </p:nvCxnSpPr>
+        <p:spPr>
+          <a:xfrm flipH="1" flipV="1">
+            <a:off x="7251033" y="2165685"/>
+            <a:ext cx="665746" cy="240631"/>
+          </a:xfrm>
+          <a:prstGeom prst="straightConnector1">
+            <a:avLst/>
+          </a:prstGeom>
+          <a:ln>
+            <a:tailEnd type="triangle"/>
+          </a:ln>
+        </p:spPr>
+        <p:style>
+          <a:lnRef idx="3">
+            <a:schemeClr val="accent1"/>
+          </a:lnRef>
+          <a:fillRef idx="0">
+            <a:schemeClr val="accent1"/>
+          </a:fillRef>
+          <a:effectRef idx="2">
+            <a:schemeClr val="accent1"/>
+          </a:effectRef>
+          <a:fontRef idx="minor">
+            <a:schemeClr val="tx1"/>
+          </a:fontRef>
+        </p:style>
+      </p:cxnSp>
+      <p:sp>
+        <p:nvSpPr>
+          <p:cNvPr id="15" name="TextBox 14">
+            <a:extLst>
+              <a:ext uri="{FF2B5EF4-FFF2-40B4-BE49-F238E27FC236}">
+                <a16:creationId xmlns:a16="http://schemas.microsoft.com/office/drawing/2014/main" id="{E624CF2F-9C14-442E-A14C-7BF0B6872D59}"/>
+              </a:ext>
+            </a:extLst>
+          </p:cNvPr>
+          <p:cNvSpPr txBox="1"/>
+          <p:nvPr/>
+        </p:nvSpPr>
+        <p:spPr>
+          <a:xfrm>
+            <a:off x="7996989" y="2430379"/>
+            <a:ext cx="2457306" cy="861774"/>
+          </a:xfrm>
+          <a:prstGeom prst="rect">
+            <a:avLst/>
+          </a:prstGeom>
+          <a:noFill/>
+        </p:spPr>
+        <p:txBody>
+          <a:bodyPr wrap="square" rtlCol="0">
+            <a:spAutoFit/>
+          </a:bodyPr>
+          <a:lstStyle/>
+          <a:p>
+            <a:r>
+              <a:rPr lang="it-IT" sz="1000" dirty="0"/>
+              <a:t>The new </a:t>
+            </a:r>
+            <a:r>
+              <a:rPr lang="it-IT" sz="1000" dirty="0" err="1"/>
+              <a:t>variable</a:t>
+            </a:r>
+            <a:r>
+              <a:rPr lang="it-IT" sz="1000" dirty="0"/>
+              <a:t> </a:t>
+            </a:r>
+            <a:r>
+              <a:rPr lang="it-IT" sz="1000" i="1" dirty="0" err="1"/>
+              <a:t>wind_KW</a:t>
+            </a:r>
+            <a:r>
+              <a:rPr lang="it-IT" sz="1000" i="1" dirty="0"/>
+              <a:t> </a:t>
+            </a:r>
+            <a:r>
+              <a:rPr lang="it-IT" sz="1000" dirty="0" err="1"/>
+              <a:t>is</a:t>
+            </a:r>
+            <a:r>
+              <a:rPr lang="it-IT" sz="1000" dirty="0"/>
+              <a:t> </a:t>
+            </a:r>
+            <a:r>
+              <a:rPr lang="it-IT" sz="1000" dirty="0" err="1"/>
+              <a:t>repeated</a:t>
+            </a:r>
+            <a:r>
+              <a:rPr lang="it-IT" sz="1000" dirty="0"/>
+              <a:t> </a:t>
+            </a:r>
+            <a:r>
+              <a:rPr lang="it-IT" sz="1000" dirty="0" err="1"/>
+              <a:t>throughout</a:t>
+            </a:r>
+            <a:r>
+              <a:rPr lang="it-IT" sz="1000" dirty="0"/>
+              <a:t> the dataset </a:t>
+            </a:r>
+            <a:r>
+              <a:rPr lang="it-IT" sz="1000" dirty="0" err="1"/>
+              <a:t>because</a:t>
+            </a:r>
+            <a:r>
+              <a:rPr lang="it-IT" sz="1000" dirty="0"/>
+              <a:t> the macro </a:t>
+            </a:r>
+            <a:r>
+              <a:rPr lang="it-IT" sz="1000" dirty="0" err="1"/>
+              <a:t>variable</a:t>
+            </a:r>
+            <a:r>
+              <a:rPr lang="it-IT" sz="1000" dirty="0"/>
+              <a:t> </a:t>
+            </a:r>
+            <a:r>
+              <a:rPr lang="it-IT" sz="1000" dirty="0" err="1"/>
+              <a:t>could</a:t>
+            </a:r>
+            <a:r>
+              <a:rPr lang="it-IT" sz="1000" dirty="0"/>
+              <a:t> </a:t>
+            </a:r>
+            <a:r>
+              <a:rPr lang="it-IT" sz="1000" dirty="0" err="1"/>
+              <a:t>contain</a:t>
+            </a:r>
+            <a:r>
+              <a:rPr lang="it-IT" sz="1000" dirty="0"/>
+              <a:t> </a:t>
+            </a:r>
+            <a:r>
+              <a:rPr lang="it-IT" sz="1000" b="1" dirty="0" err="1"/>
+              <a:t>only</a:t>
+            </a:r>
+            <a:r>
+              <a:rPr lang="it-IT" sz="1000" b="1" dirty="0"/>
+              <a:t> one </a:t>
+            </a:r>
+            <a:r>
+              <a:rPr lang="it-IT" sz="1000" b="1" dirty="0" err="1"/>
+              <a:t>value</a:t>
+            </a:r>
+            <a:r>
+              <a:rPr lang="it-IT" sz="1000" b="1" dirty="0"/>
+              <a:t> </a:t>
+            </a:r>
+            <a:r>
+              <a:rPr lang="it-IT" sz="1000" dirty="0" err="1"/>
+              <a:t>which</a:t>
+            </a:r>
+            <a:r>
+              <a:rPr lang="it-IT" sz="1000" dirty="0"/>
+              <a:t> </a:t>
+            </a:r>
+            <a:r>
+              <a:rPr lang="it-IT" sz="1000" dirty="0" err="1"/>
+              <a:t>was</a:t>
+            </a:r>
+            <a:r>
+              <a:rPr lang="it-IT" sz="1000" dirty="0"/>
+              <a:t> </a:t>
+            </a:r>
+            <a:r>
+              <a:rPr lang="it-IT" sz="1000" dirty="0" err="1"/>
+              <a:t>true</a:t>
+            </a:r>
+            <a:r>
+              <a:rPr lang="it-IT" sz="1000" dirty="0"/>
+              <a:t> to the </a:t>
+            </a:r>
+            <a:r>
+              <a:rPr lang="it-IT" sz="1000" dirty="0" err="1"/>
+              <a:t>condition</a:t>
+            </a:r>
+            <a:r>
+              <a:rPr lang="it-IT" sz="1000" dirty="0"/>
+              <a:t> </a:t>
+            </a:r>
+            <a:r>
+              <a:rPr lang="it-IT" sz="1000" dirty="0" err="1"/>
+              <a:t>applied</a:t>
+            </a:r>
+            <a:r>
+              <a:rPr lang="it-IT" sz="1000" dirty="0"/>
+              <a:t> </a:t>
+            </a:r>
+            <a:r>
+              <a:rPr lang="it-IT" sz="1000" dirty="0" err="1"/>
+              <a:t>when</a:t>
+            </a:r>
+            <a:r>
+              <a:rPr lang="it-IT" sz="1000" dirty="0"/>
+              <a:t> the macro </a:t>
+            </a:r>
+            <a:r>
+              <a:rPr lang="it-IT" sz="1000" dirty="0" err="1"/>
+              <a:t>variable</a:t>
+            </a:r>
+            <a:r>
+              <a:rPr lang="it-IT" sz="1000" dirty="0"/>
+              <a:t> </a:t>
+            </a:r>
+            <a:r>
+              <a:rPr lang="it-IT" sz="1000" dirty="0" err="1"/>
+              <a:t>was</a:t>
+            </a:r>
+            <a:r>
+              <a:rPr lang="it-IT" sz="1000" dirty="0"/>
+              <a:t> </a:t>
+            </a:r>
+            <a:r>
+              <a:rPr lang="it-IT" sz="1000" dirty="0" err="1"/>
+              <a:t>created</a:t>
+            </a:r>
+            <a:endParaRPr lang="en-GB" sz="1000" b="1" dirty="0"/>
+          </a:p>
+        </p:txBody>
+      </p:sp>
+      <p:cxnSp>
+        <p:nvCxnSpPr>
+          <p:cNvPr id="16" name="Straight Arrow Connector 15">
+            <a:extLst>
+              <a:ext uri="{FF2B5EF4-FFF2-40B4-BE49-F238E27FC236}">
+                <a16:creationId xmlns:a16="http://schemas.microsoft.com/office/drawing/2014/main" id="{EDA11BBB-B492-40CA-B7B3-6B3C63060B5A}"/>
+              </a:ext>
+            </a:extLst>
+          </p:cNvPr>
+          <p:cNvCxnSpPr>
+            <a:cxnSpLocks/>
+          </p:cNvCxnSpPr>
+          <p:nvPr/>
+        </p:nvCxnSpPr>
+        <p:spPr>
+          <a:xfrm flipV="1">
+            <a:off x="4668109" y="2193474"/>
+            <a:ext cx="1427890" cy="353783"/>
+          </a:xfrm>
+          <a:prstGeom prst="straightConnector1">
+            <a:avLst/>
+          </a:prstGeom>
+          <a:ln>
+            <a:tailEnd type="triangle"/>
+          </a:ln>
+        </p:spPr>
+        <p:style>
+          <a:lnRef idx="3">
+            <a:schemeClr val="accent1"/>
+          </a:lnRef>
+          <a:fillRef idx="0">
+            <a:schemeClr val="accent1"/>
+          </a:fillRef>
+          <a:effectRef idx="2">
+            <a:schemeClr val="accent1"/>
+          </a:effectRef>
+          <a:fontRef idx="minor">
+            <a:schemeClr val="tx1"/>
+          </a:fontRef>
+        </p:style>
+      </p:cxnSp>
+      <p:sp>
+        <p:nvSpPr>
+          <p:cNvPr id="19" name="TextBox 18">
+            <a:extLst>
+              <a:ext uri="{FF2B5EF4-FFF2-40B4-BE49-F238E27FC236}">
+                <a16:creationId xmlns:a16="http://schemas.microsoft.com/office/drawing/2014/main" id="{3BE4D550-DC40-464A-826A-6D78B5390FC4}"/>
+              </a:ext>
+            </a:extLst>
+          </p:cNvPr>
+          <p:cNvSpPr txBox="1"/>
+          <p:nvPr/>
+        </p:nvSpPr>
+        <p:spPr>
+          <a:xfrm>
+            <a:off x="3028951" y="2542246"/>
+            <a:ext cx="2106386" cy="861774"/>
+          </a:xfrm>
+          <a:prstGeom prst="rect">
+            <a:avLst/>
+          </a:prstGeom>
+          <a:noFill/>
+        </p:spPr>
+        <p:txBody>
+          <a:bodyPr wrap="square" rtlCol="0">
+            <a:spAutoFit/>
+          </a:bodyPr>
+          <a:lstStyle/>
+          <a:p>
+            <a:r>
+              <a:rPr lang="it-IT" sz="1000" dirty="0"/>
+              <a:t>The new </a:t>
+            </a:r>
+            <a:r>
+              <a:rPr lang="it-IT" sz="1000" dirty="0" err="1"/>
+              <a:t>variable</a:t>
+            </a:r>
+            <a:r>
+              <a:rPr lang="it-IT" sz="1000" dirty="0"/>
+              <a:t> </a:t>
+            </a:r>
+            <a:r>
+              <a:rPr lang="it-IT" sz="1000" i="1" dirty="0" err="1"/>
+              <a:t>hydro_KW</a:t>
+            </a:r>
+            <a:r>
+              <a:rPr lang="en-GB" sz="1000" i="1" dirty="0"/>
+              <a:t> </a:t>
+            </a:r>
+            <a:r>
+              <a:rPr lang="en-GB" sz="1000" dirty="0"/>
+              <a:t>lists all the </a:t>
+            </a:r>
+            <a:r>
+              <a:rPr lang="en-GB" sz="1000" b="1" dirty="0"/>
+              <a:t>n</a:t>
+            </a:r>
+            <a:r>
+              <a:rPr lang="en-GB" sz="1000" b="1" i="1" dirty="0"/>
+              <a:t>th </a:t>
+            </a:r>
+            <a:r>
+              <a:rPr lang="en-GB" sz="1000" dirty="0"/>
+              <a:t>values of hydro power that are true to the condition applied when the macro variable was created</a:t>
+            </a:r>
+            <a:endParaRPr lang="en-GB" sz="1000" i="1" dirty="0"/>
+          </a:p>
+        </p:txBody>
+      </p:sp>
+      <p:sp>
+        <p:nvSpPr>
+          <p:cNvPr id="22" name="Rectangle 21">
+            <a:extLst>
+              <a:ext uri="{FF2B5EF4-FFF2-40B4-BE49-F238E27FC236}">
+                <a16:creationId xmlns:a16="http://schemas.microsoft.com/office/drawing/2014/main" id="{CCF9E33F-D0C8-411C-918C-E6C57C243ABF}"/>
+              </a:ext>
+            </a:extLst>
+          </p:cNvPr>
+          <p:cNvSpPr/>
+          <p:nvPr/>
+        </p:nvSpPr>
+        <p:spPr>
+          <a:xfrm>
+            <a:off x="6095999" y="2073729"/>
+            <a:ext cx="566058" cy="4289380"/>
+          </a:xfrm>
+          <a:prstGeom prst="rect">
+            <a:avLst/>
+          </a:prstGeom>
+          <a:solidFill>
+            <a:schemeClr val="accent2">
+              <a:alpha val="50000"/>
+            </a:schemeClr>
+          </a:solidFill>
+          <a:ln>
+            <a:noFill/>
+          </a:ln>
+        </p:spPr>
+        <p:style>
+          <a:lnRef idx="0">
+            <a:scrgbClr r="0" g="0" b="0"/>
+          </a:lnRef>
+          <a:fillRef idx="0">
+            <a:scrgbClr r="0" g="0" b="0"/>
+          </a:fillRef>
+          <a:effectRef idx="0">
+            <a:scrgbClr r="0" g="0" b="0"/>
+          </a:effectRef>
+          <a:fontRef idx="minor">
+            <a:schemeClr val="lt1"/>
+          </a:fontRef>
+        </p:style>
+        <p:txBody>
+          <a:bodyPr rtlCol="0" anchor="ctr"/>
+          <a:lstStyle/>
+          <a:p>
+            <a:pPr algn="ctr"/>
+            <a:endParaRPr lang="en-GB"/>
+          </a:p>
+        </p:txBody>
+      </p:sp>
+      <p:sp>
+        <p:nvSpPr>
+          <p:cNvPr id="24" name="Rectangle 23">
+            <a:extLst>
+              <a:ext uri="{FF2B5EF4-FFF2-40B4-BE49-F238E27FC236}">
+                <a16:creationId xmlns:a16="http://schemas.microsoft.com/office/drawing/2014/main" id="{22060789-7F41-4659-A05F-1C6B5846BDCC}"/>
+              </a:ext>
+            </a:extLst>
+          </p:cNvPr>
+          <p:cNvSpPr/>
+          <p:nvPr/>
+        </p:nvSpPr>
+        <p:spPr>
+          <a:xfrm>
+            <a:off x="6662057" y="2073729"/>
+            <a:ext cx="566058" cy="4289380"/>
+          </a:xfrm>
+          <a:prstGeom prst="rect">
+            <a:avLst/>
+          </a:prstGeom>
+          <a:solidFill>
+            <a:schemeClr val="accent6">
+              <a:alpha val="50000"/>
+            </a:schemeClr>
+          </a:solidFill>
+          <a:ln>
+            <a:noFill/>
+          </a:ln>
+        </p:spPr>
+        <p:style>
+          <a:lnRef idx="0">
+            <a:scrgbClr r="0" g="0" b="0"/>
+          </a:lnRef>
+          <a:fillRef idx="0">
+            <a:scrgbClr r="0" g="0" b="0"/>
+          </a:fillRef>
+          <a:effectRef idx="0">
+            <a:scrgbClr r="0" g="0" b="0"/>
+          </a:effectRef>
+          <a:fontRef idx="minor">
+            <a:schemeClr val="lt1"/>
+          </a:fontRef>
+        </p:style>
+        <p:txBody>
+          <a:bodyPr rtlCol="0" anchor="ctr"/>
+          <a:lstStyle/>
+          <a:p>
+            <a:pPr algn="ctr"/>
+            <a:endParaRPr lang="en-GB"/>
+          </a:p>
+        </p:txBody>
+      </p:sp>
+    </p:spTree>
+    <p:extLst>
+      <p:ext uri="{BB962C8B-B14F-4D97-AF65-F5344CB8AC3E}">
+        <p14:creationId xmlns:p14="http://schemas.microsoft.com/office/powerpoint/2010/main" val="249018417"/>
+      </p:ext>
+    </p:extLst>
+  </p:cSld>
+  <p:clrMapOvr>
+    <a:masterClrMapping/>
+  </p:clrMapOvr>
+</p:sld>
+</file>
+
 <file path=ppt/slides/slide3.xml><?xml version="1.0" encoding="utf-8"?>
 <p:sld xmlns:a="http://schemas.openxmlformats.org/drawingml/2006/main" xmlns:r="http://schemas.openxmlformats.org/officeDocument/2006/relationships" xmlns:p="http://schemas.openxmlformats.org/presentationml/2006/main">
   <p:cSld>

--- a/screenshots/imgs.pptx
+++ b/screenshots/imgs.pptx
@@ -32,6 +32,7 @@
     <p:sldId id="280" r:id="rId26"/>
     <p:sldId id="281" r:id="rId27"/>
     <p:sldId id="282" r:id="rId28"/>
+    <p:sldId id="283" r:id="rId29"/>
   </p:sldIdLst>
   <p:sldSz cx="12192000" cy="6858000"/>
   <p:notesSz cx="6858000" cy="9144000"/>
@@ -13887,6 +13888,726 @@
 </p:sld>
 </file>
 
+<file path=ppt/slides/slide28.xml><?xml version="1.0" encoding="utf-8"?>
+<p:sld xmlns:a="http://schemas.openxmlformats.org/drawingml/2006/main" xmlns:r="http://schemas.openxmlformats.org/officeDocument/2006/relationships" xmlns:p="http://schemas.openxmlformats.org/presentationml/2006/main">
+  <p:cSld>
+    <p:spTree>
+      <p:nvGrpSpPr>
+        <p:cNvPr id="1" name=""/>
+        <p:cNvGrpSpPr/>
+        <p:nvPr/>
+      </p:nvGrpSpPr>
+      <p:grpSpPr>
+        <a:xfrm>
+          <a:off x="0" y="0"/>
+          <a:ext cx="0" cy="0"/>
+          <a:chOff x="0" y="0"/>
+          <a:chExt cx="0" cy="0"/>
+        </a:xfrm>
+      </p:grpSpPr>
+      <p:pic>
+        <p:nvPicPr>
+          <p:cNvPr id="5" name="Picture 4" descr="Text, timeline&#10;&#10;Description automatically generated">
+            <a:extLst>
+              <a:ext uri="{FF2B5EF4-FFF2-40B4-BE49-F238E27FC236}">
+                <a16:creationId xmlns:a16="http://schemas.microsoft.com/office/drawing/2014/main" id="{FB24F6AF-7DD8-491E-99D7-DFB858051335}"/>
+              </a:ext>
+            </a:extLst>
+          </p:cNvPr>
+          <p:cNvPicPr>
+            <a:picLocks noChangeAspect="1"/>
+          </p:cNvPicPr>
+          <p:nvPr/>
+        </p:nvPicPr>
+        <p:blipFill>
+          <a:blip r:embed="rId2">
+            <a:extLst>
+              <a:ext uri="{28A0092B-C50C-407E-A947-70E740481C1C}">
+                <a14:useLocalDpi xmlns:a14="http://schemas.microsoft.com/office/drawing/2010/main" val="0"/>
+              </a:ext>
+            </a:extLst>
+          </a:blip>
+          <a:stretch>
+            <a:fillRect/>
+          </a:stretch>
+        </p:blipFill>
+        <p:spPr>
+          <a:xfrm>
+            <a:off x="3485785" y="399627"/>
+            <a:ext cx="5220429" cy="6058746"/>
+          </a:xfrm>
+          <a:prstGeom prst="rect">
+            <a:avLst/>
+          </a:prstGeom>
+        </p:spPr>
+      </p:pic>
+      <p:sp>
+        <p:nvSpPr>
+          <p:cNvPr id="6" name="Rectangle 5">
+            <a:extLst>
+              <a:ext uri="{FF2B5EF4-FFF2-40B4-BE49-F238E27FC236}">
+                <a16:creationId xmlns:a16="http://schemas.microsoft.com/office/drawing/2014/main" id="{6D616E8E-BAA7-49F0-86BC-B690469FF330}"/>
+              </a:ext>
+            </a:extLst>
+          </p:cNvPr>
+          <p:cNvSpPr/>
+          <p:nvPr/>
+        </p:nvSpPr>
+        <p:spPr>
+          <a:xfrm>
+            <a:off x="4203032" y="489284"/>
+            <a:ext cx="1475873" cy="216569"/>
+          </a:xfrm>
+          <a:prstGeom prst="rect">
+            <a:avLst/>
+          </a:prstGeom>
+          <a:noFill/>
+          <a:ln w="28575" cap="flat" cmpd="sng" algn="ctr">
+            <a:solidFill>
+              <a:schemeClr val="accent2"/>
+            </a:solidFill>
+            <a:prstDash val="solid"/>
+            <a:round/>
+            <a:headEnd type="none" w="med" len="med"/>
+            <a:tailEnd type="none" w="med" len="med"/>
+          </a:ln>
+        </p:spPr>
+        <p:style>
+          <a:lnRef idx="0">
+            <a:scrgbClr r="0" g="0" b="0"/>
+          </a:lnRef>
+          <a:fillRef idx="0">
+            <a:scrgbClr r="0" g="0" b="0"/>
+          </a:fillRef>
+          <a:effectRef idx="0">
+            <a:scrgbClr r="0" g="0" b="0"/>
+          </a:effectRef>
+          <a:fontRef idx="minor">
+            <a:schemeClr val="accent2"/>
+          </a:fontRef>
+        </p:style>
+        <p:txBody>
+          <a:bodyPr rtlCol="0" anchor="ctr"/>
+          <a:lstStyle/>
+          <a:p>
+            <a:pPr algn="ctr"/>
+            <a:endParaRPr lang="en-GB"/>
+          </a:p>
+        </p:txBody>
+      </p:sp>
+      <p:sp>
+        <p:nvSpPr>
+          <p:cNvPr id="7" name="Rectangle 6">
+            <a:extLst>
+              <a:ext uri="{FF2B5EF4-FFF2-40B4-BE49-F238E27FC236}">
+                <a16:creationId xmlns:a16="http://schemas.microsoft.com/office/drawing/2014/main" id="{0624B4CD-9245-40AB-B454-6043848625A8}"/>
+              </a:ext>
+            </a:extLst>
+          </p:cNvPr>
+          <p:cNvSpPr/>
+          <p:nvPr/>
+        </p:nvSpPr>
+        <p:spPr>
+          <a:xfrm>
+            <a:off x="4203032" y="3272589"/>
+            <a:ext cx="1892968" cy="156411"/>
+          </a:xfrm>
+          <a:prstGeom prst="rect">
+            <a:avLst/>
+          </a:prstGeom>
+          <a:noFill/>
+          <a:ln w="28575" cap="flat" cmpd="sng" algn="ctr">
+            <a:solidFill>
+              <a:schemeClr val="accent2"/>
+            </a:solidFill>
+            <a:prstDash val="solid"/>
+            <a:round/>
+            <a:headEnd type="none" w="med" len="med"/>
+            <a:tailEnd type="none" w="med" len="med"/>
+          </a:ln>
+        </p:spPr>
+        <p:style>
+          <a:lnRef idx="0">
+            <a:scrgbClr r="0" g="0" b="0"/>
+          </a:lnRef>
+          <a:fillRef idx="0">
+            <a:scrgbClr r="0" g="0" b="0"/>
+          </a:fillRef>
+          <a:effectRef idx="0">
+            <a:scrgbClr r="0" g="0" b="0"/>
+          </a:effectRef>
+          <a:fontRef idx="minor">
+            <a:schemeClr val="accent2"/>
+          </a:fontRef>
+        </p:style>
+        <p:txBody>
+          <a:bodyPr rtlCol="0" anchor="ctr"/>
+          <a:lstStyle/>
+          <a:p>
+            <a:pPr algn="ctr"/>
+            <a:endParaRPr lang="en-GB"/>
+          </a:p>
+        </p:txBody>
+      </p:sp>
+      <p:cxnSp>
+        <p:nvCxnSpPr>
+          <p:cNvPr id="9" name="Straight Arrow Connector 8">
+            <a:extLst>
+              <a:ext uri="{FF2B5EF4-FFF2-40B4-BE49-F238E27FC236}">
+                <a16:creationId xmlns:a16="http://schemas.microsoft.com/office/drawing/2014/main" id="{980D6115-C43B-4E99-8716-65C7FF25F179}"/>
+              </a:ext>
+            </a:extLst>
+          </p:cNvPr>
+          <p:cNvCxnSpPr>
+            <a:cxnSpLocks/>
+          </p:cNvCxnSpPr>
+          <p:nvPr/>
+        </p:nvCxnSpPr>
+        <p:spPr>
+          <a:xfrm flipH="1" flipV="1">
+            <a:off x="5775158" y="585538"/>
+            <a:ext cx="2294021" cy="120315"/>
+          </a:xfrm>
+          <a:prstGeom prst="straightConnector1">
+            <a:avLst/>
+          </a:prstGeom>
+          <a:ln>
+            <a:tailEnd type="triangle"/>
+          </a:ln>
+        </p:spPr>
+        <p:style>
+          <a:lnRef idx="2">
+            <a:schemeClr val="accent2"/>
+          </a:lnRef>
+          <a:fillRef idx="0">
+            <a:schemeClr val="accent2"/>
+          </a:fillRef>
+          <a:effectRef idx="1">
+            <a:schemeClr val="accent2"/>
+          </a:effectRef>
+          <a:fontRef idx="minor">
+            <a:schemeClr val="tx1"/>
+          </a:fontRef>
+        </p:style>
+      </p:cxnSp>
+      <p:cxnSp>
+        <p:nvCxnSpPr>
+          <p:cNvPr id="11" name="Straight Arrow Connector 10">
+            <a:extLst>
+              <a:ext uri="{FF2B5EF4-FFF2-40B4-BE49-F238E27FC236}">
+                <a16:creationId xmlns:a16="http://schemas.microsoft.com/office/drawing/2014/main" id="{B2BCFA63-BDCE-49EA-A425-0515A080D699}"/>
+              </a:ext>
+            </a:extLst>
+          </p:cNvPr>
+          <p:cNvCxnSpPr>
+            <a:cxnSpLocks/>
+          </p:cNvCxnSpPr>
+          <p:nvPr/>
+        </p:nvCxnSpPr>
+        <p:spPr>
+          <a:xfrm flipH="1">
+            <a:off x="7210926" y="701842"/>
+            <a:ext cx="858253" cy="533400"/>
+          </a:xfrm>
+          <a:prstGeom prst="straightConnector1">
+            <a:avLst/>
+          </a:prstGeom>
+          <a:ln>
+            <a:tailEnd type="triangle"/>
+          </a:ln>
+        </p:spPr>
+        <p:style>
+          <a:lnRef idx="2">
+            <a:schemeClr val="accent2"/>
+          </a:lnRef>
+          <a:fillRef idx="0">
+            <a:schemeClr val="accent2"/>
+          </a:fillRef>
+          <a:effectRef idx="1">
+            <a:schemeClr val="accent2"/>
+          </a:effectRef>
+          <a:fontRef idx="minor">
+            <a:schemeClr val="tx1"/>
+          </a:fontRef>
+        </p:style>
+      </p:cxnSp>
+      <p:cxnSp>
+        <p:nvCxnSpPr>
+          <p:cNvPr id="14" name="Straight Arrow Connector 13">
+            <a:extLst>
+              <a:ext uri="{FF2B5EF4-FFF2-40B4-BE49-F238E27FC236}">
+                <a16:creationId xmlns:a16="http://schemas.microsoft.com/office/drawing/2014/main" id="{520315AD-31F7-42D2-AAB3-DF1125EB67E6}"/>
+              </a:ext>
+            </a:extLst>
+          </p:cNvPr>
+          <p:cNvCxnSpPr>
+            <a:cxnSpLocks/>
+          </p:cNvCxnSpPr>
+          <p:nvPr/>
+        </p:nvCxnSpPr>
+        <p:spPr>
+          <a:xfrm flipH="1" flipV="1">
+            <a:off x="6136105" y="3405651"/>
+            <a:ext cx="2294021" cy="120315"/>
+          </a:xfrm>
+          <a:prstGeom prst="straightConnector1">
+            <a:avLst/>
+          </a:prstGeom>
+          <a:ln>
+            <a:tailEnd type="triangle"/>
+          </a:ln>
+        </p:spPr>
+        <p:style>
+          <a:lnRef idx="2">
+            <a:schemeClr val="accent2"/>
+          </a:lnRef>
+          <a:fillRef idx="0">
+            <a:schemeClr val="accent2"/>
+          </a:fillRef>
+          <a:effectRef idx="1">
+            <a:schemeClr val="accent2"/>
+          </a:effectRef>
+          <a:fontRef idx="minor">
+            <a:schemeClr val="tx1"/>
+          </a:fontRef>
+        </p:style>
+      </p:cxnSp>
+      <p:cxnSp>
+        <p:nvCxnSpPr>
+          <p:cNvPr id="15" name="Straight Arrow Connector 14">
+            <a:extLst>
+              <a:ext uri="{FF2B5EF4-FFF2-40B4-BE49-F238E27FC236}">
+                <a16:creationId xmlns:a16="http://schemas.microsoft.com/office/drawing/2014/main" id="{EFE30E60-105D-4BAC-AD3E-B536D500E2A3}"/>
+              </a:ext>
+            </a:extLst>
+          </p:cNvPr>
+          <p:cNvCxnSpPr>
+            <a:cxnSpLocks/>
+          </p:cNvCxnSpPr>
+          <p:nvPr/>
+        </p:nvCxnSpPr>
+        <p:spPr>
+          <a:xfrm flipH="1">
+            <a:off x="7571873" y="3521955"/>
+            <a:ext cx="858253" cy="533400"/>
+          </a:xfrm>
+          <a:prstGeom prst="straightConnector1">
+            <a:avLst/>
+          </a:prstGeom>
+          <a:ln>
+            <a:tailEnd type="triangle"/>
+          </a:ln>
+        </p:spPr>
+        <p:style>
+          <a:lnRef idx="2">
+            <a:schemeClr val="accent2"/>
+          </a:lnRef>
+          <a:fillRef idx="0">
+            <a:schemeClr val="accent2"/>
+          </a:fillRef>
+          <a:effectRef idx="1">
+            <a:schemeClr val="accent2"/>
+          </a:effectRef>
+          <a:fontRef idx="minor">
+            <a:schemeClr val="tx1"/>
+          </a:fontRef>
+        </p:style>
+      </p:cxnSp>
+      <p:sp>
+        <p:nvSpPr>
+          <p:cNvPr id="16" name="TextBox 15">
+            <a:extLst>
+              <a:ext uri="{FF2B5EF4-FFF2-40B4-BE49-F238E27FC236}">
+                <a16:creationId xmlns:a16="http://schemas.microsoft.com/office/drawing/2014/main" id="{80B40740-D092-45E4-A1B7-23AD5719EA05}"/>
+              </a:ext>
+            </a:extLst>
+          </p:cNvPr>
+          <p:cNvSpPr txBox="1"/>
+          <p:nvPr/>
+        </p:nvSpPr>
+        <p:spPr>
+          <a:xfrm>
+            <a:off x="8165433" y="517176"/>
+            <a:ext cx="1976550" cy="861774"/>
+          </a:xfrm>
+          <a:prstGeom prst="rect">
+            <a:avLst/>
+          </a:prstGeom>
+          <a:noFill/>
+        </p:spPr>
+        <p:txBody>
+          <a:bodyPr wrap="square" rtlCol="0">
+            <a:spAutoFit/>
+          </a:bodyPr>
+          <a:lstStyle/>
+          <a:p>
+            <a:r>
+              <a:rPr lang="it-IT" sz="1000" dirty="0"/>
+              <a:t>The macro </a:t>
+            </a:r>
+            <a:r>
+              <a:rPr lang="it-IT" sz="1000" i="1" dirty="0" err="1"/>
+              <a:t>check_empty</a:t>
+            </a:r>
+            <a:r>
+              <a:rPr lang="it-IT" sz="1000" dirty="0"/>
+              <a:t> </a:t>
+            </a:r>
+            <a:r>
+              <a:rPr lang="it-IT" sz="1000" dirty="0" err="1"/>
+              <a:t>processes</a:t>
+            </a:r>
+            <a:r>
+              <a:rPr lang="it-IT" sz="1000" dirty="0"/>
+              <a:t> the dataset </a:t>
+            </a:r>
+            <a:r>
+              <a:rPr lang="it-IT" sz="1000" dirty="0" err="1"/>
+              <a:t>called</a:t>
+            </a:r>
+            <a:r>
+              <a:rPr lang="it-IT" sz="1000" dirty="0"/>
+              <a:t> </a:t>
+            </a:r>
+            <a:r>
+              <a:rPr lang="it-IT" sz="1000" i="1" dirty="0"/>
+              <a:t>trial.</a:t>
+            </a:r>
+          </a:p>
+          <a:p>
+            <a:r>
+              <a:rPr lang="it-IT" sz="1000" dirty="0"/>
+              <a:t>The note lists the </a:t>
+            </a:r>
+            <a:r>
+              <a:rPr lang="it-IT" sz="1000" dirty="0" err="1"/>
+              <a:t>details</a:t>
+            </a:r>
+            <a:r>
+              <a:rPr lang="it-IT" sz="1000" dirty="0"/>
+              <a:t> </a:t>
+            </a:r>
+            <a:r>
+              <a:rPr lang="it-IT" sz="1000" dirty="0" err="1"/>
+              <a:t>related</a:t>
+            </a:r>
+            <a:r>
+              <a:rPr lang="it-IT" sz="1000" dirty="0"/>
+              <a:t> to the processing time </a:t>
+            </a:r>
+            <a:r>
+              <a:rPr lang="it-IT" sz="1000" dirty="0" err="1"/>
+              <a:t>required</a:t>
+            </a:r>
+            <a:r>
+              <a:rPr lang="it-IT" sz="1000" dirty="0"/>
+              <a:t> to </a:t>
+            </a:r>
+            <a:r>
+              <a:rPr lang="it-IT" sz="1000" dirty="0" err="1"/>
+              <a:t>execute</a:t>
+            </a:r>
+            <a:r>
+              <a:rPr lang="it-IT" sz="1000" dirty="0"/>
+              <a:t> the macro. </a:t>
+            </a:r>
+            <a:endParaRPr lang="en-GB" sz="1000" dirty="0"/>
+          </a:p>
+        </p:txBody>
+      </p:sp>
+      <p:sp>
+        <p:nvSpPr>
+          <p:cNvPr id="17" name="TextBox 16">
+            <a:extLst>
+              <a:ext uri="{FF2B5EF4-FFF2-40B4-BE49-F238E27FC236}">
+                <a16:creationId xmlns:a16="http://schemas.microsoft.com/office/drawing/2014/main" id="{C70211BF-8CEC-46F8-8797-CD52FF3E671B}"/>
+              </a:ext>
+            </a:extLst>
+          </p:cNvPr>
+          <p:cNvSpPr txBox="1"/>
+          <p:nvPr/>
+        </p:nvSpPr>
+        <p:spPr>
+          <a:xfrm>
+            <a:off x="8430126" y="3350794"/>
+            <a:ext cx="1976550" cy="861774"/>
+          </a:xfrm>
+          <a:prstGeom prst="rect">
+            <a:avLst/>
+          </a:prstGeom>
+          <a:noFill/>
+        </p:spPr>
+        <p:txBody>
+          <a:bodyPr wrap="square" rtlCol="0">
+            <a:spAutoFit/>
+          </a:bodyPr>
+          <a:lstStyle/>
+          <a:p>
+            <a:r>
+              <a:rPr lang="it-IT" sz="1000" dirty="0"/>
+              <a:t>The macro </a:t>
+            </a:r>
+            <a:r>
+              <a:rPr lang="it-IT" sz="1000" i="1" dirty="0" err="1"/>
+              <a:t>check_empty</a:t>
+            </a:r>
+            <a:r>
+              <a:rPr lang="it-IT" sz="1000" dirty="0"/>
+              <a:t> </a:t>
+            </a:r>
+            <a:r>
+              <a:rPr lang="it-IT" sz="1000" dirty="0" err="1"/>
+              <a:t>processes</a:t>
+            </a:r>
+            <a:r>
+              <a:rPr lang="it-IT" sz="1000" dirty="0"/>
+              <a:t> the dataset </a:t>
+            </a:r>
+            <a:r>
+              <a:rPr lang="it-IT" sz="1000" dirty="0" err="1"/>
+              <a:t>called</a:t>
+            </a:r>
+            <a:r>
+              <a:rPr lang="it-IT" sz="1000" dirty="0"/>
+              <a:t> </a:t>
+            </a:r>
+            <a:r>
+              <a:rPr lang="it-IT" sz="1000" i="1" dirty="0" err="1"/>
+              <a:t>hydro_wind</a:t>
+            </a:r>
+            <a:r>
+              <a:rPr lang="it-IT" sz="1000" i="1" dirty="0"/>
+              <a:t> .</a:t>
+            </a:r>
+          </a:p>
+          <a:p>
+            <a:r>
+              <a:rPr lang="it-IT" sz="1000" dirty="0"/>
+              <a:t>The note lists the </a:t>
+            </a:r>
+            <a:r>
+              <a:rPr lang="it-IT" sz="1000" dirty="0" err="1"/>
+              <a:t>details</a:t>
+            </a:r>
+            <a:r>
+              <a:rPr lang="it-IT" sz="1000" dirty="0"/>
+              <a:t> </a:t>
+            </a:r>
+            <a:r>
+              <a:rPr lang="it-IT" sz="1000" dirty="0" err="1"/>
+              <a:t>related</a:t>
+            </a:r>
+            <a:r>
+              <a:rPr lang="it-IT" sz="1000" dirty="0"/>
+              <a:t> to the processing time </a:t>
+            </a:r>
+            <a:r>
+              <a:rPr lang="it-IT" sz="1000" dirty="0" err="1"/>
+              <a:t>required</a:t>
+            </a:r>
+            <a:r>
+              <a:rPr lang="it-IT" sz="1000" dirty="0"/>
+              <a:t> to </a:t>
+            </a:r>
+            <a:r>
+              <a:rPr lang="it-IT" sz="1000" dirty="0" err="1"/>
+              <a:t>execute</a:t>
+            </a:r>
+            <a:r>
+              <a:rPr lang="it-IT" sz="1000" dirty="0"/>
+              <a:t> the macro.</a:t>
+            </a:r>
+            <a:endParaRPr lang="en-GB" sz="1000" dirty="0"/>
+          </a:p>
+        </p:txBody>
+      </p:sp>
+      <p:cxnSp>
+        <p:nvCxnSpPr>
+          <p:cNvPr id="19" name="Straight Arrow Connector 18">
+            <a:extLst>
+              <a:ext uri="{FF2B5EF4-FFF2-40B4-BE49-F238E27FC236}">
+                <a16:creationId xmlns:a16="http://schemas.microsoft.com/office/drawing/2014/main" id="{9DF89E65-E1E1-41F3-A2A6-A879C298D381}"/>
+              </a:ext>
+            </a:extLst>
+          </p:cNvPr>
+          <p:cNvCxnSpPr/>
+          <p:nvPr/>
+        </p:nvCxnSpPr>
+        <p:spPr>
+          <a:xfrm flipH="1">
+            <a:off x="6713621" y="3104147"/>
+            <a:ext cx="1612232" cy="96253"/>
+          </a:xfrm>
+          <a:prstGeom prst="straightConnector1">
+            <a:avLst/>
+          </a:prstGeom>
+          <a:ln>
+            <a:tailEnd type="triangle"/>
+          </a:ln>
+        </p:spPr>
+        <p:style>
+          <a:lnRef idx="3">
+            <a:schemeClr val="accent1"/>
+          </a:lnRef>
+          <a:fillRef idx="0">
+            <a:schemeClr val="accent1"/>
+          </a:fillRef>
+          <a:effectRef idx="2">
+            <a:schemeClr val="accent1"/>
+          </a:effectRef>
+          <a:fontRef idx="minor">
+            <a:schemeClr val="tx1"/>
+          </a:fontRef>
+        </p:style>
+      </p:cxnSp>
+      <p:sp>
+        <p:nvSpPr>
+          <p:cNvPr id="20" name="TextBox 19">
+            <a:extLst>
+              <a:ext uri="{FF2B5EF4-FFF2-40B4-BE49-F238E27FC236}">
+                <a16:creationId xmlns:a16="http://schemas.microsoft.com/office/drawing/2014/main" id="{C4FE3C72-B883-46CA-A137-71F907FF4ABF}"/>
+              </a:ext>
+            </a:extLst>
+          </p:cNvPr>
+          <p:cNvSpPr txBox="1"/>
+          <p:nvPr/>
+        </p:nvSpPr>
+        <p:spPr>
+          <a:xfrm>
+            <a:off x="8325853" y="2973342"/>
+            <a:ext cx="2864887" cy="261610"/>
+          </a:xfrm>
+          <a:prstGeom prst="rect">
+            <a:avLst/>
+          </a:prstGeom>
+          <a:noFill/>
+        </p:spPr>
+        <p:txBody>
+          <a:bodyPr wrap="none" rtlCol="0">
+            <a:spAutoFit/>
+          </a:bodyPr>
+          <a:lstStyle/>
+          <a:p>
+            <a:r>
+              <a:rPr lang="it-IT" sz="1100" dirty="0"/>
+              <a:t>The </a:t>
+            </a:r>
+            <a:r>
+              <a:rPr lang="it-IT" sz="1100" dirty="0" err="1"/>
+              <a:t>message</a:t>
+            </a:r>
+            <a:r>
+              <a:rPr lang="it-IT" sz="1100" dirty="0"/>
+              <a:t> output after the macro </a:t>
+            </a:r>
+            <a:r>
+              <a:rPr lang="it-IT" sz="1100" dirty="0" err="1"/>
+              <a:t>execution</a:t>
+            </a:r>
+            <a:endParaRPr lang="en-GB" sz="1100" dirty="0"/>
+          </a:p>
+        </p:txBody>
+      </p:sp>
+      <p:cxnSp>
+        <p:nvCxnSpPr>
+          <p:cNvPr id="22" name="Straight Arrow Connector 21">
+            <a:extLst>
+              <a:ext uri="{FF2B5EF4-FFF2-40B4-BE49-F238E27FC236}">
+                <a16:creationId xmlns:a16="http://schemas.microsoft.com/office/drawing/2014/main" id="{76E4BBD6-CC19-41F5-B096-2FA8E2916625}"/>
+              </a:ext>
+            </a:extLst>
+          </p:cNvPr>
+          <p:cNvCxnSpPr/>
+          <p:nvPr/>
+        </p:nvCxnSpPr>
+        <p:spPr>
+          <a:xfrm flipH="1">
+            <a:off x="7317886" y="5803945"/>
+            <a:ext cx="1612232" cy="96253"/>
+          </a:xfrm>
+          <a:prstGeom prst="straightConnector1">
+            <a:avLst/>
+          </a:prstGeom>
+          <a:ln>
+            <a:tailEnd type="triangle"/>
+          </a:ln>
+        </p:spPr>
+        <p:style>
+          <a:lnRef idx="3">
+            <a:schemeClr val="accent1"/>
+          </a:lnRef>
+          <a:fillRef idx="0">
+            <a:schemeClr val="accent1"/>
+          </a:fillRef>
+          <a:effectRef idx="2">
+            <a:schemeClr val="accent1"/>
+          </a:effectRef>
+          <a:fontRef idx="minor">
+            <a:schemeClr val="tx1"/>
+          </a:fontRef>
+        </p:style>
+      </p:cxnSp>
+      <p:sp>
+        <p:nvSpPr>
+          <p:cNvPr id="23" name="TextBox 22">
+            <a:extLst>
+              <a:ext uri="{FF2B5EF4-FFF2-40B4-BE49-F238E27FC236}">
+                <a16:creationId xmlns:a16="http://schemas.microsoft.com/office/drawing/2014/main" id="{47BF8320-7CC7-44FC-86BC-8502FA2AC7F0}"/>
+              </a:ext>
+            </a:extLst>
+          </p:cNvPr>
+          <p:cNvSpPr txBox="1"/>
+          <p:nvPr/>
+        </p:nvSpPr>
+        <p:spPr>
+          <a:xfrm>
+            <a:off x="8930118" y="5673140"/>
+            <a:ext cx="2864887" cy="261610"/>
+          </a:xfrm>
+          <a:prstGeom prst="rect">
+            <a:avLst/>
+          </a:prstGeom>
+          <a:noFill/>
+        </p:spPr>
+        <p:txBody>
+          <a:bodyPr wrap="none" rtlCol="0">
+            <a:spAutoFit/>
+          </a:bodyPr>
+          <a:lstStyle/>
+          <a:p>
+            <a:r>
+              <a:rPr lang="it-IT" sz="1100" dirty="0"/>
+              <a:t>The </a:t>
+            </a:r>
+            <a:r>
+              <a:rPr lang="it-IT" sz="1100" dirty="0" err="1"/>
+              <a:t>message</a:t>
+            </a:r>
+            <a:r>
+              <a:rPr lang="it-IT" sz="1100" dirty="0"/>
+              <a:t> output after the macro </a:t>
+            </a:r>
+            <a:r>
+              <a:rPr lang="it-IT" sz="1100" dirty="0" err="1"/>
+              <a:t>execution</a:t>
+            </a:r>
+            <a:endParaRPr lang="en-GB" sz="1100" dirty="0"/>
+          </a:p>
+        </p:txBody>
+      </p:sp>
+    </p:spTree>
+    <p:extLst>
+      <p:ext uri="{BB962C8B-B14F-4D97-AF65-F5344CB8AC3E}">
+        <p14:creationId xmlns:p14="http://schemas.microsoft.com/office/powerpoint/2010/main" val="3705141805"/>
+      </p:ext>
+    </p:extLst>
+  </p:cSld>
+  <p:clrMapOvr>
+    <a:masterClrMapping/>
+  </p:clrMapOvr>
+</p:sld>
+</file>
+
 <file path=ppt/slides/slide3.xml><?xml version="1.0" encoding="utf-8"?>
 <p:sld xmlns:a="http://schemas.openxmlformats.org/drawingml/2006/main" xmlns:r="http://schemas.openxmlformats.org/officeDocument/2006/relationships" xmlns:p="http://schemas.openxmlformats.org/presentationml/2006/main">
   <p:cSld>
